--- a/Multimodal personalized multiuser Home Assistant.pptx
+++ b/Multimodal personalized multiuser Home Assistant.pptx
@@ -10,8 +10,10 @@
     <p:sldId id="258" r:id="rId4"/>
     <p:sldId id="259" r:id="rId5"/>
     <p:sldId id="260" r:id="rId6"/>
-    <p:sldId id="261" r:id="rId7"/>
-    <p:sldId id="262" r:id="rId8"/>
+    <p:sldId id="263" r:id="rId7"/>
+    <p:sldId id="261" r:id="rId8"/>
+    <p:sldId id="264" r:id="rId9"/>
+    <p:sldId id="262" r:id="rId10"/>
   </p:sldIdLst>
   <p:sldSz cx="12192000" cy="6858000"/>
   <p:notesSz cx="6858000" cy="9144000"/>
@@ -110,6 +112,11 @@
       </a:defRPr>
     </a:lvl9pPr>
   </p:defaultTextStyle>
+  <p:extLst>
+    <p:ext uri="{EFAFB233-063F-42B5-8137-9DF3F51BA10A}">
+      <p15:sldGuideLst xmlns:p15="http://schemas.microsoft.com/office/powerpoint/2012/main"/>
+    </p:ext>
+  </p:extLst>
 </p:presentation>
 </file>
 
@@ -6062,7 +6069,7 @@
           <a:lstStyle/>
           <a:p>
             <a:r>
-              <a:rPr lang="en-US" sz="4800"/>
+              <a:rPr lang="en-US" sz="4800" dirty="0"/>
               <a:t>Interaction structure pt. I recognizing a user</a:t>
             </a:r>
           </a:p>
@@ -6205,6 +6212,333 @@
       </p:grpSpPr>
       <p:sp>
         <p:nvSpPr>
+          <p:cNvPr id="4" name="Title 3">
+            <a:extLst>
+              <a:ext uri="{FF2B5EF4-FFF2-40B4-BE49-F238E27FC236}">
+                <a16:creationId xmlns:a16="http://schemas.microsoft.com/office/drawing/2014/main" id="{E33902E8-55EE-40E1-8676-F0E39B3B00F7}"/>
+              </a:ext>
+            </a:extLst>
+          </p:cNvPr>
+          <p:cNvSpPr>
+            <a:spLocks noGrp="1"/>
+          </p:cNvSpPr>
+          <p:nvPr>
+            <p:ph type="title"/>
+          </p:nvPr>
+        </p:nvSpPr>
+        <p:spPr/>
+        <p:txBody>
+          <a:bodyPr/>
+          <a:lstStyle/>
+          <a:p>
+            <a:r>
+              <a:rPr lang="en-US" sz="3200" dirty="0"/>
+              <a:t>Interaction structure pt. I recognizing a user</a:t>
+            </a:r>
+            <a:br>
+              <a:rPr lang="en-US" sz="3200" dirty="0"/>
+            </a:br>
+            <a:r>
+              <a:rPr lang="en-US" sz="3200" dirty="0"/>
+              <a:t>Deeper dive</a:t>
+            </a:r>
+            <a:endParaRPr lang="en-US" dirty="0"/>
+          </a:p>
+        </p:txBody>
+      </p:sp>
+      <p:pic>
+        <p:nvPicPr>
+          <p:cNvPr id="16" name="Content Placeholder 15">
+            <a:extLst>
+              <a:ext uri="{FF2B5EF4-FFF2-40B4-BE49-F238E27FC236}">
+                <a16:creationId xmlns:a16="http://schemas.microsoft.com/office/drawing/2014/main" id="{64B0D072-7FEC-4CA9-9CA2-7AD85634B89A}"/>
+              </a:ext>
+            </a:extLst>
+          </p:cNvPr>
+          <p:cNvPicPr>
+            <a:picLocks noGrp="1" noChangeAspect="1"/>
+          </p:cNvPicPr>
+          <p:nvPr>
+            <p:ph idx="1"/>
+          </p:nvPr>
+        </p:nvPicPr>
+        <p:blipFill>
+          <a:blip r:embed="rId2"/>
+          <a:stretch>
+            <a:fillRect/>
+          </a:stretch>
+        </p:blipFill>
+        <p:spPr>
+          <a:xfrm>
+            <a:off x="5166498" y="1386849"/>
+            <a:ext cx="6172200" cy="872301"/>
+          </a:xfrm>
+        </p:spPr>
+      </p:pic>
+      <p:sp>
+        <p:nvSpPr>
+          <p:cNvPr id="6" name="Text Placeholder 5">
+            <a:extLst>
+              <a:ext uri="{FF2B5EF4-FFF2-40B4-BE49-F238E27FC236}">
+                <a16:creationId xmlns:a16="http://schemas.microsoft.com/office/drawing/2014/main" id="{429866D7-68DC-4DDE-BC55-20952FF35BE1}"/>
+              </a:ext>
+            </a:extLst>
+          </p:cNvPr>
+          <p:cNvSpPr>
+            <a:spLocks noGrp="1"/>
+          </p:cNvSpPr>
+          <p:nvPr>
+            <p:ph type="body" sz="half" idx="2"/>
+          </p:nvPr>
+        </p:nvSpPr>
+        <p:spPr/>
+        <p:txBody>
+          <a:bodyPr>
+            <a:normAutofit fontScale="92500" lnSpcReduction="20000"/>
+          </a:bodyPr>
+          <a:lstStyle/>
+          <a:p>
+            <a:r>
+              <a:rPr lang="en-US" dirty="0"/>
+              <a:t>Three steps are involved in making the interaction happen:</a:t>
+            </a:r>
+          </a:p>
+          <a:p>
+            <a:pPr marL="342900" indent="-342900">
+              <a:buFont typeface="+mj-lt"/>
+              <a:buAutoNum type="arabicPeriod"/>
+            </a:pPr>
+            <a:r>
+              <a:rPr lang="en-US" dirty="0"/>
+              <a:t>Start the camera and a continuous loop where we gather the current image the camera is receiving</a:t>
+            </a:r>
+          </a:p>
+          <a:p>
+            <a:pPr marL="342900" indent="-342900">
+              <a:buFont typeface="+mj-lt"/>
+              <a:buAutoNum type="arabicPeriod"/>
+            </a:pPr>
+            <a:r>
+              <a:rPr lang="en-US" dirty="0"/>
+              <a:t>Send the captured frame over to the </a:t>
+            </a:r>
+            <a:r>
+              <a:rPr lang="en-US" dirty="0" err="1"/>
+              <a:t>detect_presence</a:t>
+            </a:r>
+            <a:r>
+              <a:rPr lang="en-US" dirty="0"/>
+              <a:t> method:</a:t>
+            </a:r>
+          </a:p>
+          <a:p>
+            <a:pPr marL="800100" lvl="1" indent="-342900">
+              <a:buFont typeface="+mj-lt"/>
+              <a:buAutoNum type="arabicPeriod"/>
+            </a:pPr>
+            <a:r>
+              <a:rPr lang="en-US" dirty="0"/>
+              <a:t>Converts the frame in B&amp;W</a:t>
+            </a:r>
+          </a:p>
+          <a:p>
+            <a:pPr marL="800100" lvl="1" indent="-342900">
+              <a:buFont typeface="+mj-lt"/>
+              <a:buAutoNum type="arabicPeriod"/>
+            </a:pPr>
+            <a:r>
+              <a:rPr lang="en-US" dirty="0"/>
+              <a:t>Uses the preloaded </a:t>
+            </a:r>
+            <a:r>
+              <a:rPr lang="en-US" dirty="0" err="1"/>
+              <a:t>opencv</a:t>
+            </a:r>
+            <a:r>
+              <a:rPr lang="en-US" dirty="0"/>
+              <a:t> </a:t>
+            </a:r>
+            <a:r>
+              <a:rPr lang="en-US" dirty="0" err="1"/>
+              <a:t>CascadeClassifier</a:t>
+            </a:r>
+            <a:r>
+              <a:rPr lang="en-US" dirty="0"/>
+              <a:t> with </a:t>
+            </a:r>
+            <a:r>
+              <a:rPr lang="en-US" dirty="0" err="1"/>
+              <a:t>Haar</a:t>
+            </a:r>
+            <a:r>
+              <a:rPr lang="en-US" dirty="0"/>
+              <a:t> Cascades to attempt detection</a:t>
+            </a:r>
+          </a:p>
+          <a:p>
+            <a:pPr marL="342900" indent="-342900">
+              <a:buFont typeface="+mj-lt"/>
+              <a:buAutoNum type="arabicPeriod"/>
+            </a:pPr>
+            <a:r>
+              <a:rPr lang="en-US" dirty="0"/>
+              <a:t>Attempt recognizing the person from the frame they have been detected in:</a:t>
+            </a:r>
+          </a:p>
+          <a:p>
+            <a:pPr marL="800100" lvl="1" indent="-342900">
+              <a:buFont typeface="+mj-lt"/>
+              <a:buAutoNum type="arabicPeriod"/>
+            </a:pPr>
+            <a:r>
+              <a:rPr lang="en-US" dirty="0"/>
+              <a:t>Generate face encodings for each face</a:t>
+            </a:r>
+          </a:p>
+          <a:p>
+            <a:pPr marL="800100" lvl="1" indent="-342900">
+              <a:buFont typeface="+mj-lt"/>
+              <a:buAutoNum type="arabicPeriod"/>
+            </a:pPr>
+            <a:r>
+              <a:rPr lang="en-US" dirty="0"/>
+              <a:t>Compare each encoding to the ones locally saved for each member until there is a match</a:t>
+            </a:r>
+          </a:p>
+          <a:p>
+            <a:pPr marL="342900" indent="-342900">
+              <a:buFont typeface="+mj-lt"/>
+              <a:buAutoNum type="arabicPeriod"/>
+            </a:pPr>
+            <a:r>
+              <a:rPr lang="en-US" dirty="0"/>
+              <a:t>If all else fails, ask the person to identify themselves by using voice</a:t>
+            </a:r>
+          </a:p>
+        </p:txBody>
+      </p:sp>
+      <p:pic>
+        <p:nvPicPr>
+          <p:cNvPr id="18" name="Picture 17">
+            <a:extLst>
+              <a:ext uri="{FF2B5EF4-FFF2-40B4-BE49-F238E27FC236}">
+                <a16:creationId xmlns:a16="http://schemas.microsoft.com/office/drawing/2014/main" id="{079FAB0C-574F-4906-9DF8-A6B2216FFD5A}"/>
+              </a:ext>
+            </a:extLst>
+          </p:cNvPr>
+          <p:cNvPicPr>
+            <a:picLocks noChangeAspect="1"/>
+          </p:cNvPicPr>
+          <p:nvPr/>
+        </p:nvPicPr>
+        <p:blipFill>
+          <a:blip r:embed="rId3"/>
+          <a:stretch>
+            <a:fillRect/>
+          </a:stretch>
+        </p:blipFill>
+        <p:spPr>
+          <a:xfrm>
+            <a:off x="5169674" y="2737361"/>
+            <a:ext cx="6169024" cy="887916"/>
+          </a:xfrm>
+          <a:prstGeom prst="rect">
+            <a:avLst/>
+          </a:prstGeom>
+        </p:spPr>
+      </p:pic>
+      <p:pic>
+        <p:nvPicPr>
+          <p:cNvPr id="20" name="Picture 19">
+            <a:extLst>
+              <a:ext uri="{FF2B5EF4-FFF2-40B4-BE49-F238E27FC236}">
+                <a16:creationId xmlns:a16="http://schemas.microsoft.com/office/drawing/2014/main" id="{4A5AD2E4-BB20-4E46-B2FC-65A2BE3B5245}"/>
+              </a:ext>
+            </a:extLst>
+          </p:cNvPr>
+          <p:cNvPicPr>
+            <a:picLocks noChangeAspect="1"/>
+          </p:cNvPicPr>
+          <p:nvPr/>
+        </p:nvPicPr>
+        <p:blipFill>
+          <a:blip r:embed="rId4"/>
+          <a:stretch>
+            <a:fillRect/>
+          </a:stretch>
+        </p:blipFill>
+        <p:spPr>
+          <a:xfrm>
+            <a:off x="5169674" y="4120639"/>
+            <a:ext cx="6172200" cy="1748349"/>
+          </a:xfrm>
+          <a:prstGeom prst="rect">
+            <a:avLst/>
+          </a:prstGeom>
+        </p:spPr>
+      </p:pic>
+      <p:pic>
+        <p:nvPicPr>
+          <p:cNvPr id="22" name="Picture 21">
+            <a:extLst>
+              <a:ext uri="{FF2B5EF4-FFF2-40B4-BE49-F238E27FC236}">
+                <a16:creationId xmlns:a16="http://schemas.microsoft.com/office/drawing/2014/main" id="{1E239B27-138E-4F0A-99BC-27D9CBFE139D}"/>
+              </a:ext>
+            </a:extLst>
+          </p:cNvPr>
+          <p:cNvPicPr>
+            <a:picLocks noChangeAspect="1"/>
+          </p:cNvPicPr>
+          <p:nvPr/>
+        </p:nvPicPr>
+        <p:blipFill>
+          <a:blip r:embed="rId5"/>
+          <a:stretch>
+            <a:fillRect/>
+          </a:stretch>
+        </p:blipFill>
+        <p:spPr>
+          <a:xfrm>
+            <a:off x="5169674" y="452516"/>
+            <a:ext cx="6172200" cy="438971"/>
+          </a:xfrm>
+          <a:prstGeom prst="rect">
+            <a:avLst/>
+          </a:prstGeom>
+        </p:spPr>
+      </p:pic>
+    </p:spTree>
+    <p:extLst>
+      <p:ext uri="{BB962C8B-B14F-4D97-AF65-F5344CB8AC3E}">
+        <p14:creationId xmlns:p14="http://schemas.microsoft.com/office/powerpoint/2010/main" val="2102667913"/>
+      </p:ext>
+    </p:extLst>
+  </p:cSld>
+  <p:clrMapOvr>
+    <a:masterClrMapping/>
+  </p:clrMapOvr>
+</p:sld>
+</file>
+
+<file path=ppt/slides/slide7.xml><?xml version="1.0" encoding="utf-8"?>
+<p:sld xmlns:a="http://schemas.openxmlformats.org/drawingml/2006/main" xmlns:r="http://schemas.openxmlformats.org/officeDocument/2006/relationships" xmlns:p="http://schemas.openxmlformats.org/presentationml/2006/main">
+  <p:cSld>
+    <p:spTree>
+      <p:nvGrpSpPr>
+        <p:cNvPr id="1" name=""/>
+        <p:cNvGrpSpPr/>
+        <p:nvPr/>
+      </p:nvGrpSpPr>
+      <p:grpSpPr>
+        <a:xfrm>
+          <a:off x="0" y="0"/>
+          <a:ext cx="0" cy="0"/>
+          <a:chOff x="0" y="0"/>
+          <a:chExt cx="0" cy="0"/>
+        </a:xfrm>
+      </p:grpSpPr>
+      <p:sp>
+        <p:nvSpPr>
           <p:cNvPr id="2" name="Title 1">
             <a:extLst>
               <a:ext uri="{FF2B5EF4-FFF2-40B4-BE49-F238E27FC236}">
@@ -6358,7 +6692,600 @@
 </p:sld>
 </file>
 
-<file path=ppt/slides/slide7.xml><?xml version="1.0" encoding="utf-8"?>
+<file path=ppt/slides/slide8.xml><?xml version="1.0" encoding="utf-8"?>
+<p:sld xmlns:a="http://schemas.openxmlformats.org/drawingml/2006/main" xmlns:r="http://schemas.openxmlformats.org/officeDocument/2006/relationships" xmlns:p="http://schemas.openxmlformats.org/presentationml/2006/main">
+  <p:cSld>
+    <p:bg>
+      <p:bgPr>
+        <a:solidFill>
+          <a:schemeClr val="bg1"/>
+        </a:solidFill>
+        <a:effectLst/>
+      </p:bgPr>
+    </p:bg>
+    <p:spTree>
+      <p:nvGrpSpPr>
+        <p:cNvPr id="1" name=""/>
+        <p:cNvGrpSpPr/>
+        <p:nvPr/>
+      </p:nvGrpSpPr>
+      <p:grpSpPr>
+        <a:xfrm>
+          <a:off x="0" y="0"/>
+          <a:ext cx="0" cy="0"/>
+          <a:chOff x="0" y="0"/>
+          <a:chExt cx="0" cy="0"/>
+        </a:xfrm>
+      </p:grpSpPr>
+      <p:sp useBgFill="1">
+        <p:nvSpPr>
+          <p:cNvPr id="52" name="Rectangle 42">
+            <a:extLst>
+              <a:ext uri="{FF2B5EF4-FFF2-40B4-BE49-F238E27FC236}">
+                <a16:creationId xmlns:a16="http://schemas.microsoft.com/office/drawing/2014/main" id="{201CC55D-ED54-4C5C-95E6-10947BD1103B}"/>
+              </a:ext>
+              <a:ext uri="{C183D7F6-B498-43B3-948B-1728B52AA6E4}">
+                <adec:decorative xmlns:adec="http://schemas.microsoft.com/office/drawing/2017/decorative" val="1"/>
+              </a:ext>
+            </a:extLst>
+          </p:cNvPr>
+          <p:cNvSpPr>
+            <a:spLocks noGrp="1" noRot="1" noChangeAspect="1" noMove="1" noResize="1" noEditPoints="1" noAdjustHandles="1" noChangeArrowheads="1" noChangeShapeType="1" noTextEdit="1"/>
+          </p:cNvSpPr>
+          <p:nvPr>
+            <p:extLst>
+              <p:ext uri="{386F3935-93C4-4BCD-93E2-E3B085C9AB24}">
+                <p16:designElem xmlns:p16="http://schemas.microsoft.com/office/powerpoint/2015/main" val="1"/>
+              </p:ext>
+            </p:extLst>
+          </p:nvPr>
+        </p:nvSpPr>
+        <p:spPr>
+          <a:xfrm>
+            <a:off x="0" y="0"/>
+            <a:ext cx="12191999" cy="6857365"/>
+          </a:xfrm>
+          <a:prstGeom prst="rect">
+            <a:avLst/>
+          </a:prstGeom>
+          <a:ln>
+            <a:noFill/>
+          </a:ln>
+        </p:spPr>
+        <p:style>
+          <a:lnRef idx="2">
+            <a:schemeClr val="accent1">
+              <a:shade val="50000"/>
+            </a:schemeClr>
+          </a:lnRef>
+          <a:fillRef idx="1">
+            <a:schemeClr val="accent1"/>
+          </a:fillRef>
+          <a:effectRef idx="0">
+            <a:schemeClr val="accent1"/>
+          </a:effectRef>
+          <a:fontRef idx="minor">
+            <a:schemeClr val="lt1"/>
+          </a:fontRef>
+        </p:style>
+        <p:txBody>
+          <a:bodyPr rtlCol="0" anchor="ctr"/>
+          <a:lstStyle/>
+          <a:p>
+            <a:pPr algn="ctr"/>
+            <a:endParaRPr lang="en-US"/>
+          </a:p>
+        </p:txBody>
+      </p:sp>
+      <p:sp>
+        <p:nvSpPr>
+          <p:cNvPr id="2" name="Title 1">
+            <a:extLst>
+              <a:ext uri="{FF2B5EF4-FFF2-40B4-BE49-F238E27FC236}">
+                <a16:creationId xmlns:a16="http://schemas.microsoft.com/office/drawing/2014/main" id="{F703FF40-49BD-4711-8571-801EBE0CF90B}"/>
+              </a:ext>
+            </a:extLst>
+          </p:cNvPr>
+          <p:cNvSpPr>
+            <a:spLocks noGrp="1"/>
+          </p:cNvSpPr>
+          <p:nvPr>
+            <p:ph type="title"/>
+          </p:nvPr>
+        </p:nvSpPr>
+        <p:spPr>
+          <a:xfrm>
+            <a:off x="589560" y="856180"/>
+            <a:ext cx="4560584" cy="1128068"/>
+          </a:xfrm>
+        </p:spPr>
+        <p:txBody>
+          <a:bodyPr vert="horz" lIns="91440" tIns="45720" rIns="91440" bIns="45720" rtlCol="0" anchor="ctr">
+            <a:normAutofit/>
+          </a:bodyPr>
+          <a:lstStyle/>
+          <a:p>
+            <a:r>
+              <a:rPr lang="en-US" sz="2500"/>
+              <a:t>Interaction structure pt. I: what if they can’t be recognized?</a:t>
+            </a:r>
+          </a:p>
+        </p:txBody>
+      </p:sp>
+      <p:grpSp>
+        <p:nvGrpSpPr>
+          <p:cNvPr id="54" name="Group 44">
+            <a:extLst>
+              <a:ext uri="{FF2B5EF4-FFF2-40B4-BE49-F238E27FC236}">
+                <a16:creationId xmlns:a16="http://schemas.microsoft.com/office/drawing/2014/main" id="{1DE889C7-FAD6-4397-98E2-05D503484459}"/>
+              </a:ext>
+              <a:ext uri="{C183D7F6-B498-43B3-948B-1728B52AA6E4}">
+                <adec:decorative xmlns:adec="http://schemas.microsoft.com/office/drawing/2017/decorative" val="1"/>
+              </a:ext>
+            </a:extLst>
+          </p:cNvPr>
+          <p:cNvGrpSpPr>
+            <a:grpSpLocks noGrp="1" noUngrp="1" noRot="1" noChangeAspect="1" noMove="1" noResize="1"/>
+          </p:cNvGrpSpPr>
+          <p:nvPr>
+            <p:extLst>
+              <p:ext uri="{386F3935-93C4-4BCD-93E2-E3B085C9AB24}">
+                <p16:designElem xmlns:p16="http://schemas.microsoft.com/office/powerpoint/2015/main" val="1"/>
+              </p:ext>
+            </p:extLst>
+          </p:nvPr>
+        </p:nvGrpSpPr>
+        <p:grpSpPr>
+          <a:xfrm>
+            <a:off x="0" y="1083484"/>
+            <a:ext cx="355196" cy="673460"/>
+            <a:chOff x="0" y="823811"/>
+            <a:chExt cx="355196" cy="673460"/>
+          </a:xfrm>
+        </p:grpSpPr>
+        <p:sp>
+          <p:nvSpPr>
+            <p:cNvPr id="46" name="Rectangle 45">
+              <a:extLst>
+                <a:ext uri="{FF2B5EF4-FFF2-40B4-BE49-F238E27FC236}">
+                  <a16:creationId xmlns:a16="http://schemas.microsoft.com/office/drawing/2014/main" id="{F399A70F-F8CD-4992-9EF5-6CF15472E73F}"/>
+                </a:ext>
+                <a:ext uri="{C183D7F6-B498-43B3-948B-1728B52AA6E4}">
+                  <adec:decorative xmlns:adec="http://schemas.microsoft.com/office/drawing/2017/decorative" val="1"/>
+                </a:ext>
+              </a:extLst>
+            </p:cNvPr>
+            <p:cNvSpPr/>
+            <p:nvPr>
+              <p:extLst>
+                <p:ext uri="{386F3935-93C4-4BCD-93E2-E3B085C9AB24}">
+                  <p16:designElem xmlns:p16="http://schemas.microsoft.com/office/powerpoint/2015/main" val="1"/>
+                </p:ext>
+              </p:extLst>
+            </p:nvPr>
+          </p:nvSpPr>
+          <p:spPr>
+            <a:xfrm>
+              <a:off x="0" y="823811"/>
+              <a:ext cx="87363" cy="673460"/>
+            </a:xfrm>
+            <a:prstGeom prst="rect">
+              <a:avLst/>
+            </a:prstGeom>
+            <a:solidFill>
+              <a:schemeClr val="accent4"/>
+            </a:solidFill>
+            <a:ln>
+              <a:noFill/>
+            </a:ln>
+          </p:spPr>
+          <p:style>
+            <a:lnRef idx="2">
+              <a:schemeClr val="accent1">
+                <a:shade val="50000"/>
+              </a:schemeClr>
+            </a:lnRef>
+            <a:fillRef idx="1">
+              <a:schemeClr val="accent1"/>
+            </a:fillRef>
+            <a:effectRef idx="0">
+              <a:schemeClr val="accent1"/>
+            </a:effectRef>
+            <a:fontRef idx="minor">
+              <a:schemeClr val="lt1"/>
+            </a:fontRef>
+          </p:style>
+          <p:txBody>
+            <a:bodyPr rtlCol="0" anchor="ctr"/>
+            <a:lstStyle/>
+            <a:p>
+              <a:pPr algn="ctr"/>
+              <a:endParaRPr lang="en-US"/>
+            </a:p>
+          </p:txBody>
+        </p:sp>
+        <p:sp>
+          <p:nvSpPr>
+            <p:cNvPr id="55" name="Rectangle 46">
+              <a:extLst>
+                <a:ext uri="{FF2B5EF4-FFF2-40B4-BE49-F238E27FC236}">
+                  <a16:creationId xmlns:a16="http://schemas.microsoft.com/office/drawing/2014/main" id="{48F4FEDC-6D80-458C-A665-075D9B9500FD}"/>
+                </a:ext>
+                <a:ext uri="{C183D7F6-B498-43B3-948B-1728B52AA6E4}">
+                  <adec:decorative xmlns:adec="http://schemas.microsoft.com/office/drawing/2017/decorative" val="1"/>
+                </a:ext>
+              </a:extLst>
+            </p:cNvPr>
+            <p:cNvSpPr/>
+            <p:nvPr>
+              <p:extLst>
+                <p:ext uri="{386F3935-93C4-4BCD-93E2-E3B085C9AB24}">
+                  <p16:designElem xmlns:p16="http://schemas.microsoft.com/office/powerpoint/2015/main" val="1"/>
+                </p:ext>
+              </p:extLst>
+            </p:nvPr>
+          </p:nvSpPr>
+          <p:spPr>
+            <a:xfrm>
+              <a:off x="159341" y="823811"/>
+              <a:ext cx="195855" cy="673460"/>
+            </a:xfrm>
+            <a:prstGeom prst="rect">
+              <a:avLst/>
+            </a:prstGeom>
+            <a:solidFill>
+              <a:schemeClr val="accent4"/>
+            </a:solidFill>
+            <a:ln>
+              <a:noFill/>
+            </a:ln>
+          </p:spPr>
+          <p:style>
+            <a:lnRef idx="2">
+              <a:schemeClr val="accent1">
+                <a:shade val="50000"/>
+              </a:schemeClr>
+            </a:lnRef>
+            <a:fillRef idx="1">
+              <a:schemeClr val="accent1"/>
+            </a:fillRef>
+            <a:effectRef idx="0">
+              <a:schemeClr val="accent1"/>
+            </a:effectRef>
+            <a:fontRef idx="minor">
+              <a:schemeClr val="lt1"/>
+            </a:fontRef>
+          </p:style>
+          <p:txBody>
+            <a:bodyPr rtlCol="0" anchor="ctr"/>
+            <a:lstStyle/>
+            <a:p>
+              <a:pPr algn="ctr"/>
+              <a:endParaRPr lang="en-US"/>
+            </a:p>
+          </p:txBody>
+        </p:sp>
+      </p:grpSp>
+      <p:sp>
+        <p:nvSpPr>
+          <p:cNvPr id="56" name="Rectangle 48">
+            <a:extLst>
+              <a:ext uri="{FF2B5EF4-FFF2-40B4-BE49-F238E27FC236}">
+                <a16:creationId xmlns:a16="http://schemas.microsoft.com/office/drawing/2014/main" id="{3873B707-463F-40B0-8227-E8CC6C67EB25}"/>
+              </a:ext>
+              <a:ext uri="{C183D7F6-B498-43B3-948B-1728B52AA6E4}">
+                <adec:decorative xmlns:adec="http://schemas.microsoft.com/office/drawing/2017/decorative" val="1"/>
+              </a:ext>
+            </a:extLst>
+          </p:cNvPr>
+          <p:cNvSpPr>
+            <a:spLocks noGrp="1" noRot="1" noChangeAspect="1" noMove="1" noResize="1" noEditPoints="1" noAdjustHandles="1" noChangeArrowheads="1" noChangeShapeType="1" noTextEdit="1"/>
+          </p:cNvSpPr>
+          <p:nvPr>
+            <p:extLst>
+              <p:ext uri="{386F3935-93C4-4BCD-93E2-E3B085C9AB24}">
+                <p16:designElem xmlns:p16="http://schemas.microsoft.com/office/powerpoint/2015/main" val="1"/>
+              </p:ext>
+            </p:extLst>
+          </p:nvPr>
+        </p:nvSpPr>
+        <p:spPr>
+          <a:xfrm flipH="1">
+            <a:off x="665085" y="2090569"/>
+            <a:ext cx="4297680" cy="27432"/>
+          </a:xfrm>
+          <a:prstGeom prst="rect">
+            <a:avLst/>
+          </a:prstGeom>
+          <a:solidFill>
+            <a:schemeClr val="accent4"/>
+          </a:solidFill>
+          <a:ln>
+            <a:noFill/>
+          </a:ln>
+        </p:spPr>
+        <p:style>
+          <a:lnRef idx="2">
+            <a:schemeClr val="accent1">
+              <a:shade val="50000"/>
+            </a:schemeClr>
+          </a:lnRef>
+          <a:fillRef idx="1">
+            <a:schemeClr val="accent1"/>
+          </a:fillRef>
+          <a:effectRef idx="0">
+            <a:schemeClr val="accent1"/>
+          </a:effectRef>
+          <a:fontRef idx="minor">
+            <a:schemeClr val="lt1"/>
+          </a:fontRef>
+        </p:style>
+        <p:txBody>
+          <a:bodyPr rtlCol="0" anchor="ctr"/>
+          <a:lstStyle/>
+          <a:p>
+            <a:pPr algn="ctr"/>
+            <a:endParaRPr lang="en-US"/>
+          </a:p>
+        </p:txBody>
+      </p:sp>
+      <p:sp>
+        <p:nvSpPr>
+          <p:cNvPr id="8" name="Text Placeholder 7">
+            <a:extLst>
+              <a:ext uri="{FF2B5EF4-FFF2-40B4-BE49-F238E27FC236}">
+                <a16:creationId xmlns:a16="http://schemas.microsoft.com/office/drawing/2014/main" id="{958D5C89-C119-4811-886C-7F28128E6C98}"/>
+              </a:ext>
+            </a:extLst>
+          </p:cNvPr>
+          <p:cNvSpPr>
+            <a:spLocks noGrp="1"/>
+          </p:cNvSpPr>
+          <p:nvPr>
+            <p:ph type="body" sz="half" idx="2"/>
+          </p:nvPr>
+        </p:nvSpPr>
+        <p:spPr>
+          <a:xfrm>
+            <a:off x="590719" y="2330505"/>
+            <a:ext cx="4559425" cy="3979585"/>
+          </a:xfrm>
+        </p:spPr>
+        <p:txBody>
+          <a:bodyPr vert="horz" lIns="91440" tIns="45720" rIns="91440" bIns="45720" rtlCol="0" anchor="ctr">
+            <a:normAutofit/>
+          </a:bodyPr>
+          <a:lstStyle/>
+          <a:p>
+            <a:pPr indent="-228600">
+              <a:buFont typeface="Arial" panose="020B0604020202020204" pitchFamily="34" charset="0"/>
+              <a:buChar char="•"/>
+            </a:pPr>
+            <a:r>
+              <a:rPr lang="en-US" sz="1900"/>
+              <a:t>As said: registering is straight-forward:</a:t>
+            </a:r>
+          </a:p>
+          <a:p>
+            <a:pPr marL="342900" indent="-228600">
+              <a:buFont typeface="Arial" panose="020B0604020202020204" pitchFamily="34" charset="0"/>
+              <a:buChar char="•"/>
+            </a:pPr>
+            <a:r>
+              <a:rPr lang="en-US" sz="1900"/>
+              <a:t>Ask the name which the person wants to register with</a:t>
+            </a:r>
+          </a:p>
+          <a:p>
+            <a:pPr marL="800100" lvl="1" indent="-228600">
+              <a:buFont typeface="Arial" panose="020B0604020202020204" pitchFamily="34" charset="0"/>
+              <a:buChar char="•"/>
+            </a:pPr>
+            <a:r>
+              <a:rPr lang="en-US" sz="1900"/>
+              <a:t>We ask again as they might want to register with a name different from their real one!</a:t>
+            </a:r>
+          </a:p>
+          <a:p>
+            <a:pPr marL="342900" indent="-228600">
+              <a:buFont typeface="Arial" panose="020B0604020202020204" pitchFamily="34" charset="0"/>
+              <a:buChar char="•"/>
+            </a:pPr>
+            <a:r>
+              <a:rPr lang="en-US" sz="1900"/>
+              <a:t>Compute face encodings from the detection frame (the frame that started it all)</a:t>
+            </a:r>
+          </a:p>
+          <a:p>
+            <a:pPr marL="342900" indent="-228600">
+              <a:buFont typeface="Arial" panose="020B0604020202020204" pitchFamily="34" charset="0"/>
+              <a:buChar char="•"/>
+            </a:pPr>
+            <a:r>
+              <a:rPr lang="en-US" sz="1900"/>
+              <a:t>Create a new instance of the Member class, commit it to memory, and inform the user they are now part of the Clan</a:t>
+            </a:r>
+          </a:p>
+        </p:txBody>
+      </p:sp>
+      <p:sp>
+        <p:nvSpPr>
+          <p:cNvPr id="51" name="Rectangle 50">
+            <a:extLst>
+              <a:ext uri="{FF2B5EF4-FFF2-40B4-BE49-F238E27FC236}">
+                <a16:creationId xmlns:a16="http://schemas.microsoft.com/office/drawing/2014/main" id="{C13237C8-E62C-4F0D-A318-BD6FB6C2D138}"/>
+              </a:ext>
+              <a:ext uri="{C183D7F6-B498-43B3-948B-1728B52AA6E4}">
+                <adec:decorative xmlns:adec="http://schemas.microsoft.com/office/drawing/2017/decorative" val="1"/>
+              </a:ext>
+            </a:extLst>
+          </p:cNvPr>
+          <p:cNvSpPr>
+            <a:spLocks noGrp="1" noRot="1" noChangeAspect="1" noMove="1" noResize="1" noEditPoints="1" noAdjustHandles="1" noChangeArrowheads="1" noChangeShapeType="1" noTextEdit="1"/>
+          </p:cNvSpPr>
+          <p:nvPr>
+            <p:extLst>
+              <p:ext uri="{386F3935-93C4-4BCD-93E2-E3B085C9AB24}">
+                <p16:designElem xmlns:p16="http://schemas.microsoft.com/office/powerpoint/2015/main" val="1"/>
+              </p:ext>
+            </p:extLst>
+          </p:nvPr>
+        </p:nvSpPr>
+        <p:spPr>
+          <a:xfrm flipH="1">
+            <a:off x="10697670" y="0"/>
+            <a:ext cx="1494330" cy="6858000"/>
+          </a:xfrm>
+          <a:prstGeom prst="rect">
+            <a:avLst/>
+          </a:prstGeom>
+          <a:solidFill>
+            <a:schemeClr val="accent4"/>
+          </a:solidFill>
+          <a:ln>
+            <a:noFill/>
+          </a:ln>
+        </p:spPr>
+        <p:style>
+          <a:lnRef idx="2">
+            <a:schemeClr val="accent1">
+              <a:shade val="50000"/>
+            </a:schemeClr>
+          </a:lnRef>
+          <a:fillRef idx="1">
+            <a:schemeClr val="accent1"/>
+          </a:fillRef>
+          <a:effectRef idx="0">
+            <a:schemeClr val="accent1"/>
+          </a:effectRef>
+          <a:fontRef idx="minor">
+            <a:schemeClr val="lt1"/>
+          </a:fontRef>
+        </p:style>
+        <p:txBody>
+          <a:bodyPr rtlCol="0" anchor="ctr"/>
+          <a:lstStyle/>
+          <a:p>
+            <a:pPr algn="ctr"/>
+            <a:endParaRPr lang="en-US"/>
+          </a:p>
+        </p:txBody>
+      </p:sp>
+      <p:sp>
+        <p:nvSpPr>
+          <p:cNvPr id="53" name="Rectangle 52">
+            <a:extLst>
+              <a:ext uri="{FF2B5EF4-FFF2-40B4-BE49-F238E27FC236}">
+                <a16:creationId xmlns:a16="http://schemas.microsoft.com/office/drawing/2014/main" id="{19C9EAEA-39D0-4B0E-A0EB-51E7B26740B1}"/>
+              </a:ext>
+              <a:ext uri="{C183D7F6-B498-43B3-948B-1728B52AA6E4}">
+                <adec:decorative xmlns:adec="http://schemas.microsoft.com/office/drawing/2017/decorative" val="1"/>
+              </a:ext>
+            </a:extLst>
+          </p:cNvPr>
+          <p:cNvSpPr>
+            <a:spLocks noGrp="1" noRot="1" noChangeAspect="1" noMove="1" noResize="1" noEditPoints="1" noAdjustHandles="1" noChangeArrowheads="1" noChangeShapeType="1" noTextEdit="1"/>
+          </p:cNvSpPr>
+          <p:nvPr>
+            <p:extLst>
+              <p:ext uri="{386F3935-93C4-4BCD-93E2-E3B085C9AB24}">
+                <p16:designElem xmlns:p16="http://schemas.microsoft.com/office/powerpoint/2015/main" val="1"/>
+              </p:ext>
+            </p:extLst>
+          </p:nvPr>
+        </p:nvSpPr>
+        <p:spPr>
+          <a:xfrm>
+            <a:off x="5685810" y="513853"/>
+            <a:ext cx="6009366" cy="5834577"/>
+          </a:xfrm>
+          <a:prstGeom prst="rect">
+            <a:avLst/>
+          </a:prstGeom>
+          <a:solidFill>
+            <a:schemeClr val="bg1"/>
+          </a:solidFill>
+          <a:ln>
+            <a:noFill/>
+          </a:ln>
+          <a:effectLst>
+            <a:outerShdw blurRad="139700" dist="127000" dir="5400000" algn="t" rotWithShape="0">
+              <a:prstClr val="black">
+                <a:alpha val="15000"/>
+              </a:prstClr>
+            </a:outerShdw>
+          </a:effectLst>
+        </p:spPr>
+        <p:style>
+          <a:lnRef idx="2">
+            <a:schemeClr val="accent1">
+              <a:shade val="50000"/>
+            </a:schemeClr>
+          </a:lnRef>
+          <a:fillRef idx="1">
+            <a:schemeClr val="accent1"/>
+          </a:fillRef>
+          <a:effectRef idx="0">
+            <a:schemeClr val="accent1"/>
+          </a:effectRef>
+          <a:fontRef idx="minor">
+            <a:schemeClr val="lt1"/>
+          </a:fontRef>
+        </p:style>
+        <p:txBody>
+          <a:bodyPr rtlCol="0" anchor="ctr"/>
+          <a:lstStyle/>
+          <a:p>
+            <a:pPr algn="ctr"/>
+            <a:endParaRPr lang="en-US"/>
+          </a:p>
+        </p:txBody>
+      </p:sp>
+      <p:pic>
+        <p:nvPicPr>
+          <p:cNvPr id="18" name="Picture Placeholder 17">
+            <a:extLst>
+              <a:ext uri="{FF2B5EF4-FFF2-40B4-BE49-F238E27FC236}">
+                <a16:creationId xmlns:a16="http://schemas.microsoft.com/office/drawing/2014/main" id="{DEBE0645-1D8B-4918-95E4-08F903FD7BC1}"/>
+              </a:ext>
+            </a:extLst>
+          </p:cNvPr>
+          <p:cNvPicPr>
+            <a:picLocks noGrp="1" noChangeAspect="1"/>
+          </p:cNvPicPr>
+          <p:nvPr>
+            <p:ph type="pic" idx="1"/>
+          </p:nvPr>
+        </p:nvPicPr>
+        <p:blipFill rotWithShape="1">
+          <a:blip r:embed="rId2"/>
+          <a:srcRect t="-155609" b="-155609"/>
+          <a:stretch/>
+        </p:blipFill>
+        <p:spPr>
+          <a:xfrm>
+            <a:off x="5977788" y="799352"/>
+            <a:ext cx="5425410" cy="5259296"/>
+          </a:xfrm>
+          <a:prstGeom prst="rect">
+            <a:avLst/>
+          </a:prstGeom>
+        </p:spPr>
+      </p:pic>
+    </p:spTree>
+    <p:extLst>
+      <p:ext uri="{BB962C8B-B14F-4D97-AF65-F5344CB8AC3E}">
+        <p14:creationId xmlns:p14="http://schemas.microsoft.com/office/powerpoint/2010/main" val="2782484819"/>
+      </p:ext>
+    </p:extLst>
+  </p:cSld>
+  <p:clrMapOvr>
+    <a:masterClrMapping/>
+  </p:clrMapOvr>
+</p:sld>
+</file>
+
+<file path=ppt/slides/slide9.xml><?xml version="1.0" encoding="utf-8"?>
 <p:sld xmlns:a="http://schemas.openxmlformats.org/drawingml/2006/main" xmlns:r="http://schemas.openxmlformats.org/officeDocument/2006/relationships" xmlns:p="http://schemas.openxmlformats.org/presentationml/2006/main">
   <p:cSld>
     <p:bg>

--- a/Multimodal personalized multiuser Home Assistant.pptx
+++ b/Multimodal personalized multiuser Home Assistant.pptx
@@ -3323,7 +3323,7 @@
     <p:bg>
       <p:bgPr>
         <a:solidFill>
-          <a:schemeClr val="bg1"/>
+          <a:srgbClr val="023047"/>
         </a:solidFill>
         <a:effectLst/>
       </p:bgPr>
@@ -3398,46 +3398,6 @@
           <a:lstStyle/>
           <a:p>
             <a:pPr algn="ctr"/>
-            <a:endParaRPr lang="en-US"/>
-          </a:p>
-        </p:txBody>
-      </p:sp>
-      <p:sp>
-        <p:nvSpPr>
-          <p:cNvPr id="2" name="Title 1">
-            <a:extLst>
-              <a:ext uri="{FF2B5EF4-FFF2-40B4-BE49-F238E27FC236}">
-                <a16:creationId xmlns:a16="http://schemas.microsoft.com/office/drawing/2014/main" id="{1A1536A1-0C9C-41CE-BBCA-091F6BB746B2}"/>
-              </a:ext>
-            </a:extLst>
-          </p:cNvPr>
-          <p:cNvSpPr>
-            <a:spLocks noGrp="1"/>
-          </p:cNvSpPr>
-          <p:nvPr>
-            <p:ph type="ctrTitle"/>
-          </p:nvPr>
-        </p:nvSpPr>
-        <p:spPr>
-          <a:xfrm>
-            <a:off x="1078828" y="1147158"/>
-            <a:ext cx="6038470" cy="4713316"/>
-          </a:xfrm>
-        </p:spPr>
-        <p:txBody>
-          <a:bodyPr anchor="ctr">
-            <a:normAutofit/>
-          </a:bodyPr>
-          <a:lstStyle/>
-          <a:p>
-            <a:pPr algn="l"/>
-            <a:r>
-              <a:rPr lang="it-IT" b="0" i="0">
-                <a:effectLst/>
-                <a:latin typeface="Arial" panose="020B0604020202020204" pitchFamily="34" charset="0"/>
-              </a:rPr>
-              <a:t>Multimodal personalized multiuser Home Assistant</a:t>
-            </a:r>
             <a:endParaRPr lang="en-US"/>
           </a:p>
         </p:txBody>
@@ -3789,24 +3749,73 @@
       </p:sp>
       <p:sp>
         <p:nvSpPr>
-          <p:cNvPr id="3" name="Subtitle 2">
-            <a:extLst>
-              <a:ext uri="{FF2B5EF4-FFF2-40B4-BE49-F238E27FC236}">
-                <a16:creationId xmlns:a16="http://schemas.microsoft.com/office/drawing/2014/main" id="{E4DE71E7-311D-4D6D-9AC9-47299D37EBD4}"/>
-              </a:ext>
-            </a:extLst>
-          </p:cNvPr>
-          <p:cNvSpPr>
-            <a:spLocks noGrp="1"/>
-          </p:cNvSpPr>
-          <p:nvPr>
-            <p:ph type="subTitle" idx="1"/>
-          </p:nvPr>
+          <p:cNvPr id="4" name="Rectangle 3">
+            <a:extLst>
+              <a:ext uri="{FF2B5EF4-FFF2-40B4-BE49-F238E27FC236}">
+                <a16:creationId xmlns:a16="http://schemas.microsoft.com/office/drawing/2014/main" id="{5307CF5E-6C36-4CC3-91EC-AC421503787B}"/>
+              </a:ext>
+            </a:extLst>
+          </p:cNvPr>
+          <p:cNvSpPr/>
+          <p:nvPr/>
         </p:nvSpPr>
         <p:spPr>
           <a:xfrm>
-            <a:off x="8030590" y="1687486"/>
-            <a:ext cx="3300156" cy="3636818"/>
+            <a:off x="731521" y="391886"/>
+            <a:ext cx="10963655" cy="2075417"/>
+          </a:xfrm>
+          <a:prstGeom prst="rect">
+            <a:avLst/>
+          </a:prstGeom>
+          <a:ln>
+            <a:noFill/>
+          </a:ln>
+        </p:spPr>
+        <p:style>
+          <a:lnRef idx="2">
+            <a:schemeClr val="accent4">
+              <a:shade val="50000"/>
+            </a:schemeClr>
+          </a:lnRef>
+          <a:fillRef idx="1">
+            <a:schemeClr val="accent4"/>
+          </a:fillRef>
+          <a:effectRef idx="0">
+            <a:schemeClr val="accent4"/>
+          </a:effectRef>
+          <a:fontRef idx="minor">
+            <a:schemeClr val="lt1"/>
+          </a:fontRef>
+        </p:style>
+        <p:txBody>
+          <a:bodyPr rtlCol="0" anchor="ctr"/>
+          <a:lstStyle/>
+          <a:p>
+            <a:pPr algn="ctr"/>
+            <a:endParaRPr lang="en-GB"/>
+          </a:p>
+        </p:txBody>
+      </p:sp>
+      <p:sp>
+        <p:nvSpPr>
+          <p:cNvPr id="2" name="Title 1">
+            <a:extLst>
+              <a:ext uri="{FF2B5EF4-FFF2-40B4-BE49-F238E27FC236}">
+                <a16:creationId xmlns:a16="http://schemas.microsoft.com/office/drawing/2014/main" id="{1A1536A1-0C9C-41CE-BBCA-091F6BB746B2}"/>
+              </a:ext>
+            </a:extLst>
+          </p:cNvPr>
+          <p:cNvSpPr>
+            <a:spLocks noGrp="1"/>
+          </p:cNvSpPr>
+          <p:nvPr>
+            <p:ph type="ctrTitle"/>
+          </p:nvPr>
+        </p:nvSpPr>
+        <p:spPr>
+          <a:xfrm>
+            <a:off x="980383" y="602826"/>
+            <a:ext cx="10350363" cy="1848290"/>
           </a:xfrm>
         </p:spPr>
         <p:txBody>
@@ -3817,29 +3826,299 @@
           <a:p>
             <a:pPr algn="l"/>
             <a:r>
-              <a:rPr lang="it-IT" b="0" i="0" err="1">
+              <a:rPr lang="it-IT" b="0" i="0" dirty="0" err="1">
+                <a:solidFill>
+                  <a:srgbClr val="023047"/>
+                </a:solidFill>
                 <a:effectLst/>
                 <a:latin typeface="Arial" panose="020B0604020202020204" pitchFamily="34" charset="0"/>
               </a:rPr>
               <a:t>Multimodal</a:t>
             </a:r>
             <a:r>
-              <a:rPr lang="it-IT" b="0" i="0">
+              <a:rPr lang="it-IT" b="0" i="0" dirty="0">
+                <a:solidFill>
+                  <a:srgbClr val="023047"/>
+                </a:solidFill>
                 <a:effectLst/>
                 <a:latin typeface="Arial" panose="020B0604020202020204" pitchFamily="34" charset="0"/>
               </a:rPr>
-              <a:t> Interaction, Spring 2021MSc Computer Science, Sapienza University of Rome</a:t>
-            </a:r>
-          </a:p>
-          <a:p>
-            <a:pPr algn="l"/>
-            <a:r>
-              <a:rPr lang="it-IT">
+              <a:t> </a:t>
+            </a:r>
+            <a:r>
+              <a:rPr lang="it-IT" dirty="0" err="1">
+                <a:solidFill>
+                  <a:srgbClr val="023047"/>
+                </a:solidFill>
                 <a:latin typeface="Arial" panose="020B0604020202020204" pitchFamily="34" charset="0"/>
               </a:rPr>
-              <a:t>Giulio Attenni &amp; Gabriel Radu Taranciuc</a:t>
-            </a:r>
-            <a:endParaRPr lang="en-US"/>
+              <a:t>P</a:t>
+            </a:r>
+            <a:r>
+              <a:rPr lang="it-IT" b="0" i="0" dirty="0" err="1">
+                <a:solidFill>
+                  <a:srgbClr val="023047"/>
+                </a:solidFill>
+                <a:effectLst/>
+                <a:latin typeface="Arial" panose="020B0604020202020204" pitchFamily="34" charset="0"/>
+              </a:rPr>
+              <a:t>ersonalized</a:t>
+            </a:r>
+            <a:r>
+              <a:rPr lang="it-IT" b="0" i="0" dirty="0">
+                <a:solidFill>
+                  <a:srgbClr val="023047"/>
+                </a:solidFill>
+                <a:effectLst/>
+                <a:latin typeface="Arial" panose="020B0604020202020204" pitchFamily="34" charset="0"/>
+              </a:rPr>
+              <a:t> </a:t>
+            </a:r>
+            <a:r>
+              <a:rPr lang="it-IT" dirty="0" err="1">
+                <a:solidFill>
+                  <a:srgbClr val="023047"/>
+                </a:solidFill>
+                <a:latin typeface="Arial" panose="020B0604020202020204" pitchFamily="34" charset="0"/>
+              </a:rPr>
+              <a:t>M</a:t>
+            </a:r>
+            <a:r>
+              <a:rPr lang="it-IT" b="0" i="0" dirty="0" err="1">
+                <a:solidFill>
+                  <a:srgbClr val="023047"/>
+                </a:solidFill>
+                <a:effectLst/>
+                <a:latin typeface="Arial" panose="020B0604020202020204" pitchFamily="34" charset="0"/>
+              </a:rPr>
+              <a:t>ultiuser</a:t>
+            </a:r>
+            <a:r>
+              <a:rPr lang="it-IT" b="0" i="0" dirty="0">
+                <a:solidFill>
+                  <a:srgbClr val="023047"/>
+                </a:solidFill>
+                <a:effectLst/>
+                <a:latin typeface="Arial" panose="020B0604020202020204" pitchFamily="34" charset="0"/>
+              </a:rPr>
+              <a:t> Home Assistant</a:t>
+            </a:r>
+            <a:endParaRPr lang="en-US" dirty="0">
+              <a:solidFill>
+                <a:srgbClr val="023047"/>
+              </a:solidFill>
+            </a:endParaRPr>
+          </a:p>
+        </p:txBody>
+      </p:sp>
+      <p:sp>
+        <p:nvSpPr>
+          <p:cNvPr id="3" name="Subtitle 2">
+            <a:extLst>
+              <a:ext uri="{FF2B5EF4-FFF2-40B4-BE49-F238E27FC236}">
+                <a16:creationId xmlns:a16="http://schemas.microsoft.com/office/drawing/2014/main" id="{E4DE71E7-311D-4D6D-9AC9-47299D37EBD4}"/>
+              </a:ext>
+            </a:extLst>
+          </p:cNvPr>
+          <p:cNvSpPr>
+            <a:spLocks noGrp="1"/>
+          </p:cNvSpPr>
+          <p:nvPr>
+            <p:ph type="subTitle" idx="1"/>
+          </p:nvPr>
+        </p:nvSpPr>
+        <p:spPr>
+          <a:xfrm>
+            <a:off x="861254" y="3154317"/>
+            <a:ext cx="6269240" cy="673461"/>
+          </a:xfrm>
+        </p:spPr>
+        <p:txBody>
+          <a:bodyPr anchor="ctr">
+            <a:normAutofit/>
+          </a:bodyPr>
+          <a:lstStyle/>
+          <a:p>
+            <a:pPr algn="l"/>
+            <a:r>
+              <a:rPr lang="it-IT" sz="2600" dirty="0">
+                <a:solidFill>
+                  <a:srgbClr val="FFC000"/>
+                </a:solidFill>
+                <a:latin typeface="Arial" panose="020B0604020202020204" pitchFamily="34" charset="0"/>
+              </a:rPr>
+              <a:t>Giulio Attenni &amp; Gabriel Radu </a:t>
+            </a:r>
+            <a:r>
+              <a:rPr lang="it-IT" sz="2600" dirty="0" err="1">
+                <a:solidFill>
+                  <a:srgbClr val="FFC000"/>
+                </a:solidFill>
+                <a:latin typeface="Arial" panose="020B0604020202020204" pitchFamily="34" charset="0"/>
+              </a:rPr>
+              <a:t>Taranciuc</a:t>
+            </a:r>
+            <a:endParaRPr lang="en-US" sz="2600" dirty="0">
+              <a:solidFill>
+                <a:srgbClr val="FFC000"/>
+              </a:solidFill>
+            </a:endParaRPr>
+          </a:p>
+        </p:txBody>
+      </p:sp>
+      <p:sp>
+        <p:nvSpPr>
+          <p:cNvPr id="13" name="TextBox 12">
+            <a:extLst>
+              <a:ext uri="{FF2B5EF4-FFF2-40B4-BE49-F238E27FC236}">
+                <a16:creationId xmlns:a16="http://schemas.microsoft.com/office/drawing/2014/main" id="{A9BE60A3-64D3-4FAE-9358-D3D9E1F152C8}"/>
+              </a:ext>
+            </a:extLst>
+          </p:cNvPr>
+          <p:cNvSpPr txBox="1"/>
+          <p:nvPr/>
+        </p:nvSpPr>
+        <p:spPr>
+          <a:xfrm>
+            <a:off x="7991748" y="3255314"/>
+            <a:ext cx="3382575" cy="2523768"/>
+          </a:xfrm>
+          <a:prstGeom prst="rect">
+            <a:avLst/>
+          </a:prstGeom>
+          <a:noFill/>
+        </p:spPr>
+        <p:txBody>
+          <a:bodyPr wrap="square">
+            <a:spAutoFit/>
+          </a:bodyPr>
+          <a:lstStyle/>
+          <a:p>
+            <a:pPr algn="l"/>
+            <a:r>
+              <a:rPr lang="it-IT" sz="2400" b="0" i="0" dirty="0" err="1">
+                <a:solidFill>
+                  <a:srgbClr val="023047"/>
+                </a:solidFill>
+                <a:effectLst/>
+                <a:latin typeface="Arial" panose="020B0604020202020204" pitchFamily="34" charset="0"/>
+              </a:rPr>
+              <a:t>Multimodal</a:t>
+            </a:r>
+            <a:r>
+              <a:rPr lang="it-IT" sz="2400" b="0" i="0" dirty="0">
+                <a:solidFill>
+                  <a:srgbClr val="023047"/>
+                </a:solidFill>
+                <a:effectLst/>
+                <a:latin typeface="Arial" panose="020B0604020202020204" pitchFamily="34" charset="0"/>
+              </a:rPr>
+              <a:t> Interaction,</a:t>
+            </a:r>
+            <a:endParaRPr lang="it-IT" sz="2400" dirty="0">
+              <a:solidFill>
+                <a:srgbClr val="023047"/>
+              </a:solidFill>
+              <a:latin typeface="Arial" panose="020B0604020202020204" pitchFamily="34" charset="0"/>
+            </a:endParaRPr>
+          </a:p>
+          <a:p>
+            <a:pPr algn="l"/>
+            <a:r>
+              <a:rPr lang="it-IT" sz="2400" dirty="0" err="1">
+                <a:solidFill>
+                  <a:srgbClr val="023047"/>
+                </a:solidFill>
+                <a:latin typeface="Arial" panose="020B0604020202020204" pitchFamily="34" charset="0"/>
+              </a:rPr>
+              <a:t>a.y</a:t>
+            </a:r>
+            <a:r>
+              <a:rPr lang="it-IT" sz="2400" dirty="0">
+                <a:solidFill>
+                  <a:srgbClr val="023047"/>
+                </a:solidFill>
+                <a:latin typeface="Arial" panose="020B0604020202020204" pitchFamily="34" charset="0"/>
+              </a:rPr>
+              <a:t>. 2020/2021</a:t>
+            </a:r>
+          </a:p>
+          <a:p>
+            <a:pPr algn="l"/>
+            <a:r>
+              <a:rPr lang="it-IT" sz="2400" b="0" i="0" dirty="0">
+                <a:solidFill>
+                  <a:srgbClr val="023047"/>
+                </a:solidFill>
+                <a:effectLst/>
+                <a:latin typeface="Arial" panose="020B0604020202020204" pitchFamily="34" charset="0"/>
+              </a:rPr>
+              <a:t> </a:t>
+            </a:r>
+            <a:endParaRPr lang="it-IT" sz="2400" dirty="0">
+              <a:solidFill>
+                <a:srgbClr val="023047"/>
+              </a:solidFill>
+              <a:latin typeface="Arial" panose="020B0604020202020204" pitchFamily="34" charset="0"/>
+            </a:endParaRPr>
+          </a:p>
+          <a:p>
+            <a:pPr algn="l"/>
+            <a:r>
+              <a:rPr lang="it-IT" sz="2400" dirty="0">
+                <a:solidFill>
+                  <a:srgbClr val="023047"/>
+                </a:solidFill>
+                <a:latin typeface="Arial" panose="020B0604020202020204" pitchFamily="34" charset="0"/>
+              </a:rPr>
+              <a:t>Project Presentation</a:t>
+            </a:r>
+          </a:p>
+          <a:p>
+            <a:pPr algn="l"/>
+            <a:endParaRPr lang="it-IT" sz="2400" b="0" i="0" dirty="0">
+              <a:solidFill>
+                <a:srgbClr val="023047"/>
+              </a:solidFill>
+              <a:effectLst/>
+              <a:latin typeface="Arial" panose="020B0604020202020204" pitchFamily="34" charset="0"/>
+            </a:endParaRPr>
+          </a:p>
+          <a:p>
+            <a:pPr algn="l"/>
+            <a:r>
+              <a:rPr lang="it-IT" sz="2000" b="0" i="0" dirty="0" err="1">
+                <a:solidFill>
+                  <a:srgbClr val="023047"/>
+                </a:solidFill>
+                <a:effectLst/>
+                <a:latin typeface="Arial" panose="020B0604020202020204" pitchFamily="34" charset="0"/>
+              </a:rPr>
+              <a:t>MSc</a:t>
+            </a:r>
+            <a:r>
+              <a:rPr lang="it-IT" sz="2000" b="0" i="0" dirty="0">
+                <a:solidFill>
+                  <a:srgbClr val="023047"/>
+                </a:solidFill>
+                <a:effectLst/>
+                <a:latin typeface="Arial" panose="020B0604020202020204" pitchFamily="34" charset="0"/>
+              </a:rPr>
+              <a:t> Computer Science, </a:t>
+            </a:r>
+          </a:p>
+          <a:p>
+            <a:pPr algn="l"/>
+            <a:r>
+              <a:rPr lang="it-IT" b="0" i="0" dirty="0">
+                <a:solidFill>
+                  <a:srgbClr val="023047"/>
+                </a:solidFill>
+                <a:effectLst/>
+                <a:latin typeface="Arial" panose="020B0604020202020204" pitchFamily="34" charset="0"/>
+              </a:rPr>
+              <a:t>Sapienza University of Rome</a:t>
+            </a:r>
           </a:p>
         </p:txBody>
       </p:sp>
@@ -3879,6 +4158,44 @@
                               <p:par>
                                 <p:cTn id="5" presetID="10" presetClass="entr" presetSubtype="0" fill="hold" grpId="0" nodeType="withEffect">
                                   <p:stCondLst>
+                                    <p:cond delay="500"/>
+                                  </p:stCondLst>
+                                  <p:iterate>
+                                    <p:tmPct val="10000"/>
+                                  </p:iterate>
+                                  <p:childTnLst>
+                                    <p:set>
+                                      <p:cBhvr>
+                                        <p:cTn id="6" dur="1" fill="hold">
+                                          <p:stCondLst>
+                                            <p:cond delay="0"/>
+                                          </p:stCondLst>
+                                        </p:cTn>
+                                        <p:tgtEl>
+                                          <p:spTgt spid="2"/>
+                                        </p:tgtEl>
+                                        <p:attrNameLst>
+                                          <p:attrName>style.visibility</p:attrName>
+                                        </p:attrNameLst>
+                                      </p:cBhvr>
+                                      <p:to>
+                                        <p:strVal val="visible"/>
+                                      </p:to>
+                                    </p:set>
+                                    <p:animEffect transition="in" filter="fade">
+                                      <p:cBhvr>
+                                        <p:cTn id="7" dur="700"/>
+                                        <p:tgtEl>
+                                          <p:spTgt spid="2"/>
+                                        </p:tgtEl>
+                                      </p:cBhvr>
+                                    </p:animEffect>
+                                  </p:childTnLst>
+                                </p:cTn>
+                              </p:par>
+                              <p:par>
+                                <p:cTn id="8" presetID="10" presetClass="entr" presetSubtype="0" fill="hold" grpId="0" nodeType="withEffect">
+                                  <p:stCondLst>
                                     <p:cond delay="1000"/>
                                   </p:stCondLst>
                                   <p:iterate>
@@ -3887,7 +4204,7 @@
                                   <p:childTnLst>
                                     <p:set>
                                       <p:cBhvr>
-                                        <p:cTn id="6" dur="1" fill="hold">
+                                        <p:cTn id="9" dur="1" fill="hold">
                                           <p:stCondLst>
                                             <p:cond delay="0"/>
                                           </p:stCondLst>
@@ -3909,113 +4226,11 @@
                                     </p:set>
                                     <p:animEffect transition="in" filter="fade">
                                       <p:cBhvr>
-                                        <p:cTn id="7" dur="700"/>
+                                        <p:cTn id="10" dur="700"/>
                                         <p:tgtEl>
                                           <p:spTgt spid="3">
                                             <p:txEl>
                                               <p:pRg st="0" end="0"/>
-                                            </p:txEl>
-                                          </p:spTgt>
-                                        </p:tgtEl>
-                                      </p:cBhvr>
-                                    </p:animEffect>
-                                  </p:childTnLst>
-                                </p:cTn>
-                              </p:par>
-                              <p:par>
-                                <p:cTn id="8" presetID="10" presetClass="entr" presetSubtype="0" fill="hold" grpId="0" nodeType="withEffect">
-                                  <p:stCondLst>
-                                    <p:cond delay="500"/>
-                                  </p:stCondLst>
-                                  <p:iterate>
-                                    <p:tmPct val="10000"/>
-                                  </p:iterate>
-                                  <p:childTnLst>
-                                    <p:set>
-                                      <p:cBhvr>
-                                        <p:cTn id="9" dur="1" fill="hold">
-                                          <p:stCondLst>
-                                            <p:cond delay="0"/>
-                                          </p:stCondLst>
-                                        </p:cTn>
-                                        <p:tgtEl>
-                                          <p:spTgt spid="2"/>
-                                        </p:tgtEl>
-                                        <p:attrNameLst>
-                                          <p:attrName>style.visibility</p:attrName>
-                                        </p:attrNameLst>
-                                      </p:cBhvr>
-                                      <p:to>
-                                        <p:strVal val="visible"/>
-                                      </p:to>
-                                    </p:set>
-                                    <p:animEffect transition="in" filter="fade">
-                                      <p:cBhvr>
-                                        <p:cTn id="10" dur="700"/>
-                                        <p:tgtEl>
-                                          <p:spTgt spid="2"/>
-                                        </p:tgtEl>
-                                      </p:cBhvr>
-                                    </p:animEffect>
-                                  </p:childTnLst>
-                                </p:cTn>
-                              </p:par>
-                            </p:childTnLst>
-                          </p:cTn>
-                        </p:par>
-                      </p:childTnLst>
-                    </p:cTn>
-                  </p:par>
-                  <p:par>
-                    <p:cTn id="11" fill="hold">
-                      <p:stCondLst>
-                        <p:cond delay="indefinite"/>
-                      </p:stCondLst>
-                      <p:childTnLst>
-                        <p:par>
-                          <p:cTn id="12" fill="hold">
-                            <p:stCondLst>
-                              <p:cond delay="0"/>
-                            </p:stCondLst>
-                            <p:childTnLst>
-                              <p:par>
-                                <p:cTn id="13" presetID="10" presetClass="entr" presetSubtype="0" fill="hold" grpId="0" nodeType="clickEffect">
-                                  <p:stCondLst>
-                                    <p:cond delay="1000"/>
-                                  </p:stCondLst>
-                                  <p:iterate>
-                                    <p:tmPct val="10000"/>
-                                  </p:iterate>
-                                  <p:childTnLst>
-                                    <p:set>
-                                      <p:cBhvr>
-                                        <p:cTn id="14" dur="1" fill="hold">
-                                          <p:stCondLst>
-                                            <p:cond delay="0"/>
-                                          </p:stCondLst>
-                                        </p:cTn>
-                                        <p:tgtEl>
-                                          <p:spTgt spid="3">
-                                            <p:txEl>
-                                              <p:pRg st="1" end="1"/>
-                                            </p:txEl>
-                                          </p:spTgt>
-                                        </p:tgtEl>
-                                        <p:attrNameLst>
-                                          <p:attrName>style.visibility</p:attrName>
-                                        </p:attrNameLst>
-                                      </p:cBhvr>
-                                      <p:to>
-                                        <p:strVal val="visible"/>
-                                      </p:to>
-                                    </p:set>
-                                    <p:animEffect transition="in" filter="fade">
-                                      <p:cBhvr>
-                                        <p:cTn id="15" dur="700"/>
-                                        <p:tgtEl>
-                                          <p:spTgt spid="3">
-                                            <p:txEl>
-                                              <p:pRg st="1" end="1"/>
                                             </p:txEl>
                                           </p:spTgt>
                                         </p:tgtEl>

--- a/Multimodal personalized multiuser Home Assistant.pptx
+++ b/Multimodal personalized multiuser Home Assistant.pptx
@@ -7,13 +7,14 @@
   <p:sldIdLst>
     <p:sldId id="256" r:id="rId2"/>
     <p:sldId id="257" r:id="rId3"/>
-    <p:sldId id="258" r:id="rId4"/>
-    <p:sldId id="259" r:id="rId5"/>
-    <p:sldId id="260" r:id="rId6"/>
-    <p:sldId id="263" r:id="rId7"/>
-    <p:sldId id="261" r:id="rId8"/>
-    <p:sldId id="264" r:id="rId9"/>
-    <p:sldId id="262" r:id="rId10"/>
+    <p:sldId id="265" r:id="rId4"/>
+    <p:sldId id="258" r:id="rId5"/>
+    <p:sldId id="259" r:id="rId6"/>
+    <p:sldId id="260" r:id="rId7"/>
+    <p:sldId id="263" r:id="rId8"/>
+    <p:sldId id="261" r:id="rId9"/>
+    <p:sldId id="264" r:id="rId10"/>
+    <p:sldId id="262" r:id="rId11"/>
   </p:sldIdLst>
   <p:sldSz cx="12192000" cy="6858000"/>
   <p:notesSz cx="6858000" cy="9144000"/>
@@ -4274,7 +4275,7 @@
 </p:sld>
 </file>
 
-<file path=ppt/slides/slide2.xml><?xml version="1.0" encoding="utf-8"?>
+<file path=ppt/slides/slide10.xml><?xml version="1.0" encoding="utf-8"?>
 <p:sld xmlns:a="http://schemas.openxmlformats.org/drawingml/2006/main" xmlns:r="http://schemas.openxmlformats.org/officeDocument/2006/relationships" xmlns:p="http://schemas.openxmlformats.org/presentationml/2006/main">
   <p:cSld>
     <p:bg>
@@ -4301,10 +4302,10 @@
       </p:grpSpPr>
       <p:sp useBgFill="1">
         <p:nvSpPr>
-          <p:cNvPr id="44" name="Rectangle 43">
-            <a:extLst>
-              <a:ext uri="{FF2B5EF4-FFF2-40B4-BE49-F238E27FC236}">
-                <a16:creationId xmlns:a16="http://schemas.microsoft.com/office/drawing/2014/main" id="{8E2CC403-21CD-41DF-BAC4-329D7FF03C5C}"/>
+          <p:cNvPr id="8" name="Rectangle 7">
+            <a:extLst>
+              <a:ext uri="{FF2B5EF4-FFF2-40B4-BE49-F238E27FC236}">
+                <a16:creationId xmlns:a16="http://schemas.microsoft.com/office/drawing/2014/main" id="{B6CDA21F-E7AF-4C75-8395-33F58D5B0E45}"/>
               </a:ext>
               <a:ext uri="{C183D7F6-B498-43B3-948B-1728B52AA6E4}">
                 <adec:decorative xmlns:adec="http://schemas.microsoft.com/office/drawing/2017/decorative" val="1"/>
@@ -4359,6 +4360,526 @@
           </a:p>
         </p:txBody>
       </p:sp>
+      <p:grpSp>
+        <p:nvGrpSpPr>
+          <p:cNvPr id="10" name="Group 9">
+            <a:extLst>
+              <a:ext uri="{FF2B5EF4-FFF2-40B4-BE49-F238E27FC236}">
+                <a16:creationId xmlns:a16="http://schemas.microsoft.com/office/drawing/2014/main" id="{AE1C45F0-260A-458C-96ED-C1F6D2151219}"/>
+              </a:ext>
+              <a:ext uri="{C183D7F6-B498-43B3-948B-1728B52AA6E4}">
+                <adec:decorative xmlns:adec="http://schemas.microsoft.com/office/drawing/2017/decorative" val="1"/>
+              </a:ext>
+            </a:extLst>
+          </p:cNvPr>
+          <p:cNvGrpSpPr>
+            <a:grpSpLocks noGrp="1" noUngrp="1" noRot="1" noChangeAspect="1" noMove="1" noResize="1"/>
+          </p:cNvGrpSpPr>
+          <p:nvPr>
+            <p:extLst>
+              <p:ext uri="{386F3935-93C4-4BCD-93E2-E3B085C9AB24}">
+                <p16:designElem xmlns:p16="http://schemas.microsoft.com/office/powerpoint/2015/main" val="1"/>
+              </p:ext>
+            </p:extLst>
+          </p:nvPr>
+        </p:nvGrpSpPr>
+        <p:grpSpPr>
+          <a:xfrm>
+            <a:off x="4" y="1216597"/>
+            <a:ext cx="731521" cy="673460"/>
+            <a:chOff x="3940602" y="308034"/>
+            <a:chExt cx="2116791" cy="3428999"/>
+          </a:xfrm>
+          <a:solidFill>
+            <a:schemeClr val="accent4"/>
+          </a:solidFill>
+        </p:grpSpPr>
+        <p:sp>
+          <p:nvSpPr>
+            <p:cNvPr id="11" name="Rectangle 10">
+              <a:extLst>
+                <a:ext uri="{FF2B5EF4-FFF2-40B4-BE49-F238E27FC236}">
+                  <a16:creationId xmlns:a16="http://schemas.microsoft.com/office/drawing/2014/main" id="{A6604B49-AD5C-4590-B051-06C8222ECD99}"/>
+                </a:ext>
+                <a:ext uri="{C183D7F6-B498-43B3-948B-1728B52AA6E4}">
+                  <adec:decorative xmlns:adec="http://schemas.microsoft.com/office/drawing/2017/decorative" val="1"/>
+                </a:ext>
+              </a:extLst>
+            </p:cNvPr>
+            <p:cNvSpPr/>
+            <p:nvPr>
+              <p:extLst>
+                <p:ext uri="{386F3935-93C4-4BCD-93E2-E3B085C9AB24}">
+                  <p16:designElem xmlns:p16="http://schemas.microsoft.com/office/powerpoint/2015/main" val="1"/>
+                </p:ext>
+              </p:extLst>
+            </p:nvPr>
+          </p:nvSpPr>
+          <p:spPr>
+            <a:xfrm>
+              <a:off x="3940602" y="308034"/>
+              <a:ext cx="566743" cy="3428999"/>
+            </a:xfrm>
+            <a:prstGeom prst="rect">
+              <a:avLst/>
+            </a:prstGeom>
+            <a:grpFill/>
+            <a:ln>
+              <a:noFill/>
+            </a:ln>
+          </p:spPr>
+          <p:style>
+            <a:lnRef idx="2">
+              <a:schemeClr val="accent1">
+                <a:shade val="50000"/>
+              </a:schemeClr>
+            </a:lnRef>
+            <a:fillRef idx="1">
+              <a:schemeClr val="accent1"/>
+            </a:fillRef>
+            <a:effectRef idx="0">
+              <a:schemeClr val="accent1"/>
+            </a:effectRef>
+            <a:fontRef idx="minor">
+              <a:schemeClr val="lt1"/>
+            </a:fontRef>
+          </p:style>
+          <p:txBody>
+            <a:bodyPr rtlCol="0" anchor="ctr"/>
+            <a:lstStyle/>
+            <a:p>
+              <a:pPr algn="ctr"/>
+              <a:endParaRPr lang="en-US"/>
+            </a:p>
+          </p:txBody>
+        </p:sp>
+        <p:sp>
+          <p:nvSpPr>
+            <p:cNvPr id="12" name="Rectangle 11">
+              <a:extLst>
+                <a:ext uri="{FF2B5EF4-FFF2-40B4-BE49-F238E27FC236}">
+                  <a16:creationId xmlns:a16="http://schemas.microsoft.com/office/drawing/2014/main" id="{743ECCAF-29C5-4537-947C-7EA1292463DB}"/>
+                </a:ext>
+                <a:ext uri="{C183D7F6-B498-43B3-948B-1728B52AA6E4}">
+                  <adec:decorative xmlns:adec="http://schemas.microsoft.com/office/drawing/2017/decorative" val="1"/>
+                </a:ext>
+              </a:extLst>
+            </p:cNvPr>
+            <p:cNvSpPr/>
+            <p:nvPr>
+              <p:extLst>
+                <p:ext uri="{386F3935-93C4-4BCD-93E2-E3B085C9AB24}">
+                  <p16:designElem xmlns:p16="http://schemas.microsoft.com/office/powerpoint/2015/main" val="1"/>
+                </p:ext>
+              </p:extLst>
+            </p:nvPr>
+          </p:nvSpPr>
+          <p:spPr>
+            <a:xfrm>
+              <a:off x="4715626" y="308034"/>
+              <a:ext cx="566743" cy="3428999"/>
+            </a:xfrm>
+            <a:prstGeom prst="rect">
+              <a:avLst/>
+            </a:prstGeom>
+            <a:grpFill/>
+            <a:ln>
+              <a:noFill/>
+            </a:ln>
+          </p:spPr>
+          <p:style>
+            <a:lnRef idx="2">
+              <a:schemeClr val="accent1">
+                <a:shade val="50000"/>
+              </a:schemeClr>
+            </a:lnRef>
+            <a:fillRef idx="1">
+              <a:schemeClr val="accent1"/>
+            </a:fillRef>
+            <a:effectRef idx="0">
+              <a:schemeClr val="accent1"/>
+            </a:effectRef>
+            <a:fontRef idx="minor">
+              <a:schemeClr val="lt1"/>
+            </a:fontRef>
+          </p:style>
+          <p:txBody>
+            <a:bodyPr rtlCol="0" anchor="ctr"/>
+            <a:lstStyle/>
+            <a:p>
+              <a:pPr algn="ctr"/>
+              <a:endParaRPr lang="en-US"/>
+            </a:p>
+          </p:txBody>
+        </p:sp>
+        <p:sp>
+          <p:nvSpPr>
+            <p:cNvPr id="13" name="Rectangle 12">
+              <a:extLst>
+                <a:ext uri="{FF2B5EF4-FFF2-40B4-BE49-F238E27FC236}">
+                  <a16:creationId xmlns:a16="http://schemas.microsoft.com/office/drawing/2014/main" id="{ED49787B-8DE6-4467-AD0A-8DECC6E0C2D6}"/>
+                </a:ext>
+                <a:ext uri="{C183D7F6-B498-43B3-948B-1728B52AA6E4}">
+                  <adec:decorative xmlns:adec="http://schemas.microsoft.com/office/drawing/2017/decorative" val="1"/>
+                </a:ext>
+              </a:extLst>
+            </p:cNvPr>
+            <p:cNvSpPr/>
+            <p:nvPr>
+              <p:extLst>
+                <p:ext uri="{386F3935-93C4-4BCD-93E2-E3B085C9AB24}">
+                  <p16:designElem xmlns:p16="http://schemas.microsoft.com/office/powerpoint/2015/main" val="1"/>
+                </p:ext>
+              </p:extLst>
+            </p:nvPr>
+          </p:nvSpPr>
+          <p:spPr>
+            <a:xfrm>
+              <a:off x="5490650" y="308034"/>
+              <a:ext cx="566743" cy="3428999"/>
+            </a:xfrm>
+            <a:prstGeom prst="rect">
+              <a:avLst/>
+            </a:prstGeom>
+            <a:grpFill/>
+            <a:ln>
+              <a:noFill/>
+            </a:ln>
+          </p:spPr>
+          <p:style>
+            <a:lnRef idx="2">
+              <a:schemeClr val="accent1">
+                <a:shade val="50000"/>
+              </a:schemeClr>
+            </a:lnRef>
+            <a:fillRef idx="1">
+              <a:schemeClr val="accent1"/>
+            </a:fillRef>
+            <a:effectRef idx="0">
+              <a:schemeClr val="accent1"/>
+            </a:effectRef>
+            <a:fontRef idx="minor">
+              <a:schemeClr val="lt1"/>
+            </a:fontRef>
+          </p:style>
+          <p:txBody>
+            <a:bodyPr rtlCol="0" anchor="ctr"/>
+            <a:lstStyle/>
+            <a:p>
+              <a:pPr algn="ctr"/>
+              <a:endParaRPr lang="en-US"/>
+            </a:p>
+          </p:txBody>
+        </p:sp>
+      </p:grpSp>
+      <p:sp>
+        <p:nvSpPr>
+          <p:cNvPr id="15" name="Rectangle 14">
+            <a:extLst>
+              <a:ext uri="{FF2B5EF4-FFF2-40B4-BE49-F238E27FC236}">
+                <a16:creationId xmlns:a16="http://schemas.microsoft.com/office/drawing/2014/main" id="{D5B0017B-2ECA-49AF-B397-DC140825DF8D}"/>
+              </a:ext>
+              <a:ext uri="{C183D7F6-B498-43B3-948B-1728B52AA6E4}">
+                <adec:decorative xmlns:adec="http://schemas.microsoft.com/office/drawing/2017/decorative" val="1"/>
+              </a:ext>
+            </a:extLst>
+          </p:cNvPr>
+          <p:cNvSpPr>
+            <a:spLocks noGrp="1" noRot="1" noChangeAspect="1" noMove="1" noResize="1" noEditPoints="1" noAdjustHandles="1" noChangeArrowheads="1" noChangeShapeType="1" noTextEdit="1"/>
+          </p:cNvSpPr>
+          <p:nvPr>
+            <p:extLst>
+              <p:ext uri="{386F3935-93C4-4BCD-93E2-E3B085C9AB24}">
+                <p16:designElem xmlns:p16="http://schemas.microsoft.com/office/powerpoint/2015/main" val="1"/>
+              </p:ext>
+            </p:extLst>
+          </p:nvPr>
+        </p:nvSpPr>
+        <p:spPr>
+          <a:xfrm>
+            <a:off x="640079" y="613954"/>
+            <a:ext cx="10907487" cy="1894116"/>
+          </a:xfrm>
+          <a:prstGeom prst="rect">
+            <a:avLst/>
+          </a:prstGeom>
+          <a:solidFill>
+            <a:schemeClr val="bg1"/>
+          </a:solidFill>
+          <a:ln>
+            <a:noFill/>
+          </a:ln>
+          <a:effectLst>
+            <a:outerShdw blurRad="139700" dist="127000" dir="5400000" algn="t" rotWithShape="0">
+              <a:prstClr val="black">
+                <a:alpha val="15000"/>
+              </a:prstClr>
+            </a:outerShdw>
+          </a:effectLst>
+        </p:spPr>
+        <p:style>
+          <a:lnRef idx="2">
+            <a:schemeClr val="accent1">
+              <a:shade val="50000"/>
+            </a:schemeClr>
+          </a:lnRef>
+          <a:fillRef idx="1">
+            <a:schemeClr val="accent1"/>
+          </a:fillRef>
+          <a:effectRef idx="0">
+            <a:schemeClr val="accent1"/>
+          </a:effectRef>
+          <a:fontRef idx="minor">
+            <a:schemeClr val="lt1"/>
+          </a:fontRef>
+        </p:style>
+        <p:txBody>
+          <a:bodyPr rtlCol="0" anchor="ctr"/>
+          <a:lstStyle/>
+          <a:p>
+            <a:pPr algn="ctr"/>
+            <a:endParaRPr lang="en-US"/>
+          </a:p>
+        </p:txBody>
+      </p:sp>
+      <p:sp>
+        <p:nvSpPr>
+          <p:cNvPr id="2" name="Title 1">
+            <a:extLst>
+              <a:ext uri="{FF2B5EF4-FFF2-40B4-BE49-F238E27FC236}">
+                <a16:creationId xmlns:a16="http://schemas.microsoft.com/office/drawing/2014/main" id="{292106E7-BD60-43C1-922B-4619E77E2AF3}"/>
+              </a:ext>
+            </a:extLst>
+          </p:cNvPr>
+          <p:cNvSpPr>
+            <a:spLocks noGrp="1"/>
+          </p:cNvSpPr>
+          <p:nvPr>
+            <p:ph type="title"/>
+          </p:nvPr>
+        </p:nvSpPr>
+        <p:spPr>
+          <a:xfrm>
+            <a:off x="1043631" y="809898"/>
+            <a:ext cx="9942716" cy="1554480"/>
+          </a:xfrm>
+        </p:spPr>
+        <p:txBody>
+          <a:bodyPr anchor="ctr">
+            <a:normAutofit/>
+          </a:bodyPr>
+          <a:lstStyle/>
+          <a:p>
+            <a:r>
+              <a:rPr lang="en-US" sz="4800"/>
+              <a:t>Interaction structure pt. II let’s have a talk</a:t>
+            </a:r>
+          </a:p>
+        </p:txBody>
+      </p:sp>
+      <p:sp>
+        <p:nvSpPr>
+          <p:cNvPr id="3" name="Content Placeholder 2">
+            <a:extLst>
+              <a:ext uri="{FF2B5EF4-FFF2-40B4-BE49-F238E27FC236}">
+                <a16:creationId xmlns:a16="http://schemas.microsoft.com/office/drawing/2014/main" id="{182AEB85-8B47-4ECB-932A-E56BBCEB062D}"/>
+              </a:ext>
+            </a:extLst>
+          </p:cNvPr>
+          <p:cNvSpPr>
+            <a:spLocks noGrp="1"/>
+          </p:cNvSpPr>
+          <p:nvPr>
+            <p:ph idx="1"/>
+          </p:nvPr>
+        </p:nvSpPr>
+        <p:spPr>
+          <a:xfrm>
+            <a:off x="1045028" y="3017522"/>
+            <a:ext cx="9941319" cy="3124658"/>
+          </a:xfrm>
+        </p:spPr>
+        <p:txBody>
+          <a:bodyPr anchor="ctr">
+            <a:normAutofit/>
+          </a:bodyPr>
+          <a:lstStyle/>
+          <a:p>
+            <a:r>
+              <a:rPr lang="en-US" sz="2400"/>
+              <a:t>Once a user is successfully recognized, interaction begins</a:t>
+            </a:r>
+          </a:p>
+          <a:p>
+            <a:r>
+              <a:rPr lang="en-US" sz="2400"/>
+              <a:t>The assistant initiates it, greeting the user and informing them of (eventual) pending notes left by other users of the same device</a:t>
+            </a:r>
+          </a:p>
+          <a:p>
+            <a:r>
+              <a:rPr lang="en-US" sz="2400"/>
+              <a:t>If the user is still in the room, it will further interact, asking if they want to leave notes for others, or remove or edit unheard notes they sent</a:t>
+            </a:r>
+          </a:p>
+          <a:p>
+            <a:r>
+              <a:rPr lang="en-US" sz="2400"/>
+              <a:t>Interaction terminates any time the user asks for exiting or leaves the camera frame entirely</a:t>
+            </a:r>
+          </a:p>
+        </p:txBody>
+      </p:sp>
+      <p:cxnSp>
+        <p:nvCxnSpPr>
+          <p:cNvPr id="17" name="Straight Connector 16">
+            <a:extLst>
+              <a:ext uri="{FF2B5EF4-FFF2-40B4-BE49-F238E27FC236}">
+                <a16:creationId xmlns:a16="http://schemas.microsoft.com/office/drawing/2014/main" id="{6CF1BAF6-AD41-4082-B212-8A1F9A2E8779}"/>
+              </a:ext>
+              <a:ext uri="{C183D7F6-B498-43B3-948B-1728B52AA6E4}">
+                <adec:decorative xmlns:adec="http://schemas.microsoft.com/office/drawing/2017/decorative" val="1"/>
+              </a:ext>
+            </a:extLst>
+          </p:cNvPr>
+          <p:cNvCxnSpPr>
+            <a:cxnSpLocks noGrp="1" noRot="1" noChangeAspect="1" noMove="1" noResize="1" noEditPoints="1" noAdjustHandles="1" noChangeArrowheads="1" noChangeShapeType="1"/>
+          </p:cNvCxnSpPr>
+          <p:nvPr>
+            <p:extLst>
+              <p:ext uri="{386F3935-93C4-4BCD-93E2-E3B085C9AB24}">
+                <p16:designElem xmlns:p16="http://schemas.microsoft.com/office/powerpoint/2015/main" val="1"/>
+              </p:ext>
+            </p:extLst>
+          </p:nvPr>
+        </p:nvCxnSpPr>
+        <p:spPr>
+          <a:xfrm flipH="1">
+            <a:off x="838200" y="6485313"/>
+            <a:ext cx="10515600" cy="0"/>
+          </a:xfrm>
+          <a:prstGeom prst="line">
+            <a:avLst/>
+          </a:prstGeom>
+          <a:ln w="57150">
+            <a:solidFill>
+              <a:schemeClr val="accent4"/>
+            </a:solidFill>
+          </a:ln>
+        </p:spPr>
+        <p:style>
+          <a:lnRef idx="1">
+            <a:schemeClr val="accent1"/>
+          </a:lnRef>
+          <a:fillRef idx="0">
+            <a:schemeClr val="accent1"/>
+          </a:fillRef>
+          <a:effectRef idx="0">
+            <a:schemeClr val="accent1"/>
+          </a:effectRef>
+          <a:fontRef idx="minor">
+            <a:schemeClr val="tx1"/>
+          </a:fontRef>
+        </p:style>
+      </p:cxnSp>
+    </p:spTree>
+    <p:extLst>
+      <p:ext uri="{BB962C8B-B14F-4D97-AF65-F5344CB8AC3E}">
+        <p14:creationId xmlns:p14="http://schemas.microsoft.com/office/powerpoint/2010/main" val="2344798236"/>
+      </p:ext>
+    </p:extLst>
+  </p:cSld>
+  <p:clrMapOvr>
+    <a:masterClrMapping/>
+  </p:clrMapOvr>
+</p:sld>
+</file>
+
+<file path=ppt/slides/slide2.xml><?xml version="1.0" encoding="utf-8"?>
+<p:sld xmlns:a="http://schemas.openxmlformats.org/drawingml/2006/main" xmlns:r="http://schemas.openxmlformats.org/officeDocument/2006/relationships" xmlns:p="http://schemas.openxmlformats.org/presentationml/2006/main">
+  <p:cSld>
+    <p:bg>
+      <p:bgPr>
+        <a:solidFill>
+          <a:srgbClr val="023047"/>
+        </a:solidFill>
+        <a:effectLst/>
+      </p:bgPr>
+    </p:bg>
+    <p:spTree>
+      <p:nvGrpSpPr>
+        <p:cNvPr id="1" name=""/>
+        <p:cNvGrpSpPr/>
+        <p:nvPr/>
+      </p:nvGrpSpPr>
+      <p:grpSpPr>
+        <a:xfrm>
+          <a:off x="0" y="0"/>
+          <a:ext cx="0" cy="0"/>
+          <a:chOff x="0" y="0"/>
+          <a:chExt cx="0" cy="0"/>
+        </a:xfrm>
+      </p:grpSpPr>
+      <p:sp useBgFill="1">
+        <p:nvSpPr>
+          <p:cNvPr id="44" name="Rectangle 43">
+            <a:extLst>
+              <a:ext uri="{FF2B5EF4-FFF2-40B4-BE49-F238E27FC236}">
+                <a16:creationId xmlns:a16="http://schemas.microsoft.com/office/drawing/2014/main" id="{8E2CC403-21CD-41DF-BAC4-329D7FF03C5C}"/>
+              </a:ext>
+              <a:ext uri="{C183D7F6-B498-43B3-948B-1728B52AA6E4}">
+                <adec:decorative xmlns:adec="http://schemas.microsoft.com/office/drawing/2017/decorative" val="1"/>
+              </a:ext>
+            </a:extLst>
+          </p:cNvPr>
+          <p:cNvSpPr>
+            <a:spLocks noGrp="1" noRot="1" noChangeAspect="1" noMove="1" noResize="1" noEditPoints="1" noAdjustHandles="1" noChangeArrowheads="1" noChangeShapeType="1" noTextEdit="1"/>
+          </p:cNvSpPr>
+          <p:nvPr>
+            <p:extLst>
+              <p:ext uri="{386F3935-93C4-4BCD-93E2-E3B085C9AB24}">
+                <p16:designElem xmlns:p16="http://schemas.microsoft.com/office/powerpoint/2015/main" val="1"/>
+              </p:ext>
+            </p:extLst>
+          </p:nvPr>
+        </p:nvSpPr>
+        <p:spPr>
+          <a:xfrm>
+            <a:off x="0" y="0"/>
+            <a:ext cx="12191999" cy="6857365"/>
+          </a:xfrm>
+          <a:prstGeom prst="rect">
+            <a:avLst/>
+          </a:prstGeom>
+          <a:ln>
+            <a:noFill/>
+          </a:ln>
+        </p:spPr>
+        <p:style>
+          <a:lnRef idx="2">
+            <a:schemeClr val="accent1">
+              <a:shade val="50000"/>
+            </a:schemeClr>
+          </a:lnRef>
+          <a:fillRef idx="1">
+            <a:schemeClr val="accent1"/>
+          </a:fillRef>
+          <a:effectRef idx="0">
+            <a:schemeClr val="accent1"/>
+          </a:effectRef>
+          <a:fontRef idx="minor">
+            <a:schemeClr val="lt1"/>
+          </a:fontRef>
+        </p:style>
+        <p:txBody>
+          <a:bodyPr rtlCol="0" anchor="ctr"/>
+          <a:lstStyle/>
+          <a:p>
+            <a:pPr algn="ctr"/>
+            <a:endParaRPr lang="en-US"/>
+          </a:p>
+        </p:txBody>
+      </p:sp>
       <p:sp>
         <p:nvSpPr>
           <p:cNvPr id="4" name="Title 3">
@@ -4388,9 +4909,9 @@
           <a:lstStyle/>
           <a:p>
             <a:r>
-              <a:rPr lang="en-US" kern="1200">
+              <a:rPr lang="en-US" kern="1200" dirty="0">
                 <a:solidFill>
-                  <a:schemeClr val="tx1"/>
+                  <a:srgbClr val="FFC000"/>
                 </a:solidFill>
                 <a:latin typeface="+mj-lt"/>
                 <a:ea typeface="+mj-ea"/>
@@ -4775,9 +5296,9 @@
           <a:lstStyle/>
           <a:p>
             <a:r>
-              <a:rPr lang="en-US" kern="1200">
+              <a:rPr lang="en-US" kern="1200" dirty="0">
                 <a:solidFill>
-                  <a:schemeClr val="tx1"/>
+                  <a:srgbClr val="023047"/>
                 </a:solidFill>
                 <a:latin typeface="+mn-lt"/>
                 <a:ea typeface="+mn-ea"/>
@@ -4807,7 +5328,7 @@
     <p:bg>
       <p:bgPr>
         <a:solidFill>
-          <a:schemeClr val="bg1"/>
+          <a:srgbClr val="023047"/>
         </a:solidFill>
         <a:effectLst/>
       </p:bgPr>
@@ -5197,8 +5718,12 @@
           <a:lstStyle/>
           <a:p>
             <a:r>
-              <a:rPr lang="en-US" sz="4800"/>
-              <a:t>Concepts</a:t>
+              <a:rPr lang="en-US" sz="4800" b="1" dirty="0">
+                <a:solidFill>
+                  <a:srgbClr val="023047"/>
+                </a:solidFill>
+              </a:rPr>
+              <a:t>Outline</a:t>
             </a:r>
           </a:p>
         </p:txBody>
@@ -5232,25 +5757,633 @@
           <a:lstStyle/>
           <a:p>
             <a:r>
-              <a:rPr lang="en-US" sz="2400"/>
+              <a:rPr lang="en-US" sz="2400" dirty="0">
+                <a:solidFill>
+                  <a:srgbClr val="FFC000"/>
+                </a:solidFill>
+              </a:rPr>
+              <a:t>Introduction</a:t>
+            </a:r>
+          </a:p>
+          <a:p>
+            <a:r>
+              <a:rPr lang="en-US" sz="2400" dirty="0">
+                <a:solidFill>
+                  <a:srgbClr val="FFC000"/>
+                </a:solidFill>
+              </a:rPr>
+              <a:t>Architecture</a:t>
+            </a:r>
+          </a:p>
+          <a:p>
+            <a:r>
+              <a:rPr lang="en-US" sz="2400" dirty="0">
+                <a:solidFill>
+                  <a:srgbClr val="FFC000"/>
+                </a:solidFill>
+              </a:rPr>
+              <a:t>Demo</a:t>
+            </a:r>
+          </a:p>
+          <a:p>
+            <a:r>
+              <a:rPr lang="en-US" sz="2400" dirty="0">
+                <a:solidFill>
+                  <a:srgbClr val="FFC000"/>
+                </a:solidFill>
+              </a:rPr>
+              <a:t>Conclusions and future works</a:t>
+            </a:r>
+          </a:p>
+        </p:txBody>
+      </p:sp>
+      <p:cxnSp>
+        <p:nvCxnSpPr>
+          <p:cNvPr id="28" name="Straight Connector 27">
+            <a:extLst>
+              <a:ext uri="{FF2B5EF4-FFF2-40B4-BE49-F238E27FC236}">
+                <a16:creationId xmlns:a16="http://schemas.microsoft.com/office/drawing/2014/main" id="{6CF1BAF6-AD41-4082-B212-8A1F9A2E8779}"/>
+              </a:ext>
+              <a:ext uri="{C183D7F6-B498-43B3-948B-1728B52AA6E4}">
+                <adec:decorative xmlns:adec="http://schemas.microsoft.com/office/drawing/2017/decorative" val="1"/>
+              </a:ext>
+            </a:extLst>
+          </p:cNvPr>
+          <p:cNvCxnSpPr>
+            <a:cxnSpLocks noGrp="1" noRot="1" noChangeAspect="1" noMove="1" noResize="1" noEditPoints="1" noAdjustHandles="1" noChangeArrowheads="1" noChangeShapeType="1"/>
+          </p:cNvCxnSpPr>
+          <p:nvPr>
+            <p:extLst>
+              <p:ext uri="{386F3935-93C4-4BCD-93E2-E3B085C9AB24}">
+                <p16:designElem xmlns:p16="http://schemas.microsoft.com/office/powerpoint/2015/main" val="1"/>
+              </p:ext>
+            </p:extLst>
+          </p:nvPr>
+        </p:nvCxnSpPr>
+        <p:spPr>
+          <a:xfrm flipH="1">
+            <a:off x="838200" y="6485313"/>
+            <a:ext cx="10515600" cy="0"/>
+          </a:xfrm>
+          <a:prstGeom prst="line">
+            <a:avLst/>
+          </a:prstGeom>
+          <a:ln w="57150">
+            <a:solidFill>
+              <a:schemeClr val="accent4"/>
+            </a:solidFill>
+          </a:ln>
+        </p:spPr>
+        <p:style>
+          <a:lnRef idx="1">
+            <a:schemeClr val="accent1"/>
+          </a:lnRef>
+          <a:fillRef idx="0">
+            <a:schemeClr val="accent1"/>
+          </a:fillRef>
+          <a:effectRef idx="0">
+            <a:schemeClr val="accent1"/>
+          </a:effectRef>
+          <a:fontRef idx="minor">
+            <a:schemeClr val="tx1"/>
+          </a:fontRef>
+        </p:style>
+      </p:cxnSp>
+    </p:spTree>
+    <p:extLst>
+      <p:ext uri="{BB962C8B-B14F-4D97-AF65-F5344CB8AC3E}">
+        <p14:creationId xmlns:p14="http://schemas.microsoft.com/office/powerpoint/2010/main" val="3398516479"/>
+      </p:ext>
+    </p:extLst>
+  </p:cSld>
+  <p:clrMapOvr>
+    <a:masterClrMapping/>
+  </p:clrMapOvr>
+</p:sld>
+</file>
+
+<file path=ppt/slides/slide4.xml><?xml version="1.0" encoding="utf-8"?>
+<p:sld xmlns:a="http://schemas.openxmlformats.org/drawingml/2006/main" xmlns:r="http://schemas.openxmlformats.org/officeDocument/2006/relationships" xmlns:p="http://schemas.openxmlformats.org/presentationml/2006/main">
+  <p:cSld>
+    <p:bg>
+      <p:bgPr>
+        <a:solidFill>
+          <a:schemeClr val="bg1"/>
+        </a:solidFill>
+        <a:effectLst/>
+      </p:bgPr>
+    </p:bg>
+    <p:spTree>
+      <p:nvGrpSpPr>
+        <p:cNvPr id="1" name=""/>
+        <p:cNvGrpSpPr/>
+        <p:nvPr/>
+      </p:nvGrpSpPr>
+      <p:grpSpPr>
+        <a:xfrm>
+          <a:off x="0" y="0"/>
+          <a:ext cx="0" cy="0"/>
+          <a:chOff x="0" y="0"/>
+          <a:chExt cx="0" cy="0"/>
+        </a:xfrm>
+      </p:grpSpPr>
+      <p:sp useBgFill="1">
+        <p:nvSpPr>
+          <p:cNvPr id="19" name="Rectangle 18">
+            <a:extLst>
+              <a:ext uri="{FF2B5EF4-FFF2-40B4-BE49-F238E27FC236}">
+                <a16:creationId xmlns:a16="http://schemas.microsoft.com/office/drawing/2014/main" id="{B6CDA21F-E7AF-4C75-8395-33F58D5B0E45}"/>
+              </a:ext>
+              <a:ext uri="{C183D7F6-B498-43B3-948B-1728B52AA6E4}">
+                <adec:decorative xmlns:adec="http://schemas.microsoft.com/office/drawing/2017/decorative" val="1"/>
+              </a:ext>
+            </a:extLst>
+          </p:cNvPr>
+          <p:cNvSpPr>
+            <a:spLocks noGrp="1" noRot="1" noChangeAspect="1" noMove="1" noResize="1" noEditPoints="1" noAdjustHandles="1" noChangeArrowheads="1" noChangeShapeType="1" noTextEdit="1"/>
+          </p:cNvSpPr>
+          <p:nvPr>
+            <p:extLst>
+              <p:ext uri="{386F3935-93C4-4BCD-93E2-E3B085C9AB24}">
+                <p16:designElem xmlns:p16="http://schemas.microsoft.com/office/powerpoint/2015/main" val="1"/>
+              </p:ext>
+            </p:extLst>
+          </p:nvPr>
+        </p:nvSpPr>
+        <p:spPr>
+          <a:xfrm>
+            <a:off x="0" y="0"/>
+            <a:ext cx="12191999" cy="6857365"/>
+          </a:xfrm>
+          <a:prstGeom prst="rect">
+            <a:avLst/>
+          </a:prstGeom>
+          <a:ln>
+            <a:noFill/>
+          </a:ln>
+        </p:spPr>
+        <p:style>
+          <a:lnRef idx="2">
+            <a:schemeClr val="accent1">
+              <a:shade val="50000"/>
+            </a:schemeClr>
+          </a:lnRef>
+          <a:fillRef idx="1">
+            <a:schemeClr val="accent1"/>
+          </a:fillRef>
+          <a:effectRef idx="0">
+            <a:schemeClr val="accent1"/>
+          </a:effectRef>
+          <a:fontRef idx="minor">
+            <a:schemeClr val="lt1"/>
+          </a:fontRef>
+        </p:style>
+        <p:txBody>
+          <a:bodyPr rtlCol="0" anchor="ctr"/>
+          <a:lstStyle/>
+          <a:p>
+            <a:pPr algn="ctr"/>
+            <a:endParaRPr lang="en-US"/>
+          </a:p>
+        </p:txBody>
+      </p:sp>
+      <p:grpSp>
+        <p:nvGrpSpPr>
+          <p:cNvPr id="21" name="Group 20">
+            <a:extLst>
+              <a:ext uri="{FF2B5EF4-FFF2-40B4-BE49-F238E27FC236}">
+                <a16:creationId xmlns:a16="http://schemas.microsoft.com/office/drawing/2014/main" id="{AE1C45F0-260A-458C-96ED-C1F6D2151219}"/>
+              </a:ext>
+              <a:ext uri="{C183D7F6-B498-43B3-948B-1728B52AA6E4}">
+                <adec:decorative xmlns:adec="http://schemas.microsoft.com/office/drawing/2017/decorative" val="1"/>
+              </a:ext>
+            </a:extLst>
+          </p:cNvPr>
+          <p:cNvGrpSpPr>
+            <a:grpSpLocks noGrp="1" noUngrp="1" noRot="1" noChangeAspect="1" noMove="1" noResize="1"/>
+          </p:cNvGrpSpPr>
+          <p:nvPr>
+            <p:extLst>
+              <p:ext uri="{386F3935-93C4-4BCD-93E2-E3B085C9AB24}">
+                <p16:designElem xmlns:p16="http://schemas.microsoft.com/office/powerpoint/2015/main" val="1"/>
+              </p:ext>
+            </p:extLst>
+          </p:nvPr>
+        </p:nvGrpSpPr>
+        <p:grpSpPr>
+          <a:xfrm>
+            <a:off x="4" y="1216597"/>
+            <a:ext cx="731521" cy="673460"/>
+            <a:chOff x="3940602" y="308034"/>
+            <a:chExt cx="2116791" cy="3428999"/>
+          </a:xfrm>
+          <a:solidFill>
+            <a:schemeClr val="accent4"/>
+          </a:solidFill>
+        </p:grpSpPr>
+        <p:sp>
+          <p:nvSpPr>
+            <p:cNvPr id="22" name="Rectangle 21">
+              <a:extLst>
+                <a:ext uri="{FF2B5EF4-FFF2-40B4-BE49-F238E27FC236}">
+                  <a16:creationId xmlns:a16="http://schemas.microsoft.com/office/drawing/2014/main" id="{A6604B49-AD5C-4590-B051-06C8222ECD99}"/>
+                </a:ext>
+                <a:ext uri="{C183D7F6-B498-43B3-948B-1728B52AA6E4}">
+                  <adec:decorative xmlns:adec="http://schemas.microsoft.com/office/drawing/2017/decorative" val="1"/>
+                </a:ext>
+              </a:extLst>
+            </p:cNvPr>
+            <p:cNvSpPr/>
+            <p:nvPr>
+              <p:extLst>
+                <p:ext uri="{386F3935-93C4-4BCD-93E2-E3B085C9AB24}">
+                  <p16:designElem xmlns:p16="http://schemas.microsoft.com/office/powerpoint/2015/main" val="1"/>
+                </p:ext>
+              </p:extLst>
+            </p:nvPr>
+          </p:nvSpPr>
+          <p:spPr>
+            <a:xfrm>
+              <a:off x="3940602" y="308034"/>
+              <a:ext cx="566743" cy="3428999"/>
+            </a:xfrm>
+            <a:prstGeom prst="rect">
+              <a:avLst/>
+            </a:prstGeom>
+            <a:grpFill/>
+            <a:ln>
+              <a:noFill/>
+            </a:ln>
+          </p:spPr>
+          <p:style>
+            <a:lnRef idx="2">
+              <a:schemeClr val="accent1">
+                <a:shade val="50000"/>
+              </a:schemeClr>
+            </a:lnRef>
+            <a:fillRef idx="1">
+              <a:schemeClr val="accent1"/>
+            </a:fillRef>
+            <a:effectRef idx="0">
+              <a:schemeClr val="accent1"/>
+            </a:effectRef>
+            <a:fontRef idx="minor">
+              <a:schemeClr val="lt1"/>
+            </a:fontRef>
+          </p:style>
+          <p:txBody>
+            <a:bodyPr rtlCol="0" anchor="ctr"/>
+            <a:lstStyle/>
+            <a:p>
+              <a:pPr algn="ctr"/>
+              <a:endParaRPr lang="en-US"/>
+            </a:p>
+          </p:txBody>
+        </p:sp>
+        <p:sp>
+          <p:nvSpPr>
+            <p:cNvPr id="23" name="Rectangle 22">
+              <a:extLst>
+                <a:ext uri="{FF2B5EF4-FFF2-40B4-BE49-F238E27FC236}">
+                  <a16:creationId xmlns:a16="http://schemas.microsoft.com/office/drawing/2014/main" id="{743ECCAF-29C5-4537-947C-7EA1292463DB}"/>
+                </a:ext>
+                <a:ext uri="{C183D7F6-B498-43B3-948B-1728B52AA6E4}">
+                  <adec:decorative xmlns:adec="http://schemas.microsoft.com/office/drawing/2017/decorative" val="1"/>
+                </a:ext>
+              </a:extLst>
+            </p:cNvPr>
+            <p:cNvSpPr/>
+            <p:nvPr>
+              <p:extLst>
+                <p:ext uri="{386F3935-93C4-4BCD-93E2-E3B085C9AB24}">
+                  <p16:designElem xmlns:p16="http://schemas.microsoft.com/office/powerpoint/2015/main" val="1"/>
+                </p:ext>
+              </p:extLst>
+            </p:nvPr>
+          </p:nvSpPr>
+          <p:spPr>
+            <a:xfrm>
+              <a:off x="4715626" y="308034"/>
+              <a:ext cx="566743" cy="3428999"/>
+            </a:xfrm>
+            <a:prstGeom prst="rect">
+              <a:avLst/>
+            </a:prstGeom>
+            <a:grpFill/>
+            <a:ln>
+              <a:noFill/>
+            </a:ln>
+          </p:spPr>
+          <p:style>
+            <a:lnRef idx="2">
+              <a:schemeClr val="accent1">
+                <a:shade val="50000"/>
+              </a:schemeClr>
+            </a:lnRef>
+            <a:fillRef idx="1">
+              <a:schemeClr val="accent1"/>
+            </a:fillRef>
+            <a:effectRef idx="0">
+              <a:schemeClr val="accent1"/>
+            </a:effectRef>
+            <a:fontRef idx="minor">
+              <a:schemeClr val="lt1"/>
+            </a:fontRef>
+          </p:style>
+          <p:txBody>
+            <a:bodyPr rtlCol="0" anchor="ctr"/>
+            <a:lstStyle/>
+            <a:p>
+              <a:pPr algn="ctr"/>
+              <a:endParaRPr lang="en-US"/>
+            </a:p>
+          </p:txBody>
+        </p:sp>
+        <p:sp>
+          <p:nvSpPr>
+            <p:cNvPr id="24" name="Rectangle 23">
+              <a:extLst>
+                <a:ext uri="{FF2B5EF4-FFF2-40B4-BE49-F238E27FC236}">
+                  <a16:creationId xmlns:a16="http://schemas.microsoft.com/office/drawing/2014/main" id="{ED49787B-8DE6-4467-AD0A-8DECC6E0C2D6}"/>
+                </a:ext>
+                <a:ext uri="{C183D7F6-B498-43B3-948B-1728B52AA6E4}">
+                  <adec:decorative xmlns:adec="http://schemas.microsoft.com/office/drawing/2017/decorative" val="1"/>
+                </a:ext>
+              </a:extLst>
+            </p:cNvPr>
+            <p:cNvSpPr/>
+            <p:nvPr>
+              <p:extLst>
+                <p:ext uri="{386F3935-93C4-4BCD-93E2-E3B085C9AB24}">
+                  <p16:designElem xmlns:p16="http://schemas.microsoft.com/office/powerpoint/2015/main" val="1"/>
+                </p:ext>
+              </p:extLst>
+            </p:nvPr>
+          </p:nvSpPr>
+          <p:spPr>
+            <a:xfrm>
+              <a:off x="5490650" y="308034"/>
+              <a:ext cx="566743" cy="3428999"/>
+            </a:xfrm>
+            <a:prstGeom prst="rect">
+              <a:avLst/>
+            </a:prstGeom>
+            <a:grpFill/>
+            <a:ln>
+              <a:noFill/>
+            </a:ln>
+          </p:spPr>
+          <p:style>
+            <a:lnRef idx="2">
+              <a:schemeClr val="accent1">
+                <a:shade val="50000"/>
+              </a:schemeClr>
+            </a:lnRef>
+            <a:fillRef idx="1">
+              <a:schemeClr val="accent1"/>
+            </a:fillRef>
+            <a:effectRef idx="0">
+              <a:schemeClr val="accent1"/>
+            </a:effectRef>
+            <a:fontRef idx="minor">
+              <a:schemeClr val="lt1"/>
+            </a:fontRef>
+          </p:style>
+          <p:txBody>
+            <a:bodyPr rtlCol="0" anchor="ctr"/>
+            <a:lstStyle/>
+            <a:p>
+              <a:pPr algn="ctr"/>
+              <a:endParaRPr lang="en-US"/>
+            </a:p>
+          </p:txBody>
+        </p:sp>
+      </p:grpSp>
+      <p:sp>
+        <p:nvSpPr>
+          <p:cNvPr id="26" name="Rectangle 25">
+            <a:extLst>
+              <a:ext uri="{FF2B5EF4-FFF2-40B4-BE49-F238E27FC236}">
+                <a16:creationId xmlns:a16="http://schemas.microsoft.com/office/drawing/2014/main" id="{D5B0017B-2ECA-49AF-B397-DC140825DF8D}"/>
+              </a:ext>
+              <a:ext uri="{C183D7F6-B498-43B3-948B-1728B52AA6E4}">
+                <adec:decorative xmlns:adec="http://schemas.microsoft.com/office/drawing/2017/decorative" val="1"/>
+              </a:ext>
+            </a:extLst>
+          </p:cNvPr>
+          <p:cNvSpPr>
+            <a:spLocks noGrp="1" noRot="1" noChangeAspect="1" noMove="1" noResize="1" noEditPoints="1" noAdjustHandles="1" noChangeArrowheads="1" noChangeShapeType="1" noTextEdit="1"/>
+          </p:cNvSpPr>
+          <p:nvPr>
+            <p:extLst>
+              <p:ext uri="{386F3935-93C4-4BCD-93E2-E3B085C9AB24}">
+                <p16:designElem xmlns:p16="http://schemas.microsoft.com/office/powerpoint/2015/main" val="1"/>
+              </p:ext>
+            </p:extLst>
+          </p:nvPr>
+        </p:nvSpPr>
+        <p:spPr>
+          <a:xfrm>
+            <a:off x="640079" y="613954"/>
+            <a:ext cx="10907487" cy="1894116"/>
+          </a:xfrm>
+          <a:prstGeom prst="rect">
+            <a:avLst/>
+          </a:prstGeom>
+          <a:solidFill>
+            <a:schemeClr val="bg1"/>
+          </a:solidFill>
+          <a:ln>
+            <a:noFill/>
+          </a:ln>
+          <a:effectLst>
+            <a:outerShdw blurRad="139700" dist="127000" dir="5400000" algn="t" rotWithShape="0">
+              <a:prstClr val="black">
+                <a:alpha val="15000"/>
+              </a:prstClr>
+            </a:outerShdw>
+          </a:effectLst>
+        </p:spPr>
+        <p:style>
+          <a:lnRef idx="2">
+            <a:schemeClr val="accent1">
+              <a:shade val="50000"/>
+            </a:schemeClr>
+          </a:lnRef>
+          <a:fillRef idx="1">
+            <a:schemeClr val="accent1"/>
+          </a:fillRef>
+          <a:effectRef idx="0">
+            <a:schemeClr val="accent1"/>
+          </a:effectRef>
+          <a:fontRef idx="minor">
+            <a:schemeClr val="lt1"/>
+          </a:fontRef>
+        </p:style>
+        <p:txBody>
+          <a:bodyPr rtlCol="0" anchor="ctr"/>
+          <a:lstStyle/>
+          <a:p>
+            <a:pPr algn="ctr"/>
+            <a:endParaRPr lang="en-US"/>
+          </a:p>
+        </p:txBody>
+      </p:sp>
+      <p:sp>
+        <p:nvSpPr>
+          <p:cNvPr id="2" name="Rectangle 1">
+            <a:extLst>
+              <a:ext uri="{FF2B5EF4-FFF2-40B4-BE49-F238E27FC236}">
+                <a16:creationId xmlns:a16="http://schemas.microsoft.com/office/drawing/2014/main" id="{B8AC138F-44A0-4B4F-BEF6-0649147E5D29}"/>
+              </a:ext>
+            </a:extLst>
+          </p:cNvPr>
+          <p:cNvSpPr/>
+          <p:nvPr/>
+        </p:nvSpPr>
+        <p:spPr>
+          <a:xfrm>
+            <a:off x="640079" y="613954"/>
+            <a:ext cx="10907487" cy="1894116"/>
+          </a:xfrm>
+          <a:prstGeom prst="rect">
+            <a:avLst/>
+          </a:prstGeom>
+          <a:solidFill>
+            <a:srgbClr val="023047"/>
+          </a:solidFill>
+          <a:ln>
+            <a:noFill/>
+          </a:ln>
+        </p:spPr>
+        <p:style>
+          <a:lnRef idx="2">
+            <a:schemeClr val="accent1">
+              <a:shade val="50000"/>
+            </a:schemeClr>
+          </a:lnRef>
+          <a:fillRef idx="1">
+            <a:schemeClr val="accent1"/>
+          </a:fillRef>
+          <a:effectRef idx="0">
+            <a:schemeClr val="accent1"/>
+          </a:effectRef>
+          <a:fontRef idx="minor">
+            <a:schemeClr val="lt1"/>
+          </a:fontRef>
+        </p:style>
+        <p:txBody>
+          <a:bodyPr rtlCol="0" anchor="ctr"/>
+          <a:lstStyle/>
+          <a:p>
+            <a:pPr algn="ctr"/>
+            <a:endParaRPr lang="en-GB" dirty="0"/>
+          </a:p>
+        </p:txBody>
+      </p:sp>
+      <p:sp>
+        <p:nvSpPr>
+          <p:cNvPr id="4" name="Title 3">
+            <a:extLst>
+              <a:ext uri="{FF2B5EF4-FFF2-40B4-BE49-F238E27FC236}">
+                <a16:creationId xmlns:a16="http://schemas.microsoft.com/office/drawing/2014/main" id="{B7DBF6A7-D01A-4EE4-AA09-6BAEB427D14C}"/>
+              </a:ext>
+            </a:extLst>
+          </p:cNvPr>
+          <p:cNvSpPr>
+            <a:spLocks noGrp="1"/>
+          </p:cNvSpPr>
+          <p:nvPr>
+            <p:ph type="title"/>
+          </p:nvPr>
+        </p:nvSpPr>
+        <p:spPr>
+          <a:xfrm>
+            <a:off x="1043631" y="809898"/>
+            <a:ext cx="9942716" cy="1554480"/>
+          </a:xfrm>
+        </p:spPr>
+        <p:txBody>
+          <a:bodyPr anchor="ctr">
+            <a:normAutofit/>
+          </a:bodyPr>
+          <a:lstStyle/>
+          <a:p>
+            <a:r>
+              <a:rPr lang="en-US" sz="4800" b="1" dirty="0">
+                <a:solidFill>
+                  <a:srgbClr val="FFC000"/>
+                </a:solidFill>
+              </a:rPr>
+              <a:t>Concepts</a:t>
+            </a:r>
+          </a:p>
+        </p:txBody>
+      </p:sp>
+      <p:sp>
+        <p:nvSpPr>
+          <p:cNvPr id="5" name="Content Placeholder 4">
+            <a:extLst>
+              <a:ext uri="{FF2B5EF4-FFF2-40B4-BE49-F238E27FC236}">
+                <a16:creationId xmlns:a16="http://schemas.microsoft.com/office/drawing/2014/main" id="{5D518C88-56FE-421D-B854-7CD981F6F5EC}"/>
+              </a:ext>
+            </a:extLst>
+          </p:cNvPr>
+          <p:cNvSpPr>
+            <a:spLocks noGrp="1"/>
+          </p:cNvSpPr>
+          <p:nvPr>
+            <p:ph idx="1"/>
+          </p:nvPr>
+        </p:nvSpPr>
+        <p:spPr>
+          <a:xfrm>
+            <a:off x="1045028" y="3017522"/>
+            <a:ext cx="9941319" cy="3124658"/>
+          </a:xfrm>
+        </p:spPr>
+        <p:txBody>
+          <a:bodyPr anchor="ctr">
+            <a:normAutofit/>
+          </a:bodyPr>
+          <a:lstStyle/>
+          <a:p>
+            <a:r>
+              <a:rPr lang="en-US" sz="2400" dirty="0">
+                <a:solidFill>
+                  <a:srgbClr val="023047"/>
+                </a:solidFill>
+              </a:rPr>
               <a:t>Detect when a user enters the room using visual input</a:t>
             </a:r>
           </a:p>
           <a:p>
             <a:r>
-              <a:rPr lang="en-US" sz="2400"/>
+              <a:rPr lang="en-US" sz="2400" dirty="0">
+                <a:solidFill>
+                  <a:srgbClr val="023047"/>
+                </a:solidFill>
+              </a:rPr>
               <a:t>If possible, recognize the user and initiate interaction</a:t>
             </a:r>
           </a:p>
           <a:p>
             <a:r>
-              <a:rPr lang="en-US" sz="2400"/>
+              <a:rPr lang="en-US" sz="2400" dirty="0">
+                <a:solidFill>
+                  <a:srgbClr val="023047"/>
+                </a:solidFill>
+              </a:rPr>
               <a:t>Be able to learn to recognize new users and react to their presence in the future</a:t>
             </a:r>
           </a:p>
           <a:p>
             <a:r>
-              <a:rPr lang="en-US" sz="2400"/>
+              <a:rPr lang="en-US" sz="2400" dirty="0">
+                <a:solidFill>
+                  <a:srgbClr val="023047"/>
+                </a:solidFill>
+              </a:rPr>
               <a:t>Let users interact with each other by leaving virtual “sticky notes” that the assistant can output through voice synthetization </a:t>
             </a:r>
           </a:p>
@@ -5321,7 +6454,7 @@
 </p:sld>
 </file>
 
-<file path=ppt/slides/slide4.xml><?xml version="1.0" encoding="utf-8"?>
+<file path=ppt/slides/slide5.xml><?xml version="1.0" encoding="utf-8"?>
 <p:sld xmlns:a="http://schemas.openxmlformats.org/drawingml/2006/main" xmlns:r="http://schemas.openxmlformats.org/officeDocument/2006/relationships" xmlns:p="http://schemas.openxmlformats.org/presentationml/2006/main">
   <p:cSld>
     <p:bg>
@@ -5690,6 +6823,58 @@
       </p:sp>
       <p:sp>
         <p:nvSpPr>
+          <p:cNvPr id="11" name="Rectangle 10">
+            <a:extLst>
+              <a:ext uri="{FF2B5EF4-FFF2-40B4-BE49-F238E27FC236}">
+                <a16:creationId xmlns:a16="http://schemas.microsoft.com/office/drawing/2014/main" id="{FDCF5B91-B78C-40D3-B67C-E31B9DAD6A09}"/>
+              </a:ext>
+            </a:extLst>
+          </p:cNvPr>
+          <p:cNvSpPr/>
+          <p:nvPr/>
+        </p:nvSpPr>
+        <p:spPr>
+          <a:xfrm>
+            <a:off x="633597" y="640080"/>
+            <a:ext cx="10907487" cy="1894116"/>
+          </a:xfrm>
+          <a:prstGeom prst="rect">
+            <a:avLst/>
+          </a:prstGeom>
+          <a:solidFill>
+            <a:srgbClr val="023047"/>
+          </a:solidFill>
+          <a:ln>
+            <a:noFill/>
+          </a:ln>
+        </p:spPr>
+        <p:style>
+          <a:lnRef idx="2">
+            <a:schemeClr val="accent1">
+              <a:shade val="50000"/>
+            </a:schemeClr>
+          </a:lnRef>
+          <a:fillRef idx="1">
+            <a:schemeClr val="accent1"/>
+          </a:fillRef>
+          <a:effectRef idx="0">
+            <a:schemeClr val="accent1"/>
+          </a:effectRef>
+          <a:fontRef idx="minor">
+            <a:schemeClr val="lt1"/>
+          </a:fontRef>
+        </p:style>
+        <p:txBody>
+          <a:bodyPr rtlCol="0" anchor="ctr"/>
+          <a:lstStyle/>
+          <a:p>
+            <a:pPr algn="ctr"/>
+            <a:endParaRPr lang="en-GB"/>
+          </a:p>
+        </p:txBody>
+      </p:sp>
+      <p:sp>
+        <p:nvSpPr>
           <p:cNvPr id="4" name="Title 3">
             <a:extLst>
               <a:ext uri="{FF2B5EF4-FFF2-40B4-BE49-F238E27FC236}">
@@ -5717,7 +6902,11 @@
           <a:lstStyle/>
           <a:p>
             <a:r>
-              <a:rPr lang="en-US" sz="4800"/>
+              <a:rPr lang="en-US" sz="4800" dirty="0">
+                <a:solidFill>
+                  <a:srgbClr val="FFC000"/>
+                </a:solidFill>
+              </a:rPr>
               <a:t>What we used</a:t>
             </a:r>
           </a:p>
@@ -5752,74 +6941,150 @@
           <a:lstStyle/>
           <a:p>
             <a:r>
-              <a:rPr lang="en-US" sz="1700"/>
+              <a:rPr lang="en-US" sz="1700" dirty="0">
+                <a:solidFill>
+                  <a:srgbClr val="023047"/>
+                </a:solidFill>
+              </a:rPr>
               <a:t>A programmable device (laptop or desktop PC) with:</a:t>
             </a:r>
           </a:p>
           <a:p>
             <a:pPr lvl="1"/>
             <a:r>
-              <a:rPr lang="en-US" sz="1700"/>
+              <a:rPr lang="en-US" sz="1700" dirty="0">
+                <a:solidFill>
+                  <a:srgbClr val="023047"/>
+                </a:solidFill>
+              </a:rPr>
               <a:t>A camera for visual input</a:t>
             </a:r>
           </a:p>
           <a:p>
             <a:pPr lvl="1"/>
             <a:r>
-              <a:rPr lang="en-US" sz="1700"/>
+              <a:rPr lang="en-US" sz="1700" dirty="0">
+                <a:solidFill>
+                  <a:srgbClr val="023047"/>
+                </a:solidFill>
+              </a:rPr>
               <a:t>A microphone for audio input</a:t>
             </a:r>
           </a:p>
           <a:p>
             <a:pPr lvl="1"/>
             <a:r>
-              <a:rPr lang="en-US" sz="1700"/>
+              <a:rPr lang="en-US" sz="1700" dirty="0">
+                <a:solidFill>
+                  <a:srgbClr val="023047"/>
+                </a:solidFill>
+              </a:rPr>
               <a:t>Speakers for audio output</a:t>
             </a:r>
           </a:p>
           <a:p>
             <a:r>
-              <a:rPr lang="en-US" sz="1700"/>
+              <a:rPr lang="en-US" sz="1700" dirty="0">
+                <a:solidFill>
+                  <a:srgbClr val="023047"/>
+                </a:solidFill>
+              </a:rPr>
               <a:t>Programming language: Python 3.8</a:t>
             </a:r>
           </a:p>
           <a:p>
             <a:r>
-              <a:rPr lang="en-US" sz="1700"/>
+              <a:rPr lang="en-US" sz="1700" dirty="0">
+                <a:solidFill>
+                  <a:srgbClr val="023047"/>
+                </a:solidFill>
+              </a:rPr>
               <a:t>Libraries for input processing:</a:t>
             </a:r>
           </a:p>
           <a:p>
             <a:pPr lvl="1"/>
             <a:r>
-              <a:rPr lang="en-US" sz="1700"/>
+              <a:rPr lang="en-US" sz="1700" dirty="0">
+                <a:solidFill>
+                  <a:srgbClr val="023047"/>
+                </a:solidFill>
+              </a:rPr>
               <a:t>OpenCV (visual input, face detection)</a:t>
             </a:r>
           </a:p>
           <a:p>
             <a:pPr lvl="1"/>
             <a:r>
-              <a:rPr lang="en-US" sz="1700"/>
-              <a:t>Face_recognition (uses dlib; processing visual inputs)</a:t>
+              <a:rPr lang="en-US" sz="1700" dirty="0" err="1">
+                <a:solidFill>
+                  <a:srgbClr val="023047"/>
+                </a:solidFill>
+              </a:rPr>
+              <a:t>Face_recognition</a:t>
+            </a:r>
+            <a:r>
+              <a:rPr lang="en-US" sz="1700" dirty="0">
+                <a:solidFill>
+                  <a:srgbClr val="023047"/>
+                </a:solidFill>
+              </a:rPr>
+              <a:t> (uses </a:t>
+            </a:r>
+            <a:r>
+              <a:rPr lang="en-US" sz="1700" dirty="0" err="1">
+                <a:solidFill>
+                  <a:srgbClr val="023047"/>
+                </a:solidFill>
+              </a:rPr>
+              <a:t>dlib</a:t>
+            </a:r>
+            <a:r>
+              <a:rPr lang="en-US" sz="1700" dirty="0">
+                <a:solidFill>
+                  <a:srgbClr val="023047"/>
+                </a:solidFill>
+              </a:rPr>
+              <a:t>; processing visual inputs)</a:t>
             </a:r>
           </a:p>
           <a:p>
             <a:pPr lvl="1"/>
             <a:r>
-              <a:rPr lang="en-US" sz="1700"/>
+              <a:rPr lang="en-US" sz="1700" dirty="0">
+                <a:solidFill>
+                  <a:srgbClr val="023047"/>
+                </a:solidFill>
+              </a:rPr>
               <a:t>Pyttsx3 (audio output, works offline)</a:t>
             </a:r>
           </a:p>
           <a:p>
             <a:pPr lvl="1"/>
             <a:r>
-              <a:rPr lang="en-US" sz="1700"/>
-              <a:t>Speechrecognition (handles audio input, both online and offline)</a:t>
+              <a:rPr lang="en-US" sz="1700" dirty="0" err="1">
+                <a:solidFill>
+                  <a:srgbClr val="023047"/>
+                </a:solidFill>
+              </a:rPr>
+              <a:t>Speechrecognition</a:t>
+            </a:r>
+            <a:r>
+              <a:rPr lang="en-US" sz="1700" dirty="0">
+                <a:solidFill>
+                  <a:srgbClr val="023047"/>
+                </a:solidFill>
+              </a:rPr>
+              <a:t> (handles audio input, both online and offline)</a:t>
             </a:r>
           </a:p>
           <a:p>
             <a:pPr lvl="1"/>
-            <a:endParaRPr lang="en-US" sz="1700"/>
+            <a:endParaRPr lang="en-US" sz="1700" dirty="0">
+              <a:solidFill>
+                <a:srgbClr val="023047"/>
+              </a:solidFill>
+            </a:endParaRPr>
           </a:p>
         </p:txBody>
       </p:sp>
@@ -5888,7 +7153,7 @@
 </p:sld>
 </file>
 
-<file path=ppt/slides/slide5.xml><?xml version="1.0" encoding="utf-8"?>
+<file path=ppt/slides/slide6.xml><?xml version="1.0" encoding="utf-8"?>
 <p:sld xmlns:a="http://schemas.openxmlformats.org/drawingml/2006/main" xmlns:r="http://schemas.openxmlformats.org/officeDocument/2006/relationships" xmlns:p="http://schemas.openxmlformats.org/presentationml/2006/main">
   <p:cSld>
     <p:bg>
@@ -6319,25 +7584,41 @@
           <a:lstStyle/>
           <a:p>
             <a:r>
-              <a:rPr lang="en-US" sz="2400"/>
+              <a:rPr lang="en-US" sz="2400" dirty="0">
+                <a:solidFill>
+                  <a:srgbClr val="023047"/>
+                </a:solidFill>
+              </a:rPr>
               <a:t>Once the device is turned on, it should be placed somewhere where the user wants to be and can be easily identified, recognized and interacted with</a:t>
             </a:r>
           </a:p>
           <a:p>
             <a:r>
-              <a:rPr lang="en-US" sz="2400"/>
+              <a:rPr lang="en-US" sz="2400" dirty="0">
+                <a:solidFill>
+                  <a:srgbClr val="023047"/>
+                </a:solidFill>
+              </a:rPr>
               <a:t>The assistant will continuously monitor the camera searching for a successful detection</a:t>
             </a:r>
           </a:p>
           <a:p>
             <a:r>
-              <a:rPr lang="en-US" sz="2400"/>
+              <a:rPr lang="en-US" sz="2400" dirty="0">
+                <a:solidFill>
+                  <a:srgbClr val="023047"/>
+                </a:solidFill>
+              </a:rPr>
               <a:t>Once a face is detected, it attempts to recognize the person automatically</a:t>
             </a:r>
           </a:p>
           <a:p>
             <a:r>
-              <a:rPr lang="en-US" sz="2400"/>
+              <a:rPr lang="en-US" sz="2400" dirty="0">
+                <a:solidFill>
+                  <a:srgbClr val="023047"/>
+                </a:solidFill>
+              </a:rPr>
               <a:t>Failsafe: should recognition fail, ask the person to pronounce their name</a:t>
             </a:r>
           </a:p>
@@ -6408,7 +7689,7 @@
 </p:sld>
 </file>
 
-<file path=ppt/slides/slide6.xml><?xml version="1.0" encoding="utf-8"?>
+<file path=ppt/slides/slide7.xml><?xml version="1.0" encoding="utf-8"?>
 <p:sld xmlns:a="http://schemas.openxmlformats.org/drawingml/2006/main" xmlns:r="http://schemas.openxmlformats.org/officeDocument/2006/relationships" xmlns:p="http://schemas.openxmlformats.org/presentationml/2006/main">
   <p:cSld>
     <p:spTree>
@@ -6447,17 +7728,33 @@
           <a:lstStyle/>
           <a:p>
             <a:r>
-              <a:rPr lang="en-US" sz="3200" dirty="0"/>
+              <a:rPr lang="en-US" sz="3200" dirty="0">
+                <a:solidFill>
+                  <a:srgbClr val="023047"/>
+                </a:solidFill>
+              </a:rPr>
               <a:t>Interaction structure pt. I recognizing a user</a:t>
             </a:r>
             <a:br>
-              <a:rPr lang="en-US" sz="3200" dirty="0"/>
+              <a:rPr lang="en-US" sz="3200" dirty="0">
+                <a:solidFill>
+                  <a:srgbClr val="023047"/>
+                </a:solidFill>
+              </a:rPr>
             </a:br>
             <a:r>
-              <a:rPr lang="en-US" sz="3200" dirty="0"/>
+              <a:rPr lang="en-US" sz="3200" dirty="0">
+                <a:solidFill>
+                  <a:srgbClr val="023047"/>
+                </a:solidFill>
+              </a:rPr>
               <a:t>Deeper dive</a:t>
             </a:r>
-            <a:endParaRPr lang="en-US" dirty="0"/>
+            <a:endParaRPr lang="en-US" dirty="0">
+              <a:solidFill>
+                <a:srgbClr val="023047"/>
+              </a:solidFill>
+            </a:endParaRPr>
           </a:p>
         </p:txBody>
       </p:sp>
@@ -6514,7 +7811,11 @@
           <a:lstStyle/>
           <a:p>
             <a:r>
-              <a:rPr lang="en-US" dirty="0"/>
+              <a:rPr lang="en-US" dirty="0">
+                <a:solidFill>
+                  <a:srgbClr val="023047"/>
+                </a:solidFill>
+              </a:rPr>
               <a:t>Three steps are involved in making the interaction happen:</a:t>
             </a:r>
           </a:p>
@@ -6524,7 +7825,11 @@
               <a:buAutoNum type="arabicPeriod"/>
             </a:pPr>
             <a:r>
-              <a:rPr lang="en-US" dirty="0"/>
+              <a:rPr lang="en-US" dirty="0">
+                <a:solidFill>
+                  <a:srgbClr val="023047"/>
+                </a:solidFill>
+              </a:rPr>
               <a:t>Start the camera and a continuous loop where we gather the current image the camera is receiving</a:t>
             </a:r>
           </a:p>
@@ -6534,15 +7839,27 @@
               <a:buAutoNum type="arabicPeriod"/>
             </a:pPr>
             <a:r>
-              <a:rPr lang="en-US" dirty="0"/>
+              <a:rPr lang="en-US" dirty="0">
+                <a:solidFill>
+                  <a:srgbClr val="023047"/>
+                </a:solidFill>
+              </a:rPr>
               <a:t>Send the captured frame over to the </a:t>
             </a:r>
             <a:r>
-              <a:rPr lang="en-US" dirty="0" err="1"/>
+              <a:rPr lang="en-US" dirty="0" err="1">
+                <a:solidFill>
+                  <a:srgbClr val="023047"/>
+                </a:solidFill>
+              </a:rPr>
               <a:t>detect_presence</a:t>
             </a:r>
             <a:r>
-              <a:rPr lang="en-US" dirty="0"/>
+              <a:rPr lang="en-US" dirty="0">
+                <a:solidFill>
+                  <a:srgbClr val="023047"/>
+                </a:solidFill>
+              </a:rPr>
               <a:t> method:</a:t>
             </a:r>
           </a:p>
@@ -6552,7 +7869,11 @@
               <a:buAutoNum type="arabicPeriod"/>
             </a:pPr>
             <a:r>
-              <a:rPr lang="en-US" dirty="0"/>
+              <a:rPr lang="en-US" dirty="0">
+                <a:solidFill>
+                  <a:srgbClr val="023047"/>
+                </a:solidFill>
+              </a:rPr>
               <a:t>Converts the frame in B&amp;W</a:t>
             </a:r>
           </a:p>
@@ -6562,31 +7883,59 @@
               <a:buAutoNum type="arabicPeriod"/>
             </a:pPr>
             <a:r>
-              <a:rPr lang="en-US" dirty="0"/>
+              <a:rPr lang="en-US" dirty="0">
+                <a:solidFill>
+                  <a:srgbClr val="023047"/>
+                </a:solidFill>
+              </a:rPr>
               <a:t>Uses the preloaded </a:t>
             </a:r>
             <a:r>
-              <a:rPr lang="en-US" dirty="0" err="1"/>
+              <a:rPr lang="en-US" dirty="0" err="1">
+                <a:solidFill>
+                  <a:srgbClr val="023047"/>
+                </a:solidFill>
+              </a:rPr>
               <a:t>opencv</a:t>
             </a:r>
             <a:r>
-              <a:rPr lang="en-US" dirty="0"/>
+              <a:rPr lang="en-US" dirty="0">
+                <a:solidFill>
+                  <a:srgbClr val="023047"/>
+                </a:solidFill>
+              </a:rPr>
               <a:t> </a:t>
             </a:r>
             <a:r>
-              <a:rPr lang="en-US" dirty="0" err="1"/>
+              <a:rPr lang="en-US" dirty="0" err="1">
+                <a:solidFill>
+                  <a:srgbClr val="023047"/>
+                </a:solidFill>
+              </a:rPr>
               <a:t>CascadeClassifier</a:t>
             </a:r>
             <a:r>
-              <a:rPr lang="en-US" dirty="0"/>
+              <a:rPr lang="en-US" dirty="0">
+                <a:solidFill>
+                  <a:srgbClr val="023047"/>
+                </a:solidFill>
+              </a:rPr>
               <a:t> with </a:t>
             </a:r>
             <a:r>
-              <a:rPr lang="en-US" dirty="0" err="1"/>
+              <a:rPr lang="en-US" dirty="0" err="1">
+                <a:solidFill>
+                  <a:srgbClr val="023047"/>
+                </a:solidFill>
+              </a:rPr>
               <a:t>Haar</a:t>
             </a:r>
             <a:r>
-              <a:rPr lang="en-US" dirty="0"/>
+              <a:rPr lang="en-US" dirty="0">
+                <a:solidFill>
+                  <a:srgbClr val="023047"/>
+                </a:solidFill>
+              </a:rPr>
               <a:t> Cascades to attempt detection</a:t>
             </a:r>
           </a:p>
@@ -6596,7 +7945,11 @@
               <a:buAutoNum type="arabicPeriod"/>
             </a:pPr>
             <a:r>
-              <a:rPr lang="en-US" dirty="0"/>
+              <a:rPr lang="en-US" dirty="0">
+                <a:solidFill>
+                  <a:srgbClr val="023047"/>
+                </a:solidFill>
+              </a:rPr>
               <a:t>Attempt recognizing the person from the frame they have been detected in:</a:t>
             </a:r>
           </a:p>
@@ -6606,7 +7959,11 @@
               <a:buAutoNum type="arabicPeriod"/>
             </a:pPr>
             <a:r>
-              <a:rPr lang="en-US" dirty="0"/>
+              <a:rPr lang="en-US" dirty="0">
+                <a:solidFill>
+                  <a:srgbClr val="023047"/>
+                </a:solidFill>
+              </a:rPr>
               <a:t>Generate face encodings for each face</a:t>
             </a:r>
           </a:p>
@@ -6616,7 +7973,11 @@
               <a:buAutoNum type="arabicPeriod"/>
             </a:pPr>
             <a:r>
-              <a:rPr lang="en-US" dirty="0"/>
+              <a:rPr lang="en-US" dirty="0">
+                <a:solidFill>
+                  <a:srgbClr val="023047"/>
+                </a:solidFill>
+              </a:rPr>
               <a:t>Compare each encoding to the ones locally saved for each member until there is a match</a:t>
             </a:r>
           </a:p>
@@ -6626,7 +7987,11 @@
               <a:buAutoNum type="arabicPeriod"/>
             </a:pPr>
             <a:r>
-              <a:rPr lang="en-US" dirty="0"/>
+              <a:rPr lang="en-US" dirty="0">
+                <a:solidFill>
+                  <a:srgbClr val="023047"/>
+                </a:solidFill>
+              </a:rPr>
               <a:t>If all else fails, ask the person to identify themselves by using voice</a:t>
             </a:r>
           </a:p>
@@ -6735,7 +8100,7 @@
 </p:sld>
 </file>
 
-<file path=ppt/slides/slide7.xml><?xml version="1.0" encoding="utf-8"?>
+<file path=ppt/slides/slide8.xml><?xml version="1.0" encoding="utf-8"?>
 <p:sld xmlns:a="http://schemas.openxmlformats.org/drawingml/2006/main" xmlns:r="http://schemas.openxmlformats.org/officeDocument/2006/relationships" xmlns:p="http://schemas.openxmlformats.org/presentationml/2006/main">
   <p:cSld>
     <p:spTree>
@@ -6907,7 +8272,7 @@
 </p:sld>
 </file>
 
-<file path=ppt/slides/slide8.xml><?xml version="1.0" encoding="utf-8"?>
+<file path=ppt/slides/slide9.xml><?xml version="1.0" encoding="utf-8"?>
 <p:sld xmlns:a="http://schemas.openxmlformats.org/drawingml/2006/main" xmlns:r="http://schemas.openxmlformats.org/officeDocument/2006/relationships" xmlns:p="http://schemas.openxmlformats.org/presentationml/2006/main">
   <p:cSld>
     <p:bg>
@@ -7021,7 +8386,7 @@
           <a:lstStyle/>
           <a:p>
             <a:r>
-              <a:rPr lang="en-US" sz="2500"/>
+              <a:rPr lang="en-US" sz="2500" dirty="0"/>
               <a:t>Interaction structure pt. I: what if they can’t be recognized?</a:t>
             </a:r>
           </a:p>
@@ -7277,7 +8642,7 @@
               <a:buChar char="•"/>
             </a:pPr>
             <a:r>
-              <a:rPr lang="en-US" sz="1900"/>
+              <a:rPr lang="en-US" sz="1900" dirty="0"/>
               <a:t>As said: registering is straight-forward:</a:t>
             </a:r>
           </a:p>
@@ -7287,7 +8652,7 @@
               <a:buChar char="•"/>
             </a:pPr>
             <a:r>
-              <a:rPr lang="en-US" sz="1900"/>
+              <a:rPr lang="en-US" sz="1900" dirty="0"/>
               <a:t>Ask the name which the person wants to register with</a:t>
             </a:r>
           </a:p>
@@ -7297,7 +8662,7 @@
               <a:buChar char="•"/>
             </a:pPr>
             <a:r>
-              <a:rPr lang="en-US" sz="1900"/>
+              <a:rPr lang="en-US" sz="1900" dirty="0"/>
               <a:t>We ask again as they might want to register with a name different from their real one!</a:t>
             </a:r>
           </a:p>
@@ -7307,7 +8672,7 @@
               <a:buChar char="•"/>
             </a:pPr>
             <a:r>
-              <a:rPr lang="en-US" sz="1900"/>
+              <a:rPr lang="en-US" sz="1900" dirty="0"/>
               <a:t>Compute face encodings from the detection frame (the frame that started it all)</a:t>
             </a:r>
           </a:p>
@@ -7317,7 +8682,7 @@
               <a:buChar char="•"/>
             </a:pPr>
             <a:r>
-              <a:rPr lang="en-US" sz="1900"/>
+              <a:rPr lang="en-US" sz="1900" dirty="0"/>
               <a:t>Create a new instance of the Member class, commit it to memory, and inform the user they are now part of the Clan</a:t>
             </a:r>
           </a:p>
@@ -7491,526 +8856,6 @@
     <p:extLst>
       <p:ext uri="{BB962C8B-B14F-4D97-AF65-F5344CB8AC3E}">
         <p14:creationId xmlns:p14="http://schemas.microsoft.com/office/powerpoint/2010/main" val="2782484819"/>
-      </p:ext>
-    </p:extLst>
-  </p:cSld>
-  <p:clrMapOvr>
-    <a:masterClrMapping/>
-  </p:clrMapOvr>
-</p:sld>
-</file>
-
-<file path=ppt/slides/slide9.xml><?xml version="1.0" encoding="utf-8"?>
-<p:sld xmlns:a="http://schemas.openxmlformats.org/drawingml/2006/main" xmlns:r="http://schemas.openxmlformats.org/officeDocument/2006/relationships" xmlns:p="http://schemas.openxmlformats.org/presentationml/2006/main">
-  <p:cSld>
-    <p:bg>
-      <p:bgPr>
-        <a:solidFill>
-          <a:schemeClr val="bg1"/>
-        </a:solidFill>
-        <a:effectLst/>
-      </p:bgPr>
-    </p:bg>
-    <p:spTree>
-      <p:nvGrpSpPr>
-        <p:cNvPr id="1" name=""/>
-        <p:cNvGrpSpPr/>
-        <p:nvPr/>
-      </p:nvGrpSpPr>
-      <p:grpSpPr>
-        <a:xfrm>
-          <a:off x="0" y="0"/>
-          <a:ext cx="0" cy="0"/>
-          <a:chOff x="0" y="0"/>
-          <a:chExt cx="0" cy="0"/>
-        </a:xfrm>
-      </p:grpSpPr>
-      <p:sp useBgFill="1">
-        <p:nvSpPr>
-          <p:cNvPr id="8" name="Rectangle 7">
-            <a:extLst>
-              <a:ext uri="{FF2B5EF4-FFF2-40B4-BE49-F238E27FC236}">
-                <a16:creationId xmlns:a16="http://schemas.microsoft.com/office/drawing/2014/main" id="{B6CDA21F-E7AF-4C75-8395-33F58D5B0E45}"/>
-              </a:ext>
-              <a:ext uri="{C183D7F6-B498-43B3-948B-1728B52AA6E4}">
-                <adec:decorative xmlns:adec="http://schemas.microsoft.com/office/drawing/2017/decorative" val="1"/>
-              </a:ext>
-            </a:extLst>
-          </p:cNvPr>
-          <p:cNvSpPr>
-            <a:spLocks noGrp="1" noRot="1" noChangeAspect="1" noMove="1" noResize="1" noEditPoints="1" noAdjustHandles="1" noChangeArrowheads="1" noChangeShapeType="1" noTextEdit="1"/>
-          </p:cNvSpPr>
-          <p:nvPr>
-            <p:extLst>
-              <p:ext uri="{386F3935-93C4-4BCD-93E2-E3B085C9AB24}">
-                <p16:designElem xmlns:p16="http://schemas.microsoft.com/office/powerpoint/2015/main" val="1"/>
-              </p:ext>
-            </p:extLst>
-          </p:nvPr>
-        </p:nvSpPr>
-        <p:spPr>
-          <a:xfrm>
-            <a:off x="0" y="0"/>
-            <a:ext cx="12191999" cy="6857365"/>
-          </a:xfrm>
-          <a:prstGeom prst="rect">
-            <a:avLst/>
-          </a:prstGeom>
-          <a:ln>
-            <a:noFill/>
-          </a:ln>
-        </p:spPr>
-        <p:style>
-          <a:lnRef idx="2">
-            <a:schemeClr val="accent1">
-              <a:shade val="50000"/>
-            </a:schemeClr>
-          </a:lnRef>
-          <a:fillRef idx="1">
-            <a:schemeClr val="accent1"/>
-          </a:fillRef>
-          <a:effectRef idx="0">
-            <a:schemeClr val="accent1"/>
-          </a:effectRef>
-          <a:fontRef idx="minor">
-            <a:schemeClr val="lt1"/>
-          </a:fontRef>
-        </p:style>
-        <p:txBody>
-          <a:bodyPr rtlCol="0" anchor="ctr"/>
-          <a:lstStyle/>
-          <a:p>
-            <a:pPr algn="ctr"/>
-            <a:endParaRPr lang="en-US"/>
-          </a:p>
-        </p:txBody>
-      </p:sp>
-      <p:grpSp>
-        <p:nvGrpSpPr>
-          <p:cNvPr id="10" name="Group 9">
-            <a:extLst>
-              <a:ext uri="{FF2B5EF4-FFF2-40B4-BE49-F238E27FC236}">
-                <a16:creationId xmlns:a16="http://schemas.microsoft.com/office/drawing/2014/main" id="{AE1C45F0-260A-458C-96ED-C1F6D2151219}"/>
-              </a:ext>
-              <a:ext uri="{C183D7F6-B498-43B3-948B-1728B52AA6E4}">
-                <adec:decorative xmlns:adec="http://schemas.microsoft.com/office/drawing/2017/decorative" val="1"/>
-              </a:ext>
-            </a:extLst>
-          </p:cNvPr>
-          <p:cNvGrpSpPr>
-            <a:grpSpLocks noGrp="1" noUngrp="1" noRot="1" noChangeAspect="1" noMove="1" noResize="1"/>
-          </p:cNvGrpSpPr>
-          <p:nvPr>
-            <p:extLst>
-              <p:ext uri="{386F3935-93C4-4BCD-93E2-E3B085C9AB24}">
-                <p16:designElem xmlns:p16="http://schemas.microsoft.com/office/powerpoint/2015/main" val="1"/>
-              </p:ext>
-            </p:extLst>
-          </p:nvPr>
-        </p:nvGrpSpPr>
-        <p:grpSpPr>
-          <a:xfrm>
-            <a:off x="4" y="1216597"/>
-            <a:ext cx="731521" cy="673460"/>
-            <a:chOff x="3940602" y="308034"/>
-            <a:chExt cx="2116791" cy="3428999"/>
-          </a:xfrm>
-          <a:solidFill>
-            <a:schemeClr val="accent4"/>
-          </a:solidFill>
-        </p:grpSpPr>
-        <p:sp>
-          <p:nvSpPr>
-            <p:cNvPr id="11" name="Rectangle 10">
-              <a:extLst>
-                <a:ext uri="{FF2B5EF4-FFF2-40B4-BE49-F238E27FC236}">
-                  <a16:creationId xmlns:a16="http://schemas.microsoft.com/office/drawing/2014/main" id="{A6604B49-AD5C-4590-B051-06C8222ECD99}"/>
-                </a:ext>
-                <a:ext uri="{C183D7F6-B498-43B3-948B-1728B52AA6E4}">
-                  <adec:decorative xmlns:adec="http://schemas.microsoft.com/office/drawing/2017/decorative" val="1"/>
-                </a:ext>
-              </a:extLst>
-            </p:cNvPr>
-            <p:cNvSpPr/>
-            <p:nvPr>
-              <p:extLst>
-                <p:ext uri="{386F3935-93C4-4BCD-93E2-E3B085C9AB24}">
-                  <p16:designElem xmlns:p16="http://schemas.microsoft.com/office/powerpoint/2015/main" val="1"/>
-                </p:ext>
-              </p:extLst>
-            </p:nvPr>
-          </p:nvSpPr>
-          <p:spPr>
-            <a:xfrm>
-              <a:off x="3940602" y="308034"/>
-              <a:ext cx="566743" cy="3428999"/>
-            </a:xfrm>
-            <a:prstGeom prst="rect">
-              <a:avLst/>
-            </a:prstGeom>
-            <a:grpFill/>
-            <a:ln>
-              <a:noFill/>
-            </a:ln>
-          </p:spPr>
-          <p:style>
-            <a:lnRef idx="2">
-              <a:schemeClr val="accent1">
-                <a:shade val="50000"/>
-              </a:schemeClr>
-            </a:lnRef>
-            <a:fillRef idx="1">
-              <a:schemeClr val="accent1"/>
-            </a:fillRef>
-            <a:effectRef idx="0">
-              <a:schemeClr val="accent1"/>
-            </a:effectRef>
-            <a:fontRef idx="minor">
-              <a:schemeClr val="lt1"/>
-            </a:fontRef>
-          </p:style>
-          <p:txBody>
-            <a:bodyPr rtlCol="0" anchor="ctr"/>
-            <a:lstStyle/>
-            <a:p>
-              <a:pPr algn="ctr"/>
-              <a:endParaRPr lang="en-US"/>
-            </a:p>
-          </p:txBody>
-        </p:sp>
-        <p:sp>
-          <p:nvSpPr>
-            <p:cNvPr id="12" name="Rectangle 11">
-              <a:extLst>
-                <a:ext uri="{FF2B5EF4-FFF2-40B4-BE49-F238E27FC236}">
-                  <a16:creationId xmlns:a16="http://schemas.microsoft.com/office/drawing/2014/main" id="{743ECCAF-29C5-4537-947C-7EA1292463DB}"/>
-                </a:ext>
-                <a:ext uri="{C183D7F6-B498-43B3-948B-1728B52AA6E4}">
-                  <adec:decorative xmlns:adec="http://schemas.microsoft.com/office/drawing/2017/decorative" val="1"/>
-                </a:ext>
-              </a:extLst>
-            </p:cNvPr>
-            <p:cNvSpPr/>
-            <p:nvPr>
-              <p:extLst>
-                <p:ext uri="{386F3935-93C4-4BCD-93E2-E3B085C9AB24}">
-                  <p16:designElem xmlns:p16="http://schemas.microsoft.com/office/powerpoint/2015/main" val="1"/>
-                </p:ext>
-              </p:extLst>
-            </p:nvPr>
-          </p:nvSpPr>
-          <p:spPr>
-            <a:xfrm>
-              <a:off x="4715626" y="308034"/>
-              <a:ext cx="566743" cy="3428999"/>
-            </a:xfrm>
-            <a:prstGeom prst="rect">
-              <a:avLst/>
-            </a:prstGeom>
-            <a:grpFill/>
-            <a:ln>
-              <a:noFill/>
-            </a:ln>
-          </p:spPr>
-          <p:style>
-            <a:lnRef idx="2">
-              <a:schemeClr val="accent1">
-                <a:shade val="50000"/>
-              </a:schemeClr>
-            </a:lnRef>
-            <a:fillRef idx="1">
-              <a:schemeClr val="accent1"/>
-            </a:fillRef>
-            <a:effectRef idx="0">
-              <a:schemeClr val="accent1"/>
-            </a:effectRef>
-            <a:fontRef idx="minor">
-              <a:schemeClr val="lt1"/>
-            </a:fontRef>
-          </p:style>
-          <p:txBody>
-            <a:bodyPr rtlCol="0" anchor="ctr"/>
-            <a:lstStyle/>
-            <a:p>
-              <a:pPr algn="ctr"/>
-              <a:endParaRPr lang="en-US"/>
-            </a:p>
-          </p:txBody>
-        </p:sp>
-        <p:sp>
-          <p:nvSpPr>
-            <p:cNvPr id="13" name="Rectangle 12">
-              <a:extLst>
-                <a:ext uri="{FF2B5EF4-FFF2-40B4-BE49-F238E27FC236}">
-                  <a16:creationId xmlns:a16="http://schemas.microsoft.com/office/drawing/2014/main" id="{ED49787B-8DE6-4467-AD0A-8DECC6E0C2D6}"/>
-                </a:ext>
-                <a:ext uri="{C183D7F6-B498-43B3-948B-1728B52AA6E4}">
-                  <adec:decorative xmlns:adec="http://schemas.microsoft.com/office/drawing/2017/decorative" val="1"/>
-                </a:ext>
-              </a:extLst>
-            </p:cNvPr>
-            <p:cNvSpPr/>
-            <p:nvPr>
-              <p:extLst>
-                <p:ext uri="{386F3935-93C4-4BCD-93E2-E3B085C9AB24}">
-                  <p16:designElem xmlns:p16="http://schemas.microsoft.com/office/powerpoint/2015/main" val="1"/>
-                </p:ext>
-              </p:extLst>
-            </p:nvPr>
-          </p:nvSpPr>
-          <p:spPr>
-            <a:xfrm>
-              <a:off x="5490650" y="308034"/>
-              <a:ext cx="566743" cy="3428999"/>
-            </a:xfrm>
-            <a:prstGeom prst="rect">
-              <a:avLst/>
-            </a:prstGeom>
-            <a:grpFill/>
-            <a:ln>
-              <a:noFill/>
-            </a:ln>
-          </p:spPr>
-          <p:style>
-            <a:lnRef idx="2">
-              <a:schemeClr val="accent1">
-                <a:shade val="50000"/>
-              </a:schemeClr>
-            </a:lnRef>
-            <a:fillRef idx="1">
-              <a:schemeClr val="accent1"/>
-            </a:fillRef>
-            <a:effectRef idx="0">
-              <a:schemeClr val="accent1"/>
-            </a:effectRef>
-            <a:fontRef idx="minor">
-              <a:schemeClr val="lt1"/>
-            </a:fontRef>
-          </p:style>
-          <p:txBody>
-            <a:bodyPr rtlCol="0" anchor="ctr"/>
-            <a:lstStyle/>
-            <a:p>
-              <a:pPr algn="ctr"/>
-              <a:endParaRPr lang="en-US"/>
-            </a:p>
-          </p:txBody>
-        </p:sp>
-      </p:grpSp>
-      <p:sp>
-        <p:nvSpPr>
-          <p:cNvPr id="15" name="Rectangle 14">
-            <a:extLst>
-              <a:ext uri="{FF2B5EF4-FFF2-40B4-BE49-F238E27FC236}">
-                <a16:creationId xmlns:a16="http://schemas.microsoft.com/office/drawing/2014/main" id="{D5B0017B-2ECA-49AF-B397-DC140825DF8D}"/>
-              </a:ext>
-              <a:ext uri="{C183D7F6-B498-43B3-948B-1728B52AA6E4}">
-                <adec:decorative xmlns:adec="http://schemas.microsoft.com/office/drawing/2017/decorative" val="1"/>
-              </a:ext>
-            </a:extLst>
-          </p:cNvPr>
-          <p:cNvSpPr>
-            <a:spLocks noGrp="1" noRot="1" noChangeAspect="1" noMove="1" noResize="1" noEditPoints="1" noAdjustHandles="1" noChangeArrowheads="1" noChangeShapeType="1" noTextEdit="1"/>
-          </p:cNvSpPr>
-          <p:nvPr>
-            <p:extLst>
-              <p:ext uri="{386F3935-93C4-4BCD-93E2-E3B085C9AB24}">
-                <p16:designElem xmlns:p16="http://schemas.microsoft.com/office/powerpoint/2015/main" val="1"/>
-              </p:ext>
-            </p:extLst>
-          </p:nvPr>
-        </p:nvSpPr>
-        <p:spPr>
-          <a:xfrm>
-            <a:off x="640079" y="613954"/>
-            <a:ext cx="10907487" cy="1894116"/>
-          </a:xfrm>
-          <a:prstGeom prst="rect">
-            <a:avLst/>
-          </a:prstGeom>
-          <a:solidFill>
-            <a:schemeClr val="bg1"/>
-          </a:solidFill>
-          <a:ln>
-            <a:noFill/>
-          </a:ln>
-          <a:effectLst>
-            <a:outerShdw blurRad="139700" dist="127000" dir="5400000" algn="t" rotWithShape="0">
-              <a:prstClr val="black">
-                <a:alpha val="15000"/>
-              </a:prstClr>
-            </a:outerShdw>
-          </a:effectLst>
-        </p:spPr>
-        <p:style>
-          <a:lnRef idx="2">
-            <a:schemeClr val="accent1">
-              <a:shade val="50000"/>
-            </a:schemeClr>
-          </a:lnRef>
-          <a:fillRef idx="1">
-            <a:schemeClr val="accent1"/>
-          </a:fillRef>
-          <a:effectRef idx="0">
-            <a:schemeClr val="accent1"/>
-          </a:effectRef>
-          <a:fontRef idx="minor">
-            <a:schemeClr val="lt1"/>
-          </a:fontRef>
-        </p:style>
-        <p:txBody>
-          <a:bodyPr rtlCol="0" anchor="ctr"/>
-          <a:lstStyle/>
-          <a:p>
-            <a:pPr algn="ctr"/>
-            <a:endParaRPr lang="en-US"/>
-          </a:p>
-        </p:txBody>
-      </p:sp>
-      <p:sp>
-        <p:nvSpPr>
-          <p:cNvPr id="2" name="Title 1">
-            <a:extLst>
-              <a:ext uri="{FF2B5EF4-FFF2-40B4-BE49-F238E27FC236}">
-                <a16:creationId xmlns:a16="http://schemas.microsoft.com/office/drawing/2014/main" id="{292106E7-BD60-43C1-922B-4619E77E2AF3}"/>
-              </a:ext>
-            </a:extLst>
-          </p:cNvPr>
-          <p:cNvSpPr>
-            <a:spLocks noGrp="1"/>
-          </p:cNvSpPr>
-          <p:nvPr>
-            <p:ph type="title"/>
-          </p:nvPr>
-        </p:nvSpPr>
-        <p:spPr>
-          <a:xfrm>
-            <a:off x="1043631" y="809898"/>
-            <a:ext cx="9942716" cy="1554480"/>
-          </a:xfrm>
-        </p:spPr>
-        <p:txBody>
-          <a:bodyPr anchor="ctr">
-            <a:normAutofit/>
-          </a:bodyPr>
-          <a:lstStyle/>
-          <a:p>
-            <a:r>
-              <a:rPr lang="en-US" sz="4800"/>
-              <a:t>Interaction structure pt. II let’s have a talk</a:t>
-            </a:r>
-          </a:p>
-        </p:txBody>
-      </p:sp>
-      <p:sp>
-        <p:nvSpPr>
-          <p:cNvPr id="3" name="Content Placeholder 2">
-            <a:extLst>
-              <a:ext uri="{FF2B5EF4-FFF2-40B4-BE49-F238E27FC236}">
-                <a16:creationId xmlns:a16="http://schemas.microsoft.com/office/drawing/2014/main" id="{182AEB85-8B47-4ECB-932A-E56BBCEB062D}"/>
-              </a:ext>
-            </a:extLst>
-          </p:cNvPr>
-          <p:cNvSpPr>
-            <a:spLocks noGrp="1"/>
-          </p:cNvSpPr>
-          <p:nvPr>
-            <p:ph idx="1"/>
-          </p:nvPr>
-        </p:nvSpPr>
-        <p:spPr>
-          <a:xfrm>
-            <a:off x="1045028" y="3017522"/>
-            <a:ext cx="9941319" cy="3124658"/>
-          </a:xfrm>
-        </p:spPr>
-        <p:txBody>
-          <a:bodyPr anchor="ctr">
-            <a:normAutofit/>
-          </a:bodyPr>
-          <a:lstStyle/>
-          <a:p>
-            <a:r>
-              <a:rPr lang="en-US" sz="2400"/>
-              <a:t>Once a user is successfully recognized, interaction begins</a:t>
-            </a:r>
-          </a:p>
-          <a:p>
-            <a:r>
-              <a:rPr lang="en-US" sz="2400"/>
-              <a:t>The assistant initiates it, greeting the user and informing them of (eventual) pending notes left by other users of the same device</a:t>
-            </a:r>
-          </a:p>
-          <a:p>
-            <a:r>
-              <a:rPr lang="en-US" sz="2400"/>
-              <a:t>If the user is still in the room, it will further interact, asking if they want to leave notes for others, or remove or edit unheard notes they sent</a:t>
-            </a:r>
-          </a:p>
-          <a:p>
-            <a:r>
-              <a:rPr lang="en-US" sz="2400"/>
-              <a:t>Interaction terminates any time the user asks for exiting or leaves the camera frame entirely</a:t>
-            </a:r>
-          </a:p>
-        </p:txBody>
-      </p:sp>
-      <p:cxnSp>
-        <p:nvCxnSpPr>
-          <p:cNvPr id="17" name="Straight Connector 16">
-            <a:extLst>
-              <a:ext uri="{FF2B5EF4-FFF2-40B4-BE49-F238E27FC236}">
-                <a16:creationId xmlns:a16="http://schemas.microsoft.com/office/drawing/2014/main" id="{6CF1BAF6-AD41-4082-B212-8A1F9A2E8779}"/>
-              </a:ext>
-              <a:ext uri="{C183D7F6-B498-43B3-948B-1728B52AA6E4}">
-                <adec:decorative xmlns:adec="http://schemas.microsoft.com/office/drawing/2017/decorative" val="1"/>
-              </a:ext>
-            </a:extLst>
-          </p:cNvPr>
-          <p:cNvCxnSpPr>
-            <a:cxnSpLocks noGrp="1" noRot="1" noChangeAspect="1" noMove="1" noResize="1" noEditPoints="1" noAdjustHandles="1" noChangeArrowheads="1" noChangeShapeType="1"/>
-          </p:cNvCxnSpPr>
-          <p:nvPr>
-            <p:extLst>
-              <p:ext uri="{386F3935-93C4-4BCD-93E2-E3B085C9AB24}">
-                <p16:designElem xmlns:p16="http://schemas.microsoft.com/office/powerpoint/2015/main" val="1"/>
-              </p:ext>
-            </p:extLst>
-          </p:nvPr>
-        </p:nvCxnSpPr>
-        <p:spPr>
-          <a:xfrm flipH="1">
-            <a:off x="838200" y="6485313"/>
-            <a:ext cx="10515600" cy="0"/>
-          </a:xfrm>
-          <a:prstGeom prst="line">
-            <a:avLst/>
-          </a:prstGeom>
-          <a:ln w="57150">
-            <a:solidFill>
-              <a:schemeClr val="accent4"/>
-            </a:solidFill>
-          </a:ln>
-        </p:spPr>
-        <p:style>
-          <a:lnRef idx="1">
-            <a:schemeClr val="accent1"/>
-          </a:lnRef>
-          <a:fillRef idx="0">
-            <a:schemeClr val="accent1"/>
-          </a:fillRef>
-          <a:effectRef idx="0">
-            <a:schemeClr val="accent1"/>
-          </a:effectRef>
-          <a:fontRef idx="minor">
-            <a:schemeClr val="tx1"/>
-          </a:fontRef>
-        </p:style>
-      </p:cxnSp>
-    </p:spTree>
-    <p:extLst>
-      <p:ext uri="{BB962C8B-B14F-4D97-AF65-F5344CB8AC3E}">
-        <p14:creationId xmlns:p14="http://schemas.microsoft.com/office/powerpoint/2010/main" val="2344798236"/>
       </p:ext>
     </p:extLst>
   </p:cSld>

--- a/Multimodal personalized multiuser Home Assistant.pptx
+++ b/Multimodal personalized multiuser Home Assistant.pptx
@@ -11,8 +11,8 @@
     <p:sldId id="258" r:id="rId5"/>
     <p:sldId id="259" r:id="rId6"/>
     <p:sldId id="260" r:id="rId7"/>
-    <p:sldId id="263" r:id="rId8"/>
-    <p:sldId id="261" r:id="rId9"/>
+    <p:sldId id="266" r:id="rId8"/>
+    <p:sldId id="267" r:id="rId9"/>
     <p:sldId id="264" r:id="rId10"/>
     <p:sldId id="262" r:id="rId11"/>
   </p:sldIdLst>
@@ -3981,8 +3981,8 @@
         </p:nvSpPr>
         <p:spPr>
           <a:xfrm>
-            <a:off x="7991748" y="3255314"/>
-            <a:ext cx="3382575" cy="2523768"/>
+            <a:off x="7991748" y="2889058"/>
+            <a:ext cx="3382575" cy="1969770"/>
           </a:xfrm>
           <a:prstGeom prst="rect">
             <a:avLst/>
@@ -4026,47 +4026,7 @@
           <a:p>
             <a:pPr algn="l"/>
             <a:r>
-              <a:rPr lang="it-IT" sz="2400" dirty="0" err="1">
-                <a:solidFill>
-                  <a:srgbClr val="023047"/>
-                </a:solidFill>
-                <a:latin typeface="Arial" panose="020B0604020202020204" pitchFamily="34" charset="0"/>
-              </a:rPr>
-              <a:t>a.y</a:t>
-            </a:r>
-            <a:r>
-              <a:rPr lang="it-IT" sz="2400" dirty="0">
-                <a:solidFill>
-                  <a:srgbClr val="023047"/>
-                </a:solidFill>
-                <a:latin typeface="Arial" panose="020B0604020202020204" pitchFamily="34" charset="0"/>
-              </a:rPr>
-              <a:t>. 2020/2021</a:t>
-            </a:r>
-          </a:p>
-          <a:p>
-            <a:pPr algn="l"/>
-            <a:r>
-              <a:rPr lang="it-IT" sz="2400" b="0" i="0" dirty="0">
-                <a:solidFill>
-                  <a:srgbClr val="023047"/>
-                </a:solidFill>
-                <a:effectLst/>
-                <a:latin typeface="Arial" panose="020B0604020202020204" pitchFamily="34" charset="0"/>
-              </a:rPr>
-              <a:t> </a:t>
-            </a:r>
-            <a:endParaRPr lang="it-IT" sz="2400" dirty="0">
-              <a:solidFill>
-                <a:srgbClr val="023047"/>
-              </a:solidFill>
-              <a:latin typeface="Arial" panose="020B0604020202020204" pitchFamily="34" charset="0"/>
-            </a:endParaRPr>
-          </a:p>
-          <a:p>
-            <a:pPr algn="l"/>
-            <a:r>
-              <a:rPr lang="it-IT" sz="2400" dirty="0">
+              <a:rPr lang="it-IT" sz="2000" dirty="0">
                 <a:solidFill>
                   <a:srgbClr val="023047"/>
                 </a:solidFill>
@@ -4076,8 +4036,26 @@
             </a:r>
           </a:p>
           <a:p>
-            <a:pPr algn="l"/>
-            <a:endParaRPr lang="it-IT" sz="2400" b="0" i="0" dirty="0">
+            <a:endParaRPr lang="it-IT" sz="2000" dirty="0">
+              <a:solidFill>
+                <a:srgbClr val="023047"/>
+              </a:solidFill>
+              <a:latin typeface="Arial" panose="020B0604020202020204" pitchFamily="34" charset="0"/>
+            </a:endParaRPr>
+          </a:p>
+          <a:p>
+            <a:r>
+              <a:rPr lang="it-IT" sz="2000" dirty="0">
+                <a:solidFill>
+                  <a:srgbClr val="023047"/>
+                </a:solidFill>
+                <a:latin typeface="Arial" panose="020B0604020202020204" pitchFamily="34" charset="0"/>
+              </a:rPr>
+              <a:t>Spring 2021</a:t>
+            </a:r>
+          </a:p>
+          <a:p>
+            <a:endParaRPr lang="it-IT" b="0" i="0" dirty="0">
               <a:solidFill>
                 <a:srgbClr val="023047"/>
               </a:solidFill>
@@ -4105,24 +4083,47 @@
                 <a:effectLst/>
                 <a:latin typeface="Arial" panose="020B0604020202020204" pitchFamily="34" charset="0"/>
               </a:rPr>
-              <a:t> Computer Science, </a:t>
-            </a:r>
-          </a:p>
-          <a:p>
-            <a:pPr algn="l"/>
-            <a:r>
-              <a:rPr lang="it-IT" b="0" i="0" dirty="0">
-                <a:solidFill>
-                  <a:srgbClr val="023047"/>
-                </a:solidFill>
-                <a:effectLst/>
-                <a:latin typeface="Arial" panose="020B0604020202020204" pitchFamily="34" charset="0"/>
-              </a:rPr>
-              <a:t>Sapienza University of Rome</a:t>
-            </a:r>
-          </a:p>
-        </p:txBody>
-      </p:sp>
+              <a:t> Computer Science</a:t>
+            </a:r>
+          </a:p>
+        </p:txBody>
+      </p:sp>
+      <p:pic>
+        <p:nvPicPr>
+          <p:cNvPr id="6" name="Picture 5" descr="Logo, company name&#10;&#10;Description automatically generated">
+            <a:extLst>
+              <a:ext uri="{FF2B5EF4-FFF2-40B4-BE49-F238E27FC236}">
+                <a16:creationId xmlns:a16="http://schemas.microsoft.com/office/drawing/2014/main" id="{6362126D-F171-4C0E-8836-7F48528003B7}"/>
+              </a:ext>
+            </a:extLst>
+          </p:cNvPr>
+          <p:cNvPicPr>
+            <a:picLocks noChangeAspect="1"/>
+          </p:cNvPicPr>
+          <p:nvPr/>
+        </p:nvPicPr>
+        <p:blipFill>
+          <a:blip r:embed="rId2">
+            <a:extLst>
+              <a:ext uri="{28A0092B-C50C-407E-A947-70E740481C1C}">
+                <a14:useLocalDpi xmlns:a14="http://schemas.microsoft.com/office/drawing/2010/main" val="0"/>
+              </a:ext>
+            </a:extLst>
+          </a:blip>
+          <a:stretch>
+            <a:fillRect/>
+          </a:stretch>
+        </p:blipFill>
+        <p:spPr>
+          <a:xfrm>
+            <a:off x="7956643" y="5084989"/>
+            <a:ext cx="3448050" cy="1323975"/>
+          </a:xfrm>
+          <a:prstGeom prst="rect">
+            <a:avLst/>
+          </a:prstGeom>
+        </p:spPr>
+      </p:pic>
     </p:spTree>
     <p:extLst>
       <p:ext uri="{BB962C8B-B14F-4D97-AF65-F5344CB8AC3E}">
@@ -4644,6 +4645,58 @@
       </p:sp>
       <p:sp>
         <p:nvSpPr>
+          <p:cNvPr id="14" name="Rectangle 13">
+            <a:extLst>
+              <a:ext uri="{FF2B5EF4-FFF2-40B4-BE49-F238E27FC236}">
+                <a16:creationId xmlns:a16="http://schemas.microsoft.com/office/drawing/2014/main" id="{C09910D9-5036-4CD8-90CA-2D8FCF3A1C83}"/>
+              </a:ext>
+            </a:extLst>
+          </p:cNvPr>
+          <p:cNvSpPr/>
+          <p:nvPr/>
+        </p:nvSpPr>
+        <p:spPr>
+          <a:xfrm>
+            <a:off x="633597" y="640080"/>
+            <a:ext cx="10907487" cy="1894116"/>
+          </a:xfrm>
+          <a:prstGeom prst="rect">
+            <a:avLst/>
+          </a:prstGeom>
+          <a:solidFill>
+            <a:srgbClr val="023047"/>
+          </a:solidFill>
+          <a:ln>
+            <a:noFill/>
+          </a:ln>
+        </p:spPr>
+        <p:style>
+          <a:lnRef idx="2">
+            <a:schemeClr val="accent1">
+              <a:shade val="50000"/>
+            </a:schemeClr>
+          </a:lnRef>
+          <a:fillRef idx="1">
+            <a:schemeClr val="accent1"/>
+          </a:fillRef>
+          <a:effectRef idx="0">
+            <a:schemeClr val="accent1"/>
+          </a:effectRef>
+          <a:fontRef idx="minor">
+            <a:schemeClr val="lt1"/>
+          </a:fontRef>
+        </p:style>
+        <p:txBody>
+          <a:bodyPr rtlCol="0" anchor="ctr"/>
+          <a:lstStyle/>
+          <a:p>
+            <a:pPr algn="ctr"/>
+            <a:endParaRPr lang="en-GB"/>
+          </a:p>
+        </p:txBody>
+      </p:sp>
+      <p:sp>
+        <p:nvSpPr>
           <p:cNvPr id="2" name="Title 1">
             <a:extLst>
               <a:ext uri="{FF2B5EF4-FFF2-40B4-BE49-F238E27FC236}">
@@ -4671,9 +4724,33 @@
           <a:lstStyle/>
           <a:p>
             <a:r>
-              <a:rPr lang="en-US" sz="4800"/>
-              <a:t>Interaction structure pt. II let’s have a talk</a:t>
-            </a:r>
+              <a:rPr lang="en-US" sz="4800" dirty="0">
+                <a:solidFill>
+                  <a:srgbClr val="FFC000"/>
+                </a:solidFill>
+              </a:rPr>
+              <a:t>Interaction structure pt. II:</a:t>
+            </a:r>
+            <a:br>
+              <a:rPr lang="en-US" sz="4800" dirty="0">
+                <a:solidFill>
+                  <a:srgbClr val="FFC000"/>
+                </a:solidFill>
+              </a:rPr>
+            </a:br>
+            <a:r>
+              <a:rPr lang="en-US" dirty="0">
+                <a:solidFill>
+                  <a:srgbClr val="FFC000"/>
+                </a:solidFill>
+              </a:rPr>
+              <a:t>let’s have a talk</a:t>
+            </a:r>
+            <a:endParaRPr lang="en-US" sz="4800" dirty="0">
+              <a:solidFill>
+                <a:srgbClr val="FFC000"/>
+              </a:solidFill>
+            </a:endParaRPr>
           </a:p>
         </p:txBody>
       </p:sp>
@@ -4917,7 +4994,7 @@
                 <a:ea typeface="+mj-ea"/>
                 <a:cs typeface="+mj-cs"/>
               </a:rPr>
-              <a:t>A conceptual proactive Voice Assistant that can distinguish users</a:t>
+              <a:t>A conceptual proactive Home Assistant that can distinguish users</a:t>
             </a:r>
           </a:p>
         </p:txBody>
@@ -7522,6 +7599,58 @@
       </p:sp>
       <p:sp>
         <p:nvSpPr>
+          <p:cNvPr id="12" name="Rectangle 11">
+            <a:extLst>
+              <a:ext uri="{FF2B5EF4-FFF2-40B4-BE49-F238E27FC236}">
+                <a16:creationId xmlns:a16="http://schemas.microsoft.com/office/drawing/2014/main" id="{5E1D5788-2731-474B-8F80-00A5C97CF4B6}"/>
+              </a:ext>
+            </a:extLst>
+          </p:cNvPr>
+          <p:cNvSpPr/>
+          <p:nvPr/>
+        </p:nvSpPr>
+        <p:spPr>
+          <a:xfrm>
+            <a:off x="633597" y="640080"/>
+            <a:ext cx="10907487" cy="1894116"/>
+          </a:xfrm>
+          <a:prstGeom prst="rect">
+            <a:avLst/>
+          </a:prstGeom>
+          <a:solidFill>
+            <a:srgbClr val="023047"/>
+          </a:solidFill>
+          <a:ln>
+            <a:noFill/>
+          </a:ln>
+        </p:spPr>
+        <p:style>
+          <a:lnRef idx="2">
+            <a:schemeClr val="accent1">
+              <a:shade val="50000"/>
+            </a:schemeClr>
+          </a:lnRef>
+          <a:fillRef idx="1">
+            <a:schemeClr val="accent1"/>
+          </a:fillRef>
+          <a:effectRef idx="0">
+            <a:schemeClr val="accent1"/>
+          </a:effectRef>
+          <a:fontRef idx="minor">
+            <a:schemeClr val="lt1"/>
+          </a:fontRef>
+        </p:style>
+        <p:txBody>
+          <a:bodyPr rtlCol="0" anchor="ctr"/>
+          <a:lstStyle/>
+          <a:p>
+            <a:pPr algn="ctr"/>
+            <a:endParaRPr lang="en-GB"/>
+          </a:p>
+        </p:txBody>
+      </p:sp>
+      <p:sp>
+        <p:nvSpPr>
           <p:cNvPr id="2" name="Title 1">
             <a:extLst>
               <a:ext uri="{FF2B5EF4-FFF2-40B4-BE49-F238E27FC236}">
@@ -7549,9 +7678,33 @@
           <a:lstStyle/>
           <a:p>
             <a:r>
-              <a:rPr lang="en-US" sz="4800" dirty="0"/>
-              <a:t>Interaction structure pt. I recognizing a user</a:t>
-            </a:r>
+              <a:rPr lang="en-US" sz="4800" dirty="0">
+                <a:solidFill>
+                  <a:srgbClr val="FFC000"/>
+                </a:solidFill>
+              </a:rPr>
+              <a:t>Interaction structure pt. I:</a:t>
+            </a:r>
+            <a:br>
+              <a:rPr lang="en-US" sz="4800" dirty="0">
+                <a:solidFill>
+                  <a:srgbClr val="FFC000"/>
+                </a:solidFill>
+              </a:rPr>
+            </a:br>
+            <a:r>
+              <a:rPr lang="en-US" dirty="0">
+                <a:solidFill>
+                  <a:srgbClr val="FFC000"/>
+                </a:solidFill>
+              </a:rPr>
+              <a:t>recognizing a user</a:t>
+            </a:r>
+            <a:endParaRPr lang="en-US" sz="4800" dirty="0">
+              <a:solidFill>
+                <a:srgbClr val="FFC000"/>
+              </a:solidFill>
+            </a:endParaRPr>
           </a:p>
         </p:txBody>
       </p:sp>
@@ -7692,589 +7845,6 @@
 <file path=ppt/slides/slide7.xml><?xml version="1.0" encoding="utf-8"?>
 <p:sld xmlns:a="http://schemas.openxmlformats.org/drawingml/2006/main" xmlns:r="http://schemas.openxmlformats.org/officeDocument/2006/relationships" xmlns:p="http://schemas.openxmlformats.org/presentationml/2006/main">
   <p:cSld>
-    <p:spTree>
-      <p:nvGrpSpPr>
-        <p:cNvPr id="1" name=""/>
-        <p:cNvGrpSpPr/>
-        <p:nvPr/>
-      </p:nvGrpSpPr>
-      <p:grpSpPr>
-        <a:xfrm>
-          <a:off x="0" y="0"/>
-          <a:ext cx="0" cy="0"/>
-          <a:chOff x="0" y="0"/>
-          <a:chExt cx="0" cy="0"/>
-        </a:xfrm>
-      </p:grpSpPr>
-      <p:sp>
-        <p:nvSpPr>
-          <p:cNvPr id="4" name="Title 3">
-            <a:extLst>
-              <a:ext uri="{FF2B5EF4-FFF2-40B4-BE49-F238E27FC236}">
-                <a16:creationId xmlns:a16="http://schemas.microsoft.com/office/drawing/2014/main" id="{E33902E8-55EE-40E1-8676-F0E39B3B00F7}"/>
-              </a:ext>
-            </a:extLst>
-          </p:cNvPr>
-          <p:cNvSpPr>
-            <a:spLocks noGrp="1"/>
-          </p:cNvSpPr>
-          <p:nvPr>
-            <p:ph type="title"/>
-          </p:nvPr>
-        </p:nvSpPr>
-        <p:spPr/>
-        <p:txBody>
-          <a:bodyPr/>
-          <a:lstStyle/>
-          <a:p>
-            <a:r>
-              <a:rPr lang="en-US" sz="3200" dirty="0">
-                <a:solidFill>
-                  <a:srgbClr val="023047"/>
-                </a:solidFill>
-              </a:rPr>
-              <a:t>Interaction structure pt. I recognizing a user</a:t>
-            </a:r>
-            <a:br>
-              <a:rPr lang="en-US" sz="3200" dirty="0">
-                <a:solidFill>
-                  <a:srgbClr val="023047"/>
-                </a:solidFill>
-              </a:rPr>
-            </a:br>
-            <a:r>
-              <a:rPr lang="en-US" sz="3200" dirty="0">
-                <a:solidFill>
-                  <a:srgbClr val="023047"/>
-                </a:solidFill>
-              </a:rPr>
-              <a:t>Deeper dive</a:t>
-            </a:r>
-            <a:endParaRPr lang="en-US" dirty="0">
-              <a:solidFill>
-                <a:srgbClr val="023047"/>
-              </a:solidFill>
-            </a:endParaRPr>
-          </a:p>
-        </p:txBody>
-      </p:sp>
-      <p:pic>
-        <p:nvPicPr>
-          <p:cNvPr id="16" name="Content Placeholder 15">
-            <a:extLst>
-              <a:ext uri="{FF2B5EF4-FFF2-40B4-BE49-F238E27FC236}">
-                <a16:creationId xmlns:a16="http://schemas.microsoft.com/office/drawing/2014/main" id="{64B0D072-7FEC-4CA9-9CA2-7AD85634B89A}"/>
-              </a:ext>
-            </a:extLst>
-          </p:cNvPr>
-          <p:cNvPicPr>
-            <a:picLocks noGrp="1" noChangeAspect="1"/>
-          </p:cNvPicPr>
-          <p:nvPr>
-            <p:ph idx="1"/>
-          </p:nvPr>
-        </p:nvPicPr>
-        <p:blipFill>
-          <a:blip r:embed="rId2"/>
-          <a:stretch>
-            <a:fillRect/>
-          </a:stretch>
-        </p:blipFill>
-        <p:spPr>
-          <a:xfrm>
-            <a:off x="5166498" y="1386849"/>
-            <a:ext cx="6172200" cy="872301"/>
-          </a:xfrm>
-        </p:spPr>
-      </p:pic>
-      <p:sp>
-        <p:nvSpPr>
-          <p:cNvPr id="6" name="Text Placeholder 5">
-            <a:extLst>
-              <a:ext uri="{FF2B5EF4-FFF2-40B4-BE49-F238E27FC236}">
-                <a16:creationId xmlns:a16="http://schemas.microsoft.com/office/drawing/2014/main" id="{429866D7-68DC-4DDE-BC55-20952FF35BE1}"/>
-              </a:ext>
-            </a:extLst>
-          </p:cNvPr>
-          <p:cNvSpPr>
-            <a:spLocks noGrp="1"/>
-          </p:cNvSpPr>
-          <p:nvPr>
-            <p:ph type="body" sz="half" idx="2"/>
-          </p:nvPr>
-        </p:nvSpPr>
-        <p:spPr/>
-        <p:txBody>
-          <a:bodyPr>
-            <a:normAutofit fontScale="92500" lnSpcReduction="20000"/>
-          </a:bodyPr>
-          <a:lstStyle/>
-          <a:p>
-            <a:r>
-              <a:rPr lang="en-US" dirty="0">
-                <a:solidFill>
-                  <a:srgbClr val="023047"/>
-                </a:solidFill>
-              </a:rPr>
-              <a:t>Three steps are involved in making the interaction happen:</a:t>
-            </a:r>
-          </a:p>
-          <a:p>
-            <a:pPr marL="342900" indent="-342900">
-              <a:buFont typeface="+mj-lt"/>
-              <a:buAutoNum type="arabicPeriod"/>
-            </a:pPr>
-            <a:r>
-              <a:rPr lang="en-US" dirty="0">
-                <a:solidFill>
-                  <a:srgbClr val="023047"/>
-                </a:solidFill>
-              </a:rPr>
-              <a:t>Start the camera and a continuous loop where we gather the current image the camera is receiving</a:t>
-            </a:r>
-          </a:p>
-          <a:p>
-            <a:pPr marL="342900" indent="-342900">
-              <a:buFont typeface="+mj-lt"/>
-              <a:buAutoNum type="arabicPeriod"/>
-            </a:pPr>
-            <a:r>
-              <a:rPr lang="en-US" dirty="0">
-                <a:solidFill>
-                  <a:srgbClr val="023047"/>
-                </a:solidFill>
-              </a:rPr>
-              <a:t>Send the captured frame over to the </a:t>
-            </a:r>
-            <a:r>
-              <a:rPr lang="en-US" dirty="0" err="1">
-                <a:solidFill>
-                  <a:srgbClr val="023047"/>
-                </a:solidFill>
-              </a:rPr>
-              <a:t>detect_presence</a:t>
-            </a:r>
-            <a:r>
-              <a:rPr lang="en-US" dirty="0">
-                <a:solidFill>
-                  <a:srgbClr val="023047"/>
-                </a:solidFill>
-              </a:rPr>
-              <a:t> method:</a:t>
-            </a:r>
-          </a:p>
-          <a:p>
-            <a:pPr marL="800100" lvl="1" indent="-342900">
-              <a:buFont typeface="+mj-lt"/>
-              <a:buAutoNum type="arabicPeriod"/>
-            </a:pPr>
-            <a:r>
-              <a:rPr lang="en-US" dirty="0">
-                <a:solidFill>
-                  <a:srgbClr val="023047"/>
-                </a:solidFill>
-              </a:rPr>
-              <a:t>Converts the frame in B&amp;W</a:t>
-            </a:r>
-          </a:p>
-          <a:p>
-            <a:pPr marL="800100" lvl="1" indent="-342900">
-              <a:buFont typeface="+mj-lt"/>
-              <a:buAutoNum type="arabicPeriod"/>
-            </a:pPr>
-            <a:r>
-              <a:rPr lang="en-US" dirty="0">
-                <a:solidFill>
-                  <a:srgbClr val="023047"/>
-                </a:solidFill>
-              </a:rPr>
-              <a:t>Uses the preloaded </a:t>
-            </a:r>
-            <a:r>
-              <a:rPr lang="en-US" dirty="0" err="1">
-                <a:solidFill>
-                  <a:srgbClr val="023047"/>
-                </a:solidFill>
-              </a:rPr>
-              <a:t>opencv</a:t>
-            </a:r>
-            <a:r>
-              <a:rPr lang="en-US" dirty="0">
-                <a:solidFill>
-                  <a:srgbClr val="023047"/>
-                </a:solidFill>
-              </a:rPr>
-              <a:t> </a:t>
-            </a:r>
-            <a:r>
-              <a:rPr lang="en-US" dirty="0" err="1">
-                <a:solidFill>
-                  <a:srgbClr val="023047"/>
-                </a:solidFill>
-              </a:rPr>
-              <a:t>CascadeClassifier</a:t>
-            </a:r>
-            <a:r>
-              <a:rPr lang="en-US" dirty="0">
-                <a:solidFill>
-                  <a:srgbClr val="023047"/>
-                </a:solidFill>
-              </a:rPr>
-              <a:t> with </a:t>
-            </a:r>
-            <a:r>
-              <a:rPr lang="en-US" dirty="0" err="1">
-                <a:solidFill>
-                  <a:srgbClr val="023047"/>
-                </a:solidFill>
-              </a:rPr>
-              <a:t>Haar</a:t>
-            </a:r>
-            <a:r>
-              <a:rPr lang="en-US" dirty="0">
-                <a:solidFill>
-                  <a:srgbClr val="023047"/>
-                </a:solidFill>
-              </a:rPr>
-              <a:t> Cascades to attempt detection</a:t>
-            </a:r>
-          </a:p>
-          <a:p>
-            <a:pPr marL="342900" indent="-342900">
-              <a:buFont typeface="+mj-lt"/>
-              <a:buAutoNum type="arabicPeriod"/>
-            </a:pPr>
-            <a:r>
-              <a:rPr lang="en-US" dirty="0">
-                <a:solidFill>
-                  <a:srgbClr val="023047"/>
-                </a:solidFill>
-              </a:rPr>
-              <a:t>Attempt recognizing the person from the frame they have been detected in:</a:t>
-            </a:r>
-          </a:p>
-          <a:p>
-            <a:pPr marL="800100" lvl="1" indent="-342900">
-              <a:buFont typeface="+mj-lt"/>
-              <a:buAutoNum type="arabicPeriod"/>
-            </a:pPr>
-            <a:r>
-              <a:rPr lang="en-US" dirty="0">
-                <a:solidFill>
-                  <a:srgbClr val="023047"/>
-                </a:solidFill>
-              </a:rPr>
-              <a:t>Generate face encodings for each face</a:t>
-            </a:r>
-          </a:p>
-          <a:p>
-            <a:pPr marL="800100" lvl="1" indent="-342900">
-              <a:buFont typeface="+mj-lt"/>
-              <a:buAutoNum type="arabicPeriod"/>
-            </a:pPr>
-            <a:r>
-              <a:rPr lang="en-US" dirty="0">
-                <a:solidFill>
-                  <a:srgbClr val="023047"/>
-                </a:solidFill>
-              </a:rPr>
-              <a:t>Compare each encoding to the ones locally saved for each member until there is a match</a:t>
-            </a:r>
-          </a:p>
-          <a:p>
-            <a:pPr marL="342900" indent="-342900">
-              <a:buFont typeface="+mj-lt"/>
-              <a:buAutoNum type="arabicPeriod"/>
-            </a:pPr>
-            <a:r>
-              <a:rPr lang="en-US" dirty="0">
-                <a:solidFill>
-                  <a:srgbClr val="023047"/>
-                </a:solidFill>
-              </a:rPr>
-              <a:t>If all else fails, ask the person to identify themselves by using voice</a:t>
-            </a:r>
-          </a:p>
-        </p:txBody>
-      </p:sp>
-      <p:pic>
-        <p:nvPicPr>
-          <p:cNvPr id="18" name="Picture 17">
-            <a:extLst>
-              <a:ext uri="{FF2B5EF4-FFF2-40B4-BE49-F238E27FC236}">
-                <a16:creationId xmlns:a16="http://schemas.microsoft.com/office/drawing/2014/main" id="{079FAB0C-574F-4906-9DF8-A6B2216FFD5A}"/>
-              </a:ext>
-            </a:extLst>
-          </p:cNvPr>
-          <p:cNvPicPr>
-            <a:picLocks noChangeAspect="1"/>
-          </p:cNvPicPr>
-          <p:nvPr/>
-        </p:nvPicPr>
-        <p:blipFill>
-          <a:blip r:embed="rId3"/>
-          <a:stretch>
-            <a:fillRect/>
-          </a:stretch>
-        </p:blipFill>
-        <p:spPr>
-          <a:xfrm>
-            <a:off x="5169674" y="2737361"/>
-            <a:ext cx="6169024" cy="887916"/>
-          </a:xfrm>
-          <a:prstGeom prst="rect">
-            <a:avLst/>
-          </a:prstGeom>
-        </p:spPr>
-      </p:pic>
-      <p:pic>
-        <p:nvPicPr>
-          <p:cNvPr id="20" name="Picture 19">
-            <a:extLst>
-              <a:ext uri="{FF2B5EF4-FFF2-40B4-BE49-F238E27FC236}">
-                <a16:creationId xmlns:a16="http://schemas.microsoft.com/office/drawing/2014/main" id="{4A5AD2E4-BB20-4E46-B2FC-65A2BE3B5245}"/>
-              </a:ext>
-            </a:extLst>
-          </p:cNvPr>
-          <p:cNvPicPr>
-            <a:picLocks noChangeAspect="1"/>
-          </p:cNvPicPr>
-          <p:nvPr/>
-        </p:nvPicPr>
-        <p:blipFill>
-          <a:blip r:embed="rId4"/>
-          <a:stretch>
-            <a:fillRect/>
-          </a:stretch>
-        </p:blipFill>
-        <p:spPr>
-          <a:xfrm>
-            <a:off x="5169674" y="4120639"/>
-            <a:ext cx="6172200" cy="1748349"/>
-          </a:xfrm>
-          <a:prstGeom prst="rect">
-            <a:avLst/>
-          </a:prstGeom>
-        </p:spPr>
-      </p:pic>
-      <p:pic>
-        <p:nvPicPr>
-          <p:cNvPr id="22" name="Picture 21">
-            <a:extLst>
-              <a:ext uri="{FF2B5EF4-FFF2-40B4-BE49-F238E27FC236}">
-                <a16:creationId xmlns:a16="http://schemas.microsoft.com/office/drawing/2014/main" id="{1E239B27-138E-4F0A-99BC-27D9CBFE139D}"/>
-              </a:ext>
-            </a:extLst>
-          </p:cNvPr>
-          <p:cNvPicPr>
-            <a:picLocks noChangeAspect="1"/>
-          </p:cNvPicPr>
-          <p:nvPr/>
-        </p:nvPicPr>
-        <p:blipFill>
-          <a:blip r:embed="rId5"/>
-          <a:stretch>
-            <a:fillRect/>
-          </a:stretch>
-        </p:blipFill>
-        <p:spPr>
-          <a:xfrm>
-            <a:off x="5169674" y="452516"/>
-            <a:ext cx="6172200" cy="438971"/>
-          </a:xfrm>
-          <a:prstGeom prst="rect">
-            <a:avLst/>
-          </a:prstGeom>
-        </p:spPr>
-      </p:pic>
-    </p:spTree>
-    <p:extLst>
-      <p:ext uri="{BB962C8B-B14F-4D97-AF65-F5344CB8AC3E}">
-        <p14:creationId xmlns:p14="http://schemas.microsoft.com/office/powerpoint/2010/main" val="2102667913"/>
-      </p:ext>
-    </p:extLst>
-  </p:cSld>
-  <p:clrMapOvr>
-    <a:masterClrMapping/>
-  </p:clrMapOvr>
-</p:sld>
-</file>
-
-<file path=ppt/slides/slide8.xml><?xml version="1.0" encoding="utf-8"?>
-<p:sld xmlns:a="http://schemas.openxmlformats.org/drawingml/2006/main" xmlns:r="http://schemas.openxmlformats.org/officeDocument/2006/relationships" xmlns:p="http://schemas.openxmlformats.org/presentationml/2006/main">
-  <p:cSld>
-    <p:spTree>
-      <p:nvGrpSpPr>
-        <p:cNvPr id="1" name=""/>
-        <p:cNvGrpSpPr/>
-        <p:nvPr/>
-      </p:nvGrpSpPr>
-      <p:grpSpPr>
-        <a:xfrm>
-          <a:off x="0" y="0"/>
-          <a:ext cx="0" cy="0"/>
-          <a:chOff x="0" y="0"/>
-          <a:chExt cx="0" cy="0"/>
-        </a:xfrm>
-      </p:grpSpPr>
-      <p:sp>
-        <p:nvSpPr>
-          <p:cNvPr id="2" name="Title 1">
-            <a:extLst>
-              <a:ext uri="{FF2B5EF4-FFF2-40B4-BE49-F238E27FC236}">
-                <a16:creationId xmlns:a16="http://schemas.microsoft.com/office/drawing/2014/main" id="{D0A8A8F9-37B0-4BA2-9850-5B2C57EA3D7E}"/>
-              </a:ext>
-            </a:extLst>
-          </p:cNvPr>
-          <p:cNvSpPr>
-            <a:spLocks noGrp="1"/>
-          </p:cNvSpPr>
-          <p:nvPr>
-            <p:ph type="title"/>
-          </p:nvPr>
-        </p:nvSpPr>
-        <p:spPr/>
-        <p:txBody>
-          <a:bodyPr/>
-          <a:lstStyle/>
-          <a:p>
-            <a:r>
-              <a:rPr lang="en-US" dirty="0"/>
-              <a:t>Interaction structure pt. I: what if they can’t be recognized?</a:t>
-            </a:r>
-          </a:p>
-        </p:txBody>
-      </p:sp>
-      <p:sp>
-        <p:nvSpPr>
-          <p:cNvPr id="3" name="Content Placeholder 2">
-            <a:extLst>
-              <a:ext uri="{FF2B5EF4-FFF2-40B4-BE49-F238E27FC236}">
-                <a16:creationId xmlns:a16="http://schemas.microsoft.com/office/drawing/2014/main" id="{6F55CA30-5242-46FB-8D9C-06EFAF4641F1}"/>
-              </a:ext>
-            </a:extLst>
-          </p:cNvPr>
-          <p:cNvSpPr>
-            <a:spLocks noGrp="1"/>
-          </p:cNvSpPr>
-          <p:nvPr>
-            <p:ph idx="1"/>
-          </p:nvPr>
-        </p:nvSpPr>
-        <p:spPr/>
-        <p:txBody>
-          <a:bodyPr>
-            <a:normAutofit/>
-          </a:bodyPr>
-          <a:lstStyle/>
-          <a:p>
-            <a:r>
-              <a:rPr lang="en-US" dirty="0"/>
-              <a:t>Solution: ask and offer the possibility for a person to register to the system</a:t>
-            </a:r>
-          </a:p>
-          <a:p>
-            <a:r>
-              <a:rPr lang="en-US" dirty="0"/>
-              <a:t>Registration is made simple, only asking for a name, as the image has already been encoded beforehand</a:t>
-            </a:r>
-          </a:p>
-          <a:p>
-            <a:pPr marL="0" indent="0">
-              <a:buNone/>
-            </a:pPr>
-            <a:endParaRPr lang="en-US" dirty="0"/>
-          </a:p>
-        </p:txBody>
-      </p:sp>
-      <p:sp>
-        <p:nvSpPr>
-          <p:cNvPr id="4" name="Content Placeholder 3">
-            <a:extLst>
-              <a:ext uri="{FF2B5EF4-FFF2-40B4-BE49-F238E27FC236}">
-                <a16:creationId xmlns:a16="http://schemas.microsoft.com/office/drawing/2014/main" id="{F5AD2F37-C197-4218-B4EC-C9D0BCBFBFD5}"/>
-              </a:ext>
-            </a:extLst>
-          </p:cNvPr>
-          <p:cNvSpPr>
-            <a:spLocks noGrp="1"/>
-          </p:cNvSpPr>
-          <p:nvPr>
-            <p:ph type="body" sz="half" idx="2"/>
-          </p:nvPr>
-        </p:nvSpPr>
-        <p:spPr>
-          <a:xfrm>
-            <a:off x="839788" y="2057400"/>
-            <a:ext cx="3932237" cy="798021"/>
-          </a:xfrm>
-        </p:spPr>
-        <p:txBody>
-          <a:bodyPr/>
-          <a:lstStyle/>
-          <a:p>
-            <a:r>
-              <a:rPr lang="en-US" dirty="0"/>
-              <a:t>Recognition will always fail (both visual and audio identification) if the person is not registered to the system in the first place</a:t>
-            </a:r>
-          </a:p>
-        </p:txBody>
-      </p:sp>
-      <p:pic>
-        <p:nvPicPr>
-          <p:cNvPr id="7" name="Graphic 6" descr="Question Mark with solid fill">
-            <a:extLst>
-              <a:ext uri="{FF2B5EF4-FFF2-40B4-BE49-F238E27FC236}">
-                <a16:creationId xmlns:a16="http://schemas.microsoft.com/office/drawing/2014/main" id="{75886BE1-D93B-4F4D-853E-F8A769963FE8}"/>
-              </a:ext>
-            </a:extLst>
-          </p:cNvPr>
-          <p:cNvPicPr>
-            <a:picLocks noChangeAspect="1"/>
-          </p:cNvPicPr>
-          <p:nvPr/>
-        </p:nvPicPr>
-        <p:blipFill>
-          <a:blip r:embed="rId2">
-            <a:extLst>
-              <a:ext uri="{28A0092B-C50C-407E-A947-70E740481C1C}">
-                <a14:useLocalDpi xmlns:a14="http://schemas.microsoft.com/office/drawing/2010/main" val="0"/>
-              </a:ext>
-              <a:ext uri="{96DAC541-7B7A-43D3-8B79-37D633B846F1}">
-                <asvg:svgBlip xmlns:asvg="http://schemas.microsoft.com/office/drawing/2016/SVG/main" r:embed="rId3"/>
-              </a:ext>
-            </a:extLst>
-          </a:blip>
-          <a:stretch>
-            <a:fillRect/>
-          </a:stretch>
-        </p:blipFill>
-        <p:spPr>
-          <a:xfrm>
-            <a:off x="883832" y="2855421"/>
-            <a:ext cx="3844148" cy="3844148"/>
-          </a:xfrm>
-          <a:prstGeom prst="rect">
-            <a:avLst/>
-          </a:prstGeom>
-        </p:spPr>
-      </p:pic>
-    </p:spTree>
-    <p:extLst>
-      <p:ext uri="{BB962C8B-B14F-4D97-AF65-F5344CB8AC3E}">
-        <p14:creationId xmlns:p14="http://schemas.microsoft.com/office/powerpoint/2010/main" val="4133311029"/>
-      </p:ext>
-    </p:extLst>
-  </p:cSld>
-  <p:clrMapOvr>
-    <a:masterClrMapping/>
-  </p:clrMapOvr>
-</p:sld>
-</file>
-
-<file path=ppt/slides/slide9.xml><?xml version="1.0" encoding="utf-8"?>
-<p:sld xmlns:a="http://schemas.openxmlformats.org/drawingml/2006/main" xmlns:r="http://schemas.openxmlformats.org/officeDocument/2006/relationships" xmlns:p="http://schemas.openxmlformats.org/presentationml/2006/main">
-  <p:cSld>
     <p:bg>
       <p:bgPr>
         <a:solidFill>
@@ -8359,24 +7929,76 @@
       </p:sp>
       <p:sp>
         <p:nvSpPr>
-          <p:cNvPr id="2" name="Title 1">
-            <a:extLst>
-              <a:ext uri="{FF2B5EF4-FFF2-40B4-BE49-F238E27FC236}">
-                <a16:creationId xmlns:a16="http://schemas.microsoft.com/office/drawing/2014/main" id="{F703FF40-49BD-4711-8571-801EBE0CF90B}"/>
-              </a:ext>
-            </a:extLst>
-          </p:cNvPr>
-          <p:cNvSpPr>
-            <a:spLocks noGrp="1"/>
-          </p:cNvSpPr>
-          <p:nvPr>
-            <p:ph type="title"/>
-          </p:nvPr>
+          <p:cNvPr id="19" name="Rectangle 18">
+            <a:extLst>
+              <a:ext uri="{FF2B5EF4-FFF2-40B4-BE49-F238E27FC236}">
+                <a16:creationId xmlns:a16="http://schemas.microsoft.com/office/drawing/2014/main" id="{839D4B9E-CCF5-4693-A7D2-3F65D29B2909}"/>
+              </a:ext>
+            </a:extLst>
+          </p:cNvPr>
+          <p:cNvSpPr/>
+          <p:nvPr/>
         </p:nvSpPr>
         <p:spPr>
           <a:xfrm>
-            <a:off x="589560" y="856180"/>
-            <a:ext cx="4560584" cy="1128068"/>
+            <a:off x="355197" y="640080"/>
+            <a:ext cx="5330612" cy="1316736"/>
+          </a:xfrm>
+          <a:prstGeom prst="rect">
+            <a:avLst/>
+          </a:prstGeom>
+          <a:solidFill>
+            <a:srgbClr val="023047"/>
+          </a:solidFill>
+          <a:ln>
+            <a:noFill/>
+          </a:ln>
+        </p:spPr>
+        <p:style>
+          <a:lnRef idx="2">
+            <a:schemeClr val="accent1">
+              <a:shade val="50000"/>
+            </a:schemeClr>
+          </a:lnRef>
+          <a:fillRef idx="1">
+            <a:schemeClr val="accent1"/>
+          </a:fillRef>
+          <a:effectRef idx="0">
+            <a:schemeClr val="accent1"/>
+          </a:effectRef>
+          <a:fontRef idx="minor">
+            <a:schemeClr val="lt1"/>
+          </a:fontRef>
+        </p:style>
+        <p:txBody>
+          <a:bodyPr rtlCol="0" anchor="ctr"/>
+          <a:lstStyle/>
+          <a:p>
+            <a:pPr algn="ctr"/>
+            <a:endParaRPr lang="en-GB"/>
+          </a:p>
+        </p:txBody>
+      </p:sp>
+      <p:sp>
+        <p:nvSpPr>
+          <p:cNvPr id="2" name="Title 1">
+            <a:extLst>
+              <a:ext uri="{FF2B5EF4-FFF2-40B4-BE49-F238E27FC236}">
+                <a16:creationId xmlns:a16="http://schemas.microsoft.com/office/drawing/2014/main" id="{F703FF40-49BD-4711-8571-801EBE0CF90B}"/>
+              </a:ext>
+            </a:extLst>
+          </p:cNvPr>
+          <p:cNvSpPr>
+            <a:spLocks noGrp="1"/>
+          </p:cNvSpPr>
+          <p:nvPr>
+            <p:ph type="title"/>
+          </p:nvPr>
+        </p:nvSpPr>
+        <p:spPr>
+          <a:xfrm>
+            <a:off x="589560" y="694944"/>
+            <a:ext cx="4672496" cy="1289304"/>
           </a:xfrm>
         </p:spPr>
         <p:txBody>
@@ -8386,9 +8008,26 @@
           <a:lstStyle/>
           <a:p>
             <a:r>
-              <a:rPr lang="en-US" sz="2500" dirty="0"/>
-              <a:t>Interaction structure pt. I: what if they can’t be recognized?</a:t>
-            </a:r>
+              <a:rPr lang="en-US" sz="3400" dirty="0">
+                <a:solidFill>
+                  <a:srgbClr val="FFC000"/>
+                </a:solidFill>
+              </a:rPr>
+              <a:t>Interaction structure pt. I: </a:t>
+            </a:r>
+            <a:r>
+              <a:rPr lang="en-US" dirty="0">
+                <a:solidFill>
+                  <a:srgbClr val="FFC000"/>
+                </a:solidFill>
+              </a:rPr>
+              <a:t>recognizing a user</a:t>
+            </a:r>
+            <a:endParaRPr lang="en-US" sz="2500" dirty="0">
+              <a:solidFill>
+                <a:srgbClr val="FFC000"/>
+              </a:solidFill>
+            </a:endParaRPr>
           </a:p>
         </p:txBody>
       </p:sp>
@@ -8633,57 +8272,227 @@
         </p:spPr>
         <p:txBody>
           <a:bodyPr vert="horz" lIns="91440" tIns="45720" rIns="91440" bIns="45720" rtlCol="0" anchor="ctr">
-            <a:normAutofit/>
+            <a:normAutofit fontScale="92500" lnSpcReduction="10000"/>
           </a:bodyPr>
           <a:lstStyle/>
           <a:p>
-            <a:pPr indent="-228600">
-              <a:buFont typeface="Arial" panose="020B0604020202020204" pitchFamily="34" charset="0"/>
-              <a:buChar char="•"/>
+            <a:r>
+              <a:rPr lang="en-US" dirty="0">
+                <a:solidFill>
+                  <a:srgbClr val="023047"/>
+                </a:solidFill>
+                <a:latin typeface="Arial" panose="020B0604020202020204" pitchFamily="34" charset="0"/>
+                <a:cs typeface="Arial" panose="020B0604020202020204" pitchFamily="34" charset="0"/>
+              </a:rPr>
+              <a:t>Three steps are involved in making the interaction happen:</a:t>
+            </a:r>
+          </a:p>
+          <a:p>
+            <a:pPr marL="342900" indent="-342900">
+              <a:buFont typeface="+mj-lt"/>
+              <a:buAutoNum type="arabicPeriod"/>
             </a:pPr>
             <a:r>
-              <a:rPr lang="en-US" sz="1900" dirty="0"/>
-              <a:t>As said: registering is straight-forward:</a:t>
-            </a:r>
-          </a:p>
-          <a:p>
-            <a:pPr marL="342900" indent="-228600">
-              <a:buFont typeface="Arial" panose="020B0604020202020204" pitchFamily="34" charset="0"/>
-              <a:buChar char="•"/>
+              <a:rPr lang="en-US" dirty="0">
+                <a:solidFill>
+                  <a:srgbClr val="023047"/>
+                </a:solidFill>
+                <a:latin typeface="Arial" panose="020B0604020202020204" pitchFamily="34" charset="0"/>
+                <a:cs typeface="Arial" panose="020B0604020202020204" pitchFamily="34" charset="0"/>
+              </a:rPr>
+              <a:t>Start the camera and a continuous loop where we gather the current image the camera is receiving</a:t>
+            </a:r>
+          </a:p>
+          <a:p>
+            <a:pPr marL="342900" indent="-342900">
+              <a:buFont typeface="+mj-lt"/>
+              <a:buAutoNum type="arabicPeriod"/>
             </a:pPr>
             <a:r>
-              <a:rPr lang="en-US" sz="1900" dirty="0"/>
-              <a:t>Ask the name which the person wants to register with</a:t>
-            </a:r>
-          </a:p>
-          <a:p>
-            <a:pPr marL="800100" lvl="1" indent="-228600">
-              <a:buFont typeface="Arial" panose="020B0604020202020204" pitchFamily="34" charset="0"/>
-              <a:buChar char="•"/>
+              <a:rPr lang="en-US" dirty="0">
+                <a:solidFill>
+                  <a:srgbClr val="023047"/>
+                </a:solidFill>
+                <a:latin typeface="Arial" panose="020B0604020202020204" pitchFamily="34" charset="0"/>
+                <a:cs typeface="Arial" panose="020B0604020202020204" pitchFamily="34" charset="0"/>
+              </a:rPr>
+              <a:t>Send the captured frame over to the </a:t>
+            </a:r>
+            <a:r>
+              <a:rPr lang="en-US" dirty="0" err="1">
+                <a:solidFill>
+                  <a:srgbClr val="023047"/>
+                </a:solidFill>
+                <a:latin typeface="Arial" panose="020B0604020202020204" pitchFamily="34" charset="0"/>
+                <a:cs typeface="Arial" panose="020B0604020202020204" pitchFamily="34" charset="0"/>
+              </a:rPr>
+              <a:t>detect_presence</a:t>
+            </a:r>
+            <a:r>
+              <a:rPr lang="en-US" dirty="0">
+                <a:solidFill>
+                  <a:srgbClr val="023047"/>
+                </a:solidFill>
+                <a:latin typeface="Arial" panose="020B0604020202020204" pitchFamily="34" charset="0"/>
+                <a:cs typeface="Arial" panose="020B0604020202020204" pitchFamily="34" charset="0"/>
+              </a:rPr>
+              <a:t> method:</a:t>
+            </a:r>
+          </a:p>
+          <a:p>
+            <a:pPr marL="800100" lvl="1" indent="-342900">
+              <a:buFont typeface="+mj-lt"/>
+              <a:buAutoNum type="arabicPeriod"/>
             </a:pPr>
             <a:r>
-              <a:rPr lang="en-US" sz="1900" dirty="0"/>
-              <a:t>We ask again as they might want to register with a name different from their real one!</a:t>
-            </a:r>
-          </a:p>
-          <a:p>
-            <a:pPr marL="342900" indent="-228600">
-              <a:buFont typeface="Arial" panose="020B0604020202020204" pitchFamily="34" charset="0"/>
-              <a:buChar char="•"/>
+              <a:rPr lang="en-US" dirty="0">
+                <a:solidFill>
+                  <a:srgbClr val="023047"/>
+                </a:solidFill>
+                <a:latin typeface="Arial" panose="020B0604020202020204" pitchFamily="34" charset="0"/>
+                <a:cs typeface="Arial" panose="020B0604020202020204" pitchFamily="34" charset="0"/>
+              </a:rPr>
+              <a:t>Converts the frame in B&amp;W</a:t>
+            </a:r>
+          </a:p>
+          <a:p>
+            <a:pPr marL="800100" lvl="1" indent="-342900">
+              <a:buFont typeface="+mj-lt"/>
+              <a:buAutoNum type="arabicPeriod"/>
             </a:pPr>
             <a:r>
-              <a:rPr lang="en-US" sz="1900" dirty="0"/>
-              <a:t>Compute face encodings from the detection frame (the frame that started it all)</a:t>
-            </a:r>
-          </a:p>
-          <a:p>
-            <a:pPr marL="342900" indent="-228600">
-              <a:buFont typeface="Arial" panose="020B0604020202020204" pitchFamily="34" charset="0"/>
-              <a:buChar char="•"/>
+              <a:rPr lang="en-US" dirty="0">
+                <a:solidFill>
+                  <a:srgbClr val="023047"/>
+                </a:solidFill>
+                <a:latin typeface="Arial" panose="020B0604020202020204" pitchFamily="34" charset="0"/>
+                <a:cs typeface="Arial" panose="020B0604020202020204" pitchFamily="34" charset="0"/>
+              </a:rPr>
+              <a:t>Uses the preloaded </a:t>
+            </a:r>
+            <a:r>
+              <a:rPr lang="en-US" dirty="0" err="1">
+                <a:solidFill>
+                  <a:srgbClr val="023047"/>
+                </a:solidFill>
+                <a:latin typeface="Arial" panose="020B0604020202020204" pitchFamily="34" charset="0"/>
+                <a:cs typeface="Arial" panose="020B0604020202020204" pitchFamily="34" charset="0"/>
+              </a:rPr>
+              <a:t>opencv</a:t>
+            </a:r>
+            <a:r>
+              <a:rPr lang="en-US" dirty="0">
+                <a:solidFill>
+                  <a:srgbClr val="023047"/>
+                </a:solidFill>
+                <a:latin typeface="Arial" panose="020B0604020202020204" pitchFamily="34" charset="0"/>
+                <a:cs typeface="Arial" panose="020B0604020202020204" pitchFamily="34" charset="0"/>
+              </a:rPr>
+              <a:t> </a:t>
+            </a:r>
+            <a:r>
+              <a:rPr lang="en-US" dirty="0" err="1">
+                <a:solidFill>
+                  <a:srgbClr val="023047"/>
+                </a:solidFill>
+                <a:latin typeface="Arial" panose="020B0604020202020204" pitchFamily="34" charset="0"/>
+                <a:cs typeface="Arial" panose="020B0604020202020204" pitchFamily="34" charset="0"/>
+              </a:rPr>
+              <a:t>CascadeClassifier</a:t>
+            </a:r>
+            <a:r>
+              <a:rPr lang="en-US" dirty="0">
+                <a:solidFill>
+                  <a:srgbClr val="023047"/>
+                </a:solidFill>
+                <a:latin typeface="Arial" panose="020B0604020202020204" pitchFamily="34" charset="0"/>
+                <a:cs typeface="Arial" panose="020B0604020202020204" pitchFamily="34" charset="0"/>
+              </a:rPr>
+              <a:t> with </a:t>
+            </a:r>
+            <a:r>
+              <a:rPr lang="en-US" dirty="0" err="1">
+                <a:solidFill>
+                  <a:srgbClr val="023047"/>
+                </a:solidFill>
+                <a:latin typeface="Arial" panose="020B0604020202020204" pitchFamily="34" charset="0"/>
+                <a:cs typeface="Arial" panose="020B0604020202020204" pitchFamily="34" charset="0"/>
+              </a:rPr>
+              <a:t>Haar</a:t>
+            </a:r>
+            <a:r>
+              <a:rPr lang="en-US" dirty="0">
+                <a:solidFill>
+                  <a:srgbClr val="023047"/>
+                </a:solidFill>
+                <a:latin typeface="Arial" panose="020B0604020202020204" pitchFamily="34" charset="0"/>
+                <a:cs typeface="Arial" panose="020B0604020202020204" pitchFamily="34" charset="0"/>
+              </a:rPr>
+              <a:t> Cascades to attempt detection</a:t>
+            </a:r>
+          </a:p>
+          <a:p>
+            <a:pPr marL="342900" indent="-342900">
+              <a:buFont typeface="+mj-lt"/>
+              <a:buAutoNum type="arabicPeriod"/>
             </a:pPr>
             <a:r>
-              <a:rPr lang="en-US" sz="1900" dirty="0"/>
-              <a:t>Create a new instance of the Member class, commit it to memory, and inform the user they are now part of the Clan</a:t>
+              <a:rPr lang="en-US" dirty="0">
+                <a:solidFill>
+                  <a:srgbClr val="023047"/>
+                </a:solidFill>
+                <a:latin typeface="Arial" panose="020B0604020202020204" pitchFamily="34" charset="0"/>
+                <a:cs typeface="Arial" panose="020B0604020202020204" pitchFamily="34" charset="0"/>
+              </a:rPr>
+              <a:t>Attempt recognizing the person from the frame they have been detected in:</a:t>
+            </a:r>
+          </a:p>
+          <a:p>
+            <a:pPr marL="800100" lvl="1" indent="-342900">
+              <a:buFont typeface="+mj-lt"/>
+              <a:buAutoNum type="arabicPeriod"/>
+            </a:pPr>
+            <a:r>
+              <a:rPr lang="en-US" dirty="0">
+                <a:solidFill>
+                  <a:srgbClr val="023047"/>
+                </a:solidFill>
+                <a:latin typeface="Arial" panose="020B0604020202020204" pitchFamily="34" charset="0"/>
+                <a:cs typeface="Arial" panose="020B0604020202020204" pitchFamily="34" charset="0"/>
+              </a:rPr>
+              <a:t>Generate face encodings for each face</a:t>
+            </a:r>
+          </a:p>
+          <a:p>
+            <a:pPr marL="800100" lvl="1" indent="-342900">
+              <a:buFont typeface="+mj-lt"/>
+              <a:buAutoNum type="arabicPeriod"/>
+            </a:pPr>
+            <a:r>
+              <a:rPr lang="en-US" dirty="0">
+                <a:solidFill>
+                  <a:srgbClr val="023047"/>
+                </a:solidFill>
+                <a:latin typeface="Arial" panose="020B0604020202020204" pitchFamily="34" charset="0"/>
+                <a:cs typeface="Arial" panose="020B0604020202020204" pitchFamily="34" charset="0"/>
+              </a:rPr>
+              <a:t>Compare each encoding to the ones locally saved for each member until there is a match</a:t>
+            </a:r>
+          </a:p>
+          <a:p>
+            <a:pPr marL="342900" indent="-342900">
+              <a:buFont typeface="+mj-lt"/>
+              <a:buAutoNum type="arabicPeriod"/>
+            </a:pPr>
+            <a:r>
+              <a:rPr lang="en-US" dirty="0">
+                <a:solidFill>
+                  <a:srgbClr val="023047"/>
+                </a:solidFill>
+                <a:latin typeface="Arial" panose="020B0604020202020204" pitchFamily="34" charset="0"/>
+                <a:cs typeface="Arial" panose="020B0604020202020204" pitchFamily="34" charset="0"/>
+              </a:rPr>
+              <a:t>If all else fails, ask the person to identify themselves by using voice</a:t>
             </a:r>
           </a:p>
         </p:txBody>
@@ -8823,6 +8632,1385 @@
       </p:sp>
       <p:pic>
         <p:nvPicPr>
+          <p:cNvPr id="14" name="Content Placeholder 15">
+            <a:extLst>
+              <a:ext uri="{FF2B5EF4-FFF2-40B4-BE49-F238E27FC236}">
+                <a16:creationId xmlns:a16="http://schemas.microsoft.com/office/drawing/2014/main" id="{A1BA3A27-F968-4607-807E-13B7F3E46F07}"/>
+              </a:ext>
+            </a:extLst>
+          </p:cNvPr>
+          <p:cNvPicPr>
+            <a:picLocks noChangeAspect="1"/>
+          </p:cNvPicPr>
+          <p:nvPr/>
+        </p:nvPicPr>
+        <p:blipFill>
+          <a:blip r:embed="rId2"/>
+          <a:stretch>
+            <a:fillRect/>
+          </a:stretch>
+        </p:blipFill>
+        <p:spPr>
+          <a:xfrm>
+            <a:off x="5529890" y="1448452"/>
+            <a:ext cx="6172200" cy="872301"/>
+          </a:xfrm>
+          <a:prstGeom prst="rect">
+            <a:avLst/>
+          </a:prstGeom>
+        </p:spPr>
+      </p:pic>
+      <p:pic>
+        <p:nvPicPr>
+          <p:cNvPr id="15" name="Picture 14">
+            <a:extLst>
+              <a:ext uri="{FF2B5EF4-FFF2-40B4-BE49-F238E27FC236}">
+                <a16:creationId xmlns:a16="http://schemas.microsoft.com/office/drawing/2014/main" id="{2825E390-DEB2-4336-8FA6-106516AF3AC0}"/>
+              </a:ext>
+            </a:extLst>
+          </p:cNvPr>
+          <p:cNvPicPr>
+            <a:picLocks noChangeAspect="1"/>
+          </p:cNvPicPr>
+          <p:nvPr/>
+        </p:nvPicPr>
+        <p:blipFill>
+          <a:blip r:embed="rId3"/>
+          <a:stretch>
+            <a:fillRect/>
+          </a:stretch>
+        </p:blipFill>
+        <p:spPr>
+          <a:xfrm>
+            <a:off x="5519800" y="2876567"/>
+            <a:ext cx="6169024" cy="887916"/>
+          </a:xfrm>
+          <a:prstGeom prst="rect">
+            <a:avLst/>
+          </a:prstGeom>
+        </p:spPr>
+      </p:pic>
+      <p:pic>
+        <p:nvPicPr>
+          <p:cNvPr id="16" name="Picture 15">
+            <a:extLst>
+              <a:ext uri="{FF2B5EF4-FFF2-40B4-BE49-F238E27FC236}">
+                <a16:creationId xmlns:a16="http://schemas.microsoft.com/office/drawing/2014/main" id="{2490F14E-2FFE-4984-AF49-61C9A57A4680}"/>
+              </a:ext>
+            </a:extLst>
+          </p:cNvPr>
+          <p:cNvPicPr>
+            <a:picLocks noChangeAspect="1"/>
+          </p:cNvPicPr>
+          <p:nvPr/>
+        </p:nvPicPr>
+        <p:blipFill>
+          <a:blip r:embed="rId4"/>
+          <a:stretch>
+            <a:fillRect/>
+          </a:stretch>
+        </p:blipFill>
+        <p:spPr>
+          <a:xfrm>
+            <a:off x="5519800" y="4320297"/>
+            <a:ext cx="6172200" cy="1748349"/>
+          </a:xfrm>
+          <a:prstGeom prst="rect">
+            <a:avLst/>
+          </a:prstGeom>
+        </p:spPr>
+      </p:pic>
+      <p:pic>
+        <p:nvPicPr>
+          <p:cNvPr id="17" name="Picture 16">
+            <a:extLst>
+              <a:ext uri="{FF2B5EF4-FFF2-40B4-BE49-F238E27FC236}">
+                <a16:creationId xmlns:a16="http://schemas.microsoft.com/office/drawing/2014/main" id="{68A38278-06C9-46E3-9F3A-64FC8CAF4E14}"/>
+              </a:ext>
+            </a:extLst>
+          </p:cNvPr>
+          <p:cNvPicPr>
+            <a:picLocks noChangeAspect="1"/>
+          </p:cNvPicPr>
+          <p:nvPr/>
+        </p:nvPicPr>
+        <p:blipFill>
+          <a:blip r:embed="rId5"/>
+          <a:stretch>
+            <a:fillRect/>
+          </a:stretch>
+        </p:blipFill>
+        <p:spPr>
+          <a:xfrm>
+            <a:off x="5522976" y="453667"/>
+            <a:ext cx="6172200" cy="438971"/>
+          </a:xfrm>
+          <a:prstGeom prst="rect">
+            <a:avLst/>
+          </a:prstGeom>
+        </p:spPr>
+      </p:pic>
+    </p:spTree>
+    <p:extLst>
+      <p:ext uri="{BB962C8B-B14F-4D97-AF65-F5344CB8AC3E}">
+        <p14:creationId xmlns:p14="http://schemas.microsoft.com/office/powerpoint/2010/main" val="858608500"/>
+      </p:ext>
+    </p:extLst>
+  </p:cSld>
+  <p:clrMapOvr>
+    <a:masterClrMapping/>
+  </p:clrMapOvr>
+</p:sld>
+</file>
+
+<file path=ppt/slides/slide8.xml><?xml version="1.0" encoding="utf-8"?>
+<p:sld xmlns:a="http://schemas.openxmlformats.org/drawingml/2006/main" xmlns:r="http://schemas.openxmlformats.org/officeDocument/2006/relationships" xmlns:p="http://schemas.openxmlformats.org/presentationml/2006/main">
+  <p:cSld>
+    <p:bg>
+      <p:bgPr>
+        <a:solidFill>
+          <a:schemeClr val="bg1"/>
+        </a:solidFill>
+        <a:effectLst/>
+      </p:bgPr>
+    </p:bg>
+    <p:spTree>
+      <p:nvGrpSpPr>
+        <p:cNvPr id="1" name=""/>
+        <p:cNvGrpSpPr/>
+        <p:nvPr/>
+      </p:nvGrpSpPr>
+      <p:grpSpPr>
+        <a:xfrm>
+          <a:off x="0" y="0"/>
+          <a:ext cx="0" cy="0"/>
+          <a:chOff x="0" y="0"/>
+          <a:chExt cx="0" cy="0"/>
+        </a:xfrm>
+      </p:grpSpPr>
+      <p:sp useBgFill="1">
+        <p:nvSpPr>
+          <p:cNvPr id="16" name="Rectangle 7">
+            <a:extLst>
+              <a:ext uri="{FF2B5EF4-FFF2-40B4-BE49-F238E27FC236}">
+                <a16:creationId xmlns:a16="http://schemas.microsoft.com/office/drawing/2014/main" id="{B6CDA21F-E7AF-4C75-8395-33F58D5B0E45}"/>
+              </a:ext>
+              <a:ext uri="{C183D7F6-B498-43B3-948B-1728B52AA6E4}">
+                <adec:decorative xmlns:adec="http://schemas.microsoft.com/office/drawing/2017/decorative" val="1"/>
+              </a:ext>
+            </a:extLst>
+          </p:cNvPr>
+          <p:cNvSpPr>
+            <a:spLocks noGrp="1" noRot="1" noChangeAspect="1" noMove="1" noResize="1" noEditPoints="1" noAdjustHandles="1" noChangeArrowheads="1" noChangeShapeType="1" noTextEdit="1"/>
+          </p:cNvSpPr>
+          <p:nvPr>
+            <p:extLst>
+              <p:ext uri="{386F3935-93C4-4BCD-93E2-E3B085C9AB24}">
+                <p16:designElem xmlns:p16="http://schemas.microsoft.com/office/powerpoint/2015/main" val="1"/>
+              </p:ext>
+            </p:extLst>
+          </p:nvPr>
+        </p:nvSpPr>
+        <p:spPr>
+          <a:xfrm>
+            <a:off x="0" y="0"/>
+            <a:ext cx="12191999" cy="6857365"/>
+          </a:xfrm>
+          <a:prstGeom prst="rect">
+            <a:avLst/>
+          </a:prstGeom>
+          <a:ln>
+            <a:noFill/>
+          </a:ln>
+        </p:spPr>
+        <p:style>
+          <a:lnRef idx="2">
+            <a:schemeClr val="accent1">
+              <a:shade val="50000"/>
+            </a:schemeClr>
+          </a:lnRef>
+          <a:fillRef idx="1">
+            <a:schemeClr val="accent1"/>
+          </a:fillRef>
+          <a:effectRef idx="0">
+            <a:schemeClr val="accent1"/>
+          </a:effectRef>
+          <a:fontRef idx="minor">
+            <a:schemeClr val="lt1"/>
+          </a:fontRef>
+        </p:style>
+        <p:txBody>
+          <a:bodyPr rtlCol="0" anchor="ctr"/>
+          <a:lstStyle/>
+          <a:p>
+            <a:pPr algn="ctr"/>
+            <a:endParaRPr lang="en-US"/>
+          </a:p>
+        </p:txBody>
+      </p:sp>
+      <p:grpSp>
+        <p:nvGrpSpPr>
+          <p:cNvPr id="18" name="Group 9">
+            <a:extLst>
+              <a:ext uri="{FF2B5EF4-FFF2-40B4-BE49-F238E27FC236}">
+                <a16:creationId xmlns:a16="http://schemas.microsoft.com/office/drawing/2014/main" id="{AE1C45F0-260A-458C-96ED-C1F6D2151219}"/>
+              </a:ext>
+              <a:ext uri="{C183D7F6-B498-43B3-948B-1728B52AA6E4}">
+                <adec:decorative xmlns:adec="http://schemas.microsoft.com/office/drawing/2017/decorative" val="1"/>
+              </a:ext>
+            </a:extLst>
+          </p:cNvPr>
+          <p:cNvGrpSpPr>
+            <a:grpSpLocks noGrp="1" noUngrp="1" noRot="1" noChangeAspect="1" noMove="1" noResize="1"/>
+          </p:cNvGrpSpPr>
+          <p:nvPr>
+            <p:extLst>
+              <p:ext uri="{386F3935-93C4-4BCD-93E2-E3B085C9AB24}">
+                <p16:designElem xmlns:p16="http://schemas.microsoft.com/office/powerpoint/2015/main" val="1"/>
+              </p:ext>
+            </p:extLst>
+          </p:nvPr>
+        </p:nvGrpSpPr>
+        <p:grpSpPr>
+          <a:xfrm>
+            <a:off x="4" y="1216597"/>
+            <a:ext cx="731521" cy="673460"/>
+            <a:chOff x="3940602" y="308034"/>
+            <a:chExt cx="2116791" cy="3428999"/>
+          </a:xfrm>
+          <a:solidFill>
+            <a:schemeClr val="accent4"/>
+          </a:solidFill>
+        </p:grpSpPr>
+        <p:sp>
+          <p:nvSpPr>
+            <p:cNvPr id="11" name="Rectangle 10">
+              <a:extLst>
+                <a:ext uri="{FF2B5EF4-FFF2-40B4-BE49-F238E27FC236}">
+                  <a16:creationId xmlns:a16="http://schemas.microsoft.com/office/drawing/2014/main" id="{A6604B49-AD5C-4590-B051-06C8222ECD99}"/>
+                </a:ext>
+                <a:ext uri="{C183D7F6-B498-43B3-948B-1728B52AA6E4}">
+                  <adec:decorative xmlns:adec="http://schemas.microsoft.com/office/drawing/2017/decorative" val="1"/>
+                </a:ext>
+              </a:extLst>
+            </p:cNvPr>
+            <p:cNvSpPr/>
+            <p:nvPr>
+              <p:extLst>
+                <p:ext uri="{386F3935-93C4-4BCD-93E2-E3B085C9AB24}">
+                  <p16:designElem xmlns:p16="http://schemas.microsoft.com/office/powerpoint/2015/main" val="1"/>
+                </p:ext>
+              </p:extLst>
+            </p:nvPr>
+          </p:nvSpPr>
+          <p:spPr>
+            <a:xfrm>
+              <a:off x="3940602" y="308034"/>
+              <a:ext cx="566743" cy="3428999"/>
+            </a:xfrm>
+            <a:prstGeom prst="rect">
+              <a:avLst/>
+            </a:prstGeom>
+            <a:grpFill/>
+            <a:ln>
+              <a:noFill/>
+            </a:ln>
+          </p:spPr>
+          <p:style>
+            <a:lnRef idx="2">
+              <a:schemeClr val="accent1">
+                <a:shade val="50000"/>
+              </a:schemeClr>
+            </a:lnRef>
+            <a:fillRef idx="1">
+              <a:schemeClr val="accent1"/>
+            </a:fillRef>
+            <a:effectRef idx="0">
+              <a:schemeClr val="accent1"/>
+            </a:effectRef>
+            <a:fontRef idx="minor">
+              <a:schemeClr val="lt1"/>
+            </a:fontRef>
+          </p:style>
+          <p:txBody>
+            <a:bodyPr rtlCol="0" anchor="ctr"/>
+            <a:lstStyle/>
+            <a:p>
+              <a:pPr algn="ctr"/>
+              <a:endParaRPr lang="en-US"/>
+            </a:p>
+          </p:txBody>
+        </p:sp>
+        <p:sp>
+          <p:nvSpPr>
+            <p:cNvPr id="19" name="Rectangle 11">
+              <a:extLst>
+                <a:ext uri="{FF2B5EF4-FFF2-40B4-BE49-F238E27FC236}">
+                  <a16:creationId xmlns:a16="http://schemas.microsoft.com/office/drawing/2014/main" id="{743ECCAF-29C5-4537-947C-7EA1292463DB}"/>
+                </a:ext>
+                <a:ext uri="{C183D7F6-B498-43B3-948B-1728B52AA6E4}">
+                  <adec:decorative xmlns:adec="http://schemas.microsoft.com/office/drawing/2017/decorative" val="1"/>
+                </a:ext>
+              </a:extLst>
+            </p:cNvPr>
+            <p:cNvSpPr/>
+            <p:nvPr>
+              <p:extLst>
+                <p:ext uri="{386F3935-93C4-4BCD-93E2-E3B085C9AB24}">
+                  <p16:designElem xmlns:p16="http://schemas.microsoft.com/office/powerpoint/2015/main" val="1"/>
+                </p:ext>
+              </p:extLst>
+            </p:nvPr>
+          </p:nvSpPr>
+          <p:spPr>
+            <a:xfrm>
+              <a:off x="4715626" y="308034"/>
+              <a:ext cx="566743" cy="3428999"/>
+            </a:xfrm>
+            <a:prstGeom prst="rect">
+              <a:avLst/>
+            </a:prstGeom>
+            <a:grpFill/>
+            <a:ln>
+              <a:noFill/>
+            </a:ln>
+          </p:spPr>
+          <p:style>
+            <a:lnRef idx="2">
+              <a:schemeClr val="accent1">
+                <a:shade val="50000"/>
+              </a:schemeClr>
+            </a:lnRef>
+            <a:fillRef idx="1">
+              <a:schemeClr val="accent1"/>
+            </a:fillRef>
+            <a:effectRef idx="0">
+              <a:schemeClr val="accent1"/>
+            </a:effectRef>
+            <a:fontRef idx="minor">
+              <a:schemeClr val="lt1"/>
+            </a:fontRef>
+          </p:style>
+          <p:txBody>
+            <a:bodyPr rtlCol="0" anchor="ctr"/>
+            <a:lstStyle/>
+            <a:p>
+              <a:pPr algn="ctr"/>
+              <a:endParaRPr lang="en-US"/>
+            </a:p>
+          </p:txBody>
+        </p:sp>
+        <p:sp>
+          <p:nvSpPr>
+            <p:cNvPr id="13" name="Rectangle 12">
+              <a:extLst>
+                <a:ext uri="{FF2B5EF4-FFF2-40B4-BE49-F238E27FC236}">
+                  <a16:creationId xmlns:a16="http://schemas.microsoft.com/office/drawing/2014/main" id="{ED49787B-8DE6-4467-AD0A-8DECC6E0C2D6}"/>
+                </a:ext>
+                <a:ext uri="{C183D7F6-B498-43B3-948B-1728B52AA6E4}">
+                  <adec:decorative xmlns:adec="http://schemas.microsoft.com/office/drawing/2017/decorative" val="1"/>
+                </a:ext>
+              </a:extLst>
+            </p:cNvPr>
+            <p:cNvSpPr/>
+            <p:nvPr>
+              <p:extLst>
+                <p:ext uri="{386F3935-93C4-4BCD-93E2-E3B085C9AB24}">
+                  <p16:designElem xmlns:p16="http://schemas.microsoft.com/office/powerpoint/2015/main" val="1"/>
+                </p:ext>
+              </p:extLst>
+            </p:nvPr>
+          </p:nvSpPr>
+          <p:spPr>
+            <a:xfrm>
+              <a:off x="5490650" y="308034"/>
+              <a:ext cx="566743" cy="3428999"/>
+            </a:xfrm>
+            <a:prstGeom prst="rect">
+              <a:avLst/>
+            </a:prstGeom>
+            <a:grpFill/>
+            <a:ln>
+              <a:noFill/>
+            </a:ln>
+          </p:spPr>
+          <p:style>
+            <a:lnRef idx="2">
+              <a:schemeClr val="accent1">
+                <a:shade val="50000"/>
+              </a:schemeClr>
+            </a:lnRef>
+            <a:fillRef idx="1">
+              <a:schemeClr val="accent1"/>
+            </a:fillRef>
+            <a:effectRef idx="0">
+              <a:schemeClr val="accent1"/>
+            </a:effectRef>
+            <a:fontRef idx="minor">
+              <a:schemeClr val="lt1"/>
+            </a:fontRef>
+          </p:style>
+          <p:txBody>
+            <a:bodyPr rtlCol="0" anchor="ctr"/>
+            <a:lstStyle/>
+            <a:p>
+              <a:pPr algn="ctr"/>
+              <a:endParaRPr lang="en-US"/>
+            </a:p>
+          </p:txBody>
+        </p:sp>
+      </p:grpSp>
+      <p:sp>
+        <p:nvSpPr>
+          <p:cNvPr id="15" name="Rectangle 14">
+            <a:extLst>
+              <a:ext uri="{FF2B5EF4-FFF2-40B4-BE49-F238E27FC236}">
+                <a16:creationId xmlns:a16="http://schemas.microsoft.com/office/drawing/2014/main" id="{D5B0017B-2ECA-49AF-B397-DC140825DF8D}"/>
+              </a:ext>
+              <a:ext uri="{C183D7F6-B498-43B3-948B-1728B52AA6E4}">
+                <adec:decorative xmlns:adec="http://schemas.microsoft.com/office/drawing/2017/decorative" val="1"/>
+              </a:ext>
+            </a:extLst>
+          </p:cNvPr>
+          <p:cNvSpPr>
+            <a:spLocks noGrp="1" noRot="1" noChangeAspect="1" noMove="1" noResize="1" noEditPoints="1" noAdjustHandles="1" noChangeArrowheads="1" noChangeShapeType="1" noTextEdit="1"/>
+          </p:cNvSpPr>
+          <p:nvPr>
+            <p:extLst>
+              <p:ext uri="{386F3935-93C4-4BCD-93E2-E3B085C9AB24}">
+                <p16:designElem xmlns:p16="http://schemas.microsoft.com/office/powerpoint/2015/main" val="1"/>
+              </p:ext>
+            </p:extLst>
+          </p:nvPr>
+        </p:nvSpPr>
+        <p:spPr>
+          <a:xfrm>
+            <a:off x="640079" y="613954"/>
+            <a:ext cx="10907487" cy="1894116"/>
+          </a:xfrm>
+          <a:prstGeom prst="rect">
+            <a:avLst/>
+          </a:prstGeom>
+          <a:solidFill>
+            <a:schemeClr val="bg1"/>
+          </a:solidFill>
+          <a:ln>
+            <a:noFill/>
+          </a:ln>
+          <a:effectLst>
+            <a:outerShdw blurRad="139700" dist="127000" dir="5400000" algn="t" rotWithShape="0">
+              <a:prstClr val="black">
+                <a:alpha val="15000"/>
+              </a:prstClr>
+            </a:outerShdw>
+          </a:effectLst>
+        </p:spPr>
+        <p:style>
+          <a:lnRef idx="2">
+            <a:schemeClr val="accent1">
+              <a:shade val="50000"/>
+            </a:schemeClr>
+          </a:lnRef>
+          <a:fillRef idx="1">
+            <a:schemeClr val="accent1"/>
+          </a:fillRef>
+          <a:effectRef idx="0">
+            <a:schemeClr val="accent1"/>
+          </a:effectRef>
+          <a:fontRef idx="minor">
+            <a:schemeClr val="lt1"/>
+          </a:fontRef>
+        </p:style>
+        <p:txBody>
+          <a:bodyPr rtlCol="0" anchor="ctr"/>
+          <a:lstStyle/>
+          <a:p>
+            <a:pPr algn="ctr"/>
+            <a:endParaRPr lang="en-US"/>
+          </a:p>
+        </p:txBody>
+      </p:sp>
+      <p:sp>
+        <p:nvSpPr>
+          <p:cNvPr id="12" name="Rectangle 11">
+            <a:extLst>
+              <a:ext uri="{FF2B5EF4-FFF2-40B4-BE49-F238E27FC236}">
+                <a16:creationId xmlns:a16="http://schemas.microsoft.com/office/drawing/2014/main" id="{5E1D5788-2731-474B-8F80-00A5C97CF4B6}"/>
+              </a:ext>
+            </a:extLst>
+          </p:cNvPr>
+          <p:cNvSpPr/>
+          <p:nvPr/>
+        </p:nvSpPr>
+        <p:spPr>
+          <a:xfrm>
+            <a:off x="633597" y="640080"/>
+            <a:ext cx="10907487" cy="1894116"/>
+          </a:xfrm>
+          <a:prstGeom prst="rect">
+            <a:avLst/>
+          </a:prstGeom>
+          <a:solidFill>
+            <a:srgbClr val="023047"/>
+          </a:solidFill>
+          <a:ln>
+            <a:noFill/>
+          </a:ln>
+        </p:spPr>
+        <p:style>
+          <a:lnRef idx="2">
+            <a:schemeClr val="accent1">
+              <a:shade val="50000"/>
+            </a:schemeClr>
+          </a:lnRef>
+          <a:fillRef idx="1">
+            <a:schemeClr val="accent1"/>
+          </a:fillRef>
+          <a:effectRef idx="0">
+            <a:schemeClr val="accent1"/>
+          </a:effectRef>
+          <a:fontRef idx="minor">
+            <a:schemeClr val="lt1"/>
+          </a:fontRef>
+        </p:style>
+        <p:txBody>
+          <a:bodyPr rtlCol="0" anchor="ctr"/>
+          <a:lstStyle/>
+          <a:p>
+            <a:pPr algn="ctr"/>
+            <a:endParaRPr lang="en-GB"/>
+          </a:p>
+        </p:txBody>
+      </p:sp>
+      <p:sp>
+        <p:nvSpPr>
+          <p:cNvPr id="2" name="Title 1">
+            <a:extLst>
+              <a:ext uri="{FF2B5EF4-FFF2-40B4-BE49-F238E27FC236}">
+                <a16:creationId xmlns:a16="http://schemas.microsoft.com/office/drawing/2014/main" id="{A48C8F4F-F52C-4236-8286-9234A489AE8D}"/>
+              </a:ext>
+            </a:extLst>
+          </p:cNvPr>
+          <p:cNvSpPr>
+            <a:spLocks noGrp="1"/>
+          </p:cNvSpPr>
+          <p:nvPr>
+            <p:ph type="title"/>
+          </p:nvPr>
+        </p:nvSpPr>
+        <p:spPr>
+          <a:xfrm>
+            <a:off x="1043631" y="809898"/>
+            <a:ext cx="9942716" cy="1554480"/>
+          </a:xfrm>
+        </p:spPr>
+        <p:txBody>
+          <a:bodyPr anchor="ctr">
+            <a:normAutofit/>
+          </a:bodyPr>
+          <a:lstStyle/>
+          <a:p>
+            <a:r>
+              <a:rPr lang="en-US" sz="4800" dirty="0">
+                <a:solidFill>
+                  <a:srgbClr val="FFC000"/>
+                </a:solidFill>
+              </a:rPr>
+              <a:t>Interaction structure pt. I:</a:t>
+            </a:r>
+            <a:br>
+              <a:rPr lang="en-US" sz="4800" dirty="0">
+                <a:solidFill>
+                  <a:srgbClr val="FFC000"/>
+                </a:solidFill>
+              </a:rPr>
+            </a:br>
+            <a:r>
+              <a:rPr lang="en-US" sz="4000" dirty="0">
+                <a:solidFill>
+                  <a:srgbClr val="FFC000"/>
+                </a:solidFill>
+              </a:rPr>
+              <a:t>what if they can’t be recognized?</a:t>
+            </a:r>
+            <a:endParaRPr lang="en-US" dirty="0">
+              <a:solidFill>
+                <a:srgbClr val="FFC000"/>
+              </a:solidFill>
+            </a:endParaRPr>
+          </a:p>
+        </p:txBody>
+      </p:sp>
+      <p:sp>
+        <p:nvSpPr>
+          <p:cNvPr id="3" name="Content Placeholder 2">
+            <a:extLst>
+              <a:ext uri="{FF2B5EF4-FFF2-40B4-BE49-F238E27FC236}">
+                <a16:creationId xmlns:a16="http://schemas.microsoft.com/office/drawing/2014/main" id="{F0C29356-FBF8-4F7E-938D-AA38EA0CD781}"/>
+              </a:ext>
+            </a:extLst>
+          </p:cNvPr>
+          <p:cNvSpPr>
+            <a:spLocks noGrp="1"/>
+          </p:cNvSpPr>
+          <p:nvPr>
+            <p:ph idx="1"/>
+          </p:nvPr>
+        </p:nvSpPr>
+        <p:spPr>
+          <a:xfrm>
+            <a:off x="1045028" y="3017522"/>
+            <a:ext cx="9941319" cy="3124658"/>
+          </a:xfrm>
+        </p:spPr>
+        <p:txBody>
+          <a:bodyPr anchor="ctr">
+            <a:normAutofit/>
+          </a:bodyPr>
+          <a:lstStyle/>
+          <a:p>
+            <a:r>
+              <a:rPr lang="en-US" sz="2000" dirty="0">
+                <a:solidFill>
+                  <a:srgbClr val="023047"/>
+                </a:solidFill>
+                <a:latin typeface="Arial" panose="020B0604020202020204" pitchFamily="34" charset="0"/>
+                <a:cs typeface="Arial" panose="020B0604020202020204" pitchFamily="34" charset="0"/>
+              </a:rPr>
+              <a:t>Recognition will always fail (both visual and audio identification) if the person is not registered to the system in the first place</a:t>
+            </a:r>
+          </a:p>
+          <a:p>
+            <a:r>
+              <a:rPr lang="en-US" sz="2000" dirty="0">
+                <a:solidFill>
+                  <a:srgbClr val="023047"/>
+                </a:solidFill>
+                <a:latin typeface="Arial" panose="020B0604020202020204" pitchFamily="34" charset="0"/>
+                <a:cs typeface="Arial" panose="020B0604020202020204" pitchFamily="34" charset="0"/>
+              </a:rPr>
+              <a:t>Solution: ask and offer the possibility for a person to register to the system</a:t>
+            </a:r>
+          </a:p>
+          <a:p>
+            <a:r>
+              <a:rPr lang="en-US" sz="2000" dirty="0">
+                <a:solidFill>
+                  <a:srgbClr val="023047"/>
+                </a:solidFill>
+                <a:latin typeface="Arial" panose="020B0604020202020204" pitchFamily="34" charset="0"/>
+                <a:cs typeface="Arial" panose="020B0604020202020204" pitchFamily="34" charset="0"/>
+              </a:rPr>
+              <a:t>Registration is made simple, only asking for a name, as the image has already been encoded beforehand</a:t>
+            </a:r>
+          </a:p>
+        </p:txBody>
+      </p:sp>
+      <p:cxnSp>
+        <p:nvCxnSpPr>
+          <p:cNvPr id="17" name="Straight Connector 16">
+            <a:extLst>
+              <a:ext uri="{FF2B5EF4-FFF2-40B4-BE49-F238E27FC236}">
+                <a16:creationId xmlns:a16="http://schemas.microsoft.com/office/drawing/2014/main" id="{6CF1BAF6-AD41-4082-B212-8A1F9A2E8779}"/>
+              </a:ext>
+              <a:ext uri="{C183D7F6-B498-43B3-948B-1728B52AA6E4}">
+                <adec:decorative xmlns:adec="http://schemas.microsoft.com/office/drawing/2017/decorative" val="1"/>
+              </a:ext>
+            </a:extLst>
+          </p:cNvPr>
+          <p:cNvCxnSpPr>
+            <a:cxnSpLocks noGrp="1" noRot="1" noChangeAspect="1" noMove="1" noResize="1" noEditPoints="1" noAdjustHandles="1" noChangeArrowheads="1" noChangeShapeType="1"/>
+          </p:cNvCxnSpPr>
+          <p:nvPr>
+            <p:extLst>
+              <p:ext uri="{386F3935-93C4-4BCD-93E2-E3B085C9AB24}">
+                <p16:designElem xmlns:p16="http://schemas.microsoft.com/office/powerpoint/2015/main" val="1"/>
+              </p:ext>
+            </p:extLst>
+          </p:nvPr>
+        </p:nvCxnSpPr>
+        <p:spPr>
+          <a:xfrm flipH="1">
+            <a:off x="838200" y="6485313"/>
+            <a:ext cx="10515600" cy="0"/>
+          </a:xfrm>
+          <a:prstGeom prst="line">
+            <a:avLst/>
+          </a:prstGeom>
+          <a:ln w="57150">
+            <a:solidFill>
+              <a:schemeClr val="accent4"/>
+            </a:solidFill>
+          </a:ln>
+        </p:spPr>
+        <p:style>
+          <a:lnRef idx="1">
+            <a:schemeClr val="accent1"/>
+          </a:lnRef>
+          <a:fillRef idx="0">
+            <a:schemeClr val="accent1"/>
+          </a:fillRef>
+          <a:effectRef idx="0">
+            <a:schemeClr val="accent1"/>
+          </a:effectRef>
+          <a:fontRef idx="minor">
+            <a:schemeClr val="tx1"/>
+          </a:fontRef>
+        </p:style>
+      </p:cxnSp>
+    </p:spTree>
+    <p:extLst>
+      <p:ext uri="{BB962C8B-B14F-4D97-AF65-F5344CB8AC3E}">
+        <p14:creationId xmlns:p14="http://schemas.microsoft.com/office/powerpoint/2010/main" val="2963686248"/>
+      </p:ext>
+    </p:extLst>
+  </p:cSld>
+  <p:clrMapOvr>
+    <a:masterClrMapping/>
+  </p:clrMapOvr>
+</p:sld>
+</file>
+
+<file path=ppt/slides/slide9.xml><?xml version="1.0" encoding="utf-8"?>
+<p:sld xmlns:a="http://schemas.openxmlformats.org/drawingml/2006/main" xmlns:r="http://schemas.openxmlformats.org/officeDocument/2006/relationships" xmlns:p="http://schemas.openxmlformats.org/presentationml/2006/main">
+  <p:cSld>
+    <p:bg>
+      <p:bgPr>
+        <a:solidFill>
+          <a:schemeClr val="bg1"/>
+        </a:solidFill>
+        <a:effectLst/>
+      </p:bgPr>
+    </p:bg>
+    <p:spTree>
+      <p:nvGrpSpPr>
+        <p:cNvPr id="1" name=""/>
+        <p:cNvGrpSpPr/>
+        <p:nvPr/>
+      </p:nvGrpSpPr>
+      <p:grpSpPr>
+        <a:xfrm>
+          <a:off x="0" y="0"/>
+          <a:ext cx="0" cy="0"/>
+          <a:chOff x="0" y="0"/>
+          <a:chExt cx="0" cy="0"/>
+        </a:xfrm>
+      </p:grpSpPr>
+      <p:sp useBgFill="1">
+        <p:nvSpPr>
+          <p:cNvPr id="52" name="Rectangle 42">
+            <a:extLst>
+              <a:ext uri="{FF2B5EF4-FFF2-40B4-BE49-F238E27FC236}">
+                <a16:creationId xmlns:a16="http://schemas.microsoft.com/office/drawing/2014/main" id="{201CC55D-ED54-4C5C-95E6-10947BD1103B}"/>
+              </a:ext>
+              <a:ext uri="{C183D7F6-B498-43B3-948B-1728B52AA6E4}">
+                <adec:decorative xmlns:adec="http://schemas.microsoft.com/office/drawing/2017/decorative" val="1"/>
+              </a:ext>
+            </a:extLst>
+          </p:cNvPr>
+          <p:cNvSpPr>
+            <a:spLocks noGrp="1" noRot="1" noChangeAspect="1" noMove="1" noResize="1" noEditPoints="1" noAdjustHandles="1" noChangeArrowheads="1" noChangeShapeType="1" noTextEdit="1"/>
+          </p:cNvSpPr>
+          <p:nvPr>
+            <p:extLst>
+              <p:ext uri="{386F3935-93C4-4BCD-93E2-E3B085C9AB24}">
+                <p16:designElem xmlns:p16="http://schemas.microsoft.com/office/powerpoint/2015/main" val="1"/>
+              </p:ext>
+            </p:extLst>
+          </p:nvPr>
+        </p:nvSpPr>
+        <p:spPr>
+          <a:xfrm>
+            <a:off x="0" y="0"/>
+            <a:ext cx="12191999" cy="6857365"/>
+          </a:xfrm>
+          <a:prstGeom prst="rect">
+            <a:avLst/>
+          </a:prstGeom>
+          <a:ln>
+            <a:noFill/>
+          </a:ln>
+        </p:spPr>
+        <p:style>
+          <a:lnRef idx="2">
+            <a:schemeClr val="accent1">
+              <a:shade val="50000"/>
+            </a:schemeClr>
+          </a:lnRef>
+          <a:fillRef idx="1">
+            <a:schemeClr val="accent1"/>
+          </a:fillRef>
+          <a:effectRef idx="0">
+            <a:schemeClr val="accent1"/>
+          </a:effectRef>
+          <a:fontRef idx="minor">
+            <a:schemeClr val="lt1"/>
+          </a:fontRef>
+        </p:style>
+        <p:txBody>
+          <a:bodyPr rtlCol="0" anchor="ctr"/>
+          <a:lstStyle/>
+          <a:p>
+            <a:pPr algn="ctr"/>
+            <a:endParaRPr lang="en-US"/>
+          </a:p>
+        </p:txBody>
+      </p:sp>
+      <p:sp>
+        <p:nvSpPr>
+          <p:cNvPr id="12" name="Rectangle 11">
+            <a:extLst>
+              <a:ext uri="{FF2B5EF4-FFF2-40B4-BE49-F238E27FC236}">
+                <a16:creationId xmlns:a16="http://schemas.microsoft.com/office/drawing/2014/main" id="{C94F0BD2-9600-477E-9AC1-32547029E4AE}"/>
+              </a:ext>
+            </a:extLst>
+          </p:cNvPr>
+          <p:cNvSpPr/>
+          <p:nvPr/>
+        </p:nvSpPr>
+        <p:spPr>
+          <a:xfrm>
+            <a:off x="355197" y="640080"/>
+            <a:ext cx="5330612" cy="1316736"/>
+          </a:xfrm>
+          <a:prstGeom prst="rect">
+            <a:avLst/>
+          </a:prstGeom>
+          <a:solidFill>
+            <a:srgbClr val="023047"/>
+          </a:solidFill>
+          <a:ln>
+            <a:noFill/>
+          </a:ln>
+        </p:spPr>
+        <p:style>
+          <a:lnRef idx="2">
+            <a:schemeClr val="accent1">
+              <a:shade val="50000"/>
+            </a:schemeClr>
+          </a:lnRef>
+          <a:fillRef idx="1">
+            <a:schemeClr val="accent1"/>
+          </a:fillRef>
+          <a:effectRef idx="0">
+            <a:schemeClr val="accent1"/>
+          </a:effectRef>
+          <a:fontRef idx="minor">
+            <a:schemeClr val="lt1"/>
+          </a:fontRef>
+        </p:style>
+        <p:txBody>
+          <a:bodyPr rtlCol="0" anchor="ctr"/>
+          <a:lstStyle/>
+          <a:p>
+            <a:pPr algn="ctr"/>
+            <a:endParaRPr lang="en-GB"/>
+          </a:p>
+        </p:txBody>
+      </p:sp>
+      <p:sp>
+        <p:nvSpPr>
+          <p:cNvPr id="2" name="Title 1">
+            <a:extLst>
+              <a:ext uri="{FF2B5EF4-FFF2-40B4-BE49-F238E27FC236}">
+                <a16:creationId xmlns:a16="http://schemas.microsoft.com/office/drawing/2014/main" id="{F703FF40-49BD-4711-8571-801EBE0CF90B}"/>
+              </a:ext>
+            </a:extLst>
+          </p:cNvPr>
+          <p:cNvSpPr>
+            <a:spLocks noGrp="1"/>
+          </p:cNvSpPr>
+          <p:nvPr>
+            <p:ph type="title"/>
+          </p:nvPr>
+        </p:nvSpPr>
+        <p:spPr>
+          <a:xfrm>
+            <a:off x="589559" y="759236"/>
+            <a:ext cx="4777497" cy="1128068"/>
+          </a:xfrm>
+        </p:spPr>
+        <p:txBody>
+          <a:bodyPr vert="horz" lIns="91440" tIns="45720" rIns="91440" bIns="45720" rtlCol="0" anchor="ctr">
+            <a:normAutofit/>
+          </a:bodyPr>
+          <a:lstStyle/>
+          <a:p>
+            <a:r>
+              <a:rPr lang="en-US" sz="3400" dirty="0">
+                <a:solidFill>
+                  <a:srgbClr val="FFC000"/>
+                </a:solidFill>
+              </a:rPr>
+              <a:t>Interaction structure pt. I: </a:t>
+            </a:r>
+            <a:r>
+              <a:rPr lang="en-US" sz="2700" dirty="0">
+                <a:solidFill>
+                  <a:srgbClr val="FFC000"/>
+                </a:solidFill>
+              </a:rPr>
+              <a:t>what if they can’t be recognized?</a:t>
+            </a:r>
+            <a:endParaRPr lang="en-US" sz="3100" dirty="0">
+              <a:solidFill>
+                <a:srgbClr val="FFC000"/>
+              </a:solidFill>
+            </a:endParaRPr>
+          </a:p>
+        </p:txBody>
+      </p:sp>
+      <p:grpSp>
+        <p:nvGrpSpPr>
+          <p:cNvPr id="54" name="Group 44">
+            <a:extLst>
+              <a:ext uri="{FF2B5EF4-FFF2-40B4-BE49-F238E27FC236}">
+                <a16:creationId xmlns:a16="http://schemas.microsoft.com/office/drawing/2014/main" id="{1DE889C7-FAD6-4397-98E2-05D503484459}"/>
+              </a:ext>
+              <a:ext uri="{C183D7F6-B498-43B3-948B-1728B52AA6E4}">
+                <adec:decorative xmlns:adec="http://schemas.microsoft.com/office/drawing/2017/decorative" val="1"/>
+              </a:ext>
+            </a:extLst>
+          </p:cNvPr>
+          <p:cNvGrpSpPr>
+            <a:grpSpLocks noGrp="1" noUngrp="1" noRot="1" noChangeAspect="1" noMove="1" noResize="1"/>
+          </p:cNvGrpSpPr>
+          <p:nvPr>
+            <p:extLst>
+              <p:ext uri="{386F3935-93C4-4BCD-93E2-E3B085C9AB24}">
+                <p16:designElem xmlns:p16="http://schemas.microsoft.com/office/powerpoint/2015/main" val="1"/>
+              </p:ext>
+            </p:extLst>
+          </p:nvPr>
+        </p:nvGrpSpPr>
+        <p:grpSpPr>
+          <a:xfrm>
+            <a:off x="0" y="1083484"/>
+            <a:ext cx="355196" cy="673460"/>
+            <a:chOff x="0" y="823811"/>
+            <a:chExt cx="355196" cy="673460"/>
+          </a:xfrm>
+        </p:grpSpPr>
+        <p:sp>
+          <p:nvSpPr>
+            <p:cNvPr id="46" name="Rectangle 45">
+              <a:extLst>
+                <a:ext uri="{FF2B5EF4-FFF2-40B4-BE49-F238E27FC236}">
+                  <a16:creationId xmlns:a16="http://schemas.microsoft.com/office/drawing/2014/main" id="{F399A70F-F8CD-4992-9EF5-6CF15472E73F}"/>
+                </a:ext>
+                <a:ext uri="{C183D7F6-B498-43B3-948B-1728B52AA6E4}">
+                  <adec:decorative xmlns:adec="http://schemas.microsoft.com/office/drawing/2017/decorative" val="1"/>
+                </a:ext>
+              </a:extLst>
+            </p:cNvPr>
+            <p:cNvSpPr/>
+            <p:nvPr>
+              <p:extLst>
+                <p:ext uri="{386F3935-93C4-4BCD-93E2-E3B085C9AB24}">
+                  <p16:designElem xmlns:p16="http://schemas.microsoft.com/office/powerpoint/2015/main" val="1"/>
+                </p:ext>
+              </p:extLst>
+            </p:nvPr>
+          </p:nvSpPr>
+          <p:spPr>
+            <a:xfrm>
+              <a:off x="0" y="823811"/>
+              <a:ext cx="87363" cy="673460"/>
+            </a:xfrm>
+            <a:prstGeom prst="rect">
+              <a:avLst/>
+            </a:prstGeom>
+            <a:solidFill>
+              <a:schemeClr val="accent4"/>
+            </a:solidFill>
+            <a:ln>
+              <a:noFill/>
+            </a:ln>
+          </p:spPr>
+          <p:style>
+            <a:lnRef idx="2">
+              <a:schemeClr val="accent1">
+                <a:shade val="50000"/>
+              </a:schemeClr>
+            </a:lnRef>
+            <a:fillRef idx="1">
+              <a:schemeClr val="accent1"/>
+            </a:fillRef>
+            <a:effectRef idx="0">
+              <a:schemeClr val="accent1"/>
+            </a:effectRef>
+            <a:fontRef idx="minor">
+              <a:schemeClr val="lt1"/>
+            </a:fontRef>
+          </p:style>
+          <p:txBody>
+            <a:bodyPr rtlCol="0" anchor="ctr"/>
+            <a:lstStyle/>
+            <a:p>
+              <a:pPr algn="ctr"/>
+              <a:endParaRPr lang="en-US"/>
+            </a:p>
+          </p:txBody>
+        </p:sp>
+        <p:sp>
+          <p:nvSpPr>
+            <p:cNvPr id="55" name="Rectangle 46">
+              <a:extLst>
+                <a:ext uri="{FF2B5EF4-FFF2-40B4-BE49-F238E27FC236}">
+                  <a16:creationId xmlns:a16="http://schemas.microsoft.com/office/drawing/2014/main" id="{48F4FEDC-6D80-458C-A665-075D9B9500FD}"/>
+                </a:ext>
+                <a:ext uri="{C183D7F6-B498-43B3-948B-1728B52AA6E4}">
+                  <adec:decorative xmlns:adec="http://schemas.microsoft.com/office/drawing/2017/decorative" val="1"/>
+                </a:ext>
+              </a:extLst>
+            </p:cNvPr>
+            <p:cNvSpPr/>
+            <p:nvPr>
+              <p:extLst>
+                <p:ext uri="{386F3935-93C4-4BCD-93E2-E3B085C9AB24}">
+                  <p16:designElem xmlns:p16="http://schemas.microsoft.com/office/powerpoint/2015/main" val="1"/>
+                </p:ext>
+              </p:extLst>
+            </p:nvPr>
+          </p:nvSpPr>
+          <p:spPr>
+            <a:xfrm>
+              <a:off x="159341" y="823811"/>
+              <a:ext cx="195855" cy="673460"/>
+            </a:xfrm>
+            <a:prstGeom prst="rect">
+              <a:avLst/>
+            </a:prstGeom>
+            <a:solidFill>
+              <a:schemeClr val="accent4"/>
+            </a:solidFill>
+            <a:ln>
+              <a:noFill/>
+            </a:ln>
+          </p:spPr>
+          <p:style>
+            <a:lnRef idx="2">
+              <a:schemeClr val="accent1">
+                <a:shade val="50000"/>
+              </a:schemeClr>
+            </a:lnRef>
+            <a:fillRef idx="1">
+              <a:schemeClr val="accent1"/>
+            </a:fillRef>
+            <a:effectRef idx="0">
+              <a:schemeClr val="accent1"/>
+            </a:effectRef>
+            <a:fontRef idx="minor">
+              <a:schemeClr val="lt1"/>
+            </a:fontRef>
+          </p:style>
+          <p:txBody>
+            <a:bodyPr rtlCol="0" anchor="ctr"/>
+            <a:lstStyle/>
+            <a:p>
+              <a:pPr algn="ctr"/>
+              <a:endParaRPr lang="en-US"/>
+            </a:p>
+          </p:txBody>
+        </p:sp>
+      </p:grpSp>
+      <p:sp>
+        <p:nvSpPr>
+          <p:cNvPr id="56" name="Rectangle 48">
+            <a:extLst>
+              <a:ext uri="{FF2B5EF4-FFF2-40B4-BE49-F238E27FC236}">
+                <a16:creationId xmlns:a16="http://schemas.microsoft.com/office/drawing/2014/main" id="{3873B707-463F-40B0-8227-E8CC6C67EB25}"/>
+              </a:ext>
+              <a:ext uri="{C183D7F6-B498-43B3-948B-1728B52AA6E4}">
+                <adec:decorative xmlns:adec="http://schemas.microsoft.com/office/drawing/2017/decorative" val="1"/>
+              </a:ext>
+            </a:extLst>
+          </p:cNvPr>
+          <p:cNvSpPr>
+            <a:spLocks noGrp="1" noRot="1" noChangeAspect="1" noMove="1" noResize="1" noEditPoints="1" noAdjustHandles="1" noChangeArrowheads="1" noChangeShapeType="1" noTextEdit="1"/>
+          </p:cNvSpPr>
+          <p:nvPr>
+            <p:extLst>
+              <p:ext uri="{386F3935-93C4-4BCD-93E2-E3B085C9AB24}">
+                <p16:designElem xmlns:p16="http://schemas.microsoft.com/office/powerpoint/2015/main" val="1"/>
+              </p:ext>
+            </p:extLst>
+          </p:nvPr>
+        </p:nvSpPr>
+        <p:spPr>
+          <a:xfrm flipH="1">
+            <a:off x="665085" y="2090569"/>
+            <a:ext cx="4297680" cy="27432"/>
+          </a:xfrm>
+          <a:prstGeom prst="rect">
+            <a:avLst/>
+          </a:prstGeom>
+          <a:solidFill>
+            <a:schemeClr val="accent4"/>
+          </a:solidFill>
+          <a:ln>
+            <a:noFill/>
+          </a:ln>
+        </p:spPr>
+        <p:style>
+          <a:lnRef idx="2">
+            <a:schemeClr val="accent1">
+              <a:shade val="50000"/>
+            </a:schemeClr>
+          </a:lnRef>
+          <a:fillRef idx="1">
+            <a:schemeClr val="accent1"/>
+          </a:fillRef>
+          <a:effectRef idx="0">
+            <a:schemeClr val="accent1"/>
+          </a:effectRef>
+          <a:fontRef idx="minor">
+            <a:schemeClr val="lt1"/>
+          </a:fontRef>
+        </p:style>
+        <p:txBody>
+          <a:bodyPr rtlCol="0" anchor="ctr"/>
+          <a:lstStyle/>
+          <a:p>
+            <a:pPr algn="ctr"/>
+            <a:endParaRPr lang="en-US"/>
+          </a:p>
+        </p:txBody>
+      </p:sp>
+      <p:sp>
+        <p:nvSpPr>
+          <p:cNvPr id="8" name="Text Placeholder 7">
+            <a:extLst>
+              <a:ext uri="{FF2B5EF4-FFF2-40B4-BE49-F238E27FC236}">
+                <a16:creationId xmlns:a16="http://schemas.microsoft.com/office/drawing/2014/main" id="{958D5C89-C119-4811-886C-7F28128E6C98}"/>
+              </a:ext>
+            </a:extLst>
+          </p:cNvPr>
+          <p:cNvSpPr>
+            <a:spLocks noGrp="1"/>
+          </p:cNvSpPr>
+          <p:nvPr>
+            <p:ph type="body" sz="half" idx="2"/>
+          </p:nvPr>
+        </p:nvSpPr>
+        <p:spPr>
+          <a:xfrm>
+            <a:off x="590719" y="2330505"/>
+            <a:ext cx="4559425" cy="3979585"/>
+          </a:xfrm>
+        </p:spPr>
+        <p:txBody>
+          <a:bodyPr vert="horz" lIns="91440" tIns="45720" rIns="91440" bIns="45720" rtlCol="0" anchor="ctr">
+            <a:normAutofit/>
+          </a:bodyPr>
+          <a:lstStyle/>
+          <a:p>
+            <a:pPr indent="-228600">
+              <a:buFont typeface="Arial" panose="020B0604020202020204" pitchFamily="34" charset="0"/>
+              <a:buChar char="•"/>
+            </a:pPr>
+            <a:r>
+              <a:rPr lang="en-US" sz="1900" dirty="0">
+                <a:solidFill>
+                  <a:srgbClr val="023047"/>
+                </a:solidFill>
+              </a:rPr>
+              <a:t>As said: registering is straight-forward:</a:t>
+            </a:r>
+          </a:p>
+          <a:p>
+            <a:pPr marL="342900" indent="-228600">
+              <a:buFont typeface="Arial" panose="020B0604020202020204" pitchFamily="34" charset="0"/>
+              <a:buChar char="•"/>
+            </a:pPr>
+            <a:r>
+              <a:rPr lang="en-US" sz="1900" dirty="0">
+                <a:solidFill>
+                  <a:srgbClr val="023047"/>
+                </a:solidFill>
+              </a:rPr>
+              <a:t>Ask the name which the person wants to register with</a:t>
+            </a:r>
+          </a:p>
+          <a:p>
+            <a:pPr marL="800100" lvl="1" indent="-228600">
+              <a:buFont typeface="Arial" panose="020B0604020202020204" pitchFamily="34" charset="0"/>
+              <a:buChar char="•"/>
+            </a:pPr>
+            <a:r>
+              <a:rPr lang="en-US" sz="1900" dirty="0">
+                <a:solidFill>
+                  <a:srgbClr val="023047"/>
+                </a:solidFill>
+              </a:rPr>
+              <a:t>We ask again as they might want to register with a name different from their real one!</a:t>
+            </a:r>
+          </a:p>
+          <a:p>
+            <a:pPr marL="342900" indent="-228600">
+              <a:buFont typeface="Arial" panose="020B0604020202020204" pitchFamily="34" charset="0"/>
+              <a:buChar char="•"/>
+            </a:pPr>
+            <a:r>
+              <a:rPr lang="en-US" sz="1900" dirty="0">
+                <a:solidFill>
+                  <a:srgbClr val="023047"/>
+                </a:solidFill>
+              </a:rPr>
+              <a:t>Compute face encodings from the detection frame (the frame that started it all)</a:t>
+            </a:r>
+          </a:p>
+          <a:p>
+            <a:pPr marL="342900" indent="-228600">
+              <a:buFont typeface="Arial" panose="020B0604020202020204" pitchFamily="34" charset="0"/>
+              <a:buChar char="•"/>
+            </a:pPr>
+            <a:r>
+              <a:rPr lang="en-US" sz="1900" dirty="0">
+                <a:solidFill>
+                  <a:srgbClr val="023047"/>
+                </a:solidFill>
+              </a:rPr>
+              <a:t>Create a new instance of the Member class, commit it to memory, and inform the user they are now part of the Clan</a:t>
+            </a:r>
+          </a:p>
+        </p:txBody>
+      </p:sp>
+      <p:sp>
+        <p:nvSpPr>
+          <p:cNvPr id="51" name="Rectangle 50">
+            <a:extLst>
+              <a:ext uri="{FF2B5EF4-FFF2-40B4-BE49-F238E27FC236}">
+                <a16:creationId xmlns:a16="http://schemas.microsoft.com/office/drawing/2014/main" id="{C13237C8-E62C-4F0D-A318-BD6FB6C2D138}"/>
+              </a:ext>
+              <a:ext uri="{C183D7F6-B498-43B3-948B-1728B52AA6E4}">
+                <adec:decorative xmlns:adec="http://schemas.microsoft.com/office/drawing/2017/decorative" val="1"/>
+              </a:ext>
+            </a:extLst>
+          </p:cNvPr>
+          <p:cNvSpPr>
+            <a:spLocks noGrp="1" noRot="1" noChangeAspect="1" noMove="1" noResize="1" noEditPoints="1" noAdjustHandles="1" noChangeArrowheads="1" noChangeShapeType="1" noTextEdit="1"/>
+          </p:cNvSpPr>
+          <p:nvPr>
+            <p:extLst>
+              <p:ext uri="{386F3935-93C4-4BCD-93E2-E3B085C9AB24}">
+                <p16:designElem xmlns:p16="http://schemas.microsoft.com/office/powerpoint/2015/main" val="1"/>
+              </p:ext>
+            </p:extLst>
+          </p:nvPr>
+        </p:nvSpPr>
+        <p:spPr>
+          <a:xfrm flipH="1">
+            <a:off x="10697670" y="0"/>
+            <a:ext cx="1494330" cy="6858000"/>
+          </a:xfrm>
+          <a:prstGeom prst="rect">
+            <a:avLst/>
+          </a:prstGeom>
+          <a:solidFill>
+            <a:schemeClr val="accent4"/>
+          </a:solidFill>
+          <a:ln>
+            <a:noFill/>
+          </a:ln>
+        </p:spPr>
+        <p:style>
+          <a:lnRef idx="2">
+            <a:schemeClr val="accent1">
+              <a:shade val="50000"/>
+            </a:schemeClr>
+          </a:lnRef>
+          <a:fillRef idx="1">
+            <a:schemeClr val="accent1"/>
+          </a:fillRef>
+          <a:effectRef idx="0">
+            <a:schemeClr val="accent1"/>
+          </a:effectRef>
+          <a:fontRef idx="minor">
+            <a:schemeClr val="lt1"/>
+          </a:fontRef>
+        </p:style>
+        <p:txBody>
+          <a:bodyPr rtlCol="0" anchor="ctr"/>
+          <a:lstStyle/>
+          <a:p>
+            <a:pPr algn="ctr"/>
+            <a:endParaRPr lang="en-US"/>
+          </a:p>
+        </p:txBody>
+      </p:sp>
+      <p:sp>
+        <p:nvSpPr>
+          <p:cNvPr id="53" name="Rectangle 52">
+            <a:extLst>
+              <a:ext uri="{FF2B5EF4-FFF2-40B4-BE49-F238E27FC236}">
+                <a16:creationId xmlns:a16="http://schemas.microsoft.com/office/drawing/2014/main" id="{19C9EAEA-39D0-4B0E-A0EB-51E7B26740B1}"/>
+              </a:ext>
+              <a:ext uri="{C183D7F6-B498-43B3-948B-1728B52AA6E4}">
+                <adec:decorative xmlns:adec="http://schemas.microsoft.com/office/drawing/2017/decorative" val="1"/>
+              </a:ext>
+            </a:extLst>
+          </p:cNvPr>
+          <p:cNvSpPr>
+            <a:spLocks noGrp="1" noRot="1" noChangeAspect="1" noMove="1" noResize="1" noEditPoints="1" noAdjustHandles="1" noChangeArrowheads="1" noChangeShapeType="1" noTextEdit="1"/>
+          </p:cNvSpPr>
+          <p:nvPr>
+            <p:extLst>
+              <p:ext uri="{386F3935-93C4-4BCD-93E2-E3B085C9AB24}">
+                <p16:designElem xmlns:p16="http://schemas.microsoft.com/office/powerpoint/2015/main" val="1"/>
+              </p:ext>
+            </p:extLst>
+          </p:nvPr>
+        </p:nvSpPr>
+        <p:spPr>
+          <a:xfrm>
+            <a:off x="5685810" y="513853"/>
+            <a:ext cx="6009366" cy="5834577"/>
+          </a:xfrm>
+          <a:prstGeom prst="rect">
+            <a:avLst/>
+          </a:prstGeom>
+          <a:solidFill>
+            <a:schemeClr val="bg1"/>
+          </a:solidFill>
+          <a:ln>
+            <a:noFill/>
+          </a:ln>
+          <a:effectLst>
+            <a:outerShdw blurRad="139700" dist="127000" dir="5400000" algn="t" rotWithShape="0">
+              <a:prstClr val="black">
+                <a:alpha val="15000"/>
+              </a:prstClr>
+            </a:outerShdw>
+          </a:effectLst>
+        </p:spPr>
+        <p:style>
+          <a:lnRef idx="2">
+            <a:schemeClr val="accent1">
+              <a:shade val="50000"/>
+            </a:schemeClr>
+          </a:lnRef>
+          <a:fillRef idx="1">
+            <a:schemeClr val="accent1"/>
+          </a:fillRef>
+          <a:effectRef idx="0">
+            <a:schemeClr val="accent1"/>
+          </a:effectRef>
+          <a:fontRef idx="minor">
+            <a:schemeClr val="lt1"/>
+          </a:fontRef>
+        </p:style>
+        <p:txBody>
+          <a:bodyPr rtlCol="0" anchor="ctr"/>
+          <a:lstStyle/>
+          <a:p>
+            <a:pPr algn="ctr"/>
+            <a:endParaRPr lang="en-US"/>
+          </a:p>
+        </p:txBody>
+      </p:sp>
+      <p:pic>
+        <p:nvPicPr>
           <p:cNvPr id="18" name="Picture Placeholder 17">
             <a:extLst>
               <a:ext uri="{FF2B5EF4-FFF2-40B4-BE49-F238E27FC236}">
@@ -8844,8 +10032,8 @@
         </p:blipFill>
         <p:spPr>
           <a:xfrm>
-            <a:off x="5977788" y="799352"/>
-            <a:ext cx="5425410" cy="5259296"/>
+            <a:off x="5423653" y="264644"/>
+            <a:ext cx="6271523" cy="6079503"/>
           </a:xfrm>
           <a:prstGeom prst="rect">
             <a:avLst/>

--- a/Multimodal personalized multiuser Home Assistant.pptx
+++ b/Multimodal personalized multiuser Home Assistant.pptx
@@ -9,12 +9,15 @@
     <p:sldId id="257" r:id="rId3"/>
     <p:sldId id="265" r:id="rId4"/>
     <p:sldId id="258" r:id="rId5"/>
-    <p:sldId id="259" r:id="rId6"/>
-    <p:sldId id="260" r:id="rId7"/>
-    <p:sldId id="266" r:id="rId8"/>
-    <p:sldId id="267" r:id="rId9"/>
-    <p:sldId id="264" r:id="rId10"/>
-    <p:sldId id="262" r:id="rId11"/>
+    <p:sldId id="268" r:id="rId6"/>
+    <p:sldId id="269" r:id="rId7"/>
+    <p:sldId id="271" r:id="rId8"/>
+    <p:sldId id="260" r:id="rId9"/>
+    <p:sldId id="266" r:id="rId10"/>
+    <p:sldId id="267" r:id="rId11"/>
+    <p:sldId id="264" r:id="rId12"/>
+    <p:sldId id="262" r:id="rId13"/>
+    <p:sldId id="272" r:id="rId14"/>
   </p:sldIdLst>
   <p:sldSz cx="12192000" cy="6858000"/>
   <p:notesSz cx="6858000" cy="9144000"/>
@@ -4303,6 +4306,1296 @@
       </p:grpSpPr>
       <p:sp useBgFill="1">
         <p:nvSpPr>
+          <p:cNvPr id="16" name="Rectangle 7">
+            <a:extLst>
+              <a:ext uri="{FF2B5EF4-FFF2-40B4-BE49-F238E27FC236}">
+                <a16:creationId xmlns:a16="http://schemas.microsoft.com/office/drawing/2014/main" id="{B6CDA21F-E7AF-4C75-8395-33F58D5B0E45}"/>
+              </a:ext>
+              <a:ext uri="{C183D7F6-B498-43B3-948B-1728B52AA6E4}">
+                <adec:decorative xmlns:adec="http://schemas.microsoft.com/office/drawing/2017/decorative" val="1"/>
+              </a:ext>
+            </a:extLst>
+          </p:cNvPr>
+          <p:cNvSpPr>
+            <a:spLocks noGrp="1" noRot="1" noChangeAspect="1" noMove="1" noResize="1" noEditPoints="1" noAdjustHandles="1" noChangeArrowheads="1" noChangeShapeType="1" noTextEdit="1"/>
+          </p:cNvSpPr>
+          <p:nvPr>
+            <p:extLst>
+              <p:ext uri="{386F3935-93C4-4BCD-93E2-E3B085C9AB24}">
+                <p16:designElem xmlns:p16="http://schemas.microsoft.com/office/powerpoint/2015/main" val="1"/>
+              </p:ext>
+            </p:extLst>
+          </p:nvPr>
+        </p:nvSpPr>
+        <p:spPr>
+          <a:xfrm>
+            <a:off x="0" y="0"/>
+            <a:ext cx="12191999" cy="6857365"/>
+          </a:xfrm>
+          <a:prstGeom prst="rect">
+            <a:avLst/>
+          </a:prstGeom>
+          <a:ln>
+            <a:noFill/>
+          </a:ln>
+        </p:spPr>
+        <p:style>
+          <a:lnRef idx="2">
+            <a:schemeClr val="accent1">
+              <a:shade val="50000"/>
+            </a:schemeClr>
+          </a:lnRef>
+          <a:fillRef idx="1">
+            <a:schemeClr val="accent1"/>
+          </a:fillRef>
+          <a:effectRef idx="0">
+            <a:schemeClr val="accent1"/>
+          </a:effectRef>
+          <a:fontRef idx="minor">
+            <a:schemeClr val="lt1"/>
+          </a:fontRef>
+        </p:style>
+        <p:txBody>
+          <a:bodyPr rtlCol="0" anchor="ctr"/>
+          <a:lstStyle/>
+          <a:p>
+            <a:pPr algn="ctr"/>
+            <a:endParaRPr lang="en-US"/>
+          </a:p>
+        </p:txBody>
+      </p:sp>
+      <p:grpSp>
+        <p:nvGrpSpPr>
+          <p:cNvPr id="18" name="Group 9">
+            <a:extLst>
+              <a:ext uri="{FF2B5EF4-FFF2-40B4-BE49-F238E27FC236}">
+                <a16:creationId xmlns:a16="http://schemas.microsoft.com/office/drawing/2014/main" id="{AE1C45F0-260A-458C-96ED-C1F6D2151219}"/>
+              </a:ext>
+              <a:ext uri="{C183D7F6-B498-43B3-948B-1728B52AA6E4}">
+                <adec:decorative xmlns:adec="http://schemas.microsoft.com/office/drawing/2017/decorative" val="1"/>
+              </a:ext>
+            </a:extLst>
+          </p:cNvPr>
+          <p:cNvGrpSpPr>
+            <a:grpSpLocks noGrp="1" noUngrp="1" noRot="1" noChangeAspect="1" noMove="1" noResize="1"/>
+          </p:cNvGrpSpPr>
+          <p:nvPr>
+            <p:extLst>
+              <p:ext uri="{386F3935-93C4-4BCD-93E2-E3B085C9AB24}">
+                <p16:designElem xmlns:p16="http://schemas.microsoft.com/office/powerpoint/2015/main" val="1"/>
+              </p:ext>
+            </p:extLst>
+          </p:nvPr>
+        </p:nvGrpSpPr>
+        <p:grpSpPr>
+          <a:xfrm>
+            <a:off x="4" y="1216597"/>
+            <a:ext cx="731521" cy="673460"/>
+            <a:chOff x="3940602" y="308034"/>
+            <a:chExt cx="2116791" cy="3428999"/>
+          </a:xfrm>
+          <a:solidFill>
+            <a:schemeClr val="accent4"/>
+          </a:solidFill>
+        </p:grpSpPr>
+        <p:sp>
+          <p:nvSpPr>
+            <p:cNvPr id="11" name="Rectangle 10">
+              <a:extLst>
+                <a:ext uri="{FF2B5EF4-FFF2-40B4-BE49-F238E27FC236}">
+                  <a16:creationId xmlns:a16="http://schemas.microsoft.com/office/drawing/2014/main" id="{A6604B49-AD5C-4590-B051-06C8222ECD99}"/>
+                </a:ext>
+                <a:ext uri="{C183D7F6-B498-43B3-948B-1728B52AA6E4}">
+                  <adec:decorative xmlns:adec="http://schemas.microsoft.com/office/drawing/2017/decorative" val="1"/>
+                </a:ext>
+              </a:extLst>
+            </p:cNvPr>
+            <p:cNvSpPr/>
+            <p:nvPr>
+              <p:extLst>
+                <p:ext uri="{386F3935-93C4-4BCD-93E2-E3B085C9AB24}">
+                  <p16:designElem xmlns:p16="http://schemas.microsoft.com/office/powerpoint/2015/main" val="1"/>
+                </p:ext>
+              </p:extLst>
+            </p:nvPr>
+          </p:nvSpPr>
+          <p:spPr>
+            <a:xfrm>
+              <a:off x="3940602" y="308034"/>
+              <a:ext cx="566743" cy="3428999"/>
+            </a:xfrm>
+            <a:prstGeom prst="rect">
+              <a:avLst/>
+            </a:prstGeom>
+            <a:grpFill/>
+            <a:ln>
+              <a:noFill/>
+            </a:ln>
+          </p:spPr>
+          <p:style>
+            <a:lnRef idx="2">
+              <a:schemeClr val="accent1">
+                <a:shade val="50000"/>
+              </a:schemeClr>
+            </a:lnRef>
+            <a:fillRef idx="1">
+              <a:schemeClr val="accent1"/>
+            </a:fillRef>
+            <a:effectRef idx="0">
+              <a:schemeClr val="accent1"/>
+            </a:effectRef>
+            <a:fontRef idx="minor">
+              <a:schemeClr val="lt1"/>
+            </a:fontRef>
+          </p:style>
+          <p:txBody>
+            <a:bodyPr rtlCol="0" anchor="ctr"/>
+            <a:lstStyle/>
+            <a:p>
+              <a:pPr algn="ctr"/>
+              <a:endParaRPr lang="en-US"/>
+            </a:p>
+          </p:txBody>
+        </p:sp>
+        <p:sp>
+          <p:nvSpPr>
+            <p:cNvPr id="19" name="Rectangle 11">
+              <a:extLst>
+                <a:ext uri="{FF2B5EF4-FFF2-40B4-BE49-F238E27FC236}">
+                  <a16:creationId xmlns:a16="http://schemas.microsoft.com/office/drawing/2014/main" id="{743ECCAF-29C5-4537-947C-7EA1292463DB}"/>
+                </a:ext>
+                <a:ext uri="{C183D7F6-B498-43B3-948B-1728B52AA6E4}">
+                  <adec:decorative xmlns:adec="http://schemas.microsoft.com/office/drawing/2017/decorative" val="1"/>
+                </a:ext>
+              </a:extLst>
+            </p:cNvPr>
+            <p:cNvSpPr/>
+            <p:nvPr>
+              <p:extLst>
+                <p:ext uri="{386F3935-93C4-4BCD-93E2-E3B085C9AB24}">
+                  <p16:designElem xmlns:p16="http://schemas.microsoft.com/office/powerpoint/2015/main" val="1"/>
+                </p:ext>
+              </p:extLst>
+            </p:nvPr>
+          </p:nvSpPr>
+          <p:spPr>
+            <a:xfrm>
+              <a:off x="4715626" y="308034"/>
+              <a:ext cx="566743" cy="3428999"/>
+            </a:xfrm>
+            <a:prstGeom prst="rect">
+              <a:avLst/>
+            </a:prstGeom>
+            <a:grpFill/>
+            <a:ln>
+              <a:noFill/>
+            </a:ln>
+          </p:spPr>
+          <p:style>
+            <a:lnRef idx="2">
+              <a:schemeClr val="accent1">
+                <a:shade val="50000"/>
+              </a:schemeClr>
+            </a:lnRef>
+            <a:fillRef idx="1">
+              <a:schemeClr val="accent1"/>
+            </a:fillRef>
+            <a:effectRef idx="0">
+              <a:schemeClr val="accent1"/>
+            </a:effectRef>
+            <a:fontRef idx="minor">
+              <a:schemeClr val="lt1"/>
+            </a:fontRef>
+          </p:style>
+          <p:txBody>
+            <a:bodyPr rtlCol="0" anchor="ctr"/>
+            <a:lstStyle/>
+            <a:p>
+              <a:pPr algn="ctr"/>
+              <a:endParaRPr lang="en-US"/>
+            </a:p>
+          </p:txBody>
+        </p:sp>
+        <p:sp>
+          <p:nvSpPr>
+            <p:cNvPr id="13" name="Rectangle 12">
+              <a:extLst>
+                <a:ext uri="{FF2B5EF4-FFF2-40B4-BE49-F238E27FC236}">
+                  <a16:creationId xmlns:a16="http://schemas.microsoft.com/office/drawing/2014/main" id="{ED49787B-8DE6-4467-AD0A-8DECC6E0C2D6}"/>
+                </a:ext>
+                <a:ext uri="{C183D7F6-B498-43B3-948B-1728B52AA6E4}">
+                  <adec:decorative xmlns:adec="http://schemas.microsoft.com/office/drawing/2017/decorative" val="1"/>
+                </a:ext>
+              </a:extLst>
+            </p:cNvPr>
+            <p:cNvSpPr/>
+            <p:nvPr>
+              <p:extLst>
+                <p:ext uri="{386F3935-93C4-4BCD-93E2-E3B085C9AB24}">
+                  <p16:designElem xmlns:p16="http://schemas.microsoft.com/office/powerpoint/2015/main" val="1"/>
+                </p:ext>
+              </p:extLst>
+            </p:nvPr>
+          </p:nvSpPr>
+          <p:spPr>
+            <a:xfrm>
+              <a:off x="5490650" y="308034"/>
+              <a:ext cx="566743" cy="3428999"/>
+            </a:xfrm>
+            <a:prstGeom prst="rect">
+              <a:avLst/>
+            </a:prstGeom>
+            <a:grpFill/>
+            <a:ln>
+              <a:noFill/>
+            </a:ln>
+          </p:spPr>
+          <p:style>
+            <a:lnRef idx="2">
+              <a:schemeClr val="accent1">
+                <a:shade val="50000"/>
+              </a:schemeClr>
+            </a:lnRef>
+            <a:fillRef idx="1">
+              <a:schemeClr val="accent1"/>
+            </a:fillRef>
+            <a:effectRef idx="0">
+              <a:schemeClr val="accent1"/>
+            </a:effectRef>
+            <a:fontRef idx="minor">
+              <a:schemeClr val="lt1"/>
+            </a:fontRef>
+          </p:style>
+          <p:txBody>
+            <a:bodyPr rtlCol="0" anchor="ctr"/>
+            <a:lstStyle/>
+            <a:p>
+              <a:pPr algn="ctr"/>
+              <a:endParaRPr lang="en-US"/>
+            </a:p>
+          </p:txBody>
+        </p:sp>
+      </p:grpSp>
+      <p:sp>
+        <p:nvSpPr>
+          <p:cNvPr id="15" name="Rectangle 14">
+            <a:extLst>
+              <a:ext uri="{FF2B5EF4-FFF2-40B4-BE49-F238E27FC236}">
+                <a16:creationId xmlns:a16="http://schemas.microsoft.com/office/drawing/2014/main" id="{D5B0017B-2ECA-49AF-B397-DC140825DF8D}"/>
+              </a:ext>
+              <a:ext uri="{C183D7F6-B498-43B3-948B-1728B52AA6E4}">
+                <adec:decorative xmlns:adec="http://schemas.microsoft.com/office/drawing/2017/decorative" val="1"/>
+              </a:ext>
+            </a:extLst>
+          </p:cNvPr>
+          <p:cNvSpPr>
+            <a:spLocks noGrp="1" noRot="1" noChangeAspect="1" noMove="1" noResize="1" noEditPoints="1" noAdjustHandles="1" noChangeArrowheads="1" noChangeShapeType="1" noTextEdit="1"/>
+          </p:cNvSpPr>
+          <p:nvPr>
+            <p:extLst>
+              <p:ext uri="{386F3935-93C4-4BCD-93E2-E3B085C9AB24}">
+                <p16:designElem xmlns:p16="http://schemas.microsoft.com/office/powerpoint/2015/main" val="1"/>
+              </p:ext>
+            </p:extLst>
+          </p:nvPr>
+        </p:nvSpPr>
+        <p:spPr>
+          <a:xfrm>
+            <a:off x="640079" y="613954"/>
+            <a:ext cx="10907487" cy="1894116"/>
+          </a:xfrm>
+          <a:prstGeom prst="rect">
+            <a:avLst/>
+          </a:prstGeom>
+          <a:solidFill>
+            <a:schemeClr val="bg1"/>
+          </a:solidFill>
+          <a:ln>
+            <a:noFill/>
+          </a:ln>
+          <a:effectLst>
+            <a:outerShdw blurRad="139700" dist="127000" dir="5400000" algn="t" rotWithShape="0">
+              <a:prstClr val="black">
+                <a:alpha val="15000"/>
+              </a:prstClr>
+            </a:outerShdw>
+          </a:effectLst>
+        </p:spPr>
+        <p:style>
+          <a:lnRef idx="2">
+            <a:schemeClr val="accent1">
+              <a:shade val="50000"/>
+            </a:schemeClr>
+          </a:lnRef>
+          <a:fillRef idx="1">
+            <a:schemeClr val="accent1"/>
+          </a:fillRef>
+          <a:effectRef idx="0">
+            <a:schemeClr val="accent1"/>
+          </a:effectRef>
+          <a:fontRef idx="minor">
+            <a:schemeClr val="lt1"/>
+          </a:fontRef>
+        </p:style>
+        <p:txBody>
+          <a:bodyPr rtlCol="0" anchor="ctr"/>
+          <a:lstStyle/>
+          <a:p>
+            <a:pPr algn="ctr"/>
+            <a:endParaRPr lang="en-US"/>
+          </a:p>
+        </p:txBody>
+      </p:sp>
+      <p:sp>
+        <p:nvSpPr>
+          <p:cNvPr id="12" name="Rectangle 11">
+            <a:extLst>
+              <a:ext uri="{FF2B5EF4-FFF2-40B4-BE49-F238E27FC236}">
+                <a16:creationId xmlns:a16="http://schemas.microsoft.com/office/drawing/2014/main" id="{5E1D5788-2731-474B-8F80-00A5C97CF4B6}"/>
+              </a:ext>
+            </a:extLst>
+          </p:cNvPr>
+          <p:cNvSpPr/>
+          <p:nvPr/>
+        </p:nvSpPr>
+        <p:spPr>
+          <a:xfrm>
+            <a:off x="633597" y="640080"/>
+            <a:ext cx="10907487" cy="1894116"/>
+          </a:xfrm>
+          <a:prstGeom prst="rect">
+            <a:avLst/>
+          </a:prstGeom>
+          <a:solidFill>
+            <a:srgbClr val="023047"/>
+          </a:solidFill>
+          <a:ln>
+            <a:noFill/>
+          </a:ln>
+        </p:spPr>
+        <p:style>
+          <a:lnRef idx="2">
+            <a:schemeClr val="accent1">
+              <a:shade val="50000"/>
+            </a:schemeClr>
+          </a:lnRef>
+          <a:fillRef idx="1">
+            <a:schemeClr val="accent1"/>
+          </a:fillRef>
+          <a:effectRef idx="0">
+            <a:schemeClr val="accent1"/>
+          </a:effectRef>
+          <a:fontRef idx="minor">
+            <a:schemeClr val="lt1"/>
+          </a:fontRef>
+        </p:style>
+        <p:txBody>
+          <a:bodyPr rtlCol="0" anchor="ctr"/>
+          <a:lstStyle/>
+          <a:p>
+            <a:pPr algn="ctr"/>
+            <a:endParaRPr lang="en-GB"/>
+          </a:p>
+        </p:txBody>
+      </p:sp>
+      <p:sp>
+        <p:nvSpPr>
+          <p:cNvPr id="2" name="Title 1">
+            <a:extLst>
+              <a:ext uri="{FF2B5EF4-FFF2-40B4-BE49-F238E27FC236}">
+                <a16:creationId xmlns:a16="http://schemas.microsoft.com/office/drawing/2014/main" id="{A48C8F4F-F52C-4236-8286-9234A489AE8D}"/>
+              </a:ext>
+            </a:extLst>
+          </p:cNvPr>
+          <p:cNvSpPr>
+            <a:spLocks noGrp="1"/>
+          </p:cNvSpPr>
+          <p:nvPr>
+            <p:ph type="title"/>
+          </p:nvPr>
+        </p:nvSpPr>
+        <p:spPr>
+          <a:xfrm>
+            <a:off x="1043631" y="809898"/>
+            <a:ext cx="9942716" cy="1554480"/>
+          </a:xfrm>
+        </p:spPr>
+        <p:txBody>
+          <a:bodyPr anchor="ctr">
+            <a:normAutofit/>
+          </a:bodyPr>
+          <a:lstStyle/>
+          <a:p>
+            <a:r>
+              <a:rPr lang="en-US" sz="4800" dirty="0">
+                <a:solidFill>
+                  <a:srgbClr val="FFC000"/>
+                </a:solidFill>
+              </a:rPr>
+              <a:t>Interaction structure pt. I:</a:t>
+            </a:r>
+            <a:br>
+              <a:rPr lang="en-US" sz="4800" dirty="0">
+                <a:solidFill>
+                  <a:srgbClr val="FFC000"/>
+                </a:solidFill>
+              </a:rPr>
+            </a:br>
+            <a:r>
+              <a:rPr lang="en-US" sz="4000" dirty="0">
+                <a:solidFill>
+                  <a:srgbClr val="FFC000"/>
+                </a:solidFill>
+              </a:rPr>
+              <a:t>what if they can’t be recognized?</a:t>
+            </a:r>
+            <a:endParaRPr lang="en-US" dirty="0">
+              <a:solidFill>
+                <a:srgbClr val="FFC000"/>
+              </a:solidFill>
+            </a:endParaRPr>
+          </a:p>
+        </p:txBody>
+      </p:sp>
+      <p:sp>
+        <p:nvSpPr>
+          <p:cNvPr id="3" name="Content Placeholder 2">
+            <a:extLst>
+              <a:ext uri="{FF2B5EF4-FFF2-40B4-BE49-F238E27FC236}">
+                <a16:creationId xmlns:a16="http://schemas.microsoft.com/office/drawing/2014/main" id="{F0C29356-FBF8-4F7E-938D-AA38EA0CD781}"/>
+              </a:ext>
+            </a:extLst>
+          </p:cNvPr>
+          <p:cNvSpPr>
+            <a:spLocks noGrp="1"/>
+          </p:cNvSpPr>
+          <p:nvPr>
+            <p:ph idx="1"/>
+          </p:nvPr>
+        </p:nvSpPr>
+        <p:spPr>
+          <a:xfrm>
+            <a:off x="1045028" y="3017522"/>
+            <a:ext cx="9941319" cy="3124658"/>
+          </a:xfrm>
+        </p:spPr>
+        <p:txBody>
+          <a:bodyPr anchor="ctr">
+            <a:normAutofit/>
+          </a:bodyPr>
+          <a:lstStyle/>
+          <a:p>
+            <a:r>
+              <a:rPr lang="en-US" sz="2000" dirty="0">
+                <a:solidFill>
+                  <a:srgbClr val="023047"/>
+                </a:solidFill>
+                <a:latin typeface="Arial" panose="020B0604020202020204" pitchFamily="34" charset="0"/>
+                <a:cs typeface="Arial" panose="020B0604020202020204" pitchFamily="34" charset="0"/>
+              </a:rPr>
+              <a:t>Recognition will always fail (both visual and audio identification) if the person is not registered to the system in the first place</a:t>
+            </a:r>
+          </a:p>
+          <a:p>
+            <a:r>
+              <a:rPr lang="en-US" sz="2000" dirty="0">
+                <a:solidFill>
+                  <a:srgbClr val="023047"/>
+                </a:solidFill>
+                <a:latin typeface="Arial" panose="020B0604020202020204" pitchFamily="34" charset="0"/>
+                <a:cs typeface="Arial" panose="020B0604020202020204" pitchFamily="34" charset="0"/>
+              </a:rPr>
+              <a:t>Solution: ask and offer the possibility for a person to register to the system</a:t>
+            </a:r>
+          </a:p>
+          <a:p>
+            <a:r>
+              <a:rPr lang="en-US" sz="2000" dirty="0">
+                <a:solidFill>
+                  <a:srgbClr val="023047"/>
+                </a:solidFill>
+                <a:latin typeface="Arial" panose="020B0604020202020204" pitchFamily="34" charset="0"/>
+                <a:cs typeface="Arial" panose="020B0604020202020204" pitchFamily="34" charset="0"/>
+              </a:rPr>
+              <a:t>Registration is made simple, only asking for a name, as the image has already been encoded beforehand</a:t>
+            </a:r>
+          </a:p>
+        </p:txBody>
+      </p:sp>
+      <p:cxnSp>
+        <p:nvCxnSpPr>
+          <p:cNvPr id="17" name="Straight Connector 16">
+            <a:extLst>
+              <a:ext uri="{FF2B5EF4-FFF2-40B4-BE49-F238E27FC236}">
+                <a16:creationId xmlns:a16="http://schemas.microsoft.com/office/drawing/2014/main" id="{6CF1BAF6-AD41-4082-B212-8A1F9A2E8779}"/>
+              </a:ext>
+              <a:ext uri="{C183D7F6-B498-43B3-948B-1728B52AA6E4}">
+                <adec:decorative xmlns:adec="http://schemas.microsoft.com/office/drawing/2017/decorative" val="1"/>
+              </a:ext>
+            </a:extLst>
+          </p:cNvPr>
+          <p:cNvCxnSpPr>
+            <a:cxnSpLocks noGrp="1" noRot="1" noChangeAspect="1" noMove="1" noResize="1" noEditPoints="1" noAdjustHandles="1" noChangeArrowheads="1" noChangeShapeType="1"/>
+          </p:cNvCxnSpPr>
+          <p:nvPr>
+            <p:extLst>
+              <p:ext uri="{386F3935-93C4-4BCD-93E2-E3B085C9AB24}">
+                <p16:designElem xmlns:p16="http://schemas.microsoft.com/office/powerpoint/2015/main" val="1"/>
+              </p:ext>
+            </p:extLst>
+          </p:nvPr>
+        </p:nvCxnSpPr>
+        <p:spPr>
+          <a:xfrm flipH="1">
+            <a:off x="838200" y="6485313"/>
+            <a:ext cx="10515600" cy="0"/>
+          </a:xfrm>
+          <a:prstGeom prst="line">
+            <a:avLst/>
+          </a:prstGeom>
+          <a:ln w="57150">
+            <a:solidFill>
+              <a:schemeClr val="accent4"/>
+            </a:solidFill>
+          </a:ln>
+        </p:spPr>
+        <p:style>
+          <a:lnRef idx="1">
+            <a:schemeClr val="accent1"/>
+          </a:lnRef>
+          <a:fillRef idx="0">
+            <a:schemeClr val="accent1"/>
+          </a:fillRef>
+          <a:effectRef idx="0">
+            <a:schemeClr val="accent1"/>
+          </a:effectRef>
+          <a:fontRef idx="minor">
+            <a:schemeClr val="tx1"/>
+          </a:fontRef>
+        </p:style>
+      </p:cxnSp>
+    </p:spTree>
+    <p:extLst>
+      <p:ext uri="{BB962C8B-B14F-4D97-AF65-F5344CB8AC3E}">
+        <p14:creationId xmlns:p14="http://schemas.microsoft.com/office/powerpoint/2010/main" val="2963686248"/>
+      </p:ext>
+    </p:extLst>
+  </p:cSld>
+  <p:clrMapOvr>
+    <a:masterClrMapping/>
+  </p:clrMapOvr>
+</p:sld>
+</file>
+
+<file path=ppt/slides/slide11.xml><?xml version="1.0" encoding="utf-8"?>
+<p:sld xmlns:a="http://schemas.openxmlformats.org/drawingml/2006/main" xmlns:r="http://schemas.openxmlformats.org/officeDocument/2006/relationships" xmlns:p="http://schemas.openxmlformats.org/presentationml/2006/main">
+  <p:cSld>
+    <p:bg>
+      <p:bgPr>
+        <a:solidFill>
+          <a:schemeClr val="bg1"/>
+        </a:solidFill>
+        <a:effectLst/>
+      </p:bgPr>
+    </p:bg>
+    <p:spTree>
+      <p:nvGrpSpPr>
+        <p:cNvPr id="1" name=""/>
+        <p:cNvGrpSpPr/>
+        <p:nvPr/>
+      </p:nvGrpSpPr>
+      <p:grpSpPr>
+        <a:xfrm>
+          <a:off x="0" y="0"/>
+          <a:ext cx="0" cy="0"/>
+          <a:chOff x="0" y="0"/>
+          <a:chExt cx="0" cy="0"/>
+        </a:xfrm>
+      </p:grpSpPr>
+      <p:sp useBgFill="1">
+        <p:nvSpPr>
+          <p:cNvPr id="52" name="Rectangle 42">
+            <a:extLst>
+              <a:ext uri="{FF2B5EF4-FFF2-40B4-BE49-F238E27FC236}">
+                <a16:creationId xmlns:a16="http://schemas.microsoft.com/office/drawing/2014/main" id="{201CC55D-ED54-4C5C-95E6-10947BD1103B}"/>
+              </a:ext>
+              <a:ext uri="{C183D7F6-B498-43B3-948B-1728B52AA6E4}">
+                <adec:decorative xmlns:adec="http://schemas.microsoft.com/office/drawing/2017/decorative" val="1"/>
+              </a:ext>
+            </a:extLst>
+          </p:cNvPr>
+          <p:cNvSpPr>
+            <a:spLocks noGrp="1" noRot="1" noChangeAspect="1" noMove="1" noResize="1" noEditPoints="1" noAdjustHandles="1" noChangeArrowheads="1" noChangeShapeType="1" noTextEdit="1"/>
+          </p:cNvSpPr>
+          <p:nvPr>
+            <p:extLst>
+              <p:ext uri="{386F3935-93C4-4BCD-93E2-E3B085C9AB24}">
+                <p16:designElem xmlns:p16="http://schemas.microsoft.com/office/powerpoint/2015/main" val="1"/>
+              </p:ext>
+            </p:extLst>
+          </p:nvPr>
+        </p:nvSpPr>
+        <p:spPr>
+          <a:xfrm>
+            <a:off x="0" y="0"/>
+            <a:ext cx="12191999" cy="6857365"/>
+          </a:xfrm>
+          <a:prstGeom prst="rect">
+            <a:avLst/>
+          </a:prstGeom>
+          <a:ln>
+            <a:noFill/>
+          </a:ln>
+        </p:spPr>
+        <p:style>
+          <a:lnRef idx="2">
+            <a:schemeClr val="accent1">
+              <a:shade val="50000"/>
+            </a:schemeClr>
+          </a:lnRef>
+          <a:fillRef idx="1">
+            <a:schemeClr val="accent1"/>
+          </a:fillRef>
+          <a:effectRef idx="0">
+            <a:schemeClr val="accent1"/>
+          </a:effectRef>
+          <a:fontRef idx="minor">
+            <a:schemeClr val="lt1"/>
+          </a:fontRef>
+        </p:style>
+        <p:txBody>
+          <a:bodyPr rtlCol="0" anchor="ctr"/>
+          <a:lstStyle/>
+          <a:p>
+            <a:pPr algn="ctr"/>
+            <a:endParaRPr lang="en-US"/>
+          </a:p>
+        </p:txBody>
+      </p:sp>
+      <p:sp>
+        <p:nvSpPr>
+          <p:cNvPr id="12" name="Rectangle 11">
+            <a:extLst>
+              <a:ext uri="{FF2B5EF4-FFF2-40B4-BE49-F238E27FC236}">
+                <a16:creationId xmlns:a16="http://schemas.microsoft.com/office/drawing/2014/main" id="{C94F0BD2-9600-477E-9AC1-32547029E4AE}"/>
+              </a:ext>
+            </a:extLst>
+          </p:cNvPr>
+          <p:cNvSpPr/>
+          <p:nvPr/>
+        </p:nvSpPr>
+        <p:spPr>
+          <a:xfrm>
+            <a:off x="355197" y="640080"/>
+            <a:ext cx="5330612" cy="1316736"/>
+          </a:xfrm>
+          <a:prstGeom prst="rect">
+            <a:avLst/>
+          </a:prstGeom>
+          <a:solidFill>
+            <a:srgbClr val="023047"/>
+          </a:solidFill>
+          <a:ln>
+            <a:noFill/>
+          </a:ln>
+        </p:spPr>
+        <p:style>
+          <a:lnRef idx="2">
+            <a:schemeClr val="accent1">
+              <a:shade val="50000"/>
+            </a:schemeClr>
+          </a:lnRef>
+          <a:fillRef idx="1">
+            <a:schemeClr val="accent1"/>
+          </a:fillRef>
+          <a:effectRef idx="0">
+            <a:schemeClr val="accent1"/>
+          </a:effectRef>
+          <a:fontRef idx="minor">
+            <a:schemeClr val="lt1"/>
+          </a:fontRef>
+        </p:style>
+        <p:txBody>
+          <a:bodyPr rtlCol="0" anchor="ctr"/>
+          <a:lstStyle/>
+          <a:p>
+            <a:pPr algn="ctr"/>
+            <a:endParaRPr lang="en-GB"/>
+          </a:p>
+        </p:txBody>
+      </p:sp>
+      <p:sp>
+        <p:nvSpPr>
+          <p:cNvPr id="2" name="Title 1">
+            <a:extLst>
+              <a:ext uri="{FF2B5EF4-FFF2-40B4-BE49-F238E27FC236}">
+                <a16:creationId xmlns:a16="http://schemas.microsoft.com/office/drawing/2014/main" id="{F703FF40-49BD-4711-8571-801EBE0CF90B}"/>
+              </a:ext>
+            </a:extLst>
+          </p:cNvPr>
+          <p:cNvSpPr>
+            <a:spLocks noGrp="1"/>
+          </p:cNvSpPr>
+          <p:nvPr>
+            <p:ph type="title"/>
+          </p:nvPr>
+        </p:nvSpPr>
+        <p:spPr>
+          <a:xfrm>
+            <a:off x="589559" y="759236"/>
+            <a:ext cx="4777497" cy="1128068"/>
+          </a:xfrm>
+        </p:spPr>
+        <p:txBody>
+          <a:bodyPr vert="horz" lIns="91440" tIns="45720" rIns="91440" bIns="45720" rtlCol="0" anchor="ctr">
+            <a:normAutofit/>
+          </a:bodyPr>
+          <a:lstStyle/>
+          <a:p>
+            <a:r>
+              <a:rPr lang="en-US" sz="3400" dirty="0">
+                <a:solidFill>
+                  <a:srgbClr val="FFC000"/>
+                </a:solidFill>
+              </a:rPr>
+              <a:t>Interaction structure pt. I: </a:t>
+            </a:r>
+            <a:r>
+              <a:rPr lang="en-US" sz="2700" dirty="0">
+                <a:solidFill>
+                  <a:srgbClr val="FFC000"/>
+                </a:solidFill>
+              </a:rPr>
+              <a:t>what if they can’t be recognized?</a:t>
+            </a:r>
+            <a:endParaRPr lang="en-US" sz="3100" dirty="0">
+              <a:solidFill>
+                <a:srgbClr val="FFC000"/>
+              </a:solidFill>
+            </a:endParaRPr>
+          </a:p>
+        </p:txBody>
+      </p:sp>
+      <p:grpSp>
+        <p:nvGrpSpPr>
+          <p:cNvPr id="54" name="Group 44">
+            <a:extLst>
+              <a:ext uri="{FF2B5EF4-FFF2-40B4-BE49-F238E27FC236}">
+                <a16:creationId xmlns:a16="http://schemas.microsoft.com/office/drawing/2014/main" id="{1DE889C7-FAD6-4397-98E2-05D503484459}"/>
+              </a:ext>
+              <a:ext uri="{C183D7F6-B498-43B3-948B-1728B52AA6E4}">
+                <adec:decorative xmlns:adec="http://schemas.microsoft.com/office/drawing/2017/decorative" val="1"/>
+              </a:ext>
+            </a:extLst>
+          </p:cNvPr>
+          <p:cNvGrpSpPr>
+            <a:grpSpLocks noGrp="1" noUngrp="1" noRot="1" noChangeAspect="1" noMove="1" noResize="1"/>
+          </p:cNvGrpSpPr>
+          <p:nvPr>
+            <p:extLst>
+              <p:ext uri="{386F3935-93C4-4BCD-93E2-E3B085C9AB24}">
+                <p16:designElem xmlns:p16="http://schemas.microsoft.com/office/powerpoint/2015/main" val="1"/>
+              </p:ext>
+            </p:extLst>
+          </p:nvPr>
+        </p:nvGrpSpPr>
+        <p:grpSpPr>
+          <a:xfrm>
+            <a:off x="0" y="1083484"/>
+            <a:ext cx="355196" cy="673460"/>
+            <a:chOff x="0" y="823811"/>
+            <a:chExt cx="355196" cy="673460"/>
+          </a:xfrm>
+        </p:grpSpPr>
+        <p:sp>
+          <p:nvSpPr>
+            <p:cNvPr id="46" name="Rectangle 45">
+              <a:extLst>
+                <a:ext uri="{FF2B5EF4-FFF2-40B4-BE49-F238E27FC236}">
+                  <a16:creationId xmlns:a16="http://schemas.microsoft.com/office/drawing/2014/main" id="{F399A70F-F8CD-4992-9EF5-6CF15472E73F}"/>
+                </a:ext>
+                <a:ext uri="{C183D7F6-B498-43B3-948B-1728B52AA6E4}">
+                  <adec:decorative xmlns:adec="http://schemas.microsoft.com/office/drawing/2017/decorative" val="1"/>
+                </a:ext>
+              </a:extLst>
+            </p:cNvPr>
+            <p:cNvSpPr/>
+            <p:nvPr>
+              <p:extLst>
+                <p:ext uri="{386F3935-93C4-4BCD-93E2-E3B085C9AB24}">
+                  <p16:designElem xmlns:p16="http://schemas.microsoft.com/office/powerpoint/2015/main" val="1"/>
+                </p:ext>
+              </p:extLst>
+            </p:nvPr>
+          </p:nvSpPr>
+          <p:spPr>
+            <a:xfrm>
+              <a:off x="0" y="823811"/>
+              <a:ext cx="87363" cy="673460"/>
+            </a:xfrm>
+            <a:prstGeom prst="rect">
+              <a:avLst/>
+            </a:prstGeom>
+            <a:solidFill>
+              <a:schemeClr val="accent4"/>
+            </a:solidFill>
+            <a:ln>
+              <a:noFill/>
+            </a:ln>
+          </p:spPr>
+          <p:style>
+            <a:lnRef idx="2">
+              <a:schemeClr val="accent1">
+                <a:shade val="50000"/>
+              </a:schemeClr>
+            </a:lnRef>
+            <a:fillRef idx="1">
+              <a:schemeClr val="accent1"/>
+            </a:fillRef>
+            <a:effectRef idx="0">
+              <a:schemeClr val="accent1"/>
+            </a:effectRef>
+            <a:fontRef idx="minor">
+              <a:schemeClr val="lt1"/>
+            </a:fontRef>
+          </p:style>
+          <p:txBody>
+            <a:bodyPr rtlCol="0" anchor="ctr"/>
+            <a:lstStyle/>
+            <a:p>
+              <a:pPr algn="ctr"/>
+              <a:endParaRPr lang="en-US"/>
+            </a:p>
+          </p:txBody>
+        </p:sp>
+        <p:sp>
+          <p:nvSpPr>
+            <p:cNvPr id="55" name="Rectangle 46">
+              <a:extLst>
+                <a:ext uri="{FF2B5EF4-FFF2-40B4-BE49-F238E27FC236}">
+                  <a16:creationId xmlns:a16="http://schemas.microsoft.com/office/drawing/2014/main" id="{48F4FEDC-6D80-458C-A665-075D9B9500FD}"/>
+                </a:ext>
+                <a:ext uri="{C183D7F6-B498-43B3-948B-1728B52AA6E4}">
+                  <adec:decorative xmlns:adec="http://schemas.microsoft.com/office/drawing/2017/decorative" val="1"/>
+                </a:ext>
+              </a:extLst>
+            </p:cNvPr>
+            <p:cNvSpPr/>
+            <p:nvPr>
+              <p:extLst>
+                <p:ext uri="{386F3935-93C4-4BCD-93E2-E3B085C9AB24}">
+                  <p16:designElem xmlns:p16="http://schemas.microsoft.com/office/powerpoint/2015/main" val="1"/>
+                </p:ext>
+              </p:extLst>
+            </p:nvPr>
+          </p:nvSpPr>
+          <p:spPr>
+            <a:xfrm>
+              <a:off x="159341" y="823811"/>
+              <a:ext cx="195855" cy="673460"/>
+            </a:xfrm>
+            <a:prstGeom prst="rect">
+              <a:avLst/>
+            </a:prstGeom>
+            <a:solidFill>
+              <a:schemeClr val="accent4"/>
+            </a:solidFill>
+            <a:ln>
+              <a:noFill/>
+            </a:ln>
+          </p:spPr>
+          <p:style>
+            <a:lnRef idx="2">
+              <a:schemeClr val="accent1">
+                <a:shade val="50000"/>
+              </a:schemeClr>
+            </a:lnRef>
+            <a:fillRef idx="1">
+              <a:schemeClr val="accent1"/>
+            </a:fillRef>
+            <a:effectRef idx="0">
+              <a:schemeClr val="accent1"/>
+            </a:effectRef>
+            <a:fontRef idx="minor">
+              <a:schemeClr val="lt1"/>
+            </a:fontRef>
+          </p:style>
+          <p:txBody>
+            <a:bodyPr rtlCol="0" anchor="ctr"/>
+            <a:lstStyle/>
+            <a:p>
+              <a:pPr algn="ctr"/>
+              <a:endParaRPr lang="en-US"/>
+            </a:p>
+          </p:txBody>
+        </p:sp>
+      </p:grpSp>
+      <p:sp>
+        <p:nvSpPr>
+          <p:cNvPr id="56" name="Rectangle 48">
+            <a:extLst>
+              <a:ext uri="{FF2B5EF4-FFF2-40B4-BE49-F238E27FC236}">
+                <a16:creationId xmlns:a16="http://schemas.microsoft.com/office/drawing/2014/main" id="{3873B707-463F-40B0-8227-E8CC6C67EB25}"/>
+              </a:ext>
+              <a:ext uri="{C183D7F6-B498-43B3-948B-1728B52AA6E4}">
+                <adec:decorative xmlns:adec="http://schemas.microsoft.com/office/drawing/2017/decorative" val="1"/>
+              </a:ext>
+            </a:extLst>
+          </p:cNvPr>
+          <p:cNvSpPr>
+            <a:spLocks noGrp="1" noRot="1" noChangeAspect="1" noMove="1" noResize="1" noEditPoints="1" noAdjustHandles="1" noChangeArrowheads="1" noChangeShapeType="1" noTextEdit="1"/>
+          </p:cNvSpPr>
+          <p:nvPr>
+            <p:extLst>
+              <p:ext uri="{386F3935-93C4-4BCD-93E2-E3B085C9AB24}">
+                <p16:designElem xmlns:p16="http://schemas.microsoft.com/office/powerpoint/2015/main" val="1"/>
+              </p:ext>
+            </p:extLst>
+          </p:nvPr>
+        </p:nvSpPr>
+        <p:spPr>
+          <a:xfrm flipH="1">
+            <a:off x="665085" y="2090569"/>
+            <a:ext cx="4297680" cy="27432"/>
+          </a:xfrm>
+          <a:prstGeom prst="rect">
+            <a:avLst/>
+          </a:prstGeom>
+          <a:solidFill>
+            <a:schemeClr val="accent4"/>
+          </a:solidFill>
+          <a:ln>
+            <a:noFill/>
+          </a:ln>
+        </p:spPr>
+        <p:style>
+          <a:lnRef idx="2">
+            <a:schemeClr val="accent1">
+              <a:shade val="50000"/>
+            </a:schemeClr>
+          </a:lnRef>
+          <a:fillRef idx="1">
+            <a:schemeClr val="accent1"/>
+          </a:fillRef>
+          <a:effectRef idx="0">
+            <a:schemeClr val="accent1"/>
+          </a:effectRef>
+          <a:fontRef idx="minor">
+            <a:schemeClr val="lt1"/>
+          </a:fontRef>
+        </p:style>
+        <p:txBody>
+          <a:bodyPr rtlCol="0" anchor="ctr"/>
+          <a:lstStyle/>
+          <a:p>
+            <a:pPr algn="ctr"/>
+            <a:endParaRPr lang="en-US"/>
+          </a:p>
+        </p:txBody>
+      </p:sp>
+      <p:sp>
+        <p:nvSpPr>
+          <p:cNvPr id="8" name="Text Placeholder 7">
+            <a:extLst>
+              <a:ext uri="{FF2B5EF4-FFF2-40B4-BE49-F238E27FC236}">
+                <a16:creationId xmlns:a16="http://schemas.microsoft.com/office/drawing/2014/main" id="{958D5C89-C119-4811-886C-7F28128E6C98}"/>
+              </a:ext>
+            </a:extLst>
+          </p:cNvPr>
+          <p:cNvSpPr>
+            <a:spLocks noGrp="1"/>
+          </p:cNvSpPr>
+          <p:nvPr>
+            <p:ph type="body" sz="half" idx="2"/>
+          </p:nvPr>
+        </p:nvSpPr>
+        <p:spPr>
+          <a:xfrm>
+            <a:off x="590719" y="2330505"/>
+            <a:ext cx="4559425" cy="3979585"/>
+          </a:xfrm>
+        </p:spPr>
+        <p:txBody>
+          <a:bodyPr vert="horz" lIns="91440" tIns="45720" rIns="91440" bIns="45720" rtlCol="0" anchor="ctr">
+            <a:normAutofit/>
+          </a:bodyPr>
+          <a:lstStyle/>
+          <a:p>
+            <a:pPr indent="-228600">
+              <a:buFont typeface="Arial" panose="020B0604020202020204" pitchFamily="34" charset="0"/>
+              <a:buChar char="•"/>
+            </a:pPr>
+            <a:r>
+              <a:rPr lang="en-US" sz="1900" dirty="0">
+                <a:solidFill>
+                  <a:srgbClr val="023047"/>
+                </a:solidFill>
+              </a:rPr>
+              <a:t>As said: registering is straight-forward:</a:t>
+            </a:r>
+          </a:p>
+          <a:p>
+            <a:pPr marL="342900" indent="-228600">
+              <a:buFont typeface="Arial" panose="020B0604020202020204" pitchFamily="34" charset="0"/>
+              <a:buChar char="•"/>
+            </a:pPr>
+            <a:r>
+              <a:rPr lang="en-US" sz="1900" dirty="0">
+                <a:solidFill>
+                  <a:srgbClr val="023047"/>
+                </a:solidFill>
+              </a:rPr>
+              <a:t>Ask the name which the person wants to register with</a:t>
+            </a:r>
+          </a:p>
+          <a:p>
+            <a:pPr marL="800100" lvl="1" indent="-228600">
+              <a:buFont typeface="Arial" panose="020B0604020202020204" pitchFamily="34" charset="0"/>
+              <a:buChar char="•"/>
+            </a:pPr>
+            <a:r>
+              <a:rPr lang="en-US" sz="1900" dirty="0">
+                <a:solidFill>
+                  <a:srgbClr val="023047"/>
+                </a:solidFill>
+              </a:rPr>
+              <a:t>We ask again as they might want to register with a name different from their real one!</a:t>
+            </a:r>
+          </a:p>
+          <a:p>
+            <a:pPr marL="342900" indent="-228600">
+              <a:buFont typeface="Arial" panose="020B0604020202020204" pitchFamily="34" charset="0"/>
+              <a:buChar char="•"/>
+            </a:pPr>
+            <a:r>
+              <a:rPr lang="en-US" sz="1900" dirty="0">
+                <a:solidFill>
+                  <a:srgbClr val="023047"/>
+                </a:solidFill>
+              </a:rPr>
+              <a:t>Compute face encodings from the detection frame (the frame that started it all)</a:t>
+            </a:r>
+          </a:p>
+          <a:p>
+            <a:pPr marL="342900" indent="-228600">
+              <a:buFont typeface="Arial" panose="020B0604020202020204" pitchFamily="34" charset="0"/>
+              <a:buChar char="•"/>
+            </a:pPr>
+            <a:r>
+              <a:rPr lang="en-US" sz="1900" dirty="0">
+                <a:solidFill>
+                  <a:srgbClr val="023047"/>
+                </a:solidFill>
+              </a:rPr>
+              <a:t>Create a new instance of the Member class, commit it to memory, and inform the user they are now part of the Clan</a:t>
+            </a:r>
+          </a:p>
+        </p:txBody>
+      </p:sp>
+      <p:sp>
+        <p:nvSpPr>
+          <p:cNvPr id="51" name="Rectangle 50">
+            <a:extLst>
+              <a:ext uri="{FF2B5EF4-FFF2-40B4-BE49-F238E27FC236}">
+                <a16:creationId xmlns:a16="http://schemas.microsoft.com/office/drawing/2014/main" id="{C13237C8-E62C-4F0D-A318-BD6FB6C2D138}"/>
+              </a:ext>
+              <a:ext uri="{C183D7F6-B498-43B3-948B-1728B52AA6E4}">
+                <adec:decorative xmlns:adec="http://schemas.microsoft.com/office/drawing/2017/decorative" val="1"/>
+              </a:ext>
+            </a:extLst>
+          </p:cNvPr>
+          <p:cNvSpPr>
+            <a:spLocks noGrp="1" noRot="1" noChangeAspect="1" noMove="1" noResize="1" noEditPoints="1" noAdjustHandles="1" noChangeArrowheads="1" noChangeShapeType="1" noTextEdit="1"/>
+          </p:cNvSpPr>
+          <p:nvPr>
+            <p:extLst>
+              <p:ext uri="{386F3935-93C4-4BCD-93E2-E3B085C9AB24}">
+                <p16:designElem xmlns:p16="http://schemas.microsoft.com/office/powerpoint/2015/main" val="1"/>
+              </p:ext>
+            </p:extLst>
+          </p:nvPr>
+        </p:nvSpPr>
+        <p:spPr>
+          <a:xfrm flipH="1">
+            <a:off x="10697670" y="0"/>
+            <a:ext cx="1494330" cy="6858000"/>
+          </a:xfrm>
+          <a:prstGeom prst="rect">
+            <a:avLst/>
+          </a:prstGeom>
+          <a:solidFill>
+            <a:schemeClr val="accent4"/>
+          </a:solidFill>
+          <a:ln>
+            <a:noFill/>
+          </a:ln>
+        </p:spPr>
+        <p:style>
+          <a:lnRef idx="2">
+            <a:schemeClr val="accent1">
+              <a:shade val="50000"/>
+            </a:schemeClr>
+          </a:lnRef>
+          <a:fillRef idx="1">
+            <a:schemeClr val="accent1"/>
+          </a:fillRef>
+          <a:effectRef idx="0">
+            <a:schemeClr val="accent1"/>
+          </a:effectRef>
+          <a:fontRef idx="minor">
+            <a:schemeClr val="lt1"/>
+          </a:fontRef>
+        </p:style>
+        <p:txBody>
+          <a:bodyPr rtlCol="0" anchor="ctr"/>
+          <a:lstStyle/>
+          <a:p>
+            <a:pPr algn="ctr"/>
+            <a:endParaRPr lang="en-US"/>
+          </a:p>
+        </p:txBody>
+      </p:sp>
+      <p:sp>
+        <p:nvSpPr>
+          <p:cNvPr id="53" name="Rectangle 52">
+            <a:extLst>
+              <a:ext uri="{FF2B5EF4-FFF2-40B4-BE49-F238E27FC236}">
+                <a16:creationId xmlns:a16="http://schemas.microsoft.com/office/drawing/2014/main" id="{19C9EAEA-39D0-4B0E-A0EB-51E7B26740B1}"/>
+              </a:ext>
+              <a:ext uri="{C183D7F6-B498-43B3-948B-1728B52AA6E4}">
+                <adec:decorative xmlns:adec="http://schemas.microsoft.com/office/drawing/2017/decorative" val="1"/>
+              </a:ext>
+            </a:extLst>
+          </p:cNvPr>
+          <p:cNvSpPr>
+            <a:spLocks noGrp="1" noRot="1" noChangeAspect="1" noMove="1" noResize="1" noEditPoints="1" noAdjustHandles="1" noChangeArrowheads="1" noChangeShapeType="1" noTextEdit="1"/>
+          </p:cNvSpPr>
+          <p:nvPr>
+            <p:extLst>
+              <p:ext uri="{386F3935-93C4-4BCD-93E2-E3B085C9AB24}">
+                <p16:designElem xmlns:p16="http://schemas.microsoft.com/office/powerpoint/2015/main" val="1"/>
+              </p:ext>
+            </p:extLst>
+          </p:nvPr>
+        </p:nvSpPr>
+        <p:spPr>
+          <a:xfrm>
+            <a:off x="5685810" y="513853"/>
+            <a:ext cx="6009366" cy="5834577"/>
+          </a:xfrm>
+          <a:prstGeom prst="rect">
+            <a:avLst/>
+          </a:prstGeom>
+          <a:solidFill>
+            <a:schemeClr val="bg1"/>
+          </a:solidFill>
+          <a:ln>
+            <a:noFill/>
+          </a:ln>
+          <a:effectLst>
+            <a:outerShdw blurRad="139700" dist="127000" dir="5400000" algn="t" rotWithShape="0">
+              <a:prstClr val="black">
+                <a:alpha val="15000"/>
+              </a:prstClr>
+            </a:outerShdw>
+          </a:effectLst>
+        </p:spPr>
+        <p:style>
+          <a:lnRef idx="2">
+            <a:schemeClr val="accent1">
+              <a:shade val="50000"/>
+            </a:schemeClr>
+          </a:lnRef>
+          <a:fillRef idx="1">
+            <a:schemeClr val="accent1"/>
+          </a:fillRef>
+          <a:effectRef idx="0">
+            <a:schemeClr val="accent1"/>
+          </a:effectRef>
+          <a:fontRef idx="minor">
+            <a:schemeClr val="lt1"/>
+          </a:fontRef>
+        </p:style>
+        <p:txBody>
+          <a:bodyPr rtlCol="0" anchor="ctr"/>
+          <a:lstStyle/>
+          <a:p>
+            <a:pPr algn="ctr"/>
+            <a:endParaRPr lang="en-US"/>
+          </a:p>
+        </p:txBody>
+      </p:sp>
+      <p:pic>
+        <p:nvPicPr>
+          <p:cNvPr id="18" name="Picture Placeholder 17">
+            <a:extLst>
+              <a:ext uri="{FF2B5EF4-FFF2-40B4-BE49-F238E27FC236}">
+                <a16:creationId xmlns:a16="http://schemas.microsoft.com/office/drawing/2014/main" id="{DEBE0645-1D8B-4918-95E4-08F903FD7BC1}"/>
+              </a:ext>
+            </a:extLst>
+          </p:cNvPr>
+          <p:cNvPicPr>
+            <a:picLocks noGrp="1" noChangeAspect="1"/>
+          </p:cNvPicPr>
+          <p:nvPr>
+            <p:ph type="pic" idx="1"/>
+          </p:nvPr>
+        </p:nvPicPr>
+        <p:blipFill rotWithShape="1">
+          <a:blip r:embed="rId2"/>
+          <a:srcRect t="-155609" b="-155609"/>
+          <a:stretch/>
+        </p:blipFill>
+        <p:spPr>
+          <a:xfrm>
+            <a:off x="5423653" y="264644"/>
+            <a:ext cx="6271523" cy="6079503"/>
+          </a:xfrm>
+          <a:prstGeom prst="rect">
+            <a:avLst/>
+          </a:prstGeom>
+        </p:spPr>
+      </p:pic>
+    </p:spTree>
+    <p:extLst>
+      <p:ext uri="{BB962C8B-B14F-4D97-AF65-F5344CB8AC3E}">
+        <p14:creationId xmlns:p14="http://schemas.microsoft.com/office/powerpoint/2010/main" val="2782484819"/>
+      </p:ext>
+    </p:extLst>
+  </p:cSld>
+  <p:clrMapOvr>
+    <a:masterClrMapping/>
+  </p:clrMapOvr>
+</p:sld>
+</file>
+
+<file path=ppt/slides/slide12.xml><?xml version="1.0" encoding="utf-8"?>
+<p:sld xmlns:a="http://schemas.openxmlformats.org/drawingml/2006/main" xmlns:r="http://schemas.openxmlformats.org/officeDocument/2006/relationships" xmlns:p="http://schemas.openxmlformats.org/presentationml/2006/main">
+  <p:cSld>
+    <p:bg>
+      <p:bgPr>
+        <a:solidFill>
+          <a:schemeClr val="bg1"/>
+        </a:solidFill>
+        <a:effectLst/>
+      </p:bgPr>
+    </p:bg>
+    <p:spTree>
+      <p:nvGrpSpPr>
+        <p:cNvPr id="1" name=""/>
+        <p:cNvGrpSpPr/>
+        <p:nvPr/>
+      </p:nvGrpSpPr>
+      <p:grpSpPr>
+        <a:xfrm>
+          <a:off x="0" y="0"/>
+          <a:ext cx="0" cy="0"/>
+          <a:chOff x="0" y="0"/>
+          <a:chExt cx="0" cy="0"/>
+        </a:xfrm>
+      </p:grpSpPr>
+      <p:sp useBgFill="1">
+        <p:nvSpPr>
           <p:cNvPr id="8" name="Rectangle 7">
             <a:extLst>
               <a:ext uri="{FF2B5EF4-FFF2-40B4-BE49-F238E27FC236}">
@@ -4872,6 +6165,568 @@
 </p:sld>
 </file>
 
+<file path=ppt/slides/slide13.xml><?xml version="1.0" encoding="utf-8"?>
+<p:sld xmlns:a="http://schemas.openxmlformats.org/drawingml/2006/main" xmlns:r="http://schemas.openxmlformats.org/officeDocument/2006/relationships" xmlns:p="http://schemas.openxmlformats.org/presentationml/2006/main">
+  <p:cSld>
+    <p:bg>
+      <p:bgPr>
+        <a:solidFill>
+          <a:srgbClr val="023047"/>
+        </a:solidFill>
+        <a:effectLst/>
+      </p:bgPr>
+    </p:bg>
+    <p:spTree>
+      <p:nvGrpSpPr>
+        <p:cNvPr id="1" name=""/>
+        <p:cNvGrpSpPr/>
+        <p:nvPr/>
+      </p:nvGrpSpPr>
+      <p:grpSpPr>
+        <a:xfrm>
+          <a:off x="0" y="0"/>
+          <a:ext cx="0" cy="0"/>
+          <a:chOff x="0" y="0"/>
+          <a:chExt cx="0" cy="0"/>
+        </a:xfrm>
+      </p:grpSpPr>
+      <p:sp useBgFill="1">
+        <p:nvSpPr>
+          <p:cNvPr id="19" name="Rectangle 18">
+            <a:extLst>
+              <a:ext uri="{FF2B5EF4-FFF2-40B4-BE49-F238E27FC236}">
+                <a16:creationId xmlns:a16="http://schemas.microsoft.com/office/drawing/2014/main" id="{B6CDA21F-E7AF-4C75-8395-33F58D5B0E45}"/>
+              </a:ext>
+              <a:ext uri="{C183D7F6-B498-43B3-948B-1728B52AA6E4}">
+                <adec:decorative xmlns:adec="http://schemas.microsoft.com/office/drawing/2017/decorative" val="1"/>
+              </a:ext>
+            </a:extLst>
+          </p:cNvPr>
+          <p:cNvSpPr>
+            <a:spLocks noGrp="1" noRot="1" noChangeAspect="1" noMove="1" noResize="1" noEditPoints="1" noAdjustHandles="1" noChangeArrowheads="1" noChangeShapeType="1" noTextEdit="1"/>
+          </p:cNvSpPr>
+          <p:nvPr>
+            <p:extLst>
+              <p:ext uri="{386F3935-93C4-4BCD-93E2-E3B085C9AB24}">
+                <p16:designElem xmlns:p16="http://schemas.microsoft.com/office/powerpoint/2015/main" val="1"/>
+              </p:ext>
+            </p:extLst>
+          </p:nvPr>
+        </p:nvSpPr>
+        <p:spPr>
+          <a:xfrm>
+            <a:off x="0" y="0"/>
+            <a:ext cx="12191999" cy="6857365"/>
+          </a:xfrm>
+          <a:prstGeom prst="rect">
+            <a:avLst/>
+          </a:prstGeom>
+          <a:ln>
+            <a:noFill/>
+          </a:ln>
+        </p:spPr>
+        <p:style>
+          <a:lnRef idx="2">
+            <a:schemeClr val="accent1">
+              <a:shade val="50000"/>
+            </a:schemeClr>
+          </a:lnRef>
+          <a:fillRef idx="1">
+            <a:schemeClr val="accent1"/>
+          </a:fillRef>
+          <a:effectRef idx="0">
+            <a:schemeClr val="accent1"/>
+          </a:effectRef>
+          <a:fontRef idx="minor">
+            <a:schemeClr val="lt1"/>
+          </a:fontRef>
+        </p:style>
+        <p:txBody>
+          <a:bodyPr rtlCol="0" anchor="ctr"/>
+          <a:lstStyle/>
+          <a:p>
+            <a:pPr algn="ctr"/>
+            <a:endParaRPr lang="en-US"/>
+          </a:p>
+        </p:txBody>
+      </p:sp>
+      <p:grpSp>
+        <p:nvGrpSpPr>
+          <p:cNvPr id="21" name="Group 20">
+            <a:extLst>
+              <a:ext uri="{FF2B5EF4-FFF2-40B4-BE49-F238E27FC236}">
+                <a16:creationId xmlns:a16="http://schemas.microsoft.com/office/drawing/2014/main" id="{AE1C45F0-260A-458C-96ED-C1F6D2151219}"/>
+              </a:ext>
+              <a:ext uri="{C183D7F6-B498-43B3-948B-1728B52AA6E4}">
+                <adec:decorative xmlns:adec="http://schemas.microsoft.com/office/drawing/2017/decorative" val="1"/>
+              </a:ext>
+            </a:extLst>
+          </p:cNvPr>
+          <p:cNvGrpSpPr>
+            <a:grpSpLocks noGrp="1" noUngrp="1" noRot="1" noChangeAspect="1" noMove="1" noResize="1"/>
+          </p:cNvGrpSpPr>
+          <p:nvPr>
+            <p:extLst>
+              <p:ext uri="{386F3935-93C4-4BCD-93E2-E3B085C9AB24}">
+                <p16:designElem xmlns:p16="http://schemas.microsoft.com/office/powerpoint/2015/main" val="1"/>
+              </p:ext>
+            </p:extLst>
+          </p:nvPr>
+        </p:nvGrpSpPr>
+        <p:grpSpPr>
+          <a:xfrm>
+            <a:off x="4" y="1216597"/>
+            <a:ext cx="731521" cy="673460"/>
+            <a:chOff x="3940602" y="308034"/>
+            <a:chExt cx="2116791" cy="3428999"/>
+          </a:xfrm>
+          <a:solidFill>
+            <a:schemeClr val="accent4"/>
+          </a:solidFill>
+        </p:grpSpPr>
+        <p:sp>
+          <p:nvSpPr>
+            <p:cNvPr id="22" name="Rectangle 21">
+              <a:extLst>
+                <a:ext uri="{FF2B5EF4-FFF2-40B4-BE49-F238E27FC236}">
+                  <a16:creationId xmlns:a16="http://schemas.microsoft.com/office/drawing/2014/main" id="{A6604B49-AD5C-4590-B051-06C8222ECD99}"/>
+                </a:ext>
+                <a:ext uri="{C183D7F6-B498-43B3-948B-1728B52AA6E4}">
+                  <adec:decorative xmlns:adec="http://schemas.microsoft.com/office/drawing/2017/decorative" val="1"/>
+                </a:ext>
+              </a:extLst>
+            </p:cNvPr>
+            <p:cNvSpPr/>
+            <p:nvPr>
+              <p:extLst>
+                <p:ext uri="{386F3935-93C4-4BCD-93E2-E3B085C9AB24}">
+                  <p16:designElem xmlns:p16="http://schemas.microsoft.com/office/powerpoint/2015/main" val="1"/>
+                </p:ext>
+              </p:extLst>
+            </p:nvPr>
+          </p:nvSpPr>
+          <p:spPr>
+            <a:xfrm>
+              <a:off x="3940602" y="308034"/>
+              <a:ext cx="566743" cy="3428999"/>
+            </a:xfrm>
+            <a:prstGeom prst="rect">
+              <a:avLst/>
+            </a:prstGeom>
+            <a:grpFill/>
+            <a:ln>
+              <a:noFill/>
+            </a:ln>
+          </p:spPr>
+          <p:style>
+            <a:lnRef idx="2">
+              <a:schemeClr val="accent1">
+                <a:shade val="50000"/>
+              </a:schemeClr>
+            </a:lnRef>
+            <a:fillRef idx="1">
+              <a:schemeClr val="accent1"/>
+            </a:fillRef>
+            <a:effectRef idx="0">
+              <a:schemeClr val="accent1"/>
+            </a:effectRef>
+            <a:fontRef idx="minor">
+              <a:schemeClr val="lt1"/>
+            </a:fontRef>
+          </p:style>
+          <p:txBody>
+            <a:bodyPr rtlCol="0" anchor="ctr"/>
+            <a:lstStyle/>
+            <a:p>
+              <a:pPr algn="ctr"/>
+              <a:endParaRPr lang="en-US"/>
+            </a:p>
+          </p:txBody>
+        </p:sp>
+        <p:sp>
+          <p:nvSpPr>
+            <p:cNvPr id="23" name="Rectangle 22">
+              <a:extLst>
+                <a:ext uri="{FF2B5EF4-FFF2-40B4-BE49-F238E27FC236}">
+                  <a16:creationId xmlns:a16="http://schemas.microsoft.com/office/drawing/2014/main" id="{743ECCAF-29C5-4537-947C-7EA1292463DB}"/>
+                </a:ext>
+                <a:ext uri="{C183D7F6-B498-43B3-948B-1728B52AA6E4}">
+                  <adec:decorative xmlns:adec="http://schemas.microsoft.com/office/drawing/2017/decorative" val="1"/>
+                </a:ext>
+              </a:extLst>
+            </p:cNvPr>
+            <p:cNvSpPr/>
+            <p:nvPr>
+              <p:extLst>
+                <p:ext uri="{386F3935-93C4-4BCD-93E2-E3B085C9AB24}">
+                  <p16:designElem xmlns:p16="http://schemas.microsoft.com/office/powerpoint/2015/main" val="1"/>
+                </p:ext>
+              </p:extLst>
+            </p:nvPr>
+          </p:nvSpPr>
+          <p:spPr>
+            <a:xfrm>
+              <a:off x="4715626" y="308034"/>
+              <a:ext cx="566743" cy="3428999"/>
+            </a:xfrm>
+            <a:prstGeom prst="rect">
+              <a:avLst/>
+            </a:prstGeom>
+            <a:grpFill/>
+            <a:ln>
+              <a:noFill/>
+            </a:ln>
+          </p:spPr>
+          <p:style>
+            <a:lnRef idx="2">
+              <a:schemeClr val="accent1">
+                <a:shade val="50000"/>
+              </a:schemeClr>
+            </a:lnRef>
+            <a:fillRef idx="1">
+              <a:schemeClr val="accent1"/>
+            </a:fillRef>
+            <a:effectRef idx="0">
+              <a:schemeClr val="accent1"/>
+            </a:effectRef>
+            <a:fontRef idx="minor">
+              <a:schemeClr val="lt1"/>
+            </a:fontRef>
+          </p:style>
+          <p:txBody>
+            <a:bodyPr rtlCol="0" anchor="ctr"/>
+            <a:lstStyle/>
+            <a:p>
+              <a:pPr algn="ctr"/>
+              <a:endParaRPr lang="en-US"/>
+            </a:p>
+          </p:txBody>
+        </p:sp>
+        <p:sp>
+          <p:nvSpPr>
+            <p:cNvPr id="24" name="Rectangle 23">
+              <a:extLst>
+                <a:ext uri="{FF2B5EF4-FFF2-40B4-BE49-F238E27FC236}">
+                  <a16:creationId xmlns:a16="http://schemas.microsoft.com/office/drawing/2014/main" id="{ED49787B-8DE6-4467-AD0A-8DECC6E0C2D6}"/>
+                </a:ext>
+                <a:ext uri="{C183D7F6-B498-43B3-948B-1728B52AA6E4}">
+                  <adec:decorative xmlns:adec="http://schemas.microsoft.com/office/drawing/2017/decorative" val="1"/>
+                </a:ext>
+              </a:extLst>
+            </p:cNvPr>
+            <p:cNvSpPr/>
+            <p:nvPr>
+              <p:extLst>
+                <p:ext uri="{386F3935-93C4-4BCD-93E2-E3B085C9AB24}">
+                  <p16:designElem xmlns:p16="http://schemas.microsoft.com/office/powerpoint/2015/main" val="1"/>
+                </p:ext>
+              </p:extLst>
+            </p:nvPr>
+          </p:nvSpPr>
+          <p:spPr>
+            <a:xfrm>
+              <a:off x="5490650" y="308034"/>
+              <a:ext cx="566743" cy="3428999"/>
+            </a:xfrm>
+            <a:prstGeom prst="rect">
+              <a:avLst/>
+            </a:prstGeom>
+            <a:grpFill/>
+            <a:ln>
+              <a:noFill/>
+            </a:ln>
+          </p:spPr>
+          <p:style>
+            <a:lnRef idx="2">
+              <a:schemeClr val="accent1">
+                <a:shade val="50000"/>
+              </a:schemeClr>
+            </a:lnRef>
+            <a:fillRef idx="1">
+              <a:schemeClr val="accent1"/>
+            </a:fillRef>
+            <a:effectRef idx="0">
+              <a:schemeClr val="accent1"/>
+            </a:effectRef>
+            <a:fontRef idx="minor">
+              <a:schemeClr val="lt1"/>
+            </a:fontRef>
+          </p:style>
+          <p:txBody>
+            <a:bodyPr rtlCol="0" anchor="ctr"/>
+            <a:lstStyle/>
+            <a:p>
+              <a:pPr algn="ctr"/>
+              <a:endParaRPr lang="en-US"/>
+            </a:p>
+          </p:txBody>
+        </p:sp>
+      </p:grpSp>
+      <p:sp>
+        <p:nvSpPr>
+          <p:cNvPr id="26" name="Rectangle 25">
+            <a:extLst>
+              <a:ext uri="{FF2B5EF4-FFF2-40B4-BE49-F238E27FC236}">
+                <a16:creationId xmlns:a16="http://schemas.microsoft.com/office/drawing/2014/main" id="{D5B0017B-2ECA-49AF-B397-DC140825DF8D}"/>
+              </a:ext>
+              <a:ext uri="{C183D7F6-B498-43B3-948B-1728B52AA6E4}">
+                <adec:decorative xmlns:adec="http://schemas.microsoft.com/office/drawing/2017/decorative" val="1"/>
+              </a:ext>
+            </a:extLst>
+          </p:cNvPr>
+          <p:cNvSpPr>
+            <a:spLocks noGrp="1" noRot="1" noChangeAspect="1" noMove="1" noResize="1" noEditPoints="1" noAdjustHandles="1" noChangeArrowheads="1" noChangeShapeType="1" noTextEdit="1"/>
+          </p:cNvSpPr>
+          <p:nvPr>
+            <p:extLst>
+              <p:ext uri="{386F3935-93C4-4BCD-93E2-E3B085C9AB24}">
+                <p16:designElem xmlns:p16="http://schemas.microsoft.com/office/powerpoint/2015/main" val="1"/>
+              </p:ext>
+            </p:extLst>
+          </p:nvPr>
+        </p:nvSpPr>
+        <p:spPr>
+          <a:xfrm>
+            <a:off x="640079" y="613954"/>
+            <a:ext cx="10907487" cy="1894116"/>
+          </a:xfrm>
+          <a:prstGeom prst="rect">
+            <a:avLst/>
+          </a:prstGeom>
+          <a:solidFill>
+            <a:schemeClr val="bg1"/>
+          </a:solidFill>
+          <a:ln>
+            <a:noFill/>
+          </a:ln>
+          <a:effectLst>
+            <a:outerShdw blurRad="139700" dist="127000" dir="5400000" algn="t" rotWithShape="0">
+              <a:prstClr val="black">
+                <a:alpha val="15000"/>
+              </a:prstClr>
+            </a:outerShdw>
+          </a:effectLst>
+        </p:spPr>
+        <p:style>
+          <a:lnRef idx="2">
+            <a:schemeClr val="accent1">
+              <a:shade val="50000"/>
+            </a:schemeClr>
+          </a:lnRef>
+          <a:fillRef idx="1">
+            <a:schemeClr val="accent1"/>
+          </a:fillRef>
+          <a:effectRef idx="0">
+            <a:schemeClr val="accent1"/>
+          </a:effectRef>
+          <a:fontRef idx="minor">
+            <a:schemeClr val="lt1"/>
+          </a:fontRef>
+        </p:style>
+        <p:txBody>
+          <a:bodyPr rtlCol="0" anchor="ctr"/>
+          <a:lstStyle/>
+          <a:p>
+            <a:pPr algn="ctr"/>
+            <a:endParaRPr lang="en-US"/>
+          </a:p>
+        </p:txBody>
+      </p:sp>
+      <p:sp>
+        <p:nvSpPr>
+          <p:cNvPr id="4" name="Title 3">
+            <a:extLst>
+              <a:ext uri="{FF2B5EF4-FFF2-40B4-BE49-F238E27FC236}">
+                <a16:creationId xmlns:a16="http://schemas.microsoft.com/office/drawing/2014/main" id="{B7DBF6A7-D01A-4EE4-AA09-6BAEB427D14C}"/>
+              </a:ext>
+            </a:extLst>
+          </p:cNvPr>
+          <p:cNvSpPr>
+            <a:spLocks noGrp="1"/>
+          </p:cNvSpPr>
+          <p:nvPr>
+            <p:ph type="title"/>
+          </p:nvPr>
+        </p:nvSpPr>
+        <p:spPr>
+          <a:xfrm>
+            <a:off x="1043631" y="809898"/>
+            <a:ext cx="9942716" cy="1554480"/>
+          </a:xfrm>
+        </p:spPr>
+        <p:txBody>
+          <a:bodyPr anchor="ctr">
+            <a:normAutofit/>
+          </a:bodyPr>
+          <a:lstStyle/>
+          <a:p>
+            <a:r>
+              <a:rPr lang="en-US" sz="4800" b="1" dirty="0">
+                <a:solidFill>
+                  <a:srgbClr val="023047"/>
+                </a:solidFill>
+              </a:rPr>
+              <a:t>Conclusion and future works</a:t>
+            </a:r>
+          </a:p>
+        </p:txBody>
+      </p:sp>
+      <p:sp>
+        <p:nvSpPr>
+          <p:cNvPr id="5" name="Content Placeholder 4">
+            <a:extLst>
+              <a:ext uri="{FF2B5EF4-FFF2-40B4-BE49-F238E27FC236}">
+                <a16:creationId xmlns:a16="http://schemas.microsoft.com/office/drawing/2014/main" id="{5D518C88-56FE-421D-B854-7CD981F6F5EC}"/>
+              </a:ext>
+            </a:extLst>
+          </p:cNvPr>
+          <p:cNvSpPr>
+            <a:spLocks noGrp="1"/>
+          </p:cNvSpPr>
+          <p:nvPr>
+            <p:ph idx="1"/>
+          </p:nvPr>
+        </p:nvSpPr>
+        <p:spPr>
+          <a:xfrm>
+            <a:off x="1045028" y="3017522"/>
+            <a:ext cx="9941319" cy="3124658"/>
+          </a:xfrm>
+        </p:spPr>
+        <p:txBody>
+          <a:bodyPr anchor="ctr">
+            <a:normAutofit/>
+          </a:bodyPr>
+          <a:lstStyle/>
+          <a:p>
+            <a:r>
+              <a:rPr lang="en-US" sz="2400" dirty="0">
+                <a:solidFill>
+                  <a:srgbClr val="FFC000"/>
+                </a:solidFill>
+              </a:rPr>
+              <a:t>New functionality that overcomes  one of the major limitations of present-day home assistants (i.e., personalized multi-user interaction).</a:t>
+            </a:r>
+          </a:p>
+          <a:p>
+            <a:r>
+              <a:rPr lang="en-US" sz="2400" dirty="0">
+                <a:solidFill>
+                  <a:srgbClr val="FFC000"/>
+                </a:solidFill>
+              </a:rPr>
+              <a:t>New interaction modality has been introduced extending the possible channels through which the interaction is conveyed.</a:t>
+            </a:r>
+          </a:p>
+          <a:p>
+            <a:r>
+              <a:rPr lang="en-US" sz="2400" dirty="0">
+                <a:solidFill>
+                  <a:srgbClr val="FFC000"/>
+                </a:solidFill>
+              </a:rPr>
+              <a:t>Diversity aware development</a:t>
+            </a:r>
+          </a:p>
+          <a:p>
+            <a:r>
+              <a:rPr lang="en-US" sz="2400" dirty="0">
+                <a:solidFill>
+                  <a:srgbClr val="FFC000"/>
+                </a:solidFill>
+              </a:rPr>
+              <a:t>Future works:</a:t>
+            </a:r>
+          </a:p>
+          <a:p>
+            <a:pPr lvl="1"/>
+            <a:r>
+              <a:rPr lang="en-US" sz="2000" dirty="0">
+                <a:solidFill>
+                  <a:srgbClr val="FFC000"/>
+                </a:solidFill>
+              </a:rPr>
+              <a:t>Exploit visual modality to recognize gesture interactions and sign languages</a:t>
+            </a:r>
+          </a:p>
+          <a:p>
+            <a:pPr lvl="1"/>
+            <a:r>
+              <a:rPr lang="en-US" sz="2000" dirty="0">
+                <a:solidFill>
+                  <a:srgbClr val="FFC000"/>
+                </a:solidFill>
+              </a:rPr>
+              <a:t>Exploit auditory modality to recognize members also by voice</a:t>
+            </a:r>
+          </a:p>
+        </p:txBody>
+      </p:sp>
+      <p:cxnSp>
+        <p:nvCxnSpPr>
+          <p:cNvPr id="28" name="Straight Connector 27">
+            <a:extLst>
+              <a:ext uri="{FF2B5EF4-FFF2-40B4-BE49-F238E27FC236}">
+                <a16:creationId xmlns:a16="http://schemas.microsoft.com/office/drawing/2014/main" id="{6CF1BAF6-AD41-4082-B212-8A1F9A2E8779}"/>
+              </a:ext>
+              <a:ext uri="{C183D7F6-B498-43B3-948B-1728B52AA6E4}">
+                <adec:decorative xmlns:adec="http://schemas.microsoft.com/office/drawing/2017/decorative" val="1"/>
+              </a:ext>
+            </a:extLst>
+          </p:cNvPr>
+          <p:cNvCxnSpPr>
+            <a:cxnSpLocks noGrp="1" noRot="1" noChangeAspect="1" noMove="1" noResize="1" noEditPoints="1" noAdjustHandles="1" noChangeArrowheads="1" noChangeShapeType="1"/>
+          </p:cNvCxnSpPr>
+          <p:nvPr>
+            <p:extLst>
+              <p:ext uri="{386F3935-93C4-4BCD-93E2-E3B085C9AB24}">
+                <p16:designElem xmlns:p16="http://schemas.microsoft.com/office/powerpoint/2015/main" val="1"/>
+              </p:ext>
+            </p:extLst>
+          </p:nvPr>
+        </p:nvCxnSpPr>
+        <p:spPr>
+          <a:xfrm flipH="1">
+            <a:off x="838200" y="6485313"/>
+            <a:ext cx="10515600" cy="0"/>
+          </a:xfrm>
+          <a:prstGeom prst="line">
+            <a:avLst/>
+          </a:prstGeom>
+          <a:ln w="57150">
+            <a:solidFill>
+              <a:schemeClr val="accent4"/>
+            </a:solidFill>
+          </a:ln>
+        </p:spPr>
+        <p:style>
+          <a:lnRef idx="1">
+            <a:schemeClr val="accent1"/>
+          </a:lnRef>
+          <a:fillRef idx="0">
+            <a:schemeClr val="accent1"/>
+          </a:fillRef>
+          <a:effectRef idx="0">
+            <a:schemeClr val="accent1"/>
+          </a:effectRef>
+          <a:fontRef idx="minor">
+            <a:schemeClr val="tx1"/>
+          </a:fontRef>
+        </p:style>
+      </p:cxnSp>
+    </p:spTree>
+    <p:extLst>
+      <p:ext uri="{BB962C8B-B14F-4D97-AF65-F5344CB8AC3E}">
+        <p14:creationId xmlns:p14="http://schemas.microsoft.com/office/powerpoint/2010/main" val="175126097"/>
+      </p:ext>
+    </p:extLst>
+  </p:cSld>
+  <p:clrMapOvr>
+    <a:masterClrMapping/>
+  </p:clrMapOvr>
+</p:sld>
+</file>
+
 <file path=ppt/slides/slide2.xml><?xml version="1.0" encoding="utf-8"?>
 <p:sld xmlns:a="http://schemas.openxmlformats.org/drawingml/2006/main" xmlns:r="http://schemas.openxmlformats.org/officeDocument/2006/relationships" xmlns:p="http://schemas.openxmlformats.org/presentationml/2006/main">
   <p:cSld>
@@ -5839,7 +7694,7 @@
                   <a:srgbClr val="FFC000"/>
                 </a:solidFill>
               </a:rPr>
-              <a:t>Introduction</a:t>
+              <a:t>Concepts</a:t>
             </a:r>
           </a:p>
           <a:p>
@@ -5850,6 +7705,16 @@
                 </a:solidFill>
               </a:rPr>
               <a:t>Architecture</a:t>
+            </a:r>
+          </a:p>
+          <a:p>
+            <a:r>
+              <a:rPr lang="en-US" sz="2400" dirty="0">
+                <a:solidFill>
+                  <a:srgbClr val="FFC000"/>
+                </a:solidFill>
+              </a:rPr>
+              <a:t>Interactions</a:t>
             </a:r>
           </a:p>
           <a:p>
@@ -6558,10 +8423,10 @@
       </p:grpSpPr>
       <p:sp useBgFill="1">
         <p:nvSpPr>
-          <p:cNvPr id="16" name="Rectangle 9">
-            <a:extLst>
-              <a:ext uri="{FF2B5EF4-FFF2-40B4-BE49-F238E27FC236}">
-                <a16:creationId xmlns:a16="http://schemas.microsoft.com/office/drawing/2014/main" id="{B6CDA21F-E7AF-4C75-8395-33F58D5B0E45}"/>
+          <p:cNvPr id="52" name="Rectangle 42">
+            <a:extLst>
+              <a:ext uri="{FF2B5EF4-FFF2-40B4-BE49-F238E27FC236}">
+                <a16:creationId xmlns:a16="http://schemas.microsoft.com/office/drawing/2014/main" id="{201CC55D-ED54-4C5C-95E6-10947BD1103B}"/>
               </a:ext>
               <a:ext uri="{C183D7F6-B498-43B3-948B-1728B52AA6E4}">
                 <adec:decorative xmlns:adec="http://schemas.microsoft.com/office/drawing/2017/decorative" val="1"/>
@@ -6616,12 +8481,108 @@
           </a:p>
         </p:txBody>
       </p:sp>
+      <p:sp>
+        <p:nvSpPr>
+          <p:cNvPr id="19" name="Rectangle 18">
+            <a:extLst>
+              <a:ext uri="{FF2B5EF4-FFF2-40B4-BE49-F238E27FC236}">
+                <a16:creationId xmlns:a16="http://schemas.microsoft.com/office/drawing/2014/main" id="{839D4B9E-CCF5-4693-A7D2-3F65D29B2909}"/>
+              </a:ext>
+            </a:extLst>
+          </p:cNvPr>
+          <p:cNvSpPr/>
+          <p:nvPr/>
+        </p:nvSpPr>
+        <p:spPr>
+          <a:xfrm>
+            <a:off x="355197" y="640080"/>
+            <a:ext cx="5330612" cy="1316736"/>
+          </a:xfrm>
+          <a:prstGeom prst="rect">
+            <a:avLst/>
+          </a:prstGeom>
+          <a:solidFill>
+            <a:srgbClr val="023047"/>
+          </a:solidFill>
+          <a:ln>
+            <a:noFill/>
+          </a:ln>
+        </p:spPr>
+        <p:style>
+          <a:lnRef idx="2">
+            <a:schemeClr val="accent1">
+              <a:shade val="50000"/>
+            </a:schemeClr>
+          </a:lnRef>
+          <a:fillRef idx="1">
+            <a:schemeClr val="accent1"/>
+          </a:fillRef>
+          <a:effectRef idx="0">
+            <a:schemeClr val="accent1"/>
+          </a:effectRef>
+          <a:fontRef idx="minor">
+            <a:schemeClr val="lt1"/>
+          </a:fontRef>
+        </p:style>
+        <p:txBody>
+          <a:bodyPr rtlCol="0" anchor="ctr"/>
+          <a:lstStyle/>
+          <a:p>
+            <a:pPr algn="ctr"/>
+            <a:endParaRPr lang="en-GB"/>
+          </a:p>
+        </p:txBody>
+      </p:sp>
+      <p:sp>
+        <p:nvSpPr>
+          <p:cNvPr id="2" name="Title 1">
+            <a:extLst>
+              <a:ext uri="{FF2B5EF4-FFF2-40B4-BE49-F238E27FC236}">
+                <a16:creationId xmlns:a16="http://schemas.microsoft.com/office/drawing/2014/main" id="{F703FF40-49BD-4711-8571-801EBE0CF90B}"/>
+              </a:ext>
+            </a:extLst>
+          </p:cNvPr>
+          <p:cNvSpPr>
+            <a:spLocks noGrp="1"/>
+          </p:cNvSpPr>
+          <p:nvPr>
+            <p:ph type="title"/>
+          </p:nvPr>
+        </p:nvSpPr>
+        <p:spPr>
+          <a:xfrm>
+            <a:off x="589560" y="694944"/>
+            <a:ext cx="4672496" cy="1289304"/>
+          </a:xfrm>
+        </p:spPr>
+        <p:txBody>
+          <a:bodyPr vert="horz" lIns="91440" tIns="45720" rIns="91440" bIns="45720" rtlCol="0" anchor="ctr">
+            <a:normAutofit/>
+          </a:bodyPr>
+          <a:lstStyle/>
+          <a:p>
+            <a:r>
+              <a:rPr lang="en-US" sz="5400" dirty="0">
+                <a:solidFill>
+                  <a:srgbClr val="FFC000"/>
+                </a:solidFill>
+              </a:rPr>
+              <a:t>Architecture</a:t>
+            </a:r>
+            <a:endParaRPr lang="en-US" sz="4400" dirty="0">
+              <a:solidFill>
+                <a:srgbClr val="FFC000"/>
+              </a:solidFill>
+            </a:endParaRPr>
+          </a:p>
+        </p:txBody>
+      </p:sp>
       <p:grpSp>
         <p:nvGrpSpPr>
-          <p:cNvPr id="18" name="Group 11">
-            <a:extLst>
-              <a:ext uri="{FF2B5EF4-FFF2-40B4-BE49-F238E27FC236}">
-                <a16:creationId xmlns:a16="http://schemas.microsoft.com/office/drawing/2014/main" id="{AE1C45F0-260A-458C-96ED-C1F6D2151219}"/>
+          <p:cNvPr id="54" name="Group 44">
+            <a:extLst>
+              <a:ext uri="{FF2B5EF4-FFF2-40B4-BE49-F238E27FC236}">
+                <a16:creationId xmlns:a16="http://schemas.microsoft.com/office/drawing/2014/main" id="{1DE889C7-FAD6-4397-98E2-05D503484459}"/>
               </a:ext>
               <a:ext uri="{C183D7F6-B498-43B3-948B-1728B52AA6E4}">
                 <adec:decorative xmlns:adec="http://schemas.microsoft.com/office/drawing/2017/decorative" val="1"/>
@@ -6641,21 +8602,18 @@
         </p:nvGrpSpPr>
         <p:grpSpPr>
           <a:xfrm>
-            <a:off x="4" y="1216597"/>
-            <a:ext cx="731521" cy="673460"/>
-            <a:chOff x="3940602" y="308034"/>
-            <a:chExt cx="2116791" cy="3428999"/>
-          </a:xfrm>
-          <a:solidFill>
-            <a:schemeClr val="accent4"/>
-          </a:solidFill>
+            <a:off x="0" y="1083484"/>
+            <a:ext cx="355196" cy="673460"/>
+            <a:chOff x="0" y="823811"/>
+            <a:chExt cx="355196" cy="673460"/>
+          </a:xfrm>
         </p:grpSpPr>
         <p:sp>
           <p:nvSpPr>
-            <p:cNvPr id="13" name="Rectangle 12">
+            <p:cNvPr id="46" name="Rectangle 45">
               <a:extLst>
                 <a:ext uri="{FF2B5EF4-FFF2-40B4-BE49-F238E27FC236}">
-                  <a16:creationId xmlns:a16="http://schemas.microsoft.com/office/drawing/2014/main" id="{A6604B49-AD5C-4590-B051-06C8222ECD99}"/>
+                  <a16:creationId xmlns:a16="http://schemas.microsoft.com/office/drawing/2014/main" id="{F399A70F-F8CD-4992-9EF5-6CF15472E73F}"/>
                 </a:ext>
                 <a:ext uri="{C183D7F6-B498-43B3-948B-1728B52AA6E4}">
                   <adec:decorative xmlns:adec="http://schemas.microsoft.com/office/drawing/2017/decorative" val="1"/>
@@ -6673,13 +8631,15 @@
           </p:nvSpPr>
           <p:spPr>
             <a:xfrm>
-              <a:off x="3940602" y="308034"/>
-              <a:ext cx="566743" cy="3428999"/>
+              <a:off x="0" y="823811"/>
+              <a:ext cx="87363" cy="673460"/>
             </a:xfrm>
             <a:prstGeom prst="rect">
               <a:avLst/>
             </a:prstGeom>
-            <a:grpFill/>
+            <a:solidFill>
+              <a:schemeClr val="accent4"/>
+            </a:solidFill>
             <a:ln>
               <a:noFill/>
             </a:ln>
@@ -6711,10 +8671,10 @@
         </p:sp>
         <p:sp>
           <p:nvSpPr>
-            <p:cNvPr id="14" name="Rectangle 13">
+            <p:cNvPr id="55" name="Rectangle 46">
               <a:extLst>
                 <a:ext uri="{FF2B5EF4-FFF2-40B4-BE49-F238E27FC236}">
-                  <a16:creationId xmlns:a16="http://schemas.microsoft.com/office/drawing/2014/main" id="{743ECCAF-29C5-4537-947C-7EA1292463DB}"/>
+                  <a16:creationId xmlns:a16="http://schemas.microsoft.com/office/drawing/2014/main" id="{48F4FEDC-6D80-458C-A665-075D9B9500FD}"/>
                 </a:ext>
                 <a:ext uri="{C183D7F6-B498-43B3-948B-1728B52AA6E4}">
                   <adec:decorative xmlns:adec="http://schemas.microsoft.com/office/drawing/2017/decorative" val="1"/>
@@ -6732,13 +8692,1812 @@
           </p:nvSpPr>
           <p:spPr>
             <a:xfrm>
-              <a:off x="4715626" y="308034"/>
-              <a:ext cx="566743" cy="3428999"/>
+              <a:off x="159341" y="823811"/>
+              <a:ext cx="195855" cy="673460"/>
             </a:xfrm>
             <a:prstGeom prst="rect">
               <a:avLst/>
             </a:prstGeom>
-            <a:grpFill/>
+            <a:solidFill>
+              <a:schemeClr val="accent4"/>
+            </a:solidFill>
+            <a:ln>
+              <a:noFill/>
+            </a:ln>
+          </p:spPr>
+          <p:style>
+            <a:lnRef idx="2">
+              <a:schemeClr val="accent1">
+                <a:shade val="50000"/>
+              </a:schemeClr>
+            </a:lnRef>
+            <a:fillRef idx="1">
+              <a:schemeClr val="accent1"/>
+            </a:fillRef>
+            <a:effectRef idx="0">
+              <a:schemeClr val="accent1"/>
+            </a:effectRef>
+            <a:fontRef idx="minor">
+              <a:schemeClr val="lt1"/>
+            </a:fontRef>
+          </p:style>
+          <p:txBody>
+            <a:bodyPr rtlCol="0" anchor="ctr"/>
+            <a:lstStyle/>
+            <a:p>
+              <a:pPr algn="ctr"/>
+              <a:endParaRPr lang="en-US"/>
+            </a:p>
+          </p:txBody>
+        </p:sp>
+      </p:grpSp>
+      <p:sp>
+        <p:nvSpPr>
+          <p:cNvPr id="56" name="Rectangle 48">
+            <a:extLst>
+              <a:ext uri="{FF2B5EF4-FFF2-40B4-BE49-F238E27FC236}">
+                <a16:creationId xmlns:a16="http://schemas.microsoft.com/office/drawing/2014/main" id="{3873B707-463F-40B0-8227-E8CC6C67EB25}"/>
+              </a:ext>
+              <a:ext uri="{C183D7F6-B498-43B3-948B-1728B52AA6E4}">
+                <adec:decorative xmlns:adec="http://schemas.microsoft.com/office/drawing/2017/decorative" val="1"/>
+              </a:ext>
+            </a:extLst>
+          </p:cNvPr>
+          <p:cNvSpPr>
+            <a:spLocks noGrp="1" noRot="1" noChangeAspect="1" noMove="1" noResize="1" noEditPoints="1" noAdjustHandles="1" noChangeArrowheads="1" noChangeShapeType="1" noTextEdit="1"/>
+          </p:cNvSpPr>
+          <p:nvPr>
+            <p:extLst>
+              <p:ext uri="{386F3935-93C4-4BCD-93E2-E3B085C9AB24}">
+                <p16:designElem xmlns:p16="http://schemas.microsoft.com/office/powerpoint/2015/main" val="1"/>
+              </p:ext>
+            </p:extLst>
+          </p:nvPr>
+        </p:nvSpPr>
+        <p:spPr>
+          <a:xfrm flipH="1">
+            <a:off x="665085" y="2090569"/>
+            <a:ext cx="4297680" cy="27432"/>
+          </a:xfrm>
+          <a:prstGeom prst="rect">
+            <a:avLst/>
+          </a:prstGeom>
+          <a:solidFill>
+            <a:schemeClr val="accent4"/>
+          </a:solidFill>
+          <a:ln>
+            <a:noFill/>
+          </a:ln>
+        </p:spPr>
+        <p:style>
+          <a:lnRef idx="2">
+            <a:schemeClr val="accent1">
+              <a:shade val="50000"/>
+            </a:schemeClr>
+          </a:lnRef>
+          <a:fillRef idx="1">
+            <a:schemeClr val="accent1"/>
+          </a:fillRef>
+          <a:effectRef idx="0">
+            <a:schemeClr val="accent1"/>
+          </a:effectRef>
+          <a:fontRef idx="minor">
+            <a:schemeClr val="lt1"/>
+          </a:fontRef>
+        </p:style>
+        <p:txBody>
+          <a:bodyPr rtlCol="0" anchor="ctr"/>
+          <a:lstStyle/>
+          <a:p>
+            <a:pPr algn="ctr"/>
+            <a:endParaRPr lang="en-US"/>
+          </a:p>
+        </p:txBody>
+      </p:sp>
+      <p:sp>
+        <p:nvSpPr>
+          <p:cNvPr id="8" name="Text Placeholder 7">
+            <a:extLst>
+              <a:ext uri="{FF2B5EF4-FFF2-40B4-BE49-F238E27FC236}">
+                <a16:creationId xmlns:a16="http://schemas.microsoft.com/office/drawing/2014/main" id="{958D5C89-C119-4811-886C-7F28128E6C98}"/>
+              </a:ext>
+            </a:extLst>
+          </p:cNvPr>
+          <p:cNvSpPr>
+            <a:spLocks noGrp="1"/>
+          </p:cNvSpPr>
+          <p:nvPr>
+            <p:ph type="body" sz="half" idx="2"/>
+          </p:nvPr>
+        </p:nvSpPr>
+        <p:spPr>
+          <a:xfrm>
+            <a:off x="590719" y="2330505"/>
+            <a:ext cx="4559425" cy="3979585"/>
+          </a:xfrm>
+        </p:spPr>
+        <p:txBody>
+          <a:bodyPr vert="horz" lIns="91440" tIns="45720" rIns="91440" bIns="45720" rtlCol="0" anchor="ctr">
+            <a:normAutofit/>
+          </a:bodyPr>
+          <a:lstStyle/>
+          <a:p>
+            <a:pPr marL="285750" indent="-285750">
+              <a:buFont typeface="Arial" panose="020B0604020202020204" pitchFamily="34" charset="0"/>
+              <a:buChar char="•"/>
+            </a:pPr>
+            <a:r>
+              <a:rPr lang="en-GB" b="0" i="0" dirty="0">
+                <a:effectLst/>
+                <a:latin typeface="Arial" panose="020B0604020202020204" pitchFamily="34" charset="0"/>
+              </a:rPr>
+              <a:t>Input interface:</a:t>
+            </a:r>
+          </a:p>
+          <a:p>
+            <a:pPr marL="742950" lvl="1" indent="-285750">
+              <a:buFont typeface="Arial" panose="020B0604020202020204" pitchFamily="34" charset="0"/>
+              <a:buChar char="•"/>
+            </a:pPr>
+            <a:r>
+              <a:rPr lang="en-GB" b="0" i="0" dirty="0">
+                <a:effectLst/>
+                <a:latin typeface="Arial" panose="020B0604020202020204" pitchFamily="34" charset="0"/>
+              </a:rPr>
+              <a:t>visual modality: text input from keyboard, face detection and recognition</a:t>
+            </a:r>
+            <a:endParaRPr lang="en-GB" dirty="0">
+              <a:latin typeface="Arial" panose="020B0604020202020204" pitchFamily="34" charset="0"/>
+            </a:endParaRPr>
+          </a:p>
+          <a:p>
+            <a:pPr marL="742950" lvl="1" indent="-285750">
+              <a:buFont typeface="Arial" panose="020B0604020202020204" pitchFamily="34" charset="0"/>
+              <a:buChar char="•"/>
+            </a:pPr>
+            <a:r>
+              <a:rPr lang="en-GB" b="0" i="0" dirty="0">
+                <a:effectLst/>
+                <a:latin typeface="Arial" panose="020B0604020202020204" pitchFamily="34" charset="0"/>
+              </a:rPr>
+              <a:t>auditory modality: speech recognition</a:t>
+            </a:r>
+          </a:p>
+          <a:p>
+            <a:pPr marL="285750" indent="-285750">
+              <a:buFont typeface="Arial" panose="020B0604020202020204" pitchFamily="34" charset="0"/>
+              <a:buChar char="•"/>
+            </a:pPr>
+            <a:r>
+              <a:rPr lang="en-GB" b="0" i="0" dirty="0">
+                <a:effectLst/>
+                <a:latin typeface="Arial" panose="020B0604020202020204" pitchFamily="34" charset="0"/>
+              </a:rPr>
+              <a:t>Output interface:</a:t>
+            </a:r>
+          </a:p>
+          <a:p>
+            <a:pPr marL="742950" lvl="1" indent="-285750">
+              <a:buFont typeface="Arial" panose="020B0604020202020204" pitchFamily="34" charset="0"/>
+              <a:buChar char="•"/>
+            </a:pPr>
+            <a:r>
+              <a:rPr lang="en-GB" b="0" i="0" dirty="0">
+                <a:effectLst/>
+                <a:latin typeface="Arial" panose="020B0604020202020204" pitchFamily="34" charset="0"/>
+              </a:rPr>
+              <a:t>visual modality: text shown on screen</a:t>
+            </a:r>
+          </a:p>
+          <a:p>
+            <a:pPr marL="742950" lvl="1" indent="-285750">
+              <a:buFont typeface="Arial" panose="020B0604020202020204" pitchFamily="34" charset="0"/>
+              <a:buChar char="•"/>
+            </a:pPr>
+            <a:r>
+              <a:rPr lang="en-GB" b="0" i="0" dirty="0">
+                <a:effectLst/>
+                <a:latin typeface="Arial" panose="020B0604020202020204" pitchFamily="34" charset="0"/>
+              </a:rPr>
+              <a:t>auditory modality: voice synthesizers</a:t>
+            </a:r>
+            <a:endParaRPr lang="en-US" dirty="0">
+              <a:solidFill>
+                <a:srgbClr val="023047"/>
+              </a:solidFill>
+              <a:latin typeface="Arial" panose="020B0604020202020204" pitchFamily="34" charset="0"/>
+              <a:cs typeface="Arial" panose="020B0604020202020204" pitchFamily="34" charset="0"/>
+            </a:endParaRPr>
+          </a:p>
+        </p:txBody>
+      </p:sp>
+      <p:sp>
+        <p:nvSpPr>
+          <p:cNvPr id="51" name="Rectangle 50">
+            <a:extLst>
+              <a:ext uri="{FF2B5EF4-FFF2-40B4-BE49-F238E27FC236}">
+                <a16:creationId xmlns:a16="http://schemas.microsoft.com/office/drawing/2014/main" id="{C13237C8-E62C-4F0D-A318-BD6FB6C2D138}"/>
+              </a:ext>
+              <a:ext uri="{C183D7F6-B498-43B3-948B-1728B52AA6E4}">
+                <adec:decorative xmlns:adec="http://schemas.microsoft.com/office/drawing/2017/decorative" val="1"/>
+              </a:ext>
+            </a:extLst>
+          </p:cNvPr>
+          <p:cNvSpPr>
+            <a:spLocks noGrp="1" noRot="1" noChangeAspect="1" noMove="1" noResize="1" noEditPoints="1" noAdjustHandles="1" noChangeArrowheads="1" noChangeShapeType="1" noTextEdit="1"/>
+          </p:cNvSpPr>
+          <p:nvPr>
+            <p:extLst>
+              <p:ext uri="{386F3935-93C4-4BCD-93E2-E3B085C9AB24}">
+                <p16:designElem xmlns:p16="http://schemas.microsoft.com/office/powerpoint/2015/main" val="1"/>
+              </p:ext>
+            </p:extLst>
+          </p:nvPr>
+        </p:nvSpPr>
+        <p:spPr>
+          <a:xfrm flipH="1">
+            <a:off x="10697670" y="0"/>
+            <a:ext cx="1494330" cy="6858000"/>
+          </a:xfrm>
+          <a:prstGeom prst="rect">
+            <a:avLst/>
+          </a:prstGeom>
+          <a:solidFill>
+            <a:schemeClr val="accent4"/>
+          </a:solidFill>
+          <a:ln>
+            <a:noFill/>
+          </a:ln>
+        </p:spPr>
+        <p:style>
+          <a:lnRef idx="2">
+            <a:schemeClr val="accent1">
+              <a:shade val="50000"/>
+            </a:schemeClr>
+          </a:lnRef>
+          <a:fillRef idx="1">
+            <a:schemeClr val="accent1"/>
+          </a:fillRef>
+          <a:effectRef idx="0">
+            <a:schemeClr val="accent1"/>
+          </a:effectRef>
+          <a:fontRef idx="minor">
+            <a:schemeClr val="lt1"/>
+          </a:fontRef>
+        </p:style>
+        <p:txBody>
+          <a:bodyPr rtlCol="0" anchor="ctr"/>
+          <a:lstStyle/>
+          <a:p>
+            <a:pPr algn="ctr"/>
+            <a:endParaRPr lang="en-US"/>
+          </a:p>
+        </p:txBody>
+      </p:sp>
+      <p:sp>
+        <p:nvSpPr>
+          <p:cNvPr id="53" name="Rectangle 52">
+            <a:extLst>
+              <a:ext uri="{FF2B5EF4-FFF2-40B4-BE49-F238E27FC236}">
+                <a16:creationId xmlns:a16="http://schemas.microsoft.com/office/drawing/2014/main" id="{19C9EAEA-39D0-4B0E-A0EB-51E7B26740B1}"/>
+              </a:ext>
+              <a:ext uri="{C183D7F6-B498-43B3-948B-1728B52AA6E4}">
+                <adec:decorative xmlns:adec="http://schemas.microsoft.com/office/drawing/2017/decorative" val="1"/>
+              </a:ext>
+            </a:extLst>
+          </p:cNvPr>
+          <p:cNvSpPr>
+            <a:spLocks noGrp="1" noRot="1" noChangeAspect="1" noMove="1" noResize="1" noEditPoints="1" noAdjustHandles="1" noChangeArrowheads="1" noChangeShapeType="1" noTextEdit="1"/>
+          </p:cNvSpPr>
+          <p:nvPr>
+            <p:extLst>
+              <p:ext uri="{386F3935-93C4-4BCD-93E2-E3B085C9AB24}">
+                <p16:designElem xmlns:p16="http://schemas.microsoft.com/office/powerpoint/2015/main" val="1"/>
+              </p:ext>
+            </p:extLst>
+          </p:nvPr>
+        </p:nvSpPr>
+        <p:spPr>
+          <a:xfrm>
+            <a:off x="5685810" y="513853"/>
+            <a:ext cx="6009366" cy="5834577"/>
+          </a:xfrm>
+          <a:prstGeom prst="rect">
+            <a:avLst/>
+          </a:prstGeom>
+          <a:solidFill>
+            <a:schemeClr val="bg1"/>
+          </a:solidFill>
+          <a:ln>
+            <a:noFill/>
+          </a:ln>
+          <a:effectLst>
+            <a:outerShdw blurRad="139700" dist="127000" dir="5400000" algn="t" rotWithShape="0">
+              <a:prstClr val="black">
+                <a:alpha val="15000"/>
+              </a:prstClr>
+            </a:outerShdw>
+          </a:effectLst>
+        </p:spPr>
+        <p:style>
+          <a:lnRef idx="2">
+            <a:schemeClr val="accent1">
+              <a:shade val="50000"/>
+            </a:schemeClr>
+          </a:lnRef>
+          <a:fillRef idx="1">
+            <a:schemeClr val="accent1"/>
+          </a:fillRef>
+          <a:effectRef idx="0">
+            <a:schemeClr val="accent1"/>
+          </a:effectRef>
+          <a:fontRef idx="minor">
+            <a:schemeClr val="lt1"/>
+          </a:fontRef>
+        </p:style>
+        <p:txBody>
+          <a:bodyPr rtlCol="0" anchor="ctr"/>
+          <a:lstStyle/>
+          <a:p>
+            <a:pPr algn="ctr"/>
+            <a:endParaRPr lang="en-US"/>
+          </a:p>
+        </p:txBody>
+      </p:sp>
+      <p:pic>
+        <p:nvPicPr>
+          <p:cNvPr id="57" name="Graphic 4" descr="Male profile with solid fill">
+            <a:extLst>
+              <a:ext uri="{FF2B5EF4-FFF2-40B4-BE49-F238E27FC236}">
+                <a16:creationId xmlns:a16="http://schemas.microsoft.com/office/drawing/2014/main" id="{10EA3BF2-4CA8-4B9F-91E4-FED039656048}"/>
+              </a:ext>
+            </a:extLst>
+          </p:cNvPr>
+          <p:cNvPicPr>
+            <a:picLocks noChangeAspect="1"/>
+          </p:cNvPicPr>
+          <p:nvPr/>
+        </p:nvPicPr>
+        <p:blipFill>
+          <a:blip r:embed="rId2">
+            <a:extLst>
+              <a:ext uri="{96DAC541-7B7A-43D3-8B79-37D633B846F1}">
+                <asvg:svgBlip xmlns:asvg="http://schemas.microsoft.com/office/drawing/2016/SVG/main" r:embed="rId3"/>
+              </a:ext>
+            </a:extLst>
+          </a:blip>
+          <a:stretch>
+            <a:fillRect/>
+          </a:stretch>
+        </p:blipFill>
+        <p:spPr>
+          <a:xfrm>
+            <a:off x="7174953" y="694944"/>
+            <a:ext cx="548640" cy="548640"/>
+          </a:xfrm>
+          <a:prstGeom prst="rect">
+            <a:avLst/>
+          </a:prstGeom>
+          <a:noFill/>
+          <a:ln cap="flat">
+            <a:noFill/>
+          </a:ln>
+        </p:spPr>
+      </p:pic>
+      <p:pic>
+        <p:nvPicPr>
+          <p:cNvPr id="58" name="Graphic 14" descr="Laptop with solid fill">
+            <a:extLst>
+              <a:ext uri="{FF2B5EF4-FFF2-40B4-BE49-F238E27FC236}">
+                <a16:creationId xmlns:a16="http://schemas.microsoft.com/office/drawing/2014/main" id="{CEA8ADB5-5C82-4D72-975C-294AB1E31B9E}"/>
+              </a:ext>
+            </a:extLst>
+          </p:cNvPr>
+          <p:cNvPicPr>
+            <a:picLocks noChangeAspect="1"/>
+          </p:cNvPicPr>
+          <p:nvPr/>
+        </p:nvPicPr>
+        <p:blipFill>
+          <a:blip r:embed="rId4">
+            <a:extLst>
+              <a:ext uri="{96DAC541-7B7A-43D3-8B79-37D633B846F1}">
+                <asvg:svgBlip xmlns:asvg="http://schemas.microsoft.com/office/drawing/2016/SVG/main" r:embed="rId5"/>
+              </a:ext>
+            </a:extLst>
+          </a:blip>
+          <a:stretch>
+            <a:fillRect/>
+          </a:stretch>
+        </p:blipFill>
+        <p:spPr>
+          <a:xfrm>
+            <a:off x="10691095" y="2815064"/>
+            <a:ext cx="914400" cy="914400"/>
+          </a:xfrm>
+          <a:prstGeom prst="rect">
+            <a:avLst/>
+          </a:prstGeom>
+          <a:noFill/>
+          <a:ln cap="flat">
+            <a:noFill/>
+          </a:ln>
+        </p:spPr>
+      </p:pic>
+      <p:pic>
+        <p:nvPicPr>
+          <p:cNvPr id="59" name="Graphic 16" descr="Web cam with solid fill">
+            <a:extLst>
+              <a:ext uri="{FF2B5EF4-FFF2-40B4-BE49-F238E27FC236}">
+                <a16:creationId xmlns:a16="http://schemas.microsoft.com/office/drawing/2014/main" id="{02D78C6C-995E-4953-A79F-FD9FEE86FF38}"/>
+              </a:ext>
+            </a:extLst>
+          </p:cNvPr>
+          <p:cNvPicPr>
+            <a:picLocks noChangeAspect="1"/>
+          </p:cNvPicPr>
+          <p:nvPr/>
+        </p:nvPicPr>
+        <p:blipFill>
+          <a:blip r:embed="rId6">
+            <a:extLst>
+              <a:ext uri="{96DAC541-7B7A-43D3-8B79-37D633B846F1}">
+                <asvg:svgBlip xmlns:asvg="http://schemas.microsoft.com/office/drawing/2016/SVG/main" r:embed="rId7"/>
+              </a:ext>
+            </a:extLst>
+          </a:blip>
+          <a:stretch>
+            <a:fillRect/>
+          </a:stretch>
+        </p:blipFill>
+        <p:spPr>
+          <a:xfrm>
+            <a:off x="9448665" y="703595"/>
+            <a:ext cx="548640" cy="548640"/>
+          </a:xfrm>
+          <a:prstGeom prst="rect">
+            <a:avLst/>
+          </a:prstGeom>
+          <a:noFill/>
+          <a:ln cap="flat">
+            <a:noFill/>
+          </a:ln>
+        </p:spPr>
+      </p:pic>
+      <p:pic>
+        <p:nvPicPr>
+          <p:cNvPr id="60" name="Graphic 18" descr="Radio microphone with solid fill">
+            <a:extLst>
+              <a:ext uri="{FF2B5EF4-FFF2-40B4-BE49-F238E27FC236}">
+                <a16:creationId xmlns:a16="http://schemas.microsoft.com/office/drawing/2014/main" id="{B6597EB7-4DB0-4A16-BDDD-87BE353EC88B}"/>
+              </a:ext>
+            </a:extLst>
+          </p:cNvPr>
+          <p:cNvPicPr>
+            <a:picLocks noChangeAspect="1"/>
+          </p:cNvPicPr>
+          <p:nvPr/>
+        </p:nvPicPr>
+        <p:blipFill>
+          <a:blip r:embed="rId8">
+            <a:extLst>
+              <a:ext uri="{96DAC541-7B7A-43D3-8B79-37D633B846F1}">
+                <asvg:svgBlip xmlns:asvg="http://schemas.microsoft.com/office/drawing/2016/SVG/main" r:embed="rId9"/>
+              </a:ext>
+            </a:extLst>
+          </a:blip>
+          <a:stretch>
+            <a:fillRect/>
+          </a:stretch>
+        </p:blipFill>
+        <p:spPr>
+          <a:xfrm>
+            <a:off x="9490645" y="1305450"/>
+            <a:ext cx="548640" cy="548640"/>
+          </a:xfrm>
+          <a:prstGeom prst="rect">
+            <a:avLst/>
+          </a:prstGeom>
+          <a:noFill/>
+          <a:ln cap="flat">
+            <a:noFill/>
+          </a:ln>
+        </p:spPr>
+      </p:pic>
+      <p:pic>
+        <p:nvPicPr>
+          <p:cNvPr id="61" name="Graphic 20" descr="Voice with solid fill">
+            <a:extLst>
+              <a:ext uri="{FF2B5EF4-FFF2-40B4-BE49-F238E27FC236}">
+                <a16:creationId xmlns:a16="http://schemas.microsoft.com/office/drawing/2014/main" id="{BCED7561-E319-4AC0-B117-B3B43C2BC1CB}"/>
+              </a:ext>
+            </a:extLst>
+          </p:cNvPr>
+          <p:cNvPicPr>
+            <a:picLocks noChangeAspect="1"/>
+          </p:cNvPicPr>
+          <p:nvPr/>
+        </p:nvPicPr>
+        <p:blipFill>
+          <a:blip r:embed="rId10">
+            <a:extLst>
+              <a:ext uri="{96DAC541-7B7A-43D3-8B79-37D633B846F1}">
+                <asvg:svgBlip xmlns:asvg="http://schemas.microsoft.com/office/drawing/2016/SVG/main" r:embed="rId11"/>
+              </a:ext>
+            </a:extLst>
+          </a:blip>
+          <a:stretch>
+            <a:fillRect/>
+          </a:stretch>
+        </p:blipFill>
+        <p:spPr>
+          <a:xfrm>
+            <a:off x="9597520" y="4138941"/>
+            <a:ext cx="548640" cy="548640"/>
+          </a:xfrm>
+          <a:prstGeom prst="rect">
+            <a:avLst/>
+          </a:prstGeom>
+          <a:noFill/>
+          <a:ln cap="flat">
+            <a:noFill/>
+          </a:ln>
+        </p:spPr>
+      </p:pic>
+      <p:pic>
+        <p:nvPicPr>
+          <p:cNvPr id="62" name="Graphic 22" descr="Chat bubble with solid fill">
+            <a:extLst>
+              <a:ext uri="{FF2B5EF4-FFF2-40B4-BE49-F238E27FC236}">
+                <a16:creationId xmlns:a16="http://schemas.microsoft.com/office/drawing/2014/main" id="{70D2AE67-D239-4761-9692-323DD63E5686}"/>
+              </a:ext>
+            </a:extLst>
+          </p:cNvPr>
+          <p:cNvPicPr>
+            <a:picLocks noChangeAspect="1"/>
+          </p:cNvPicPr>
+          <p:nvPr/>
+        </p:nvPicPr>
+        <p:blipFill>
+          <a:blip r:embed="rId12">
+            <a:extLst>
+              <a:ext uri="{96DAC541-7B7A-43D3-8B79-37D633B846F1}">
+                <asvg:svgBlip xmlns:asvg="http://schemas.microsoft.com/office/drawing/2016/SVG/main" r:embed="rId13"/>
+              </a:ext>
+            </a:extLst>
+          </a:blip>
+          <a:stretch>
+            <a:fillRect/>
+          </a:stretch>
+        </p:blipFill>
+        <p:spPr>
+          <a:xfrm>
+            <a:off x="9597520" y="5281255"/>
+            <a:ext cx="548640" cy="548640"/>
+          </a:xfrm>
+          <a:prstGeom prst="rect">
+            <a:avLst/>
+          </a:prstGeom>
+          <a:noFill/>
+          <a:ln cap="flat">
+            <a:noFill/>
+          </a:ln>
+        </p:spPr>
+      </p:pic>
+      <p:pic>
+        <p:nvPicPr>
+          <p:cNvPr id="63" name="Graphic 26" descr="Ear with solid fill">
+            <a:extLst>
+              <a:ext uri="{FF2B5EF4-FFF2-40B4-BE49-F238E27FC236}">
+                <a16:creationId xmlns:a16="http://schemas.microsoft.com/office/drawing/2014/main" id="{058A7BCC-2FF8-47B1-AF5A-51AEB4DEAC72}"/>
+              </a:ext>
+            </a:extLst>
+          </p:cNvPr>
+          <p:cNvPicPr>
+            <a:picLocks noChangeAspect="1"/>
+          </p:cNvPicPr>
+          <p:nvPr/>
+        </p:nvPicPr>
+        <p:blipFill>
+          <a:blip r:embed="rId14">
+            <a:extLst>
+              <a:ext uri="{96DAC541-7B7A-43D3-8B79-37D633B846F1}">
+                <asvg:svgBlip xmlns:asvg="http://schemas.microsoft.com/office/drawing/2016/SVG/main" r:embed="rId15"/>
+              </a:ext>
+            </a:extLst>
+          </a:blip>
+          <a:stretch>
+            <a:fillRect/>
+          </a:stretch>
+        </p:blipFill>
+        <p:spPr>
+          <a:xfrm>
+            <a:off x="7252622" y="4140952"/>
+            <a:ext cx="548640" cy="548640"/>
+          </a:xfrm>
+          <a:prstGeom prst="rect">
+            <a:avLst/>
+          </a:prstGeom>
+          <a:noFill/>
+          <a:ln cap="flat">
+            <a:noFill/>
+          </a:ln>
+        </p:spPr>
+      </p:pic>
+      <p:pic>
+        <p:nvPicPr>
+          <p:cNvPr id="64" name="Graphic 28" descr="Eye with solid fill">
+            <a:extLst>
+              <a:ext uri="{FF2B5EF4-FFF2-40B4-BE49-F238E27FC236}">
+                <a16:creationId xmlns:a16="http://schemas.microsoft.com/office/drawing/2014/main" id="{348C94B8-4C9B-463B-A6BB-C3358FFBE5C9}"/>
+              </a:ext>
+            </a:extLst>
+          </p:cNvPr>
+          <p:cNvPicPr>
+            <a:picLocks noChangeAspect="1"/>
+          </p:cNvPicPr>
+          <p:nvPr/>
+        </p:nvPicPr>
+        <p:blipFill>
+          <a:blip r:embed="rId16">
+            <a:extLst>
+              <a:ext uri="{96DAC541-7B7A-43D3-8B79-37D633B846F1}">
+                <asvg:svgBlip xmlns:asvg="http://schemas.microsoft.com/office/drawing/2016/SVG/main" r:embed="rId17"/>
+              </a:ext>
+            </a:extLst>
+          </a:blip>
+          <a:stretch>
+            <a:fillRect/>
+          </a:stretch>
+        </p:blipFill>
+        <p:spPr>
+          <a:xfrm>
+            <a:off x="7252622" y="5272604"/>
+            <a:ext cx="548640" cy="548640"/>
+          </a:xfrm>
+          <a:prstGeom prst="rect">
+            <a:avLst/>
+          </a:prstGeom>
+          <a:noFill/>
+          <a:ln cap="flat">
+            <a:noFill/>
+          </a:ln>
+        </p:spPr>
+      </p:pic>
+      <p:pic>
+        <p:nvPicPr>
+          <p:cNvPr id="65" name="Graphic 30" descr="Lips with solid fill">
+            <a:extLst>
+              <a:ext uri="{FF2B5EF4-FFF2-40B4-BE49-F238E27FC236}">
+                <a16:creationId xmlns:a16="http://schemas.microsoft.com/office/drawing/2014/main" id="{A36EAD58-646F-45EB-BB08-A251F545B17B}"/>
+              </a:ext>
+            </a:extLst>
+          </p:cNvPr>
+          <p:cNvPicPr>
+            <a:picLocks noChangeAspect="1"/>
+          </p:cNvPicPr>
+          <p:nvPr/>
+        </p:nvPicPr>
+        <p:blipFill>
+          <a:blip r:embed="rId18">
+            <a:extLst>
+              <a:ext uri="{96DAC541-7B7A-43D3-8B79-37D633B846F1}">
+                <asvg:svgBlip xmlns:asvg="http://schemas.microsoft.com/office/drawing/2016/SVG/main" r:embed="rId19"/>
+              </a:ext>
+            </a:extLst>
+          </a:blip>
+          <a:stretch>
+            <a:fillRect/>
+          </a:stretch>
+        </p:blipFill>
+        <p:spPr>
+          <a:xfrm>
+            <a:off x="7174953" y="1296799"/>
+            <a:ext cx="548640" cy="548640"/>
+          </a:xfrm>
+          <a:prstGeom prst="rect">
+            <a:avLst/>
+          </a:prstGeom>
+          <a:noFill/>
+          <a:ln cap="flat">
+            <a:noFill/>
+          </a:ln>
+        </p:spPr>
+      </p:pic>
+      <p:pic>
+        <p:nvPicPr>
+          <p:cNvPr id="66" name="Graphic 32" descr="Man with solid fill">
+            <a:extLst>
+              <a:ext uri="{FF2B5EF4-FFF2-40B4-BE49-F238E27FC236}">
+                <a16:creationId xmlns:a16="http://schemas.microsoft.com/office/drawing/2014/main" id="{84596272-404C-41BA-B9DA-D765437C1AC5}"/>
+              </a:ext>
+            </a:extLst>
+          </p:cNvPr>
+          <p:cNvPicPr>
+            <a:picLocks noChangeAspect="1"/>
+          </p:cNvPicPr>
+          <p:nvPr/>
+        </p:nvPicPr>
+        <p:blipFill>
+          <a:blip r:embed="rId20">
+            <a:extLst>
+              <a:ext uri="{96DAC541-7B7A-43D3-8B79-37D633B846F1}">
+                <asvg:svgBlip xmlns:asvg="http://schemas.microsoft.com/office/drawing/2016/SVG/main" r:embed="rId21"/>
+              </a:ext>
+            </a:extLst>
+          </a:blip>
+          <a:stretch>
+            <a:fillRect/>
+          </a:stretch>
+        </p:blipFill>
+        <p:spPr>
+          <a:xfrm>
+            <a:off x="5597355" y="2815064"/>
+            <a:ext cx="914400" cy="914400"/>
+          </a:xfrm>
+          <a:prstGeom prst="rect">
+            <a:avLst/>
+          </a:prstGeom>
+          <a:noFill/>
+          <a:ln cap="flat">
+            <a:noFill/>
+          </a:ln>
+        </p:spPr>
+      </p:pic>
+      <p:cxnSp>
+        <p:nvCxnSpPr>
+          <p:cNvPr id="67" name="Straight Arrow Connector 34">
+            <a:extLst>
+              <a:ext uri="{FF2B5EF4-FFF2-40B4-BE49-F238E27FC236}">
+                <a16:creationId xmlns:a16="http://schemas.microsoft.com/office/drawing/2014/main" id="{FCCB322C-0CC8-493C-9285-3BAC069FF8CE}"/>
+              </a:ext>
+            </a:extLst>
+          </p:cNvPr>
+          <p:cNvCxnSpPr>
+            <a:stCxn id="61" idx="1"/>
+            <a:endCxn id="63" idx="3"/>
+          </p:cNvCxnSpPr>
+          <p:nvPr/>
+        </p:nvCxnSpPr>
+        <p:spPr>
+          <a:xfrm flipH="1">
+            <a:off x="7801262" y="4413261"/>
+            <a:ext cx="1796258" cy="2011"/>
+          </a:xfrm>
+          <a:prstGeom prst="straightConnector1">
+            <a:avLst/>
+          </a:prstGeom>
+          <a:noFill/>
+          <a:ln w="6345" cap="flat">
+            <a:solidFill>
+              <a:srgbClr val="023047"/>
+            </a:solidFill>
+            <a:prstDash val="solid"/>
+            <a:miter/>
+            <a:tailEnd type="arrow"/>
+          </a:ln>
+        </p:spPr>
+      </p:cxnSp>
+      <p:cxnSp>
+        <p:nvCxnSpPr>
+          <p:cNvPr id="68" name="Straight Arrow Connector 38">
+            <a:extLst>
+              <a:ext uri="{FF2B5EF4-FFF2-40B4-BE49-F238E27FC236}">
+                <a16:creationId xmlns:a16="http://schemas.microsoft.com/office/drawing/2014/main" id="{2AF828E1-CD61-433A-833D-8FE3E4AE8069}"/>
+              </a:ext>
+            </a:extLst>
+          </p:cNvPr>
+          <p:cNvCxnSpPr>
+            <a:stCxn id="62" idx="1"/>
+            <a:endCxn id="64" idx="3"/>
+          </p:cNvCxnSpPr>
+          <p:nvPr/>
+        </p:nvCxnSpPr>
+        <p:spPr>
+          <a:xfrm flipH="1" flipV="1">
+            <a:off x="7801262" y="5546924"/>
+            <a:ext cx="1796258" cy="8651"/>
+          </a:xfrm>
+          <a:prstGeom prst="straightConnector1">
+            <a:avLst/>
+          </a:prstGeom>
+          <a:noFill/>
+          <a:ln w="6345" cap="flat">
+            <a:solidFill>
+              <a:srgbClr val="023047"/>
+            </a:solidFill>
+            <a:prstDash val="solid"/>
+            <a:miter/>
+            <a:tailEnd type="arrow"/>
+          </a:ln>
+        </p:spPr>
+      </p:cxnSp>
+      <p:cxnSp>
+        <p:nvCxnSpPr>
+          <p:cNvPr id="69" name="Straight Arrow Connector 41">
+            <a:extLst>
+              <a:ext uri="{FF2B5EF4-FFF2-40B4-BE49-F238E27FC236}">
+                <a16:creationId xmlns:a16="http://schemas.microsoft.com/office/drawing/2014/main" id="{0B802D91-A8D0-466D-8D25-490F1695AD94}"/>
+              </a:ext>
+            </a:extLst>
+          </p:cNvPr>
+          <p:cNvCxnSpPr>
+            <a:stCxn id="57" idx="3"/>
+            <a:endCxn id="59" idx="1"/>
+          </p:cNvCxnSpPr>
+          <p:nvPr/>
+        </p:nvCxnSpPr>
+        <p:spPr>
+          <a:xfrm>
+            <a:off x="7723593" y="969264"/>
+            <a:ext cx="1725072" cy="8651"/>
+          </a:xfrm>
+          <a:prstGeom prst="straightConnector1">
+            <a:avLst/>
+          </a:prstGeom>
+          <a:noFill/>
+          <a:ln w="6345" cap="flat">
+            <a:solidFill>
+              <a:srgbClr val="023047"/>
+            </a:solidFill>
+            <a:prstDash val="solid"/>
+            <a:miter/>
+            <a:tailEnd type="arrow"/>
+          </a:ln>
+        </p:spPr>
+      </p:cxnSp>
+      <p:cxnSp>
+        <p:nvCxnSpPr>
+          <p:cNvPr id="70" name="Straight Arrow Connector 43">
+            <a:extLst>
+              <a:ext uri="{FF2B5EF4-FFF2-40B4-BE49-F238E27FC236}">
+                <a16:creationId xmlns:a16="http://schemas.microsoft.com/office/drawing/2014/main" id="{C18B7C06-83A5-4C75-8153-E3AAE41F3A74}"/>
+              </a:ext>
+            </a:extLst>
+          </p:cNvPr>
+          <p:cNvCxnSpPr>
+            <a:stCxn id="65" idx="3"/>
+            <a:endCxn id="60" idx="1"/>
+          </p:cNvCxnSpPr>
+          <p:nvPr/>
+        </p:nvCxnSpPr>
+        <p:spPr>
+          <a:xfrm>
+            <a:off x="7723593" y="1571119"/>
+            <a:ext cx="1767052" cy="8651"/>
+          </a:xfrm>
+          <a:prstGeom prst="straightConnector1">
+            <a:avLst/>
+          </a:prstGeom>
+          <a:noFill/>
+          <a:ln w="6345" cap="flat">
+            <a:solidFill>
+              <a:srgbClr val="023047"/>
+            </a:solidFill>
+            <a:prstDash val="solid"/>
+            <a:miter/>
+            <a:tailEnd type="arrow"/>
+          </a:ln>
+        </p:spPr>
+      </p:cxnSp>
+      <p:sp>
+        <p:nvSpPr>
+          <p:cNvPr id="71" name="Oval 45">
+            <a:extLst>
+              <a:ext uri="{FF2B5EF4-FFF2-40B4-BE49-F238E27FC236}">
+                <a16:creationId xmlns:a16="http://schemas.microsoft.com/office/drawing/2014/main" id="{D9830BEF-A163-4C92-9232-4C886AED0F4B}"/>
+              </a:ext>
+            </a:extLst>
+          </p:cNvPr>
+          <p:cNvSpPr/>
+          <p:nvPr/>
+        </p:nvSpPr>
+        <p:spPr>
+          <a:xfrm>
+            <a:off x="11102575" y="2541621"/>
+            <a:ext cx="91440" cy="91440"/>
+          </a:xfrm>
+          <a:custGeom>
+            <a:avLst/>
+            <a:gdLst>
+              <a:gd name="f0" fmla="val 21600000"/>
+              <a:gd name="f1" fmla="val 10800000"/>
+              <a:gd name="f2" fmla="val 5400000"/>
+              <a:gd name="f3" fmla="val 180"/>
+              <a:gd name="f4" fmla="val w"/>
+              <a:gd name="f5" fmla="val h"/>
+              <a:gd name="f6" fmla="val ss"/>
+              <a:gd name="f7" fmla="val 0"/>
+              <a:gd name="f8" fmla="*/ 5419351 1 1725033"/>
+              <a:gd name="f9" fmla="+- 0 0 -360"/>
+              <a:gd name="f10" fmla="+- 0 0 -180"/>
+              <a:gd name="f11" fmla="abs f4"/>
+              <a:gd name="f12" fmla="abs f5"/>
+              <a:gd name="f13" fmla="abs f6"/>
+              <a:gd name="f14" fmla="val f7"/>
+              <a:gd name="f15" fmla="+- 2700000 f2 0"/>
+              <a:gd name="f16" fmla="*/ f9 f1 1"/>
+              <a:gd name="f17" fmla="*/ f10 f1 1"/>
+              <a:gd name="f18" fmla="?: f11 f4 1"/>
+              <a:gd name="f19" fmla="?: f12 f5 1"/>
+              <a:gd name="f20" fmla="?: f13 f6 1"/>
+              <a:gd name="f21" fmla="*/ f15 f8 1"/>
+              <a:gd name="f22" fmla="*/ f16 1 f3"/>
+              <a:gd name="f23" fmla="*/ f17 1 f3"/>
+              <a:gd name="f24" fmla="*/ f18 1 21600"/>
+              <a:gd name="f25" fmla="*/ f19 1 21600"/>
+              <a:gd name="f26" fmla="*/ 21600 f18 1"/>
+              <a:gd name="f27" fmla="*/ 21600 f19 1"/>
+              <a:gd name="f28" fmla="*/ f21 1 f1"/>
+              <a:gd name="f29" fmla="+- f22 0 f2"/>
+              <a:gd name="f30" fmla="+- f23 0 f2"/>
+              <a:gd name="f31" fmla="min f25 f24"/>
+              <a:gd name="f32" fmla="*/ f26 1 f20"/>
+              <a:gd name="f33" fmla="*/ f27 1 f20"/>
+              <a:gd name="f34" fmla="+- 0 0 f28"/>
+              <a:gd name="f35" fmla="val f32"/>
+              <a:gd name="f36" fmla="val f33"/>
+              <a:gd name="f37" fmla="+- 0 0 f34"/>
+              <a:gd name="f38" fmla="*/ f14 f31 1"/>
+              <a:gd name="f39" fmla="+- f36 0 f14"/>
+              <a:gd name="f40" fmla="+- f35 0 f14"/>
+              <a:gd name="f41" fmla="*/ f37 f1 1"/>
+              <a:gd name="f42" fmla="*/ f39 1 2"/>
+              <a:gd name="f43" fmla="*/ f40 1 2"/>
+              <a:gd name="f44" fmla="*/ f41 1 f8"/>
+              <a:gd name="f45" fmla="+- f14 f42 0"/>
+              <a:gd name="f46" fmla="+- f14 f43 0"/>
+              <a:gd name="f47" fmla="+- f44 0 f2"/>
+              <a:gd name="f48" fmla="*/ f43 f31 1"/>
+              <a:gd name="f49" fmla="*/ f42 f31 1"/>
+              <a:gd name="f50" fmla="cos 1 f47"/>
+              <a:gd name="f51" fmla="sin 1 f47"/>
+              <a:gd name="f52" fmla="*/ f45 f31 1"/>
+              <a:gd name="f53" fmla="+- 0 0 f50"/>
+              <a:gd name="f54" fmla="+- 0 0 f51"/>
+              <a:gd name="f55" fmla="+- 0 0 f53"/>
+              <a:gd name="f56" fmla="+- 0 0 f54"/>
+              <a:gd name="f57" fmla="*/ f55 f43 1"/>
+              <a:gd name="f58" fmla="*/ f56 f42 1"/>
+              <a:gd name="f59" fmla="+- f46 0 f57"/>
+              <a:gd name="f60" fmla="+- f46 f57 0"/>
+              <a:gd name="f61" fmla="+- f45 0 f58"/>
+              <a:gd name="f62" fmla="+- f45 f58 0"/>
+              <a:gd name="f63" fmla="*/ f59 f31 1"/>
+              <a:gd name="f64" fmla="*/ f61 f31 1"/>
+              <a:gd name="f65" fmla="*/ f60 f31 1"/>
+              <a:gd name="f66" fmla="*/ f62 f31 1"/>
+            </a:gdLst>
+            <a:ahLst/>
+            <a:cxnLst>
+              <a:cxn ang="3cd4">
+                <a:pos x="hc" y="t"/>
+              </a:cxn>
+              <a:cxn ang="0">
+                <a:pos x="r" y="vc"/>
+              </a:cxn>
+              <a:cxn ang="cd4">
+                <a:pos x="hc" y="b"/>
+              </a:cxn>
+              <a:cxn ang="cd2">
+                <a:pos x="l" y="vc"/>
+              </a:cxn>
+              <a:cxn ang="f29">
+                <a:pos x="f63" y="f64"/>
+              </a:cxn>
+              <a:cxn ang="f30">
+                <a:pos x="f63" y="f66"/>
+              </a:cxn>
+              <a:cxn ang="f30">
+                <a:pos x="f65" y="f66"/>
+              </a:cxn>
+              <a:cxn ang="f29">
+                <a:pos x="f65" y="f64"/>
+              </a:cxn>
+            </a:cxnLst>
+            <a:rect l="f63" t="f64" r="f65" b="f66"/>
+            <a:pathLst>
+              <a:path>
+                <a:moveTo>
+                  <a:pt x="f38" y="f52"/>
+                </a:moveTo>
+                <a:arcTo wR="f48" hR="f49" stAng="f1" swAng="f0"/>
+                <a:close/>
+              </a:path>
+            </a:pathLst>
+          </a:custGeom>
+          <a:solidFill>
+            <a:srgbClr val="000000"/>
+          </a:solidFill>
+          <a:ln w="12701" cap="flat">
+            <a:solidFill>
+              <a:srgbClr val="000000"/>
+            </a:solidFill>
+            <a:prstDash val="solid"/>
+            <a:miter/>
+          </a:ln>
+        </p:spPr>
+        <p:txBody>
+          <a:bodyPr vert="horz" wrap="square" lIns="91440" tIns="45720" rIns="91440" bIns="45720" anchor="ctr" anchorCtr="1" compatLnSpc="1">
+            <a:noAutofit/>
+          </a:bodyPr>
+          <a:lstStyle/>
+          <a:p>
+            <a:pPr marL="0" marR="0" lvl="0" indent="0" algn="ctr" defTabSz="914400" rtl="0" fontAlgn="auto" hangingPunct="1">
+              <a:lnSpc>
+                <a:spcPct val="100000"/>
+              </a:lnSpc>
+              <a:spcBef>
+                <a:spcPts val="0"/>
+              </a:spcBef>
+              <a:spcAft>
+                <a:spcPts val="0"/>
+              </a:spcAft>
+              <a:buNone/>
+              <a:tabLst/>
+              <a:defRPr sz="1800" b="0" i="0" u="none" strike="noStrike" kern="0" cap="none" spc="0" baseline="0">
+                <a:solidFill>
+                  <a:srgbClr val="000000"/>
+                </a:solidFill>
+                <a:uFillTx/>
+              </a:defRPr>
+            </a:pPr>
+            <a:endParaRPr lang="en-GB" sz="1800" b="0" i="0" u="none" strike="noStrike" kern="1200" cap="none" spc="0" baseline="0">
+              <a:solidFill>
+                <a:srgbClr val="FFFFFF"/>
+              </a:solidFill>
+              <a:uFillTx/>
+              <a:latin typeface="Calibri"/>
+            </a:endParaRPr>
+          </a:p>
+        </p:txBody>
+      </p:sp>
+      <p:cxnSp>
+        <p:nvCxnSpPr>
+          <p:cNvPr id="72" name="Connector: Curved 62">
+            <a:extLst>
+              <a:ext uri="{FF2B5EF4-FFF2-40B4-BE49-F238E27FC236}">
+                <a16:creationId xmlns:a16="http://schemas.microsoft.com/office/drawing/2014/main" id="{9CC22EA0-ACDB-40FE-BB7F-F4E98075A1DE}"/>
+              </a:ext>
+            </a:extLst>
+          </p:cNvPr>
+          <p:cNvCxnSpPr>
+            <a:stCxn id="60" idx="3"/>
+            <a:endCxn id="71" idx="4"/>
+          </p:cNvCxnSpPr>
+          <p:nvPr/>
+        </p:nvCxnSpPr>
+        <p:spPr>
+          <a:xfrm>
+            <a:off x="10039285" y="1579770"/>
+            <a:ext cx="1076681" cy="975242"/>
+          </a:xfrm>
+          <a:prstGeom prst="curvedConnector2">
+            <a:avLst/>
+          </a:prstGeom>
+          <a:noFill/>
+          <a:ln w="6345" cap="flat">
+            <a:solidFill>
+              <a:srgbClr val="023047"/>
+            </a:solidFill>
+            <a:prstDash val="solid"/>
+            <a:miter/>
+            <a:tailEnd type="arrow"/>
+          </a:ln>
+        </p:spPr>
+      </p:cxnSp>
+      <p:cxnSp>
+        <p:nvCxnSpPr>
+          <p:cNvPr id="73" name="Connector: Curved 64">
+            <a:extLst>
+              <a:ext uri="{FF2B5EF4-FFF2-40B4-BE49-F238E27FC236}">
+                <a16:creationId xmlns:a16="http://schemas.microsoft.com/office/drawing/2014/main" id="{596F5C00-8A7B-4305-8AA4-EA967D744170}"/>
+              </a:ext>
+            </a:extLst>
+          </p:cNvPr>
+          <p:cNvCxnSpPr>
+            <a:stCxn id="59" idx="3"/>
+            <a:endCxn id="71" idx="0"/>
+          </p:cNvCxnSpPr>
+          <p:nvPr/>
+        </p:nvCxnSpPr>
+        <p:spPr>
+          <a:xfrm>
+            <a:off x="9997305" y="977915"/>
+            <a:ext cx="1150990" cy="1563706"/>
+          </a:xfrm>
+          <a:prstGeom prst="curvedConnector2">
+            <a:avLst/>
+          </a:prstGeom>
+          <a:noFill/>
+          <a:ln w="6345" cap="flat">
+            <a:solidFill>
+              <a:srgbClr val="023047"/>
+            </a:solidFill>
+            <a:prstDash val="solid"/>
+            <a:miter/>
+            <a:tailEnd type="arrow"/>
+          </a:ln>
+        </p:spPr>
+      </p:cxnSp>
+      <p:cxnSp>
+        <p:nvCxnSpPr>
+          <p:cNvPr id="74" name="Connector: Curved 67">
+            <a:extLst>
+              <a:ext uri="{FF2B5EF4-FFF2-40B4-BE49-F238E27FC236}">
+                <a16:creationId xmlns:a16="http://schemas.microsoft.com/office/drawing/2014/main" id="{82FE9436-E938-40B7-B5A1-50D9074B1530}"/>
+              </a:ext>
+            </a:extLst>
+          </p:cNvPr>
+          <p:cNvCxnSpPr>
+            <a:stCxn id="58" idx="2"/>
+            <a:endCxn id="61" idx="3"/>
+          </p:cNvCxnSpPr>
+          <p:nvPr/>
+        </p:nvCxnSpPr>
+        <p:spPr>
+          <a:xfrm rot="5400000">
+            <a:off x="10305330" y="3570295"/>
+            <a:ext cx="683797" cy="1002135"/>
+          </a:xfrm>
+          <a:prstGeom prst="curvedConnector2">
+            <a:avLst/>
+          </a:prstGeom>
+          <a:noFill/>
+          <a:ln w="6345" cap="flat">
+            <a:solidFill>
+              <a:srgbClr val="023047"/>
+            </a:solidFill>
+            <a:prstDash val="solid"/>
+            <a:miter/>
+            <a:tailEnd type="arrow"/>
+          </a:ln>
+        </p:spPr>
+      </p:cxnSp>
+      <p:cxnSp>
+        <p:nvCxnSpPr>
+          <p:cNvPr id="75" name="Connector: Curved 69">
+            <a:extLst>
+              <a:ext uri="{FF2B5EF4-FFF2-40B4-BE49-F238E27FC236}">
+                <a16:creationId xmlns:a16="http://schemas.microsoft.com/office/drawing/2014/main" id="{EEA51232-0D84-4429-88DE-2A3511CCEAD4}"/>
+              </a:ext>
+            </a:extLst>
+          </p:cNvPr>
+          <p:cNvCxnSpPr>
+            <a:stCxn id="58" idx="2"/>
+            <a:endCxn id="62" idx="3"/>
+          </p:cNvCxnSpPr>
+          <p:nvPr/>
+        </p:nvCxnSpPr>
+        <p:spPr>
+          <a:xfrm rot="5400000">
+            <a:off x="9734173" y="4141452"/>
+            <a:ext cx="1826111" cy="1002135"/>
+          </a:xfrm>
+          <a:prstGeom prst="curvedConnector2">
+            <a:avLst/>
+          </a:prstGeom>
+          <a:noFill/>
+          <a:ln w="6345" cap="flat">
+            <a:solidFill>
+              <a:srgbClr val="023047"/>
+            </a:solidFill>
+            <a:prstDash val="solid"/>
+            <a:miter/>
+            <a:tailEnd type="arrow"/>
+          </a:ln>
+        </p:spPr>
+      </p:cxnSp>
+      <p:cxnSp>
+        <p:nvCxnSpPr>
+          <p:cNvPr id="76" name="Straight Arrow Connector 71">
+            <a:extLst>
+              <a:ext uri="{FF2B5EF4-FFF2-40B4-BE49-F238E27FC236}">
+                <a16:creationId xmlns:a16="http://schemas.microsoft.com/office/drawing/2014/main" id="{18D89AD7-178E-41D4-BF0A-7673AC106E93}"/>
+              </a:ext>
+            </a:extLst>
+          </p:cNvPr>
+          <p:cNvCxnSpPr>
+            <a:stCxn id="71" idx="2"/>
+            <a:endCxn id="58" idx="0"/>
+          </p:cNvCxnSpPr>
+          <p:nvPr/>
+        </p:nvCxnSpPr>
+        <p:spPr>
+          <a:xfrm>
+            <a:off x="11148295" y="2633061"/>
+            <a:ext cx="0" cy="182003"/>
+          </a:xfrm>
+          <a:prstGeom prst="straightConnector1">
+            <a:avLst/>
+          </a:prstGeom>
+          <a:noFill/>
+          <a:ln w="6345" cap="flat">
+            <a:solidFill>
+              <a:srgbClr val="000000"/>
+            </a:solidFill>
+            <a:prstDash val="solid"/>
+            <a:miter/>
+            <a:tailEnd type="arrow"/>
+          </a:ln>
+        </p:spPr>
+      </p:cxnSp>
+      <p:cxnSp>
+        <p:nvCxnSpPr>
+          <p:cNvPr id="77" name="Connector: Curved 73">
+            <a:extLst>
+              <a:ext uri="{FF2B5EF4-FFF2-40B4-BE49-F238E27FC236}">
+                <a16:creationId xmlns:a16="http://schemas.microsoft.com/office/drawing/2014/main" id="{3D39EE15-A3AE-40D8-AA0A-D4F1916A6D37}"/>
+              </a:ext>
+            </a:extLst>
+          </p:cNvPr>
+          <p:cNvCxnSpPr>
+            <a:stCxn id="63" idx="1"/>
+            <a:endCxn id="66" idx="2"/>
+          </p:cNvCxnSpPr>
+          <p:nvPr/>
+        </p:nvCxnSpPr>
+        <p:spPr>
+          <a:xfrm rot="10800000">
+            <a:off x="6054556" y="3729464"/>
+            <a:ext cx="1198067" cy="685808"/>
+          </a:xfrm>
+          <a:prstGeom prst="curvedConnector2">
+            <a:avLst/>
+          </a:prstGeom>
+          <a:noFill/>
+          <a:ln w="6345" cap="flat">
+            <a:solidFill>
+              <a:srgbClr val="023047"/>
+            </a:solidFill>
+            <a:prstDash val="solid"/>
+            <a:miter/>
+            <a:tailEnd type="arrow"/>
+          </a:ln>
+        </p:spPr>
+      </p:cxnSp>
+      <p:cxnSp>
+        <p:nvCxnSpPr>
+          <p:cNvPr id="78" name="Connector: Curved 75">
+            <a:extLst>
+              <a:ext uri="{FF2B5EF4-FFF2-40B4-BE49-F238E27FC236}">
+                <a16:creationId xmlns:a16="http://schemas.microsoft.com/office/drawing/2014/main" id="{78906A74-A0B6-4F04-9B4E-E091696B9AA9}"/>
+              </a:ext>
+            </a:extLst>
+          </p:cNvPr>
+          <p:cNvCxnSpPr>
+            <a:stCxn id="64" idx="1"/>
+            <a:endCxn id="66" idx="2"/>
+          </p:cNvCxnSpPr>
+          <p:nvPr/>
+        </p:nvCxnSpPr>
+        <p:spPr>
+          <a:xfrm rot="10800000">
+            <a:off x="6054556" y="3729464"/>
+            <a:ext cx="1198067" cy="1817460"/>
+          </a:xfrm>
+          <a:prstGeom prst="curvedConnector2">
+            <a:avLst/>
+          </a:prstGeom>
+          <a:noFill/>
+          <a:ln w="6345" cap="flat">
+            <a:solidFill>
+              <a:srgbClr val="023047"/>
+            </a:solidFill>
+            <a:prstDash val="solid"/>
+            <a:miter/>
+            <a:tailEnd type="arrow"/>
+          </a:ln>
+        </p:spPr>
+      </p:cxnSp>
+      <p:cxnSp>
+        <p:nvCxnSpPr>
+          <p:cNvPr id="79" name="Connector: Curved 77">
+            <a:extLst>
+              <a:ext uri="{FF2B5EF4-FFF2-40B4-BE49-F238E27FC236}">
+                <a16:creationId xmlns:a16="http://schemas.microsoft.com/office/drawing/2014/main" id="{69888D86-44B8-4195-B63B-250B24336EEE}"/>
+              </a:ext>
+            </a:extLst>
+          </p:cNvPr>
+          <p:cNvCxnSpPr>
+            <a:stCxn id="66" idx="0"/>
+            <a:endCxn id="57" idx="1"/>
+          </p:cNvCxnSpPr>
+          <p:nvPr/>
+        </p:nvCxnSpPr>
+        <p:spPr>
+          <a:xfrm rot="5400000" flipH="1" flipV="1">
+            <a:off x="5691854" y="1331965"/>
+            <a:ext cx="1845800" cy="1120398"/>
+          </a:xfrm>
+          <a:prstGeom prst="curvedConnector2">
+            <a:avLst/>
+          </a:prstGeom>
+          <a:noFill/>
+          <a:ln w="6345" cap="flat">
+            <a:solidFill>
+              <a:srgbClr val="023047"/>
+            </a:solidFill>
+            <a:prstDash val="solid"/>
+            <a:miter/>
+            <a:tailEnd type="arrow"/>
+          </a:ln>
+        </p:spPr>
+      </p:cxnSp>
+      <p:cxnSp>
+        <p:nvCxnSpPr>
+          <p:cNvPr id="80" name="Connector: Curved 81">
+            <a:extLst>
+              <a:ext uri="{FF2B5EF4-FFF2-40B4-BE49-F238E27FC236}">
+                <a16:creationId xmlns:a16="http://schemas.microsoft.com/office/drawing/2014/main" id="{2F9AC1F3-AD74-4CBA-8B90-ACC371D32875}"/>
+              </a:ext>
+            </a:extLst>
+          </p:cNvPr>
+          <p:cNvCxnSpPr>
+            <a:stCxn id="66" idx="0"/>
+            <a:endCxn id="65" idx="1"/>
+          </p:cNvCxnSpPr>
+          <p:nvPr/>
+        </p:nvCxnSpPr>
+        <p:spPr>
+          <a:xfrm rot="5400000" flipH="1" flipV="1">
+            <a:off x="5992782" y="1632893"/>
+            <a:ext cx="1243945" cy="1120398"/>
+          </a:xfrm>
+          <a:prstGeom prst="curvedConnector2">
+            <a:avLst/>
+          </a:prstGeom>
+          <a:noFill/>
+          <a:ln w="6345" cap="flat">
+            <a:solidFill>
+              <a:srgbClr val="023047"/>
+            </a:solidFill>
+            <a:prstDash val="solid"/>
+            <a:miter/>
+            <a:tailEnd type="arrow"/>
+          </a:ln>
+        </p:spPr>
+      </p:cxnSp>
+      <p:pic>
+        <p:nvPicPr>
+          <p:cNvPr id="81" name="Graphic 80" descr="Protecting hand with solid fill">
+            <a:extLst>
+              <a:ext uri="{FF2B5EF4-FFF2-40B4-BE49-F238E27FC236}">
+                <a16:creationId xmlns:a16="http://schemas.microsoft.com/office/drawing/2014/main" id="{8A816DF2-438C-4B59-B252-9284F3212B0D}"/>
+              </a:ext>
+            </a:extLst>
+          </p:cNvPr>
+          <p:cNvPicPr>
+            <a:picLocks noChangeAspect="1"/>
+          </p:cNvPicPr>
+          <p:nvPr/>
+        </p:nvPicPr>
+        <p:blipFill>
+          <a:blip r:embed="rId22">
+            <a:extLst>
+              <a:ext uri="{28A0092B-C50C-407E-A947-70E740481C1C}">
+                <a14:useLocalDpi xmlns:a14="http://schemas.microsoft.com/office/drawing/2010/main" val="0"/>
+              </a:ext>
+              <a:ext uri="{96DAC541-7B7A-43D3-8B79-37D633B846F1}">
+                <asvg:svgBlip xmlns:asvg="http://schemas.microsoft.com/office/drawing/2016/SVG/main" r:embed="rId23"/>
+              </a:ext>
+            </a:extLst>
+          </a:blip>
+          <a:stretch>
+            <a:fillRect/>
+          </a:stretch>
+        </p:blipFill>
+        <p:spPr>
+          <a:xfrm flipH="1">
+            <a:off x="7252622" y="1898654"/>
+            <a:ext cx="457200" cy="457200"/>
+          </a:xfrm>
+          <a:prstGeom prst="rect">
+            <a:avLst/>
+          </a:prstGeom>
+        </p:spPr>
+      </p:pic>
+      <p:pic>
+        <p:nvPicPr>
+          <p:cNvPr id="82" name="Graphic 81" descr="Keyboard with solid fill">
+            <a:extLst>
+              <a:ext uri="{FF2B5EF4-FFF2-40B4-BE49-F238E27FC236}">
+                <a16:creationId xmlns:a16="http://schemas.microsoft.com/office/drawing/2014/main" id="{2F555C17-231F-4488-A2A0-B11A914C5EEC}"/>
+              </a:ext>
+            </a:extLst>
+          </p:cNvPr>
+          <p:cNvPicPr>
+            <a:picLocks noChangeAspect="1"/>
+          </p:cNvPicPr>
+          <p:nvPr/>
+        </p:nvPicPr>
+        <p:blipFill>
+          <a:blip r:embed="rId24">
+            <a:extLst>
+              <a:ext uri="{28A0092B-C50C-407E-A947-70E740481C1C}">
+                <a14:useLocalDpi xmlns:a14="http://schemas.microsoft.com/office/drawing/2010/main" val="0"/>
+              </a:ext>
+              <a:ext uri="{96DAC541-7B7A-43D3-8B79-37D633B846F1}">
+                <asvg:svgBlip xmlns:asvg="http://schemas.microsoft.com/office/drawing/2016/SVG/main" r:embed="rId25"/>
+              </a:ext>
+            </a:extLst>
+          </a:blip>
+          <a:stretch>
+            <a:fillRect/>
+          </a:stretch>
+        </p:blipFill>
+        <p:spPr>
+          <a:xfrm>
+            <a:off x="9540105" y="1899810"/>
+            <a:ext cx="457200" cy="457200"/>
+          </a:xfrm>
+          <a:prstGeom prst="rect">
+            <a:avLst/>
+          </a:prstGeom>
+        </p:spPr>
+      </p:pic>
+      <p:cxnSp>
+        <p:nvCxnSpPr>
+          <p:cNvPr id="83" name="Straight Arrow Connector 43">
+            <a:extLst>
+              <a:ext uri="{FF2B5EF4-FFF2-40B4-BE49-F238E27FC236}">
+                <a16:creationId xmlns:a16="http://schemas.microsoft.com/office/drawing/2014/main" id="{3197D996-E649-4EDA-8C35-83F5A3E6C417}"/>
+              </a:ext>
+            </a:extLst>
+          </p:cNvPr>
+          <p:cNvCxnSpPr>
+            <a:cxnSpLocks/>
+            <a:stCxn id="81" idx="1"/>
+            <a:endCxn id="82" idx="1"/>
+          </p:cNvCxnSpPr>
+          <p:nvPr/>
+        </p:nvCxnSpPr>
+        <p:spPr>
+          <a:xfrm>
+            <a:off x="7709822" y="2127254"/>
+            <a:ext cx="1830283" cy="1156"/>
+          </a:xfrm>
+          <a:prstGeom prst="straightConnector1">
+            <a:avLst/>
+          </a:prstGeom>
+          <a:noFill/>
+          <a:ln w="6345" cap="flat">
+            <a:solidFill>
+              <a:srgbClr val="023047"/>
+            </a:solidFill>
+            <a:prstDash val="solid"/>
+            <a:miter/>
+            <a:tailEnd type="arrow"/>
+          </a:ln>
+        </p:spPr>
+      </p:cxnSp>
+      <p:cxnSp>
+        <p:nvCxnSpPr>
+          <p:cNvPr id="106" name="Connector: Curved 81">
+            <a:extLst>
+              <a:ext uri="{FF2B5EF4-FFF2-40B4-BE49-F238E27FC236}">
+                <a16:creationId xmlns:a16="http://schemas.microsoft.com/office/drawing/2014/main" id="{C3EF645E-EE6F-40B7-AADC-8D8A896F8825}"/>
+              </a:ext>
+            </a:extLst>
+          </p:cNvPr>
+          <p:cNvCxnSpPr>
+            <a:cxnSpLocks/>
+            <a:stCxn id="66" idx="0"/>
+            <a:endCxn id="81" idx="3"/>
+          </p:cNvCxnSpPr>
+          <p:nvPr/>
+        </p:nvCxnSpPr>
+        <p:spPr>
+          <a:xfrm rot="5400000" flipH="1" flipV="1">
+            <a:off x="6309683" y="1872126"/>
+            <a:ext cx="687810" cy="1198067"/>
+          </a:xfrm>
+          <a:prstGeom prst="curvedConnector2">
+            <a:avLst/>
+          </a:prstGeom>
+          <a:noFill/>
+          <a:ln w="6345" cap="flat">
+            <a:solidFill>
+              <a:srgbClr val="023047"/>
+            </a:solidFill>
+            <a:prstDash val="solid"/>
+            <a:miter/>
+            <a:tailEnd type="arrow"/>
+          </a:ln>
+        </p:spPr>
+      </p:cxnSp>
+      <p:cxnSp>
+        <p:nvCxnSpPr>
+          <p:cNvPr id="109" name="Connector: Curved 81">
+            <a:extLst>
+              <a:ext uri="{FF2B5EF4-FFF2-40B4-BE49-F238E27FC236}">
+                <a16:creationId xmlns:a16="http://schemas.microsoft.com/office/drawing/2014/main" id="{A88CE069-D8D0-4309-A73A-E04FBFB893F9}"/>
+              </a:ext>
+            </a:extLst>
+          </p:cNvPr>
+          <p:cNvCxnSpPr>
+            <a:cxnSpLocks/>
+            <a:stCxn id="82" idx="3"/>
+            <a:endCxn id="71" idx="4"/>
+          </p:cNvCxnSpPr>
+          <p:nvPr/>
+        </p:nvCxnSpPr>
+        <p:spPr>
+          <a:xfrm>
+            <a:off x="9997305" y="2128410"/>
+            <a:ext cx="1118661" cy="426602"/>
+          </a:xfrm>
+          <a:prstGeom prst="curvedConnector2">
+            <a:avLst/>
+          </a:prstGeom>
+          <a:noFill/>
+          <a:ln w="6345" cap="flat">
+            <a:solidFill>
+              <a:srgbClr val="023047"/>
+            </a:solidFill>
+            <a:prstDash val="solid"/>
+            <a:miter/>
+            <a:tailEnd type="arrow"/>
+          </a:ln>
+        </p:spPr>
+      </p:cxnSp>
+    </p:spTree>
+    <p:extLst>
+      <p:ext uri="{BB962C8B-B14F-4D97-AF65-F5344CB8AC3E}">
+        <p14:creationId xmlns:p14="http://schemas.microsoft.com/office/powerpoint/2010/main" val="4164092931"/>
+      </p:ext>
+    </p:extLst>
+  </p:cSld>
+  <p:clrMapOvr>
+    <a:masterClrMapping/>
+  </p:clrMapOvr>
+</p:sld>
+</file>
+
+<file path=ppt/slides/slide6.xml><?xml version="1.0" encoding="utf-8"?>
+<p:sld xmlns:a="http://schemas.openxmlformats.org/drawingml/2006/main" xmlns:r="http://schemas.openxmlformats.org/officeDocument/2006/relationships" xmlns:p="http://schemas.openxmlformats.org/presentationml/2006/main">
+  <p:cSld>
+    <p:bg>
+      <p:bgPr>
+        <a:solidFill>
+          <a:schemeClr val="bg1"/>
+        </a:solidFill>
+        <a:effectLst/>
+      </p:bgPr>
+    </p:bg>
+    <p:spTree>
+      <p:nvGrpSpPr>
+        <p:cNvPr id="1" name=""/>
+        <p:cNvGrpSpPr/>
+        <p:nvPr/>
+      </p:nvGrpSpPr>
+      <p:grpSpPr>
+        <a:xfrm>
+          <a:off x="0" y="0"/>
+          <a:ext cx="0" cy="0"/>
+          <a:chOff x="0" y="0"/>
+          <a:chExt cx="0" cy="0"/>
+        </a:xfrm>
+      </p:grpSpPr>
+      <p:sp useBgFill="1">
+        <p:nvSpPr>
+          <p:cNvPr id="52" name="Rectangle 42">
+            <a:extLst>
+              <a:ext uri="{FF2B5EF4-FFF2-40B4-BE49-F238E27FC236}">
+                <a16:creationId xmlns:a16="http://schemas.microsoft.com/office/drawing/2014/main" id="{201CC55D-ED54-4C5C-95E6-10947BD1103B}"/>
+              </a:ext>
+              <a:ext uri="{C183D7F6-B498-43B3-948B-1728B52AA6E4}">
+                <adec:decorative xmlns:adec="http://schemas.microsoft.com/office/drawing/2017/decorative" val="1"/>
+              </a:ext>
+            </a:extLst>
+          </p:cNvPr>
+          <p:cNvSpPr>
+            <a:spLocks noGrp="1" noRot="1" noChangeAspect="1" noMove="1" noResize="1" noEditPoints="1" noAdjustHandles="1" noChangeArrowheads="1" noChangeShapeType="1" noTextEdit="1"/>
+          </p:cNvSpPr>
+          <p:nvPr>
+            <p:extLst>
+              <p:ext uri="{386F3935-93C4-4BCD-93E2-E3B085C9AB24}">
+                <p16:designElem xmlns:p16="http://schemas.microsoft.com/office/powerpoint/2015/main" val="1"/>
+              </p:ext>
+            </p:extLst>
+          </p:nvPr>
+        </p:nvSpPr>
+        <p:spPr>
+          <a:xfrm>
+            <a:off x="0" y="0"/>
+            <a:ext cx="12191999" cy="6857365"/>
+          </a:xfrm>
+          <a:prstGeom prst="rect">
+            <a:avLst/>
+          </a:prstGeom>
+          <a:ln>
+            <a:noFill/>
+          </a:ln>
+        </p:spPr>
+        <p:style>
+          <a:lnRef idx="2">
+            <a:schemeClr val="accent1">
+              <a:shade val="50000"/>
+            </a:schemeClr>
+          </a:lnRef>
+          <a:fillRef idx="1">
+            <a:schemeClr val="accent1"/>
+          </a:fillRef>
+          <a:effectRef idx="0">
+            <a:schemeClr val="accent1"/>
+          </a:effectRef>
+          <a:fontRef idx="minor">
+            <a:schemeClr val="lt1"/>
+          </a:fontRef>
+        </p:style>
+        <p:txBody>
+          <a:bodyPr rtlCol="0" anchor="ctr"/>
+          <a:lstStyle/>
+          <a:p>
+            <a:pPr algn="ctr"/>
+            <a:endParaRPr lang="en-US"/>
+          </a:p>
+        </p:txBody>
+      </p:sp>
+      <p:sp>
+        <p:nvSpPr>
+          <p:cNvPr id="19" name="Rectangle 18">
+            <a:extLst>
+              <a:ext uri="{FF2B5EF4-FFF2-40B4-BE49-F238E27FC236}">
+                <a16:creationId xmlns:a16="http://schemas.microsoft.com/office/drawing/2014/main" id="{839D4B9E-CCF5-4693-A7D2-3F65D29B2909}"/>
+              </a:ext>
+            </a:extLst>
+          </p:cNvPr>
+          <p:cNvSpPr/>
+          <p:nvPr/>
+        </p:nvSpPr>
+        <p:spPr>
+          <a:xfrm>
+            <a:off x="355197" y="640080"/>
+            <a:ext cx="5330612" cy="1316736"/>
+          </a:xfrm>
+          <a:prstGeom prst="rect">
+            <a:avLst/>
+          </a:prstGeom>
+          <a:solidFill>
+            <a:srgbClr val="023047"/>
+          </a:solidFill>
+          <a:ln>
+            <a:noFill/>
+          </a:ln>
+        </p:spPr>
+        <p:style>
+          <a:lnRef idx="2">
+            <a:schemeClr val="accent1">
+              <a:shade val="50000"/>
+            </a:schemeClr>
+          </a:lnRef>
+          <a:fillRef idx="1">
+            <a:schemeClr val="accent1"/>
+          </a:fillRef>
+          <a:effectRef idx="0">
+            <a:schemeClr val="accent1"/>
+          </a:effectRef>
+          <a:fontRef idx="minor">
+            <a:schemeClr val="lt1"/>
+          </a:fontRef>
+        </p:style>
+        <p:txBody>
+          <a:bodyPr rtlCol="0" anchor="ctr"/>
+          <a:lstStyle/>
+          <a:p>
+            <a:pPr algn="ctr"/>
+            <a:endParaRPr lang="en-GB"/>
+          </a:p>
+        </p:txBody>
+      </p:sp>
+      <p:sp>
+        <p:nvSpPr>
+          <p:cNvPr id="2" name="Title 1">
+            <a:extLst>
+              <a:ext uri="{FF2B5EF4-FFF2-40B4-BE49-F238E27FC236}">
+                <a16:creationId xmlns:a16="http://schemas.microsoft.com/office/drawing/2014/main" id="{F703FF40-49BD-4711-8571-801EBE0CF90B}"/>
+              </a:ext>
+            </a:extLst>
+          </p:cNvPr>
+          <p:cNvSpPr>
+            <a:spLocks noGrp="1"/>
+          </p:cNvSpPr>
+          <p:nvPr>
+            <p:ph type="title"/>
+          </p:nvPr>
+        </p:nvSpPr>
+        <p:spPr>
+          <a:xfrm>
+            <a:off x="589560" y="694944"/>
+            <a:ext cx="4672496" cy="1289304"/>
+          </a:xfrm>
+        </p:spPr>
+        <p:txBody>
+          <a:bodyPr vert="horz" lIns="91440" tIns="45720" rIns="91440" bIns="45720" rtlCol="0" anchor="ctr">
+            <a:normAutofit/>
+          </a:bodyPr>
+          <a:lstStyle/>
+          <a:p>
+            <a:r>
+              <a:rPr lang="en-US" sz="5400" dirty="0">
+                <a:solidFill>
+                  <a:srgbClr val="FFC000"/>
+                </a:solidFill>
+              </a:rPr>
+              <a:t>Technology</a:t>
+            </a:r>
+            <a:endParaRPr lang="en-US" sz="4400" dirty="0">
+              <a:solidFill>
+                <a:srgbClr val="FFC000"/>
+              </a:solidFill>
+            </a:endParaRPr>
+          </a:p>
+        </p:txBody>
+      </p:sp>
+      <p:grpSp>
+        <p:nvGrpSpPr>
+          <p:cNvPr id="54" name="Group 44">
+            <a:extLst>
+              <a:ext uri="{FF2B5EF4-FFF2-40B4-BE49-F238E27FC236}">
+                <a16:creationId xmlns:a16="http://schemas.microsoft.com/office/drawing/2014/main" id="{1DE889C7-FAD6-4397-98E2-05D503484459}"/>
+              </a:ext>
+              <a:ext uri="{C183D7F6-B498-43B3-948B-1728B52AA6E4}">
+                <adec:decorative xmlns:adec="http://schemas.microsoft.com/office/drawing/2017/decorative" val="1"/>
+              </a:ext>
+            </a:extLst>
+          </p:cNvPr>
+          <p:cNvGrpSpPr>
+            <a:grpSpLocks noGrp="1" noUngrp="1" noRot="1" noChangeAspect="1" noMove="1" noResize="1"/>
+          </p:cNvGrpSpPr>
+          <p:nvPr>
+            <p:extLst>
+              <p:ext uri="{386F3935-93C4-4BCD-93E2-E3B085C9AB24}">
+                <p16:designElem xmlns:p16="http://schemas.microsoft.com/office/powerpoint/2015/main" val="1"/>
+              </p:ext>
+            </p:extLst>
+          </p:nvPr>
+        </p:nvGrpSpPr>
+        <p:grpSpPr>
+          <a:xfrm>
+            <a:off x="0" y="1083484"/>
+            <a:ext cx="355196" cy="673460"/>
+            <a:chOff x="0" y="823811"/>
+            <a:chExt cx="355196" cy="673460"/>
+          </a:xfrm>
+        </p:grpSpPr>
+        <p:sp>
+          <p:nvSpPr>
+            <p:cNvPr id="46" name="Rectangle 45">
+              <a:extLst>
+                <a:ext uri="{FF2B5EF4-FFF2-40B4-BE49-F238E27FC236}">
+                  <a16:creationId xmlns:a16="http://schemas.microsoft.com/office/drawing/2014/main" id="{F399A70F-F8CD-4992-9EF5-6CF15472E73F}"/>
+                </a:ext>
+                <a:ext uri="{C183D7F6-B498-43B3-948B-1728B52AA6E4}">
+                  <adec:decorative xmlns:adec="http://schemas.microsoft.com/office/drawing/2017/decorative" val="1"/>
+                </a:ext>
+              </a:extLst>
+            </p:cNvPr>
+            <p:cNvSpPr/>
+            <p:nvPr>
+              <p:extLst>
+                <p:ext uri="{386F3935-93C4-4BCD-93E2-E3B085C9AB24}">
+                  <p16:designElem xmlns:p16="http://schemas.microsoft.com/office/powerpoint/2015/main" val="1"/>
+                </p:ext>
+              </p:extLst>
+            </p:nvPr>
+          </p:nvSpPr>
+          <p:spPr>
+            <a:xfrm>
+              <a:off x="0" y="823811"/>
+              <a:ext cx="87363" cy="673460"/>
+            </a:xfrm>
+            <a:prstGeom prst="rect">
+              <a:avLst/>
+            </a:prstGeom>
+            <a:solidFill>
+              <a:schemeClr val="accent4"/>
+            </a:solidFill>
             <a:ln>
               <a:noFill/>
             </a:ln>
@@ -6770,10 +10529,10 @@
         </p:sp>
         <p:sp>
           <p:nvSpPr>
-            <p:cNvPr id="15" name="Rectangle 14">
+            <p:cNvPr id="55" name="Rectangle 46">
               <a:extLst>
                 <a:ext uri="{FF2B5EF4-FFF2-40B4-BE49-F238E27FC236}">
-                  <a16:creationId xmlns:a16="http://schemas.microsoft.com/office/drawing/2014/main" id="{ED49787B-8DE6-4467-AD0A-8DECC6E0C2D6}"/>
+                  <a16:creationId xmlns:a16="http://schemas.microsoft.com/office/drawing/2014/main" id="{48F4FEDC-6D80-458C-A665-075D9B9500FD}"/>
                 </a:ext>
                 <a:ext uri="{C183D7F6-B498-43B3-948B-1728B52AA6E4}">
                   <adec:decorative xmlns:adec="http://schemas.microsoft.com/office/drawing/2017/decorative" val="1"/>
@@ -6791,13 +10550,15 @@
           </p:nvSpPr>
           <p:spPr>
             <a:xfrm>
-              <a:off x="5490650" y="308034"/>
-              <a:ext cx="566743" cy="3428999"/>
+              <a:off x="159341" y="823811"/>
+              <a:ext cx="195855" cy="673460"/>
             </a:xfrm>
             <a:prstGeom prst="rect">
               <a:avLst/>
             </a:prstGeom>
-            <a:grpFill/>
+            <a:solidFill>
+              <a:schemeClr val="accent4"/>
+            </a:solidFill>
             <a:ln>
               <a:noFill/>
             </a:ln>
@@ -6830,10 +10591,10 @@
       </p:grpSp>
       <p:sp>
         <p:nvSpPr>
-          <p:cNvPr id="17" name="Rectangle 16">
-            <a:extLst>
-              <a:ext uri="{FF2B5EF4-FFF2-40B4-BE49-F238E27FC236}">
-                <a16:creationId xmlns:a16="http://schemas.microsoft.com/office/drawing/2014/main" id="{D5B0017B-2ECA-49AF-B397-DC140825DF8D}"/>
+          <p:cNvPr id="56" name="Rectangle 48">
+            <a:extLst>
+              <a:ext uri="{FF2B5EF4-FFF2-40B4-BE49-F238E27FC236}">
+                <a16:creationId xmlns:a16="http://schemas.microsoft.com/office/drawing/2014/main" id="{3873B707-463F-40B0-8227-E8CC6C67EB25}"/>
               </a:ext>
               <a:ext uri="{C183D7F6-B498-43B3-948B-1728B52AA6E4}">
                 <adec:decorative xmlns:adec="http://schemas.microsoft.com/office/drawing/2017/decorative" val="1"/>
@@ -6852,9 +10613,364 @@
           </p:nvPr>
         </p:nvSpPr>
         <p:spPr>
+          <a:xfrm flipH="1">
+            <a:off x="665085" y="2090569"/>
+            <a:ext cx="4297680" cy="27432"/>
+          </a:xfrm>
+          <a:prstGeom prst="rect">
+            <a:avLst/>
+          </a:prstGeom>
+          <a:solidFill>
+            <a:schemeClr val="accent4"/>
+          </a:solidFill>
+          <a:ln>
+            <a:noFill/>
+          </a:ln>
+        </p:spPr>
+        <p:style>
+          <a:lnRef idx="2">
+            <a:schemeClr val="accent1">
+              <a:shade val="50000"/>
+            </a:schemeClr>
+          </a:lnRef>
+          <a:fillRef idx="1">
+            <a:schemeClr val="accent1"/>
+          </a:fillRef>
+          <a:effectRef idx="0">
+            <a:schemeClr val="accent1"/>
+          </a:effectRef>
+          <a:fontRef idx="minor">
+            <a:schemeClr val="lt1"/>
+          </a:fontRef>
+        </p:style>
+        <p:txBody>
+          <a:bodyPr rtlCol="0" anchor="ctr"/>
+          <a:lstStyle/>
+          <a:p>
+            <a:pPr algn="ctr"/>
+            <a:endParaRPr lang="en-US"/>
+          </a:p>
+        </p:txBody>
+      </p:sp>
+      <p:sp>
+        <p:nvSpPr>
+          <p:cNvPr id="8" name="Text Placeholder 7">
+            <a:extLst>
+              <a:ext uri="{FF2B5EF4-FFF2-40B4-BE49-F238E27FC236}">
+                <a16:creationId xmlns:a16="http://schemas.microsoft.com/office/drawing/2014/main" id="{958D5C89-C119-4811-886C-7F28128E6C98}"/>
+              </a:ext>
+            </a:extLst>
+          </p:cNvPr>
+          <p:cNvSpPr>
+            <a:spLocks noGrp="1"/>
+          </p:cNvSpPr>
+          <p:nvPr>
+            <p:ph type="body" sz="half" idx="2"/>
+          </p:nvPr>
+        </p:nvSpPr>
+        <p:spPr>
           <a:xfrm>
-            <a:off x="640079" y="613954"/>
-            <a:ext cx="10907487" cy="1894116"/>
+            <a:off x="590719" y="2330505"/>
+            <a:ext cx="4559425" cy="3979585"/>
+          </a:xfrm>
+        </p:spPr>
+        <p:txBody>
+          <a:bodyPr vert="horz" lIns="91440" tIns="45720" rIns="91440" bIns="45720" rtlCol="0" anchor="ctr">
+            <a:normAutofit/>
+          </a:bodyPr>
+          <a:lstStyle/>
+          <a:p>
+            <a:pPr marL="285750" indent="-285750">
+              <a:buFont typeface="Arial" panose="020B0604020202020204" pitchFamily="34" charset="0"/>
+              <a:buChar char="•"/>
+            </a:pPr>
+            <a:r>
+              <a:rPr lang="en-US" sz="1800" dirty="0">
+                <a:solidFill>
+                  <a:srgbClr val="023047"/>
+                </a:solidFill>
+                <a:latin typeface="Arial" panose="020B0604020202020204" pitchFamily="34" charset="0"/>
+                <a:cs typeface="Arial" panose="020B0604020202020204" pitchFamily="34" charset="0"/>
+              </a:rPr>
+              <a:t>A programmable device (laptop or desktop PC) with:</a:t>
+            </a:r>
+          </a:p>
+          <a:p>
+            <a:pPr marL="742950" lvl="1" indent="-285750">
+              <a:buFont typeface="Arial" panose="020B0604020202020204" pitchFamily="34" charset="0"/>
+              <a:buChar char="•"/>
+            </a:pPr>
+            <a:r>
+              <a:rPr lang="en-US" dirty="0">
+                <a:solidFill>
+                  <a:srgbClr val="023047"/>
+                </a:solidFill>
+                <a:latin typeface="Arial" panose="020B0604020202020204" pitchFamily="34" charset="0"/>
+                <a:cs typeface="Arial" panose="020B0604020202020204" pitchFamily="34" charset="0"/>
+              </a:rPr>
+              <a:t>A camera for visual input</a:t>
+            </a:r>
+          </a:p>
+          <a:p>
+            <a:pPr marL="742950" lvl="1" indent="-285750">
+              <a:buFont typeface="Arial" panose="020B0604020202020204" pitchFamily="34" charset="0"/>
+              <a:buChar char="•"/>
+            </a:pPr>
+            <a:r>
+              <a:rPr lang="en-US" dirty="0">
+                <a:solidFill>
+                  <a:srgbClr val="023047"/>
+                </a:solidFill>
+                <a:latin typeface="Arial" panose="020B0604020202020204" pitchFamily="34" charset="0"/>
+                <a:cs typeface="Arial" panose="020B0604020202020204" pitchFamily="34" charset="0"/>
+              </a:rPr>
+              <a:t>A microphone for audio input</a:t>
+            </a:r>
+          </a:p>
+          <a:p>
+            <a:pPr marL="742950" lvl="1" indent="-285750">
+              <a:buFont typeface="Arial" panose="020B0604020202020204" pitchFamily="34" charset="0"/>
+              <a:buChar char="•"/>
+            </a:pPr>
+            <a:r>
+              <a:rPr lang="en-US" dirty="0">
+                <a:solidFill>
+                  <a:srgbClr val="023047"/>
+                </a:solidFill>
+                <a:latin typeface="Arial" panose="020B0604020202020204" pitchFamily="34" charset="0"/>
+                <a:cs typeface="Arial" panose="020B0604020202020204" pitchFamily="34" charset="0"/>
+              </a:rPr>
+              <a:t>Speakers for audio output</a:t>
+            </a:r>
+          </a:p>
+          <a:p>
+            <a:pPr marL="285750" indent="-285750">
+              <a:buFont typeface="Arial" panose="020B0604020202020204" pitchFamily="34" charset="0"/>
+              <a:buChar char="•"/>
+            </a:pPr>
+            <a:r>
+              <a:rPr lang="en-US" sz="1800" dirty="0">
+                <a:solidFill>
+                  <a:srgbClr val="023047"/>
+                </a:solidFill>
+                <a:latin typeface="Arial" panose="020B0604020202020204" pitchFamily="34" charset="0"/>
+                <a:cs typeface="Arial" panose="020B0604020202020204" pitchFamily="34" charset="0"/>
+              </a:rPr>
+              <a:t>Programming language: Python 3.8</a:t>
+            </a:r>
+          </a:p>
+          <a:p>
+            <a:pPr marL="285750" indent="-285750">
+              <a:buFont typeface="Arial" panose="020B0604020202020204" pitchFamily="34" charset="0"/>
+              <a:buChar char="•"/>
+            </a:pPr>
+            <a:r>
+              <a:rPr lang="en-US" sz="1800" dirty="0">
+                <a:solidFill>
+                  <a:srgbClr val="023047"/>
+                </a:solidFill>
+                <a:latin typeface="Arial" panose="020B0604020202020204" pitchFamily="34" charset="0"/>
+                <a:cs typeface="Arial" panose="020B0604020202020204" pitchFamily="34" charset="0"/>
+              </a:rPr>
+              <a:t>Libraries for input processing:</a:t>
+            </a:r>
+          </a:p>
+          <a:p>
+            <a:pPr marL="742950" lvl="1" indent="-285750">
+              <a:buFont typeface="Arial" panose="020B0604020202020204" pitchFamily="34" charset="0"/>
+              <a:buChar char="•"/>
+            </a:pPr>
+            <a:r>
+              <a:rPr lang="en-US" dirty="0">
+                <a:solidFill>
+                  <a:srgbClr val="023047"/>
+                </a:solidFill>
+                <a:latin typeface="Arial" panose="020B0604020202020204" pitchFamily="34" charset="0"/>
+                <a:cs typeface="Arial" panose="020B0604020202020204" pitchFamily="34" charset="0"/>
+              </a:rPr>
+              <a:t>OpenCV (visual input, face detection)</a:t>
+            </a:r>
+          </a:p>
+          <a:p>
+            <a:pPr marL="742950" lvl="1" indent="-285750">
+              <a:buFont typeface="Arial" panose="020B0604020202020204" pitchFamily="34" charset="0"/>
+              <a:buChar char="•"/>
+            </a:pPr>
+            <a:r>
+              <a:rPr lang="en-US" dirty="0" err="1">
+                <a:solidFill>
+                  <a:srgbClr val="023047"/>
+                </a:solidFill>
+                <a:latin typeface="Arial" panose="020B0604020202020204" pitchFamily="34" charset="0"/>
+                <a:cs typeface="Arial" panose="020B0604020202020204" pitchFamily="34" charset="0"/>
+              </a:rPr>
+              <a:t>Face_recognition</a:t>
+            </a:r>
+            <a:r>
+              <a:rPr lang="en-US" dirty="0">
+                <a:solidFill>
+                  <a:srgbClr val="023047"/>
+                </a:solidFill>
+                <a:latin typeface="Arial" panose="020B0604020202020204" pitchFamily="34" charset="0"/>
+                <a:cs typeface="Arial" panose="020B0604020202020204" pitchFamily="34" charset="0"/>
+              </a:rPr>
+              <a:t> (uses </a:t>
+            </a:r>
+            <a:r>
+              <a:rPr lang="en-US" dirty="0" err="1">
+                <a:solidFill>
+                  <a:srgbClr val="023047"/>
+                </a:solidFill>
+                <a:latin typeface="Arial" panose="020B0604020202020204" pitchFamily="34" charset="0"/>
+                <a:cs typeface="Arial" panose="020B0604020202020204" pitchFamily="34" charset="0"/>
+              </a:rPr>
+              <a:t>dlib</a:t>
+            </a:r>
+            <a:r>
+              <a:rPr lang="en-US" dirty="0">
+                <a:solidFill>
+                  <a:srgbClr val="023047"/>
+                </a:solidFill>
+                <a:latin typeface="Arial" panose="020B0604020202020204" pitchFamily="34" charset="0"/>
+                <a:cs typeface="Arial" panose="020B0604020202020204" pitchFamily="34" charset="0"/>
+              </a:rPr>
+              <a:t>; processing visual inputs)</a:t>
+            </a:r>
+          </a:p>
+          <a:p>
+            <a:pPr marL="742950" lvl="1" indent="-285750">
+              <a:buFont typeface="Arial" panose="020B0604020202020204" pitchFamily="34" charset="0"/>
+              <a:buChar char="•"/>
+            </a:pPr>
+            <a:r>
+              <a:rPr lang="en-US" dirty="0">
+                <a:solidFill>
+                  <a:srgbClr val="023047"/>
+                </a:solidFill>
+                <a:latin typeface="Arial" panose="020B0604020202020204" pitchFamily="34" charset="0"/>
+                <a:cs typeface="Arial" panose="020B0604020202020204" pitchFamily="34" charset="0"/>
+              </a:rPr>
+              <a:t>Pyttsx3 (audio output, works offline)</a:t>
+            </a:r>
+          </a:p>
+          <a:p>
+            <a:pPr marL="742950" lvl="1" indent="-285750">
+              <a:buFont typeface="Arial" panose="020B0604020202020204" pitchFamily="34" charset="0"/>
+              <a:buChar char="•"/>
+            </a:pPr>
+            <a:r>
+              <a:rPr lang="en-US" dirty="0" err="1">
+                <a:solidFill>
+                  <a:srgbClr val="023047"/>
+                </a:solidFill>
+                <a:latin typeface="Arial" panose="020B0604020202020204" pitchFamily="34" charset="0"/>
+                <a:cs typeface="Arial" panose="020B0604020202020204" pitchFamily="34" charset="0"/>
+              </a:rPr>
+              <a:t>Speechrecognition</a:t>
+            </a:r>
+            <a:r>
+              <a:rPr lang="en-US" dirty="0">
+                <a:solidFill>
+                  <a:srgbClr val="023047"/>
+                </a:solidFill>
+                <a:latin typeface="Arial" panose="020B0604020202020204" pitchFamily="34" charset="0"/>
+                <a:cs typeface="Arial" panose="020B0604020202020204" pitchFamily="34" charset="0"/>
+              </a:rPr>
+              <a:t> (handles audio input, both online and offline)</a:t>
+            </a:r>
+          </a:p>
+        </p:txBody>
+      </p:sp>
+      <p:sp>
+        <p:nvSpPr>
+          <p:cNvPr id="51" name="Rectangle 50">
+            <a:extLst>
+              <a:ext uri="{FF2B5EF4-FFF2-40B4-BE49-F238E27FC236}">
+                <a16:creationId xmlns:a16="http://schemas.microsoft.com/office/drawing/2014/main" id="{C13237C8-E62C-4F0D-A318-BD6FB6C2D138}"/>
+              </a:ext>
+              <a:ext uri="{C183D7F6-B498-43B3-948B-1728B52AA6E4}">
+                <adec:decorative xmlns:adec="http://schemas.microsoft.com/office/drawing/2017/decorative" val="1"/>
+              </a:ext>
+            </a:extLst>
+          </p:cNvPr>
+          <p:cNvSpPr>
+            <a:spLocks noGrp="1" noRot="1" noChangeAspect="1" noMove="1" noResize="1" noEditPoints="1" noAdjustHandles="1" noChangeArrowheads="1" noChangeShapeType="1" noTextEdit="1"/>
+          </p:cNvSpPr>
+          <p:nvPr>
+            <p:extLst>
+              <p:ext uri="{386F3935-93C4-4BCD-93E2-E3B085C9AB24}">
+                <p16:designElem xmlns:p16="http://schemas.microsoft.com/office/powerpoint/2015/main" val="1"/>
+              </p:ext>
+            </p:extLst>
+          </p:nvPr>
+        </p:nvSpPr>
+        <p:spPr>
+          <a:xfrm flipH="1">
+            <a:off x="10697670" y="0"/>
+            <a:ext cx="1494330" cy="6858000"/>
+          </a:xfrm>
+          <a:prstGeom prst="rect">
+            <a:avLst/>
+          </a:prstGeom>
+          <a:solidFill>
+            <a:schemeClr val="accent4"/>
+          </a:solidFill>
+          <a:ln>
+            <a:noFill/>
+          </a:ln>
+        </p:spPr>
+        <p:style>
+          <a:lnRef idx="2">
+            <a:schemeClr val="accent1">
+              <a:shade val="50000"/>
+            </a:schemeClr>
+          </a:lnRef>
+          <a:fillRef idx="1">
+            <a:schemeClr val="accent1"/>
+          </a:fillRef>
+          <a:effectRef idx="0">
+            <a:schemeClr val="accent1"/>
+          </a:effectRef>
+          <a:fontRef idx="minor">
+            <a:schemeClr val="lt1"/>
+          </a:fontRef>
+        </p:style>
+        <p:txBody>
+          <a:bodyPr rtlCol="0" anchor="ctr"/>
+          <a:lstStyle/>
+          <a:p>
+            <a:pPr algn="ctr"/>
+            <a:endParaRPr lang="en-US"/>
+          </a:p>
+        </p:txBody>
+      </p:sp>
+      <p:sp>
+        <p:nvSpPr>
+          <p:cNvPr id="53" name="Rectangle 52">
+            <a:extLst>
+              <a:ext uri="{FF2B5EF4-FFF2-40B4-BE49-F238E27FC236}">
+                <a16:creationId xmlns:a16="http://schemas.microsoft.com/office/drawing/2014/main" id="{19C9EAEA-39D0-4B0E-A0EB-51E7B26740B1}"/>
+              </a:ext>
+              <a:ext uri="{C183D7F6-B498-43B3-948B-1728B52AA6E4}">
+                <adec:decorative xmlns:adec="http://schemas.microsoft.com/office/drawing/2017/decorative" val="1"/>
+              </a:ext>
+            </a:extLst>
+          </p:cNvPr>
+          <p:cNvSpPr>
+            <a:spLocks noGrp="1" noRot="1" noChangeAspect="1" noMove="1" noResize="1" noEditPoints="1" noAdjustHandles="1" noChangeArrowheads="1" noChangeShapeType="1" noTextEdit="1"/>
+          </p:cNvSpPr>
+          <p:nvPr>
+            <p:extLst>
+              <p:ext uri="{386F3935-93C4-4BCD-93E2-E3B085C9AB24}">
+                <p16:designElem xmlns:p16="http://schemas.microsoft.com/office/powerpoint/2015/main" val="1"/>
+              </p:ext>
+            </p:extLst>
+          </p:nvPr>
+        </p:nvSpPr>
+        <p:spPr>
+          <a:xfrm>
+            <a:off x="5685810" y="513853"/>
+            <a:ext cx="6009366" cy="5834577"/>
           </a:xfrm>
           <a:prstGeom prst="rect">
             <a:avLst/>
@@ -6898,29 +11014,183 @@
           </a:p>
         </p:txBody>
       </p:sp>
-      <p:sp>
-        <p:nvSpPr>
-          <p:cNvPr id="11" name="Rectangle 10">
-            <a:extLst>
-              <a:ext uri="{FF2B5EF4-FFF2-40B4-BE49-F238E27FC236}">
-                <a16:creationId xmlns:a16="http://schemas.microsoft.com/office/drawing/2014/main" id="{FDCF5B91-B78C-40D3-B67C-E31B9DAD6A09}"/>
-              </a:ext>
-            </a:extLst>
-          </p:cNvPr>
-          <p:cNvSpPr/>
+      <p:pic>
+        <p:nvPicPr>
+          <p:cNvPr id="4" name="Picture 3" descr="Icon&#10;&#10;Description automatically generated">
+            <a:extLst>
+              <a:ext uri="{FF2B5EF4-FFF2-40B4-BE49-F238E27FC236}">
+                <a16:creationId xmlns:a16="http://schemas.microsoft.com/office/drawing/2014/main" id="{25CBF4DE-427D-454B-A6E0-FFEC8A4CECA6}"/>
+              </a:ext>
+            </a:extLst>
+          </p:cNvPr>
+          <p:cNvPicPr>
+            <a:picLocks noChangeAspect="1"/>
+          </p:cNvPicPr>
           <p:nvPr/>
-        </p:nvSpPr>
+        </p:nvPicPr>
+        <p:blipFill>
+          <a:blip r:embed="rId2">
+            <a:extLst>
+              <a:ext uri="{28A0092B-C50C-407E-A947-70E740481C1C}">
+                <a14:useLocalDpi xmlns:a14="http://schemas.microsoft.com/office/drawing/2010/main" val="0"/>
+              </a:ext>
+            </a:extLst>
+          </a:blip>
+          <a:stretch>
+            <a:fillRect/>
+          </a:stretch>
+        </p:blipFill>
         <p:spPr>
           <a:xfrm>
-            <a:off x="633597" y="640080"/>
-            <a:ext cx="10907487" cy="1894116"/>
+            <a:off x="8255406" y="1624810"/>
+            <a:ext cx="2670850" cy="2670850"/>
           </a:xfrm>
           <a:prstGeom prst="rect">
             <a:avLst/>
           </a:prstGeom>
-          <a:solidFill>
-            <a:srgbClr val="023047"/>
-          </a:solidFill>
+        </p:spPr>
+      </p:pic>
+      <p:pic>
+        <p:nvPicPr>
+          <p:cNvPr id="6" name="Picture 5" descr="Icon&#10;&#10;Description automatically generated">
+            <a:extLst>
+              <a:ext uri="{FF2B5EF4-FFF2-40B4-BE49-F238E27FC236}">
+                <a16:creationId xmlns:a16="http://schemas.microsoft.com/office/drawing/2014/main" id="{078FD8AC-A32A-4DFF-8551-0992F970B067}"/>
+              </a:ext>
+            </a:extLst>
+          </p:cNvPr>
+          <p:cNvPicPr>
+            <a:picLocks noChangeAspect="1"/>
+          </p:cNvPicPr>
+          <p:nvPr/>
+        </p:nvPicPr>
+        <p:blipFill>
+          <a:blip r:embed="rId3">
+            <a:extLst>
+              <a:ext uri="{28A0092B-C50C-407E-A947-70E740481C1C}">
+                <a14:useLocalDpi xmlns:a14="http://schemas.microsoft.com/office/drawing/2010/main" val="0"/>
+              </a:ext>
+            </a:extLst>
+          </a:blip>
+          <a:stretch>
+            <a:fillRect/>
+          </a:stretch>
+        </p:blipFill>
+        <p:spPr>
+          <a:xfrm>
+            <a:off x="6604608" y="3889356"/>
+            <a:ext cx="1650798" cy="2033233"/>
+          </a:xfrm>
+          <a:prstGeom prst="rect">
+            <a:avLst/>
+          </a:prstGeom>
+        </p:spPr>
+      </p:pic>
+      <p:pic>
+        <p:nvPicPr>
+          <p:cNvPr id="9" name="Picture 8" descr="Logo, icon&#10;&#10;Description automatically generated with medium confidence">
+            <a:extLst>
+              <a:ext uri="{FF2B5EF4-FFF2-40B4-BE49-F238E27FC236}">
+                <a16:creationId xmlns:a16="http://schemas.microsoft.com/office/drawing/2014/main" id="{1E4E205A-9A6F-47ED-B743-6F5750F7F1E2}"/>
+              </a:ext>
+            </a:extLst>
+          </p:cNvPr>
+          <p:cNvPicPr>
+            <a:picLocks noChangeAspect="1"/>
+          </p:cNvPicPr>
+          <p:nvPr/>
+        </p:nvPicPr>
+        <p:blipFill>
+          <a:blip r:embed="rId4">
+            <a:extLst>
+              <a:ext uri="{28A0092B-C50C-407E-A947-70E740481C1C}">
+                <a14:useLocalDpi xmlns:a14="http://schemas.microsoft.com/office/drawing/2010/main" val="0"/>
+              </a:ext>
+            </a:extLst>
+          </a:blip>
+          <a:stretch>
+            <a:fillRect/>
+          </a:stretch>
+        </p:blipFill>
+        <p:spPr>
+          <a:xfrm>
+            <a:off x="5985101" y="935411"/>
+            <a:ext cx="2142972" cy="2142972"/>
+          </a:xfrm>
+          <a:prstGeom prst="rect">
+            <a:avLst/>
+          </a:prstGeom>
+        </p:spPr>
+      </p:pic>
+    </p:spTree>
+    <p:extLst>
+      <p:ext uri="{BB962C8B-B14F-4D97-AF65-F5344CB8AC3E}">
+        <p14:creationId xmlns:p14="http://schemas.microsoft.com/office/powerpoint/2010/main" val="2527916432"/>
+      </p:ext>
+    </p:extLst>
+  </p:cSld>
+  <p:clrMapOvr>
+    <a:masterClrMapping/>
+  </p:clrMapOvr>
+</p:sld>
+</file>
+
+<file path=ppt/slides/slide7.xml><?xml version="1.0" encoding="utf-8"?>
+<p:sld xmlns:a="http://schemas.openxmlformats.org/drawingml/2006/main" xmlns:r="http://schemas.openxmlformats.org/officeDocument/2006/relationships" xmlns:p="http://schemas.openxmlformats.org/presentationml/2006/main">
+  <p:cSld>
+    <p:bg>
+      <p:bgPr>
+        <a:solidFill>
+          <a:schemeClr val="bg1"/>
+        </a:solidFill>
+        <a:effectLst/>
+      </p:bgPr>
+    </p:bg>
+    <p:spTree>
+      <p:nvGrpSpPr>
+        <p:cNvPr id="1" name=""/>
+        <p:cNvGrpSpPr/>
+        <p:nvPr/>
+      </p:nvGrpSpPr>
+      <p:grpSpPr>
+        <a:xfrm>
+          <a:off x="0" y="0"/>
+          <a:ext cx="0" cy="0"/>
+          <a:chOff x="0" y="0"/>
+          <a:chExt cx="0" cy="0"/>
+        </a:xfrm>
+      </p:grpSpPr>
+      <p:sp useBgFill="1">
+        <p:nvSpPr>
+          <p:cNvPr id="52" name="Rectangle 42">
+            <a:extLst>
+              <a:ext uri="{FF2B5EF4-FFF2-40B4-BE49-F238E27FC236}">
+                <a16:creationId xmlns:a16="http://schemas.microsoft.com/office/drawing/2014/main" id="{201CC55D-ED54-4C5C-95E6-10947BD1103B}"/>
+              </a:ext>
+              <a:ext uri="{C183D7F6-B498-43B3-948B-1728B52AA6E4}">
+                <adec:decorative xmlns:adec="http://schemas.microsoft.com/office/drawing/2017/decorative" val="1"/>
+              </a:ext>
+            </a:extLst>
+          </p:cNvPr>
+          <p:cNvSpPr>
+            <a:spLocks noGrp="1" noRot="1" noChangeAspect="1" noMove="1" noResize="1" noEditPoints="1" noAdjustHandles="1" noChangeArrowheads="1" noChangeShapeType="1" noTextEdit="1"/>
+          </p:cNvSpPr>
+          <p:nvPr>
+            <p:extLst>
+              <p:ext uri="{386F3935-93C4-4BCD-93E2-E3B085C9AB24}">
+                <p16:designElem xmlns:p16="http://schemas.microsoft.com/office/powerpoint/2015/main" val="1"/>
+              </p:ext>
+            </p:extLst>
+          </p:nvPr>
+        </p:nvSpPr>
+        <p:spPr>
+          <a:xfrm>
+            <a:off x="0" y="0"/>
+            <a:ext cx="12191999" cy="6857365"/>
+          </a:xfrm>
+          <a:prstGeom prst="rect">
+            <a:avLst/>
+          </a:prstGeom>
           <a:ln>
             <a:noFill/>
           </a:ln>
@@ -6946,281 +11216,637 @@
           <a:lstStyle/>
           <a:p>
             <a:pPr algn="ctr"/>
-            <a:endParaRPr lang="en-GB"/>
+            <a:endParaRPr lang="en-US"/>
           </a:p>
         </p:txBody>
       </p:sp>
       <p:sp>
         <p:nvSpPr>
-          <p:cNvPr id="4" name="Title 3">
-            <a:extLst>
-              <a:ext uri="{FF2B5EF4-FFF2-40B4-BE49-F238E27FC236}">
-                <a16:creationId xmlns:a16="http://schemas.microsoft.com/office/drawing/2014/main" id="{23CBD1BC-4CE5-454C-9DAA-83D0319F5403}"/>
-              </a:ext>
-            </a:extLst>
-          </p:cNvPr>
-          <p:cNvSpPr>
-            <a:spLocks noGrp="1"/>
-          </p:cNvSpPr>
-          <p:nvPr>
-            <p:ph type="title"/>
-          </p:nvPr>
+          <p:cNvPr id="19" name="Rectangle 18">
+            <a:extLst>
+              <a:ext uri="{FF2B5EF4-FFF2-40B4-BE49-F238E27FC236}">
+                <a16:creationId xmlns:a16="http://schemas.microsoft.com/office/drawing/2014/main" id="{839D4B9E-CCF5-4693-A7D2-3F65D29B2909}"/>
+              </a:ext>
+            </a:extLst>
+          </p:cNvPr>
+          <p:cNvSpPr/>
+          <p:nvPr/>
         </p:nvSpPr>
         <p:spPr>
           <a:xfrm>
-            <a:off x="1043631" y="809898"/>
-            <a:ext cx="9942716" cy="1554480"/>
-          </a:xfrm>
-        </p:spPr>
-        <p:txBody>
-          <a:bodyPr anchor="ctr">
-            <a:normAutofit/>
-          </a:bodyPr>
-          <a:lstStyle/>
-          <a:p>
-            <a:r>
-              <a:rPr lang="en-US" sz="4800" dirty="0">
-                <a:solidFill>
-                  <a:srgbClr val="FFC000"/>
-                </a:solidFill>
-              </a:rPr>
-              <a:t>What we used</a:t>
-            </a:r>
-          </a:p>
-        </p:txBody>
-      </p:sp>
-      <p:sp>
-        <p:nvSpPr>
-          <p:cNvPr id="5" name="Content Placeholder 4">
-            <a:extLst>
-              <a:ext uri="{FF2B5EF4-FFF2-40B4-BE49-F238E27FC236}">
-                <a16:creationId xmlns:a16="http://schemas.microsoft.com/office/drawing/2014/main" id="{F8BB3A67-A829-44BE-B3D8-1BF0C952FF43}"/>
-              </a:ext>
-            </a:extLst>
-          </p:cNvPr>
-          <p:cNvSpPr>
-            <a:spLocks noGrp="1"/>
-          </p:cNvSpPr>
-          <p:nvPr>
-            <p:ph idx="1"/>
-          </p:nvPr>
-        </p:nvSpPr>
-        <p:spPr>
-          <a:xfrm>
-            <a:off x="1045028" y="3017522"/>
-            <a:ext cx="9941319" cy="3124658"/>
-          </a:xfrm>
-        </p:spPr>
-        <p:txBody>
-          <a:bodyPr anchor="ctr">
-            <a:normAutofit/>
-          </a:bodyPr>
-          <a:lstStyle/>
-          <a:p>
-            <a:r>
-              <a:rPr lang="en-US" sz="1700" dirty="0">
-                <a:solidFill>
-                  <a:srgbClr val="023047"/>
-                </a:solidFill>
-              </a:rPr>
-              <a:t>A programmable device (laptop or desktop PC) with:</a:t>
-            </a:r>
-          </a:p>
-          <a:p>
-            <a:pPr lvl="1"/>
-            <a:r>
-              <a:rPr lang="en-US" sz="1700" dirty="0">
-                <a:solidFill>
-                  <a:srgbClr val="023047"/>
-                </a:solidFill>
-              </a:rPr>
-              <a:t>A camera for visual input</a:t>
-            </a:r>
-          </a:p>
-          <a:p>
-            <a:pPr lvl="1"/>
-            <a:r>
-              <a:rPr lang="en-US" sz="1700" dirty="0">
-                <a:solidFill>
-                  <a:srgbClr val="023047"/>
-                </a:solidFill>
-              </a:rPr>
-              <a:t>A microphone for audio input</a:t>
-            </a:r>
-          </a:p>
-          <a:p>
-            <a:pPr lvl="1"/>
-            <a:r>
-              <a:rPr lang="en-US" sz="1700" dirty="0">
-                <a:solidFill>
-                  <a:srgbClr val="023047"/>
-                </a:solidFill>
-              </a:rPr>
-              <a:t>Speakers for audio output</a:t>
-            </a:r>
-          </a:p>
-          <a:p>
-            <a:r>
-              <a:rPr lang="en-US" sz="1700" dirty="0">
-                <a:solidFill>
-                  <a:srgbClr val="023047"/>
-                </a:solidFill>
-              </a:rPr>
-              <a:t>Programming language: Python 3.8</a:t>
-            </a:r>
-          </a:p>
-          <a:p>
-            <a:r>
-              <a:rPr lang="en-US" sz="1700" dirty="0">
-                <a:solidFill>
-                  <a:srgbClr val="023047"/>
-                </a:solidFill>
-              </a:rPr>
-              <a:t>Libraries for input processing:</a:t>
-            </a:r>
-          </a:p>
-          <a:p>
-            <a:pPr lvl="1"/>
-            <a:r>
-              <a:rPr lang="en-US" sz="1700" dirty="0">
-                <a:solidFill>
-                  <a:srgbClr val="023047"/>
-                </a:solidFill>
-              </a:rPr>
-              <a:t>OpenCV (visual input, face detection)</a:t>
-            </a:r>
-          </a:p>
-          <a:p>
-            <a:pPr lvl="1"/>
-            <a:r>
-              <a:rPr lang="en-US" sz="1700" dirty="0" err="1">
-                <a:solidFill>
-                  <a:srgbClr val="023047"/>
-                </a:solidFill>
-              </a:rPr>
-              <a:t>Face_recognition</a:t>
-            </a:r>
-            <a:r>
-              <a:rPr lang="en-US" sz="1700" dirty="0">
-                <a:solidFill>
-                  <a:srgbClr val="023047"/>
-                </a:solidFill>
-              </a:rPr>
-              <a:t> (uses </a:t>
-            </a:r>
-            <a:r>
-              <a:rPr lang="en-US" sz="1700" dirty="0" err="1">
-                <a:solidFill>
-                  <a:srgbClr val="023047"/>
-                </a:solidFill>
-              </a:rPr>
-              <a:t>dlib</a:t>
-            </a:r>
-            <a:r>
-              <a:rPr lang="en-US" sz="1700" dirty="0">
-                <a:solidFill>
-                  <a:srgbClr val="023047"/>
-                </a:solidFill>
-              </a:rPr>
-              <a:t>; processing visual inputs)</a:t>
-            </a:r>
-          </a:p>
-          <a:p>
-            <a:pPr lvl="1"/>
-            <a:r>
-              <a:rPr lang="en-US" sz="1700" dirty="0">
-                <a:solidFill>
-                  <a:srgbClr val="023047"/>
-                </a:solidFill>
-              </a:rPr>
-              <a:t>Pyttsx3 (audio output, works offline)</a:t>
-            </a:r>
-          </a:p>
-          <a:p>
-            <a:pPr lvl="1"/>
-            <a:r>
-              <a:rPr lang="en-US" sz="1700" dirty="0" err="1">
-                <a:solidFill>
-                  <a:srgbClr val="023047"/>
-                </a:solidFill>
-              </a:rPr>
-              <a:t>Speechrecognition</a:t>
-            </a:r>
-            <a:r>
-              <a:rPr lang="en-US" sz="1700" dirty="0">
-                <a:solidFill>
-                  <a:srgbClr val="023047"/>
-                </a:solidFill>
-              </a:rPr>
-              <a:t> (handles audio input, both online and offline)</a:t>
-            </a:r>
-          </a:p>
-          <a:p>
-            <a:pPr lvl="1"/>
-            <a:endParaRPr lang="en-US" sz="1700" dirty="0">
-              <a:solidFill>
-                <a:srgbClr val="023047"/>
-              </a:solidFill>
-            </a:endParaRPr>
-          </a:p>
-        </p:txBody>
-      </p:sp>
-      <p:cxnSp>
-        <p:nvCxnSpPr>
-          <p:cNvPr id="19" name="Straight Connector 18">
-            <a:extLst>
-              <a:ext uri="{FF2B5EF4-FFF2-40B4-BE49-F238E27FC236}">
-                <a16:creationId xmlns:a16="http://schemas.microsoft.com/office/drawing/2014/main" id="{6CF1BAF6-AD41-4082-B212-8A1F9A2E8779}"/>
-              </a:ext>
-              <a:ext uri="{C183D7F6-B498-43B3-948B-1728B52AA6E4}">
-                <adec:decorative xmlns:adec="http://schemas.microsoft.com/office/drawing/2017/decorative" val="1"/>
-              </a:ext>
-            </a:extLst>
-          </p:cNvPr>
-          <p:cNvCxnSpPr>
-            <a:cxnSpLocks noGrp="1" noRot="1" noChangeAspect="1" noMove="1" noResize="1" noEditPoints="1" noAdjustHandles="1" noChangeArrowheads="1" noChangeShapeType="1"/>
-          </p:cNvCxnSpPr>
-          <p:nvPr>
-            <p:extLst>
-              <p:ext uri="{386F3935-93C4-4BCD-93E2-E3B085C9AB24}">
-                <p16:designElem xmlns:p16="http://schemas.microsoft.com/office/powerpoint/2015/main" val="1"/>
-              </p:ext>
-            </p:extLst>
-          </p:nvPr>
-        </p:nvCxnSpPr>
-        <p:spPr>
-          <a:xfrm flipH="1">
-            <a:off x="838200" y="6485313"/>
-            <a:ext cx="10515600" cy="0"/>
-          </a:xfrm>
-          <a:prstGeom prst="line">
+            <a:off x="355197" y="640080"/>
+            <a:ext cx="5330612" cy="1316736"/>
+          </a:xfrm>
+          <a:prstGeom prst="rect">
             <a:avLst/>
           </a:prstGeom>
-          <a:ln w="57150">
-            <a:solidFill>
-              <a:schemeClr val="accent4"/>
-            </a:solidFill>
+          <a:solidFill>
+            <a:srgbClr val="023047"/>
+          </a:solidFill>
+          <a:ln>
+            <a:noFill/>
           </a:ln>
         </p:spPr>
         <p:style>
-          <a:lnRef idx="1">
-            <a:schemeClr val="accent1"/>
+          <a:lnRef idx="2">
+            <a:schemeClr val="accent1">
+              <a:shade val="50000"/>
+            </a:schemeClr>
           </a:lnRef>
-          <a:fillRef idx="0">
+          <a:fillRef idx="1">
             <a:schemeClr val="accent1"/>
           </a:fillRef>
           <a:effectRef idx="0">
             <a:schemeClr val="accent1"/>
           </a:effectRef>
           <a:fontRef idx="minor">
-            <a:schemeClr val="tx1"/>
+            <a:schemeClr val="lt1"/>
           </a:fontRef>
         </p:style>
-      </p:cxnSp>
+        <p:txBody>
+          <a:bodyPr rtlCol="0" anchor="ctr"/>
+          <a:lstStyle/>
+          <a:p>
+            <a:pPr algn="ctr"/>
+            <a:endParaRPr lang="en-GB"/>
+          </a:p>
+        </p:txBody>
+      </p:sp>
+      <p:sp>
+        <p:nvSpPr>
+          <p:cNvPr id="2" name="Title 1">
+            <a:extLst>
+              <a:ext uri="{FF2B5EF4-FFF2-40B4-BE49-F238E27FC236}">
+                <a16:creationId xmlns:a16="http://schemas.microsoft.com/office/drawing/2014/main" id="{F703FF40-49BD-4711-8571-801EBE0CF90B}"/>
+              </a:ext>
+            </a:extLst>
+          </p:cNvPr>
+          <p:cNvSpPr>
+            <a:spLocks noGrp="1"/>
+          </p:cNvSpPr>
+          <p:nvPr>
+            <p:ph type="title"/>
+          </p:nvPr>
+        </p:nvSpPr>
+        <p:spPr>
+          <a:xfrm>
+            <a:off x="589560" y="694944"/>
+            <a:ext cx="4672496" cy="1289304"/>
+          </a:xfrm>
+        </p:spPr>
+        <p:txBody>
+          <a:bodyPr vert="horz" lIns="91440" tIns="45720" rIns="91440" bIns="45720" rtlCol="0" anchor="ctr">
+            <a:normAutofit/>
+          </a:bodyPr>
+          <a:lstStyle/>
+          <a:p>
+            <a:r>
+              <a:rPr lang="en-US" sz="5400" dirty="0">
+                <a:solidFill>
+                  <a:srgbClr val="FFC000"/>
+                </a:solidFill>
+              </a:rPr>
+              <a:t>Interactions</a:t>
+            </a:r>
+            <a:endParaRPr lang="en-US" sz="4400" dirty="0">
+              <a:solidFill>
+                <a:srgbClr val="FFC000"/>
+              </a:solidFill>
+            </a:endParaRPr>
+          </a:p>
+        </p:txBody>
+      </p:sp>
+      <p:grpSp>
+        <p:nvGrpSpPr>
+          <p:cNvPr id="54" name="Group 44">
+            <a:extLst>
+              <a:ext uri="{FF2B5EF4-FFF2-40B4-BE49-F238E27FC236}">
+                <a16:creationId xmlns:a16="http://schemas.microsoft.com/office/drawing/2014/main" id="{1DE889C7-FAD6-4397-98E2-05D503484459}"/>
+              </a:ext>
+              <a:ext uri="{C183D7F6-B498-43B3-948B-1728B52AA6E4}">
+                <adec:decorative xmlns:adec="http://schemas.microsoft.com/office/drawing/2017/decorative" val="1"/>
+              </a:ext>
+            </a:extLst>
+          </p:cNvPr>
+          <p:cNvGrpSpPr>
+            <a:grpSpLocks noGrp="1" noUngrp="1" noRot="1" noChangeAspect="1" noMove="1" noResize="1"/>
+          </p:cNvGrpSpPr>
+          <p:nvPr>
+            <p:extLst>
+              <p:ext uri="{386F3935-93C4-4BCD-93E2-E3B085C9AB24}">
+                <p16:designElem xmlns:p16="http://schemas.microsoft.com/office/powerpoint/2015/main" val="1"/>
+              </p:ext>
+            </p:extLst>
+          </p:nvPr>
+        </p:nvGrpSpPr>
+        <p:grpSpPr>
+          <a:xfrm>
+            <a:off x="0" y="1083484"/>
+            <a:ext cx="355196" cy="673460"/>
+            <a:chOff x="0" y="823811"/>
+            <a:chExt cx="355196" cy="673460"/>
+          </a:xfrm>
+        </p:grpSpPr>
+        <p:sp>
+          <p:nvSpPr>
+            <p:cNvPr id="46" name="Rectangle 45">
+              <a:extLst>
+                <a:ext uri="{FF2B5EF4-FFF2-40B4-BE49-F238E27FC236}">
+                  <a16:creationId xmlns:a16="http://schemas.microsoft.com/office/drawing/2014/main" id="{F399A70F-F8CD-4992-9EF5-6CF15472E73F}"/>
+                </a:ext>
+                <a:ext uri="{C183D7F6-B498-43B3-948B-1728B52AA6E4}">
+                  <adec:decorative xmlns:adec="http://schemas.microsoft.com/office/drawing/2017/decorative" val="1"/>
+                </a:ext>
+              </a:extLst>
+            </p:cNvPr>
+            <p:cNvSpPr/>
+            <p:nvPr>
+              <p:extLst>
+                <p:ext uri="{386F3935-93C4-4BCD-93E2-E3B085C9AB24}">
+                  <p16:designElem xmlns:p16="http://schemas.microsoft.com/office/powerpoint/2015/main" val="1"/>
+                </p:ext>
+              </p:extLst>
+            </p:nvPr>
+          </p:nvSpPr>
+          <p:spPr>
+            <a:xfrm>
+              <a:off x="0" y="823811"/>
+              <a:ext cx="87363" cy="673460"/>
+            </a:xfrm>
+            <a:prstGeom prst="rect">
+              <a:avLst/>
+            </a:prstGeom>
+            <a:solidFill>
+              <a:schemeClr val="accent4"/>
+            </a:solidFill>
+            <a:ln>
+              <a:noFill/>
+            </a:ln>
+          </p:spPr>
+          <p:style>
+            <a:lnRef idx="2">
+              <a:schemeClr val="accent1">
+                <a:shade val="50000"/>
+              </a:schemeClr>
+            </a:lnRef>
+            <a:fillRef idx="1">
+              <a:schemeClr val="accent1"/>
+            </a:fillRef>
+            <a:effectRef idx="0">
+              <a:schemeClr val="accent1"/>
+            </a:effectRef>
+            <a:fontRef idx="minor">
+              <a:schemeClr val="lt1"/>
+            </a:fontRef>
+          </p:style>
+          <p:txBody>
+            <a:bodyPr rtlCol="0" anchor="ctr"/>
+            <a:lstStyle/>
+            <a:p>
+              <a:pPr algn="ctr"/>
+              <a:endParaRPr lang="en-US"/>
+            </a:p>
+          </p:txBody>
+        </p:sp>
+        <p:sp>
+          <p:nvSpPr>
+            <p:cNvPr id="55" name="Rectangle 46">
+              <a:extLst>
+                <a:ext uri="{FF2B5EF4-FFF2-40B4-BE49-F238E27FC236}">
+                  <a16:creationId xmlns:a16="http://schemas.microsoft.com/office/drawing/2014/main" id="{48F4FEDC-6D80-458C-A665-075D9B9500FD}"/>
+                </a:ext>
+                <a:ext uri="{C183D7F6-B498-43B3-948B-1728B52AA6E4}">
+                  <adec:decorative xmlns:adec="http://schemas.microsoft.com/office/drawing/2017/decorative" val="1"/>
+                </a:ext>
+              </a:extLst>
+            </p:cNvPr>
+            <p:cNvSpPr/>
+            <p:nvPr>
+              <p:extLst>
+                <p:ext uri="{386F3935-93C4-4BCD-93E2-E3B085C9AB24}">
+                  <p16:designElem xmlns:p16="http://schemas.microsoft.com/office/powerpoint/2015/main" val="1"/>
+                </p:ext>
+              </p:extLst>
+            </p:nvPr>
+          </p:nvSpPr>
+          <p:spPr>
+            <a:xfrm>
+              <a:off x="159341" y="823811"/>
+              <a:ext cx="195855" cy="673460"/>
+            </a:xfrm>
+            <a:prstGeom prst="rect">
+              <a:avLst/>
+            </a:prstGeom>
+            <a:solidFill>
+              <a:schemeClr val="accent4"/>
+            </a:solidFill>
+            <a:ln>
+              <a:noFill/>
+            </a:ln>
+          </p:spPr>
+          <p:style>
+            <a:lnRef idx="2">
+              <a:schemeClr val="accent1">
+                <a:shade val="50000"/>
+              </a:schemeClr>
+            </a:lnRef>
+            <a:fillRef idx="1">
+              <a:schemeClr val="accent1"/>
+            </a:fillRef>
+            <a:effectRef idx="0">
+              <a:schemeClr val="accent1"/>
+            </a:effectRef>
+            <a:fontRef idx="minor">
+              <a:schemeClr val="lt1"/>
+            </a:fontRef>
+          </p:style>
+          <p:txBody>
+            <a:bodyPr rtlCol="0" anchor="ctr"/>
+            <a:lstStyle/>
+            <a:p>
+              <a:pPr algn="ctr"/>
+              <a:endParaRPr lang="en-US"/>
+            </a:p>
+          </p:txBody>
+        </p:sp>
+      </p:grpSp>
+      <p:sp>
+        <p:nvSpPr>
+          <p:cNvPr id="56" name="Rectangle 48">
+            <a:extLst>
+              <a:ext uri="{FF2B5EF4-FFF2-40B4-BE49-F238E27FC236}">
+                <a16:creationId xmlns:a16="http://schemas.microsoft.com/office/drawing/2014/main" id="{3873B707-463F-40B0-8227-E8CC6C67EB25}"/>
+              </a:ext>
+              <a:ext uri="{C183D7F6-B498-43B3-948B-1728B52AA6E4}">
+                <adec:decorative xmlns:adec="http://schemas.microsoft.com/office/drawing/2017/decorative" val="1"/>
+              </a:ext>
+            </a:extLst>
+          </p:cNvPr>
+          <p:cNvSpPr>
+            <a:spLocks noGrp="1" noRot="1" noChangeAspect="1" noMove="1" noResize="1" noEditPoints="1" noAdjustHandles="1" noChangeArrowheads="1" noChangeShapeType="1" noTextEdit="1"/>
+          </p:cNvSpPr>
+          <p:nvPr>
+            <p:extLst>
+              <p:ext uri="{386F3935-93C4-4BCD-93E2-E3B085C9AB24}">
+                <p16:designElem xmlns:p16="http://schemas.microsoft.com/office/powerpoint/2015/main" val="1"/>
+              </p:ext>
+            </p:extLst>
+          </p:nvPr>
+        </p:nvSpPr>
+        <p:spPr>
+          <a:xfrm flipH="1">
+            <a:off x="665085" y="2090569"/>
+            <a:ext cx="4297680" cy="27432"/>
+          </a:xfrm>
+          <a:prstGeom prst="rect">
+            <a:avLst/>
+          </a:prstGeom>
+          <a:solidFill>
+            <a:schemeClr val="accent4"/>
+          </a:solidFill>
+          <a:ln>
+            <a:noFill/>
+          </a:ln>
+        </p:spPr>
+        <p:style>
+          <a:lnRef idx="2">
+            <a:schemeClr val="accent1">
+              <a:shade val="50000"/>
+            </a:schemeClr>
+          </a:lnRef>
+          <a:fillRef idx="1">
+            <a:schemeClr val="accent1"/>
+          </a:fillRef>
+          <a:effectRef idx="0">
+            <a:schemeClr val="accent1"/>
+          </a:effectRef>
+          <a:fontRef idx="minor">
+            <a:schemeClr val="lt1"/>
+          </a:fontRef>
+        </p:style>
+        <p:txBody>
+          <a:bodyPr rtlCol="0" anchor="ctr"/>
+          <a:lstStyle/>
+          <a:p>
+            <a:pPr algn="ctr"/>
+            <a:endParaRPr lang="en-US"/>
+          </a:p>
+        </p:txBody>
+      </p:sp>
+      <p:sp>
+        <p:nvSpPr>
+          <p:cNvPr id="8" name="Text Placeholder 7">
+            <a:extLst>
+              <a:ext uri="{FF2B5EF4-FFF2-40B4-BE49-F238E27FC236}">
+                <a16:creationId xmlns:a16="http://schemas.microsoft.com/office/drawing/2014/main" id="{958D5C89-C119-4811-886C-7F28128E6C98}"/>
+              </a:ext>
+            </a:extLst>
+          </p:cNvPr>
+          <p:cNvSpPr>
+            <a:spLocks noGrp="1"/>
+          </p:cNvSpPr>
+          <p:nvPr>
+            <p:ph type="body" sz="half" idx="2"/>
+          </p:nvPr>
+        </p:nvSpPr>
+        <p:spPr>
+          <a:xfrm>
+            <a:off x="590719" y="2330505"/>
+            <a:ext cx="4559425" cy="3979585"/>
+          </a:xfrm>
+        </p:spPr>
+        <p:txBody>
+          <a:bodyPr vert="horz" lIns="91440" tIns="45720" rIns="91440" bIns="45720" rtlCol="0" anchor="ctr">
+            <a:normAutofit/>
+          </a:bodyPr>
+          <a:lstStyle/>
+          <a:p>
+            <a:pPr marL="285750" indent="-285750">
+              <a:buFont typeface="Arial" panose="020B0604020202020204" pitchFamily="34" charset="0"/>
+              <a:buChar char="•"/>
+            </a:pPr>
+            <a:r>
+              <a:rPr lang="en-US" dirty="0">
+                <a:solidFill>
+                  <a:srgbClr val="023047"/>
+                </a:solidFill>
+                <a:latin typeface="Arial" panose="020B0604020202020204" pitchFamily="34" charset="0"/>
+                <a:cs typeface="Arial" panose="020B0604020202020204" pitchFamily="34" charset="0"/>
+              </a:rPr>
+              <a:t>The Home Assistant detects of a person</a:t>
+            </a:r>
+          </a:p>
+          <a:p>
+            <a:pPr marL="285750" indent="-285750">
+              <a:buFont typeface="Arial" panose="020B0604020202020204" pitchFamily="34" charset="0"/>
+              <a:buChar char="•"/>
+            </a:pPr>
+            <a:r>
+              <a:rPr lang="en-US" dirty="0">
+                <a:solidFill>
+                  <a:srgbClr val="023047"/>
+                </a:solidFill>
+                <a:latin typeface="Arial" panose="020B0604020202020204" pitchFamily="34" charset="0"/>
+                <a:cs typeface="Arial" panose="020B0604020202020204" pitchFamily="34" charset="0"/>
+              </a:rPr>
+              <a:t>The Home Assistant recognizes a member</a:t>
+            </a:r>
+          </a:p>
+          <a:p>
+            <a:pPr marL="285750" indent="-285750">
+              <a:buFont typeface="Arial" panose="020B0604020202020204" pitchFamily="34" charset="0"/>
+              <a:buChar char="•"/>
+            </a:pPr>
+            <a:r>
+              <a:rPr lang="en-US" dirty="0">
+                <a:solidFill>
+                  <a:srgbClr val="023047"/>
+                </a:solidFill>
+                <a:latin typeface="Arial" panose="020B0604020202020204" pitchFamily="34" charset="0"/>
+                <a:cs typeface="Arial" panose="020B0604020202020204" pitchFamily="34" charset="0"/>
+              </a:rPr>
+              <a:t>The Home Assistant register a member</a:t>
+            </a:r>
+          </a:p>
+          <a:p>
+            <a:pPr marL="285750" indent="-285750">
+              <a:buFont typeface="Arial" panose="020B0604020202020204" pitchFamily="34" charset="0"/>
+              <a:buChar char="•"/>
+            </a:pPr>
+            <a:r>
+              <a:rPr lang="en-US" dirty="0">
+                <a:solidFill>
+                  <a:srgbClr val="023047"/>
+                </a:solidFill>
+                <a:latin typeface="Arial" panose="020B0604020202020204" pitchFamily="34" charset="0"/>
+                <a:cs typeface="Arial" panose="020B0604020202020204" pitchFamily="34" charset="0"/>
+              </a:rPr>
+              <a:t>A member leave a note to another member</a:t>
+            </a:r>
+          </a:p>
+          <a:p>
+            <a:pPr marL="285750" indent="-285750">
+              <a:buFont typeface="Arial" panose="020B0604020202020204" pitchFamily="34" charset="0"/>
+              <a:buChar char="•"/>
+            </a:pPr>
+            <a:r>
+              <a:rPr lang="en-US" dirty="0">
+                <a:solidFill>
+                  <a:srgbClr val="023047"/>
+                </a:solidFill>
+                <a:latin typeface="Arial" panose="020B0604020202020204" pitchFamily="34" charset="0"/>
+                <a:cs typeface="Arial" panose="020B0604020202020204" pitchFamily="34" charset="0"/>
+              </a:rPr>
+              <a:t>A member edit a note they left</a:t>
+            </a:r>
+          </a:p>
+          <a:p>
+            <a:pPr marL="285750" indent="-285750">
+              <a:buFont typeface="Arial" panose="020B0604020202020204" pitchFamily="34" charset="0"/>
+              <a:buChar char="•"/>
+            </a:pPr>
+            <a:r>
+              <a:rPr lang="en-US" dirty="0">
+                <a:solidFill>
+                  <a:srgbClr val="023047"/>
+                </a:solidFill>
+                <a:latin typeface="Arial" panose="020B0604020202020204" pitchFamily="34" charset="0"/>
+                <a:cs typeface="Arial" panose="020B0604020202020204" pitchFamily="34" charset="0"/>
+              </a:rPr>
+              <a:t>A member delete a note they left</a:t>
+            </a:r>
+          </a:p>
+          <a:p>
+            <a:pPr marL="285750" indent="-285750">
+              <a:buFont typeface="Arial" panose="020B0604020202020204" pitchFamily="34" charset="0"/>
+              <a:buChar char="•"/>
+            </a:pPr>
+            <a:r>
+              <a:rPr lang="en-US" dirty="0">
+                <a:solidFill>
+                  <a:srgbClr val="023047"/>
+                </a:solidFill>
+                <a:latin typeface="Arial" panose="020B0604020202020204" pitchFamily="34" charset="0"/>
+                <a:cs typeface="Arial" panose="020B0604020202020204" pitchFamily="34" charset="0"/>
+              </a:rPr>
+              <a:t>The Home Assistant tells the notes to a member</a:t>
+            </a:r>
+          </a:p>
+        </p:txBody>
+      </p:sp>
+      <p:sp>
+        <p:nvSpPr>
+          <p:cNvPr id="51" name="Rectangle 50">
+            <a:extLst>
+              <a:ext uri="{FF2B5EF4-FFF2-40B4-BE49-F238E27FC236}">
+                <a16:creationId xmlns:a16="http://schemas.microsoft.com/office/drawing/2014/main" id="{C13237C8-E62C-4F0D-A318-BD6FB6C2D138}"/>
+              </a:ext>
+              <a:ext uri="{C183D7F6-B498-43B3-948B-1728B52AA6E4}">
+                <adec:decorative xmlns:adec="http://schemas.microsoft.com/office/drawing/2017/decorative" val="1"/>
+              </a:ext>
+            </a:extLst>
+          </p:cNvPr>
+          <p:cNvSpPr>
+            <a:spLocks noGrp="1" noRot="1" noChangeAspect="1" noMove="1" noResize="1" noEditPoints="1" noAdjustHandles="1" noChangeArrowheads="1" noChangeShapeType="1" noTextEdit="1"/>
+          </p:cNvSpPr>
+          <p:nvPr>
+            <p:extLst>
+              <p:ext uri="{386F3935-93C4-4BCD-93E2-E3B085C9AB24}">
+                <p16:designElem xmlns:p16="http://schemas.microsoft.com/office/powerpoint/2015/main" val="1"/>
+              </p:ext>
+            </p:extLst>
+          </p:nvPr>
+        </p:nvSpPr>
+        <p:spPr>
+          <a:xfrm flipH="1">
+            <a:off x="10697670" y="0"/>
+            <a:ext cx="1494330" cy="6858000"/>
+          </a:xfrm>
+          <a:prstGeom prst="rect">
+            <a:avLst/>
+          </a:prstGeom>
+          <a:solidFill>
+            <a:schemeClr val="accent4"/>
+          </a:solidFill>
+          <a:ln>
+            <a:noFill/>
+          </a:ln>
+        </p:spPr>
+        <p:style>
+          <a:lnRef idx="2">
+            <a:schemeClr val="accent1">
+              <a:shade val="50000"/>
+            </a:schemeClr>
+          </a:lnRef>
+          <a:fillRef idx="1">
+            <a:schemeClr val="accent1"/>
+          </a:fillRef>
+          <a:effectRef idx="0">
+            <a:schemeClr val="accent1"/>
+          </a:effectRef>
+          <a:fontRef idx="minor">
+            <a:schemeClr val="lt1"/>
+          </a:fontRef>
+        </p:style>
+        <p:txBody>
+          <a:bodyPr rtlCol="0" anchor="ctr"/>
+          <a:lstStyle/>
+          <a:p>
+            <a:pPr algn="ctr"/>
+            <a:endParaRPr lang="en-US"/>
+          </a:p>
+        </p:txBody>
+      </p:sp>
+      <p:sp>
+        <p:nvSpPr>
+          <p:cNvPr id="53" name="Rectangle 52">
+            <a:extLst>
+              <a:ext uri="{FF2B5EF4-FFF2-40B4-BE49-F238E27FC236}">
+                <a16:creationId xmlns:a16="http://schemas.microsoft.com/office/drawing/2014/main" id="{19C9EAEA-39D0-4B0E-A0EB-51E7B26740B1}"/>
+              </a:ext>
+              <a:ext uri="{C183D7F6-B498-43B3-948B-1728B52AA6E4}">
+                <adec:decorative xmlns:adec="http://schemas.microsoft.com/office/drawing/2017/decorative" val="1"/>
+              </a:ext>
+            </a:extLst>
+          </p:cNvPr>
+          <p:cNvSpPr>
+            <a:spLocks noGrp="1" noRot="1" noChangeAspect="1" noMove="1" noResize="1" noEditPoints="1" noAdjustHandles="1" noChangeArrowheads="1" noChangeShapeType="1" noTextEdit="1"/>
+          </p:cNvSpPr>
+          <p:nvPr>
+            <p:extLst>
+              <p:ext uri="{386F3935-93C4-4BCD-93E2-E3B085C9AB24}">
+                <p16:designElem xmlns:p16="http://schemas.microsoft.com/office/powerpoint/2015/main" val="1"/>
+              </p:ext>
+            </p:extLst>
+          </p:nvPr>
+        </p:nvSpPr>
+        <p:spPr>
+          <a:xfrm>
+            <a:off x="5685810" y="513853"/>
+            <a:ext cx="6009366" cy="5834577"/>
+          </a:xfrm>
+          <a:prstGeom prst="rect">
+            <a:avLst/>
+          </a:prstGeom>
+          <a:solidFill>
+            <a:schemeClr val="bg1"/>
+          </a:solidFill>
+          <a:ln>
+            <a:noFill/>
+          </a:ln>
+          <a:effectLst>
+            <a:outerShdw blurRad="139700" dist="127000" dir="5400000" algn="t" rotWithShape="0">
+              <a:prstClr val="black">
+                <a:alpha val="15000"/>
+              </a:prstClr>
+            </a:outerShdw>
+          </a:effectLst>
+        </p:spPr>
+        <p:style>
+          <a:lnRef idx="2">
+            <a:schemeClr val="accent1">
+              <a:shade val="50000"/>
+            </a:schemeClr>
+          </a:lnRef>
+          <a:fillRef idx="1">
+            <a:schemeClr val="accent1"/>
+          </a:fillRef>
+          <a:effectRef idx="0">
+            <a:schemeClr val="accent1"/>
+          </a:effectRef>
+          <a:fontRef idx="minor">
+            <a:schemeClr val="lt1"/>
+          </a:fontRef>
+        </p:style>
+        <p:txBody>
+          <a:bodyPr rtlCol="0" anchor="ctr"/>
+          <a:lstStyle/>
+          <a:p>
+            <a:pPr algn="ctr"/>
+            <a:endParaRPr lang="en-US"/>
+          </a:p>
+        </p:txBody>
+      </p:sp>
+      <p:pic>
+        <p:nvPicPr>
+          <p:cNvPr id="5" name="Picture 4" descr="Diagram&#10;&#10;Description automatically generated">
+            <a:extLst>
+              <a:ext uri="{FF2B5EF4-FFF2-40B4-BE49-F238E27FC236}">
+                <a16:creationId xmlns:a16="http://schemas.microsoft.com/office/drawing/2014/main" id="{68F66637-6BC3-4EC8-B1D0-21C816AB56CA}"/>
+              </a:ext>
+            </a:extLst>
+          </p:cNvPr>
+          <p:cNvPicPr>
+            <a:picLocks noChangeAspect="1"/>
+          </p:cNvPicPr>
+          <p:nvPr/>
+        </p:nvPicPr>
+        <p:blipFill>
+          <a:blip r:embed="rId2">
+            <a:extLst>
+              <a:ext uri="{28A0092B-C50C-407E-A947-70E740481C1C}">
+                <a14:useLocalDpi xmlns:a14="http://schemas.microsoft.com/office/drawing/2010/main" val="0"/>
+              </a:ext>
+            </a:extLst>
+          </a:blip>
+          <a:stretch>
+            <a:fillRect/>
+          </a:stretch>
+        </p:blipFill>
+        <p:spPr>
+          <a:xfrm>
+            <a:off x="5694765" y="1168412"/>
+            <a:ext cx="6000411" cy="4521175"/>
+          </a:xfrm>
+          <a:prstGeom prst="rect">
+            <a:avLst/>
+          </a:prstGeom>
+        </p:spPr>
+      </p:pic>
     </p:spTree>
     <p:extLst>
       <p:ext uri="{BB962C8B-B14F-4D97-AF65-F5344CB8AC3E}">
-        <p14:creationId xmlns:p14="http://schemas.microsoft.com/office/powerpoint/2010/main" val="2523144286"/>
+        <p14:creationId xmlns:p14="http://schemas.microsoft.com/office/powerpoint/2010/main" val="2066853906"/>
       </p:ext>
     </p:extLst>
   </p:cSld>
@@ -7230,7 +11856,7 @@
 </p:sld>
 </file>
 
-<file path=ppt/slides/slide6.xml><?xml version="1.0" encoding="utf-8"?>
+<file path=ppt/slides/slide8.xml><?xml version="1.0" encoding="utf-8"?>
 <p:sld xmlns:a="http://schemas.openxmlformats.org/drawingml/2006/main" xmlns:r="http://schemas.openxmlformats.org/officeDocument/2006/relationships" xmlns:p="http://schemas.openxmlformats.org/presentationml/2006/main">
   <p:cSld>
     <p:bg>
@@ -7842,7 +12468,7 @@
 </p:sld>
 </file>
 
-<file path=ppt/slides/slide7.xml><?xml version="1.0" encoding="utf-8"?>
+<file path=ppt/slides/slide9.xml><?xml version="1.0" encoding="utf-8"?>
 <p:sld xmlns:a="http://schemas.openxmlformats.org/drawingml/2006/main" xmlns:r="http://schemas.openxmlformats.org/officeDocument/2006/relationships" xmlns:p="http://schemas.openxmlformats.org/presentationml/2006/main">
   <p:cSld>
     <p:bg>
@@ -8754,1296 +13380,6 @@
     <p:extLst>
       <p:ext uri="{BB962C8B-B14F-4D97-AF65-F5344CB8AC3E}">
         <p14:creationId xmlns:p14="http://schemas.microsoft.com/office/powerpoint/2010/main" val="858608500"/>
-      </p:ext>
-    </p:extLst>
-  </p:cSld>
-  <p:clrMapOvr>
-    <a:masterClrMapping/>
-  </p:clrMapOvr>
-</p:sld>
-</file>
-
-<file path=ppt/slides/slide8.xml><?xml version="1.0" encoding="utf-8"?>
-<p:sld xmlns:a="http://schemas.openxmlformats.org/drawingml/2006/main" xmlns:r="http://schemas.openxmlformats.org/officeDocument/2006/relationships" xmlns:p="http://schemas.openxmlformats.org/presentationml/2006/main">
-  <p:cSld>
-    <p:bg>
-      <p:bgPr>
-        <a:solidFill>
-          <a:schemeClr val="bg1"/>
-        </a:solidFill>
-        <a:effectLst/>
-      </p:bgPr>
-    </p:bg>
-    <p:spTree>
-      <p:nvGrpSpPr>
-        <p:cNvPr id="1" name=""/>
-        <p:cNvGrpSpPr/>
-        <p:nvPr/>
-      </p:nvGrpSpPr>
-      <p:grpSpPr>
-        <a:xfrm>
-          <a:off x="0" y="0"/>
-          <a:ext cx="0" cy="0"/>
-          <a:chOff x="0" y="0"/>
-          <a:chExt cx="0" cy="0"/>
-        </a:xfrm>
-      </p:grpSpPr>
-      <p:sp useBgFill="1">
-        <p:nvSpPr>
-          <p:cNvPr id="16" name="Rectangle 7">
-            <a:extLst>
-              <a:ext uri="{FF2B5EF4-FFF2-40B4-BE49-F238E27FC236}">
-                <a16:creationId xmlns:a16="http://schemas.microsoft.com/office/drawing/2014/main" id="{B6CDA21F-E7AF-4C75-8395-33F58D5B0E45}"/>
-              </a:ext>
-              <a:ext uri="{C183D7F6-B498-43B3-948B-1728B52AA6E4}">
-                <adec:decorative xmlns:adec="http://schemas.microsoft.com/office/drawing/2017/decorative" val="1"/>
-              </a:ext>
-            </a:extLst>
-          </p:cNvPr>
-          <p:cNvSpPr>
-            <a:spLocks noGrp="1" noRot="1" noChangeAspect="1" noMove="1" noResize="1" noEditPoints="1" noAdjustHandles="1" noChangeArrowheads="1" noChangeShapeType="1" noTextEdit="1"/>
-          </p:cNvSpPr>
-          <p:nvPr>
-            <p:extLst>
-              <p:ext uri="{386F3935-93C4-4BCD-93E2-E3B085C9AB24}">
-                <p16:designElem xmlns:p16="http://schemas.microsoft.com/office/powerpoint/2015/main" val="1"/>
-              </p:ext>
-            </p:extLst>
-          </p:nvPr>
-        </p:nvSpPr>
-        <p:spPr>
-          <a:xfrm>
-            <a:off x="0" y="0"/>
-            <a:ext cx="12191999" cy="6857365"/>
-          </a:xfrm>
-          <a:prstGeom prst="rect">
-            <a:avLst/>
-          </a:prstGeom>
-          <a:ln>
-            <a:noFill/>
-          </a:ln>
-        </p:spPr>
-        <p:style>
-          <a:lnRef idx="2">
-            <a:schemeClr val="accent1">
-              <a:shade val="50000"/>
-            </a:schemeClr>
-          </a:lnRef>
-          <a:fillRef idx="1">
-            <a:schemeClr val="accent1"/>
-          </a:fillRef>
-          <a:effectRef idx="0">
-            <a:schemeClr val="accent1"/>
-          </a:effectRef>
-          <a:fontRef idx="minor">
-            <a:schemeClr val="lt1"/>
-          </a:fontRef>
-        </p:style>
-        <p:txBody>
-          <a:bodyPr rtlCol="0" anchor="ctr"/>
-          <a:lstStyle/>
-          <a:p>
-            <a:pPr algn="ctr"/>
-            <a:endParaRPr lang="en-US"/>
-          </a:p>
-        </p:txBody>
-      </p:sp>
-      <p:grpSp>
-        <p:nvGrpSpPr>
-          <p:cNvPr id="18" name="Group 9">
-            <a:extLst>
-              <a:ext uri="{FF2B5EF4-FFF2-40B4-BE49-F238E27FC236}">
-                <a16:creationId xmlns:a16="http://schemas.microsoft.com/office/drawing/2014/main" id="{AE1C45F0-260A-458C-96ED-C1F6D2151219}"/>
-              </a:ext>
-              <a:ext uri="{C183D7F6-B498-43B3-948B-1728B52AA6E4}">
-                <adec:decorative xmlns:adec="http://schemas.microsoft.com/office/drawing/2017/decorative" val="1"/>
-              </a:ext>
-            </a:extLst>
-          </p:cNvPr>
-          <p:cNvGrpSpPr>
-            <a:grpSpLocks noGrp="1" noUngrp="1" noRot="1" noChangeAspect="1" noMove="1" noResize="1"/>
-          </p:cNvGrpSpPr>
-          <p:nvPr>
-            <p:extLst>
-              <p:ext uri="{386F3935-93C4-4BCD-93E2-E3B085C9AB24}">
-                <p16:designElem xmlns:p16="http://schemas.microsoft.com/office/powerpoint/2015/main" val="1"/>
-              </p:ext>
-            </p:extLst>
-          </p:nvPr>
-        </p:nvGrpSpPr>
-        <p:grpSpPr>
-          <a:xfrm>
-            <a:off x="4" y="1216597"/>
-            <a:ext cx="731521" cy="673460"/>
-            <a:chOff x="3940602" y="308034"/>
-            <a:chExt cx="2116791" cy="3428999"/>
-          </a:xfrm>
-          <a:solidFill>
-            <a:schemeClr val="accent4"/>
-          </a:solidFill>
-        </p:grpSpPr>
-        <p:sp>
-          <p:nvSpPr>
-            <p:cNvPr id="11" name="Rectangle 10">
-              <a:extLst>
-                <a:ext uri="{FF2B5EF4-FFF2-40B4-BE49-F238E27FC236}">
-                  <a16:creationId xmlns:a16="http://schemas.microsoft.com/office/drawing/2014/main" id="{A6604B49-AD5C-4590-B051-06C8222ECD99}"/>
-                </a:ext>
-                <a:ext uri="{C183D7F6-B498-43B3-948B-1728B52AA6E4}">
-                  <adec:decorative xmlns:adec="http://schemas.microsoft.com/office/drawing/2017/decorative" val="1"/>
-                </a:ext>
-              </a:extLst>
-            </p:cNvPr>
-            <p:cNvSpPr/>
-            <p:nvPr>
-              <p:extLst>
-                <p:ext uri="{386F3935-93C4-4BCD-93E2-E3B085C9AB24}">
-                  <p16:designElem xmlns:p16="http://schemas.microsoft.com/office/powerpoint/2015/main" val="1"/>
-                </p:ext>
-              </p:extLst>
-            </p:nvPr>
-          </p:nvSpPr>
-          <p:spPr>
-            <a:xfrm>
-              <a:off x="3940602" y="308034"/>
-              <a:ext cx="566743" cy="3428999"/>
-            </a:xfrm>
-            <a:prstGeom prst="rect">
-              <a:avLst/>
-            </a:prstGeom>
-            <a:grpFill/>
-            <a:ln>
-              <a:noFill/>
-            </a:ln>
-          </p:spPr>
-          <p:style>
-            <a:lnRef idx="2">
-              <a:schemeClr val="accent1">
-                <a:shade val="50000"/>
-              </a:schemeClr>
-            </a:lnRef>
-            <a:fillRef idx="1">
-              <a:schemeClr val="accent1"/>
-            </a:fillRef>
-            <a:effectRef idx="0">
-              <a:schemeClr val="accent1"/>
-            </a:effectRef>
-            <a:fontRef idx="minor">
-              <a:schemeClr val="lt1"/>
-            </a:fontRef>
-          </p:style>
-          <p:txBody>
-            <a:bodyPr rtlCol="0" anchor="ctr"/>
-            <a:lstStyle/>
-            <a:p>
-              <a:pPr algn="ctr"/>
-              <a:endParaRPr lang="en-US"/>
-            </a:p>
-          </p:txBody>
-        </p:sp>
-        <p:sp>
-          <p:nvSpPr>
-            <p:cNvPr id="19" name="Rectangle 11">
-              <a:extLst>
-                <a:ext uri="{FF2B5EF4-FFF2-40B4-BE49-F238E27FC236}">
-                  <a16:creationId xmlns:a16="http://schemas.microsoft.com/office/drawing/2014/main" id="{743ECCAF-29C5-4537-947C-7EA1292463DB}"/>
-                </a:ext>
-                <a:ext uri="{C183D7F6-B498-43B3-948B-1728B52AA6E4}">
-                  <adec:decorative xmlns:adec="http://schemas.microsoft.com/office/drawing/2017/decorative" val="1"/>
-                </a:ext>
-              </a:extLst>
-            </p:cNvPr>
-            <p:cNvSpPr/>
-            <p:nvPr>
-              <p:extLst>
-                <p:ext uri="{386F3935-93C4-4BCD-93E2-E3B085C9AB24}">
-                  <p16:designElem xmlns:p16="http://schemas.microsoft.com/office/powerpoint/2015/main" val="1"/>
-                </p:ext>
-              </p:extLst>
-            </p:nvPr>
-          </p:nvSpPr>
-          <p:spPr>
-            <a:xfrm>
-              <a:off x="4715626" y="308034"/>
-              <a:ext cx="566743" cy="3428999"/>
-            </a:xfrm>
-            <a:prstGeom prst="rect">
-              <a:avLst/>
-            </a:prstGeom>
-            <a:grpFill/>
-            <a:ln>
-              <a:noFill/>
-            </a:ln>
-          </p:spPr>
-          <p:style>
-            <a:lnRef idx="2">
-              <a:schemeClr val="accent1">
-                <a:shade val="50000"/>
-              </a:schemeClr>
-            </a:lnRef>
-            <a:fillRef idx="1">
-              <a:schemeClr val="accent1"/>
-            </a:fillRef>
-            <a:effectRef idx="0">
-              <a:schemeClr val="accent1"/>
-            </a:effectRef>
-            <a:fontRef idx="minor">
-              <a:schemeClr val="lt1"/>
-            </a:fontRef>
-          </p:style>
-          <p:txBody>
-            <a:bodyPr rtlCol="0" anchor="ctr"/>
-            <a:lstStyle/>
-            <a:p>
-              <a:pPr algn="ctr"/>
-              <a:endParaRPr lang="en-US"/>
-            </a:p>
-          </p:txBody>
-        </p:sp>
-        <p:sp>
-          <p:nvSpPr>
-            <p:cNvPr id="13" name="Rectangle 12">
-              <a:extLst>
-                <a:ext uri="{FF2B5EF4-FFF2-40B4-BE49-F238E27FC236}">
-                  <a16:creationId xmlns:a16="http://schemas.microsoft.com/office/drawing/2014/main" id="{ED49787B-8DE6-4467-AD0A-8DECC6E0C2D6}"/>
-                </a:ext>
-                <a:ext uri="{C183D7F6-B498-43B3-948B-1728B52AA6E4}">
-                  <adec:decorative xmlns:adec="http://schemas.microsoft.com/office/drawing/2017/decorative" val="1"/>
-                </a:ext>
-              </a:extLst>
-            </p:cNvPr>
-            <p:cNvSpPr/>
-            <p:nvPr>
-              <p:extLst>
-                <p:ext uri="{386F3935-93C4-4BCD-93E2-E3B085C9AB24}">
-                  <p16:designElem xmlns:p16="http://schemas.microsoft.com/office/powerpoint/2015/main" val="1"/>
-                </p:ext>
-              </p:extLst>
-            </p:nvPr>
-          </p:nvSpPr>
-          <p:spPr>
-            <a:xfrm>
-              <a:off x="5490650" y="308034"/>
-              <a:ext cx="566743" cy="3428999"/>
-            </a:xfrm>
-            <a:prstGeom prst="rect">
-              <a:avLst/>
-            </a:prstGeom>
-            <a:grpFill/>
-            <a:ln>
-              <a:noFill/>
-            </a:ln>
-          </p:spPr>
-          <p:style>
-            <a:lnRef idx="2">
-              <a:schemeClr val="accent1">
-                <a:shade val="50000"/>
-              </a:schemeClr>
-            </a:lnRef>
-            <a:fillRef idx="1">
-              <a:schemeClr val="accent1"/>
-            </a:fillRef>
-            <a:effectRef idx="0">
-              <a:schemeClr val="accent1"/>
-            </a:effectRef>
-            <a:fontRef idx="minor">
-              <a:schemeClr val="lt1"/>
-            </a:fontRef>
-          </p:style>
-          <p:txBody>
-            <a:bodyPr rtlCol="0" anchor="ctr"/>
-            <a:lstStyle/>
-            <a:p>
-              <a:pPr algn="ctr"/>
-              <a:endParaRPr lang="en-US"/>
-            </a:p>
-          </p:txBody>
-        </p:sp>
-      </p:grpSp>
-      <p:sp>
-        <p:nvSpPr>
-          <p:cNvPr id="15" name="Rectangle 14">
-            <a:extLst>
-              <a:ext uri="{FF2B5EF4-FFF2-40B4-BE49-F238E27FC236}">
-                <a16:creationId xmlns:a16="http://schemas.microsoft.com/office/drawing/2014/main" id="{D5B0017B-2ECA-49AF-B397-DC140825DF8D}"/>
-              </a:ext>
-              <a:ext uri="{C183D7F6-B498-43B3-948B-1728B52AA6E4}">
-                <adec:decorative xmlns:adec="http://schemas.microsoft.com/office/drawing/2017/decorative" val="1"/>
-              </a:ext>
-            </a:extLst>
-          </p:cNvPr>
-          <p:cNvSpPr>
-            <a:spLocks noGrp="1" noRot="1" noChangeAspect="1" noMove="1" noResize="1" noEditPoints="1" noAdjustHandles="1" noChangeArrowheads="1" noChangeShapeType="1" noTextEdit="1"/>
-          </p:cNvSpPr>
-          <p:nvPr>
-            <p:extLst>
-              <p:ext uri="{386F3935-93C4-4BCD-93E2-E3B085C9AB24}">
-                <p16:designElem xmlns:p16="http://schemas.microsoft.com/office/powerpoint/2015/main" val="1"/>
-              </p:ext>
-            </p:extLst>
-          </p:nvPr>
-        </p:nvSpPr>
-        <p:spPr>
-          <a:xfrm>
-            <a:off x="640079" y="613954"/>
-            <a:ext cx="10907487" cy="1894116"/>
-          </a:xfrm>
-          <a:prstGeom prst="rect">
-            <a:avLst/>
-          </a:prstGeom>
-          <a:solidFill>
-            <a:schemeClr val="bg1"/>
-          </a:solidFill>
-          <a:ln>
-            <a:noFill/>
-          </a:ln>
-          <a:effectLst>
-            <a:outerShdw blurRad="139700" dist="127000" dir="5400000" algn="t" rotWithShape="0">
-              <a:prstClr val="black">
-                <a:alpha val="15000"/>
-              </a:prstClr>
-            </a:outerShdw>
-          </a:effectLst>
-        </p:spPr>
-        <p:style>
-          <a:lnRef idx="2">
-            <a:schemeClr val="accent1">
-              <a:shade val="50000"/>
-            </a:schemeClr>
-          </a:lnRef>
-          <a:fillRef idx="1">
-            <a:schemeClr val="accent1"/>
-          </a:fillRef>
-          <a:effectRef idx="0">
-            <a:schemeClr val="accent1"/>
-          </a:effectRef>
-          <a:fontRef idx="minor">
-            <a:schemeClr val="lt1"/>
-          </a:fontRef>
-        </p:style>
-        <p:txBody>
-          <a:bodyPr rtlCol="0" anchor="ctr"/>
-          <a:lstStyle/>
-          <a:p>
-            <a:pPr algn="ctr"/>
-            <a:endParaRPr lang="en-US"/>
-          </a:p>
-        </p:txBody>
-      </p:sp>
-      <p:sp>
-        <p:nvSpPr>
-          <p:cNvPr id="12" name="Rectangle 11">
-            <a:extLst>
-              <a:ext uri="{FF2B5EF4-FFF2-40B4-BE49-F238E27FC236}">
-                <a16:creationId xmlns:a16="http://schemas.microsoft.com/office/drawing/2014/main" id="{5E1D5788-2731-474B-8F80-00A5C97CF4B6}"/>
-              </a:ext>
-            </a:extLst>
-          </p:cNvPr>
-          <p:cNvSpPr/>
-          <p:nvPr/>
-        </p:nvSpPr>
-        <p:spPr>
-          <a:xfrm>
-            <a:off x="633597" y="640080"/>
-            <a:ext cx="10907487" cy="1894116"/>
-          </a:xfrm>
-          <a:prstGeom prst="rect">
-            <a:avLst/>
-          </a:prstGeom>
-          <a:solidFill>
-            <a:srgbClr val="023047"/>
-          </a:solidFill>
-          <a:ln>
-            <a:noFill/>
-          </a:ln>
-        </p:spPr>
-        <p:style>
-          <a:lnRef idx="2">
-            <a:schemeClr val="accent1">
-              <a:shade val="50000"/>
-            </a:schemeClr>
-          </a:lnRef>
-          <a:fillRef idx="1">
-            <a:schemeClr val="accent1"/>
-          </a:fillRef>
-          <a:effectRef idx="0">
-            <a:schemeClr val="accent1"/>
-          </a:effectRef>
-          <a:fontRef idx="minor">
-            <a:schemeClr val="lt1"/>
-          </a:fontRef>
-        </p:style>
-        <p:txBody>
-          <a:bodyPr rtlCol="0" anchor="ctr"/>
-          <a:lstStyle/>
-          <a:p>
-            <a:pPr algn="ctr"/>
-            <a:endParaRPr lang="en-GB"/>
-          </a:p>
-        </p:txBody>
-      </p:sp>
-      <p:sp>
-        <p:nvSpPr>
-          <p:cNvPr id="2" name="Title 1">
-            <a:extLst>
-              <a:ext uri="{FF2B5EF4-FFF2-40B4-BE49-F238E27FC236}">
-                <a16:creationId xmlns:a16="http://schemas.microsoft.com/office/drawing/2014/main" id="{A48C8F4F-F52C-4236-8286-9234A489AE8D}"/>
-              </a:ext>
-            </a:extLst>
-          </p:cNvPr>
-          <p:cNvSpPr>
-            <a:spLocks noGrp="1"/>
-          </p:cNvSpPr>
-          <p:nvPr>
-            <p:ph type="title"/>
-          </p:nvPr>
-        </p:nvSpPr>
-        <p:spPr>
-          <a:xfrm>
-            <a:off x="1043631" y="809898"/>
-            <a:ext cx="9942716" cy="1554480"/>
-          </a:xfrm>
-        </p:spPr>
-        <p:txBody>
-          <a:bodyPr anchor="ctr">
-            <a:normAutofit/>
-          </a:bodyPr>
-          <a:lstStyle/>
-          <a:p>
-            <a:r>
-              <a:rPr lang="en-US" sz="4800" dirty="0">
-                <a:solidFill>
-                  <a:srgbClr val="FFC000"/>
-                </a:solidFill>
-              </a:rPr>
-              <a:t>Interaction structure pt. I:</a:t>
-            </a:r>
-            <a:br>
-              <a:rPr lang="en-US" sz="4800" dirty="0">
-                <a:solidFill>
-                  <a:srgbClr val="FFC000"/>
-                </a:solidFill>
-              </a:rPr>
-            </a:br>
-            <a:r>
-              <a:rPr lang="en-US" sz="4000" dirty="0">
-                <a:solidFill>
-                  <a:srgbClr val="FFC000"/>
-                </a:solidFill>
-              </a:rPr>
-              <a:t>what if they can’t be recognized?</a:t>
-            </a:r>
-            <a:endParaRPr lang="en-US" dirty="0">
-              <a:solidFill>
-                <a:srgbClr val="FFC000"/>
-              </a:solidFill>
-            </a:endParaRPr>
-          </a:p>
-        </p:txBody>
-      </p:sp>
-      <p:sp>
-        <p:nvSpPr>
-          <p:cNvPr id="3" name="Content Placeholder 2">
-            <a:extLst>
-              <a:ext uri="{FF2B5EF4-FFF2-40B4-BE49-F238E27FC236}">
-                <a16:creationId xmlns:a16="http://schemas.microsoft.com/office/drawing/2014/main" id="{F0C29356-FBF8-4F7E-938D-AA38EA0CD781}"/>
-              </a:ext>
-            </a:extLst>
-          </p:cNvPr>
-          <p:cNvSpPr>
-            <a:spLocks noGrp="1"/>
-          </p:cNvSpPr>
-          <p:nvPr>
-            <p:ph idx="1"/>
-          </p:nvPr>
-        </p:nvSpPr>
-        <p:spPr>
-          <a:xfrm>
-            <a:off x="1045028" y="3017522"/>
-            <a:ext cx="9941319" cy="3124658"/>
-          </a:xfrm>
-        </p:spPr>
-        <p:txBody>
-          <a:bodyPr anchor="ctr">
-            <a:normAutofit/>
-          </a:bodyPr>
-          <a:lstStyle/>
-          <a:p>
-            <a:r>
-              <a:rPr lang="en-US" sz="2000" dirty="0">
-                <a:solidFill>
-                  <a:srgbClr val="023047"/>
-                </a:solidFill>
-                <a:latin typeface="Arial" panose="020B0604020202020204" pitchFamily="34" charset="0"/>
-                <a:cs typeface="Arial" panose="020B0604020202020204" pitchFamily="34" charset="0"/>
-              </a:rPr>
-              <a:t>Recognition will always fail (both visual and audio identification) if the person is not registered to the system in the first place</a:t>
-            </a:r>
-          </a:p>
-          <a:p>
-            <a:r>
-              <a:rPr lang="en-US" sz="2000" dirty="0">
-                <a:solidFill>
-                  <a:srgbClr val="023047"/>
-                </a:solidFill>
-                <a:latin typeface="Arial" panose="020B0604020202020204" pitchFamily="34" charset="0"/>
-                <a:cs typeface="Arial" panose="020B0604020202020204" pitchFamily="34" charset="0"/>
-              </a:rPr>
-              <a:t>Solution: ask and offer the possibility for a person to register to the system</a:t>
-            </a:r>
-          </a:p>
-          <a:p>
-            <a:r>
-              <a:rPr lang="en-US" sz="2000" dirty="0">
-                <a:solidFill>
-                  <a:srgbClr val="023047"/>
-                </a:solidFill>
-                <a:latin typeface="Arial" panose="020B0604020202020204" pitchFamily="34" charset="0"/>
-                <a:cs typeface="Arial" panose="020B0604020202020204" pitchFamily="34" charset="0"/>
-              </a:rPr>
-              <a:t>Registration is made simple, only asking for a name, as the image has already been encoded beforehand</a:t>
-            </a:r>
-          </a:p>
-        </p:txBody>
-      </p:sp>
-      <p:cxnSp>
-        <p:nvCxnSpPr>
-          <p:cNvPr id="17" name="Straight Connector 16">
-            <a:extLst>
-              <a:ext uri="{FF2B5EF4-FFF2-40B4-BE49-F238E27FC236}">
-                <a16:creationId xmlns:a16="http://schemas.microsoft.com/office/drawing/2014/main" id="{6CF1BAF6-AD41-4082-B212-8A1F9A2E8779}"/>
-              </a:ext>
-              <a:ext uri="{C183D7F6-B498-43B3-948B-1728B52AA6E4}">
-                <adec:decorative xmlns:adec="http://schemas.microsoft.com/office/drawing/2017/decorative" val="1"/>
-              </a:ext>
-            </a:extLst>
-          </p:cNvPr>
-          <p:cNvCxnSpPr>
-            <a:cxnSpLocks noGrp="1" noRot="1" noChangeAspect="1" noMove="1" noResize="1" noEditPoints="1" noAdjustHandles="1" noChangeArrowheads="1" noChangeShapeType="1"/>
-          </p:cNvCxnSpPr>
-          <p:nvPr>
-            <p:extLst>
-              <p:ext uri="{386F3935-93C4-4BCD-93E2-E3B085C9AB24}">
-                <p16:designElem xmlns:p16="http://schemas.microsoft.com/office/powerpoint/2015/main" val="1"/>
-              </p:ext>
-            </p:extLst>
-          </p:nvPr>
-        </p:nvCxnSpPr>
-        <p:spPr>
-          <a:xfrm flipH="1">
-            <a:off x="838200" y="6485313"/>
-            <a:ext cx="10515600" cy="0"/>
-          </a:xfrm>
-          <a:prstGeom prst="line">
-            <a:avLst/>
-          </a:prstGeom>
-          <a:ln w="57150">
-            <a:solidFill>
-              <a:schemeClr val="accent4"/>
-            </a:solidFill>
-          </a:ln>
-        </p:spPr>
-        <p:style>
-          <a:lnRef idx="1">
-            <a:schemeClr val="accent1"/>
-          </a:lnRef>
-          <a:fillRef idx="0">
-            <a:schemeClr val="accent1"/>
-          </a:fillRef>
-          <a:effectRef idx="0">
-            <a:schemeClr val="accent1"/>
-          </a:effectRef>
-          <a:fontRef idx="minor">
-            <a:schemeClr val="tx1"/>
-          </a:fontRef>
-        </p:style>
-      </p:cxnSp>
-    </p:spTree>
-    <p:extLst>
-      <p:ext uri="{BB962C8B-B14F-4D97-AF65-F5344CB8AC3E}">
-        <p14:creationId xmlns:p14="http://schemas.microsoft.com/office/powerpoint/2010/main" val="2963686248"/>
-      </p:ext>
-    </p:extLst>
-  </p:cSld>
-  <p:clrMapOvr>
-    <a:masterClrMapping/>
-  </p:clrMapOvr>
-</p:sld>
-</file>
-
-<file path=ppt/slides/slide9.xml><?xml version="1.0" encoding="utf-8"?>
-<p:sld xmlns:a="http://schemas.openxmlformats.org/drawingml/2006/main" xmlns:r="http://schemas.openxmlformats.org/officeDocument/2006/relationships" xmlns:p="http://schemas.openxmlformats.org/presentationml/2006/main">
-  <p:cSld>
-    <p:bg>
-      <p:bgPr>
-        <a:solidFill>
-          <a:schemeClr val="bg1"/>
-        </a:solidFill>
-        <a:effectLst/>
-      </p:bgPr>
-    </p:bg>
-    <p:spTree>
-      <p:nvGrpSpPr>
-        <p:cNvPr id="1" name=""/>
-        <p:cNvGrpSpPr/>
-        <p:nvPr/>
-      </p:nvGrpSpPr>
-      <p:grpSpPr>
-        <a:xfrm>
-          <a:off x="0" y="0"/>
-          <a:ext cx="0" cy="0"/>
-          <a:chOff x="0" y="0"/>
-          <a:chExt cx="0" cy="0"/>
-        </a:xfrm>
-      </p:grpSpPr>
-      <p:sp useBgFill="1">
-        <p:nvSpPr>
-          <p:cNvPr id="52" name="Rectangle 42">
-            <a:extLst>
-              <a:ext uri="{FF2B5EF4-FFF2-40B4-BE49-F238E27FC236}">
-                <a16:creationId xmlns:a16="http://schemas.microsoft.com/office/drawing/2014/main" id="{201CC55D-ED54-4C5C-95E6-10947BD1103B}"/>
-              </a:ext>
-              <a:ext uri="{C183D7F6-B498-43B3-948B-1728B52AA6E4}">
-                <adec:decorative xmlns:adec="http://schemas.microsoft.com/office/drawing/2017/decorative" val="1"/>
-              </a:ext>
-            </a:extLst>
-          </p:cNvPr>
-          <p:cNvSpPr>
-            <a:spLocks noGrp="1" noRot="1" noChangeAspect="1" noMove="1" noResize="1" noEditPoints="1" noAdjustHandles="1" noChangeArrowheads="1" noChangeShapeType="1" noTextEdit="1"/>
-          </p:cNvSpPr>
-          <p:nvPr>
-            <p:extLst>
-              <p:ext uri="{386F3935-93C4-4BCD-93E2-E3B085C9AB24}">
-                <p16:designElem xmlns:p16="http://schemas.microsoft.com/office/powerpoint/2015/main" val="1"/>
-              </p:ext>
-            </p:extLst>
-          </p:nvPr>
-        </p:nvSpPr>
-        <p:spPr>
-          <a:xfrm>
-            <a:off x="0" y="0"/>
-            <a:ext cx="12191999" cy="6857365"/>
-          </a:xfrm>
-          <a:prstGeom prst="rect">
-            <a:avLst/>
-          </a:prstGeom>
-          <a:ln>
-            <a:noFill/>
-          </a:ln>
-        </p:spPr>
-        <p:style>
-          <a:lnRef idx="2">
-            <a:schemeClr val="accent1">
-              <a:shade val="50000"/>
-            </a:schemeClr>
-          </a:lnRef>
-          <a:fillRef idx="1">
-            <a:schemeClr val="accent1"/>
-          </a:fillRef>
-          <a:effectRef idx="0">
-            <a:schemeClr val="accent1"/>
-          </a:effectRef>
-          <a:fontRef idx="minor">
-            <a:schemeClr val="lt1"/>
-          </a:fontRef>
-        </p:style>
-        <p:txBody>
-          <a:bodyPr rtlCol="0" anchor="ctr"/>
-          <a:lstStyle/>
-          <a:p>
-            <a:pPr algn="ctr"/>
-            <a:endParaRPr lang="en-US"/>
-          </a:p>
-        </p:txBody>
-      </p:sp>
-      <p:sp>
-        <p:nvSpPr>
-          <p:cNvPr id="12" name="Rectangle 11">
-            <a:extLst>
-              <a:ext uri="{FF2B5EF4-FFF2-40B4-BE49-F238E27FC236}">
-                <a16:creationId xmlns:a16="http://schemas.microsoft.com/office/drawing/2014/main" id="{C94F0BD2-9600-477E-9AC1-32547029E4AE}"/>
-              </a:ext>
-            </a:extLst>
-          </p:cNvPr>
-          <p:cNvSpPr/>
-          <p:nvPr/>
-        </p:nvSpPr>
-        <p:spPr>
-          <a:xfrm>
-            <a:off x="355197" y="640080"/>
-            <a:ext cx="5330612" cy="1316736"/>
-          </a:xfrm>
-          <a:prstGeom prst="rect">
-            <a:avLst/>
-          </a:prstGeom>
-          <a:solidFill>
-            <a:srgbClr val="023047"/>
-          </a:solidFill>
-          <a:ln>
-            <a:noFill/>
-          </a:ln>
-        </p:spPr>
-        <p:style>
-          <a:lnRef idx="2">
-            <a:schemeClr val="accent1">
-              <a:shade val="50000"/>
-            </a:schemeClr>
-          </a:lnRef>
-          <a:fillRef idx="1">
-            <a:schemeClr val="accent1"/>
-          </a:fillRef>
-          <a:effectRef idx="0">
-            <a:schemeClr val="accent1"/>
-          </a:effectRef>
-          <a:fontRef idx="minor">
-            <a:schemeClr val="lt1"/>
-          </a:fontRef>
-        </p:style>
-        <p:txBody>
-          <a:bodyPr rtlCol="0" anchor="ctr"/>
-          <a:lstStyle/>
-          <a:p>
-            <a:pPr algn="ctr"/>
-            <a:endParaRPr lang="en-GB"/>
-          </a:p>
-        </p:txBody>
-      </p:sp>
-      <p:sp>
-        <p:nvSpPr>
-          <p:cNvPr id="2" name="Title 1">
-            <a:extLst>
-              <a:ext uri="{FF2B5EF4-FFF2-40B4-BE49-F238E27FC236}">
-                <a16:creationId xmlns:a16="http://schemas.microsoft.com/office/drawing/2014/main" id="{F703FF40-49BD-4711-8571-801EBE0CF90B}"/>
-              </a:ext>
-            </a:extLst>
-          </p:cNvPr>
-          <p:cNvSpPr>
-            <a:spLocks noGrp="1"/>
-          </p:cNvSpPr>
-          <p:nvPr>
-            <p:ph type="title"/>
-          </p:nvPr>
-        </p:nvSpPr>
-        <p:spPr>
-          <a:xfrm>
-            <a:off x="589559" y="759236"/>
-            <a:ext cx="4777497" cy="1128068"/>
-          </a:xfrm>
-        </p:spPr>
-        <p:txBody>
-          <a:bodyPr vert="horz" lIns="91440" tIns="45720" rIns="91440" bIns="45720" rtlCol="0" anchor="ctr">
-            <a:normAutofit/>
-          </a:bodyPr>
-          <a:lstStyle/>
-          <a:p>
-            <a:r>
-              <a:rPr lang="en-US" sz="3400" dirty="0">
-                <a:solidFill>
-                  <a:srgbClr val="FFC000"/>
-                </a:solidFill>
-              </a:rPr>
-              <a:t>Interaction structure pt. I: </a:t>
-            </a:r>
-            <a:r>
-              <a:rPr lang="en-US" sz="2700" dirty="0">
-                <a:solidFill>
-                  <a:srgbClr val="FFC000"/>
-                </a:solidFill>
-              </a:rPr>
-              <a:t>what if they can’t be recognized?</a:t>
-            </a:r>
-            <a:endParaRPr lang="en-US" sz="3100" dirty="0">
-              <a:solidFill>
-                <a:srgbClr val="FFC000"/>
-              </a:solidFill>
-            </a:endParaRPr>
-          </a:p>
-        </p:txBody>
-      </p:sp>
-      <p:grpSp>
-        <p:nvGrpSpPr>
-          <p:cNvPr id="54" name="Group 44">
-            <a:extLst>
-              <a:ext uri="{FF2B5EF4-FFF2-40B4-BE49-F238E27FC236}">
-                <a16:creationId xmlns:a16="http://schemas.microsoft.com/office/drawing/2014/main" id="{1DE889C7-FAD6-4397-98E2-05D503484459}"/>
-              </a:ext>
-              <a:ext uri="{C183D7F6-B498-43B3-948B-1728B52AA6E4}">
-                <adec:decorative xmlns:adec="http://schemas.microsoft.com/office/drawing/2017/decorative" val="1"/>
-              </a:ext>
-            </a:extLst>
-          </p:cNvPr>
-          <p:cNvGrpSpPr>
-            <a:grpSpLocks noGrp="1" noUngrp="1" noRot="1" noChangeAspect="1" noMove="1" noResize="1"/>
-          </p:cNvGrpSpPr>
-          <p:nvPr>
-            <p:extLst>
-              <p:ext uri="{386F3935-93C4-4BCD-93E2-E3B085C9AB24}">
-                <p16:designElem xmlns:p16="http://schemas.microsoft.com/office/powerpoint/2015/main" val="1"/>
-              </p:ext>
-            </p:extLst>
-          </p:nvPr>
-        </p:nvGrpSpPr>
-        <p:grpSpPr>
-          <a:xfrm>
-            <a:off x="0" y="1083484"/>
-            <a:ext cx="355196" cy="673460"/>
-            <a:chOff x="0" y="823811"/>
-            <a:chExt cx="355196" cy="673460"/>
-          </a:xfrm>
-        </p:grpSpPr>
-        <p:sp>
-          <p:nvSpPr>
-            <p:cNvPr id="46" name="Rectangle 45">
-              <a:extLst>
-                <a:ext uri="{FF2B5EF4-FFF2-40B4-BE49-F238E27FC236}">
-                  <a16:creationId xmlns:a16="http://schemas.microsoft.com/office/drawing/2014/main" id="{F399A70F-F8CD-4992-9EF5-6CF15472E73F}"/>
-                </a:ext>
-                <a:ext uri="{C183D7F6-B498-43B3-948B-1728B52AA6E4}">
-                  <adec:decorative xmlns:adec="http://schemas.microsoft.com/office/drawing/2017/decorative" val="1"/>
-                </a:ext>
-              </a:extLst>
-            </p:cNvPr>
-            <p:cNvSpPr/>
-            <p:nvPr>
-              <p:extLst>
-                <p:ext uri="{386F3935-93C4-4BCD-93E2-E3B085C9AB24}">
-                  <p16:designElem xmlns:p16="http://schemas.microsoft.com/office/powerpoint/2015/main" val="1"/>
-                </p:ext>
-              </p:extLst>
-            </p:nvPr>
-          </p:nvSpPr>
-          <p:spPr>
-            <a:xfrm>
-              <a:off x="0" y="823811"/>
-              <a:ext cx="87363" cy="673460"/>
-            </a:xfrm>
-            <a:prstGeom prst="rect">
-              <a:avLst/>
-            </a:prstGeom>
-            <a:solidFill>
-              <a:schemeClr val="accent4"/>
-            </a:solidFill>
-            <a:ln>
-              <a:noFill/>
-            </a:ln>
-          </p:spPr>
-          <p:style>
-            <a:lnRef idx="2">
-              <a:schemeClr val="accent1">
-                <a:shade val="50000"/>
-              </a:schemeClr>
-            </a:lnRef>
-            <a:fillRef idx="1">
-              <a:schemeClr val="accent1"/>
-            </a:fillRef>
-            <a:effectRef idx="0">
-              <a:schemeClr val="accent1"/>
-            </a:effectRef>
-            <a:fontRef idx="minor">
-              <a:schemeClr val="lt1"/>
-            </a:fontRef>
-          </p:style>
-          <p:txBody>
-            <a:bodyPr rtlCol="0" anchor="ctr"/>
-            <a:lstStyle/>
-            <a:p>
-              <a:pPr algn="ctr"/>
-              <a:endParaRPr lang="en-US"/>
-            </a:p>
-          </p:txBody>
-        </p:sp>
-        <p:sp>
-          <p:nvSpPr>
-            <p:cNvPr id="55" name="Rectangle 46">
-              <a:extLst>
-                <a:ext uri="{FF2B5EF4-FFF2-40B4-BE49-F238E27FC236}">
-                  <a16:creationId xmlns:a16="http://schemas.microsoft.com/office/drawing/2014/main" id="{48F4FEDC-6D80-458C-A665-075D9B9500FD}"/>
-                </a:ext>
-                <a:ext uri="{C183D7F6-B498-43B3-948B-1728B52AA6E4}">
-                  <adec:decorative xmlns:adec="http://schemas.microsoft.com/office/drawing/2017/decorative" val="1"/>
-                </a:ext>
-              </a:extLst>
-            </p:cNvPr>
-            <p:cNvSpPr/>
-            <p:nvPr>
-              <p:extLst>
-                <p:ext uri="{386F3935-93C4-4BCD-93E2-E3B085C9AB24}">
-                  <p16:designElem xmlns:p16="http://schemas.microsoft.com/office/powerpoint/2015/main" val="1"/>
-                </p:ext>
-              </p:extLst>
-            </p:nvPr>
-          </p:nvSpPr>
-          <p:spPr>
-            <a:xfrm>
-              <a:off x="159341" y="823811"/>
-              <a:ext cx="195855" cy="673460"/>
-            </a:xfrm>
-            <a:prstGeom prst="rect">
-              <a:avLst/>
-            </a:prstGeom>
-            <a:solidFill>
-              <a:schemeClr val="accent4"/>
-            </a:solidFill>
-            <a:ln>
-              <a:noFill/>
-            </a:ln>
-          </p:spPr>
-          <p:style>
-            <a:lnRef idx="2">
-              <a:schemeClr val="accent1">
-                <a:shade val="50000"/>
-              </a:schemeClr>
-            </a:lnRef>
-            <a:fillRef idx="1">
-              <a:schemeClr val="accent1"/>
-            </a:fillRef>
-            <a:effectRef idx="0">
-              <a:schemeClr val="accent1"/>
-            </a:effectRef>
-            <a:fontRef idx="minor">
-              <a:schemeClr val="lt1"/>
-            </a:fontRef>
-          </p:style>
-          <p:txBody>
-            <a:bodyPr rtlCol="0" anchor="ctr"/>
-            <a:lstStyle/>
-            <a:p>
-              <a:pPr algn="ctr"/>
-              <a:endParaRPr lang="en-US"/>
-            </a:p>
-          </p:txBody>
-        </p:sp>
-      </p:grpSp>
-      <p:sp>
-        <p:nvSpPr>
-          <p:cNvPr id="56" name="Rectangle 48">
-            <a:extLst>
-              <a:ext uri="{FF2B5EF4-FFF2-40B4-BE49-F238E27FC236}">
-                <a16:creationId xmlns:a16="http://schemas.microsoft.com/office/drawing/2014/main" id="{3873B707-463F-40B0-8227-E8CC6C67EB25}"/>
-              </a:ext>
-              <a:ext uri="{C183D7F6-B498-43B3-948B-1728B52AA6E4}">
-                <adec:decorative xmlns:adec="http://schemas.microsoft.com/office/drawing/2017/decorative" val="1"/>
-              </a:ext>
-            </a:extLst>
-          </p:cNvPr>
-          <p:cNvSpPr>
-            <a:spLocks noGrp="1" noRot="1" noChangeAspect="1" noMove="1" noResize="1" noEditPoints="1" noAdjustHandles="1" noChangeArrowheads="1" noChangeShapeType="1" noTextEdit="1"/>
-          </p:cNvSpPr>
-          <p:nvPr>
-            <p:extLst>
-              <p:ext uri="{386F3935-93C4-4BCD-93E2-E3B085C9AB24}">
-                <p16:designElem xmlns:p16="http://schemas.microsoft.com/office/powerpoint/2015/main" val="1"/>
-              </p:ext>
-            </p:extLst>
-          </p:nvPr>
-        </p:nvSpPr>
-        <p:spPr>
-          <a:xfrm flipH="1">
-            <a:off x="665085" y="2090569"/>
-            <a:ext cx="4297680" cy="27432"/>
-          </a:xfrm>
-          <a:prstGeom prst="rect">
-            <a:avLst/>
-          </a:prstGeom>
-          <a:solidFill>
-            <a:schemeClr val="accent4"/>
-          </a:solidFill>
-          <a:ln>
-            <a:noFill/>
-          </a:ln>
-        </p:spPr>
-        <p:style>
-          <a:lnRef idx="2">
-            <a:schemeClr val="accent1">
-              <a:shade val="50000"/>
-            </a:schemeClr>
-          </a:lnRef>
-          <a:fillRef idx="1">
-            <a:schemeClr val="accent1"/>
-          </a:fillRef>
-          <a:effectRef idx="0">
-            <a:schemeClr val="accent1"/>
-          </a:effectRef>
-          <a:fontRef idx="minor">
-            <a:schemeClr val="lt1"/>
-          </a:fontRef>
-        </p:style>
-        <p:txBody>
-          <a:bodyPr rtlCol="0" anchor="ctr"/>
-          <a:lstStyle/>
-          <a:p>
-            <a:pPr algn="ctr"/>
-            <a:endParaRPr lang="en-US"/>
-          </a:p>
-        </p:txBody>
-      </p:sp>
-      <p:sp>
-        <p:nvSpPr>
-          <p:cNvPr id="8" name="Text Placeholder 7">
-            <a:extLst>
-              <a:ext uri="{FF2B5EF4-FFF2-40B4-BE49-F238E27FC236}">
-                <a16:creationId xmlns:a16="http://schemas.microsoft.com/office/drawing/2014/main" id="{958D5C89-C119-4811-886C-7F28128E6C98}"/>
-              </a:ext>
-            </a:extLst>
-          </p:cNvPr>
-          <p:cNvSpPr>
-            <a:spLocks noGrp="1"/>
-          </p:cNvSpPr>
-          <p:nvPr>
-            <p:ph type="body" sz="half" idx="2"/>
-          </p:nvPr>
-        </p:nvSpPr>
-        <p:spPr>
-          <a:xfrm>
-            <a:off x="590719" y="2330505"/>
-            <a:ext cx="4559425" cy="3979585"/>
-          </a:xfrm>
-        </p:spPr>
-        <p:txBody>
-          <a:bodyPr vert="horz" lIns="91440" tIns="45720" rIns="91440" bIns="45720" rtlCol="0" anchor="ctr">
-            <a:normAutofit/>
-          </a:bodyPr>
-          <a:lstStyle/>
-          <a:p>
-            <a:pPr indent="-228600">
-              <a:buFont typeface="Arial" panose="020B0604020202020204" pitchFamily="34" charset="0"/>
-              <a:buChar char="•"/>
-            </a:pPr>
-            <a:r>
-              <a:rPr lang="en-US" sz="1900" dirty="0">
-                <a:solidFill>
-                  <a:srgbClr val="023047"/>
-                </a:solidFill>
-              </a:rPr>
-              <a:t>As said: registering is straight-forward:</a:t>
-            </a:r>
-          </a:p>
-          <a:p>
-            <a:pPr marL="342900" indent="-228600">
-              <a:buFont typeface="Arial" panose="020B0604020202020204" pitchFamily="34" charset="0"/>
-              <a:buChar char="•"/>
-            </a:pPr>
-            <a:r>
-              <a:rPr lang="en-US" sz="1900" dirty="0">
-                <a:solidFill>
-                  <a:srgbClr val="023047"/>
-                </a:solidFill>
-              </a:rPr>
-              <a:t>Ask the name which the person wants to register with</a:t>
-            </a:r>
-          </a:p>
-          <a:p>
-            <a:pPr marL="800100" lvl="1" indent="-228600">
-              <a:buFont typeface="Arial" panose="020B0604020202020204" pitchFamily="34" charset="0"/>
-              <a:buChar char="•"/>
-            </a:pPr>
-            <a:r>
-              <a:rPr lang="en-US" sz="1900" dirty="0">
-                <a:solidFill>
-                  <a:srgbClr val="023047"/>
-                </a:solidFill>
-              </a:rPr>
-              <a:t>We ask again as they might want to register with a name different from their real one!</a:t>
-            </a:r>
-          </a:p>
-          <a:p>
-            <a:pPr marL="342900" indent="-228600">
-              <a:buFont typeface="Arial" panose="020B0604020202020204" pitchFamily="34" charset="0"/>
-              <a:buChar char="•"/>
-            </a:pPr>
-            <a:r>
-              <a:rPr lang="en-US" sz="1900" dirty="0">
-                <a:solidFill>
-                  <a:srgbClr val="023047"/>
-                </a:solidFill>
-              </a:rPr>
-              <a:t>Compute face encodings from the detection frame (the frame that started it all)</a:t>
-            </a:r>
-          </a:p>
-          <a:p>
-            <a:pPr marL="342900" indent="-228600">
-              <a:buFont typeface="Arial" panose="020B0604020202020204" pitchFamily="34" charset="0"/>
-              <a:buChar char="•"/>
-            </a:pPr>
-            <a:r>
-              <a:rPr lang="en-US" sz="1900" dirty="0">
-                <a:solidFill>
-                  <a:srgbClr val="023047"/>
-                </a:solidFill>
-              </a:rPr>
-              <a:t>Create a new instance of the Member class, commit it to memory, and inform the user they are now part of the Clan</a:t>
-            </a:r>
-          </a:p>
-        </p:txBody>
-      </p:sp>
-      <p:sp>
-        <p:nvSpPr>
-          <p:cNvPr id="51" name="Rectangle 50">
-            <a:extLst>
-              <a:ext uri="{FF2B5EF4-FFF2-40B4-BE49-F238E27FC236}">
-                <a16:creationId xmlns:a16="http://schemas.microsoft.com/office/drawing/2014/main" id="{C13237C8-E62C-4F0D-A318-BD6FB6C2D138}"/>
-              </a:ext>
-              <a:ext uri="{C183D7F6-B498-43B3-948B-1728B52AA6E4}">
-                <adec:decorative xmlns:adec="http://schemas.microsoft.com/office/drawing/2017/decorative" val="1"/>
-              </a:ext>
-            </a:extLst>
-          </p:cNvPr>
-          <p:cNvSpPr>
-            <a:spLocks noGrp="1" noRot="1" noChangeAspect="1" noMove="1" noResize="1" noEditPoints="1" noAdjustHandles="1" noChangeArrowheads="1" noChangeShapeType="1" noTextEdit="1"/>
-          </p:cNvSpPr>
-          <p:nvPr>
-            <p:extLst>
-              <p:ext uri="{386F3935-93C4-4BCD-93E2-E3B085C9AB24}">
-                <p16:designElem xmlns:p16="http://schemas.microsoft.com/office/powerpoint/2015/main" val="1"/>
-              </p:ext>
-            </p:extLst>
-          </p:nvPr>
-        </p:nvSpPr>
-        <p:spPr>
-          <a:xfrm flipH="1">
-            <a:off x="10697670" y="0"/>
-            <a:ext cx="1494330" cy="6858000"/>
-          </a:xfrm>
-          <a:prstGeom prst="rect">
-            <a:avLst/>
-          </a:prstGeom>
-          <a:solidFill>
-            <a:schemeClr val="accent4"/>
-          </a:solidFill>
-          <a:ln>
-            <a:noFill/>
-          </a:ln>
-        </p:spPr>
-        <p:style>
-          <a:lnRef idx="2">
-            <a:schemeClr val="accent1">
-              <a:shade val="50000"/>
-            </a:schemeClr>
-          </a:lnRef>
-          <a:fillRef idx="1">
-            <a:schemeClr val="accent1"/>
-          </a:fillRef>
-          <a:effectRef idx="0">
-            <a:schemeClr val="accent1"/>
-          </a:effectRef>
-          <a:fontRef idx="minor">
-            <a:schemeClr val="lt1"/>
-          </a:fontRef>
-        </p:style>
-        <p:txBody>
-          <a:bodyPr rtlCol="0" anchor="ctr"/>
-          <a:lstStyle/>
-          <a:p>
-            <a:pPr algn="ctr"/>
-            <a:endParaRPr lang="en-US"/>
-          </a:p>
-        </p:txBody>
-      </p:sp>
-      <p:sp>
-        <p:nvSpPr>
-          <p:cNvPr id="53" name="Rectangle 52">
-            <a:extLst>
-              <a:ext uri="{FF2B5EF4-FFF2-40B4-BE49-F238E27FC236}">
-                <a16:creationId xmlns:a16="http://schemas.microsoft.com/office/drawing/2014/main" id="{19C9EAEA-39D0-4B0E-A0EB-51E7B26740B1}"/>
-              </a:ext>
-              <a:ext uri="{C183D7F6-B498-43B3-948B-1728B52AA6E4}">
-                <adec:decorative xmlns:adec="http://schemas.microsoft.com/office/drawing/2017/decorative" val="1"/>
-              </a:ext>
-            </a:extLst>
-          </p:cNvPr>
-          <p:cNvSpPr>
-            <a:spLocks noGrp="1" noRot="1" noChangeAspect="1" noMove="1" noResize="1" noEditPoints="1" noAdjustHandles="1" noChangeArrowheads="1" noChangeShapeType="1" noTextEdit="1"/>
-          </p:cNvSpPr>
-          <p:nvPr>
-            <p:extLst>
-              <p:ext uri="{386F3935-93C4-4BCD-93E2-E3B085C9AB24}">
-                <p16:designElem xmlns:p16="http://schemas.microsoft.com/office/powerpoint/2015/main" val="1"/>
-              </p:ext>
-            </p:extLst>
-          </p:nvPr>
-        </p:nvSpPr>
-        <p:spPr>
-          <a:xfrm>
-            <a:off x="5685810" y="513853"/>
-            <a:ext cx="6009366" cy="5834577"/>
-          </a:xfrm>
-          <a:prstGeom prst="rect">
-            <a:avLst/>
-          </a:prstGeom>
-          <a:solidFill>
-            <a:schemeClr val="bg1"/>
-          </a:solidFill>
-          <a:ln>
-            <a:noFill/>
-          </a:ln>
-          <a:effectLst>
-            <a:outerShdw blurRad="139700" dist="127000" dir="5400000" algn="t" rotWithShape="0">
-              <a:prstClr val="black">
-                <a:alpha val="15000"/>
-              </a:prstClr>
-            </a:outerShdw>
-          </a:effectLst>
-        </p:spPr>
-        <p:style>
-          <a:lnRef idx="2">
-            <a:schemeClr val="accent1">
-              <a:shade val="50000"/>
-            </a:schemeClr>
-          </a:lnRef>
-          <a:fillRef idx="1">
-            <a:schemeClr val="accent1"/>
-          </a:fillRef>
-          <a:effectRef idx="0">
-            <a:schemeClr val="accent1"/>
-          </a:effectRef>
-          <a:fontRef idx="minor">
-            <a:schemeClr val="lt1"/>
-          </a:fontRef>
-        </p:style>
-        <p:txBody>
-          <a:bodyPr rtlCol="0" anchor="ctr"/>
-          <a:lstStyle/>
-          <a:p>
-            <a:pPr algn="ctr"/>
-            <a:endParaRPr lang="en-US"/>
-          </a:p>
-        </p:txBody>
-      </p:sp>
-      <p:pic>
-        <p:nvPicPr>
-          <p:cNvPr id="18" name="Picture Placeholder 17">
-            <a:extLst>
-              <a:ext uri="{FF2B5EF4-FFF2-40B4-BE49-F238E27FC236}">
-                <a16:creationId xmlns:a16="http://schemas.microsoft.com/office/drawing/2014/main" id="{DEBE0645-1D8B-4918-95E4-08F903FD7BC1}"/>
-              </a:ext>
-            </a:extLst>
-          </p:cNvPr>
-          <p:cNvPicPr>
-            <a:picLocks noGrp="1" noChangeAspect="1"/>
-          </p:cNvPicPr>
-          <p:nvPr>
-            <p:ph type="pic" idx="1"/>
-          </p:nvPr>
-        </p:nvPicPr>
-        <p:blipFill rotWithShape="1">
-          <a:blip r:embed="rId2"/>
-          <a:srcRect t="-155609" b="-155609"/>
-          <a:stretch/>
-        </p:blipFill>
-        <p:spPr>
-          <a:xfrm>
-            <a:off x="5423653" y="264644"/>
-            <a:ext cx="6271523" cy="6079503"/>
-          </a:xfrm>
-          <a:prstGeom prst="rect">
-            <a:avLst/>
-          </a:prstGeom>
-        </p:spPr>
-      </p:pic>
-    </p:spTree>
-    <p:extLst>
-      <p:ext uri="{BB962C8B-B14F-4D97-AF65-F5344CB8AC3E}">
-        <p14:creationId xmlns:p14="http://schemas.microsoft.com/office/powerpoint/2010/main" val="2782484819"/>
       </p:ext>
     </p:extLst>
   </p:cSld>

--- a/Multimodal personalized multiuser Home Assistant.pptx
+++ b/Multimodal personalized multiuser Home Assistant.pptx
@@ -11,13 +11,19 @@
     <p:sldId id="258" r:id="rId5"/>
     <p:sldId id="268" r:id="rId6"/>
     <p:sldId id="269" r:id="rId7"/>
-    <p:sldId id="271" r:id="rId8"/>
-    <p:sldId id="260" r:id="rId9"/>
-    <p:sldId id="266" r:id="rId10"/>
-    <p:sldId id="267" r:id="rId11"/>
-    <p:sldId id="264" r:id="rId12"/>
-    <p:sldId id="262" r:id="rId13"/>
-    <p:sldId id="272" r:id="rId14"/>
+    <p:sldId id="273" r:id="rId8"/>
+    <p:sldId id="271" r:id="rId9"/>
+    <p:sldId id="274" r:id="rId10"/>
+    <p:sldId id="275" r:id="rId11"/>
+    <p:sldId id="276" r:id="rId12"/>
+    <p:sldId id="277" r:id="rId13"/>
+    <p:sldId id="260" r:id="rId14"/>
+    <p:sldId id="266" r:id="rId15"/>
+    <p:sldId id="267" r:id="rId16"/>
+    <p:sldId id="264" r:id="rId17"/>
+    <p:sldId id="262" r:id="rId18"/>
+    <p:sldId id="278" r:id="rId19"/>
+    <p:sldId id="272" r:id="rId20"/>
   </p:sldIdLst>
   <p:sldSz cx="12192000" cy="6858000"/>
   <p:notesSz cx="6858000" cy="9144000"/>
@@ -271,7 +277,7 @@
           <a:p>
             <a:fld id="{D9F382C6-4DAD-4005-867B-52DECB907C8D}" type="datetimeFigureOut">
               <a:rPr lang="en-US" smtClean="0"/>
-              <a:t>7/6/2021</a:t>
+              <a:t>7/7/2021</a:t>
             </a:fld>
             <a:endParaRPr lang="en-US"/>
           </a:p>
@@ -469,7 +475,7 @@
           <a:p>
             <a:fld id="{D9F382C6-4DAD-4005-867B-52DECB907C8D}" type="datetimeFigureOut">
               <a:rPr lang="en-US" smtClean="0"/>
-              <a:t>7/6/2021</a:t>
+              <a:t>7/7/2021</a:t>
             </a:fld>
             <a:endParaRPr lang="en-US"/>
           </a:p>
@@ -677,7 +683,7 @@
           <a:p>
             <a:fld id="{D9F382C6-4DAD-4005-867B-52DECB907C8D}" type="datetimeFigureOut">
               <a:rPr lang="en-US" smtClean="0"/>
-              <a:t>7/6/2021</a:t>
+              <a:t>7/7/2021</a:t>
             </a:fld>
             <a:endParaRPr lang="en-US"/>
           </a:p>
@@ -875,7 +881,7 @@
           <a:p>
             <a:fld id="{D9F382C6-4DAD-4005-867B-52DECB907C8D}" type="datetimeFigureOut">
               <a:rPr lang="en-US" smtClean="0"/>
-              <a:t>7/6/2021</a:t>
+              <a:t>7/7/2021</a:t>
             </a:fld>
             <a:endParaRPr lang="en-US"/>
           </a:p>
@@ -1150,7 +1156,7 @@
           <a:p>
             <a:fld id="{D9F382C6-4DAD-4005-867B-52DECB907C8D}" type="datetimeFigureOut">
               <a:rPr lang="en-US" smtClean="0"/>
-              <a:t>7/6/2021</a:t>
+              <a:t>7/7/2021</a:t>
             </a:fld>
             <a:endParaRPr lang="en-US"/>
           </a:p>
@@ -1415,7 +1421,7 @@
           <a:p>
             <a:fld id="{D9F382C6-4DAD-4005-867B-52DECB907C8D}" type="datetimeFigureOut">
               <a:rPr lang="en-US" smtClean="0"/>
-              <a:t>7/6/2021</a:t>
+              <a:t>7/7/2021</a:t>
             </a:fld>
             <a:endParaRPr lang="en-US"/>
           </a:p>
@@ -1827,7 +1833,7 @@
           <a:p>
             <a:fld id="{D9F382C6-4DAD-4005-867B-52DECB907C8D}" type="datetimeFigureOut">
               <a:rPr lang="en-US" smtClean="0"/>
-              <a:t>7/6/2021</a:t>
+              <a:t>7/7/2021</a:t>
             </a:fld>
             <a:endParaRPr lang="en-US"/>
           </a:p>
@@ -1968,7 +1974,7 @@
           <a:p>
             <a:fld id="{D9F382C6-4DAD-4005-867B-52DECB907C8D}" type="datetimeFigureOut">
               <a:rPr lang="en-US" smtClean="0"/>
-              <a:t>7/6/2021</a:t>
+              <a:t>7/7/2021</a:t>
             </a:fld>
             <a:endParaRPr lang="en-US"/>
           </a:p>
@@ -2081,7 +2087,7 @@
           <a:p>
             <a:fld id="{D9F382C6-4DAD-4005-867B-52DECB907C8D}" type="datetimeFigureOut">
               <a:rPr lang="en-US" smtClean="0"/>
-              <a:t>7/6/2021</a:t>
+              <a:t>7/7/2021</a:t>
             </a:fld>
             <a:endParaRPr lang="en-US"/>
           </a:p>
@@ -2392,7 +2398,7 @@
           <a:p>
             <a:fld id="{D9F382C6-4DAD-4005-867B-52DECB907C8D}" type="datetimeFigureOut">
               <a:rPr lang="en-US" smtClean="0"/>
-              <a:t>7/6/2021</a:t>
+              <a:t>7/7/2021</a:t>
             </a:fld>
             <a:endParaRPr lang="en-US"/>
           </a:p>
@@ -2680,7 +2686,7 @@
           <a:p>
             <a:fld id="{D9F382C6-4DAD-4005-867B-52DECB907C8D}" type="datetimeFigureOut">
               <a:rPr lang="en-US" smtClean="0"/>
-              <a:t>7/6/2021</a:t>
+              <a:t>7/7/2021</a:t>
             </a:fld>
             <a:endParaRPr lang="en-US"/>
           </a:p>
@@ -2921,7 +2927,7 @@
           <a:p>
             <a:fld id="{D9F382C6-4DAD-4005-867B-52DECB907C8D}" type="datetimeFigureOut">
               <a:rPr lang="en-US" smtClean="0"/>
-              <a:t>7/6/2021</a:t>
+              <a:t>7/7/2021</a:t>
             </a:fld>
             <a:endParaRPr lang="en-US"/>
           </a:p>
@@ -4306,6 +4312,1813 @@
       </p:grpSpPr>
       <p:sp useBgFill="1">
         <p:nvSpPr>
+          <p:cNvPr id="52" name="Rectangle 42">
+            <a:extLst>
+              <a:ext uri="{FF2B5EF4-FFF2-40B4-BE49-F238E27FC236}">
+                <a16:creationId xmlns:a16="http://schemas.microsoft.com/office/drawing/2014/main" id="{201CC55D-ED54-4C5C-95E6-10947BD1103B}"/>
+              </a:ext>
+              <a:ext uri="{C183D7F6-B498-43B3-948B-1728B52AA6E4}">
+                <adec:decorative xmlns:adec="http://schemas.microsoft.com/office/drawing/2017/decorative" val="1"/>
+              </a:ext>
+            </a:extLst>
+          </p:cNvPr>
+          <p:cNvSpPr>
+            <a:spLocks noGrp="1" noRot="1" noChangeAspect="1" noMove="1" noResize="1" noEditPoints="1" noAdjustHandles="1" noChangeArrowheads="1" noChangeShapeType="1" noTextEdit="1"/>
+          </p:cNvSpPr>
+          <p:nvPr>
+            <p:extLst>
+              <p:ext uri="{386F3935-93C4-4BCD-93E2-E3B085C9AB24}">
+                <p16:designElem xmlns:p16="http://schemas.microsoft.com/office/powerpoint/2015/main" val="1"/>
+              </p:ext>
+            </p:extLst>
+          </p:nvPr>
+        </p:nvSpPr>
+        <p:spPr>
+          <a:xfrm>
+            <a:off x="0" y="0"/>
+            <a:ext cx="12191999" cy="6857365"/>
+          </a:xfrm>
+          <a:prstGeom prst="rect">
+            <a:avLst/>
+          </a:prstGeom>
+          <a:ln>
+            <a:noFill/>
+          </a:ln>
+        </p:spPr>
+        <p:style>
+          <a:lnRef idx="2">
+            <a:schemeClr val="accent1">
+              <a:shade val="50000"/>
+            </a:schemeClr>
+          </a:lnRef>
+          <a:fillRef idx="1">
+            <a:schemeClr val="accent1"/>
+          </a:fillRef>
+          <a:effectRef idx="0">
+            <a:schemeClr val="accent1"/>
+          </a:effectRef>
+          <a:fontRef idx="minor">
+            <a:schemeClr val="lt1"/>
+          </a:fontRef>
+        </p:style>
+        <p:txBody>
+          <a:bodyPr rtlCol="0" anchor="ctr"/>
+          <a:lstStyle/>
+          <a:p>
+            <a:pPr algn="ctr"/>
+            <a:endParaRPr lang="en-US"/>
+          </a:p>
+        </p:txBody>
+      </p:sp>
+      <p:sp>
+        <p:nvSpPr>
+          <p:cNvPr id="19" name="Rectangle 18">
+            <a:extLst>
+              <a:ext uri="{FF2B5EF4-FFF2-40B4-BE49-F238E27FC236}">
+                <a16:creationId xmlns:a16="http://schemas.microsoft.com/office/drawing/2014/main" id="{839D4B9E-CCF5-4693-A7D2-3F65D29B2909}"/>
+              </a:ext>
+            </a:extLst>
+          </p:cNvPr>
+          <p:cNvSpPr/>
+          <p:nvPr/>
+        </p:nvSpPr>
+        <p:spPr>
+          <a:xfrm>
+            <a:off x="355197" y="640080"/>
+            <a:ext cx="5330612" cy="1316736"/>
+          </a:xfrm>
+          <a:prstGeom prst="rect">
+            <a:avLst/>
+          </a:prstGeom>
+          <a:solidFill>
+            <a:srgbClr val="023047"/>
+          </a:solidFill>
+          <a:ln>
+            <a:noFill/>
+          </a:ln>
+        </p:spPr>
+        <p:style>
+          <a:lnRef idx="2">
+            <a:schemeClr val="accent1">
+              <a:shade val="50000"/>
+            </a:schemeClr>
+          </a:lnRef>
+          <a:fillRef idx="1">
+            <a:schemeClr val="accent1"/>
+          </a:fillRef>
+          <a:effectRef idx="0">
+            <a:schemeClr val="accent1"/>
+          </a:effectRef>
+          <a:fontRef idx="minor">
+            <a:schemeClr val="lt1"/>
+          </a:fontRef>
+        </p:style>
+        <p:txBody>
+          <a:bodyPr rtlCol="0" anchor="ctr"/>
+          <a:lstStyle/>
+          <a:p>
+            <a:pPr algn="ctr"/>
+            <a:endParaRPr lang="en-GB"/>
+          </a:p>
+        </p:txBody>
+      </p:sp>
+      <p:sp>
+        <p:nvSpPr>
+          <p:cNvPr id="2" name="Title 1">
+            <a:extLst>
+              <a:ext uri="{FF2B5EF4-FFF2-40B4-BE49-F238E27FC236}">
+                <a16:creationId xmlns:a16="http://schemas.microsoft.com/office/drawing/2014/main" id="{F703FF40-49BD-4711-8571-801EBE0CF90B}"/>
+              </a:ext>
+            </a:extLst>
+          </p:cNvPr>
+          <p:cNvSpPr>
+            <a:spLocks noGrp="1"/>
+          </p:cNvSpPr>
+          <p:nvPr>
+            <p:ph type="title"/>
+          </p:nvPr>
+        </p:nvSpPr>
+        <p:spPr>
+          <a:xfrm>
+            <a:off x="589560" y="694944"/>
+            <a:ext cx="4672496" cy="1289304"/>
+          </a:xfrm>
+        </p:spPr>
+        <p:txBody>
+          <a:bodyPr vert="horz" lIns="91440" tIns="45720" rIns="91440" bIns="45720" rtlCol="0" anchor="ctr">
+            <a:normAutofit/>
+          </a:bodyPr>
+          <a:lstStyle/>
+          <a:p>
+            <a:r>
+              <a:rPr lang="en-US" sz="5400" dirty="0">
+                <a:solidFill>
+                  <a:srgbClr val="FFC000"/>
+                </a:solidFill>
+              </a:rPr>
+              <a:t>Interactions</a:t>
+            </a:r>
+            <a:endParaRPr lang="en-US" sz="4400" dirty="0">
+              <a:solidFill>
+                <a:srgbClr val="FFC000"/>
+              </a:solidFill>
+            </a:endParaRPr>
+          </a:p>
+        </p:txBody>
+      </p:sp>
+      <p:grpSp>
+        <p:nvGrpSpPr>
+          <p:cNvPr id="54" name="Group 44">
+            <a:extLst>
+              <a:ext uri="{FF2B5EF4-FFF2-40B4-BE49-F238E27FC236}">
+                <a16:creationId xmlns:a16="http://schemas.microsoft.com/office/drawing/2014/main" id="{1DE889C7-FAD6-4397-98E2-05D503484459}"/>
+              </a:ext>
+              <a:ext uri="{C183D7F6-B498-43B3-948B-1728B52AA6E4}">
+                <adec:decorative xmlns:adec="http://schemas.microsoft.com/office/drawing/2017/decorative" val="1"/>
+              </a:ext>
+            </a:extLst>
+          </p:cNvPr>
+          <p:cNvGrpSpPr>
+            <a:grpSpLocks noGrp="1" noUngrp="1" noRot="1" noChangeAspect="1" noMove="1" noResize="1"/>
+          </p:cNvGrpSpPr>
+          <p:nvPr>
+            <p:extLst>
+              <p:ext uri="{386F3935-93C4-4BCD-93E2-E3B085C9AB24}">
+                <p16:designElem xmlns:p16="http://schemas.microsoft.com/office/powerpoint/2015/main" val="1"/>
+              </p:ext>
+            </p:extLst>
+          </p:nvPr>
+        </p:nvGrpSpPr>
+        <p:grpSpPr>
+          <a:xfrm>
+            <a:off x="0" y="1083484"/>
+            <a:ext cx="355196" cy="673460"/>
+            <a:chOff x="0" y="823811"/>
+            <a:chExt cx="355196" cy="673460"/>
+          </a:xfrm>
+        </p:grpSpPr>
+        <p:sp>
+          <p:nvSpPr>
+            <p:cNvPr id="46" name="Rectangle 45">
+              <a:extLst>
+                <a:ext uri="{FF2B5EF4-FFF2-40B4-BE49-F238E27FC236}">
+                  <a16:creationId xmlns:a16="http://schemas.microsoft.com/office/drawing/2014/main" id="{F399A70F-F8CD-4992-9EF5-6CF15472E73F}"/>
+                </a:ext>
+                <a:ext uri="{C183D7F6-B498-43B3-948B-1728B52AA6E4}">
+                  <adec:decorative xmlns:adec="http://schemas.microsoft.com/office/drawing/2017/decorative" val="1"/>
+                </a:ext>
+              </a:extLst>
+            </p:cNvPr>
+            <p:cNvSpPr/>
+            <p:nvPr>
+              <p:extLst>
+                <p:ext uri="{386F3935-93C4-4BCD-93E2-E3B085C9AB24}">
+                  <p16:designElem xmlns:p16="http://schemas.microsoft.com/office/powerpoint/2015/main" val="1"/>
+                </p:ext>
+              </p:extLst>
+            </p:nvPr>
+          </p:nvSpPr>
+          <p:spPr>
+            <a:xfrm>
+              <a:off x="0" y="823811"/>
+              <a:ext cx="87363" cy="673460"/>
+            </a:xfrm>
+            <a:prstGeom prst="rect">
+              <a:avLst/>
+            </a:prstGeom>
+            <a:solidFill>
+              <a:schemeClr val="accent4"/>
+            </a:solidFill>
+            <a:ln>
+              <a:noFill/>
+            </a:ln>
+          </p:spPr>
+          <p:style>
+            <a:lnRef idx="2">
+              <a:schemeClr val="accent1">
+                <a:shade val="50000"/>
+              </a:schemeClr>
+            </a:lnRef>
+            <a:fillRef idx="1">
+              <a:schemeClr val="accent1"/>
+            </a:fillRef>
+            <a:effectRef idx="0">
+              <a:schemeClr val="accent1"/>
+            </a:effectRef>
+            <a:fontRef idx="minor">
+              <a:schemeClr val="lt1"/>
+            </a:fontRef>
+          </p:style>
+          <p:txBody>
+            <a:bodyPr rtlCol="0" anchor="ctr"/>
+            <a:lstStyle/>
+            <a:p>
+              <a:pPr algn="ctr"/>
+              <a:endParaRPr lang="en-US"/>
+            </a:p>
+          </p:txBody>
+        </p:sp>
+        <p:sp>
+          <p:nvSpPr>
+            <p:cNvPr id="55" name="Rectangle 46">
+              <a:extLst>
+                <a:ext uri="{FF2B5EF4-FFF2-40B4-BE49-F238E27FC236}">
+                  <a16:creationId xmlns:a16="http://schemas.microsoft.com/office/drawing/2014/main" id="{48F4FEDC-6D80-458C-A665-075D9B9500FD}"/>
+                </a:ext>
+                <a:ext uri="{C183D7F6-B498-43B3-948B-1728B52AA6E4}">
+                  <adec:decorative xmlns:adec="http://schemas.microsoft.com/office/drawing/2017/decorative" val="1"/>
+                </a:ext>
+              </a:extLst>
+            </p:cNvPr>
+            <p:cNvSpPr/>
+            <p:nvPr>
+              <p:extLst>
+                <p:ext uri="{386F3935-93C4-4BCD-93E2-E3B085C9AB24}">
+                  <p16:designElem xmlns:p16="http://schemas.microsoft.com/office/powerpoint/2015/main" val="1"/>
+                </p:ext>
+              </p:extLst>
+            </p:nvPr>
+          </p:nvSpPr>
+          <p:spPr>
+            <a:xfrm>
+              <a:off x="159341" y="823811"/>
+              <a:ext cx="195855" cy="673460"/>
+            </a:xfrm>
+            <a:prstGeom prst="rect">
+              <a:avLst/>
+            </a:prstGeom>
+            <a:solidFill>
+              <a:schemeClr val="accent4"/>
+            </a:solidFill>
+            <a:ln>
+              <a:noFill/>
+            </a:ln>
+          </p:spPr>
+          <p:style>
+            <a:lnRef idx="2">
+              <a:schemeClr val="accent1">
+                <a:shade val="50000"/>
+              </a:schemeClr>
+            </a:lnRef>
+            <a:fillRef idx="1">
+              <a:schemeClr val="accent1"/>
+            </a:fillRef>
+            <a:effectRef idx="0">
+              <a:schemeClr val="accent1"/>
+            </a:effectRef>
+            <a:fontRef idx="minor">
+              <a:schemeClr val="lt1"/>
+            </a:fontRef>
+          </p:style>
+          <p:txBody>
+            <a:bodyPr rtlCol="0" anchor="ctr"/>
+            <a:lstStyle/>
+            <a:p>
+              <a:pPr algn="ctr"/>
+              <a:endParaRPr lang="en-US"/>
+            </a:p>
+          </p:txBody>
+        </p:sp>
+      </p:grpSp>
+      <p:sp>
+        <p:nvSpPr>
+          <p:cNvPr id="56" name="Rectangle 48">
+            <a:extLst>
+              <a:ext uri="{FF2B5EF4-FFF2-40B4-BE49-F238E27FC236}">
+                <a16:creationId xmlns:a16="http://schemas.microsoft.com/office/drawing/2014/main" id="{3873B707-463F-40B0-8227-E8CC6C67EB25}"/>
+              </a:ext>
+              <a:ext uri="{C183D7F6-B498-43B3-948B-1728B52AA6E4}">
+                <adec:decorative xmlns:adec="http://schemas.microsoft.com/office/drawing/2017/decorative" val="1"/>
+              </a:ext>
+            </a:extLst>
+          </p:cNvPr>
+          <p:cNvSpPr>
+            <a:spLocks noGrp="1" noRot="1" noChangeAspect="1" noMove="1" noResize="1" noEditPoints="1" noAdjustHandles="1" noChangeArrowheads="1" noChangeShapeType="1" noTextEdit="1"/>
+          </p:cNvSpPr>
+          <p:nvPr>
+            <p:extLst>
+              <p:ext uri="{386F3935-93C4-4BCD-93E2-E3B085C9AB24}">
+                <p16:designElem xmlns:p16="http://schemas.microsoft.com/office/powerpoint/2015/main" val="1"/>
+              </p:ext>
+            </p:extLst>
+          </p:nvPr>
+        </p:nvSpPr>
+        <p:spPr>
+          <a:xfrm flipH="1">
+            <a:off x="665085" y="2090569"/>
+            <a:ext cx="4297680" cy="27432"/>
+          </a:xfrm>
+          <a:prstGeom prst="rect">
+            <a:avLst/>
+          </a:prstGeom>
+          <a:solidFill>
+            <a:schemeClr val="accent4"/>
+          </a:solidFill>
+          <a:ln>
+            <a:noFill/>
+          </a:ln>
+        </p:spPr>
+        <p:style>
+          <a:lnRef idx="2">
+            <a:schemeClr val="accent1">
+              <a:shade val="50000"/>
+            </a:schemeClr>
+          </a:lnRef>
+          <a:fillRef idx="1">
+            <a:schemeClr val="accent1"/>
+          </a:fillRef>
+          <a:effectRef idx="0">
+            <a:schemeClr val="accent1"/>
+          </a:effectRef>
+          <a:fontRef idx="minor">
+            <a:schemeClr val="lt1"/>
+          </a:fontRef>
+        </p:style>
+        <p:txBody>
+          <a:bodyPr rtlCol="0" anchor="ctr"/>
+          <a:lstStyle/>
+          <a:p>
+            <a:pPr algn="ctr"/>
+            <a:endParaRPr lang="en-US"/>
+          </a:p>
+        </p:txBody>
+      </p:sp>
+      <p:sp>
+        <p:nvSpPr>
+          <p:cNvPr id="51" name="Rectangle 50">
+            <a:extLst>
+              <a:ext uri="{FF2B5EF4-FFF2-40B4-BE49-F238E27FC236}">
+                <a16:creationId xmlns:a16="http://schemas.microsoft.com/office/drawing/2014/main" id="{C13237C8-E62C-4F0D-A318-BD6FB6C2D138}"/>
+              </a:ext>
+              <a:ext uri="{C183D7F6-B498-43B3-948B-1728B52AA6E4}">
+                <adec:decorative xmlns:adec="http://schemas.microsoft.com/office/drawing/2017/decorative" val="1"/>
+              </a:ext>
+            </a:extLst>
+          </p:cNvPr>
+          <p:cNvSpPr>
+            <a:spLocks noGrp="1" noRot="1" noChangeAspect="1" noMove="1" noResize="1" noEditPoints="1" noAdjustHandles="1" noChangeArrowheads="1" noChangeShapeType="1" noTextEdit="1"/>
+          </p:cNvSpPr>
+          <p:nvPr>
+            <p:extLst>
+              <p:ext uri="{386F3935-93C4-4BCD-93E2-E3B085C9AB24}">
+                <p16:designElem xmlns:p16="http://schemas.microsoft.com/office/powerpoint/2015/main" val="1"/>
+              </p:ext>
+            </p:extLst>
+          </p:nvPr>
+        </p:nvSpPr>
+        <p:spPr>
+          <a:xfrm flipH="1">
+            <a:off x="10697670" y="0"/>
+            <a:ext cx="1494330" cy="6858000"/>
+          </a:xfrm>
+          <a:prstGeom prst="rect">
+            <a:avLst/>
+          </a:prstGeom>
+          <a:solidFill>
+            <a:schemeClr val="accent4"/>
+          </a:solidFill>
+          <a:ln>
+            <a:noFill/>
+          </a:ln>
+        </p:spPr>
+        <p:style>
+          <a:lnRef idx="2">
+            <a:schemeClr val="accent1">
+              <a:shade val="50000"/>
+            </a:schemeClr>
+          </a:lnRef>
+          <a:fillRef idx="1">
+            <a:schemeClr val="accent1"/>
+          </a:fillRef>
+          <a:effectRef idx="0">
+            <a:schemeClr val="accent1"/>
+          </a:effectRef>
+          <a:fontRef idx="minor">
+            <a:schemeClr val="lt1"/>
+          </a:fontRef>
+        </p:style>
+        <p:txBody>
+          <a:bodyPr rtlCol="0" anchor="ctr"/>
+          <a:lstStyle/>
+          <a:p>
+            <a:pPr algn="ctr"/>
+            <a:endParaRPr lang="en-US"/>
+          </a:p>
+        </p:txBody>
+      </p:sp>
+      <p:sp>
+        <p:nvSpPr>
+          <p:cNvPr id="53" name="Rectangle 52">
+            <a:extLst>
+              <a:ext uri="{FF2B5EF4-FFF2-40B4-BE49-F238E27FC236}">
+                <a16:creationId xmlns:a16="http://schemas.microsoft.com/office/drawing/2014/main" id="{19C9EAEA-39D0-4B0E-A0EB-51E7B26740B1}"/>
+              </a:ext>
+              <a:ext uri="{C183D7F6-B498-43B3-948B-1728B52AA6E4}">
+                <adec:decorative xmlns:adec="http://schemas.microsoft.com/office/drawing/2017/decorative" val="1"/>
+              </a:ext>
+            </a:extLst>
+          </p:cNvPr>
+          <p:cNvSpPr>
+            <a:spLocks noGrp="1" noRot="1" noChangeAspect="1" noMove="1" noResize="1" noEditPoints="1" noAdjustHandles="1" noChangeArrowheads="1" noChangeShapeType="1" noTextEdit="1"/>
+          </p:cNvSpPr>
+          <p:nvPr>
+            <p:extLst>
+              <p:ext uri="{386F3935-93C4-4BCD-93E2-E3B085C9AB24}">
+                <p16:designElem xmlns:p16="http://schemas.microsoft.com/office/powerpoint/2015/main" val="1"/>
+              </p:ext>
+            </p:extLst>
+          </p:nvPr>
+        </p:nvSpPr>
+        <p:spPr>
+          <a:xfrm>
+            <a:off x="5685810" y="513853"/>
+            <a:ext cx="6009366" cy="5834577"/>
+          </a:xfrm>
+          <a:prstGeom prst="rect">
+            <a:avLst/>
+          </a:prstGeom>
+          <a:solidFill>
+            <a:schemeClr val="bg1"/>
+          </a:solidFill>
+          <a:ln>
+            <a:noFill/>
+          </a:ln>
+          <a:effectLst>
+            <a:outerShdw blurRad="139700" dist="127000" dir="5400000" algn="t" rotWithShape="0">
+              <a:prstClr val="black">
+                <a:alpha val="15000"/>
+              </a:prstClr>
+            </a:outerShdw>
+          </a:effectLst>
+        </p:spPr>
+        <p:style>
+          <a:lnRef idx="2">
+            <a:schemeClr val="accent1">
+              <a:shade val="50000"/>
+            </a:schemeClr>
+          </a:lnRef>
+          <a:fillRef idx="1">
+            <a:schemeClr val="accent1"/>
+          </a:fillRef>
+          <a:effectRef idx="0">
+            <a:schemeClr val="accent1"/>
+          </a:effectRef>
+          <a:fontRef idx="minor">
+            <a:schemeClr val="lt1"/>
+          </a:fontRef>
+        </p:style>
+        <p:txBody>
+          <a:bodyPr rtlCol="0" anchor="ctr"/>
+          <a:lstStyle/>
+          <a:p>
+            <a:pPr algn="ctr"/>
+            <a:endParaRPr lang="en-US"/>
+          </a:p>
+        </p:txBody>
+      </p:sp>
+      <p:pic>
+        <p:nvPicPr>
+          <p:cNvPr id="5" name="Picture 4" descr="Diagram&#10;&#10;Description automatically generated">
+            <a:extLst>
+              <a:ext uri="{FF2B5EF4-FFF2-40B4-BE49-F238E27FC236}">
+                <a16:creationId xmlns:a16="http://schemas.microsoft.com/office/drawing/2014/main" id="{74AF16CC-8489-450E-BD20-6DA0F1850C6F}"/>
+              </a:ext>
+            </a:extLst>
+          </p:cNvPr>
+          <p:cNvPicPr>
+            <a:picLocks noChangeAspect="1"/>
+          </p:cNvPicPr>
+          <p:nvPr/>
+        </p:nvPicPr>
+        <p:blipFill>
+          <a:blip r:embed="rId2">
+            <a:extLst>
+              <a:ext uri="{28A0092B-C50C-407E-A947-70E740481C1C}">
+                <a14:useLocalDpi xmlns:a14="http://schemas.microsoft.com/office/drawing/2010/main" val="0"/>
+              </a:ext>
+            </a:extLst>
+          </a:blip>
+          <a:stretch>
+            <a:fillRect/>
+          </a:stretch>
+        </p:blipFill>
+        <p:spPr>
+          <a:xfrm>
+            <a:off x="5727192" y="883602"/>
+            <a:ext cx="5967984" cy="5090160"/>
+          </a:xfrm>
+          <a:prstGeom prst="rect">
+            <a:avLst/>
+          </a:prstGeom>
+        </p:spPr>
+      </p:pic>
+    </p:spTree>
+    <p:extLst>
+      <p:ext uri="{BB962C8B-B14F-4D97-AF65-F5344CB8AC3E}">
+        <p14:creationId xmlns:p14="http://schemas.microsoft.com/office/powerpoint/2010/main" val="102854152"/>
+      </p:ext>
+    </p:extLst>
+  </p:cSld>
+  <p:clrMapOvr>
+    <a:masterClrMapping/>
+  </p:clrMapOvr>
+</p:sld>
+</file>
+
+<file path=ppt/slides/slide11.xml><?xml version="1.0" encoding="utf-8"?>
+<p:sld xmlns:a="http://schemas.openxmlformats.org/drawingml/2006/main" xmlns:r="http://schemas.openxmlformats.org/officeDocument/2006/relationships" xmlns:p="http://schemas.openxmlformats.org/presentationml/2006/main">
+  <p:cSld>
+    <p:bg>
+      <p:bgPr>
+        <a:solidFill>
+          <a:schemeClr val="bg1"/>
+        </a:solidFill>
+        <a:effectLst/>
+      </p:bgPr>
+    </p:bg>
+    <p:spTree>
+      <p:nvGrpSpPr>
+        <p:cNvPr id="1" name=""/>
+        <p:cNvGrpSpPr/>
+        <p:nvPr/>
+      </p:nvGrpSpPr>
+      <p:grpSpPr>
+        <a:xfrm>
+          <a:off x="0" y="0"/>
+          <a:ext cx="0" cy="0"/>
+          <a:chOff x="0" y="0"/>
+          <a:chExt cx="0" cy="0"/>
+        </a:xfrm>
+      </p:grpSpPr>
+      <p:sp useBgFill="1">
+        <p:nvSpPr>
+          <p:cNvPr id="52" name="Rectangle 42">
+            <a:extLst>
+              <a:ext uri="{FF2B5EF4-FFF2-40B4-BE49-F238E27FC236}">
+                <a16:creationId xmlns:a16="http://schemas.microsoft.com/office/drawing/2014/main" id="{201CC55D-ED54-4C5C-95E6-10947BD1103B}"/>
+              </a:ext>
+              <a:ext uri="{C183D7F6-B498-43B3-948B-1728B52AA6E4}">
+                <adec:decorative xmlns:adec="http://schemas.microsoft.com/office/drawing/2017/decorative" val="1"/>
+              </a:ext>
+            </a:extLst>
+          </p:cNvPr>
+          <p:cNvSpPr>
+            <a:spLocks noGrp="1" noRot="1" noChangeAspect="1" noMove="1" noResize="1" noEditPoints="1" noAdjustHandles="1" noChangeArrowheads="1" noChangeShapeType="1" noTextEdit="1"/>
+          </p:cNvSpPr>
+          <p:nvPr>
+            <p:extLst>
+              <p:ext uri="{386F3935-93C4-4BCD-93E2-E3B085C9AB24}">
+                <p16:designElem xmlns:p16="http://schemas.microsoft.com/office/powerpoint/2015/main" val="1"/>
+              </p:ext>
+            </p:extLst>
+          </p:nvPr>
+        </p:nvSpPr>
+        <p:spPr>
+          <a:xfrm>
+            <a:off x="0" y="0"/>
+            <a:ext cx="12191999" cy="6857365"/>
+          </a:xfrm>
+          <a:prstGeom prst="rect">
+            <a:avLst/>
+          </a:prstGeom>
+          <a:ln>
+            <a:noFill/>
+          </a:ln>
+        </p:spPr>
+        <p:style>
+          <a:lnRef idx="2">
+            <a:schemeClr val="accent1">
+              <a:shade val="50000"/>
+            </a:schemeClr>
+          </a:lnRef>
+          <a:fillRef idx="1">
+            <a:schemeClr val="accent1"/>
+          </a:fillRef>
+          <a:effectRef idx="0">
+            <a:schemeClr val="accent1"/>
+          </a:effectRef>
+          <a:fontRef idx="minor">
+            <a:schemeClr val="lt1"/>
+          </a:fontRef>
+        </p:style>
+        <p:txBody>
+          <a:bodyPr rtlCol="0" anchor="ctr"/>
+          <a:lstStyle/>
+          <a:p>
+            <a:pPr algn="ctr"/>
+            <a:endParaRPr lang="en-US"/>
+          </a:p>
+        </p:txBody>
+      </p:sp>
+      <p:sp>
+        <p:nvSpPr>
+          <p:cNvPr id="19" name="Rectangle 18">
+            <a:extLst>
+              <a:ext uri="{FF2B5EF4-FFF2-40B4-BE49-F238E27FC236}">
+                <a16:creationId xmlns:a16="http://schemas.microsoft.com/office/drawing/2014/main" id="{839D4B9E-CCF5-4693-A7D2-3F65D29B2909}"/>
+              </a:ext>
+            </a:extLst>
+          </p:cNvPr>
+          <p:cNvSpPr/>
+          <p:nvPr/>
+        </p:nvSpPr>
+        <p:spPr>
+          <a:xfrm>
+            <a:off x="355197" y="640080"/>
+            <a:ext cx="5330612" cy="1316736"/>
+          </a:xfrm>
+          <a:prstGeom prst="rect">
+            <a:avLst/>
+          </a:prstGeom>
+          <a:solidFill>
+            <a:srgbClr val="023047"/>
+          </a:solidFill>
+          <a:ln>
+            <a:noFill/>
+          </a:ln>
+        </p:spPr>
+        <p:style>
+          <a:lnRef idx="2">
+            <a:schemeClr val="accent1">
+              <a:shade val="50000"/>
+            </a:schemeClr>
+          </a:lnRef>
+          <a:fillRef idx="1">
+            <a:schemeClr val="accent1"/>
+          </a:fillRef>
+          <a:effectRef idx="0">
+            <a:schemeClr val="accent1"/>
+          </a:effectRef>
+          <a:fontRef idx="minor">
+            <a:schemeClr val="lt1"/>
+          </a:fontRef>
+        </p:style>
+        <p:txBody>
+          <a:bodyPr rtlCol="0" anchor="ctr"/>
+          <a:lstStyle/>
+          <a:p>
+            <a:pPr algn="ctr"/>
+            <a:endParaRPr lang="en-GB"/>
+          </a:p>
+        </p:txBody>
+      </p:sp>
+      <p:sp>
+        <p:nvSpPr>
+          <p:cNvPr id="2" name="Title 1">
+            <a:extLst>
+              <a:ext uri="{FF2B5EF4-FFF2-40B4-BE49-F238E27FC236}">
+                <a16:creationId xmlns:a16="http://schemas.microsoft.com/office/drawing/2014/main" id="{F703FF40-49BD-4711-8571-801EBE0CF90B}"/>
+              </a:ext>
+            </a:extLst>
+          </p:cNvPr>
+          <p:cNvSpPr>
+            <a:spLocks noGrp="1"/>
+          </p:cNvSpPr>
+          <p:nvPr>
+            <p:ph type="title"/>
+          </p:nvPr>
+        </p:nvSpPr>
+        <p:spPr>
+          <a:xfrm>
+            <a:off x="589560" y="694944"/>
+            <a:ext cx="4672496" cy="1289304"/>
+          </a:xfrm>
+        </p:spPr>
+        <p:txBody>
+          <a:bodyPr vert="horz" lIns="91440" tIns="45720" rIns="91440" bIns="45720" rtlCol="0" anchor="ctr">
+            <a:normAutofit/>
+          </a:bodyPr>
+          <a:lstStyle/>
+          <a:p>
+            <a:r>
+              <a:rPr lang="en-US" sz="5400" dirty="0">
+                <a:solidFill>
+                  <a:srgbClr val="FFC000"/>
+                </a:solidFill>
+              </a:rPr>
+              <a:t>Interactions</a:t>
+            </a:r>
+            <a:endParaRPr lang="en-US" sz="4400" dirty="0">
+              <a:solidFill>
+                <a:srgbClr val="FFC000"/>
+              </a:solidFill>
+            </a:endParaRPr>
+          </a:p>
+        </p:txBody>
+      </p:sp>
+      <p:grpSp>
+        <p:nvGrpSpPr>
+          <p:cNvPr id="54" name="Group 44">
+            <a:extLst>
+              <a:ext uri="{FF2B5EF4-FFF2-40B4-BE49-F238E27FC236}">
+                <a16:creationId xmlns:a16="http://schemas.microsoft.com/office/drawing/2014/main" id="{1DE889C7-FAD6-4397-98E2-05D503484459}"/>
+              </a:ext>
+              <a:ext uri="{C183D7F6-B498-43B3-948B-1728B52AA6E4}">
+                <adec:decorative xmlns:adec="http://schemas.microsoft.com/office/drawing/2017/decorative" val="1"/>
+              </a:ext>
+            </a:extLst>
+          </p:cNvPr>
+          <p:cNvGrpSpPr>
+            <a:grpSpLocks noGrp="1" noUngrp="1" noRot="1" noChangeAspect="1" noMove="1" noResize="1"/>
+          </p:cNvGrpSpPr>
+          <p:nvPr>
+            <p:extLst>
+              <p:ext uri="{386F3935-93C4-4BCD-93E2-E3B085C9AB24}">
+                <p16:designElem xmlns:p16="http://schemas.microsoft.com/office/powerpoint/2015/main" val="1"/>
+              </p:ext>
+            </p:extLst>
+          </p:nvPr>
+        </p:nvGrpSpPr>
+        <p:grpSpPr>
+          <a:xfrm>
+            <a:off x="0" y="1083484"/>
+            <a:ext cx="355196" cy="673460"/>
+            <a:chOff x="0" y="823811"/>
+            <a:chExt cx="355196" cy="673460"/>
+          </a:xfrm>
+        </p:grpSpPr>
+        <p:sp>
+          <p:nvSpPr>
+            <p:cNvPr id="46" name="Rectangle 45">
+              <a:extLst>
+                <a:ext uri="{FF2B5EF4-FFF2-40B4-BE49-F238E27FC236}">
+                  <a16:creationId xmlns:a16="http://schemas.microsoft.com/office/drawing/2014/main" id="{F399A70F-F8CD-4992-9EF5-6CF15472E73F}"/>
+                </a:ext>
+                <a:ext uri="{C183D7F6-B498-43B3-948B-1728B52AA6E4}">
+                  <adec:decorative xmlns:adec="http://schemas.microsoft.com/office/drawing/2017/decorative" val="1"/>
+                </a:ext>
+              </a:extLst>
+            </p:cNvPr>
+            <p:cNvSpPr/>
+            <p:nvPr>
+              <p:extLst>
+                <p:ext uri="{386F3935-93C4-4BCD-93E2-E3B085C9AB24}">
+                  <p16:designElem xmlns:p16="http://schemas.microsoft.com/office/powerpoint/2015/main" val="1"/>
+                </p:ext>
+              </p:extLst>
+            </p:nvPr>
+          </p:nvSpPr>
+          <p:spPr>
+            <a:xfrm>
+              <a:off x="0" y="823811"/>
+              <a:ext cx="87363" cy="673460"/>
+            </a:xfrm>
+            <a:prstGeom prst="rect">
+              <a:avLst/>
+            </a:prstGeom>
+            <a:solidFill>
+              <a:schemeClr val="accent4"/>
+            </a:solidFill>
+            <a:ln>
+              <a:noFill/>
+            </a:ln>
+          </p:spPr>
+          <p:style>
+            <a:lnRef idx="2">
+              <a:schemeClr val="accent1">
+                <a:shade val="50000"/>
+              </a:schemeClr>
+            </a:lnRef>
+            <a:fillRef idx="1">
+              <a:schemeClr val="accent1"/>
+            </a:fillRef>
+            <a:effectRef idx="0">
+              <a:schemeClr val="accent1"/>
+            </a:effectRef>
+            <a:fontRef idx="minor">
+              <a:schemeClr val="lt1"/>
+            </a:fontRef>
+          </p:style>
+          <p:txBody>
+            <a:bodyPr rtlCol="0" anchor="ctr"/>
+            <a:lstStyle/>
+            <a:p>
+              <a:pPr algn="ctr"/>
+              <a:endParaRPr lang="en-US"/>
+            </a:p>
+          </p:txBody>
+        </p:sp>
+        <p:sp>
+          <p:nvSpPr>
+            <p:cNvPr id="55" name="Rectangle 46">
+              <a:extLst>
+                <a:ext uri="{FF2B5EF4-FFF2-40B4-BE49-F238E27FC236}">
+                  <a16:creationId xmlns:a16="http://schemas.microsoft.com/office/drawing/2014/main" id="{48F4FEDC-6D80-458C-A665-075D9B9500FD}"/>
+                </a:ext>
+                <a:ext uri="{C183D7F6-B498-43B3-948B-1728B52AA6E4}">
+                  <adec:decorative xmlns:adec="http://schemas.microsoft.com/office/drawing/2017/decorative" val="1"/>
+                </a:ext>
+              </a:extLst>
+            </p:cNvPr>
+            <p:cNvSpPr/>
+            <p:nvPr>
+              <p:extLst>
+                <p:ext uri="{386F3935-93C4-4BCD-93E2-E3B085C9AB24}">
+                  <p16:designElem xmlns:p16="http://schemas.microsoft.com/office/powerpoint/2015/main" val="1"/>
+                </p:ext>
+              </p:extLst>
+            </p:nvPr>
+          </p:nvSpPr>
+          <p:spPr>
+            <a:xfrm>
+              <a:off x="159341" y="823811"/>
+              <a:ext cx="195855" cy="673460"/>
+            </a:xfrm>
+            <a:prstGeom prst="rect">
+              <a:avLst/>
+            </a:prstGeom>
+            <a:solidFill>
+              <a:schemeClr val="accent4"/>
+            </a:solidFill>
+            <a:ln>
+              <a:noFill/>
+            </a:ln>
+          </p:spPr>
+          <p:style>
+            <a:lnRef idx="2">
+              <a:schemeClr val="accent1">
+                <a:shade val="50000"/>
+              </a:schemeClr>
+            </a:lnRef>
+            <a:fillRef idx="1">
+              <a:schemeClr val="accent1"/>
+            </a:fillRef>
+            <a:effectRef idx="0">
+              <a:schemeClr val="accent1"/>
+            </a:effectRef>
+            <a:fontRef idx="minor">
+              <a:schemeClr val="lt1"/>
+            </a:fontRef>
+          </p:style>
+          <p:txBody>
+            <a:bodyPr rtlCol="0" anchor="ctr"/>
+            <a:lstStyle/>
+            <a:p>
+              <a:pPr algn="ctr"/>
+              <a:endParaRPr lang="en-US"/>
+            </a:p>
+          </p:txBody>
+        </p:sp>
+      </p:grpSp>
+      <p:sp>
+        <p:nvSpPr>
+          <p:cNvPr id="56" name="Rectangle 48">
+            <a:extLst>
+              <a:ext uri="{FF2B5EF4-FFF2-40B4-BE49-F238E27FC236}">
+                <a16:creationId xmlns:a16="http://schemas.microsoft.com/office/drawing/2014/main" id="{3873B707-463F-40B0-8227-E8CC6C67EB25}"/>
+              </a:ext>
+              <a:ext uri="{C183D7F6-B498-43B3-948B-1728B52AA6E4}">
+                <adec:decorative xmlns:adec="http://schemas.microsoft.com/office/drawing/2017/decorative" val="1"/>
+              </a:ext>
+            </a:extLst>
+          </p:cNvPr>
+          <p:cNvSpPr>
+            <a:spLocks noGrp="1" noRot="1" noChangeAspect="1" noMove="1" noResize="1" noEditPoints="1" noAdjustHandles="1" noChangeArrowheads="1" noChangeShapeType="1" noTextEdit="1"/>
+          </p:cNvSpPr>
+          <p:nvPr>
+            <p:extLst>
+              <p:ext uri="{386F3935-93C4-4BCD-93E2-E3B085C9AB24}">
+                <p16:designElem xmlns:p16="http://schemas.microsoft.com/office/powerpoint/2015/main" val="1"/>
+              </p:ext>
+            </p:extLst>
+          </p:nvPr>
+        </p:nvSpPr>
+        <p:spPr>
+          <a:xfrm flipH="1">
+            <a:off x="665085" y="2090569"/>
+            <a:ext cx="4297680" cy="27432"/>
+          </a:xfrm>
+          <a:prstGeom prst="rect">
+            <a:avLst/>
+          </a:prstGeom>
+          <a:solidFill>
+            <a:schemeClr val="accent4"/>
+          </a:solidFill>
+          <a:ln>
+            <a:noFill/>
+          </a:ln>
+        </p:spPr>
+        <p:style>
+          <a:lnRef idx="2">
+            <a:schemeClr val="accent1">
+              <a:shade val="50000"/>
+            </a:schemeClr>
+          </a:lnRef>
+          <a:fillRef idx="1">
+            <a:schemeClr val="accent1"/>
+          </a:fillRef>
+          <a:effectRef idx="0">
+            <a:schemeClr val="accent1"/>
+          </a:effectRef>
+          <a:fontRef idx="minor">
+            <a:schemeClr val="lt1"/>
+          </a:fontRef>
+        </p:style>
+        <p:txBody>
+          <a:bodyPr rtlCol="0" anchor="ctr"/>
+          <a:lstStyle/>
+          <a:p>
+            <a:pPr algn="ctr"/>
+            <a:endParaRPr lang="en-US"/>
+          </a:p>
+        </p:txBody>
+      </p:sp>
+      <p:sp>
+        <p:nvSpPr>
+          <p:cNvPr id="51" name="Rectangle 50">
+            <a:extLst>
+              <a:ext uri="{FF2B5EF4-FFF2-40B4-BE49-F238E27FC236}">
+                <a16:creationId xmlns:a16="http://schemas.microsoft.com/office/drawing/2014/main" id="{C13237C8-E62C-4F0D-A318-BD6FB6C2D138}"/>
+              </a:ext>
+              <a:ext uri="{C183D7F6-B498-43B3-948B-1728B52AA6E4}">
+                <adec:decorative xmlns:adec="http://schemas.microsoft.com/office/drawing/2017/decorative" val="1"/>
+              </a:ext>
+            </a:extLst>
+          </p:cNvPr>
+          <p:cNvSpPr>
+            <a:spLocks noGrp="1" noRot="1" noChangeAspect="1" noMove="1" noResize="1" noEditPoints="1" noAdjustHandles="1" noChangeArrowheads="1" noChangeShapeType="1" noTextEdit="1"/>
+          </p:cNvSpPr>
+          <p:nvPr>
+            <p:extLst>
+              <p:ext uri="{386F3935-93C4-4BCD-93E2-E3B085C9AB24}">
+                <p16:designElem xmlns:p16="http://schemas.microsoft.com/office/powerpoint/2015/main" val="1"/>
+              </p:ext>
+            </p:extLst>
+          </p:nvPr>
+        </p:nvSpPr>
+        <p:spPr>
+          <a:xfrm flipH="1">
+            <a:off x="10697670" y="0"/>
+            <a:ext cx="1494330" cy="6858000"/>
+          </a:xfrm>
+          <a:prstGeom prst="rect">
+            <a:avLst/>
+          </a:prstGeom>
+          <a:solidFill>
+            <a:schemeClr val="accent4"/>
+          </a:solidFill>
+          <a:ln>
+            <a:noFill/>
+          </a:ln>
+        </p:spPr>
+        <p:style>
+          <a:lnRef idx="2">
+            <a:schemeClr val="accent1">
+              <a:shade val="50000"/>
+            </a:schemeClr>
+          </a:lnRef>
+          <a:fillRef idx="1">
+            <a:schemeClr val="accent1"/>
+          </a:fillRef>
+          <a:effectRef idx="0">
+            <a:schemeClr val="accent1"/>
+          </a:effectRef>
+          <a:fontRef idx="minor">
+            <a:schemeClr val="lt1"/>
+          </a:fontRef>
+        </p:style>
+        <p:txBody>
+          <a:bodyPr rtlCol="0" anchor="ctr"/>
+          <a:lstStyle/>
+          <a:p>
+            <a:pPr algn="ctr"/>
+            <a:endParaRPr lang="en-US"/>
+          </a:p>
+        </p:txBody>
+      </p:sp>
+      <p:sp>
+        <p:nvSpPr>
+          <p:cNvPr id="53" name="Rectangle 52">
+            <a:extLst>
+              <a:ext uri="{FF2B5EF4-FFF2-40B4-BE49-F238E27FC236}">
+                <a16:creationId xmlns:a16="http://schemas.microsoft.com/office/drawing/2014/main" id="{19C9EAEA-39D0-4B0E-A0EB-51E7B26740B1}"/>
+              </a:ext>
+              <a:ext uri="{C183D7F6-B498-43B3-948B-1728B52AA6E4}">
+                <adec:decorative xmlns:adec="http://schemas.microsoft.com/office/drawing/2017/decorative" val="1"/>
+              </a:ext>
+            </a:extLst>
+          </p:cNvPr>
+          <p:cNvSpPr>
+            <a:spLocks noGrp="1" noRot="1" noChangeAspect="1" noMove="1" noResize="1" noEditPoints="1" noAdjustHandles="1" noChangeArrowheads="1" noChangeShapeType="1" noTextEdit="1"/>
+          </p:cNvSpPr>
+          <p:nvPr>
+            <p:extLst>
+              <p:ext uri="{386F3935-93C4-4BCD-93E2-E3B085C9AB24}">
+                <p16:designElem xmlns:p16="http://schemas.microsoft.com/office/powerpoint/2015/main" val="1"/>
+              </p:ext>
+            </p:extLst>
+          </p:nvPr>
+        </p:nvSpPr>
+        <p:spPr>
+          <a:xfrm>
+            <a:off x="5685810" y="513853"/>
+            <a:ext cx="6009366" cy="5834577"/>
+          </a:xfrm>
+          <a:prstGeom prst="rect">
+            <a:avLst/>
+          </a:prstGeom>
+          <a:solidFill>
+            <a:schemeClr val="bg1"/>
+          </a:solidFill>
+          <a:ln>
+            <a:noFill/>
+          </a:ln>
+          <a:effectLst>
+            <a:outerShdw blurRad="139700" dist="127000" dir="5400000" algn="t" rotWithShape="0">
+              <a:prstClr val="black">
+                <a:alpha val="15000"/>
+              </a:prstClr>
+            </a:outerShdw>
+          </a:effectLst>
+        </p:spPr>
+        <p:style>
+          <a:lnRef idx="2">
+            <a:schemeClr val="accent1">
+              <a:shade val="50000"/>
+            </a:schemeClr>
+          </a:lnRef>
+          <a:fillRef idx="1">
+            <a:schemeClr val="accent1"/>
+          </a:fillRef>
+          <a:effectRef idx="0">
+            <a:schemeClr val="accent1"/>
+          </a:effectRef>
+          <a:fontRef idx="minor">
+            <a:schemeClr val="lt1"/>
+          </a:fontRef>
+        </p:style>
+        <p:txBody>
+          <a:bodyPr rtlCol="0" anchor="ctr"/>
+          <a:lstStyle/>
+          <a:p>
+            <a:pPr algn="ctr"/>
+            <a:endParaRPr lang="en-US"/>
+          </a:p>
+        </p:txBody>
+      </p:sp>
+      <p:pic>
+        <p:nvPicPr>
+          <p:cNvPr id="7" name="Picture 6" descr="Diagram&#10;&#10;Description automatically generated">
+            <a:extLst>
+              <a:ext uri="{FF2B5EF4-FFF2-40B4-BE49-F238E27FC236}">
+                <a16:creationId xmlns:a16="http://schemas.microsoft.com/office/drawing/2014/main" id="{6929CB6A-C7D5-4D9D-BE6F-DC88CFB05168}"/>
+              </a:ext>
+            </a:extLst>
+          </p:cNvPr>
+          <p:cNvPicPr>
+            <a:picLocks noChangeAspect="1"/>
+          </p:cNvPicPr>
+          <p:nvPr/>
+        </p:nvPicPr>
+        <p:blipFill>
+          <a:blip r:embed="rId2">
+            <a:extLst>
+              <a:ext uri="{28A0092B-C50C-407E-A947-70E740481C1C}">
+                <a14:useLocalDpi xmlns:a14="http://schemas.microsoft.com/office/drawing/2010/main" val="0"/>
+              </a:ext>
+            </a:extLst>
+          </a:blip>
+          <a:stretch>
+            <a:fillRect/>
+          </a:stretch>
+        </p:blipFill>
+        <p:spPr>
+          <a:xfrm>
+            <a:off x="5685809" y="523346"/>
+            <a:ext cx="6009367" cy="5820801"/>
+          </a:xfrm>
+          <a:prstGeom prst="rect">
+            <a:avLst/>
+          </a:prstGeom>
+        </p:spPr>
+      </p:pic>
+    </p:spTree>
+    <p:extLst>
+      <p:ext uri="{BB962C8B-B14F-4D97-AF65-F5344CB8AC3E}">
+        <p14:creationId xmlns:p14="http://schemas.microsoft.com/office/powerpoint/2010/main" val="1063739430"/>
+      </p:ext>
+    </p:extLst>
+  </p:cSld>
+  <p:clrMapOvr>
+    <a:masterClrMapping/>
+  </p:clrMapOvr>
+</p:sld>
+</file>
+
+<file path=ppt/slides/slide12.xml><?xml version="1.0" encoding="utf-8"?>
+<p:sld xmlns:a="http://schemas.openxmlformats.org/drawingml/2006/main" xmlns:r="http://schemas.openxmlformats.org/officeDocument/2006/relationships" xmlns:p="http://schemas.openxmlformats.org/presentationml/2006/main">
+  <p:cSld>
+    <p:bg>
+      <p:bgPr>
+        <a:solidFill>
+          <a:schemeClr val="bg1"/>
+        </a:solidFill>
+        <a:effectLst/>
+      </p:bgPr>
+    </p:bg>
+    <p:spTree>
+      <p:nvGrpSpPr>
+        <p:cNvPr id="1" name=""/>
+        <p:cNvGrpSpPr/>
+        <p:nvPr/>
+      </p:nvGrpSpPr>
+      <p:grpSpPr>
+        <a:xfrm>
+          <a:off x="0" y="0"/>
+          <a:ext cx="0" cy="0"/>
+          <a:chOff x="0" y="0"/>
+          <a:chExt cx="0" cy="0"/>
+        </a:xfrm>
+      </p:grpSpPr>
+      <p:sp useBgFill="1">
+        <p:nvSpPr>
+          <p:cNvPr id="52" name="Rectangle 42">
+            <a:extLst>
+              <a:ext uri="{FF2B5EF4-FFF2-40B4-BE49-F238E27FC236}">
+                <a16:creationId xmlns:a16="http://schemas.microsoft.com/office/drawing/2014/main" id="{201CC55D-ED54-4C5C-95E6-10947BD1103B}"/>
+              </a:ext>
+              <a:ext uri="{C183D7F6-B498-43B3-948B-1728B52AA6E4}">
+                <adec:decorative xmlns:adec="http://schemas.microsoft.com/office/drawing/2017/decorative" val="1"/>
+              </a:ext>
+            </a:extLst>
+          </p:cNvPr>
+          <p:cNvSpPr>
+            <a:spLocks noGrp="1" noRot="1" noChangeAspect="1" noMove="1" noResize="1" noEditPoints="1" noAdjustHandles="1" noChangeArrowheads="1" noChangeShapeType="1" noTextEdit="1"/>
+          </p:cNvSpPr>
+          <p:nvPr>
+            <p:extLst>
+              <p:ext uri="{386F3935-93C4-4BCD-93E2-E3B085C9AB24}">
+                <p16:designElem xmlns:p16="http://schemas.microsoft.com/office/powerpoint/2015/main" val="1"/>
+              </p:ext>
+            </p:extLst>
+          </p:nvPr>
+        </p:nvSpPr>
+        <p:spPr>
+          <a:xfrm>
+            <a:off x="0" y="0"/>
+            <a:ext cx="12191999" cy="6857365"/>
+          </a:xfrm>
+          <a:prstGeom prst="rect">
+            <a:avLst/>
+          </a:prstGeom>
+          <a:ln>
+            <a:noFill/>
+          </a:ln>
+        </p:spPr>
+        <p:style>
+          <a:lnRef idx="2">
+            <a:schemeClr val="accent1">
+              <a:shade val="50000"/>
+            </a:schemeClr>
+          </a:lnRef>
+          <a:fillRef idx="1">
+            <a:schemeClr val="accent1"/>
+          </a:fillRef>
+          <a:effectRef idx="0">
+            <a:schemeClr val="accent1"/>
+          </a:effectRef>
+          <a:fontRef idx="minor">
+            <a:schemeClr val="lt1"/>
+          </a:fontRef>
+        </p:style>
+        <p:txBody>
+          <a:bodyPr rtlCol="0" anchor="ctr"/>
+          <a:lstStyle/>
+          <a:p>
+            <a:pPr algn="ctr"/>
+            <a:endParaRPr lang="en-US"/>
+          </a:p>
+        </p:txBody>
+      </p:sp>
+      <p:sp>
+        <p:nvSpPr>
+          <p:cNvPr id="19" name="Rectangle 18">
+            <a:extLst>
+              <a:ext uri="{FF2B5EF4-FFF2-40B4-BE49-F238E27FC236}">
+                <a16:creationId xmlns:a16="http://schemas.microsoft.com/office/drawing/2014/main" id="{839D4B9E-CCF5-4693-A7D2-3F65D29B2909}"/>
+              </a:ext>
+            </a:extLst>
+          </p:cNvPr>
+          <p:cNvSpPr/>
+          <p:nvPr/>
+        </p:nvSpPr>
+        <p:spPr>
+          <a:xfrm>
+            <a:off x="355197" y="640080"/>
+            <a:ext cx="5330612" cy="1316736"/>
+          </a:xfrm>
+          <a:prstGeom prst="rect">
+            <a:avLst/>
+          </a:prstGeom>
+          <a:solidFill>
+            <a:srgbClr val="023047"/>
+          </a:solidFill>
+          <a:ln>
+            <a:noFill/>
+          </a:ln>
+        </p:spPr>
+        <p:style>
+          <a:lnRef idx="2">
+            <a:schemeClr val="accent1">
+              <a:shade val="50000"/>
+            </a:schemeClr>
+          </a:lnRef>
+          <a:fillRef idx="1">
+            <a:schemeClr val="accent1"/>
+          </a:fillRef>
+          <a:effectRef idx="0">
+            <a:schemeClr val="accent1"/>
+          </a:effectRef>
+          <a:fontRef idx="minor">
+            <a:schemeClr val="lt1"/>
+          </a:fontRef>
+        </p:style>
+        <p:txBody>
+          <a:bodyPr rtlCol="0" anchor="ctr"/>
+          <a:lstStyle/>
+          <a:p>
+            <a:pPr algn="ctr"/>
+            <a:endParaRPr lang="en-GB"/>
+          </a:p>
+        </p:txBody>
+      </p:sp>
+      <p:sp>
+        <p:nvSpPr>
+          <p:cNvPr id="2" name="Title 1">
+            <a:extLst>
+              <a:ext uri="{FF2B5EF4-FFF2-40B4-BE49-F238E27FC236}">
+                <a16:creationId xmlns:a16="http://schemas.microsoft.com/office/drawing/2014/main" id="{F703FF40-49BD-4711-8571-801EBE0CF90B}"/>
+              </a:ext>
+            </a:extLst>
+          </p:cNvPr>
+          <p:cNvSpPr>
+            <a:spLocks noGrp="1"/>
+          </p:cNvSpPr>
+          <p:nvPr>
+            <p:ph type="title"/>
+          </p:nvPr>
+        </p:nvSpPr>
+        <p:spPr>
+          <a:xfrm>
+            <a:off x="589560" y="694944"/>
+            <a:ext cx="4672496" cy="1289304"/>
+          </a:xfrm>
+        </p:spPr>
+        <p:txBody>
+          <a:bodyPr vert="horz" lIns="91440" tIns="45720" rIns="91440" bIns="45720" rtlCol="0" anchor="ctr">
+            <a:normAutofit/>
+          </a:bodyPr>
+          <a:lstStyle/>
+          <a:p>
+            <a:r>
+              <a:rPr lang="en-US" sz="5400" dirty="0">
+                <a:solidFill>
+                  <a:srgbClr val="FFC000"/>
+                </a:solidFill>
+              </a:rPr>
+              <a:t>Interactions</a:t>
+            </a:r>
+            <a:endParaRPr lang="en-US" sz="4400" dirty="0">
+              <a:solidFill>
+                <a:srgbClr val="FFC000"/>
+              </a:solidFill>
+            </a:endParaRPr>
+          </a:p>
+        </p:txBody>
+      </p:sp>
+      <p:grpSp>
+        <p:nvGrpSpPr>
+          <p:cNvPr id="54" name="Group 44">
+            <a:extLst>
+              <a:ext uri="{FF2B5EF4-FFF2-40B4-BE49-F238E27FC236}">
+                <a16:creationId xmlns:a16="http://schemas.microsoft.com/office/drawing/2014/main" id="{1DE889C7-FAD6-4397-98E2-05D503484459}"/>
+              </a:ext>
+              <a:ext uri="{C183D7F6-B498-43B3-948B-1728B52AA6E4}">
+                <adec:decorative xmlns:adec="http://schemas.microsoft.com/office/drawing/2017/decorative" val="1"/>
+              </a:ext>
+            </a:extLst>
+          </p:cNvPr>
+          <p:cNvGrpSpPr>
+            <a:grpSpLocks noGrp="1" noUngrp="1" noRot="1" noChangeAspect="1" noMove="1" noResize="1"/>
+          </p:cNvGrpSpPr>
+          <p:nvPr>
+            <p:extLst>
+              <p:ext uri="{386F3935-93C4-4BCD-93E2-E3B085C9AB24}">
+                <p16:designElem xmlns:p16="http://schemas.microsoft.com/office/powerpoint/2015/main" val="1"/>
+              </p:ext>
+            </p:extLst>
+          </p:nvPr>
+        </p:nvGrpSpPr>
+        <p:grpSpPr>
+          <a:xfrm>
+            <a:off x="0" y="1083484"/>
+            <a:ext cx="355196" cy="673460"/>
+            <a:chOff x="0" y="823811"/>
+            <a:chExt cx="355196" cy="673460"/>
+          </a:xfrm>
+        </p:grpSpPr>
+        <p:sp>
+          <p:nvSpPr>
+            <p:cNvPr id="46" name="Rectangle 45">
+              <a:extLst>
+                <a:ext uri="{FF2B5EF4-FFF2-40B4-BE49-F238E27FC236}">
+                  <a16:creationId xmlns:a16="http://schemas.microsoft.com/office/drawing/2014/main" id="{F399A70F-F8CD-4992-9EF5-6CF15472E73F}"/>
+                </a:ext>
+                <a:ext uri="{C183D7F6-B498-43B3-948B-1728B52AA6E4}">
+                  <adec:decorative xmlns:adec="http://schemas.microsoft.com/office/drawing/2017/decorative" val="1"/>
+                </a:ext>
+              </a:extLst>
+            </p:cNvPr>
+            <p:cNvSpPr/>
+            <p:nvPr>
+              <p:extLst>
+                <p:ext uri="{386F3935-93C4-4BCD-93E2-E3B085C9AB24}">
+                  <p16:designElem xmlns:p16="http://schemas.microsoft.com/office/powerpoint/2015/main" val="1"/>
+                </p:ext>
+              </p:extLst>
+            </p:nvPr>
+          </p:nvSpPr>
+          <p:spPr>
+            <a:xfrm>
+              <a:off x="0" y="823811"/>
+              <a:ext cx="87363" cy="673460"/>
+            </a:xfrm>
+            <a:prstGeom prst="rect">
+              <a:avLst/>
+            </a:prstGeom>
+            <a:solidFill>
+              <a:schemeClr val="accent4"/>
+            </a:solidFill>
+            <a:ln>
+              <a:noFill/>
+            </a:ln>
+          </p:spPr>
+          <p:style>
+            <a:lnRef idx="2">
+              <a:schemeClr val="accent1">
+                <a:shade val="50000"/>
+              </a:schemeClr>
+            </a:lnRef>
+            <a:fillRef idx="1">
+              <a:schemeClr val="accent1"/>
+            </a:fillRef>
+            <a:effectRef idx="0">
+              <a:schemeClr val="accent1"/>
+            </a:effectRef>
+            <a:fontRef idx="minor">
+              <a:schemeClr val="lt1"/>
+            </a:fontRef>
+          </p:style>
+          <p:txBody>
+            <a:bodyPr rtlCol="0" anchor="ctr"/>
+            <a:lstStyle/>
+            <a:p>
+              <a:pPr algn="ctr"/>
+              <a:endParaRPr lang="en-US"/>
+            </a:p>
+          </p:txBody>
+        </p:sp>
+        <p:sp>
+          <p:nvSpPr>
+            <p:cNvPr id="55" name="Rectangle 46">
+              <a:extLst>
+                <a:ext uri="{FF2B5EF4-FFF2-40B4-BE49-F238E27FC236}">
+                  <a16:creationId xmlns:a16="http://schemas.microsoft.com/office/drawing/2014/main" id="{48F4FEDC-6D80-458C-A665-075D9B9500FD}"/>
+                </a:ext>
+                <a:ext uri="{C183D7F6-B498-43B3-948B-1728B52AA6E4}">
+                  <adec:decorative xmlns:adec="http://schemas.microsoft.com/office/drawing/2017/decorative" val="1"/>
+                </a:ext>
+              </a:extLst>
+            </p:cNvPr>
+            <p:cNvSpPr/>
+            <p:nvPr>
+              <p:extLst>
+                <p:ext uri="{386F3935-93C4-4BCD-93E2-E3B085C9AB24}">
+                  <p16:designElem xmlns:p16="http://schemas.microsoft.com/office/powerpoint/2015/main" val="1"/>
+                </p:ext>
+              </p:extLst>
+            </p:nvPr>
+          </p:nvSpPr>
+          <p:spPr>
+            <a:xfrm>
+              <a:off x="159341" y="823811"/>
+              <a:ext cx="195855" cy="673460"/>
+            </a:xfrm>
+            <a:prstGeom prst="rect">
+              <a:avLst/>
+            </a:prstGeom>
+            <a:solidFill>
+              <a:schemeClr val="accent4"/>
+            </a:solidFill>
+            <a:ln>
+              <a:noFill/>
+            </a:ln>
+          </p:spPr>
+          <p:style>
+            <a:lnRef idx="2">
+              <a:schemeClr val="accent1">
+                <a:shade val="50000"/>
+              </a:schemeClr>
+            </a:lnRef>
+            <a:fillRef idx="1">
+              <a:schemeClr val="accent1"/>
+            </a:fillRef>
+            <a:effectRef idx="0">
+              <a:schemeClr val="accent1"/>
+            </a:effectRef>
+            <a:fontRef idx="minor">
+              <a:schemeClr val="lt1"/>
+            </a:fontRef>
+          </p:style>
+          <p:txBody>
+            <a:bodyPr rtlCol="0" anchor="ctr"/>
+            <a:lstStyle/>
+            <a:p>
+              <a:pPr algn="ctr"/>
+              <a:endParaRPr lang="en-US"/>
+            </a:p>
+          </p:txBody>
+        </p:sp>
+      </p:grpSp>
+      <p:sp>
+        <p:nvSpPr>
+          <p:cNvPr id="56" name="Rectangle 48">
+            <a:extLst>
+              <a:ext uri="{FF2B5EF4-FFF2-40B4-BE49-F238E27FC236}">
+                <a16:creationId xmlns:a16="http://schemas.microsoft.com/office/drawing/2014/main" id="{3873B707-463F-40B0-8227-E8CC6C67EB25}"/>
+              </a:ext>
+              <a:ext uri="{C183D7F6-B498-43B3-948B-1728B52AA6E4}">
+                <adec:decorative xmlns:adec="http://schemas.microsoft.com/office/drawing/2017/decorative" val="1"/>
+              </a:ext>
+            </a:extLst>
+          </p:cNvPr>
+          <p:cNvSpPr>
+            <a:spLocks noGrp="1" noRot="1" noChangeAspect="1" noMove="1" noResize="1" noEditPoints="1" noAdjustHandles="1" noChangeArrowheads="1" noChangeShapeType="1" noTextEdit="1"/>
+          </p:cNvSpPr>
+          <p:nvPr>
+            <p:extLst>
+              <p:ext uri="{386F3935-93C4-4BCD-93E2-E3B085C9AB24}">
+                <p16:designElem xmlns:p16="http://schemas.microsoft.com/office/powerpoint/2015/main" val="1"/>
+              </p:ext>
+            </p:extLst>
+          </p:nvPr>
+        </p:nvSpPr>
+        <p:spPr>
+          <a:xfrm flipH="1">
+            <a:off x="665085" y="2090569"/>
+            <a:ext cx="4297680" cy="27432"/>
+          </a:xfrm>
+          <a:prstGeom prst="rect">
+            <a:avLst/>
+          </a:prstGeom>
+          <a:solidFill>
+            <a:schemeClr val="accent4"/>
+          </a:solidFill>
+          <a:ln>
+            <a:noFill/>
+          </a:ln>
+        </p:spPr>
+        <p:style>
+          <a:lnRef idx="2">
+            <a:schemeClr val="accent1">
+              <a:shade val="50000"/>
+            </a:schemeClr>
+          </a:lnRef>
+          <a:fillRef idx="1">
+            <a:schemeClr val="accent1"/>
+          </a:fillRef>
+          <a:effectRef idx="0">
+            <a:schemeClr val="accent1"/>
+          </a:effectRef>
+          <a:fontRef idx="minor">
+            <a:schemeClr val="lt1"/>
+          </a:fontRef>
+        </p:style>
+        <p:txBody>
+          <a:bodyPr rtlCol="0" anchor="ctr"/>
+          <a:lstStyle/>
+          <a:p>
+            <a:pPr algn="ctr"/>
+            <a:endParaRPr lang="en-US"/>
+          </a:p>
+        </p:txBody>
+      </p:sp>
+      <p:sp>
+        <p:nvSpPr>
+          <p:cNvPr id="51" name="Rectangle 50">
+            <a:extLst>
+              <a:ext uri="{FF2B5EF4-FFF2-40B4-BE49-F238E27FC236}">
+                <a16:creationId xmlns:a16="http://schemas.microsoft.com/office/drawing/2014/main" id="{C13237C8-E62C-4F0D-A318-BD6FB6C2D138}"/>
+              </a:ext>
+              <a:ext uri="{C183D7F6-B498-43B3-948B-1728B52AA6E4}">
+                <adec:decorative xmlns:adec="http://schemas.microsoft.com/office/drawing/2017/decorative" val="1"/>
+              </a:ext>
+            </a:extLst>
+          </p:cNvPr>
+          <p:cNvSpPr>
+            <a:spLocks noGrp="1" noRot="1" noChangeAspect="1" noMove="1" noResize="1" noEditPoints="1" noAdjustHandles="1" noChangeArrowheads="1" noChangeShapeType="1" noTextEdit="1"/>
+          </p:cNvSpPr>
+          <p:nvPr>
+            <p:extLst>
+              <p:ext uri="{386F3935-93C4-4BCD-93E2-E3B085C9AB24}">
+                <p16:designElem xmlns:p16="http://schemas.microsoft.com/office/powerpoint/2015/main" val="1"/>
+              </p:ext>
+            </p:extLst>
+          </p:nvPr>
+        </p:nvSpPr>
+        <p:spPr>
+          <a:xfrm flipH="1">
+            <a:off x="10697670" y="0"/>
+            <a:ext cx="1494330" cy="6858000"/>
+          </a:xfrm>
+          <a:prstGeom prst="rect">
+            <a:avLst/>
+          </a:prstGeom>
+          <a:solidFill>
+            <a:schemeClr val="accent4"/>
+          </a:solidFill>
+          <a:ln>
+            <a:noFill/>
+          </a:ln>
+        </p:spPr>
+        <p:style>
+          <a:lnRef idx="2">
+            <a:schemeClr val="accent1">
+              <a:shade val="50000"/>
+            </a:schemeClr>
+          </a:lnRef>
+          <a:fillRef idx="1">
+            <a:schemeClr val="accent1"/>
+          </a:fillRef>
+          <a:effectRef idx="0">
+            <a:schemeClr val="accent1"/>
+          </a:effectRef>
+          <a:fontRef idx="minor">
+            <a:schemeClr val="lt1"/>
+          </a:fontRef>
+        </p:style>
+        <p:txBody>
+          <a:bodyPr rtlCol="0" anchor="ctr"/>
+          <a:lstStyle/>
+          <a:p>
+            <a:pPr algn="ctr"/>
+            <a:endParaRPr lang="en-US"/>
+          </a:p>
+        </p:txBody>
+      </p:sp>
+      <p:sp>
+        <p:nvSpPr>
+          <p:cNvPr id="53" name="Rectangle 52">
+            <a:extLst>
+              <a:ext uri="{FF2B5EF4-FFF2-40B4-BE49-F238E27FC236}">
+                <a16:creationId xmlns:a16="http://schemas.microsoft.com/office/drawing/2014/main" id="{19C9EAEA-39D0-4B0E-A0EB-51E7B26740B1}"/>
+              </a:ext>
+              <a:ext uri="{C183D7F6-B498-43B3-948B-1728B52AA6E4}">
+                <adec:decorative xmlns:adec="http://schemas.microsoft.com/office/drawing/2017/decorative" val="1"/>
+              </a:ext>
+            </a:extLst>
+          </p:cNvPr>
+          <p:cNvSpPr>
+            <a:spLocks noGrp="1" noRot="1" noChangeAspect="1" noMove="1" noResize="1" noEditPoints="1" noAdjustHandles="1" noChangeArrowheads="1" noChangeShapeType="1" noTextEdit="1"/>
+          </p:cNvSpPr>
+          <p:nvPr>
+            <p:extLst>
+              <p:ext uri="{386F3935-93C4-4BCD-93E2-E3B085C9AB24}">
+                <p16:designElem xmlns:p16="http://schemas.microsoft.com/office/powerpoint/2015/main" val="1"/>
+              </p:ext>
+            </p:extLst>
+          </p:nvPr>
+        </p:nvSpPr>
+        <p:spPr>
+          <a:xfrm>
+            <a:off x="5685810" y="513853"/>
+            <a:ext cx="6009366" cy="5834577"/>
+          </a:xfrm>
+          <a:prstGeom prst="rect">
+            <a:avLst/>
+          </a:prstGeom>
+          <a:solidFill>
+            <a:schemeClr val="bg1"/>
+          </a:solidFill>
+          <a:ln>
+            <a:noFill/>
+          </a:ln>
+          <a:effectLst>
+            <a:outerShdw blurRad="139700" dist="127000" dir="5400000" algn="t" rotWithShape="0">
+              <a:prstClr val="black">
+                <a:alpha val="15000"/>
+              </a:prstClr>
+            </a:outerShdw>
+          </a:effectLst>
+        </p:spPr>
+        <p:style>
+          <a:lnRef idx="2">
+            <a:schemeClr val="accent1">
+              <a:shade val="50000"/>
+            </a:schemeClr>
+          </a:lnRef>
+          <a:fillRef idx="1">
+            <a:schemeClr val="accent1"/>
+          </a:fillRef>
+          <a:effectRef idx="0">
+            <a:schemeClr val="accent1"/>
+          </a:effectRef>
+          <a:fontRef idx="minor">
+            <a:schemeClr val="lt1"/>
+          </a:fontRef>
+        </p:style>
+        <p:txBody>
+          <a:bodyPr rtlCol="0" anchor="ctr"/>
+          <a:lstStyle/>
+          <a:p>
+            <a:pPr algn="ctr"/>
+            <a:endParaRPr lang="en-US"/>
+          </a:p>
+        </p:txBody>
+      </p:sp>
+      <p:sp>
+        <p:nvSpPr>
+          <p:cNvPr id="12" name="Text Placeholder 7">
+            <a:extLst>
+              <a:ext uri="{FF2B5EF4-FFF2-40B4-BE49-F238E27FC236}">
+                <a16:creationId xmlns:a16="http://schemas.microsoft.com/office/drawing/2014/main" id="{311959B8-E65E-47B6-9928-6B93D11F356F}"/>
+              </a:ext>
+            </a:extLst>
+          </p:cNvPr>
+          <p:cNvSpPr>
+            <a:spLocks noGrp="1"/>
+          </p:cNvSpPr>
+          <p:nvPr>
+            <p:ph type="body" sz="half" idx="2"/>
+          </p:nvPr>
+        </p:nvSpPr>
+        <p:spPr>
+          <a:xfrm>
+            <a:off x="590719" y="2330505"/>
+            <a:ext cx="4559425" cy="3979585"/>
+          </a:xfrm>
+        </p:spPr>
+        <p:txBody>
+          <a:bodyPr vert="horz" lIns="91440" tIns="45720" rIns="91440" bIns="45720" rtlCol="0" anchor="ctr">
+            <a:normAutofit/>
+          </a:bodyPr>
+          <a:lstStyle/>
+          <a:p>
+            <a:pPr marL="285750" indent="-285750">
+              <a:buFont typeface="Arial" panose="020B0604020202020204" pitchFamily="34" charset="0"/>
+              <a:buChar char="•"/>
+            </a:pPr>
+            <a:r>
+              <a:rPr lang="en-US" dirty="0">
+                <a:solidFill>
+                  <a:srgbClr val="023047"/>
+                </a:solidFill>
+                <a:latin typeface="Arial" panose="020B0604020202020204" pitchFamily="34" charset="0"/>
+                <a:cs typeface="Arial" panose="020B0604020202020204" pitchFamily="34" charset="0"/>
+              </a:rPr>
+              <a:t>Actions:</a:t>
+            </a:r>
+          </a:p>
+          <a:p>
+            <a:pPr marL="742950" lvl="1" indent="-285750">
+              <a:buFont typeface="Arial" panose="020B0604020202020204" pitchFamily="34" charset="0"/>
+              <a:buChar char="•"/>
+            </a:pPr>
+            <a:r>
+              <a:rPr lang="en-US" dirty="0">
+                <a:solidFill>
+                  <a:srgbClr val="023047"/>
+                </a:solidFill>
+                <a:latin typeface="Arial" panose="020B0604020202020204" pitchFamily="34" charset="0"/>
+                <a:cs typeface="Arial" panose="020B0604020202020204" pitchFamily="34" charset="0"/>
+              </a:rPr>
+              <a:t>Possible actions:</a:t>
+            </a:r>
+          </a:p>
+          <a:p>
+            <a:pPr marL="1200150" lvl="2" indent="-285750">
+              <a:buFont typeface="Arial" panose="020B0604020202020204" pitchFamily="34" charset="0"/>
+              <a:buChar char="•"/>
+            </a:pPr>
+            <a:r>
+              <a:rPr lang="en-US" dirty="0">
+                <a:solidFill>
+                  <a:srgbClr val="023047"/>
+                </a:solidFill>
+                <a:latin typeface="Arial" panose="020B0604020202020204" pitchFamily="34" charset="0"/>
+                <a:cs typeface="Arial" panose="020B0604020202020204" pitchFamily="34" charset="0"/>
+              </a:rPr>
+              <a:t>“”</a:t>
+            </a:r>
+          </a:p>
+          <a:p>
+            <a:pPr marL="742950" lvl="1" indent="-285750">
+              <a:buFont typeface="Arial" panose="020B0604020202020204" pitchFamily="34" charset="0"/>
+              <a:buChar char="•"/>
+            </a:pPr>
+            <a:r>
+              <a:rPr lang="en-US" dirty="0">
+                <a:solidFill>
+                  <a:srgbClr val="023047"/>
+                </a:solidFill>
+                <a:latin typeface="Arial" panose="020B0604020202020204" pitchFamily="34" charset="0"/>
+                <a:cs typeface="Arial" panose="020B0604020202020204" pitchFamily="34" charset="0"/>
+              </a:rPr>
+              <a:t>Hot-words based selection</a:t>
+            </a:r>
+          </a:p>
+          <a:p>
+            <a:pPr lvl="1"/>
+            <a:endParaRPr lang="en-US" dirty="0">
+              <a:solidFill>
+                <a:srgbClr val="023047"/>
+              </a:solidFill>
+              <a:latin typeface="Arial" panose="020B0604020202020204" pitchFamily="34" charset="0"/>
+              <a:cs typeface="Arial" panose="020B0604020202020204" pitchFamily="34" charset="0"/>
+            </a:endParaRPr>
+          </a:p>
+        </p:txBody>
+      </p:sp>
+    </p:spTree>
+    <p:extLst>
+      <p:ext uri="{BB962C8B-B14F-4D97-AF65-F5344CB8AC3E}">
+        <p14:creationId xmlns:p14="http://schemas.microsoft.com/office/powerpoint/2010/main" val="2036460302"/>
+      </p:ext>
+    </p:extLst>
+  </p:cSld>
+  <p:clrMapOvr>
+    <a:masterClrMapping/>
+  </p:clrMapOvr>
+</p:sld>
+</file>
+
+<file path=ppt/slides/slide13.xml><?xml version="1.0" encoding="utf-8"?>
+<p:sld xmlns:a="http://schemas.openxmlformats.org/drawingml/2006/main" xmlns:r="http://schemas.openxmlformats.org/officeDocument/2006/relationships" xmlns:p="http://schemas.openxmlformats.org/presentationml/2006/main">
+  <p:cSld>
+    <p:bg>
+      <p:bgPr>
+        <a:solidFill>
+          <a:schemeClr val="bg1"/>
+        </a:solidFill>
+        <a:effectLst/>
+      </p:bgPr>
+    </p:bg>
+    <p:spTree>
+      <p:nvGrpSpPr>
+        <p:cNvPr id="1" name=""/>
+        <p:cNvGrpSpPr/>
+        <p:nvPr/>
+      </p:nvGrpSpPr>
+      <p:grpSpPr>
+        <a:xfrm>
+          <a:off x="0" y="0"/>
+          <a:ext cx="0" cy="0"/>
+          <a:chOff x="0" y="0"/>
+          <a:chExt cx="0" cy="0"/>
+        </a:xfrm>
+      </p:grpSpPr>
+      <p:sp useBgFill="1">
+        <p:nvSpPr>
           <p:cNvPr id="16" name="Rectangle 7">
             <a:extLst>
               <a:ext uri="{FF2B5EF4-FFF2-40B4-BE49-F238E27FC236}">
@@ -4742,14 +6555,14 @@
               </a:rPr>
             </a:br>
             <a:r>
-              <a:rPr lang="en-US" sz="4000" dirty="0">
+              <a:rPr lang="en-US" dirty="0">
                 <a:solidFill>
                   <a:srgbClr val="FFC000"/>
                 </a:solidFill>
               </a:rPr>
-              <a:t>what if they can’t be recognized?</a:t>
-            </a:r>
-            <a:endParaRPr lang="en-US" dirty="0">
+              <a:t>recognizing a user</a:t>
+            </a:r>
+            <a:endParaRPr lang="en-US" sz="4800" dirty="0">
               <a:solidFill>
                 <a:srgbClr val="FFC000"/>
               </a:solidFill>
@@ -4786,38 +6599,42 @@
           <a:lstStyle/>
           <a:p>
             <a:r>
-              <a:rPr lang="en-US" sz="2000" dirty="0">
+              <a:rPr lang="en-US" sz="2400" dirty="0">
                 <a:solidFill>
                   <a:srgbClr val="023047"/>
                 </a:solidFill>
-                <a:latin typeface="Arial" panose="020B0604020202020204" pitchFamily="34" charset="0"/>
-                <a:cs typeface="Arial" panose="020B0604020202020204" pitchFamily="34" charset="0"/>
               </a:rPr>
-              <a:t>Recognition will always fail (both visual and audio identification) if the person is not registered to the system in the first place</a:t>
-            </a:r>
-          </a:p>
-          <a:p>
-            <a:r>
-              <a:rPr lang="en-US" sz="2000" dirty="0">
+              <a:t>Once the device is turned on, it should be placed somewhere where the user wants to be and can be easily identified, recognized and interacted with</a:t>
+            </a:r>
+          </a:p>
+          <a:p>
+            <a:r>
+              <a:rPr lang="en-US" sz="2400" dirty="0">
                 <a:solidFill>
                   <a:srgbClr val="023047"/>
                 </a:solidFill>
-                <a:latin typeface="Arial" panose="020B0604020202020204" pitchFamily="34" charset="0"/>
-                <a:cs typeface="Arial" panose="020B0604020202020204" pitchFamily="34" charset="0"/>
               </a:rPr>
-              <a:t>Solution: ask and offer the possibility for a person to register to the system</a:t>
-            </a:r>
-          </a:p>
-          <a:p>
-            <a:r>
-              <a:rPr lang="en-US" sz="2000" dirty="0">
+              <a:t>The assistant will continuously monitor the camera searching for a successful detection</a:t>
+            </a:r>
+          </a:p>
+          <a:p>
+            <a:r>
+              <a:rPr lang="en-US" sz="2400" dirty="0">
                 <a:solidFill>
                   <a:srgbClr val="023047"/>
                 </a:solidFill>
-                <a:latin typeface="Arial" panose="020B0604020202020204" pitchFamily="34" charset="0"/>
-                <a:cs typeface="Arial" panose="020B0604020202020204" pitchFamily="34" charset="0"/>
               </a:rPr>
-              <a:t>Registration is made simple, only asking for a name, as the image has already been encoded beforehand</a:t>
+              <a:t>Once a face is detected, it attempts to recognize the person automatically</a:t>
+            </a:r>
+          </a:p>
+          <a:p>
+            <a:r>
+              <a:rPr lang="en-US" sz="2400" dirty="0">
+                <a:solidFill>
+                  <a:srgbClr val="023047"/>
+                </a:solidFill>
+              </a:rPr>
+              <a:t>Failsafe: should recognition fail, ask the person to pronounce their name</a:t>
             </a:r>
           </a:p>
         </p:txBody>
@@ -4877,7 +6694,7 @@
     </p:spTree>
     <p:extLst>
       <p:ext uri="{BB962C8B-B14F-4D97-AF65-F5344CB8AC3E}">
-        <p14:creationId xmlns:p14="http://schemas.microsoft.com/office/powerpoint/2010/main" val="2963686248"/>
+        <p14:creationId xmlns:p14="http://schemas.microsoft.com/office/powerpoint/2010/main" val="3977266075"/>
       </p:ext>
     </p:extLst>
   </p:cSld>
@@ -4887,7 +6704,7 @@
 </p:sld>
 </file>
 
-<file path=ppt/slides/slide11.xml><?xml version="1.0" encoding="utf-8"?>
+<file path=ppt/slides/slide14.xml><?xml version="1.0" encoding="utf-8"?>
 <p:sld xmlns:a="http://schemas.openxmlformats.org/drawingml/2006/main" xmlns:r="http://schemas.openxmlformats.org/officeDocument/2006/relationships" xmlns:p="http://schemas.openxmlformats.org/presentationml/2006/main">
   <p:cSld>
     <p:bg>
@@ -4974,10 +6791,10 @@
       </p:sp>
       <p:sp>
         <p:nvSpPr>
-          <p:cNvPr id="12" name="Rectangle 11">
-            <a:extLst>
-              <a:ext uri="{FF2B5EF4-FFF2-40B4-BE49-F238E27FC236}">
-                <a16:creationId xmlns:a16="http://schemas.microsoft.com/office/drawing/2014/main" id="{C94F0BD2-9600-477E-9AC1-32547029E4AE}"/>
+          <p:cNvPr id="19" name="Rectangle 18">
+            <a:extLst>
+              <a:ext uri="{FF2B5EF4-FFF2-40B4-BE49-F238E27FC236}">
+                <a16:creationId xmlns:a16="http://schemas.microsoft.com/office/drawing/2014/main" id="{839D4B9E-CCF5-4693-A7D2-3F65D29B2909}"/>
               </a:ext>
             </a:extLst>
           </p:cNvPr>
@@ -5042,8 +6859,8 @@
         </p:nvSpPr>
         <p:spPr>
           <a:xfrm>
-            <a:off x="589559" y="759236"/>
-            <a:ext cx="4777497" cy="1128068"/>
+            <a:off x="589560" y="694944"/>
+            <a:ext cx="4672496" cy="1289304"/>
           </a:xfrm>
         </p:spPr>
         <p:txBody>
@@ -5061,14 +6878,14 @@
               <a:t>Interaction structure pt. I: </a:t>
             </a:r>
             <a:r>
-              <a:rPr lang="en-US" sz="2700" dirty="0">
+              <a:rPr lang="en-US" dirty="0">
                 <a:solidFill>
                   <a:srgbClr val="FFC000"/>
                 </a:solidFill>
               </a:rPr>
-              <a:t>what if they can’t be recognized?</a:t>
-            </a:r>
-            <a:endParaRPr lang="en-US" sz="3100" dirty="0">
+              <a:t>recognizing a user</a:t>
+            </a:r>
+            <a:endParaRPr lang="en-US" sz="2500" dirty="0">
               <a:solidFill>
                 <a:srgbClr val="FFC000"/>
               </a:solidFill>
@@ -5317,77 +7134,227 @@
         </p:spPr>
         <p:txBody>
           <a:bodyPr vert="horz" lIns="91440" tIns="45720" rIns="91440" bIns="45720" rtlCol="0" anchor="ctr">
-            <a:normAutofit/>
+            <a:normAutofit fontScale="92500" lnSpcReduction="10000"/>
           </a:bodyPr>
           <a:lstStyle/>
           <a:p>
-            <a:pPr indent="-228600">
-              <a:buFont typeface="Arial" panose="020B0604020202020204" pitchFamily="34" charset="0"/>
-              <a:buChar char="•"/>
-            </a:pPr>
-            <a:r>
-              <a:rPr lang="en-US" sz="1900" dirty="0">
+            <a:r>
+              <a:rPr lang="en-US" dirty="0">
                 <a:solidFill>
                   <a:srgbClr val="023047"/>
                 </a:solidFill>
+                <a:latin typeface="Arial" panose="020B0604020202020204" pitchFamily="34" charset="0"/>
+                <a:cs typeface="Arial" panose="020B0604020202020204" pitchFamily="34" charset="0"/>
               </a:rPr>
-              <a:t>As said: registering is straight-forward:</a:t>
-            </a:r>
-          </a:p>
-          <a:p>
-            <a:pPr marL="342900" indent="-228600">
-              <a:buFont typeface="Arial" panose="020B0604020202020204" pitchFamily="34" charset="0"/>
-              <a:buChar char="•"/>
+              <a:t>Three steps are involved in making the interaction happen:</a:t>
+            </a:r>
+          </a:p>
+          <a:p>
+            <a:pPr marL="342900" indent="-342900">
+              <a:buFont typeface="+mj-lt"/>
+              <a:buAutoNum type="arabicPeriod"/>
             </a:pPr>
             <a:r>
-              <a:rPr lang="en-US" sz="1900" dirty="0">
+              <a:rPr lang="en-US" dirty="0">
                 <a:solidFill>
                   <a:srgbClr val="023047"/>
                 </a:solidFill>
+                <a:latin typeface="Arial" panose="020B0604020202020204" pitchFamily="34" charset="0"/>
+                <a:cs typeface="Arial" panose="020B0604020202020204" pitchFamily="34" charset="0"/>
               </a:rPr>
-              <a:t>Ask the name which the person wants to register with</a:t>
-            </a:r>
-          </a:p>
-          <a:p>
-            <a:pPr marL="800100" lvl="1" indent="-228600">
-              <a:buFont typeface="Arial" panose="020B0604020202020204" pitchFamily="34" charset="0"/>
-              <a:buChar char="•"/>
+              <a:t>Start the camera and a continuous loop where we gather the current image the camera is receiving</a:t>
+            </a:r>
+          </a:p>
+          <a:p>
+            <a:pPr marL="342900" indent="-342900">
+              <a:buFont typeface="+mj-lt"/>
+              <a:buAutoNum type="arabicPeriod"/>
             </a:pPr>
             <a:r>
-              <a:rPr lang="en-US" sz="1900" dirty="0">
+              <a:rPr lang="en-US" dirty="0">
                 <a:solidFill>
                   <a:srgbClr val="023047"/>
                 </a:solidFill>
+                <a:latin typeface="Arial" panose="020B0604020202020204" pitchFamily="34" charset="0"/>
+                <a:cs typeface="Arial" panose="020B0604020202020204" pitchFamily="34" charset="0"/>
               </a:rPr>
-              <a:t>We ask again as they might want to register with a name different from their real one!</a:t>
-            </a:r>
-          </a:p>
-          <a:p>
-            <a:pPr marL="342900" indent="-228600">
-              <a:buFont typeface="Arial" panose="020B0604020202020204" pitchFamily="34" charset="0"/>
-              <a:buChar char="•"/>
-            </a:pPr>
-            <a:r>
-              <a:rPr lang="en-US" sz="1900" dirty="0">
+              <a:t>Send the captured frame over to the </a:t>
+            </a:r>
+            <a:r>
+              <a:rPr lang="en-US" dirty="0" err="1">
                 <a:solidFill>
                   <a:srgbClr val="023047"/>
                 </a:solidFill>
+                <a:latin typeface="Arial" panose="020B0604020202020204" pitchFamily="34" charset="0"/>
+                <a:cs typeface="Arial" panose="020B0604020202020204" pitchFamily="34" charset="0"/>
               </a:rPr>
-              <a:t>Compute face encodings from the detection frame (the frame that started it all)</a:t>
-            </a:r>
-          </a:p>
-          <a:p>
-            <a:pPr marL="342900" indent="-228600">
-              <a:buFont typeface="Arial" panose="020B0604020202020204" pitchFamily="34" charset="0"/>
-              <a:buChar char="•"/>
-            </a:pPr>
-            <a:r>
-              <a:rPr lang="en-US" sz="1900" dirty="0">
+              <a:t>detect_presence</a:t>
+            </a:r>
+            <a:r>
+              <a:rPr lang="en-US" dirty="0">
                 <a:solidFill>
                   <a:srgbClr val="023047"/>
                 </a:solidFill>
+                <a:latin typeface="Arial" panose="020B0604020202020204" pitchFamily="34" charset="0"/>
+                <a:cs typeface="Arial" panose="020B0604020202020204" pitchFamily="34" charset="0"/>
               </a:rPr>
-              <a:t>Create a new instance of the Member class, commit it to memory, and inform the user they are now part of the Clan</a:t>
+              <a:t> method:</a:t>
+            </a:r>
+          </a:p>
+          <a:p>
+            <a:pPr marL="800100" lvl="1" indent="-342900">
+              <a:buFont typeface="+mj-lt"/>
+              <a:buAutoNum type="arabicPeriod"/>
+            </a:pPr>
+            <a:r>
+              <a:rPr lang="en-US" dirty="0">
+                <a:solidFill>
+                  <a:srgbClr val="023047"/>
+                </a:solidFill>
+                <a:latin typeface="Arial" panose="020B0604020202020204" pitchFamily="34" charset="0"/>
+                <a:cs typeface="Arial" panose="020B0604020202020204" pitchFamily="34" charset="0"/>
+              </a:rPr>
+              <a:t>Converts the frame in B&amp;W</a:t>
+            </a:r>
+          </a:p>
+          <a:p>
+            <a:pPr marL="800100" lvl="1" indent="-342900">
+              <a:buFont typeface="+mj-lt"/>
+              <a:buAutoNum type="arabicPeriod"/>
+            </a:pPr>
+            <a:r>
+              <a:rPr lang="en-US" dirty="0">
+                <a:solidFill>
+                  <a:srgbClr val="023047"/>
+                </a:solidFill>
+                <a:latin typeface="Arial" panose="020B0604020202020204" pitchFamily="34" charset="0"/>
+                <a:cs typeface="Arial" panose="020B0604020202020204" pitchFamily="34" charset="0"/>
+              </a:rPr>
+              <a:t>Uses the preloaded </a:t>
+            </a:r>
+            <a:r>
+              <a:rPr lang="en-US" dirty="0" err="1">
+                <a:solidFill>
+                  <a:srgbClr val="023047"/>
+                </a:solidFill>
+                <a:latin typeface="Arial" panose="020B0604020202020204" pitchFamily="34" charset="0"/>
+                <a:cs typeface="Arial" panose="020B0604020202020204" pitchFamily="34" charset="0"/>
+              </a:rPr>
+              <a:t>opencv</a:t>
+            </a:r>
+            <a:r>
+              <a:rPr lang="en-US" dirty="0">
+                <a:solidFill>
+                  <a:srgbClr val="023047"/>
+                </a:solidFill>
+                <a:latin typeface="Arial" panose="020B0604020202020204" pitchFamily="34" charset="0"/>
+                <a:cs typeface="Arial" panose="020B0604020202020204" pitchFamily="34" charset="0"/>
+              </a:rPr>
+              <a:t> </a:t>
+            </a:r>
+            <a:r>
+              <a:rPr lang="en-US" dirty="0" err="1">
+                <a:solidFill>
+                  <a:srgbClr val="023047"/>
+                </a:solidFill>
+                <a:latin typeface="Arial" panose="020B0604020202020204" pitchFamily="34" charset="0"/>
+                <a:cs typeface="Arial" panose="020B0604020202020204" pitchFamily="34" charset="0"/>
+              </a:rPr>
+              <a:t>CascadeClassifier</a:t>
+            </a:r>
+            <a:r>
+              <a:rPr lang="en-US" dirty="0">
+                <a:solidFill>
+                  <a:srgbClr val="023047"/>
+                </a:solidFill>
+                <a:latin typeface="Arial" panose="020B0604020202020204" pitchFamily="34" charset="0"/>
+                <a:cs typeface="Arial" panose="020B0604020202020204" pitchFamily="34" charset="0"/>
+              </a:rPr>
+              <a:t> with </a:t>
+            </a:r>
+            <a:r>
+              <a:rPr lang="en-US" dirty="0" err="1">
+                <a:solidFill>
+                  <a:srgbClr val="023047"/>
+                </a:solidFill>
+                <a:latin typeface="Arial" panose="020B0604020202020204" pitchFamily="34" charset="0"/>
+                <a:cs typeface="Arial" panose="020B0604020202020204" pitchFamily="34" charset="0"/>
+              </a:rPr>
+              <a:t>Haar</a:t>
+            </a:r>
+            <a:r>
+              <a:rPr lang="en-US" dirty="0">
+                <a:solidFill>
+                  <a:srgbClr val="023047"/>
+                </a:solidFill>
+                <a:latin typeface="Arial" panose="020B0604020202020204" pitchFamily="34" charset="0"/>
+                <a:cs typeface="Arial" panose="020B0604020202020204" pitchFamily="34" charset="0"/>
+              </a:rPr>
+              <a:t> Cascades to attempt detection</a:t>
+            </a:r>
+          </a:p>
+          <a:p>
+            <a:pPr marL="342900" indent="-342900">
+              <a:buFont typeface="+mj-lt"/>
+              <a:buAutoNum type="arabicPeriod"/>
+            </a:pPr>
+            <a:r>
+              <a:rPr lang="en-US" dirty="0">
+                <a:solidFill>
+                  <a:srgbClr val="023047"/>
+                </a:solidFill>
+                <a:latin typeface="Arial" panose="020B0604020202020204" pitchFamily="34" charset="0"/>
+                <a:cs typeface="Arial" panose="020B0604020202020204" pitchFamily="34" charset="0"/>
+              </a:rPr>
+              <a:t>Attempt recognizing the person from the frame they have been detected in:</a:t>
+            </a:r>
+          </a:p>
+          <a:p>
+            <a:pPr marL="800100" lvl="1" indent="-342900">
+              <a:buFont typeface="+mj-lt"/>
+              <a:buAutoNum type="arabicPeriod"/>
+            </a:pPr>
+            <a:r>
+              <a:rPr lang="en-US" dirty="0">
+                <a:solidFill>
+                  <a:srgbClr val="023047"/>
+                </a:solidFill>
+                <a:latin typeface="Arial" panose="020B0604020202020204" pitchFamily="34" charset="0"/>
+                <a:cs typeface="Arial" panose="020B0604020202020204" pitchFamily="34" charset="0"/>
+              </a:rPr>
+              <a:t>Generate face encodings for each face</a:t>
+            </a:r>
+          </a:p>
+          <a:p>
+            <a:pPr marL="800100" lvl="1" indent="-342900">
+              <a:buFont typeface="+mj-lt"/>
+              <a:buAutoNum type="arabicPeriod"/>
+            </a:pPr>
+            <a:r>
+              <a:rPr lang="en-US" dirty="0">
+                <a:solidFill>
+                  <a:srgbClr val="023047"/>
+                </a:solidFill>
+                <a:latin typeface="Arial" panose="020B0604020202020204" pitchFamily="34" charset="0"/>
+                <a:cs typeface="Arial" panose="020B0604020202020204" pitchFamily="34" charset="0"/>
+              </a:rPr>
+              <a:t>Compare each encoding to the ones locally saved for each member until there is a match</a:t>
+            </a:r>
+          </a:p>
+          <a:p>
+            <a:pPr marL="342900" indent="-342900">
+              <a:buFont typeface="+mj-lt"/>
+              <a:buAutoNum type="arabicPeriod"/>
+            </a:pPr>
+            <a:r>
+              <a:rPr lang="en-US" dirty="0">
+                <a:solidFill>
+                  <a:srgbClr val="023047"/>
+                </a:solidFill>
+                <a:latin typeface="Arial" panose="020B0604020202020204" pitchFamily="34" charset="0"/>
+                <a:cs typeface="Arial" panose="020B0604020202020204" pitchFamily="34" charset="0"/>
+              </a:rPr>
+              <a:t>If all else fails, ask the person to identify themselves by using voice</a:t>
             </a:r>
           </a:p>
         </p:txBody>
@@ -5527,6 +7494,1385 @@
       </p:sp>
       <p:pic>
         <p:nvPicPr>
+          <p:cNvPr id="14" name="Content Placeholder 15">
+            <a:extLst>
+              <a:ext uri="{FF2B5EF4-FFF2-40B4-BE49-F238E27FC236}">
+                <a16:creationId xmlns:a16="http://schemas.microsoft.com/office/drawing/2014/main" id="{A1BA3A27-F968-4607-807E-13B7F3E46F07}"/>
+              </a:ext>
+            </a:extLst>
+          </p:cNvPr>
+          <p:cNvPicPr>
+            <a:picLocks noChangeAspect="1"/>
+          </p:cNvPicPr>
+          <p:nvPr/>
+        </p:nvPicPr>
+        <p:blipFill>
+          <a:blip r:embed="rId2"/>
+          <a:stretch>
+            <a:fillRect/>
+          </a:stretch>
+        </p:blipFill>
+        <p:spPr>
+          <a:xfrm>
+            <a:off x="5529890" y="1448452"/>
+            <a:ext cx="6172200" cy="872301"/>
+          </a:xfrm>
+          <a:prstGeom prst="rect">
+            <a:avLst/>
+          </a:prstGeom>
+        </p:spPr>
+      </p:pic>
+      <p:pic>
+        <p:nvPicPr>
+          <p:cNvPr id="15" name="Picture 14">
+            <a:extLst>
+              <a:ext uri="{FF2B5EF4-FFF2-40B4-BE49-F238E27FC236}">
+                <a16:creationId xmlns:a16="http://schemas.microsoft.com/office/drawing/2014/main" id="{2825E390-DEB2-4336-8FA6-106516AF3AC0}"/>
+              </a:ext>
+            </a:extLst>
+          </p:cNvPr>
+          <p:cNvPicPr>
+            <a:picLocks noChangeAspect="1"/>
+          </p:cNvPicPr>
+          <p:nvPr/>
+        </p:nvPicPr>
+        <p:blipFill>
+          <a:blip r:embed="rId3"/>
+          <a:stretch>
+            <a:fillRect/>
+          </a:stretch>
+        </p:blipFill>
+        <p:spPr>
+          <a:xfrm>
+            <a:off x="5519800" y="2876567"/>
+            <a:ext cx="6169024" cy="887916"/>
+          </a:xfrm>
+          <a:prstGeom prst="rect">
+            <a:avLst/>
+          </a:prstGeom>
+        </p:spPr>
+      </p:pic>
+      <p:pic>
+        <p:nvPicPr>
+          <p:cNvPr id="16" name="Picture 15">
+            <a:extLst>
+              <a:ext uri="{FF2B5EF4-FFF2-40B4-BE49-F238E27FC236}">
+                <a16:creationId xmlns:a16="http://schemas.microsoft.com/office/drawing/2014/main" id="{2490F14E-2FFE-4984-AF49-61C9A57A4680}"/>
+              </a:ext>
+            </a:extLst>
+          </p:cNvPr>
+          <p:cNvPicPr>
+            <a:picLocks noChangeAspect="1"/>
+          </p:cNvPicPr>
+          <p:nvPr/>
+        </p:nvPicPr>
+        <p:blipFill>
+          <a:blip r:embed="rId4"/>
+          <a:stretch>
+            <a:fillRect/>
+          </a:stretch>
+        </p:blipFill>
+        <p:spPr>
+          <a:xfrm>
+            <a:off x="5519800" y="4320297"/>
+            <a:ext cx="6172200" cy="1748349"/>
+          </a:xfrm>
+          <a:prstGeom prst="rect">
+            <a:avLst/>
+          </a:prstGeom>
+        </p:spPr>
+      </p:pic>
+      <p:pic>
+        <p:nvPicPr>
+          <p:cNvPr id="17" name="Picture 16">
+            <a:extLst>
+              <a:ext uri="{FF2B5EF4-FFF2-40B4-BE49-F238E27FC236}">
+                <a16:creationId xmlns:a16="http://schemas.microsoft.com/office/drawing/2014/main" id="{68A38278-06C9-46E3-9F3A-64FC8CAF4E14}"/>
+              </a:ext>
+            </a:extLst>
+          </p:cNvPr>
+          <p:cNvPicPr>
+            <a:picLocks noChangeAspect="1"/>
+          </p:cNvPicPr>
+          <p:nvPr/>
+        </p:nvPicPr>
+        <p:blipFill>
+          <a:blip r:embed="rId5"/>
+          <a:stretch>
+            <a:fillRect/>
+          </a:stretch>
+        </p:blipFill>
+        <p:spPr>
+          <a:xfrm>
+            <a:off x="5522976" y="453667"/>
+            <a:ext cx="6172200" cy="438971"/>
+          </a:xfrm>
+          <a:prstGeom prst="rect">
+            <a:avLst/>
+          </a:prstGeom>
+        </p:spPr>
+      </p:pic>
+    </p:spTree>
+    <p:extLst>
+      <p:ext uri="{BB962C8B-B14F-4D97-AF65-F5344CB8AC3E}">
+        <p14:creationId xmlns:p14="http://schemas.microsoft.com/office/powerpoint/2010/main" val="858608500"/>
+      </p:ext>
+    </p:extLst>
+  </p:cSld>
+  <p:clrMapOvr>
+    <a:masterClrMapping/>
+  </p:clrMapOvr>
+</p:sld>
+</file>
+
+<file path=ppt/slides/slide15.xml><?xml version="1.0" encoding="utf-8"?>
+<p:sld xmlns:a="http://schemas.openxmlformats.org/drawingml/2006/main" xmlns:r="http://schemas.openxmlformats.org/officeDocument/2006/relationships" xmlns:p="http://schemas.openxmlformats.org/presentationml/2006/main">
+  <p:cSld>
+    <p:bg>
+      <p:bgPr>
+        <a:solidFill>
+          <a:schemeClr val="bg1"/>
+        </a:solidFill>
+        <a:effectLst/>
+      </p:bgPr>
+    </p:bg>
+    <p:spTree>
+      <p:nvGrpSpPr>
+        <p:cNvPr id="1" name=""/>
+        <p:cNvGrpSpPr/>
+        <p:nvPr/>
+      </p:nvGrpSpPr>
+      <p:grpSpPr>
+        <a:xfrm>
+          <a:off x="0" y="0"/>
+          <a:ext cx="0" cy="0"/>
+          <a:chOff x="0" y="0"/>
+          <a:chExt cx="0" cy="0"/>
+        </a:xfrm>
+      </p:grpSpPr>
+      <p:sp useBgFill="1">
+        <p:nvSpPr>
+          <p:cNvPr id="16" name="Rectangle 7">
+            <a:extLst>
+              <a:ext uri="{FF2B5EF4-FFF2-40B4-BE49-F238E27FC236}">
+                <a16:creationId xmlns:a16="http://schemas.microsoft.com/office/drawing/2014/main" id="{B6CDA21F-E7AF-4C75-8395-33F58D5B0E45}"/>
+              </a:ext>
+              <a:ext uri="{C183D7F6-B498-43B3-948B-1728B52AA6E4}">
+                <adec:decorative xmlns:adec="http://schemas.microsoft.com/office/drawing/2017/decorative" val="1"/>
+              </a:ext>
+            </a:extLst>
+          </p:cNvPr>
+          <p:cNvSpPr>
+            <a:spLocks noGrp="1" noRot="1" noChangeAspect="1" noMove="1" noResize="1" noEditPoints="1" noAdjustHandles="1" noChangeArrowheads="1" noChangeShapeType="1" noTextEdit="1"/>
+          </p:cNvSpPr>
+          <p:nvPr>
+            <p:extLst>
+              <p:ext uri="{386F3935-93C4-4BCD-93E2-E3B085C9AB24}">
+                <p16:designElem xmlns:p16="http://schemas.microsoft.com/office/powerpoint/2015/main" val="1"/>
+              </p:ext>
+            </p:extLst>
+          </p:nvPr>
+        </p:nvSpPr>
+        <p:spPr>
+          <a:xfrm>
+            <a:off x="0" y="0"/>
+            <a:ext cx="12191999" cy="6857365"/>
+          </a:xfrm>
+          <a:prstGeom prst="rect">
+            <a:avLst/>
+          </a:prstGeom>
+          <a:ln>
+            <a:noFill/>
+          </a:ln>
+        </p:spPr>
+        <p:style>
+          <a:lnRef idx="2">
+            <a:schemeClr val="accent1">
+              <a:shade val="50000"/>
+            </a:schemeClr>
+          </a:lnRef>
+          <a:fillRef idx="1">
+            <a:schemeClr val="accent1"/>
+          </a:fillRef>
+          <a:effectRef idx="0">
+            <a:schemeClr val="accent1"/>
+          </a:effectRef>
+          <a:fontRef idx="minor">
+            <a:schemeClr val="lt1"/>
+          </a:fontRef>
+        </p:style>
+        <p:txBody>
+          <a:bodyPr rtlCol="0" anchor="ctr"/>
+          <a:lstStyle/>
+          <a:p>
+            <a:pPr algn="ctr"/>
+            <a:endParaRPr lang="en-US"/>
+          </a:p>
+        </p:txBody>
+      </p:sp>
+      <p:grpSp>
+        <p:nvGrpSpPr>
+          <p:cNvPr id="18" name="Group 9">
+            <a:extLst>
+              <a:ext uri="{FF2B5EF4-FFF2-40B4-BE49-F238E27FC236}">
+                <a16:creationId xmlns:a16="http://schemas.microsoft.com/office/drawing/2014/main" id="{AE1C45F0-260A-458C-96ED-C1F6D2151219}"/>
+              </a:ext>
+              <a:ext uri="{C183D7F6-B498-43B3-948B-1728B52AA6E4}">
+                <adec:decorative xmlns:adec="http://schemas.microsoft.com/office/drawing/2017/decorative" val="1"/>
+              </a:ext>
+            </a:extLst>
+          </p:cNvPr>
+          <p:cNvGrpSpPr>
+            <a:grpSpLocks noGrp="1" noUngrp="1" noRot="1" noChangeAspect="1" noMove="1" noResize="1"/>
+          </p:cNvGrpSpPr>
+          <p:nvPr>
+            <p:extLst>
+              <p:ext uri="{386F3935-93C4-4BCD-93E2-E3B085C9AB24}">
+                <p16:designElem xmlns:p16="http://schemas.microsoft.com/office/powerpoint/2015/main" val="1"/>
+              </p:ext>
+            </p:extLst>
+          </p:nvPr>
+        </p:nvGrpSpPr>
+        <p:grpSpPr>
+          <a:xfrm>
+            <a:off x="4" y="1216597"/>
+            <a:ext cx="731521" cy="673460"/>
+            <a:chOff x="3940602" y="308034"/>
+            <a:chExt cx="2116791" cy="3428999"/>
+          </a:xfrm>
+          <a:solidFill>
+            <a:schemeClr val="accent4"/>
+          </a:solidFill>
+        </p:grpSpPr>
+        <p:sp>
+          <p:nvSpPr>
+            <p:cNvPr id="11" name="Rectangle 10">
+              <a:extLst>
+                <a:ext uri="{FF2B5EF4-FFF2-40B4-BE49-F238E27FC236}">
+                  <a16:creationId xmlns:a16="http://schemas.microsoft.com/office/drawing/2014/main" id="{A6604B49-AD5C-4590-B051-06C8222ECD99}"/>
+                </a:ext>
+                <a:ext uri="{C183D7F6-B498-43B3-948B-1728B52AA6E4}">
+                  <adec:decorative xmlns:adec="http://schemas.microsoft.com/office/drawing/2017/decorative" val="1"/>
+                </a:ext>
+              </a:extLst>
+            </p:cNvPr>
+            <p:cNvSpPr/>
+            <p:nvPr>
+              <p:extLst>
+                <p:ext uri="{386F3935-93C4-4BCD-93E2-E3B085C9AB24}">
+                  <p16:designElem xmlns:p16="http://schemas.microsoft.com/office/powerpoint/2015/main" val="1"/>
+                </p:ext>
+              </p:extLst>
+            </p:nvPr>
+          </p:nvSpPr>
+          <p:spPr>
+            <a:xfrm>
+              <a:off x="3940602" y="308034"/>
+              <a:ext cx="566743" cy="3428999"/>
+            </a:xfrm>
+            <a:prstGeom prst="rect">
+              <a:avLst/>
+            </a:prstGeom>
+            <a:grpFill/>
+            <a:ln>
+              <a:noFill/>
+            </a:ln>
+          </p:spPr>
+          <p:style>
+            <a:lnRef idx="2">
+              <a:schemeClr val="accent1">
+                <a:shade val="50000"/>
+              </a:schemeClr>
+            </a:lnRef>
+            <a:fillRef idx="1">
+              <a:schemeClr val="accent1"/>
+            </a:fillRef>
+            <a:effectRef idx="0">
+              <a:schemeClr val="accent1"/>
+            </a:effectRef>
+            <a:fontRef idx="minor">
+              <a:schemeClr val="lt1"/>
+            </a:fontRef>
+          </p:style>
+          <p:txBody>
+            <a:bodyPr rtlCol="0" anchor="ctr"/>
+            <a:lstStyle/>
+            <a:p>
+              <a:pPr algn="ctr"/>
+              <a:endParaRPr lang="en-US"/>
+            </a:p>
+          </p:txBody>
+        </p:sp>
+        <p:sp>
+          <p:nvSpPr>
+            <p:cNvPr id="19" name="Rectangle 11">
+              <a:extLst>
+                <a:ext uri="{FF2B5EF4-FFF2-40B4-BE49-F238E27FC236}">
+                  <a16:creationId xmlns:a16="http://schemas.microsoft.com/office/drawing/2014/main" id="{743ECCAF-29C5-4537-947C-7EA1292463DB}"/>
+                </a:ext>
+                <a:ext uri="{C183D7F6-B498-43B3-948B-1728B52AA6E4}">
+                  <adec:decorative xmlns:adec="http://schemas.microsoft.com/office/drawing/2017/decorative" val="1"/>
+                </a:ext>
+              </a:extLst>
+            </p:cNvPr>
+            <p:cNvSpPr/>
+            <p:nvPr>
+              <p:extLst>
+                <p:ext uri="{386F3935-93C4-4BCD-93E2-E3B085C9AB24}">
+                  <p16:designElem xmlns:p16="http://schemas.microsoft.com/office/powerpoint/2015/main" val="1"/>
+                </p:ext>
+              </p:extLst>
+            </p:nvPr>
+          </p:nvSpPr>
+          <p:spPr>
+            <a:xfrm>
+              <a:off x="4715626" y="308034"/>
+              <a:ext cx="566743" cy="3428999"/>
+            </a:xfrm>
+            <a:prstGeom prst="rect">
+              <a:avLst/>
+            </a:prstGeom>
+            <a:grpFill/>
+            <a:ln>
+              <a:noFill/>
+            </a:ln>
+          </p:spPr>
+          <p:style>
+            <a:lnRef idx="2">
+              <a:schemeClr val="accent1">
+                <a:shade val="50000"/>
+              </a:schemeClr>
+            </a:lnRef>
+            <a:fillRef idx="1">
+              <a:schemeClr val="accent1"/>
+            </a:fillRef>
+            <a:effectRef idx="0">
+              <a:schemeClr val="accent1"/>
+            </a:effectRef>
+            <a:fontRef idx="minor">
+              <a:schemeClr val="lt1"/>
+            </a:fontRef>
+          </p:style>
+          <p:txBody>
+            <a:bodyPr rtlCol="0" anchor="ctr"/>
+            <a:lstStyle/>
+            <a:p>
+              <a:pPr algn="ctr"/>
+              <a:endParaRPr lang="en-US"/>
+            </a:p>
+          </p:txBody>
+        </p:sp>
+        <p:sp>
+          <p:nvSpPr>
+            <p:cNvPr id="13" name="Rectangle 12">
+              <a:extLst>
+                <a:ext uri="{FF2B5EF4-FFF2-40B4-BE49-F238E27FC236}">
+                  <a16:creationId xmlns:a16="http://schemas.microsoft.com/office/drawing/2014/main" id="{ED49787B-8DE6-4467-AD0A-8DECC6E0C2D6}"/>
+                </a:ext>
+                <a:ext uri="{C183D7F6-B498-43B3-948B-1728B52AA6E4}">
+                  <adec:decorative xmlns:adec="http://schemas.microsoft.com/office/drawing/2017/decorative" val="1"/>
+                </a:ext>
+              </a:extLst>
+            </p:cNvPr>
+            <p:cNvSpPr/>
+            <p:nvPr>
+              <p:extLst>
+                <p:ext uri="{386F3935-93C4-4BCD-93E2-E3B085C9AB24}">
+                  <p16:designElem xmlns:p16="http://schemas.microsoft.com/office/powerpoint/2015/main" val="1"/>
+                </p:ext>
+              </p:extLst>
+            </p:nvPr>
+          </p:nvSpPr>
+          <p:spPr>
+            <a:xfrm>
+              <a:off x="5490650" y="308034"/>
+              <a:ext cx="566743" cy="3428999"/>
+            </a:xfrm>
+            <a:prstGeom prst="rect">
+              <a:avLst/>
+            </a:prstGeom>
+            <a:grpFill/>
+            <a:ln>
+              <a:noFill/>
+            </a:ln>
+          </p:spPr>
+          <p:style>
+            <a:lnRef idx="2">
+              <a:schemeClr val="accent1">
+                <a:shade val="50000"/>
+              </a:schemeClr>
+            </a:lnRef>
+            <a:fillRef idx="1">
+              <a:schemeClr val="accent1"/>
+            </a:fillRef>
+            <a:effectRef idx="0">
+              <a:schemeClr val="accent1"/>
+            </a:effectRef>
+            <a:fontRef idx="minor">
+              <a:schemeClr val="lt1"/>
+            </a:fontRef>
+          </p:style>
+          <p:txBody>
+            <a:bodyPr rtlCol="0" anchor="ctr"/>
+            <a:lstStyle/>
+            <a:p>
+              <a:pPr algn="ctr"/>
+              <a:endParaRPr lang="en-US"/>
+            </a:p>
+          </p:txBody>
+        </p:sp>
+      </p:grpSp>
+      <p:sp>
+        <p:nvSpPr>
+          <p:cNvPr id="15" name="Rectangle 14">
+            <a:extLst>
+              <a:ext uri="{FF2B5EF4-FFF2-40B4-BE49-F238E27FC236}">
+                <a16:creationId xmlns:a16="http://schemas.microsoft.com/office/drawing/2014/main" id="{D5B0017B-2ECA-49AF-B397-DC140825DF8D}"/>
+              </a:ext>
+              <a:ext uri="{C183D7F6-B498-43B3-948B-1728B52AA6E4}">
+                <adec:decorative xmlns:adec="http://schemas.microsoft.com/office/drawing/2017/decorative" val="1"/>
+              </a:ext>
+            </a:extLst>
+          </p:cNvPr>
+          <p:cNvSpPr>
+            <a:spLocks noGrp="1" noRot="1" noChangeAspect="1" noMove="1" noResize="1" noEditPoints="1" noAdjustHandles="1" noChangeArrowheads="1" noChangeShapeType="1" noTextEdit="1"/>
+          </p:cNvSpPr>
+          <p:nvPr>
+            <p:extLst>
+              <p:ext uri="{386F3935-93C4-4BCD-93E2-E3B085C9AB24}">
+                <p16:designElem xmlns:p16="http://schemas.microsoft.com/office/powerpoint/2015/main" val="1"/>
+              </p:ext>
+            </p:extLst>
+          </p:nvPr>
+        </p:nvSpPr>
+        <p:spPr>
+          <a:xfrm>
+            <a:off x="640079" y="613954"/>
+            <a:ext cx="10907487" cy="1894116"/>
+          </a:xfrm>
+          <a:prstGeom prst="rect">
+            <a:avLst/>
+          </a:prstGeom>
+          <a:solidFill>
+            <a:schemeClr val="bg1"/>
+          </a:solidFill>
+          <a:ln>
+            <a:noFill/>
+          </a:ln>
+          <a:effectLst>
+            <a:outerShdw blurRad="139700" dist="127000" dir="5400000" algn="t" rotWithShape="0">
+              <a:prstClr val="black">
+                <a:alpha val="15000"/>
+              </a:prstClr>
+            </a:outerShdw>
+          </a:effectLst>
+        </p:spPr>
+        <p:style>
+          <a:lnRef idx="2">
+            <a:schemeClr val="accent1">
+              <a:shade val="50000"/>
+            </a:schemeClr>
+          </a:lnRef>
+          <a:fillRef idx="1">
+            <a:schemeClr val="accent1"/>
+          </a:fillRef>
+          <a:effectRef idx="0">
+            <a:schemeClr val="accent1"/>
+          </a:effectRef>
+          <a:fontRef idx="minor">
+            <a:schemeClr val="lt1"/>
+          </a:fontRef>
+        </p:style>
+        <p:txBody>
+          <a:bodyPr rtlCol="0" anchor="ctr"/>
+          <a:lstStyle/>
+          <a:p>
+            <a:pPr algn="ctr"/>
+            <a:endParaRPr lang="en-US"/>
+          </a:p>
+        </p:txBody>
+      </p:sp>
+      <p:sp>
+        <p:nvSpPr>
+          <p:cNvPr id="12" name="Rectangle 11">
+            <a:extLst>
+              <a:ext uri="{FF2B5EF4-FFF2-40B4-BE49-F238E27FC236}">
+                <a16:creationId xmlns:a16="http://schemas.microsoft.com/office/drawing/2014/main" id="{5E1D5788-2731-474B-8F80-00A5C97CF4B6}"/>
+              </a:ext>
+            </a:extLst>
+          </p:cNvPr>
+          <p:cNvSpPr/>
+          <p:nvPr/>
+        </p:nvSpPr>
+        <p:spPr>
+          <a:xfrm>
+            <a:off x="633597" y="640080"/>
+            <a:ext cx="10907487" cy="1894116"/>
+          </a:xfrm>
+          <a:prstGeom prst="rect">
+            <a:avLst/>
+          </a:prstGeom>
+          <a:solidFill>
+            <a:srgbClr val="023047"/>
+          </a:solidFill>
+          <a:ln>
+            <a:noFill/>
+          </a:ln>
+        </p:spPr>
+        <p:style>
+          <a:lnRef idx="2">
+            <a:schemeClr val="accent1">
+              <a:shade val="50000"/>
+            </a:schemeClr>
+          </a:lnRef>
+          <a:fillRef idx="1">
+            <a:schemeClr val="accent1"/>
+          </a:fillRef>
+          <a:effectRef idx="0">
+            <a:schemeClr val="accent1"/>
+          </a:effectRef>
+          <a:fontRef idx="minor">
+            <a:schemeClr val="lt1"/>
+          </a:fontRef>
+        </p:style>
+        <p:txBody>
+          <a:bodyPr rtlCol="0" anchor="ctr"/>
+          <a:lstStyle/>
+          <a:p>
+            <a:pPr algn="ctr"/>
+            <a:endParaRPr lang="en-GB"/>
+          </a:p>
+        </p:txBody>
+      </p:sp>
+      <p:sp>
+        <p:nvSpPr>
+          <p:cNvPr id="2" name="Title 1">
+            <a:extLst>
+              <a:ext uri="{FF2B5EF4-FFF2-40B4-BE49-F238E27FC236}">
+                <a16:creationId xmlns:a16="http://schemas.microsoft.com/office/drawing/2014/main" id="{A48C8F4F-F52C-4236-8286-9234A489AE8D}"/>
+              </a:ext>
+            </a:extLst>
+          </p:cNvPr>
+          <p:cNvSpPr>
+            <a:spLocks noGrp="1"/>
+          </p:cNvSpPr>
+          <p:nvPr>
+            <p:ph type="title"/>
+          </p:nvPr>
+        </p:nvSpPr>
+        <p:spPr>
+          <a:xfrm>
+            <a:off x="1043631" y="809898"/>
+            <a:ext cx="9942716" cy="1554480"/>
+          </a:xfrm>
+        </p:spPr>
+        <p:txBody>
+          <a:bodyPr anchor="ctr">
+            <a:normAutofit/>
+          </a:bodyPr>
+          <a:lstStyle/>
+          <a:p>
+            <a:r>
+              <a:rPr lang="en-US" sz="4800" dirty="0">
+                <a:solidFill>
+                  <a:srgbClr val="FFC000"/>
+                </a:solidFill>
+              </a:rPr>
+              <a:t>Interaction structure pt. I:</a:t>
+            </a:r>
+            <a:br>
+              <a:rPr lang="en-US" sz="4800" dirty="0">
+                <a:solidFill>
+                  <a:srgbClr val="FFC000"/>
+                </a:solidFill>
+              </a:rPr>
+            </a:br>
+            <a:r>
+              <a:rPr lang="en-US" sz="4000" dirty="0">
+                <a:solidFill>
+                  <a:srgbClr val="FFC000"/>
+                </a:solidFill>
+              </a:rPr>
+              <a:t>what if they can’t be recognized?</a:t>
+            </a:r>
+            <a:endParaRPr lang="en-US" dirty="0">
+              <a:solidFill>
+                <a:srgbClr val="FFC000"/>
+              </a:solidFill>
+            </a:endParaRPr>
+          </a:p>
+        </p:txBody>
+      </p:sp>
+      <p:sp>
+        <p:nvSpPr>
+          <p:cNvPr id="3" name="Content Placeholder 2">
+            <a:extLst>
+              <a:ext uri="{FF2B5EF4-FFF2-40B4-BE49-F238E27FC236}">
+                <a16:creationId xmlns:a16="http://schemas.microsoft.com/office/drawing/2014/main" id="{F0C29356-FBF8-4F7E-938D-AA38EA0CD781}"/>
+              </a:ext>
+            </a:extLst>
+          </p:cNvPr>
+          <p:cNvSpPr>
+            <a:spLocks noGrp="1"/>
+          </p:cNvSpPr>
+          <p:nvPr>
+            <p:ph idx="1"/>
+          </p:nvPr>
+        </p:nvSpPr>
+        <p:spPr>
+          <a:xfrm>
+            <a:off x="1045028" y="3017522"/>
+            <a:ext cx="9941319" cy="3124658"/>
+          </a:xfrm>
+        </p:spPr>
+        <p:txBody>
+          <a:bodyPr anchor="ctr">
+            <a:normAutofit/>
+          </a:bodyPr>
+          <a:lstStyle/>
+          <a:p>
+            <a:r>
+              <a:rPr lang="en-US" sz="2000" dirty="0">
+                <a:solidFill>
+                  <a:srgbClr val="023047"/>
+                </a:solidFill>
+                <a:latin typeface="Arial" panose="020B0604020202020204" pitchFamily="34" charset="0"/>
+                <a:cs typeface="Arial" panose="020B0604020202020204" pitchFamily="34" charset="0"/>
+              </a:rPr>
+              <a:t>Recognition will always fail (both visual and audio identification) if the person is not registered to the system in the first place</a:t>
+            </a:r>
+          </a:p>
+          <a:p>
+            <a:r>
+              <a:rPr lang="en-US" sz="2000" dirty="0">
+                <a:solidFill>
+                  <a:srgbClr val="023047"/>
+                </a:solidFill>
+                <a:latin typeface="Arial" panose="020B0604020202020204" pitchFamily="34" charset="0"/>
+                <a:cs typeface="Arial" panose="020B0604020202020204" pitchFamily="34" charset="0"/>
+              </a:rPr>
+              <a:t>Solution: ask and offer the possibility for a person to register to the system</a:t>
+            </a:r>
+          </a:p>
+          <a:p>
+            <a:r>
+              <a:rPr lang="en-US" sz="2000" dirty="0">
+                <a:solidFill>
+                  <a:srgbClr val="023047"/>
+                </a:solidFill>
+                <a:latin typeface="Arial" panose="020B0604020202020204" pitchFamily="34" charset="0"/>
+                <a:cs typeface="Arial" panose="020B0604020202020204" pitchFamily="34" charset="0"/>
+              </a:rPr>
+              <a:t>Registration is made simple, only asking for a name, as the image has already been encoded beforehand</a:t>
+            </a:r>
+          </a:p>
+        </p:txBody>
+      </p:sp>
+      <p:cxnSp>
+        <p:nvCxnSpPr>
+          <p:cNvPr id="17" name="Straight Connector 16">
+            <a:extLst>
+              <a:ext uri="{FF2B5EF4-FFF2-40B4-BE49-F238E27FC236}">
+                <a16:creationId xmlns:a16="http://schemas.microsoft.com/office/drawing/2014/main" id="{6CF1BAF6-AD41-4082-B212-8A1F9A2E8779}"/>
+              </a:ext>
+              <a:ext uri="{C183D7F6-B498-43B3-948B-1728B52AA6E4}">
+                <adec:decorative xmlns:adec="http://schemas.microsoft.com/office/drawing/2017/decorative" val="1"/>
+              </a:ext>
+            </a:extLst>
+          </p:cNvPr>
+          <p:cNvCxnSpPr>
+            <a:cxnSpLocks noGrp="1" noRot="1" noChangeAspect="1" noMove="1" noResize="1" noEditPoints="1" noAdjustHandles="1" noChangeArrowheads="1" noChangeShapeType="1"/>
+          </p:cNvCxnSpPr>
+          <p:nvPr>
+            <p:extLst>
+              <p:ext uri="{386F3935-93C4-4BCD-93E2-E3B085C9AB24}">
+                <p16:designElem xmlns:p16="http://schemas.microsoft.com/office/powerpoint/2015/main" val="1"/>
+              </p:ext>
+            </p:extLst>
+          </p:nvPr>
+        </p:nvCxnSpPr>
+        <p:spPr>
+          <a:xfrm flipH="1">
+            <a:off x="838200" y="6485313"/>
+            <a:ext cx="10515600" cy="0"/>
+          </a:xfrm>
+          <a:prstGeom prst="line">
+            <a:avLst/>
+          </a:prstGeom>
+          <a:ln w="57150">
+            <a:solidFill>
+              <a:schemeClr val="accent4"/>
+            </a:solidFill>
+          </a:ln>
+        </p:spPr>
+        <p:style>
+          <a:lnRef idx="1">
+            <a:schemeClr val="accent1"/>
+          </a:lnRef>
+          <a:fillRef idx="0">
+            <a:schemeClr val="accent1"/>
+          </a:fillRef>
+          <a:effectRef idx="0">
+            <a:schemeClr val="accent1"/>
+          </a:effectRef>
+          <a:fontRef idx="minor">
+            <a:schemeClr val="tx1"/>
+          </a:fontRef>
+        </p:style>
+      </p:cxnSp>
+    </p:spTree>
+    <p:extLst>
+      <p:ext uri="{BB962C8B-B14F-4D97-AF65-F5344CB8AC3E}">
+        <p14:creationId xmlns:p14="http://schemas.microsoft.com/office/powerpoint/2010/main" val="2963686248"/>
+      </p:ext>
+    </p:extLst>
+  </p:cSld>
+  <p:clrMapOvr>
+    <a:masterClrMapping/>
+  </p:clrMapOvr>
+</p:sld>
+</file>
+
+<file path=ppt/slides/slide16.xml><?xml version="1.0" encoding="utf-8"?>
+<p:sld xmlns:a="http://schemas.openxmlformats.org/drawingml/2006/main" xmlns:r="http://schemas.openxmlformats.org/officeDocument/2006/relationships" xmlns:p="http://schemas.openxmlformats.org/presentationml/2006/main">
+  <p:cSld>
+    <p:bg>
+      <p:bgPr>
+        <a:solidFill>
+          <a:schemeClr val="bg1"/>
+        </a:solidFill>
+        <a:effectLst/>
+      </p:bgPr>
+    </p:bg>
+    <p:spTree>
+      <p:nvGrpSpPr>
+        <p:cNvPr id="1" name=""/>
+        <p:cNvGrpSpPr/>
+        <p:nvPr/>
+      </p:nvGrpSpPr>
+      <p:grpSpPr>
+        <a:xfrm>
+          <a:off x="0" y="0"/>
+          <a:ext cx="0" cy="0"/>
+          <a:chOff x="0" y="0"/>
+          <a:chExt cx="0" cy="0"/>
+        </a:xfrm>
+      </p:grpSpPr>
+      <p:sp useBgFill="1">
+        <p:nvSpPr>
+          <p:cNvPr id="52" name="Rectangle 42">
+            <a:extLst>
+              <a:ext uri="{FF2B5EF4-FFF2-40B4-BE49-F238E27FC236}">
+                <a16:creationId xmlns:a16="http://schemas.microsoft.com/office/drawing/2014/main" id="{201CC55D-ED54-4C5C-95E6-10947BD1103B}"/>
+              </a:ext>
+              <a:ext uri="{C183D7F6-B498-43B3-948B-1728B52AA6E4}">
+                <adec:decorative xmlns:adec="http://schemas.microsoft.com/office/drawing/2017/decorative" val="1"/>
+              </a:ext>
+            </a:extLst>
+          </p:cNvPr>
+          <p:cNvSpPr>
+            <a:spLocks noGrp="1" noRot="1" noChangeAspect="1" noMove="1" noResize="1" noEditPoints="1" noAdjustHandles="1" noChangeArrowheads="1" noChangeShapeType="1" noTextEdit="1"/>
+          </p:cNvSpPr>
+          <p:nvPr>
+            <p:extLst>
+              <p:ext uri="{386F3935-93C4-4BCD-93E2-E3B085C9AB24}">
+                <p16:designElem xmlns:p16="http://schemas.microsoft.com/office/powerpoint/2015/main" val="1"/>
+              </p:ext>
+            </p:extLst>
+          </p:nvPr>
+        </p:nvSpPr>
+        <p:spPr>
+          <a:xfrm>
+            <a:off x="0" y="0"/>
+            <a:ext cx="12191999" cy="6857365"/>
+          </a:xfrm>
+          <a:prstGeom prst="rect">
+            <a:avLst/>
+          </a:prstGeom>
+          <a:ln>
+            <a:noFill/>
+          </a:ln>
+        </p:spPr>
+        <p:style>
+          <a:lnRef idx="2">
+            <a:schemeClr val="accent1">
+              <a:shade val="50000"/>
+            </a:schemeClr>
+          </a:lnRef>
+          <a:fillRef idx="1">
+            <a:schemeClr val="accent1"/>
+          </a:fillRef>
+          <a:effectRef idx="0">
+            <a:schemeClr val="accent1"/>
+          </a:effectRef>
+          <a:fontRef idx="minor">
+            <a:schemeClr val="lt1"/>
+          </a:fontRef>
+        </p:style>
+        <p:txBody>
+          <a:bodyPr rtlCol="0" anchor="ctr"/>
+          <a:lstStyle/>
+          <a:p>
+            <a:pPr algn="ctr"/>
+            <a:endParaRPr lang="en-US"/>
+          </a:p>
+        </p:txBody>
+      </p:sp>
+      <p:sp>
+        <p:nvSpPr>
+          <p:cNvPr id="12" name="Rectangle 11">
+            <a:extLst>
+              <a:ext uri="{FF2B5EF4-FFF2-40B4-BE49-F238E27FC236}">
+                <a16:creationId xmlns:a16="http://schemas.microsoft.com/office/drawing/2014/main" id="{C94F0BD2-9600-477E-9AC1-32547029E4AE}"/>
+              </a:ext>
+            </a:extLst>
+          </p:cNvPr>
+          <p:cNvSpPr/>
+          <p:nvPr/>
+        </p:nvSpPr>
+        <p:spPr>
+          <a:xfrm>
+            <a:off x="355197" y="640080"/>
+            <a:ext cx="5330612" cy="1316736"/>
+          </a:xfrm>
+          <a:prstGeom prst="rect">
+            <a:avLst/>
+          </a:prstGeom>
+          <a:solidFill>
+            <a:srgbClr val="023047"/>
+          </a:solidFill>
+          <a:ln>
+            <a:noFill/>
+          </a:ln>
+        </p:spPr>
+        <p:style>
+          <a:lnRef idx="2">
+            <a:schemeClr val="accent1">
+              <a:shade val="50000"/>
+            </a:schemeClr>
+          </a:lnRef>
+          <a:fillRef idx="1">
+            <a:schemeClr val="accent1"/>
+          </a:fillRef>
+          <a:effectRef idx="0">
+            <a:schemeClr val="accent1"/>
+          </a:effectRef>
+          <a:fontRef idx="minor">
+            <a:schemeClr val="lt1"/>
+          </a:fontRef>
+        </p:style>
+        <p:txBody>
+          <a:bodyPr rtlCol="0" anchor="ctr"/>
+          <a:lstStyle/>
+          <a:p>
+            <a:pPr algn="ctr"/>
+            <a:endParaRPr lang="en-GB"/>
+          </a:p>
+        </p:txBody>
+      </p:sp>
+      <p:sp>
+        <p:nvSpPr>
+          <p:cNvPr id="2" name="Title 1">
+            <a:extLst>
+              <a:ext uri="{FF2B5EF4-FFF2-40B4-BE49-F238E27FC236}">
+                <a16:creationId xmlns:a16="http://schemas.microsoft.com/office/drawing/2014/main" id="{F703FF40-49BD-4711-8571-801EBE0CF90B}"/>
+              </a:ext>
+            </a:extLst>
+          </p:cNvPr>
+          <p:cNvSpPr>
+            <a:spLocks noGrp="1"/>
+          </p:cNvSpPr>
+          <p:nvPr>
+            <p:ph type="title"/>
+          </p:nvPr>
+        </p:nvSpPr>
+        <p:spPr>
+          <a:xfrm>
+            <a:off x="589559" y="759236"/>
+            <a:ext cx="4777497" cy="1128068"/>
+          </a:xfrm>
+        </p:spPr>
+        <p:txBody>
+          <a:bodyPr vert="horz" lIns="91440" tIns="45720" rIns="91440" bIns="45720" rtlCol="0" anchor="ctr">
+            <a:normAutofit/>
+          </a:bodyPr>
+          <a:lstStyle/>
+          <a:p>
+            <a:r>
+              <a:rPr lang="en-US" sz="3400" dirty="0">
+                <a:solidFill>
+                  <a:srgbClr val="FFC000"/>
+                </a:solidFill>
+              </a:rPr>
+              <a:t>Interaction structure pt. I: </a:t>
+            </a:r>
+            <a:r>
+              <a:rPr lang="en-US" sz="2700" dirty="0">
+                <a:solidFill>
+                  <a:srgbClr val="FFC000"/>
+                </a:solidFill>
+              </a:rPr>
+              <a:t>what if they can’t be recognized?</a:t>
+            </a:r>
+            <a:endParaRPr lang="en-US" sz="3100" dirty="0">
+              <a:solidFill>
+                <a:srgbClr val="FFC000"/>
+              </a:solidFill>
+            </a:endParaRPr>
+          </a:p>
+        </p:txBody>
+      </p:sp>
+      <p:grpSp>
+        <p:nvGrpSpPr>
+          <p:cNvPr id="54" name="Group 44">
+            <a:extLst>
+              <a:ext uri="{FF2B5EF4-FFF2-40B4-BE49-F238E27FC236}">
+                <a16:creationId xmlns:a16="http://schemas.microsoft.com/office/drawing/2014/main" id="{1DE889C7-FAD6-4397-98E2-05D503484459}"/>
+              </a:ext>
+              <a:ext uri="{C183D7F6-B498-43B3-948B-1728B52AA6E4}">
+                <adec:decorative xmlns:adec="http://schemas.microsoft.com/office/drawing/2017/decorative" val="1"/>
+              </a:ext>
+            </a:extLst>
+          </p:cNvPr>
+          <p:cNvGrpSpPr>
+            <a:grpSpLocks noGrp="1" noUngrp="1" noRot="1" noChangeAspect="1" noMove="1" noResize="1"/>
+          </p:cNvGrpSpPr>
+          <p:nvPr>
+            <p:extLst>
+              <p:ext uri="{386F3935-93C4-4BCD-93E2-E3B085C9AB24}">
+                <p16:designElem xmlns:p16="http://schemas.microsoft.com/office/powerpoint/2015/main" val="1"/>
+              </p:ext>
+            </p:extLst>
+          </p:nvPr>
+        </p:nvGrpSpPr>
+        <p:grpSpPr>
+          <a:xfrm>
+            <a:off x="0" y="1083484"/>
+            <a:ext cx="355196" cy="673460"/>
+            <a:chOff x="0" y="823811"/>
+            <a:chExt cx="355196" cy="673460"/>
+          </a:xfrm>
+        </p:grpSpPr>
+        <p:sp>
+          <p:nvSpPr>
+            <p:cNvPr id="46" name="Rectangle 45">
+              <a:extLst>
+                <a:ext uri="{FF2B5EF4-FFF2-40B4-BE49-F238E27FC236}">
+                  <a16:creationId xmlns:a16="http://schemas.microsoft.com/office/drawing/2014/main" id="{F399A70F-F8CD-4992-9EF5-6CF15472E73F}"/>
+                </a:ext>
+                <a:ext uri="{C183D7F6-B498-43B3-948B-1728B52AA6E4}">
+                  <adec:decorative xmlns:adec="http://schemas.microsoft.com/office/drawing/2017/decorative" val="1"/>
+                </a:ext>
+              </a:extLst>
+            </p:cNvPr>
+            <p:cNvSpPr/>
+            <p:nvPr>
+              <p:extLst>
+                <p:ext uri="{386F3935-93C4-4BCD-93E2-E3B085C9AB24}">
+                  <p16:designElem xmlns:p16="http://schemas.microsoft.com/office/powerpoint/2015/main" val="1"/>
+                </p:ext>
+              </p:extLst>
+            </p:nvPr>
+          </p:nvSpPr>
+          <p:spPr>
+            <a:xfrm>
+              <a:off x="0" y="823811"/>
+              <a:ext cx="87363" cy="673460"/>
+            </a:xfrm>
+            <a:prstGeom prst="rect">
+              <a:avLst/>
+            </a:prstGeom>
+            <a:solidFill>
+              <a:schemeClr val="accent4"/>
+            </a:solidFill>
+            <a:ln>
+              <a:noFill/>
+            </a:ln>
+          </p:spPr>
+          <p:style>
+            <a:lnRef idx="2">
+              <a:schemeClr val="accent1">
+                <a:shade val="50000"/>
+              </a:schemeClr>
+            </a:lnRef>
+            <a:fillRef idx="1">
+              <a:schemeClr val="accent1"/>
+            </a:fillRef>
+            <a:effectRef idx="0">
+              <a:schemeClr val="accent1"/>
+            </a:effectRef>
+            <a:fontRef idx="minor">
+              <a:schemeClr val="lt1"/>
+            </a:fontRef>
+          </p:style>
+          <p:txBody>
+            <a:bodyPr rtlCol="0" anchor="ctr"/>
+            <a:lstStyle/>
+            <a:p>
+              <a:pPr algn="ctr"/>
+              <a:endParaRPr lang="en-US"/>
+            </a:p>
+          </p:txBody>
+        </p:sp>
+        <p:sp>
+          <p:nvSpPr>
+            <p:cNvPr id="55" name="Rectangle 46">
+              <a:extLst>
+                <a:ext uri="{FF2B5EF4-FFF2-40B4-BE49-F238E27FC236}">
+                  <a16:creationId xmlns:a16="http://schemas.microsoft.com/office/drawing/2014/main" id="{48F4FEDC-6D80-458C-A665-075D9B9500FD}"/>
+                </a:ext>
+                <a:ext uri="{C183D7F6-B498-43B3-948B-1728B52AA6E4}">
+                  <adec:decorative xmlns:adec="http://schemas.microsoft.com/office/drawing/2017/decorative" val="1"/>
+                </a:ext>
+              </a:extLst>
+            </p:cNvPr>
+            <p:cNvSpPr/>
+            <p:nvPr>
+              <p:extLst>
+                <p:ext uri="{386F3935-93C4-4BCD-93E2-E3B085C9AB24}">
+                  <p16:designElem xmlns:p16="http://schemas.microsoft.com/office/powerpoint/2015/main" val="1"/>
+                </p:ext>
+              </p:extLst>
+            </p:nvPr>
+          </p:nvSpPr>
+          <p:spPr>
+            <a:xfrm>
+              <a:off x="159341" y="823811"/>
+              <a:ext cx="195855" cy="673460"/>
+            </a:xfrm>
+            <a:prstGeom prst="rect">
+              <a:avLst/>
+            </a:prstGeom>
+            <a:solidFill>
+              <a:schemeClr val="accent4"/>
+            </a:solidFill>
+            <a:ln>
+              <a:noFill/>
+            </a:ln>
+          </p:spPr>
+          <p:style>
+            <a:lnRef idx="2">
+              <a:schemeClr val="accent1">
+                <a:shade val="50000"/>
+              </a:schemeClr>
+            </a:lnRef>
+            <a:fillRef idx="1">
+              <a:schemeClr val="accent1"/>
+            </a:fillRef>
+            <a:effectRef idx="0">
+              <a:schemeClr val="accent1"/>
+            </a:effectRef>
+            <a:fontRef idx="minor">
+              <a:schemeClr val="lt1"/>
+            </a:fontRef>
+          </p:style>
+          <p:txBody>
+            <a:bodyPr rtlCol="0" anchor="ctr"/>
+            <a:lstStyle/>
+            <a:p>
+              <a:pPr algn="ctr"/>
+              <a:endParaRPr lang="en-US"/>
+            </a:p>
+          </p:txBody>
+        </p:sp>
+      </p:grpSp>
+      <p:sp>
+        <p:nvSpPr>
+          <p:cNvPr id="56" name="Rectangle 48">
+            <a:extLst>
+              <a:ext uri="{FF2B5EF4-FFF2-40B4-BE49-F238E27FC236}">
+                <a16:creationId xmlns:a16="http://schemas.microsoft.com/office/drawing/2014/main" id="{3873B707-463F-40B0-8227-E8CC6C67EB25}"/>
+              </a:ext>
+              <a:ext uri="{C183D7F6-B498-43B3-948B-1728B52AA6E4}">
+                <adec:decorative xmlns:adec="http://schemas.microsoft.com/office/drawing/2017/decorative" val="1"/>
+              </a:ext>
+            </a:extLst>
+          </p:cNvPr>
+          <p:cNvSpPr>
+            <a:spLocks noGrp="1" noRot="1" noChangeAspect="1" noMove="1" noResize="1" noEditPoints="1" noAdjustHandles="1" noChangeArrowheads="1" noChangeShapeType="1" noTextEdit="1"/>
+          </p:cNvSpPr>
+          <p:nvPr>
+            <p:extLst>
+              <p:ext uri="{386F3935-93C4-4BCD-93E2-E3B085C9AB24}">
+                <p16:designElem xmlns:p16="http://schemas.microsoft.com/office/powerpoint/2015/main" val="1"/>
+              </p:ext>
+            </p:extLst>
+          </p:nvPr>
+        </p:nvSpPr>
+        <p:spPr>
+          <a:xfrm flipH="1">
+            <a:off x="665085" y="2090569"/>
+            <a:ext cx="4297680" cy="27432"/>
+          </a:xfrm>
+          <a:prstGeom prst="rect">
+            <a:avLst/>
+          </a:prstGeom>
+          <a:solidFill>
+            <a:schemeClr val="accent4"/>
+          </a:solidFill>
+          <a:ln>
+            <a:noFill/>
+          </a:ln>
+        </p:spPr>
+        <p:style>
+          <a:lnRef idx="2">
+            <a:schemeClr val="accent1">
+              <a:shade val="50000"/>
+            </a:schemeClr>
+          </a:lnRef>
+          <a:fillRef idx="1">
+            <a:schemeClr val="accent1"/>
+          </a:fillRef>
+          <a:effectRef idx="0">
+            <a:schemeClr val="accent1"/>
+          </a:effectRef>
+          <a:fontRef idx="minor">
+            <a:schemeClr val="lt1"/>
+          </a:fontRef>
+        </p:style>
+        <p:txBody>
+          <a:bodyPr rtlCol="0" anchor="ctr"/>
+          <a:lstStyle/>
+          <a:p>
+            <a:pPr algn="ctr"/>
+            <a:endParaRPr lang="en-US"/>
+          </a:p>
+        </p:txBody>
+      </p:sp>
+      <p:sp>
+        <p:nvSpPr>
+          <p:cNvPr id="8" name="Text Placeholder 7">
+            <a:extLst>
+              <a:ext uri="{FF2B5EF4-FFF2-40B4-BE49-F238E27FC236}">
+                <a16:creationId xmlns:a16="http://schemas.microsoft.com/office/drawing/2014/main" id="{958D5C89-C119-4811-886C-7F28128E6C98}"/>
+              </a:ext>
+            </a:extLst>
+          </p:cNvPr>
+          <p:cNvSpPr>
+            <a:spLocks noGrp="1"/>
+          </p:cNvSpPr>
+          <p:nvPr>
+            <p:ph type="body" sz="half" idx="2"/>
+          </p:nvPr>
+        </p:nvSpPr>
+        <p:spPr>
+          <a:xfrm>
+            <a:off x="590719" y="2330505"/>
+            <a:ext cx="4559425" cy="3979585"/>
+          </a:xfrm>
+        </p:spPr>
+        <p:txBody>
+          <a:bodyPr vert="horz" lIns="91440" tIns="45720" rIns="91440" bIns="45720" rtlCol="0" anchor="ctr">
+            <a:normAutofit/>
+          </a:bodyPr>
+          <a:lstStyle/>
+          <a:p>
+            <a:pPr indent="-228600">
+              <a:buFont typeface="Arial" panose="020B0604020202020204" pitchFamily="34" charset="0"/>
+              <a:buChar char="•"/>
+            </a:pPr>
+            <a:r>
+              <a:rPr lang="en-US" sz="1900" dirty="0">
+                <a:solidFill>
+                  <a:srgbClr val="023047"/>
+                </a:solidFill>
+              </a:rPr>
+              <a:t>As said: registering is straight-forward:</a:t>
+            </a:r>
+          </a:p>
+          <a:p>
+            <a:pPr marL="342900" indent="-228600">
+              <a:buFont typeface="Arial" panose="020B0604020202020204" pitchFamily="34" charset="0"/>
+              <a:buChar char="•"/>
+            </a:pPr>
+            <a:r>
+              <a:rPr lang="en-US" sz="1900" dirty="0">
+                <a:solidFill>
+                  <a:srgbClr val="023047"/>
+                </a:solidFill>
+              </a:rPr>
+              <a:t>Ask the name which the person wants to register with</a:t>
+            </a:r>
+          </a:p>
+          <a:p>
+            <a:pPr marL="800100" lvl="1" indent="-228600">
+              <a:buFont typeface="Arial" panose="020B0604020202020204" pitchFamily="34" charset="0"/>
+              <a:buChar char="•"/>
+            </a:pPr>
+            <a:r>
+              <a:rPr lang="en-US" sz="1900" dirty="0">
+                <a:solidFill>
+                  <a:srgbClr val="023047"/>
+                </a:solidFill>
+              </a:rPr>
+              <a:t>We ask again as they might want to register with a name different from their real one!</a:t>
+            </a:r>
+          </a:p>
+          <a:p>
+            <a:pPr marL="342900" indent="-228600">
+              <a:buFont typeface="Arial" panose="020B0604020202020204" pitchFamily="34" charset="0"/>
+              <a:buChar char="•"/>
+            </a:pPr>
+            <a:r>
+              <a:rPr lang="en-US" sz="1900" dirty="0">
+                <a:solidFill>
+                  <a:srgbClr val="023047"/>
+                </a:solidFill>
+              </a:rPr>
+              <a:t>Compute face encodings from the detection frame (the frame that started it all)</a:t>
+            </a:r>
+          </a:p>
+          <a:p>
+            <a:pPr marL="342900" indent="-228600">
+              <a:buFont typeface="Arial" panose="020B0604020202020204" pitchFamily="34" charset="0"/>
+              <a:buChar char="•"/>
+            </a:pPr>
+            <a:r>
+              <a:rPr lang="en-US" sz="1900" dirty="0">
+                <a:solidFill>
+                  <a:srgbClr val="023047"/>
+                </a:solidFill>
+              </a:rPr>
+              <a:t>Create a new instance of the Member class, commit it to memory, and inform the user they are now part of the Clan</a:t>
+            </a:r>
+          </a:p>
+        </p:txBody>
+      </p:sp>
+      <p:sp>
+        <p:nvSpPr>
+          <p:cNvPr id="51" name="Rectangle 50">
+            <a:extLst>
+              <a:ext uri="{FF2B5EF4-FFF2-40B4-BE49-F238E27FC236}">
+                <a16:creationId xmlns:a16="http://schemas.microsoft.com/office/drawing/2014/main" id="{C13237C8-E62C-4F0D-A318-BD6FB6C2D138}"/>
+              </a:ext>
+              <a:ext uri="{C183D7F6-B498-43B3-948B-1728B52AA6E4}">
+                <adec:decorative xmlns:adec="http://schemas.microsoft.com/office/drawing/2017/decorative" val="1"/>
+              </a:ext>
+            </a:extLst>
+          </p:cNvPr>
+          <p:cNvSpPr>
+            <a:spLocks noGrp="1" noRot="1" noChangeAspect="1" noMove="1" noResize="1" noEditPoints="1" noAdjustHandles="1" noChangeArrowheads="1" noChangeShapeType="1" noTextEdit="1"/>
+          </p:cNvSpPr>
+          <p:nvPr>
+            <p:extLst>
+              <p:ext uri="{386F3935-93C4-4BCD-93E2-E3B085C9AB24}">
+                <p16:designElem xmlns:p16="http://schemas.microsoft.com/office/powerpoint/2015/main" val="1"/>
+              </p:ext>
+            </p:extLst>
+          </p:nvPr>
+        </p:nvSpPr>
+        <p:spPr>
+          <a:xfrm flipH="1">
+            <a:off x="10697670" y="0"/>
+            <a:ext cx="1494330" cy="6858000"/>
+          </a:xfrm>
+          <a:prstGeom prst="rect">
+            <a:avLst/>
+          </a:prstGeom>
+          <a:solidFill>
+            <a:schemeClr val="accent4"/>
+          </a:solidFill>
+          <a:ln>
+            <a:noFill/>
+          </a:ln>
+        </p:spPr>
+        <p:style>
+          <a:lnRef idx="2">
+            <a:schemeClr val="accent1">
+              <a:shade val="50000"/>
+            </a:schemeClr>
+          </a:lnRef>
+          <a:fillRef idx="1">
+            <a:schemeClr val="accent1"/>
+          </a:fillRef>
+          <a:effectRef idx="0">
+            <a:schemeClr val="accent1"/>
+          </a:effectRef>
+          <a:fontRef idx="minor">
+            <a:schemeClr val="lt1"/>
+          </a:fontRef>
+        </p:style>
+        <p:txBody>
+          <a:bodyPr rtlCol="0" anchor="ctr"/>
+          <a:lstStyle/>
+          <a:p>
+            <a:pPr algn="ctr"/>
+            <a:endParaRPr lang="en-US"/>
+          </a:p>
+        </p:txBody>
+      </p:sp>
+      <p:sp>
+        <p:nvSpPr>
+          <p:cNvPr id="53" name="Rectangle 52">
+            <a:extLst>
+              <a:ext uri="{FF2B5EF4-FFF2-40B4-BE49-F238E27FC236}">
+                <a16:creationId xmlns:a16="http://schemas.microsoft.com/office/drawing/2014/main" id="{19C9EAEA-39D0-4B0E-A0EB-51E7B26740B1}"/>
+              </a:ext>
+              <a:ext uri="{C183D7F6-B498-43B3-948B-1728B52AA6E4}">
+                <adec:decorative xmlns:adec="http://schemas.microsoft.com/office/drawing/2017/decorative" val="1"/>
+              </a:ext>
+            </a:extLst>
+          </p:cNvPr>
+          <p:cNvSpPr>
+            <a:spLocks noGrp="1" noRot="1" noChangeAspect="1" noMove="1" noResize="1" noEditPoints="1" noAdjustHandles="1" noChangeArrowheads="1" noChangeShapeType="1" noTextEdit="1"/>
+          </p:cNvSpPr>
+          <p:nvPr>
+            <p:extLst>
+              <p:ext uri="{386F3935-93C4-4BCD-93E2-E3B085C9AB24}">
+                <p16:designElem xmlns:p16="http://schemas.microsoft.com/office/powerpoint/2015/main" val="1"/>
+              </p:ext>
+            </p:extLst>
+          </p:nvPr>
+        </p:nvSpPr>
+        <p:spPr>
+          <a:xfrm>
+            <a:off x="5685810" y="513853"/>
+            <a:ext cx="6009366" cy="5834577"/>
+          </a:xfrm>
+          <a:prstGeom prst="rect">
+            <a:avLst/>
+          </a:prstGeom>
+          <a:solidFill>
+            <a:schemeClr val="bg1"/>
+          </a:solidFill>
+          <a:ln>
+            <a:noFill/>
+          </a:ln>
+          <a:effectLst>
+            <a:outerShdw blurRad="139700" dist="127000" dir="5400000" algn="t" rotWithShape="0">
+              <a:prstClr val="black">
+                <a:alpha val="15000"/>
+              </a:prstClr>
+            </a:outerShdw>
+          </a:effectLst>
+        </p:spPr>
+        <p:style>
+          <a:lnRef idx="2">
+            <a:schemeClr val="accent1">
+              <a:shade val="50000"/>
+            </a:schemeClr>
+          </a:lnRef>
+          <a:fillRef idx="1">
+            <a:schemeClr val="accent1"/>
+          </a:fillRef>
+          <a:effectRef idx="0">
+            <a:schemeClr val="accent1"/>
+          </a:effectRef>
+          <a:fontRef idx="minor">
+            <a:schemeClr val="lt1"/>
+          </a:fontRef>
+        </p:style>
+        <p:txBody>
+          <a:bodyPr rtlCol="0" anchor="ctr"/>
+          <a:lstStyle/>
+          <a:p>
+            <a:pPr algn="ctr"/>
+            <a:endParaRPr lang="en-US"/>
+          </a:p>
+        </p:txBody>
+      </p:sp>
+      <p:pic>
+        <p:nvPicPr>
           <p:cNvPr id="18" name="Picture Placeholder 17">
             <a:extLst>
               <a:ext uri="{FF2B5EF4-FFF2-40B4-BE49-F238E27FC236}">
@@ -5569,7 +8915,7 @@
 </p:sld>
 </file>
 
-<file path=ppt/slides/slide12.xml><?xml version="1.0" encoding="utf-8"?>
+<file path=ppt/slides/slide17.xml><?xml version="1.0" encoding="utf-8"?>
 <p:sld xmlns:a="http://schemas.openxmlformats.org/drawingml/2006/main" xmlns:r="http://schemas.openxmlformats.org/officeDocument/2006/relationships" xmlns:p="http://schemas.openxmlformats.org/presentationml/2006/main">
   <p:cSld>
     <p:bg>
@@ -6165,7 +9511,586 @@
 </p:sld>
 </file>
 
-<file path=ppt/slides/slide13.xml><?xml version="1.0" encoding="utf-8"?>
+<file path=ppt/slides/slide18.xml><?xml version="1.0" encoding="utf-8"?>
+<p:sld xmlns:a="http://schemas.openxmlformats.org/drawingml/2006/main" xmlns:r="http://schemas.openxmlformats.org/officeDocument/2006/relationships" xmlns:p="http://schemas.openxmlformats.org/presentationml/2006/main">
+  <p:cSld>
+    <p:bg>
+      <p:bgPr>
+        <a:solidFill>
+          <a:schemeClr val="bg1"/>
+        </a:solidFill>
+        <a:effectLst/>
+      </p:bgPr>
+    </p:bg>
+    <p:spTree>
+      <p:nvGrpSpPr>
+        <p:cNvPr id="1" name=""/>
+        <p:cNvGrpSpPr/>
+        <p:nvPr/>
+      </p:nvGrpSpPr>
+      <p:grpSpPr>
+        <a:xfrm>
+          <a:off x="0" y="0"/>
+          <a:ext cx="0" cy="0"/>
+          <a:chOff x="0" y="0"/>
+          <a:chExt cx="0" cy="0"/>
+        </a:xfrm>
+      </p:grpSpPr>
+      <p:sp useBgFill="1">
+        <p:nvSpPr>
+          <p:cNvPr id="52" name="Rectangle 42">
+            <a:extLst>
+              <a:ext uri="{FF2B5EF4-FFF2-40B4-BE49-F238E27FC236}">
+                <a16:creationId xmlns:a16="http://schemas.microsoft.com/office/drawing/2014/main" id="{201CC55D-ED54-4C5C-95E6-10947BD1103B}"/>
+              </a:ext>
+              <a:ext uri="{C183D7F6-B498-43B3-948B-1728B52AA6E4}">
+                <adec:decorative xmlns:adec="http://schemas.microsoft.com/office/drawing/2017/decorative" val="1"/>
+              </a:ext>
+            </a:extLst>
+          </p:cNvPr>
+          <p:cNvSpPr>
+            <a:spLocks noGrp="1" noRot="1" noChangeAspect="1" noMove="1" noResize="1" noEditPoints="1" noAdjustHandles="1" noChangeArrowheads="1" noChangeShapeType="1" noTextEdit="1"/>
+          </p:cNvSpPr>
+          <p:nvPr>
+            <p:extLst>
+              <p:ext uri="{386F3935-93C4-4BCD-93E2-E3B085C9AB24}">
+                <p16:designElem xmlns:p16="http://schemas.microsoft.com/office/powerpoint/2015/main" val="1"/>
+              </p:ext>
+            </p:extLst>
+          </p:nvPr>
+        </p:nvSpPr>
+        <p:spPr>
+          <a:xfrm>
+            <a:off x="0" y="0"/>
+            <a:ext cx="12191999" cy="6857365"/>
+          </a:xfrm>
+          <a:prstGeom prst="rect">
+            <a:avLst/>
+          </a:prstGeom>
+          <a:ln>
+            <a:noFill/>
+          </a:ln>
+        </p:spPr>
+        <p:style>
+          <a:lnRef idx="2">
+            <a:schemeClr val="accent1">
+              <a:shade val="50000"/>
+            </a:schemeClr>
+          </a:lnRef>
+          <a:fillRef idx="1">
+            <a:schemeClr val="accent1"/>
+          </a:fillRef>
+          <a:effectRef idx="0">
+            <a:schemeClr val="accent1"/>
+          </a:effectRef>
+          <a:fontRef idx="minor">
+            <a:schemeClr val="lt1"/>
+          </a:fontRef>
+        </p:style>
+        <p:txBody>
+          <a:bodyPr rtlCol="0" anchor="ctr"/>
+          <a:lstStyle/>
+          <a:p>
+            <a:pPr algn="ctr"/>
+            <a:endParaRPr lang="en-US"/>
+          </a:p>
+        </p:txBody>
+      </p:sp>
+      <p:sp>
+        <p:nvSpPr>
+          <p:cNvPr id="12" name="Rectangle 11">
+            <a:extLst>
+              <a:ext uri="{FF2B5EF4-FFF2-40B4-BE49-F238E27FC236}">
+                <a16:creationId xmlns:a16="http://schemas.microsoft.com/office/drawing/2014/main" id="{C94F0BD2-9600-477E-9AC1-32547029E4AE}"/>
+              </a:ext>
+            </a:extLst>
+          </p:cNvPr>
+          <p:cNvSpPr/>
+          <p:nvPr/>
+        </p:nvSpPr>
+        <p:spPr>
+          <a:xfrm>
+            <a:off x="355197" y="640080"/>
+            <a:ext cx="5330612" cy="1316736"/>
+          </a:xfrm>
+          <a:prstGeom prst="rect">
+            <a:avLst/>
+          </a:prstGeom>
+          <a:solidFill>
+            <a:srgbClr val="023047"/>
+          </a:solidFill>
+          <a:ln>
+            <a:noFill/>
+          </a:ln>
+        </p:spPr>
+        <p:style>
+          <a:lnRef idx="2">
+            <a:schemeClr val="accent1">
+              <a:shade val="50000"/>
+            </a:schemeClr>
+          </a:lnRef>
+          <a:fillRef idx="1">
+            <a:schemeClr val="accent1"/>
+          </a:fillRef>
+          <a:effectRef idx="0">
+            <a:schemeClr val="accent1"/>
+          </a:effectRef>
+          <a:fontRef idx="minor">
+            <a:schemeClr val="lt1"/>
+          </a:fontRef>
+        </p:style>
+        <p:txBody>
+          <a:bodyPr rtlCol="0" anchor="ctr"/>
+          <a:lstStyle/>
+          <a:p>
+            <a:pPr algn="ctr"/>
+            <a:endParaRPr lang="en-GB"/>
+          </a:p>
+        </p:txBody>
+      </p:sp>
+      <p:sp>
+        <p:nvSpPr>
+          <p:cNvPr id="2" name="Title 1">
+            <a:extLst>
+              <a:ext uri="{FF2B5EF4-FFF2-40B4-BE49-F238E27FC236}">
+                <a16:creationId xmlns:a16="http://schemas.microsoft.com/office/drawing/2014/main" id="{F703FF40-49BD-4711-8571-801EBE0CF90B}"/>
+              </a:ext>
+            </a:extLst>
+          </p:cNvPr>
+          <p:cNvSpPr>
+            <a:spLocks noGrp="1"/>
+          </p:cNvSpPr>
+          <p:nvPr>
+            <p:ph type="title"/>
+          </p:nvPr>
+        </p:nvSpPr>
+        <p:spPr>
+          <a:xfrm>
+            <a:off x="589559" y="759236"/>
+            <a:ext cx="4777497" cy="1128068"/>
+          </a:xfrm>
+        </p:spPr>
+        <p:txBody>
+          <a:bodyPr vert="horz" lIns="91440" tIns="45720" rIns="91440" bIns="45720" rtlCol="0" anchor="ctr">
+            <a:normAutofit/>
+          </a:bodyPr>
+          <a:lstStyle/>
+          <a:p>
+            <a:r>
+              <a:rPr lang="en-US" sz="3100" dirty="0">
+                <a:solidFill>
+                  <a:srgbClr val="FFC000"/>
+                </a:solidFill>
+              </a:rPr>
+              <a:t>Demo</a:t>
+            </a:r>
+          </a:p>
+        </p:txBody>
+      </p:sp>
+      <p:grpSp>
+        <p:nvGrpSpPr>
+          <p:cNvPr id="54" name="Group 44">
+            <a:extLst>
+              <a:ext uri="{FF2B5EF4-FFF2-40B4-BE49-F238E27FC236}">
+                <a16:creationId xmlns:a16="http://schemas.microsoft.com/office/drawing/2014/main" id="{1DE889C7-FAD6-4397-98E2-05D503484459}"/>
+              </a:ext>
+              <a:ext uri="{C183D7F6-B498-43B3-948B-1728B52AA6E4}">
+                <adec:decorative xmlns:adec="http://schemas.microsoft.com/office/drawing/2017/decorative" val="1"/>
+              </a:ext>
+            </a:extLst>
+          </p:cNvPr>
+          <p:cNvGrpSpPr>
+            <a:grpSpLocks noGrp="1" noUngrp="1" noRot="1" noChangeAspect="1" noMove="1" noResize="1"/>
+          </p:cNvGrpSpPr>
+          <p:nvPr>
+            <p:extLst>
+              <p:ext uri="{386F3935-93C4-4BCD-93E2-E3B085C9AB24}">
+                <p16:designElem xmlns:p16="http://schemas.microsoft.com/office/powerpoint/2015/main" val="1"/>
+              </p:ext>
+            </p:extLst>
+          </p:nvPr>
+        </p:nvGrpSpPr>
+        <p:grpSpPr>
+          <a:xfrm>
+            <a:off x="0" y="1083484"/>
+            <a:ext cx="355196" cy="673460"/>
+            <a:chOff x="0" y="823811"/>
+            <a:chExt cx="355196" cy="673460"/>
+          </a:xfrm>
+        </p:grpSpPr>
+        <p:sp>
+          <p:nvSpPr>
+            <p:cNvPr id="46" name="Rectangle 45">
+              <a:extLst>
+                <a:ext uri="{FF2B5EF4-FFF2-40B4-BE49-F238E27FC236}">
+                  <a16:creationId xmlns:a16="http://schemas.microsoft.com/office/drawing/2014/main" id="{F399A70F-F8CD-4992-9EF5-6CF15472E73F}"/>
+                </a:ext>
+                <a:ext uri="{C183D7F6-B498-43B3-948B-1728B52AA6E4}">
+                  <adec:decorative xmlns:adec="http://schemas.microsoft.com/office/drawing/2017/decorative" val="1"/>
+                </a:ext>
+              </a:extLst>
+            </p:cNvPr>
+            <p:cNvSpPr/>
+            <p:nvPr>
+              <p:extLst>
+                <p:ext uri="{386F3935-93C4-4BCD-93E2-E3B085C9AB24}">
+                  <p16:designElem xmlns:p16="http://schemas.microsoft.com/office/powerpoint/2015/main" val="1"/>
+                </p:ext>
+              </p:extLst>
+            </p:nvPr>
+          </p:nvSpPr>
+          <p:spPr>
+            <a:xfrm>
+              <a:off x="0" y="823811"/>
+              <a:ext cx="87363" cy="673460"/>
+            </a:xfrm>
+            <a:prstGeom prst="rect">
+              <a:avLst/>
+            </a:prstGeom>
+            <a:solidFill>
+              <a:schemeClr val="accent4"/>
+            </a:solidFill>
+            <a:ln>
+              <a:noFill/>
+            </a:ln>
+          </p:spPr>
+          <p:style>
+            <a:lnRef idx="2">
+              <a:schemeClr val="accent1">
+                <a:shade val="50000"/>
+              </a:schemeClr>
+            </a:lnRef>
+            <a:fillRef idx="1">
+              <a:schemeClr val="accent1"/>
+            </a:fillRef>
+            <a:effectRef idx="0">
+              <a:schemeClr val="accent1"/>
+            </a:effectRef>
+            <a:fontRef idx="minor">
+              <a:schemeClr val="lt1"/>
+            </a:fontRef>
+          </p:style>
+          <p:txBody>
+            <a:bodyPr rtlCol="0" anchor="ctr"/>
+            <a:lstStyle/>
+            <a:p>
+              <a:pPr algn="ctr"/>
+              <a:endParaRPr lang="en-US"/>
+            </a:p>
+          </p:txBody>
+        </p:sp>
+        <p:sp>
+          <p:nvSpPr>
+            <p:cNvPr id="55" name="Rectangle 46">
+              <a:extLst>
+                <a:ext uri="{FF2B5EF4-FFF2-40B4-BE49-F238E27FC236}">
+                  <a16:creationId xmlns:a16="http://schemas.microsoft.com/office/drawing/2014/main" id="{48F4FEDC-6D80-458C-A665-075D9B9500FD}"/>
+                </a:ext>
+                <a:ext uri="{C183D7F6-B498-43B3-948B-1728B52AA6E4}">
+                  <adec:decorative xmlns:adec="http://schemas.microsoft.com/office/drawing/2017/decorative" val="1"/>
+                </a:ext>
+              </a:extLst>
+            </p:cNvPr>
+            <p:cNvSpPr/>
+            <p:nvPr>
+              <p:extLst>
+                <p:ext uri="{386F3935-93C4-4BCD-93E2-E3B085C9AB24}">
+                  <p16:designElem xmlns:p16="http://schemas.microsoft.com/office/powerpoint/2015/main" val="1"/>
+                </p:ext>
+              </p:extLst>
+            </p:nvPr>
+          </p:nvSpPr>
+          <p:spPr>
+            <a:xfrm>
+              <a:off x="159341" y="823811"/>
+              <a:ext cx="195855" cy="673460"/>
+            </a:xfrm>
+            <a:prstGeom prst="rect">
+              <a:avLst/>
+            </a:prstGeom>
+            <a:solidFill>
+              <a:schemeClr val="accent4"/>
+            </a:solidFill>
+            <a:ln>
+              <a:noFill/>
+            </a:ln>
+          </p:spPr>
+          <p:style>
+            <a:lnRef idx="2">
+              <a:schemeClr val="accent1">
+                <a:shade val="50000"/>
+              </a:schemeClr>
+            </a:lnRef>
+            <a:fillRef idx="1">
+              <a:schemeClr val="accent1"/>
+            </a:fillRef>
+            <a:effectRef idx="0">
+              <a:schemeClr val="accent1"/>
+            </a:effectRef>
+            <a:fontRef idx="minor">
+              <a:schemeClr val="lt1"/>
+            </a:fontRef>
+          </p:style>
+          <p:txBody>
+            <a:bodyPr rtlCol="0" anchor="ctr"/>
+            <a:lstStyle/>
+            <a:p>
+              <a:pPr algn="ctr"/>
+              <a:endParaRPr lang="en-US"/>
+            </a:p>
+          </p:txBody>
+        </p:sp>
+      </p:grpSp>
+      <p:sp>
+        <p:nvSpPr>
+          <p:cNvPr id="56" name="Rectangle 48">
+            <a:extLst>
+              <a:ext uri="{FF2B5EF4-FFF2-40B4-BE49-F238E27FC236}">
+                <a16:creationId xmlns:a16="http://schemas.microsoft.com/office/drawing/2014/main" id="{3873B707-463F-40B0-8227-E8CC6C67EB25}"/>
+              </a:ext>
+              <a:ext uri="{C183D7F6-B498-43B3-948B-1728B52AA6E4}">
+                <adec:decorative xmlns:adec="http://schemas.microsoft.com/office/drawing/2017/decorative" val="1"/>
+              </a:ext>
+            </a:extLst>
+          </p:cNvPr>
+          <p:cNvSpPr>
+            <a:spLocks noGrp="1" noRot="1" noChangeAspect="1" noMove="1" noResize="1" noEditPoints="1" noAdjustHandles="1" noChangeArrowheads="1" noChangeShapeType="1" noTextEdit="1"/>
+          </p:cNvSpPr>
+          <p:nvPr>
+            <p:extLst>
+              <p:ext uri="{386F3935-93C4-4BCD-93E2-E3B085C9AB24}">
+                <p16:designElem xmlns:p16="http://schemas.microsoft.com/office/powerpoint/2015/main" val="1"/>
+              </p:ext>
+            </p:extLst>
+          </p:nvPr>
+        </p:nvSpPr>
+        <p:spPr>
+          <a:xfrm flipH="1">
+            <a:off x="665085" y="2090569"/>
+            <a:ext cx="4297680" cy="27432"/>
+          </a:xfrm>
+          <a:prstGeom prst="rect">
+            <a:avLst/>
+          </a:prstGeom>
+          <a:solidFill>
+            <a:schemeClr val="accent4"/>
+          </a:solidFill>
+          <a:ln>
+            <a:noFill/>
+          </a:ln>
+        </p:spPr>
+        <p:style>
+          <a:lnRef idx="2">
+            <a:schemeClr val="accent1">
+              <a:shade val="50000"/>
+            </a:schemeClr>
+          </a:lnRef>
+          <a:fillRef idx="1">
+            <a:schemeClr val="accent1"/>
+          </a:fillRef>
+          <a:effectRef idx="0">
+            <a:schemeClr val="accent1"/>
+          </a:effectRef>
+          <a:fontRef idx="minor">
+            <a:schemeClr val="lt1"/>
+          </a:fontRef>
+        </p:style>
+        <p:txBody>
+          <a:bodyPr rtlCol="0" anchor="ctr"/>
+          <a:lstStyle/>
+          <a:p>
+            <a:pPr algn="ctr"/>
+            <a:endParaRPr lang="en-US"/>
+          </a:p>
+        </p:txBody>
+      </p:sp>
+      <p:sp>
+        <p:nvSpPr>
+          <p:cNvPr id="8" name="Text Placeholder 7">
+            <a:extLst>
+              <a:ext uri="{FF2B5EF4-FFF2-40B4-BE49-F238E27FC236}">
+                <a16:creationId xmlns:a16="http://schemas.microsoft.com/office/drawing/2014/main" id="{958D5C89-C119-4811-886C-7F28128E6C98}"/>
+              </a:ext>
+            </a:extLst>
+          </p:cNvPr>
+          <p:cNvSpPr>
+            <a:spLocks noGrp="1"/>
+          </p:cNvSpPr>
+          <p:nvPr>
+            <p:ph type="body" sz="half" idx="2"/>
+          </p:nvPr>
+        </p:nvSpPr>
+        <p:spPr>
+          <a:xfrm>
+            <a:off x="590719" y="2330505"/>
+            <a:ext cx="4559425" cy="3979585"/>
+          </a:xfrm>
+        </p:spPr>
+        <p:txBody>
+          <a:bodyPr vert="horz" lIns="91440" tIns="45720" rIns="91440" bIns="45720" rtlCol="0" anchor="ctr">
+            <a:normAutofit/>
+          </a:bodyPr>
+          <a:lstStyle/>
+          <a:p>
+            <a:pPr indent="-228600">
+              <a:buFont typeface="Arial" panose="020B0604020202020204" pitchFamily="34" charset="0"/>
+              <a:buChar char="•"/>
+            </a:pPr>
+            <a:endParaRPr lang="en-US" sz="1900" dirty="0">
+              <a:solidFill>
+                <a:srgbClr val="023047"/>
+              </a:solidFill>
+            </a:endParaRPr>
+          </a:p>
+        </p:txBody>
+      </p:sp>
+      <p:sp>
+        <p:nvSpPr>
+          <p:cNvPr id="51" name="Rectangle 50">
+            <a:extLst>
+              <a:ext uri="{FF2B5EF4-FFF2-40B4-BE49-F238E27FC236}">
+                <a16:creationId xmlns:a16="http://schemas.microsoft.com/office/drawing/2014/main" id="{C13237C8-E62C-4F0D-A318-BD6FB6C2D138}"/>
+              </a:ext>
+              <a:ext uri="{C183D7F6-B498-43B3-948B-1728B52AA6E4}">
+                <adec:decorative xmlns:adec="http://schemas.microsoft.com/office/drawing/2017/decorative" val="1"/>
+              </a:ext>
+            </a:extLst>
+          </p:cNvPr>
+          <p:cNvSpPr>
+            <a:spLocks noGrp="1" noRot="1" noChangeAspect="1" noMove="1" noResize="1" noEditPoints="1" noAdjustHandles="1" noChangeArrowheads="1" noChangeShapeType="1" noTextEdit="1"/>
+          </p:cNvSpPr>
+          <p:nvPr>
+            <p:extLst>
+              <p:ext uri="{386F3935-93C4-4BCD-93E2-E3B085C9AB24}">
+                <p16:designElem xmlns:p16="http://schemas.microsoft.com/office/powerpoint/2015/main" val="1"/>
+              </p:ext>
+            </p:extLst>
+          </p:nvPr>
+        </p:nvSpPr>
+        <p:spPr>
+          <a:xfrm flipH="1">
+            <a:off x="10697670" y="0"/>
+            <a:ext cx="1494330" cy="6858000"/>
+          </a:xfrm>
+          <a:prstGeom prst="rect">
+            <a:avLst/>
+          </a:prstGeom>
+          <a:solidFill>
+            <a:schemeClr val="accent4"/>
+          </a:solidFill>
+          <a:ln>
+            <a:noFill/>
+          </a:ln>
+        </p:spPr>
+        <p:style>
+          <a:lnRef idx="2">
+            <a:schemeClr val="accent1">
+              <a:shade val="50000"/>
+            </a:schemeClr>
+          </a:lnRef>
+          <a:fillRef idx="1">
+            <a:schemeClr val="accent1"/>
+          </a:fillRef>
+          <a:effectRef idx="0">
+            <a:schemeClr val="accent1"/>
+          </a:effectRef>
+          <a:fontRef idx="minor">
+            <a:schemeClr val="lt1"/>
+          </a:fontRef>
+        </p:style>
+        <p:txBody>
+          <a:bodyPr rtlCol="0" anchor="ctr"/>
+          <a:lstStyle/>
+          <a:p>
+            <a:pPr algn="ctr"/>
+            <a:endParaRPr lang="en-US"/>
+          </a:p>
+        </p:txBody>
+      </p:sp>
+      <p:sp>
+        <p:nvSpPr>
+          <p:cNvPr id="53" name="Rectangle 52">
+            <a:extLst>
+              <a:ext uri="{FF2B5EF4-FFF2-40B4-BE49-F238E27FC236}">
+                <a16:creationId xmlns:a16="http://schemas.microsoft.com/office/drawing/2014/main" id="{19C9EAEA-39D0-4B0E-A0EB-51E7B26740B1}"/>
+              </a:ext>
+              <a:ext uri="{C183D7F6-B498-43B3-948B-1728B52AA6E4}">
+                <adec:decorative xmlns:adec="http://schemas.microsoft.com/office/drawing/2017/decorative" val="1"/>
+              </a:ext>
+            </a:extLst>
+          </p:cNvPr>
+          <p:cNvSpPr>
+            <a:spLocks noGrp="1" noRot="1" noChangeAspect="1" noMove="1" noResize="1" noEditPoints="1" noAdjustHandles="1" noChangeArrowheads="1" noChangeShapeType="1" noTextEdit="1"/>
+          </p:cNvSpPr>
+          <p:nvPr>
+            <p:extLst>
+              <p:ext uri="{386F3935-93C4-4BCD-93E2-E3B085C9AB24}">
+                <p16:designElem xmlns:p16="http://schemas.microsoft.com/office/powerpoint/2015/main" val="1"/>
+              </p:ext>
+            </p:extLst>
+          </p:nvPr>
+        </p:nvSpPr>
+        <p:spPr>
+          <a:xfrm>
+            <a:off x="5685810" y="513853"/>
+            <a:ext cx="6009366" cy="5834577"/>
+          </a:xfrm>
+          <a:prstGeom prst="rect">
+            <a:avLst/>
+          </a:prstGeom>
+          <a:solidFill>
+            <a:schemeClr val="bg1"/>
+          </a:solidFill>
+          <a:ln>
+            <a:noFill/>
+          </a:ln>
+          <a:effectLst>
+            <a:outerShdw blurRad="139700" dist="127000" dir="5400000" algn="t" rotWithShape="0">
+              <a:prstClr val="black">
+                <a:alpha val="15000"/>
+              </a:prstClr>
+            </a:outerShdw>
+          </a:effectLst>
+        </p:spPr>
+        <p:style>
+          <a:lnRef idx="2">
+            <a:schemeClr val="accent1">
+              <a:shade val="50000"/>
+            </a:schemeClr>
+          </a:lnRef>
+          <a:fillRef idx="1">
+            <a:schemeClr val="accent1"/>
+          </a:fillRef>
+          <a:effectRef idx="0">
+            <a:schemeClr val="accent1"/>
+          </a:effectRef>
+          <a:fontRef idx="minor">
+            <a:schemeClr val="lt1"/>
+          </a:fontRef>
+        </p:style>
+        <p:txBody>
+          <a:bodyPr rtlCol="0" anchor="ctr"/>
+          <a:lstStyle/>
+          <a:p>
+            <a:pPr algn="ctr"/>
+            <a:endParaRPr lang="en-US"/>
+          </a:p>
+        </p:txBody>
+      </p:sp>
+    </p:spTree>
+    <p:extLst>
+      <p:ext uri="{BB962C8B-B14F-4D97-AF65-F5344CB8AC3E}">
+        <p14:creationId xmlns:p14="http://schemas.microsoft.com/office/powerpoint/2010/main" val="858574611"/>
+      </p:ext>
+    </p:extLst>
+  </p:cSld>
+  <p:clrMapOvr>
+    <a:masterClrMapping/>
+  </p:clrMapOvr>
+</p:sld>
+</file>
+
+<file path=ppt/slides/slide19.xml><?xml version="1.0" encoding="utf-8"?>
 <p:sld xmlns:a="http://schemas.openxmlformats.org/drawingml/2006/main" xmlns:r="http://schemas.openxmlformats.org/officeDocument/2006/relationships" xmlns:p="http://schemas.openxmlformats.org/presentationml/2006/main">
   <p:cSld>
     <p:bg>
@@ -7714,17 +11639,7 @@
                   <a:srgbClr val="FFC000"/>
                 </a:solidFill>
               </a:rPr>
-              <a:t>Interactions</a:t>
-            </a:r>
-          </a:p>
-          <a:p>
-            <a:r>
-              <a:rPr lang="en-US" sz="2400" dirty="0">
-                <a:solidFill>
-                  <a:srgbClr val="FFC000"/>
-                </a:solidFill>
-              </a:rPr>
-              <a:t>Demo</a:t>
+              <a:t>Interactions </a:t>
             </a:r>
           </a:p>
           <a:p>
@@ -11809,10 +15724,10 @@
       </p:sp>
       <p:pic>
         <p:nvPicPr>
-          <p:cNvPr id="5" name="Picture 4" descr="Diagram&#10;&#10;Description automatically generated">
-            <a:extLst>
-              <a:ext uri="{FF2B5EF4-FFF2-40B4-BE49-F238E27FC236}">
-                <a16:creationId xmlns:a16="http://schemas.microsoft.com/office/drawing/2014/main" id="{68F66637-6BC3-4EC8-B1D0-21C816AB56CA}"/>
+          <p:cNvPr id="4" name="Picture 3" descr="Diagram, schematic&#10;&#10;Description automatically generated">
+            <a:extLst>
+              <a:ext uri="{FF2B5EF4-FFF2-40B4-BE49-F238E27FC236}">
+                <a16:creationId xmlns:a16="http://schemas.microsoft.com/office/drawing/2014/main" id="{28CCDB40-44D4-4F6D-86B7-98CDF184E1AA}"/>
               </a:ext>
             </a:extLst>
           </p:cNvPr>
@@ -11835,8 +15750,8 @@
         </p:blipFill>
         <p:spPr>
           <a:xfrm>
-            <a:off x="5694765" y="1168412"/>
-            <a:ext cx="6000411" cy="4521175"/>
+            <a:off x="6430107" y="525784"/>
+            <a:ext cx="4520771" cy="5822964"/>
           </a:xfrm>
           <a:prstGeom prst="rect">
             <a:avLst/>
@@ -11846,7 +15761,7 @@
     </p:spTree>
     <p:extLst>
       <p:ext uri="{BB962C8B-B14F-4D97-AF65-F5344CB8AC3E}">
-        <p14:creationId xmlns:p14="http://schemas.microsoft.com/office/powerpoint/2010/main" val="2066853906"/>
+        <p14:creationId xmlns:p14="http://schemas.microsoft.com/office/powerpoint/2010/main" val="4125473447"/>
       </p:ext>
     </p:extLst>
   </p:cSld>
@@ -11883,10 +15798,10 @@
       </p:grpSpPr>
       <p:sp useBgFill="1">
         <p:nvSpPr>
-          <p:cNvPr id="16" name="Rectangle 7">
-            <a:extLst>
-              <a:ext uri="{FF2B5EF4-FFF2-40B4-BE49-F238E27FC236}">
-                <a16:creationId xmlns:a16="http://schemas.microsoft.com/office/drawing/2014/main" id="{B6CDA21F-E7AF-4C75-8395-33F58D5B0E45}"/>
+          <p:cNvPr id="52" name="Rectangle 42">
+            <a:extLst>
+              <a:ext uri="{FF2B5EF4-FFF2-40B4-BE49-F238E27FC236}">
+                <a16:creationId xmlns:a16="http://schemas.microsoft.com/office/drawing/2014/main" id="{201CC55D-ED54-4C5C-95E6-10947BD1103B}"/>
               </a:ext>
               <a:ext uri="{C183D7F6-B498-43B3-948B-1728B52AA6E4}">
                 <adec:decorative xmlns:adec="http://schemas.microsoft.com/office/drawing/2017/decorative" val="1"/>
@@ -11941,262 +15856,32 @@
           </a:p>
         </p:txBody>
       </p:sp>
-      <p:grpSp>
-        <p:nvGrpSpPr>
-          <p:cNvPr id="18" name="Group 9">
-            <a:extLst>
-              <a:ext uri="{FF2B5EF4-FFF2-40B4-BE49-F238E27FC236}">
-                <a16:creationId xmlns:a16="http://schemas.microsoft.com/office/drawing/2014/main" id="{AE1C45F0-260A-458C-96ED-C1F6D2151219}"/>
-              </a:ext>
-              <a:ext uri="{C183D7F6-B498-43B3-948B-1728B52AA6E4}">
-                <adec:decorative xmlns:adec="http://schemas.microsoft.com/office/drawing/2017/decorative" val="1"/>
-              </a:ext>
-            </a:extLst>
-          </p:cNvPr>
-          <p:cNvGrpSpPr>
-            <a:grpSpLocks noGrp="1" noUngrp="1" noRot="1" noChangeAspect="1" noMove="1" noResize="1"/>
-          </p:cNvGrpSpPr>
-          <p:nvPr>
-            <p:extLst>
-              <p:ext uri="{386F3935-93C4-4BCD-93E2-E3B085C9AB24}">
-                <p16:designElem xmlns:p16="http://schemas.microsoft.com/office/powerpoint/2015/main" val="1"/>
-              </p:ext>
-            </p:extLst>
-          </p:nvPr>
-        </p:nvGrpSpPr>
-        <p:grpSpPr>
+      <p:sp>
+        <p:nvSpPr>
+          <p:cNvPr id="19" name="Rectangle 18">
+            <a:extLst>
+              <a:ext uri="{FF2B5EF4-FFF2-40B4-BE49-F238E27FC236}">
+                <a16:creationId xmlns:a16="http://schemas.microsoft.com/office/drawing/2014/main" id="{839D4B9E-CCF5-4693-A7D2-3F65D29B2909}"/>
+              </a:ext>
+            </a:extLst>
+          </p:cNvPr>
+          <p:cNvSpPr/>
+          <p:nvPr/>
+        </p:nvSpPr>
+        <p:spPr>
           <a:xfrm>
-            <a:off x="4" y="1216597"/>
-            <a:ext cx="731521" cy="673460"/>
-            <a:chOff x="3940602" y="308034"/>
-            <a:chExt cx="2116791" cy="3428999"/>
-          </a:xfrm>
-          <a:solidFill>
-            <a:schemeClr val="accent4"/>
-          </a:solidFill>
-        </p:grpSpPr>
-        <p:sp>
-          <p:nvSpPr>
-            <p:cNvPr id="11" name="Rectangle 10">
-              <a:extLst>
-                <a:ext uri="{FF2B5EF4-FFF2-40B4-BE49-F238E27FC236}">
-                  <a16:creationId xmlns:a16="http://schemas.microsoft.com/office/drawing/2014/main" id="{A6604B49-AD5C-4590-B051-06C8222ECD99}"/>
-                </a:ext>
-                <a:ext uri="{C183D7F6-B498-43B3-948B-1728B52AA6E4}">
-                  <adec:decorative xmlns:adec="http://schemas.microsoft.com/office/drawing/2017/decorative" val="1"/>
-                </a:ext>
-              </a:extLst>
-            </p:cNvPr>
-            <p:cNvSpPr/>
-            <p:nvPr>
-              <p:extLst>
-                <p:ext uri="{386F3935-93C4-4BCD-93E2-E3B085C9AB24}">
-                  <p16:designElem xmlns:p16="http://schemas.microsoft.com/office/powerpoint/2015/main" val="1"/>
-                </p:ext>
-              </p:extLst>
-            </p:nvPr>
-          </p:nvSpPr>
-          <p:spPr>
-            <a:xfrm>
-              <a:off x="3940602" y="308034"/>
-              <a:ext cx="566743" cy="3428999"/>
-            </a:xfrm>
-            <a:prstGeom prst="rect">
-              <a:avLst/>
-            </a:prstGeom>
-            <a:grpFill/>
-            <a:ln>
-              <a:noFill/>
-            </a:ln>
-          </p:spPr>
-          <p:style>
-            <a:lnRef idx="2">
-              <a:schemeClr val="accent1">
-                <a:shade val="50000"/>
-              </a:schemeClr>
-            </a:lnRef>
-            <a:fillRef idx="1">
-              <a:schemeClr val="accent1"/>
-            </a:fillRef>
-            <a:effectRef idx="0">
-              <a:schemeClr val="accent1"/>
-            </a:effectRef>
-            <a:fontRef idx="minor">
-              <a:schemeClr val="lt1"/>
-            </a:fontRef>
-          </p:style>
-          <p:txBody>
-            <a:bodyPr rtlCol="0" anchor="ctr"/>
-            <a:lstStyle/>
-            <a:p>
-              <a:pPr algn="ctr"/>
-              <a:endParaRPr lang="en-US"/>
-            </a:p>
-          </p:txBody>
-        </p:sp>
-        <p:sp>
-          <p:nvSpPr>
-            <p:cNvPr id="19" name="Rectangle 11">
-              <a:extLst>
-                <a:ext uri="{FF2B5EF4-FFF2-40B4-BE49-F238E27FC236}">
-                  <a16:creationId xmlns:a16="http://schemas.microsoft.com/office/drawing/2014/main" id="{743ECCAF-29C5-4537-947C-7EA1292463DB}"/>
-                </a:ext>
-                <a:ext uri="{C183D7F6-B498-43B3-948B-1728B52AA6E4}">
-                  <adec:decorative xmlns:adec="http://schemas.microsoft.com/office/drawing/2017/decorative" val="1"/>
-                </a:ext>
-              </a:extLst>
-            </p:cNvPr>
-            <p:cNvSpPr/>
-            <p:nvPr>
-              <p:extLst>
-                <p:ext uri="{386F3935-93C4-4BCD-93E2-E3B085C9AB24}">
-                  <p16:designElem xmlns:p16="http://schemas.microsoft.com/office/powerpoint/2015/main" val="1"/>
-                </p:ext>
-              </p:extLst>
-            </p:nvPr>
-          </p:nvSpPr>
-          <p:spPr>
-            <a:xfrm>
-              <a:off x="4715626" y="308034"/>
-              <a:ext cx="566743" cy="3428999"/>
-            </a:xfrm>
-            <a:prstGeom prst="rect">
-              <a:avLst/>
-            </a:prstGeom>
-            <a:grpFill/>
-            <a:ln>
-              <a:noFill/>
-            </a:ln>
-          </p:spPr>
-          <p:style>
-            <a:lnRef idx="2">
-              <a:schemeClr val="accent1">
-                <a:shade val="50000"/>
-              </a:schemeClr>
-            </a:lnRef>
-            <a:fillRef idx="1">
-              <a:schemeClr val="accent1"/>
-            </a:fillRef>
-            <a:effectRef idx="0">
-              <a:schemeClr val="accent1"/>
-            </a:effectRef>
-            <a:fontRef idx="minor">
-              <a:schemeClr val="lt1"/>
-            </a:fontRef>
-          </p:style>
-          <p:txBody>
-            <a:bodyPr rtlCol="0" anchor="ctr"/>
-            <a:lstStyle/>
-            <a:p>
-              <a:pPr algn="ctr"/>
-              <a:endParaRPr lang="en-US"/>
-            </a:p>
-          </p:txBody>
-        </p:sp>
-        <p:sp>
-          <p:nvSpPr>
-            <p:cNvPr id="13" name="Rectangle 12">
-              <a:extLst>
-                <a:ext uri="{FF2B5EF4-FFF2-40B4-BE49-F238E27FC236}">
-                  <a16:creationId xmlns:a16="http://schemas.microsoft.com/office/drawing/2014/main" id="{ED49787B-8DE6-4467-AD0A-8DECC6E0C2D6}"/>
-                </a:ext>
-                <a:ext uri="{C183D7F6-B498-43B3-948B-1728B52AA6E4}">
-                  <adec:decorative xmlns:adec="http://schemas.microsoft.com/office/drawing/2017/decorative" val="1"/>
-                </a:ext>
-              </a:extLst>
-            </p:cNvPr>
-            <p:cNvSpPr/>
-            <p:nvPr>
-              <p:extLst>
-                <p:ext uri="{386F3935-93C4-4BCD-93E2-E3B085C9AB24}">
-                  <p16:designElem xmlns:p16="http://schemas.microsoft.com/office/powerpoint/2015/main" val="1"/>
-                </p:ext>
-              </p:extLst>
-            </p:nvPr>
-          </p:nvSpPr>
-          <p:spPr>
-            <a:xfrm>
-              <a:off x="5490650" y="308034"/>
-              <a:ext cx="566743" cy="3428999"/>
-            </a:xfrm>
-            <a:prstGeom prst="rect">
-              <a:avLst/>
-            </a:prstGeom>
-            <a:grpFill/>
-            <a:ln>
-              <a:noFill/>
-            </a:ln>
-          </p:spPr>
-          <p:style>
-            <a:lnRef idx="2">
-              <a:schemeClr val="accent1">
-                <a:shade val="50000"/>
-              </a:schemeClr>
-            </a:lnRef>
-            <a:fillRef idx="1">
-              <a:schemeClr val="accent1"/>
-            </a:fillRef>
-            <a:effectRef idx="0">
-              <a:schemeClr val="accent1"/>
-            </a:effectRef>
-            <a:fontRef idx="minor">
-              <a:schemeClr val="lt1"/>
-            </a:fontRef>
-          </p:style>
-          <p:txBody>
-            <a:bodyPr rtlCol="0" anchor="ctr"/>
-            <a:lstStyle/>
-            <a:p>
-              <a:pPr algn="ctr"/>
-              <a:endParaRPr lang="en-US"/>
-            </a:p>
-          </p:txBody>
-        </p:sp>
-      </p:grpSp>
-      <p:sp>
-        <p:nvSpPr>
-          <p:cNvPr id="15" name="Rectangle 14">
-            <a:extLst>
-              <a:ext uri="{FF2B5EF4-FFF2-40B4-BE49-F238E27FC236}">
-                <a16:creationId xmlns:a16="http://schemas.microsoft.com/office/drawing/2014/main" id="{D5B0017B-2ECA-49AF-B397-DC140825DF8D}"/>
-              </a:ext>
-              <a:ext uri="{C183D7F6-B498-43B3-948B-1728B52AA6E4}">
-                <adec:decorative xmlns:adec="http://schemas.microsoft.com/office/drawing/2017/decorative" val="1"/>
-              </a:ext>
-            </a:extLst>
-          </p:cNvPr>
-          <p:cNvSpPr>
-            <a:spLocks noGrp="1" noRot="1" noChangeAspect="1" noMove="1" noResize="1" noEditPoints="1" noAdjustHandles="1" noChangeArrowheads="1" noChangeShapeType="1" noTextEdit="1"/>
-          </p:cNvSpPr>
-          <p:nvPr>
-            <p:extLst>
-              <p:ext uri="{386F3935-93C4-4BCD-93E2-E3B085C9AB24}">
-                <p16:designElem xmlns:p16="http://schemas.microsoft.com/office/powerpoint/2015/main" val="1"/>
-              </p:ext>
-            </p:extLst>
-          </p:nvPr>
-        </p:nvSpPr>
-        <p:spPr>
-          <a:xfrm>
-            <a:off x="640079" y="613954"/>
-            <a:ext cx="10907487" cy="1894116"/>
+            <a:off x="355197" y="640080"/>
+            <a:ext cx="5330612" cy="1316736"/>
           </a:xfrm>
           <a:prstGeom prst="rect">
             <a:avLst/>
           </a:prstGeom>
           <a:solidFill>
-            <a:schemeClr val="bg1"/>
+            <a:srgbClr val="023047"/>
           </a:solidFill>
           <a:ln>
             <a:noFill/>
           </a:ln>
-          <a:effectLst>
-            <a:outerShdw blurRad="139700" dist="127000" dir="5400000" algn="t" rotWithShape="0">
-              <a:prstClr val="black">
-                <a:alpha val="15000"/>
-              </a:prstClr>
-            </a:outerShdw>
-          </a:effectLst>
         </p:spPr>
         <p:style>
           <a:lnRef idx="2">
@@ -12219,68 +15904,16 @@
           <a:lstStyle/>
           <a:p>
             <a:pPr algn="ctr"/>
-            <a:endParaRPr lang="en-US"/>
+            <a:endParaRPr lang="en-GB"/>
           </a:p>
         </p:txBody>
       </p:sp>
       <p:sp>
         <p:nvSpPr>
-          <p:cNvPr id="12" name="Rectangle 11">
-            <a:extLst>
-              <a:ext uri="{FF2B5EF4-FFF2-40B4-BE49-F238E27FC236}">
-                <a16:creationId xmlns:a16="http://schemas.microsoft.com/office/drawing/2014/main" id="{5E1D5788-2731-474B-8F80-00A5C97CF4B6}"/>
-              </a:ext>
-            </a:extLst>
-          </p:cNvPr>
-          <p:cNvSpPr/>
-          <p:nvPr/>
-        </p:nvSpPr>
-        <p:spPr>
-          <a:xfrm>
-            <a:off x="633597" y="640080"/>
-            <a:ext cx="10907487" cy="1894116"/>
-          </a:xfrm>
-          <a:prstGeom prst="rect">
-            <a:avLst/>
-          </a:prstGeom>
-          <a:solidFill>
-            <a:srgbClr val="023047"/>
-          </a:solidFill>
-          <a:ln>
-            <a:noFill/>
-          </a:ln>
-        </p:spPr>
-        <p:style>
-          <a:lnRef idx="2">
-            <a:schemeClr val="accent1">
-              <a:shade val="50000"/>
-            </a:schemeClr>
-          </a:lnRef>
-          <a:fillRef idx="1">
-            <a:schemeClr val="accent1"/>
-          </a:fillRef>
-          <a:effectRef idx="0">
-            <a:schemeClr val="accent1"/>
-          </a:effectRef>
-          <a:fontRef idx="minor">
-            <a:schemeClr val="lt1"/>
-          </a:fontRef>
-        </p:style>
-        <p:txBody>
-          <a:bodyPr rtlCol="0" anchor="ctr"/>
-          <a:lstStyle/>
-          <a:p>
-            <a:pPr algn="ctr"/>
-            <a:endParaRPr lang="en-GB"/>
-          </a:p>
-        </p:txBody>
-      </p:sp>
-      <p:sp>
-        <p:nvSpPr>
           <p:cNvPr id="2" name="Title 1">
             <a:extLst>
               <a:ext uri="{FF2B5EF4-FFF2-40B4-BE49-F238E27FC236}">
-                <a16:creationId xmlns:a16="http://schemas.microsoft.com/office/drawing/2014/main" id="{A48C8F4F-F52C-4236-8286-9234A489AE8D}"/>
+                <a16:creationId xmlns:a16="http://schemas.microsoft.com/office/drawing/2014/main" id="{F703FF40-49BD-4711-8571-801EBE0CF90B}"/>
               </a:ext>
             </a:extLst>
           </p:cNvPr>
@@ -12293,363 +15926,25 @@
         </p:nvSpPr>
         <p:spPr>
           <a:xfrm>
-            <a:off x="1043631" y="809898"/>
-            <a:ext cx="9942716" cy="1554480"/>
-          </a:xfrm>
-        </p:spPr>
-        <p:txBody>
-          <a:bodyPr anchor="ctr">
+            <a:off x="589560" y="694944"/>
+            <a:ext cx="4672496" cy="1289304"/>
+          </a:xfrm>
+        </p:spPr>
+        <p:txBody>
+          <a:bodyPr vert="horz" lIns="91440" tIns="45720" rIns="91440" bIns="45720" rtlCol="0" anchor="ctr">
             <a:normAutofit/>
           </a:bodyPr>
           <a:lstStyle/>
           <a:p>
             <a:r>
-              <a:rPr lang="en-US" sz="4800" dirty="0">
+              <a:rPr lang="en-US" sz="5400" dirty="0">
                 <a:solidFill>
                   <a:srgbClr val="FFC000"/>
                 </a:solidFill>
               </a:rPr>
-              <a:t>Interaction structure pt. I:</a:t>
-            </a:r>
-            <a:br>
-              <a:rPr lang="en-US" sz="4800" dirty="0">
-                <a:solidFill>
-                  <a:srgbClr val="FFC000"/>
-                </a:solidFill>
-              </a:rPr>
-            </a:br>
-            <a:r>
-              <a:rPr lang="en-US" dirty="0">
-                <a:solidFill>
-                  <a:srgbClr val="FFC000"/>
-                </a:solidFill>
-              </a:rPr>
-              <a:t>recognizing a user</a:t>
-            </a:r>
-            <a:endParaRPr lang="en-US" sz="4800" dirty="0">
-              <a:solidFill>
-                <a:srgbClr val="FFC000"/>
-              </a:solidFill>
-            </a:endParaRPr>
-          </a:p>
-        </p:txBody>
-      </p:sp>
-      <p:sp>
-        <p:nvSpPr>
-          <p:cNvPr id="3" name="Content Placeholder 2">
-            <a:extLst>
-              <a:ext uri="{FF2B5EF4-FFF2-40B4-BE49-F238E27FC236}">
-                <a16:creationId xmlns:a16="http://schemas.microsoft.com/office/drawing/2014/main" id="{F0C29356-FBF8-4F7E-938D-AA38EA0CD781}"/>
-              </a:ext>
-            </a:extLst>
-          </p:cNvPr>
-          <p:cNvSpPr>
-            <a:spLocks noGrp="1"/>
-          </p:cNvSpPr>
-          <p:nvPr>
-            <p:ph idx="1"/>
-          </p:nvPr>
-        </p:nvSpPr>
-        <p:spPr>
-          <a:xfrm>
-            <a:off x="1045028" y="3017522"/>
-            <a:ext cx="9941319" cy="3124658"/>
-          </a:xfrm>
-        </p:spPr>
-        <p:txBody>
-          <a:bodyPr anchor="ctr">
-            <a:normAutofit/>
-          </a:bodyPr>
-          <a:lstStyle/>
-          <a:p>
-            <a:r>
-              <a:rPr lang="en-US" sz="2400" dirty="0">
-                <a:solidFill>
-                  <a:srgbClr val="023047"/>
-                </a:solidFill>
-              </a:rPr>
-              <a:t>Once the device is turned on, it should be placed somewhere where the user wants to be and can be easily identified, recognized and interacted with</a:t>
-            </a:r>
-          </a:p>
-          <a:p>
-            <a:r>
-              <a:rPr lang="en-US" sz="2400" dirty="0">
-                <a:solidFill>
-                  <a:srgbClr val="023047"/>
-                </a:solidFill>
-              </a:rPr>
-              <a:t>The assistant will continuously monitor the camera searching for a successful detection</a:t>
-            </a:r>
-          </a:p>
-          <a:p>
-            <a:r>
-              <a:rPr lang="en-US" sz="2400" dirty="0">
-                <a:solidFill>
-                  <a:srgbClr val="023047"/>
-                </a:solidFill>
-              </a:rPr>
-              <a:t>Once a face is detected, it attempts to recognize the person automatically</a:t>
-            </a:r>
-          </a:p>
-          <a:p>
-            <a:r>
-              <a:rPr lang="en-US" sz="2400" dirty="0">
-                <a:solidFill>
-                  <a:srgbClr val="023047"/>
-                </a:solidFill>
-              </a:rPr>
-              <a:t>Failsafe: should recognition fail, ask the person to pronounce their name</a:t>
-            </a:r>
-          </a:p>
-        </p:txBody>
-      </p:sp>
-      <p:cxnSp>
-        <p:nvCxnSpPr>
-          <p:cNvPr id="17" name="Straight Connector 16">
-            <a:extLst>
-              <a:ext uri="{FF2B5EF4-FFF2-40B4-BE49-F238E27FC236}">
-                <a16:creationId xmlns:a16="http://schemas.microsoft.com/office/drawing/2014/main" id="{6CF1BAF6-AD41-4082-B212-8A1F9A2E8779}"/>
-              </a:ext>
-              <a:ext uri="{C183D7F6-B498-43B3-948B-1728B52AA6E4}">
-                <adec:decorative xmlns:adec="http://schemas.microsoft.com/office/drawing/2017/decorative" val="1"/>
-              </a:ext>
-            </a:extLst>
-          </p:cNvPr>
-          <p:cNvCxnSpPr>
-            <a:cxnSpLocks noGrp="1" noRot="1" noChangeAspect="1" noMove="1" noResize="1" noEditPoints="1" noAdjustHandles="1" noChangeArrowheads="1" noChangeShapeType="1"/>
-          </p:cNvCxnSpPr>
-          <p:nvPr>
-            <p:extLst>
-              <p:ext uri="{386F3935-93C4-4BCD-93E2-E3B085C9AB24}">
-                <p16:designElem xmlns:p16="http://schemas.microsoft.com/office/powerpoint/2015/main" val="1"/>
-              </p:ext>
-            </p:extLst>
-          </p:nvPr>
-        </p:nvCxnSpPr>
-        <p:spPr>
-          <a:xfrm flipH="1">
-            <a:off x="838200" y="6485313"/>
-            <a:ext cx="10515600" cy="0"/>
-          </a:xfrm>
-          <a:prstGeom prst="line">
-            <a:avLst/>
-          </a:prstGeom>
-          <a:ln w="57150">
-            <a:solidFill>
-              <a:schemeClr val="accent4"/>
-            </a:solidFill>
-          </a:ln>
-        </p:spPr>
-        <p:style>
-          <a:lnRef idx="1">
-            <a:schemeClr val="accent1"/>
-          </a:lnRef>
-          <a:fillRef idx="0">
-            <a:schemeClr val="accent1"/>
-          </a:fillRef>
-          <a:effectRef idx="0">
-            <a:schemeClr val="accent1"/>
-          </a:effectRef>
-          <a:fontRef idx="minor">
-            <a:schemeClr val="tx1"/>
-          </a:fontRef>
-        </p:style>
-      </p:cxnSp>
-    </p:spTree>
-    <p:extLst>
-      <p:ext uri="{BB962C8B-B14F-4D97-AF65-F5344CB8AC3E}">
-        <p14:creationId xmlns:p14="http://schemas.microsoft.com/office/powerpoint/2010/main" val="3977266075"/>
-      </p:ext>
-    </p:extLst>
-  </p:cSld>
-  <p:clrMapOvr>
-    <a:masterClrMapping/>
-  </p:clrMapOvr>
-</p:sld>
-</file>
-
-<file path=ppt/slides/slide9.xml><?xml version="1.0" encoding="utf-8"?>
-<p:sld xmlns:a="http://schemas.openxmlformats.org/drawingml/2006/main" xmlns:r="http://schemas.openxmlformats.org/officeDocument/2006/relationships" xmlns:p="http://schemas.openxmlformats.org/presentationml/2006/main">
-  <p:cSld>
-    <p:bg>
-      <p:bgPr>
-        <a:solidFill>
-          <a:schemeClr val="bg1"/>
-        </a:solidFill>
-        <a:effectLst/>
-      </p:bgPr>
-    </p:bg>
-    <p:spTree>
-      <p:nvGrpSpPr>
-        <p:cNvPr id="1" name=""/>
-        <p:cNvGrpSpPr/>
-        <p:nvPr/>
-      </p:nvGrpSpPr>
-      <p:grpSpPr>
-        <a:xfrm>
-          <a:off x="0" y="0"/>
-          <a:ext cx="0" cy="0"/>
-          <a:chOff x="0" y="0"/>
-          <a:chExt cx="0" cy="0"/>
-        </a:xfrm>
-      </p:grpSpPr>
-      <p:sp useBgFill="1">
-        <p:nvSpPr>
-          <p:cNvPr id="52" name="Rectangle 42">
-            <a:extLst>
-              <a:ext uri="{FF2B5EF4-FFF2-40B4-BE49-F238E27FC236}">
-                <a16:creationId xmlns:a16="http://schemas.microsoft.com/office/drawing/2014/main" id="{201CC55D-ED54-4C5C-95E6-10947BD1103B}"/>
-              </a:ext>
-              <a:ext uri="{C183D7F6-B498-43B3-948B-1728B52AA6E4}">
-                <adec:decorative xmlns:adec="http://schemas.microsoft.com/office/drawing/2017/decorative" val="1"/>
-              </a:ext>
-            </a:extLst>
-          </p:cNvPr>
-          <p:cNvSpPr>
-            <a:spLocks noGrp="1" noRot="1" noChangeAspect="1" noMove="1" noResize="1" noEditPoints="1" noAdjustHandles="1" noChangeArrowheads="1" noChangeShapeType="1" noTextEdit="1"/>
-          </p:cNvSpPr>
-          <p:nvPr>
-            <p:extLst>
-              <p:ext uri="{386F3935-93C4-4BCD-93E2-E3B085C9AB24}">
-                <p16:designElem xmlns:p16="http://schemas.microsoft.com/office/powerpoint/2015/main" val="1"/>
-              </p:ext>
-            </p:extLst>
-          </p:nvPr>
-        </p:nvSpPr>
-        <p:spPr>
-          <a:xfrm>
-            <a:off x="0" y="0"/>
-            <a:ext cx="12191999" cy="6857365"/>
-          </a:xfrm>
-          <a:prstGeom prst="rect">
-            <a:avLst/>
-          </a:prstGeom>
-          <a:ln>
-            <a:noFill/>
-          </a:ln>
-        </p:spPr>
-        <p:style>
-          <a:lnRef idx="2">
-            <a:schemeClr val="accent1">
-              <a:shade val="50000"/>
-            </a:schemeClr>
-          </a:lnRef>
-          <a:fillRef idx="1">
-            <a:schemeClr val="accent1"/>
-          </a:fillRef>
-          <a:effectRef idx="0">
-            <a:schemeClr val="accent1"/>
-          </a:effectRef>
-          <a:fontRef idx="minor">
-            <a:schemeClr val="lt1"/>
-          </a:fontRef>
-        </p:style>
-        <p:txBody>
-          <a:bodyPr rtlCol="0" anchor="ctr"/>
-          <a:lstStyle/>
-          <a:p>
-            <a:pPr algn="ctr"/>
-            <a:endParaRPr lang="en-US"/>
-          </a:p>
-        </p:txBody>
-      </p:sp>
-      <p:sp>
-        <p:nvSpPr>
-          <p:cNvPr id="19" name="Rectangle 18">
-            <a:extLst>
-              <a:ext uri="{FF2B5EF4-FFF2-40B4-BE49-F238E27FC236}">
-                <a16:creationId xmlns:a16="http://schemas.microsoft.com/office/drawing/2014/main" id="{839D4B9E-CCF5-4693-A7D2-3F65D29B2909}"/>
-              </a:ext>
-            </a:extLst>
-          </p:cNvPr>
-          <p:cNvSpPr/>
-          <p:nvPr/>
-        </p:nvSpPr>
-        <p:spPr>
-          <a:xfrm>
-            <a:off x="355197" y="640080"/>
-            <a:ext cx="5330612" cy="1316736"/>
-          </a:xfrm>
-          <a:prstGeom prst="rect">
-            <a:avLst/>
-          </a:prstGeom>
-          <a:solidFill>
-            <a:srgbClr val="023047"/>
-          </a:solidFill>
-          <a:ln>
-            <a:noFill/>
-          </a:ln>
-        </p:spPr>
-        <p:style>
-          <a:lnRef idx="2">
-            <a:schemeClr val="accent1">
-              <a:shade val="50000"/>
-            </a:schemeClr>
-          </a:lnRef>
-          <a:fillRef idx="1">
-            <a:schemeClr val="accent1"/>
-          </a:fillRef>
-          <a:effectRef idx="0">
-            <a:schemeClr val="accent1"/>
-          </a:effectRef>
-          <a:fontRef idx="minor">
-            <a:schemeClr val="lt1"/>
-          </a:fontRef>
-        </p:style>
-        <p:txBody>
-          <a:bodyPr rtlCol="0" anchor="ctr"/>
-          <a:lstStyle/>
-          <a:p>
-            <a:pPr algn="ctr"/>
-            <a:endParaRPr lang="en-GB"/>
-          </a:p>
-        </p:txBody>
-      </p:sp>
-      <p:sp>
-        <p:nvSpPr>
-          <p:cNvPr id="2" name="Title 1">
-            <a:extLst>
-              <a:ext uri="{FF2B5EF4-FFF2-40B4-BE49-F238E27FC236}">
-                <a16:creationId xmlns:a16="http://schemas.microsoft.com/office/drawing/2014/main" id="{F703FF40-49BD-4711-8571-801EBE0CF90B}"/>
-              </a:ext>
-            </a:extLst>
-          </p:cNvPr>
-          <p:cNvSpPr>
-            <a:spLocks noGrp="1"/>
-          </p:cNvSpPr>
-          <p:nvPr>
-            <p:ph type="title"/>
-          </p:nvPr>
-        </p:nvSpPr>
-        <p:spPr>
-          <a:xfrm>
-            <a:off x="589560" y="694944"/>
-            <a:ext cx="4672496" cy="1289304"/>
-          </a:xfrm>
-        </p:spPr>
-        <p:txBody>
-          <a:bodyPr vert="horz" lIns="91440" tIns="45720" rIns="91440" bIns="45720" rtlCol="0" anchor="ctr">
-            <a:normAutofit/>
-          </a:bodyPr>
-          <a:lstStyle/>
-          <a:p>
-            <a:r>
-              <a:rPr lang="en-US" sz="3400" dirty="0">
-                <a:solidFill>
-                  <a:srgbClr val="FFC000"/>
-                </a:solidFill>
-              </a:rPr>
-              <a:t>Interaction structure pt. I: </a:t>
-            </a:r>
-            <a:r>
-              <a:rPr lang="en-US" dirty="0">
-                <a:solidFill>
-                  <a:srgbClr val="FFC000"/>
-                </a:solidFill>
-              </a:rPr>
-              <a:t>recognizing a user</a:t>
-            </a:r>
-            <a:endParaRPr lang="en-US" sz="2500" dirty="0">
+              <a:t>Interactions</a:t>
+            </a:r>
+            <a:endParaRPr lang="en-US" sz="4400" dirty="0">
               <a:solidFill>
                 <a:srgbClr val="FFC000"/>
               </a:solidFill>
@@ -12876,255 +16171,6 @@
       </p:sp>
       <p:sp>
         <p:nvSpPr>
-          <p:cNvPr id="8" name="Text Placeholder 7">
-            <a:extLst>
-              <a:ext uri="{FF2B5EF4-FFF2-40B4-BE49-F238E27FC236}">
-                <a16:creationId xmlns:a16="http://schemas.microsoft.com/office/drawing/2014/main" id="{958D5C89-C119-4811-886C-7F28128E6C98}"/>
-              </a:ext>
-            </a:extLst>
-          </p:cNvPr>
-          <p:cNvSpPr>
-            <a:spLocks noGrp="1"/>
-          </p:cNvSpPr>
-          <p:nvPr>
-            <p:ph type="body" sz="half" idx="2"/>
-          </p:nvPr>
-        </p:nvSpPr>
-        <p:spPr>
-          <a:xfrm>
-            <a:off x="590719" y="2330505"/>
-            <a:ext cx="4559425" cy="3979585"/>
-          </a:xfrm>
-        </p:spPr>
-        <p:txBody>
-          <a:bodyPr vert="horz" lIns="91440" tIns="45720" rIns="91440" bIns="45720" rtlCol="0" anchor="ctr">
-            <a:normAutofit fontScale="92500" lnSpcReduction="10000"/>
-          </a:bodyPr>
-          <a:lstStyle/>
-          <a:p>
-            <a:r>
-              <a:rPr lang="en-US" dirty="0">
-                <a:solidFill>
-                  <a:srgbClr val="023047"/>
-                </a:solidFill>
-                <a:latin typeface="Arial" panose="020B0604020202020204" pitchFamily="34" charset="0"/>
-                <a:cs typeface="Arial" panose="020B0604020202020204" pitchFamily="34" charset="0"/>
-              </a:rPr>
-              <a:t>Three steps are involved in making the interaction happen:</a:t>
-            </a:r>
-          </a:p>
-          <a:p>
-            <a:pPr marL="342900" indent="-342900">
-              <a:buFont typeface="+mj-lt"/>
-              <a:buAutoNum type="arabicPeriod"/>
-            </a:pPr>
-            <a:r>
-              <a:rPr lang="en-US" dirty="0">
-                <a:solidFill>
-                  <a:srgbClr val="023047"/>
-                </a:solidFill>
-                <a:latin typeface="Arial" panose="020B0604020202020204" pitchFamily="34" charset="0"/>
-                <a:cs typeface="Arial" panose="020B0604020202020204" pitchFamily="34" charset="0"/>
-              </a:rPr>
-              <a:t>Start the camera and a continuous loop where we gather the current image the camera is receiving</a:t>
-            </a:r>
-          </a:p>
-          <a:p>
-            <a:pPr marL="342900" indent="-342900">
-              <a:buFont typeface="+mj-lt"/>
-              <a:buAutoNum type="arabicPeriod"/>
-            </a:pPr>
-            <a:r>
-              <a:rPr lang="en-US" dirty="0">
-                <a:solidFill>
-                  <a:srgbClr val="023047"/>
-                </a:solidFill>
-                <a:latin typeface="Arial" panose="020B0604020202020204" pitchFamily="34" charset="0"/>
-                <a:cs typeface="Arial" panose="020B0604020202020204" pitchFamily="34" charset="0"/>
-              </a:rPr>
-              <a:t>Send the captured frame over to the </a:t>
-            </a:r>
-            <a:r>
-              <a:rPr lang="en-US" dirty="0" err="1">
-                <a:solidFill>
-                  <a:srgbClr val="023047"/>
-                </a:solidFill>
-                <a:latin typeface="Arial" panose="020B0604020202020204" pitchFamily="34" charset="0"/>
-                <a:cs typeface="Arial" panose="020B0604020202020204" pitchFamily="34" charset="0"/>
-              </a:rPr>
-              <a:t>detect_presence</a:t>
-            </a:r>
-            <a:r>
-              <a:rPr lang="en-US" dirty="0">
-                <a:solidFill>
-                  <a:srgbClr val="023047"/>
-                </a:solidFill>
-                <a:latin typeface="Arial" panose="020B0604020202020204" pitchFamily="34" charset="0"/>
-                <a:cs typeface="Arial" panose="020B0604020202020204" pitchFamily="34" charset="0"/>
-              </a:rPr>
-              <a:t> method:</a:t>
-            </a:r>
-          </a:p>
-          <a:p>
-            <a:pPr marL="800100" lvl="1" indent="-342900">
-              <a:buFont typeface="+mj-lt"/>
-              <a:buAutoNum type="arabicPeriod"/>
-            </a:pPr>
-            <a:r>
-              <a:rPr lang="en-US" dirty="0">
-                <a:solidFill>
-                  <a:srgbClr val="023047"/>
-                </a:solidFill>
-                <a:latin typeface="Arial" panose="020B0604020202020204" pitchFamily="34" charset="0"/>
-                <a:cs typeface="Arial" panose="020B0604020202020204" pitchFamily="34" charset="0"/>
-              </a:rPr>
-              <a:t>Converts the frame in B&amp;W</a:t>
-            </a:r>
-          </a:p>
-          <a:p>
-            <a:pPr marL="800100" lvl="1" indent="-342900">
-              <a:buFont typeface="+mj-lt"/>
-              <a:buAutoNum type="arabicPeriod"/>
-            </a:pPr>
-            <a:r>
-              <a:rPr lang="en-US" dirty="0">
-                <a:solidFill>
-                  <a:srgbClr val="023047"/>
-                </a:solidFill>
-                <a:latin typeface="Arial" panose="020B0604020202020204" pitchFamily="34" charset="0"/>
-                <a:cs typeface="Arial" panose="020B0604020202020204" pitchFamily="34" charset="0"/>
-              </a:rPr>
-              <a:t>Uses the preloaded </a:t>
-            </a:r>
-            <a:r>
-              <a:rPr lang="en-US" dirty="0" err="1">
-                <a:solidFill>
-                  <a:srgbClr val="023047"/>
-                </a:solidFill>
-                <a:latin typeface="Arial" panose="020B0604020202020204" pitchFamily="34" charset="0"/>
-                <a:cs typeface="Arial" panose="020B0604020202020204" pitchFamily="34" charset="0"/>
-              </a:rPr>
-              <a:t>opencv</a:t>
-            </a:r>
-            <a:r>
-              <a:rPr lang="en-US" dirty="0">
-                <a:solidFill>
-                  <a:srgbClr val="023047"/>
-                </a:solidFill>
-                <a:latin typeface="Arial" panose="020B0604020202020204" pitchFamily="34" charset="0"/>
-                <a:cs typeface="Arial" panose="020B0604020202020204" pitchFamily="34" charset="0"/>
-              </a:rPr>
-              <a:t> </a:t>
-            </a:r>
-            <a:r>
-              <a:rPr lang="en-US" dirty="0" err="1">
-                <a:solidFill>
-                  <a:srgbClr val="023047"/>
-                </a:solidFill>
-                <a:latin typeface="Arial" panose="020B0604020202020204" pitchFamily="34" charset="0"/>
-                <a:cs typeface="Arial" panose="020B0604020202020204" pitchFamily="34" charset="0"/>
-              </a:rPr>
-              <a:t>CascadeClassifier</a:t>
-            </a:r>
-            <a:r>
-              <a:rPr lang="en-US" dirty="0">
-                <a:solidFill>
-                  <a:srgbClr val="023047"/>
-                </a:solidFill>
-                <a:latin typeface="Arial" panose="020B0604020202020204" pitchFamily="34" charset="0"/>
-                <a:cs typeface="Arial" panose="020B0604020202020204" pitchFamily="34" charset="0"/>
-              </a:rPr>
-              <a:t> with </a:t>
-            </a:r>
-            <a:r>
-              <a:rPr lang="en-US" dirty="0" err="1">
-                <a:solidFill>
-                  <a:srgbClr val="023047"/>
-                </a:solidFill>
-                <a:latin typeface="Arial" panose="020B0604020202020204" pitchFamily="34" charset="0"/>
-                <a:cs typeface="Arial" panose="020B0604020202020204" pitchFamily="34" charset="0"/>
-              </a:rPr>
-              <a:t>Haar</a:t>
-            </a:r>
-            <a:r>
-              <a:rPr lang="en-US" dirty="0">
-                <a:solidFill>
-                  <a:srgbClr val="023047"/>
-                </a:solidFill>
-                <a:latin typeface="Arial" panose="020B0604020202020204" pitchFamily="34" charset="0"/>
-                <a:cs typeface="Arial" panose="020B0604020202020204" pitchFamily="34" charset="0"/>
-              </a:rPr>
-              <a:t> Cascades to attempt detection</a:t>
-            </a:r>
-          </a:p>
-          <a:p>
-            <a:pPr marL="342900" indent="-342900">
-              <a:buFont typeface="+mj-lt"/>
-              <a:buAutoNum type="arabicPeriod"/>
-            </a:pPr>
-            <a:r>
-              <a:rPr lang="en-US" dirty="0">
-                <a:solidFill>
-                  <a:srgbClr val="023047"/>
-                </a:solidFill>
-                <a:latin typeface="Arial" panose="020B0604020202020204" pitchFamily="34" charset="0"/>
-                <a:cs typeface="Arial" panose="020B0604020202020204" pitchFamily="34" charset="0"/>
-              </a:rPr>
-              <a:t>Attempt recognizing the person from the frame they have been detected in:</a:t>
-            </a:r>
-          </a:p>
-          <a:p>
-            <a:pPr marL="800100" lvl="1" indent="-342900">
-              <a:buFont typeface="+mj-lt"/>
-              <a:buAutoNum type="arabicPeriod"/>
-            </a:pPr>
-            <a:r>
-              <a:rPr lang="en-US" dirty="0">
-                <a:solidFill>
-                  <a:srgbClr val="023047"/>
-                </a:solidFill>
-                <a:latin typeface="Arial" panose="020B0604020202020204" pitchFamily="34" charset="0"/>
-                <a:cs typeface="Arial" panose="020B0604020202020204" pitchFamily="34" charset="0"/>
-              </a:rPr>
-              <a:t>Generate face encodings for each face</a:t>
-            </a:r>
-          </a:p>
-          <a:p>
-            <a:pPr marL="800100" lvl="1" indent="-342900">
-              <a:buFont typeface="+mj-lt"/>
-              <a:buAutoNum type="arabicPeriod"/>
-            </a:pPr>
-            <a:r>
-              <a:rPr lang="en-US" dirty="0">
-                <a:solidFill>
-                  <a:srgbClr val="023047"/>
-                </a:solidFill>
-                <a:latin typeface="Arial" panose="020B0604020202020204" pitchFamily="34" charset="0"/>
-                <a:cs typeface="Arial" panose="020B0604020202020204" pitchFamily="34" charset="0"/>
-              </a:rPr>
-              <a:t>Compare each encoding to the ones locally saved for each member until there is a match</a:t>
-            </a:r>
-          </a:p>
-          <a:p>
-            <a:pPr marL="342900" indent="-342900">
-              <a:buFont typeface="+mj-lt"/>
-              <a:buAutoNum type="arabicPeriod"/>
-            </a:pPr>
-            <a:r>
-              <a:rPr lang="en-US" dirty="0">
-                <a:solidFill>
-                  <a:srgbClr val="023047"/>
-                </a:solidFill>
-                <a:latin typeface="Arial" panose="020B0604020202020204" pitchFamily="34" charset="0"/>
-                <a:cs typeface="Arial" panose="020B0604020202020204" pitchFamily="34" charset="0"/>
-              </a:rPr>
-              <a:t>If all else fails, ask the person to identify themselves by using voice</a:t>
-            </a:r>
-          </a:p>
-        </p:txBody>
-      </p:sp>
-      <p:sp>
-        <p:nvSpPr>
           <p:cNvPr id="51" name="Rectangle 50">
             <a:extLst>
               <a:ext uri="{FF2B5EF4-FFF2-40B4-BE49-F238E27FC236}">
@@ -13258,10 +16304,10 @@
       </p:sp>
       <p:pic>
         <p:nvPicPr>
-          <p:cNvPr id="14" name="Content Placeholder 15">
-            <a:extLst>
-              <a:ext uri="{FF2B5EF4-FFF2-40B4-BE49-F238E27FC236}">
-                <a16:creationId xmlns:a16="http://schemas.microsoft.com/office/drawing/2014/main" id="{A1BA3A27-F968-4607-807E-13B7F3E46F07}"/>
+          <p:cNvPr id="4" name="Picture 3">
+            <a:extLst>
+              <a:ext uri="{FF2B5EF4-FFF2-40B4-BE49-F238E27FC236}">
+                <a16:creationId xmlns:a16="http://schemas.microsoft.com/office/drawing/2014/main" id="{76316F27-A87C-49D9-B1E6-8399910EC045}"/>
               </a:ext>
             </a:extLst>
           </p:cNvPr>
@@ -13271,27 +16317,577 @@
           <p:nvPr/>
         </p:nvPicPr>
         <p:blipFill>
-          <a:blip r:embed="rId2"/>
+          <a:blip r:embed="rId2">
+            <a:extLst>
+              <a:ext uri="{28A0092B-C50C-407E-A947-70E740481C1C}">
+                <a14:useLocalDpi xmlns:a14="http://schemas.microsoft.com/office/drawing/2010/main" val="0"/>
+              </a:ext>
+            </a:extLst>
+          </a:blip>
           <a:stretch>
             <a:fillRect/>
           </a:stretch>
         </p:blipFill>
         <p:spPr>
           <a:xfrm>
-            <a:off x="5529890" y="1448452"/>
-            <a:ext cx="6172200" cy="872301"/>
+            <a:off x="6454785" y="1083484"/>
+            <a:ext cx="4471416" cy="4532376"/>
           </a:xfrm>
           <a:prstGeom prst="rect">
             <a:avLst/>
           </a:prstGeom>
         </p:spPr>
       </p:pic>
+    </p:spTree>
+    <p:extLst>
+      <p:ext uri="{BB962C8B-B14F-4D97-AF65-F5344CB8AC3E}">
+        <p14:creationId xmlns:p14="http://schemas.microsoft.com/office/powerpoint/2010/main" val="2066853906"/>
+      </p:ext>
+    </p:extLst>
+  </p:cSld>
+  <p:clrMapOvr>
+    <a:masterClrMapping/>
+  </p:clrMapOvr>
+</p:sld>
+</file>
+
+<file path=ppt/slides/slide9.xml><?xml version="1.0" encoding="utf-8"?>
+<p:sld xmlns:a="http://schemas.openxmlformats.org/drawingml/2006/main" xmlns:r="http://schemas.openxmlformats.org/officeDocument/2006/relationships" xmlns:p="http://schemas.openxmlformats.org/presentationml/2006/main">
+  <p:cSld>
+    <p:bg>
+      <p:bgPr>
+        <a:solidFill>
+          <a:schemeClr val="bg1"/>
+        </a:solidFill>
+        <a:effectLst/>
+      </p:bgPr>
+    </p:bg>
+    <p:spTree>
+      <p:nvGrpSpPr>
+        <p:cNvPr id="1" name=""/>
+        <p:cNvGrpSpPr/>
+        <p:nvPr/>
+      </p:nvGrpSpPr>
+      <p:grpSpPr>
+        <a:xfrm>
+          <a:off x="0" y="0"/>
+          <a:ext cx="0" cy="0"/>
+          <a:chOff x="0" y="0"/>
+          <a:chExt cx="0" cy="0"/>
+        </a:xfrm>
+      </p:grpSpPr>
+      <p:sp useBgFill="1">
+        <p:nvSpPr>
+          <p:cNvPr id="52" name="Rectangle 42">
+            <a:extLst>
+              <a:ext uri="{FF2B5EF4-FFF2-40B4-BE49-F238E27FC236}">
+                <a16:creationId xmlns:a16="http://schemas.microsoft.com/office/drawing/2014/main" id="{201CC55D-ED54-4C5C-95E6-10947BD1103B}"/>
+              </a:ext>
+              <a:ext uri="{C183D7F6-B498-43B3-948B-1728B52AA6E4}">
+                <adec:decorative xmlns:adec="http://schemas.microsoft.com/office/drawing/2017/decorative" val="1"/>
+              </a:ext>
+            </a:extLst>
+          </p:cNvPr>
+          <p:cNvSpPr>
+            <a:spLocks noGrp="1" noRot="1" noChangeAspect="1" noMove="1" noResize="1" noEditPoints="1" noAdjustHandles="1" noChangeArrowheads="1" noChangeShapeType="1" noTextEdit="1"/>
+          </p:cNvSpPr>
+          <p:nvPr>
+            <p:extLst>
+              <p:ext uri="{386F3935-93C4-4BCD-93E2-E3B085C9AB24}">
+                <p16:designElem xmlns:p16="http://schemas.microsoft.com/office/powerpoint/2015/main" val="1"/>
+              </p:ext>
+            </p:extLst>
+          </p:nvPr>
+        </p:nvSpPr>
+        <p:spPr>
+          <a:xfrm>
+            <a:off x="0" y="0"/>
+            <a:ext cx="12191999" cy="6857365"/>
+          </a:xfrm>
+          <a:prstGeom prst="rect">
+            <a:avLst/>
+          </a:prstGeom>
+          <a:ln>
+            <a:noFill/>
+          </a:ln>
+        </p:spPr>
+        <p:style>
+          <a:lnRef idx="2">
+            <a:schemeClr val="accent1">
+              <a:shade val="50000"/>
+            </a:schemeClr>
+          </a:lnRef>
+          <a:fillRef idx="1">
+            <a:schemeClr val="accent1"/>
+          </a:fillRef>
+          <a:effectRef idx="0">
+            <a:schemeClr val="accent1"/>
+          </a:effectRef>
+          <a:fontRef idx="minor">
+            <a:schemeClr val="lt1"/>
+          </a:fontRef>
+        </p:style>
+        <p:txBody>
+          <a:bodyPr rtlCol="0" anchor="ctr"/>
+          <a:lstStyle/>
+          <a:p>
+            <a:pPr algn="ctr"/>
+            <a:endParaRPr lang="en-US"/>
+          </a:p>
+        </p:txBody>
+      </p:sp>
+      <p:sp>
+        <p:nvSpPr>
+          <p:cNvPr id="19" name="Rectangle 18">
+            <a:extLst>
+              <a:ext uri="{FF2B5EF4-FFF2-40B4-BE49-F238E27FC236}">
+                <a16:creationId xmlns:a16="http://schemas.microsoft.com/office/drawing/2014/main" id="{839D4B9E-CCF5-4693-A7D2-3F65D29B2909}"/>
+              </a:ext>
+            </a:extLst>
+          </p:cNvPr>
+          <p:cNvSpPr/>
+          <p:nvPr/>
+        </p:nvSpPr>
+        <p:spPr>
+          <a:xfrm>
+            <a:off x="355197" y="640080"/>
+            <a:ext cx="5330612" cy="1316736"/>
+          </a:xfrm>
+          <a:prstGeom prst="rect">
+            <a:avLst/>
+          </a:prstGeom>
+          <a:solidFill>
+            <a:srgbClr val="023047"/>
+          </a:solidFill>
+          <a:ln>
+            <a:noFill/>
+          </a:ln>
+        </p:spPr>
+        <p:style>
+          <a:lnRef idx="2">
+            <a:schemeClr val="accent1">
+              <a:shade val="50000"/>
+            </a:schemeClr>
+          </a:lnRef>
+          <a:fillRef idx="1">
+            <a:schemeClr val="accent1"/>
+          </a:fillRef>
+          <a:effectRef idx="0">
+            <a:schemeClr val="accent1"/>
+          </a:effectRef>
+          <a:fontRef idx="minor">
+            <a:schemeClr val="lt1"/>
+          </a:fontRef>
+        </p:style>
+        <p:txBody>
+          <a:bodyPr rtlCol="0" anchor="ctr"/>
+          <a:lstStyle/>
+          <a:p>
+            <a:pPr algn="ctr"/>
+            <a:endParaRPr lang="en-GB"/>
+          </a:p>
+        </p:txBody>
+      </p:sp>
+      <p:sp>
+        <p:nvSpPr>
+          <p:cNvPr id="2" name="Title 1">
+            <a:extLst>
+              <a:ext uri="{FF2B5EF4-FFF2-40B4-BE49-F238E27FC236}">
+                <a16:creationId xmlns:a16="http://schemas.microsoft.com/office/drawing/2014/main" id="{F703FF40-49BD-4711-8571-801EBE0CF90B}"/>
+              </a:ext>
+            </a:extLst>
+          </p:cNvPr>
+          <p:cNvSpPr>
+            <a:spLocks noGrp="1"/>
+          </p:cNvSpPr>
+          <p:nvPr>
+            <p:ph type="title"/>
+          </p:nvPr>
+        </p:nvSpPr>
+        <p:spPr>
+          <a:xfrm>
+            <a:off x="589560" y="694944"/>
+            <a:ext cx="4672496" cy="1289304"/>
+          </a:xfrm>
+        </p:spPr>
+        <p:txBody>
+          <a:bodyPr vert="horz" lIns="91440" tIns="45720" rIns="91440" bIns="45720" rtlCol="0" anchor="ctr">
+            <a:normAutofit/>
+          </a:bodyPr>
+          <a:lstStyle/>
+          <a:p>
+            <a:r>
+              <a:rPr lang="en-US" sz="5400" dirty="0">
+                <a:solidFill>
+                  <a:srgbClr val="FFC000"/>
+                </a:solidFill>
+              </a:rPr>
+              <a:t>Interactions</a:t>
+            </a:r>
+            <a:endParaRPr lang="en-US" sz="4400" dirty="0">
+              <a:solidFill>
+                <a:srgbClr val="FFC000"/>
+              </a:solidFill>
+            </a:endParaRPr>
+          </a:p>
+        </p:txBody>
+      </p:sp>
+      <p:grpSp>
+        <p:nvGrpSpPr>
+          <p:cNvPr id="54" name="Group 44">
+            <a:extLst>
+              <a:ext uri="{FF2B5EF4-FFF2-40B4-BE49-F238E27FC236}">
+                <a16:creationId xmlns:a16="http://schemas.microsoft.com/office/drawing/2014/main" id="{1DE889C7-FAD6-4397-98E2-05D503484459}"/>
+              </a:ext>
+              <a:ext uri="{C183D7F6-B498-43B3-948B-1728B52AA6E4}">
+                <adec:decorative xmlns:adec="http://schemas.microsoft.com/office/drawing/2017/decorative" val="1"/>
+              </a:ext>
+            </a:extLst>
+          </p:cNvPr>
+          <p:cNvGrpSpPr>
+            <a:grpSpLocks noGrp="1" noUngrp="1" noRot="1" noChangeAspect="1" noMove="1" noResize="1"/>
+          </p:cNvGrpSpPr>
+          <p:nvPr>
+            <p:extLst>
+              <p:ext uri="{386F3935-93C4-4BCD-93E2-E3B085C9AB24}">
+                <p16:designElem xmlns:p16="http://schemas.microsoft.com/office/powerpoint/2015/main" val="1"/>
+              </p:ext>
+            </p:extLst>
+          </p:nvPr>
+        </p:nvGrpSpPr>
+        <p:grpSpPr>
+          <a:xfrm>
+            <a:off x="0" y="1083484"/>
+            <a:ext cx="355196" cy="673460"/>
+            <a:chOff x="0" y="823811"/>
+            <a:chExt cx="355196" cy="673460"/>
+          </a:xfrm>
+        </p:grpSpPr>
+        <p:sp>
+          <p:nvSpPr>
+            <p:cNvPr id="46" name="Rectangle 45">
+              <a:extLst>
+                <a:ext uri="{FF2B5EF4-FFF2-40B4-BE49-F238E27FC236}">
+                  <a16:creationId xmlns:a16="http://schemas.microsoft.com/office/drawing/2014/main" id="{F399A70F-F8CD-4992-9EF5-6CF15472E73F}"/>
+                </a:ext>
+                <a:ext uri="{C183D7F6-B498-43B3-948B-1728B52AA6E4}">
+                  <adec:decorative xmlns:adec="http://schemas.microsoft.com/office/drawing/2017/decorative" val="1"/>
+                </a:ext>
+              </a:extLst>
+            </p:cNvPr>
+            <p:cNvSpPr/>
+            <p:nvPr>
+              <p:extLst>
+                <p:ext uri="{386F3935-93C4-4BCD-93E2-E3B085C9AB24}">
+                  <p16:designElem xmlns:p16="http://schemas.microsoft.com/office/powerpoint/2015/main" val="1"/>
+                </p:ext>
+              </p:extLst>
+            </p:nvPr>
+          </p:nvSpPr>
+          <p:spPr>
+            <a:xfrm>
+              <a:off x="0" y="823811"/>
+              <a:ext cx="87363" cy="673460"/>
+            </a:xfrm>
+            <a:prstGeom prst="rect">
+              <a:avLst/>
+            </a:prstGeom>
+            <a:solidFill>
+              <a:schemeClr val="accent4"/>
+            </a:solidFill>
+            <a:ln>
+              <a:noFill/>
+            </a:ln>
+          </p:spPr>
+          <p:style>
+            <a:lnRef idx="2">
+              <a:schemeClr val="accent1">
+                <a:shade val="50000"/>
+              </a:schemeClr>
+            </a:lnRef>
+            <a:fillRef idx="1">
+              <a:schemeClr val="accent1"/>
+            </a:fillRef>
+            <a:effectRef idx="0">
+              <a:schemeClr val="accent1"/>
+            </a:effectRef>
+            <a:fontRef idx="minor">
+              <a:schemeClr val="lt1"/>
+            </a:fontRef>
+          </p:style>
+          <p:txBody>
+            <a:bodyPr rtlCol="0" anchor="ctr"/>
+            <a:lstStyle/>
+            <a:p>
+              <a:pPr algn="ctr"/>
+              <a:endParaRPr lang="en-US"/>
+            </a:p>
+          </p:txBody>
+        </p:sp>
+        <p:sp>
+          <p:nvSpPr>
+            <p:cNvPr id="55" name="Rectangle 46">
+              <a:extLst>
+                <a:ext uri="{FF2B5EF4-FFF2-40B4-BE49-F238E27FC236}">
+                  <a16:creationId xmlns:a16="http://schemas.microsoft.com/office/drawing/2014/main" id="{48F4FEDC-6D80-458C-A665-075D9B9500FD}"/>
+                </a:ext>
+                <a:ext uri="{C183D7F6-B498-43B3-948B-1728B52AA6E4}">
+                  <adec:decorative xmlns:adec="http://schemas.microsoft.com/office/drawing/2017/decorative" val="1"/>
+                </a:ext>
+              </a:extLst>
+            </p:cNvPr>
+            <p:cNvSpPr/>
+            <p:nvPr>
+              <p:extLst>
+                <p:ext uri="{386F3935-93C4-4BCD-93E2-E3B085C9AB24}">
+                  <p16:designElem xmlns:p16="http://schemas.microsoft.com/office/powerpoint/2015/main" val="1"/>
+                </p:ext>
+              </p:extLst>
+            </p:nvPr>
+          </p:nvSpPr>
+          <p:spPr>
+            <a:xfrm>
+              <a:off x="159341" y="823811"/>
+              <a:ext cx="195855" cy="673460"/>
+            </a:xfrm>
+            <a:prstGeom prst="rect">
+              <a:avLst/>
+            </a:prstGeom>
+            <a:solidFill>
+              <a:schemeClr val="accent4"/>
+            </a:solidFill>
+            <a:ln>
+              <a:noFill/>
+            </a:ln>
+          </p:spPr>
+          <p:style>
+            <a:lnRef idx="2">
+              <a:schemeClr val="accent1">
+                <a:shade val="50000"/>
+              </a:schemeClr>
+            </a:lnRef>
+            <a:fillRef idx="1">
+              <a:schemeClr val="accent1"/>
+            </a:fillRef>
+            <a:effectRef idx="0">
+              <a:schemeClr val="accent1"/>
+            </a:effectRef>
+            <a:fontRef idx="minor">
+              <a:schemeClr val="lt1"/>
+            </a:fontRef>
+          </p:style>
+          <p:txBody>
+            <a:bodyPr rtlCol="0" anchor="ctr"/>
+            <a:lstStyle/>
+            <a:p>
+              <a:pPr algn="ctr"/>
+              <a:endParaRPr lang="en-US"/>
+            </a:p>
+          </p:txBody>
+        </p:sp>
+      </p:grpSp>
+      <p:sp>
+        <p:nvSpPr>
+          <p:cNvPr id="56" name="Rectangle 48">
+            <a:extLst>
+              <a:ext uri="{FF2B5EF4-FFF2-40B4-BE49-F238E27FC236}">
+                <a16:creationId xmlns:a16="http://schemas.microsoft.com/office/drawing/2014/main" id="{3873B707-463F-40B0-8227-E8CC6C67EB25}"/>
+              </a:ext>
+              <a:ext uri="{C183D7F6-B498-43B3-948B-1728B52AA6E4}">
+                <adec:decorative xmlns:adec="http://schemas.microsoft.com/office/drawing/2017/decorative" val="1"/>
+              </a:ext>
+            </a:extLst>
+          </p:cNvPr>
+          <p:cNvSpPr>
+            <a:spLocks noGrp="1" noRot="1" noChangeAspect="1" noMove="1" noResize="1" noEditPoints="1" noAdjustHandles="1" noChangeArrowheads="1" noChangeShapeType="1" noTextEdit="1"/>
+          </p:cNvSpPr>
+          <p:nvPr>
+            <p:extLst>
+              <p:ext uri="{386F3935-93C4-4BCD-93E2-E3B085C9AB24}">
+                <p16:designElem xmlns:p16="http://schemas.microsoft.com/office/powerpoint/2015/main" val="1"/>
+              </p:ext>
+            </p:extLst>
+          </p:nvPr>
+        </p:nvSpPr>
+        <p:spPr>
+          <a:xfrm flipH="1">
+            <a:off x="665085" y="2090569"/>
+            <a:ext cx="4297680" cy="27432"/>
+          </a:xfrm>
+          <a:prstGeom prst="rect">
+            <a:avLst/>
+          </a:prstGeom>
+          <a:solidFill>
+            <a:schemeClr val="accent4"/>
+          </a:solidFill>
+          <a:ln>
+            <a:noFill/>
+          </a:ln>
+        </p:spPr>
+        <p:style>
+          <a:lnRef idx="2">
+            <a:schemeClr val="accent1">
+              <a:shade val="50000"/>
+            </a:schemeClr>
+          </a:lnRef>
+          <a:fillRef idx="1">
+            <a:schemeClr val="accent1"/>
+          </a:fillRef>
+          <a:effectRef idx="0">
+            <a:schemeClr val="accent1"/>
+          </a:effectRef>
+          <a:fontRef idx="minor">
+            <a:schemeClr val="lt1"/>
+          </a:fontRef>
+        </p:style>
+        <p:txBody>
+          <a:bodyPr rtlCol="0" anchor="ctr"/>
+          <a:lstStyle/>
+          <a:p>
+            <a:pPr algn="ctr"/>
+            <a:endParaRPr lang="en-US"/>
+          </a:p>
+        </p:txBody>
+      </p:sp>
+      <p:sp>
+        <p:nvSpPr>
+          <p:cNvPr id="51" name="Rectangle 50">
+            <a:extLst>
+              <a:ext uri="{FF2B5EF4-FFF2-40B4-BE49-F238E27FC236}">
+                <a16:creationId xmlns:a16="http://schemas.microsoft.com/office/drawing/2014/main" id="{C13237C8-E62C-4F0D-A318-BD6FB6C2D138}"/>
+              </a:ext>
+              <a:ext uri="{C183D7F6-B498-43B3-948B-1728B52AA6E4}">
+                <adec:decorative xmlns:adec="http://schemas.microsoft.com/office/drawing/2017/decorative" val="1"/>
+              </a:ext>
+            </a:extLst>
+          </p:cNvPr>
+          <p:cNvSpPr>
+            <a:spLocks noGrp="1" noRot="1" noChangeAspect="1" noMove="1" noResize="1" noEditPoints="1" noAdjustHandles="1" noChangeArrowheads="1" noChangeShapeType="1" noTextEdit="1"/>
+          </p:cNvSpPr>
+          <p:nvPr>
+            <p:extLst>
+              <p:ext uri="{386F3935-93C4-4BCD-93E2-E3B085C9AB24}">
+                <p16:designElem xmlns:p16="http://schemas.microsoft.com/office/powerpoint/2015/main" val="1"/>
+              </p:ext>
+            </p:extLst>
+          </p:nvPr>
+        </p:nvSpPr>
+        <p:spPr>
+          <a:xfrm flipH="1">
+            <a:off x="10697670" y="0"/>
+            <a:ext cx="1494330" cy="6858000"/>
+          </a:xfrm>
+          <a:prstGeom prst="rect">
+            <a:avLst/>
+          </a:prstGeom>
+          <a:solidFill>
+            <a:schemeClr val="accent4"/>
+          </a:solidFill>
+          <a:ln>
+            <a:noFill/>
+          </a:ln>
+        </p:spPr>
+        <p:style>
+          <a:lnRef idx="2">
+            <a:schemeClr val="accent1">
+              <a:shade val="50000"/>
+            </a:schemeClr>
+          </a:lnRef>
+          <a:fillRef idx="1">
+            <a:schemeClr val="accent1"/>
+          </a:fillRef>
+          <a:effectRef idx="0">
+            <a:schemeClr val="accent1"/>
+          </a:effectRef>
+          <a:fontRef idx="minor">
+            <a:schemeClr val="lt1"/>
+          </a:fontRef>
+        </p:style>
+        <p:txBody>
+          <a:bodyPr rtlCol="0" anchor="ctr"/>
+          <a:lstStyle/>
+          <a:p>
+            <a:pPr algn="ctr"/>
+            <a:endParaRPr lang="en-US"/>
+          </a:p>
+        </p:txBody>
+      </p:sp>
+      <p:sp>
+        <p:nvSpPr>
+          <p:cNvPr id="53" name="Rectangle 52">
+            <a:extLst>
+              <a:ext uri="{FF2B5EF4-FFF2-40B4-BE49-F238E27FC236}">
+                <a16:creationId xmlns:a16="http://schemas.microsoft.com/office/drawing/2014/main" id="{19C9EAEA-39D0-4B0E-A0EB-51E7B26740B1}"/>
+              </a:ext>
+              <a:ext uri="{C183D7F6-B498-43B3-948B-1728B52AA6E4}">
+                <adec:decorative xmlns:adec="http://schemas.microsoft.com/office/drawing/2017/decorative" val="1"/>
+              </a:ext>
+            </a:extLst>
+          </p:cNvPr>
+          <p:cNvSpPr>
+            <a:spLocks noGrp="1" noRot="1" noChangeAspect="1" noMove="1" noResize="1" noEditPoints="1" noAdjustHandles="1" noChangeArrowheads="1" noChangeShapeType="1" noTextEdit="1"/>
+          </p:cNvSpPr>
+          <p:nvPr>
+            <p:extLst>
+              <p:ext uri="{386F3935-93C4-4BCD-93E2-E3B085C9AB24}">
+                <p16:designElem xmlns:p16="http://schemas.microsoft.com/office/powerpoint/2015/main" val="1"/>
+              </p:ext>
+            </p:extLst>
+          </p:nvPr>
+        </p:nvSpPr>
+        <p:spPr>
+          <a:xfrm>
+            <a:off x="5685810" y="513853"/>
+            <a:ext cx="6009366" cy="5834577"/>
+          </a:xfrm>
+          <a:prstGeom prst="rect">
+            <a:avLst/>
+          </a:prstGeom>
+          <a:solidFill>
+            <a:schemeClr val="bg1"/>
+          </a:solidFill>
+          <a:ln>
+            <a:noFill/>
+          </a:ln>
+          <a:effectLst>
+            <a:outerShdw blurRad="139700" dist="127000" dir="5400000" algn="t" rotWithShape="0">
+              <a:prstClr val="black">
+                <a:alpha val="15000"/>
+              </a:prstClr>
+            </a:outerShdw>
+          </a:effectLst>
+        </p:spPr>
+        <p:style>
+          <a:lnRef idx="2">
+            <a:schemeClr val="accent1">
+              <a:shade val="50000"/>
+            </a:schemeClr>
+          </a:lnRef>
+          <a:fillRef idx="1">
+            <a:schemeClr val="accent1"/>
+          </a:fillRef>
+          <a:effectRef idx="0">
+            <a:schemeClr val="accent1"/>
+          </a:effectRef>
+          <a:fontRef idx="minor">
+            <a:schemeClr val="lt1"/>
+          </a:fontRef>
+        </p:style>
+        <p:txBody>
+          <a:bodyPr rtlCol="0" anchor="ctr"/>
+          <a:lstStyle/>
+          <a:p>
+            <a:pPr algn="ctr"/>
+            <a:endParaRPr lang="en-US"/>
+          </a:p>
+        </p:txBody>
+      </p:sp>
       <p:pic>
         <p:nvPicPr>
-          <p:cNvPr id="15" name="Picture 14">
-            <a:extLst>
-              <a:ext uri="{FF2B5EF4-FFF2-40B4-BE49-F238E27FC236}">
-                <a16:creationId xmlns:a16="http://schemas.microsoft.com/office/drawing/2014/main" id="{2825E390-DEB2-4336-8FA6-106516AF3AC0}"/>
+          <p:cNvPr id="7" name="Picture 6" descr="Diagram&#10;&#10;Description automatically generated">
+            <a:extLst>
+              <a:ext uri="{FF2B5EF4-FFF2-40B4-BE49-F238E27FC236}">
+                <a16:creationId xmlns:a16="http://schemas.microsoft.com/office/drawing/2014/main" id="{F3B590EA-F3AF-4AD2-9E17-FAC5AC6B146A}"/>
               </a:ext>
             </a:extLst>
           </p:cNvPr>
@@ -13301,75 +16897,21 @@
           <p:nvPr/>
         </p:nvPicPr>
         <p:blipFill>
-          <a:blip r:embed="rId3"/>
+          <a:blip r:embed="rId2">
+            <a:extLst>
+              <a:ext uri="{28A0092B-C50C-407E-A947-70E740481C1C}">
+                <a14:useLocalDpi xmlns:a14="http://schemas.microsoft.com/office/drawing/2010/main" val="0"/>
+              </a:ext>
+            </a:extLst>
+          </a:blip>
           <a:stretch>
             <a:fillRect/>
           </a:stretch>
         </p:blipFill>
         <p:spPr>
           <a:xfrm>
-            <a:off x="5519800" y="2876567"/>
-            <a:ext cx="6169024" cy="887916"/>
-          </a:xfrm>
-          <a:prstGeom prst="rect">
-            <a:avLst/>
-          </a:prstGeom>
-        </p:spPr>
-      </p:pic>
-      <p:pic>
-        <p:nvPicPr>
-          <p:cNvPr id="16" name="Picture 15">
-            <a:extLst>
-              <a:ext uri="{FF2B5EF4-FFF2-40B4-BE49-F238E27FC236}">
-                <a16:creationId xmlns:a16="http://schemas.microsoft.com/office/drawing/2014/main" id="{2490F14E-2FFE-4984-AF49-61C9A57A4680}"/>
-              </a:ext>
-            </a:extLst>
-          </p:cNvPr>
-          <p:cNvPicPr>
-            <a:picLocks noChangeAspect="1"/>
-          </p:cNvPicPr>
-          <p:nvPr/>
-        </p:nvPicPr>
-        <p:blipFill>
-          <a:blip r:embed="rId4"/>
-          <a:stretch>
-            <a:fillRect/>
-          </a:stretch>
-        </p:blipFill>
-        <p:spPr>
-          <a:xfrm>
-            <a:off x="5519800" y="4320297"/>
-            <a:ext cx="6172200" cy="1748349"/>
-          </a:xfrm>
-          <a:prstGeom prst="rect">
-            <a:avLst/>
-          </a:prstGeom>
-        </p:spPr>
-      </p:pic>
-      <p:pic>
-        <p:nvPicPr>
-          <p:cNvPr id="17" name="Picture 16">
-            <a:extLst>
-              <a:ext uri="{FF2B5EF4-FFF2-40B4-BE49-F238E27FC236}">
-                <a16:creationId xmlns:a16="http://schemas.microsoft.com/office/drawing/2014/main" id="{68A38278-06C9-46E3-9F3A-64FC8CAF4E14}"/>
-              </a:ext>
-            </a:extLst>
-          </p:cNvPr>
-          <p:cNvPicPr>
-            <a:picLocks noChangeAspect="1"/>
-          </p:cNvPicPr>
-          <p:nvPr/>
-        </p:nvPicPr>
-        <p:blipFill>
-          <a:blip r:embed="rId5"/>
-          <a:stretch>
-            <a:fillRect/>
-          </a:stretch>
-        </p:blipFill>
-        <p:spPr>
-          <a:xfrm>
-            <a:off x="5522976" y="453667"/>
-            <a:ext cx="6172200" cy="438971"/>
+            <a:off x="5677092" y="958406"/>
+            <a:ext cx="6018084" cy="4941187"/>
           </a:xfrm>
           <a:prstGeom prst="rect">
             <a:avLst/>
@@ -13379,7 +16921,7 @@
     </p:spTree>
     <p:extLst>
       <p:ext uri="{BB962C8B-B14F-4D97-AF65-F5344CB8AC3E}">
-        <p14:creationId xmlns:p14="http://schemas.microsoft.com/office/powerpoint/2010/main" val="858608500"/>
+        <p14:creationId xmlns:p14="http://schemas.microsoft.com/office/powerpoint/2010/main" val="3194240597"/>
       </p:ext>
     </p:extLst>
   </p:cSld>

--- a/Multimodal personalized multiuser Home Assistant.pptx
+++ b/Multimodal personalized multiuser Home Assistant.pptx
@@ -16,14 +16,12 @@
     <p:sldId id="274" r:id="rId10"/>
     <p:sldId id="275" r:id="rId11"/>
     <p:sldId id="276" r:id="rId12"/>
-    <p:sldId id="277" r:id="rId13"/>
-    <p:sldId id="260" r:id="rId14"/>
-    <p:sldId id="266" r:id="rId15"/>
-    <p:sldId id="267" r:id="rId16"/>
-    <p:sldId id="264" r:id="rId17"/>
-    <p:sldId id="262" r:id="rId18"/>
-    <p:sldId id="278" r:id="rId19"/>
-    <p:sldId id="272" r:id="rId20"/>
+    <p:sldId id="266" r:id="rId13"/>
+    <p:sldId id="279" r:id="rId14"/>
+    <p:sldId id="282" r:id="rId15"/>
+    <p:sldId id="278" r:id="rId16"/>
+    <p:sldId id="272" r:id="rId17"/>
+    <p:sldId id="280" r:id="rId18"/>
   </p:sldIdLst>
   <p:sldSz cx="12192000" cy="6858000"/>
   <p:notesSz cx="6858000" cy="9144000"/>
@@ -3841,7 +3839,7 @@
                   <a:srgbClr val="023047"/>
                 </a:solidFill>
                 <a:effectLst/>
-                <a:latin typeface="Arial" panose="020B0604020202020204" pitchFamily="34" charset="0"/>
+                <a:cs typeface="Arial" panose="020B0604020202020204" pitchFamily="34" charset="0"/>
               </a:rPr>
               <a:t>Multimodal</a:t>
             </a:r>
@@ -3851,7 +3849,7 @@
                   <a:srgbClr val="023047"/>
                 </a:solidFill>
                 <a:effectLst/>
-                <a:latin typeface="Arial" panose="020B0604020202020204" pitchFamily="34" charset="0"/>
+                <a:cs typeface="Arial" panose="020B0604020202020204" pitchFamily="34" charset="0"/>
               </a:rPr>
               <a:t> </a:t>
             </a:r>
@@ -3860,7 +3858,7 @@
                 <a:solidFill>
                   <a:srgbClr val="023047"/>
                 </a:solidFill>
-                <a:latin typeface="Arial" panose="020B0604020202020204" pitchFamily="34" charset="0"/>
+                <a:cs typeface="Arial" panose="020B0604020202020204" pitchFamily="34" charset="0"/>
               </a:rPr>
               <a:t>P</a:t>
             </a:r>
@@ -3870,7 +3868,7 @@
                   <a:srgbClr val="023047"/>
                 </a:solidFill>
                 <a:effectLst/>
-                <a:latin typeface="Arial" panose="020B0604020202020204" pitchFamily="34" charset="0"/>
+                <a:cs typeface="Arial" panose="020B0604020202020204" pitchFamily="34" charset="0"/>
               </a:rPr>
               <a:t>ersonalized</a:t>
             </a:r>
@@ -3880,7 +3878,7 @@
                   <a:srgbClr val="023047"/>
                 </a:solidFill>
                 <a:effectLst/>
-                <a:latin typeface="Arial" panose="020B0604020202020204" pitchFamily="34" charset="0"/>
+                <a:cs typeface="Arial" panose="020B0604020202020204" pitchFamily="34" charset="0"/>
               </a:rPr>
               <a:t> </a:t>
             </a:r>
@@ -3889,7 +3887,7 @@
                 <a:solidFill>
                   <a:srgbClr val="023047"/>
                 </a:solidFill>
-                <a:latin typeface="Arial" panose="020B0604020202020204" pitchFamily="34" charset="0"/>
+                <a:cs typeface="Arial" panose="020B0604020202020204" pitchFamily="34" charset="0"/>
               </a:rPr>
               <a:t>M</a:t>
             </a:r>
@@ -3899,7 +3897,7 @@
                   <a:srgbClr val="023047"/>
                 </a:solidFill>
                 <a:effectLst/>
-                <a:latin typeface="Arial" panose="020B0604020202020204" pitchFamily="34" charset="0"/>
+                <a:cs typeface="Arial" panose="020B0604020202020204" pitchFamily="34" charset="0"/>
               </a:rPr>
               <a:t>ultiuser</a:t>
             </a:r>
@@ -3909,7 +3907,7 @@
                   <a:srgbClr val="023047"/>
                 </a:solidFill>
                 <a:effectLst/>
-                <a:latin typeface="Arial" panose="020B0604020202020204" pitchFamily="34" charset="0"/>
+                <a:cs typeface="Arial" panose="020B0604020202020204" pitchFamily="34" charset="0"/>
               </a:rPr>
               <a:t> Home Assistant</a:t>
             </a:r>
@@ -3917,6 +3915,7 @@
               <a:solidFill>
                 <a:srgbClr val="023047"/>
               </a:solidFill>
+              <a:cs typeface="Arial" panose="020B0604020202020204" pitchFamily="34" charset="0"/>
             </a:endParaRPr>
           </a:p>
         </p:txBody>
@@ -3951,24 +3950,22 @@
           <a:p>
             <a:pPr algn="l"/>
             <a:r>
-              <a:rPr lang="it-IT" sz="2600" dirty="0">
+              <a:rPr lang="it-IT" sz="2800" dirty="0">
                 <a:solidFill>
                   <a:srgbClr val="FFC000"/>
                 </a:solidFill>
-                <a:latin typeface="Arial" panose="020B0604020202020204" pitchFamily="34" charset="0"/>
               </a:rPr>
               <a:t>Giulio Attenni &amp; Gabriel Radu </a:t>
             </a:r>
             <a:r>
-              <a:rPr lang="it-IT" sz="2600" dirty="0" err="1">
+              <a:rPr lang="it-IT" sz="2800" dirty="0" err="1">
                 <a:solidFill>
                   <a:srgbClr val="FFC000"/>
                 </a:solidFill>
-                <a:latin typeface="Arial" panose="020B0604020202020204" pitchFamily="34" charset="0"/>
               </a:rPr>
               <a:t>Taranciuc</a:t>
             </a:r>
-            <a:endParaRPr lang="en-US" sz="2600" dirty="0">
+            <a:endParaRPr lang="en-US" sz="2800" dirty="0">
               <a:solidFill>
                 <a:srgbClr val="FFC000"/>
               </a:solidFill>
@@ -4011,7 +4008,7 @@
                   <a:srgbClr val="023047"/>
                 </a:solidFill>
                 <a:effectLst/>
-                <a:latin typeface="Arial" panose="020B0604020202020204" pitchFamily="34" charset="0"/>
+                <a:latin typeface="+mj-lt"/>
               </a:rPr>
               <a:t>Multimodal</a:t>
             </a:r>
@@ -4021,7 +4018,7 @@
                   <a:srgbClr val="023047"/>
                 </a:solidFill>
                 <a:effectLst/>
-                <a:latin typeface="Arial" panose="020B0604020202020204" pitchFamily="34" charset="0"/>
+                <a:latin typeface="+mj-lt"/>
               </a:rPr>
               <a:t> Interaction,</a:t>
             </a:r>
@@ -4029,7 +4026,7 @@
               <a:solidFill>
                 <a:srgbClr val="023047"/>
               </a:solidFill>
-              <a:latin typeface="Arial" panose="020B0604020202020204" pitchFamily="34" charset="0"/>
+              <a:latin typeface="+mj-lt"/>
             </a:endParaRPr>
           </a:p>
           <a:p>
@@ -4039,7 +4036,7 @@
                 <a:solidFill>
                   <a:srgbClr val="023047"/>
                 </a:solidFill>
-                <a:latin typeface="Arial" panose="020B0604020202020204" pitchFamily="34" charset="0"/>
+                <a:latin typeface="+mj-lt"/>
               </a:rPr>
               <a:t>Project Presentation</a:t>
             </a:r>
@@ -4049,7 +4046,7 @@
               <a:solidFill>
                 <a:srgbClr val="023047"/>
               </a:solidFill>
-              <a:latin typeface="Arial" panose="020B0604020202020204" pitchFamily="34" charset="0"/>
+              <a:latin typeface="+mj-lt"/>
             </a:endParaRPr>
           </a:p>
           <a:p>
@@ -4058,7 +4055,7 @@
                 <a:solidFill>
                   <a:srgbClr val="023047"/>
                 </a:solidFill>
-                <a:latin typeface="Arial" panose="020B0604020202020204" pitchFamily="34" charset="0"/>
+                <a:latin typeface="+mj-lt"/>
               </a:rPr>
               <a:t>Spring 2021</a:t>
             </a:r>
@@ -4069,7 +4066,7 @@
                 <a:srgbClr val="023047"/>
               </a:solidFill>
               <a:effectLst/>
-              <a:latin typeface="Arial" panose="020B0604020202020204" pitchFamily="34" charset="0"/>
+              <a:latin typeface="+mj-lt"/>
             </a:endParaRPr>
           </a:p>
           <a:p>
@@ -4080,7 +4077,7 @@
                   <a:srgbClr val="023047"/>
                 </a:solidFill>
                 <a:effectLst/>
-                <a:latin typeface="Arial" panose="020B0604020202020204" pitchFamily="34" charset="0"/>
+                <a:latin typeface="+mj-lt"/>
               </a:rPr>
               <a:t>MSc</a:t>
             </a:r>
@@ -4090,7 +4087,7 @@
                   <a:srgbClr val="023047"/>
                 </a:solidFill>
                 <a:effectLst/>
-                <a:latin typeface="Arial" panose="020B0604020202020204" pitchFamily="34" charset="0"/>
+                <a:latin typeface="+mj-lt"/>
               </a:rPr>
               <a:t> Computer Science</a:t>
             </a:r>
@@ -4852,6 +4849,110 @@
           </a:prstGeom>
         </p:spPr>
       </p:pic>
+      <p:sp>
+        <p:nvSpPr>
+          <p:cNvPr id="14" name="Text Placeholder 7">
+            <a:extLst>
+              <a:ext uri="{FF2B5EF4-FFF2-40B4-BE49-F238E27FC236}">
+                <a16:creationId xmlns:a16="http://schemas.microsoft.com/office/drawing/2014/main" id="{0566D72A-B375-496A-9BFA-542092CEEE4B}"/>
+              </a:ext>
+            </a:extLst>
+          </p:cNvPr>
+          <p:cNvSpPr>
+            <a:spLocks noGrp="1"/>
+          </p:cNvSpPr>
+          <p:nvPr>
+            <p:ph type="body" sz="half" idx="2"/>
+          </p:nvPr>
+        </p:nvSpPr>
+        <p:spPr>
+          <a:xfrm>
+            <a:off x="646095" y="2303873"/>
+            <a:ext cx="4559425" cy="3979585"/>
+          </a:xfrm>
+        </p:spPr>
+        <p:txBody>
+          <a:bodyPr vert="horz" lIns="91440" tIns="45720" rIns="91440" bIns="45720" rtlCol="0" anchor="ctr">
+            <a:normAutofit/>
+          </a:bodyPr>
+          <a:lstStyle/>
+          <a:p>
+            <a:pPr indent="-228600">
+              <a:buFont typeface="Arial" panose="020B0604020202020204" pitchFamily="34" charset="0"/>
+              <a:buChar char="•"/>
+            </a:pPr>
+            <a:r>
+              <a:rPr lang="en-US" sz="1800" dirty="0">
+                <a:solidFill>
+                  <a:srgbClr val="023047"/>
+                </a:solidFill>
+                <a:cs typeface="Arial" panose="020B0604020202020204" pitchFamily="34" charset="0"/>
+              </a:rPr>
+              <a:t>Registration Steps:</a:t>
+            </a:r>
+          </a:p>
+          <a:p>
+            <a:pPr lvl="1" indent="-228600">
+              <a:buFont typeface="Arial" panose="020B0604020202020204" pitchFamily="34" charset="0"/>
+              <a:buChar char="•"/>
+            </a:pPr>
+            <a:r>
+              <a:rPr lang="en-US" sz="1800" dirty="0">
+                <a:solidFill>
+                  <a:srgbClr val="023047"/>
+                </a:solidFill>
+                <a:cs typeface="Arial" panose="020B0604020202020204" pitchFamily="34" charset="0"/>
+              </a:rPr>
+              <a:t>After recognition fails the assistant attempt the registration of the user</a:t>
+            </a:r>
+          </a:p>
+          <a:p>
+            <a:pPr lvl="1" indent="-228600">
+              <a:buFont typeface="Arial" panose="020B0604020202020204" pitchFamily="34" charset="0"/>
+              <a:buChar char="•"/>
+            </a:pPr>
+            <a:r>
+              <a:rPr lang="en-US" sz="1800" dirty="0">
+                <a:solidFill>
+                  <a:srgbClr val="023047"/>
+                </a:solidFill>
+                <a:cs typeface="Arial" panose="020B0604020202020204" pitchFamily="34" charset="0"/>
+              </a:rPr>
+              <a:t>Ask the name which the person wants to register with</a:t>
+            </a:r>
+          </a:p>
+          <a:p>
+            <a:pPr lvl="1" indent="-228600">
+              <a:buFont typeface="Arial" panose="020B0604020202020204" pitchFamily="34" charset="0"/>
+              <a:buChar char="•"/>
+            </a:pPr>
+            <a:r>
+              <a:rPr lang="en-US" sz="1800" dirty="0">
+                <a:solidFill>
+                  <a:srgbClr val="023047"/>
+                </a:solidFill>
+                <a:cs typeface="Arial" panose="020B0604020202020204" pitchFamily="34" charset="0"/>
+              </a:rPr>
+              <a:t>Compute face encodings from the detection frame (the frame that started it all)</a:t>
+            </a:r>
+          </a:p>
+          <a:p>
+            <a:pPr lvl="1" indent="-228600">
+              <a:buFont typeface="Arial" panose="020B0604020202020204" pitchFamily="34" charset="0"/>
+              <a:buChar char="•"/>
+            </a:pPr>
+            <a:r>
+              <a:rPr lang="en-US" sz="1800" dirty="0">
+                <a:solidFill>
+                  <a:srgbClr val="023047"/>
+                </a:solidFill>
+                <a:cs typeface="Arial" panose="020B0604020202020204" pitchFamily="34" charset="0"/>
+              </a:rPr>
+              <a:t>Create a new instance of the Member class, commit it to memory, and inform the user they are now part of the Clan</a:t>
+            </a:r>
+          </a:p>
+        </p:txBody>
+      </p:sp>
     </p:spTree>
     <p:extLst>
       <p:ext uri="{BB962C8B-B14F-4D97-AF65-F5344CB8AC3E}">
@@ -5432,6 +5533,185 @@
           </a:prstGeom>
         </p:spPr>
       </p:pic>
+      <p:sp>
+        <p:nvSpPr>
+          <p:cNvPr id="14" name="Text Placeholder 7">
+            <a:extLst>
+              <a:ext uri="{FF2B5EF4-FFF2-40B4-BE49-F238E27FC236}">
+                <a16:creationId xmlns:a16="http://schemas.microsoft.com/office/drawing/2014/main" id="{DAF13F89-E802-4348-92D1-F07C12495B68}"/>
+              </a:ext>
+            </a:extLst>
+          </p:cNvPr>
+          <p:cNvSpPr>
+            <a:spLocks noGrp="1"/>
+          </p:cNvSpPr>
+          <p:nvPr>
+            <p:ph type="body" sz="half" idx="2"/>
+          </p:nvPr>
+        </p:nvSpPr>
+        <p:spPr>
+          <a:xfrm>
+            <a:off x="590719" y="2330505"/>
+            <a:ext cx="4559425" cy="3979585"/>
+          </a:xfrm>
+        </p:spPr>
+        <p:txBody>
+          <a:bodyPr vert="horz" lIns="91440" tIns="45720" rIns="91440" bIns="45720" rtlCol="0" anchor="ctr">
+            <a:normAutofit/>
+          </a:bodyPr>
+          <a:lstStyle/>
+          <a:p>
+            <a:pPr marL="285750" indent="-285750">
+              <a:buFont typeface="Arial" panose="020B0604020202020204" pitchFamily="34" charset="0"/>
+              <a:buChar char="•"/>
+            </a:pPr>
+            <a:r>
+              <a:rPr lang="en-US" sz="1600" dirty="0">
+                <a:solidFill>
+                  <a:srgbClr val="023047"/>
+                </a:solidFill>
+                <a:cs typeface="Arial" panose="020B0604020202020204" pitchFamily="34" charset="0"/>
+              </a:rPr>
+              <a:t>The assistant start the interaction greeting the user and informing them of (eventual) pending notes left by other users of the same device</a:t>
+            </a:r>
+          </a:p>
+          <a:p>
+            <a:pPr marL="285750" indent="-285750">
+              <a:buFont typeface="Arial" panose="020B0604020202020204" pitchFamily="34" charset="0"/>
+              <a:buChar char="•"/>
+            </a:pPr>
+            <a:r>
+              <a:rPr lang="en-US" sz="1600" dirty="0">
+                <a:solidFill>
+                  <a:srgbClr val="023047"/>
+                </a:solidFill>
+                <a:cs typeface="Arial" panose="020B0604020202020204" pitchFamily="34" charset="0"/>
+              </a:rPr>
+              <a:t>The interaction proceeds with one of the possible actions: </a:t>
+            </a:r>
+          </a:p>
+          <a:p>
+            <a:pPr marL="742950" lvl="1" indent="-285750">
+              <a:buFont typeface="Arial" panose="020B0604020202020204" pitchFamily="34" charset="0"/>
+              <a:buChar char="•"/>
+            </a:pPr>
+            <a:r>
+              <a:rPr lang="it-IT" dirty="0">
+                <a:solidFill>
+                  <a:srgbClr val="023047"/>
+                </a:solidFill>
+                <a:cs typeface="Arial" panose="020B0604020202020204" pitchFamily="34" charset="0"/>
+              </a:rPr>
+              <a:t>Nuova nota: </a:t>
+            </a:r>
+            <a:r>
+              <a:rPr lang="en-US" dirty="0">
+                <a:solidFill>
+                  <a:srgbClr val="023047"/>
+                </a:solidFill>
+                <a:cs typeface="Arial" panose="020B0604020202020204" pitchFamily="34" charset="0"/>
+              </a:rPr>
+              <a:t>create a new note</a:t>
+            </a:r>
+          </a:p>
+          <a:p>
+            <a:pPr marL="742950" lvl="1" indent="-285750">
+              <a:buFont typeface="Arial" panose="020B0604020202020204" pitchFamily="34" charset="0"/>
+              <a:buChar char="•"/>
+            </a:pPr>
+            <a:r>
+              <a:rPr lang="it-IT" dirty="0">
+                <a:solidFill>
+                  <a:srgbClr val="023047"/>
+                </a:solidFill>
+                <a:cs typeface="Arial" panose="020B0604020202020204" pitchFamily="34" charset="0"/>
+              </a:rPr>
+              <a:t>Modifica: </a:t>
+            </a:r>
+            <a:r>
+              <a:rPr lang="en-US" dirty="0">
+                <a:solidFill>
+                  <a:srgbClr val="023047"/>
+                </a:solidFill>
+                <a:cs typeface="Arial" panose="020B0604020202020204" pitchFamily="34" charset="0"/>
+              </a:rPr>
+              <a:t>edit a previously created note</a:t>
+            </a:r>
+          </a:p>
+          <a:p>
+            <a:pPr marL="742950" lvl="1" indent="-285750">
+              <a:buFont typeface="Arial" panose="020B0604020202020204" pitchFamily="34" charset="0"/>
+              <a:buChar char="•"/>
+            </a:pPr>
+            <a:r>
+              <a:rPr lang="it-IT" dirty="0">
+                <a:solidFill>
+                  <a:srgbClr val="023047"/>
+                </a:solidFill>
+                <a:cs typeface="Arial" panose="020B0604020202020204" pitchFamily="34" charset="0"/>
+              </a:rPr>
+              <a:t>Rimuovi: </a:t>
+            </a:r>
+            <a:r>
+              <a:rPr lang="en-US" dirty="0">
+                <a:solidFill>
+                  <a:srgbClr val="023047"/>
+                </a:solidFill>
+                <a:cs typeface="Arial" panose="020B0604020202020204" pitchFamily="34" charset="0"/>
+              </a:rPr>
+              <a:t>remove a previously created </a:t>
+            </a:r>
+            <a:r>
+              <a:rPr lang="it-IT" dirty="0">
+                <a:solidFill>
+                  <a:srgbClr val="023047"/>
+                </a:solidFill>
+                <a:cs typeface="Arial" panose="020B0604020202020204" pitchFamily="34" charset="0"/>
+              </a:rPr>
+              <a:t>note</a:t>
+            </a:r>
+          </a:p>
+          <a:p>
+            <a:pPr marL="742950" lvl="1" indent="-285750">
+              <a:buFont typeface="Arial" panose="020B0604020202020204" pitchFamily="34" charset="0"/>
+              <a:buChar char="•"/>
+            </a:pPr>
+            <a:r>
+              <a:rPr lang="it-IT" dirty="0">
+                <a:solidFill>
+                  <a:srgbClr val="023047"/>
+                </a:solidFill>
+                <a:cs typeface="Arial" panose="020B0604020202020204" pitchFamily="34" charset="0"/>
+              </a:rPr>
+              <a:t>Termina: stop the </a:t>
+            </a:r>
+            <a:r>
+              <a:rPr lang="en-US" dirty="0">
+                <a:solidFill>
+                  <a:srgbClr val="023047"/>
+                </a:solidFill>
+                <a:cs typeface="Arial" panose="020B0604020202020204" pitchFamily="34" charset="0"/>
+              </a:rPr>
+              <a:t>interaction</a:t>
+            </a:r>
+          </a:p>
+          <a:p>
+            <a:pPr marL="285750" indent="-285750">
+              <a:buFont typeface="Arial" panose="020B0604020202020204" pitchFamily="34" charset="0"/>
+              <a:buChar char="•"/>
+            </a:pPr>
+            <a:r>
+              <a:rPr lang="en-US" dirty="0">
+                <a:solidFill>
+                  <a:srgbClr val="023047"/>
+                </a:solidFill>
+                <a:cs typeface="Arial" panose="020B0604020202020204" pitchFamily="34" charset="0"/>
+              </a:rPr>
+              <a:t>The selection of the action is done with a hot-words based approach that takes into consideration synonyms of words related to the actions</a:t>
+            </a:r>
+          </a:p>
+        </p:txBody>
+      </p:sp>
     </p:spTree>
     <p:extLst>
       <p:ext uri="{BB962C8B-B14F-4D97-AF65-F5344CB8AC3E}">
@@ -5600,8 +5880,8 @@
         </p:nvSpPr>
         <p:spPr>
           <a:xfrm>
-            <a:off x="589560" y="694944"/>
-            <a:ext cx="4672496" cy="1289304"/>
+            <a:off x="621436" y="694944"/>
+            <a:ext cx="4864963" cy="1289304"/>
           </a:xfrm>
         </p:spPr>
         <p:txBody>
@@ -5611,14 +5891,14 @@
           <a:lstStyle/>
           <a:p>
             <a:r>
-              <a:rPr lang="en-US" sz="5400" dirty="0">
+              <a:rPr lang="en-US" sz="3600" dirty="0">
                 <a:solidFill>
                   <a:srgbClr val="FFC000"/>
                 </a:solidFill>
               </a:rPr>
-              <a:t>Interactions</a:t>
-            </a:r>
-            <a:endParaRPr lang="en-US" sz="4400" dirty="0">
+              <a:t>Face Detection &amp; Recognition</a:t>
+            </a:r>
+            <a:endParaRPr lang="en-US" sz="2800" dirty="0">
               <a:solidFill>
                 <a:srgbClr val="FFC000"/>
               </a:solidFill>
@@ -5845,6 +6125,44 @@
       </p:sp>
       <p:sp>
         <p:nvSpPr>
+          <p:cNvPr id="8" name="Text Placeholder 7">
+            <a:extLst>
+              <a:ext uri="{FF2B5EF4-FFF2-40B4-BE49-F238E27FC236}">
+                <a16:creationId xmlns:a16="http://schemas.microsoft.com/office/drawing/2014/main" id="{958D5C89-C119-4811-886C-7F28128E6C98}"/>
+              </a:ext>
+            </a:extLst>
+          </p:cNvPr>
+          <p:cNvSpPr>
+            <a:spLocks noGrp="1"/>
+          </p:cNvSpPr>
+          <p:nvPr>
+            <p:ph type="body" sz="half" idx="2"/>
+          </p:nvPr>
+        </p:nvSpPr>
+        <p:spPr>
+          <a:xfrm>
+            <a:off x="590719" y="2330505"/>
+            <a:ext cx="4559425" cy="3979585"/>
+          </a:xfrm>
+        </p:spPr>
+        <p:txBody>
+          <a:bodyPr vert="horz" lIns="91440" tIns="45720" rIns="91440" bIns="45720" rtlCol="0" anchor="ctr">
+            <a:normAutofit/>
+          </a:bodyPr>
+          <a:lstStyle/>
+          <a:p>
+            <a:endParaRPr lang="en-US" dirty="0">
+              <a:solidFill>
+                <a:srgbClr val="023047"/>
+              </a:solidFill>
+              <a:latin typeface="Arial" panose="020B0604020202020204" pitchFamily="34" charset="0"/>
+              <a:cs typeface="Arial" panose="020B0604020202020204" pitchFamily="34" charset="0"/>
+            </a:endParaRPr>
+          </a:p>
+        </p:txBody>
+      </p:sp>
+      <p:sp>
+        <p:nvSpPr>
           <p:cNvPr id="51" name="Rectangle 50">
             <a:extLst>
               <a:ext uri="{FF2B5EF4-FFF2-40B4-BE49-F238E27FC236}">
@@ -5976,113 +6294,161 @@
           </a:p>
         </p:txBody>
       </p:sp>
-      <p:sp>
-        <p:nvSpPr>
-          <p:cNvPr id="12" name="Text Placeholder 7">
-            <a:extLst>
-              <a:ext uri="{FF2B5EF4-FFF2-40B4-BE49-F238E27FC236}">
-                <a16:creationId xmlns:a16="http://schemas.microsoft.com/office/drawing/2014/main" id="{311959B8-E65E-47B6-9928-6B93D11F356F}"/>
-              </a:ext>
-            </a:extLst>
-          </p:cNvPr>
-          <p:cNvSpPr>
-            <a:spLocks noGrp="1"/>
-          </p:cNvSpPr>
-          <p:nvPr>
-            <p:ph type="body" sz="half" idx="2"/>
-          </p:nvPr>
-        </p:nvSpPr>
+      <p:pic>
+        <p:nvPicPr>
+          <p:cNvPr id="18" name="Content Placeholder 15">
+            <a:extLst>
+              <a:ext uri="{FF2B5EF4-FFF2-40B4-BE49-F238E27FC236}">
+                <a16:creationId xmlns:a16="http://schemas.microsoft.com/office/drawing/2014/main" id="{C1AF6B82-DDFD-4F28-A560-079AB868A653}"/>
+              </a:ext>
+            </a:extLst>
+          </p:cNvPr>
+          <p:cNvPicPr>
+            <a:picLocks noChangeAspect="1"/>
+          </p:cNvPicPr>
+          <p:nvPr/>
+        </p:nvPicPr>
+        <p:blipFill>
+          <a:blip r:embed="rId2"/>
+          <a:stretch>
+            <a:fillRect/>
+          </a:stretch>
+        </p:blipFill>
         <p:spPr>
           <a:xfrm>
-            <a:off x="590719" y="2330505"/>
-            <a:ext cx="4559425" cy="3979585"/>
-          </a:xfrm>
-        </p:spPr>
-        <p:txBody>
-          <a:bodyPr vert="horz" lIns="91440" tIns="45720" rIns="91440" bIns="45720" rtlCol="0" anchor="ctr">
-            <a:normAutofit/>
-          </a:bodyPr>
-          <a:lstStyle/>
-          <a:p>
-            <a:pPr marL="285750" indent="-285750">
-              <a:buFont typeface="Arial" panose="020B0604020202020204" pitchFamily="34" charset="0"/>
-              <a:buChar char="•"/>
-            </a:pPr>
-            <a:r>
-              <a:rPr lang="en-US" dirty="0">
-                <a:solidFill>
-                  <a:srgbClr val="023047"/>
-                </a:solidFill>
-                <a:latin typeface="Arial" panose="020B0604020202020204" pitchFamily="34" charset="0"/>
-                <a:cs typeface="Arial" panose="020B0604020202020204" pitchFamily="34" charset="0"/>
-              </a:rPr>
-              <a:t>Actions:</a:t>
-            </a:r>
-          </a:p>
-          <a:p>
-            <a:pPr marL="742950" lvl="1" indent="-285750">
-              <a:buFont typeface="Arial" panose="020B0604020202020204" pitchFamily="34" charset="0"/>
-              <a:buChar char="•"/>
-            </a:pPr>
-            <a:r>
-              <a:rPr lang="en-US" dirty="0">
-                <a:solidFill>
-                  <a:srgbClr val="023047"/>
-                </a:solidFill>
-                <a:latin typeface="Arial" panose="020B0604020202020204" pitchFamily="34" charset="0"/>
-                <a:cs typeface="Arial" panose="020B0604020202020204" pitchFamily="34" charset="0"/>
-              </a:rPr>
-              <a:t>Possible actions:</a:t>
-            </a:r>
-          </a:p>
-          <a:p>
-            <a:pPr marL="1200150" lvl="2" indent="-285750">
-              <a:buFont typeface="Arial" panose="020B0604020202020204" pitchFamily="34" charset="0"/>
-              <a:buChar char="•"/>
-            </a:pPr>
-            <a:r>
-              <a:rPr lang="en-US" dirty="0">
-                <a:solidFill>
-                  <a:srgbClr val="023047"/>
-                </a:solidFill>
-                <a:latin typeface="Arial" panose="020B0604020202020204" pitchFamily="34" charset="0"/>
-                <a:cs typeface="Arial" panose="020B0604020202020204" pitchFamily="34" charset="0"/>
-              </a:rPr>
-              <a:t>“”</a:t>
-            </a:r>
-          </a:p>
-          <a:p>
-            <a:pPr marL="742950" lvl="1" indent="-285750">
-              <a:buFont typeface="Arial" panose="020B0604020202020204" pitchFamily="34" charset="0"/>
-              <a:buChar char="•"/>
-            </a:pPr>
-            <a:r>
-              <a:rPr lang="en-US" dirty="0">
-                <a:solidFill>
-                  <a:srgbClr val="023047"/>
-                </a:solidFill>
-                <a:latin typeface="Arial" panose="020B0604020202020204" pitchFamily="34" charset="0"/>
-                <a:cs typeface="Arial" panose="020B0604020202020204" pitchFamily="34" charset="0"/>
-              </a:rPr>
-              <a:t>Hot-words based selection</a:t>
-            </a:r>
-          </a:p>
-          <a:p>
-            <a:pPr lvl="1"/>
-            <a:endParaRPr lang="en-US" dirty="0">
-              <a:solidFill>
-                <a:srgbClr val="023047"/>
-              </a:solidFill>
-              <a:latin typeface="Arial" panose="020B0604020202020204" pitchFamily="34" charset="0"/>
-              <a:cs typeface="Arial" panose="020B0604020202020204" pitchFamily="34" charset="0"/>
-            </a:endParaRPr>
-          </a:p>
-        </p:txBody>
-      </p:sp>
+            <a:off x="5486399" y="1043810"/>
+            <a:ext cx="6199632" cy="876178"/>
+          </a:xfrm>
+          <a:prstGeom prst="rect">
+            <a:avLst/>
+          </a:prstGeom>
+        </p:spPr>
+      </p:pic>
+      <p:pic>
+        <p:nvPicPr>
+          <p:cNvPr id="20" name="Picture 19">
+            <a:extLst>
+              <a:ext uri="{FF2B5EF4-FFF2-40B4-BE49-F238E27FC236}">
+                <a16:creationId xmlns:a16="http://schemas.microsoft.com/office/drawing/2014/main" id="{B6AFF0CD-EA0B-4D2C-8FED-68BE0AB7B6B2}"/>
+              </a:ext>
+            </a:extLst>
+          </p:cNvPr>
+          <p:cNvPicPr>
+            <a:picLocks noChangeAspect="1"/>
+          </p:cNvPicPr>
+          <p:nvPr/>
+        </p:nvPicPr>
+        <p:blipFill>
+          <a:blip r:embed="rId3"/>
+          <a:stretch>
+            <a:fillRect/>
+          </a:stretch>
+        </p:blipFill>
+        <p:spPr>
+          <a:xfrm>
+            <a:off x="5495544" y="500797"/>
+            <a:ext cx="6199632" cy="440922"/>
+          </a:xfrm>
+          <a:prstGeom prst="rect">
+            <a:avLst/>
+          </a:prstGeom>
+        </p:spPr>
+      </p:pic>
+      <p:pic>
+        <p:nvPicPr>
+          <p:cNvPr id="21" name="Picture 20">
+            <a:extLst>
+              <a:ext uri="{FF2B5EF4-FFF2-40B4-BE49-F238E27FC236}">
+                <a16:creationId xmlns:a16="http://schemas.microsoft.com/office/drawing/2014/main" id="{B3516148-B335-4F0B-8822-A764D0CBF633}"/>
+              </a:ext>
+            </a:extLst>
+          </p:cNvPr>
+          <p:cNvPicPr>
+            <a:picLocks noChangeAspect="1"/>
+          </p:cNvPicPr>
+          <p:nvPr/>
+        </p:nvPicPr>
+        <p:blipFill>
+          <a:blip r:embed="rId4"/>
+          <a:stretch>
+            <a:fillRect/>
+          </a:stretch>
+        </p:blipFill>
+        <p:spPr>
+          <a:xfrm>
+            <a:off x="5486399" y="2041971"/>
+            <a:ext cx="6201829" cy="892638"/>
+          </a:xfrm>
+          <a:prstGeom prst="rect">
+            <a:avLst/>
+          </a:prstGeom>
+        </p:spPr>
+      </p:pic>
+      <p:pic>
+        <p:nvPicPr>
+          <p:cNvPr id="22" name="Picture Placeholder 17">
+            <a:extLst>
+              <a:ext uri="{FF2B5EF4-FFF2-40B4-BE49-F238E27FC236}">
+                <a16:creationId xmlns:a16="http://schemas.microsoft.com/office/drawing/2014/main" id="{4A776694-E0F9-4585-9979-C08796D9FA2B}"/>
+              </a:ext>
+            </a:extLst>
+          </p:cNvPr>
+          <p:cNvPicPr>
+            <a:picLocks noGrp="1" noChangeAspect="1"/>
+          </p:cNvPicPr>
+          <p:nvPr>
+            <p:ph type="pic" idx="1"/>
+          </p:nvPr>
+        </p:nvPicPr>
+        <p:blipFill rotWithShape="1">
+          <a:blip r:embed="rId5"/>
+          <a:srcRect t="-155609" b="-155609"/>
+          <a:stretch/>
+        </p:blipFill>
+        <p:spPr>
+          <a:xfrm>
+            <a:off x="5493347" y="2674183"/>
+            <a:ext cx="6201830" cy="6011944"/>
+          </a:xfrm>
+          <a:prstGeom prst="rect">
+            <a:avLst/>
+          </a:prstGeom>
+        </p:spPr>
+      </p:pic>
+      <p:pic>
+        <p:nvPicPr>
+          <p:cNvPr id="23" name="Picture 22">
+            <a:extLst>
+              <a:ext uri="{FF2B5EF4-FFF2-40B4-BE49-F238E27FC236}">
+                <a16:creationId xmlns:a16="http://schemas.microsoft.com/office/drawing/2014/main" id="{C8F2D7A5-32FA-407E-96B2-3A9E460A45AA}"/>
+              </a:ext>
+            </a:extLst>
+          </p:cNvPr>
+          <p:cNvPicPr>
+            <a:picLocks noChangeAspect="1"/>
+          </p:cNvPicPr>
+          <p:nvPr/>
+        </p:nvPicPr>
+        <p:blipFill>
+          <a:blip r:embed="rId6"/>
+          <a:stretch>
+            <a:fillRect/>
+          </a:stretch>
+        </p:blipFill>
+        <p:spPr>
+          <a:xfrm>
+            <a:off x="5486399" y="3056592"/>
+            <a:ext cx="6208777" cy="1758710"/>
+          </a:xfrm>
+          <a:prstGeom prst="rect">
+            <a:avLst/>
+          </a:prstGeom>
+        </p:spPr>
+      </p:pic>
     </p:spTree>
     <p:extLst>
       <p:ext uri="{BB962C8B-B14F-4D97-AF65-F5344CB8AC3E}">
-        <p14:creationId xmlns:p14="http://schemas.microsoft.com/office/powerpoint/2010/main" val="2036460302"/>
+        <p14:creationId xmlns:p14="http://schemas.microsoft.com/office/powerpoint/2010/main" val="858608500"/>
       </p:ext>
     </p:extLst>
   </p:cSld>
@@ -6119,10 +6485,10 @@
       </p:grpSpPr>
       <p:sp useBgFill="1">
         <p:nvSpPr>
-          <p:cNvPr id="16" name="Rectangle 7">
-            <a:extLst>
-              <a:ext uri="{FF2B5EF4-FFF2-40B4-BE49-F238E27FC236}">
-                <a16:creationId xmlns:a16="http://schemas.microsoft.com/office/drawing/2014/main" id="{B6CDA21F-E7AF-4C75-8395-33F58D5B0E45}"/>
+          <p:cNvPr id="52" name="Rectangle 42">
+            <a:extLst>
+              <a:ext uri="{FF2B5EF4-FFF2-40B4-BE49-F238E27FC236}">
+                <a16:creationId xmlns:a16="http://schemas.microsoft.com/office/drawing/2014/main" id="{201CC55D-ED54-4C5C-95E6-10947BD1103B}"/>
               </a:ext>
               <a:ext uri="{C183D7F6-B498-43B3-948B-1728B52AA6E4}">
                 <adec:decorative xmlns:adec="http://schemas.microsoft.com/office/drawing/2017/decorative" val="1"/>
@@ -6177,262 +6543,32 @@
           </a:p>
         </p:txBody>
       </p:sp>
-      <p:grpSp>
-        <p:nvGrpSpPr>
-          <p:cNvPr id="18" name="Group 9">
-            <a:extLst>
-              <a:ext uri="{FF2B5EF4-FFF2-40B4-BE49-F238E27FC236}">
-                <a16:creationId xmlns:a16="http://schemas.microsoft.com/office/drawing/2014/main" id="{AE1C45F0-260A-458C-96ED-C1F6D2151219}"/>
-              </a:ext>
-              <a:ext uri="{C183D7F6-B498-43B3-948B-1728B52AA6E4}">
-                <adec:decorative xmlns:adec="http://schemas.microsoft.com/office/drawing/2017/decorative" val="1"/>
-              </a:ext>
-            </a:extLst>
-          </p:cNvPr>
-          <p:cNvGrpSpPr>
-            <a:grpSpLocks noGrp="1" noUngrp="1" noRot="1" noChangeAspect="1" noMove="1" noResize="1"/>
-          </p:cNvGrpSpPr>
-          <p:nvPr>
-            <p:extLst>
-              <p:ext uri="{386F3935-93C4-4BCD-93E2-E3B085C9AB24}">
-                <p16:designElem xmlns:p16="http://schemas.microsoft.com/office/powerpoint/2015/main" val="1"/>
-              </p:ext>
-            </p:extLst>
-          </p:nvPr>
-        </p:nvGrpSpPr>
-        <p:grpSpPr>
-          <a:xfrm>
-            <a:off x="4" y="1216597"/>
-            <a:ext cx="731521" cy="673460"/>
-            <a:chOff x="3940602" y="308034"/>
-            <a:chExt cx="2116791" cy="3428999"/>
-          </a:xfrm>
-          <a:solidFill>
-            <a:schemeClr val="accent4"/>
-          </a:solidFill>
-        </p:grpSpPr>
-        <p:sp>
-          <p:nvSpPr>
-            <p:cNvPr id="11" name="Rectangle 10">
-              <a:extLst>
-                <a:ext uri="{FF2B5EF4-FFF2-40B4-BE49-F238E27FC236}">
-                  <a16:creationId xmlns:a16="http://schemas.microsoft.com/office/drawing/2014/main" id="{A6604B49-AD5C-4590-B051-06C8222ECD99}"/>
-                </a:ext>
-                <a:ext uri="{C183D7F6-B498-43B3-948B-1728B52AA6E4}">
-                  <adec:decorative xmlns:adec="http://schemas.microsoft.com/office/drawing/2017/decorative" val="1"/>
-                </a:ext>
-              </a:extLst>
-            </p:cNvPr>
-            <p:cNvSpPr/>
-            <p:nvPr>
-              <p:extLst>
-                <p:ext uri="{386F3935-93C4-4BCD-93E2-E3B085C9AB24}">
-                  <p16:designElem xmlns:p16="http://schemas.microsoft.com/office/powerpoint/2015/main" val="1"/>
-                </p:ext>
-              </p:extLst>
-            </p:nvPr>
-          </p:nvSpPr>
-          <p:spPr>
-            <a:xfrm>
-              <a:off x="3940602" y="308034"/>
-              <a:ext cx="566743" cy="3428999"/>
-            </a:xfrm>
-            <a:prstGeom prst="rect">
-              <a:avLst/>
-            </a:prstGeom>
-            <a:grpFill/>
-            <a:ln>
-              <a:noFill/>
-            </a:ln>
-          </p:spPr>
-          <p:style>
-            <a:lnRef idx="2">
-              <a:schemeClr val="accent1">
-                <a:shade val="50000"/>
-              </a:schemeClr>
-            </a:lnRef>
-            <a:fillRef idx="1">
-              <a:schemeClr val="accent1"/>
-            </a:fillRef>
-            <a:effectRef idx="0">
-              <a:schemeClr val="accent1"/>
-            </a:effectRef>
-            <a:fontRef idx="minor">
-              <a:schemeClr val="lt1"/>
-            </a:fontRef>
-          </p:style>
-          <p:txBody>
-            <a:bodyPr rtlCol="0" anchor="ctr"/>
-            <a:lstStyle/>
-            <a:p>
-              <a:pPr algn="ctr"/>
-              <a:endParaRPr lang="en-US"/>
-            </a:p>
-          </p:txBody>
-        </p:sp>
-        <p:sp>
-          <p:nvSpPr>
-            <p:cNvPr id="19" name="Rectangle 11">
-              <a:extLst>
-                <a:ext uri="{FF2B5EF4-FFF2-40B4-BE49-F238E27FC236}">
-                  <a16:creationId xmlns:a16="http://schemas.microsoft.com/office/drawing/2014/main" id="{743ECCAF-29C5-4537-947C-7EA1292463DB}"/>
-                </a:ext>
-                <a:ext uri="{C183D7F6-B498-43B3-948B-1728B52AA6E4}">
-                  <adec:decorative xmlns:adec="http://schemas.microsoft.com/office/drawing/2017/decorative" val="1"/>
-                </a:ext>
-              </a:extLst>
-            </p:cNvPr>
-            <p:cNvSpPr/>
-            <p:nvPr>
-              <p:extLst>
-                <p:ext uri="{386F3935-93C4-4BCD-93E2-E3B085C9AB24}">
-                  <p16:designElem xmlns:p16="http://schemas.microsoft.com/office/powerpoint/2015/main" val="1"/>
-                </p:ext>
-              </p:extLst>
-            </p:nvPr>
-          </p:nvSpPr>
-          <p:spPr>
-            <a:xfrm>
-              <a:off x="4715626" y="308034"/>
-              <a:ext cx="566743" cy="3428999"/>
-            </a:xfrm>
-            <a:prstGeom prst="rect">
-              <a:avLst/>
-            </a:prstGeom>
-            <a:grpFill/>
-            <a:ln>
-              <a:noFill/>
-            </a:ln>
-          </p:spPr>
-          <p:style>
-            <a:lnRef idx="2">
-              <a:schemeClr val="accent1">
-                <a:shade val="50000"/>
-              </a:schemeClr>
-            </a:lnRef>
-            <a:fillRef idx="1">
-              <a:schemeClr val="accent1"/>
-            </a:fillRef>
-            <a:effectRef idx="0">
-              <a:schemeClr val="accent1"/>
-            </a:effectRef>
-            <a:fontRef idx="minor">
-              <a:schemeClr val="lt1"/>
-            </a:fontRef>
-          </p:style>
-          <p:txBody>
-            <a:bodyPr rtlCol="0" anchor="ctr"/>
-            <a:lstStyle/>
-            <a:p>
-              <a:pPr algn="ctr"/>
-              <a:endParaRPr lang="en-US"/>
-            </a:p>
-          </p:txBody>
-        </p:sp>
-        <p:sp>
-          <p:nvSpPr>
-            <p:cNvPr id="13" name="Rectangle 12">
-              <a:extLst>
-                <a:ext uri="{FF2B5EF4-FFF2-40B4-BE49-F238E27FC236}">
-                  <a16:creationId xmlns:a16="http://schemas.microsoft.com/office/drawing/2014/main" id="{ED49787B-8DE6-4467-AD0A-8DECC6E0C2D6}"/>
-                </a:ext>
-                <a:ext uri="{C183D7F6-B498-43B3-948B-1728B52AA6E4}">
-                  <adec:decorative xmlns:adec="http://schemas.microsoft.com/office/drawing/2017/decorative" val="1"/>
-                </a:ext>
-              </a:extLst>
-            </p:cNvPr>
-            <p:cNvSpPr/>
-            <p:nvPr>
-              <p:extLst>
-                <p:ext uri="{386F3935-93C4-4BCD-93E2-E3B085C9AB24}">
-                  <p16:designElem xmlns:p16="http://schemas.microsoft.com/office/powerpoint/2015/main" val="1"/>
-                </p:ext>
-              </p:extLst>
-            </p:nvPr>
-          </p:nvSpPr>
-          <p:spPr>
-            <a:xfrm>
-              <a:off x="5490650" y="308034"/>
-              <a:ext cx="566743" cy="3428999"/>
-            </a:xfrm>
-            <a:prstGeom prst="rect">
-              <a:avLst/>
-            </a:prstGeom>
-            <a:grpFill/>
-            <a:ln>
-              <a:noFill/>
-            </a:ln>
-          </p:spPr>
-          <p:style>
-            <a:lnRef idx="2">
-              <a:schemeClr val="accent1">
-                <a:shade val="50000"/>
-              </a:schemeClr>
-            </a:lnRef>
-            <a:fillRef idx="1">
-              <a:schemeClr val="accent1"/>
-            </a:fillRef>
-            <a:effectRef idx="0">
-              <a:schemeClr val="accent1"/>
-            </a:effectRef>
-            <a:fontRef idx="minor">
-              <a:schemeClr val="lt1"/>
-            </a:fontRef>
-          </p:style>
-          <p:txBody>
-            <a:bodyPr rtlCol="0" anchor="ctr"/>
-            <a:lstStyle/>
-            <a:p>
-              <a:pPr algn="ctr"/>
-              <a:endParaRPr lang="en-US"/>
-            </a:p>
-          </p:txBody>
-        </p:sp>
-      </p:grpSp>
       <p:sp>
         <p:nvSpPr>
-          <p:cNvPr id="15" name="Rectangle 14">
-            <a:extLst>
-              <a:ext uri="{FF2B5EF4-FFF2-40B4-BE49-F238E27FC236}">
-                <a16:creationId xmlns:a16="http://schemas.microsoft.com/office/drawing/2014/main" id="{D5B0017B-2ECA-49AF-B397-DC140825DF8D}"/>
-              </a:ext>
-              <a:ext uri="{C183D7F6-B498-43B3-948B-1728B52AA6E4}">
-                <adec:decorative xmlns:adec="http://schemas.microsoft.com/office/drawing/2017/decorative" val="1"/>
-              </a:ext>
-            </a:extLst>
-          </p:cNvPr>
-          <p:cNvSpPr>
-            <a:spLocks noGrp="1" noRot="1" noChangeAspect="1" noMove="1" noResize="1" noEditPoints="1" noAdjustHandles="1" noChangeArrowheads="1" noChangeShapeType="1" noTextEdit="1"/>
-          </p:cNvSpPr>
-          <p:nvPr>
-            <p:extLst>
-              <p:ext uri="{386F3935-93C4-4BCD-93E2-E3B085C9AB24}">
-                <p16:designElem xmlns:p16="http://schemas.microsoft.com/office/powerpoint/2015/main" val="1"/>
-              </p:ext>
-            </p:extLst>
-          </p:nvPr>
+          <p:cNvPr id="19" name="Rectangle 18">
+            <a:extLst>
+              <a:ext uri="{FF2B5EF4-FFF2-40B4-BE49-F238E27FC236}">
+                <a16:creationId xmlns:a16="http://schemas.microsoft.com/office/drawing/2014/main" id="{839D4B9E-CCF5-4693-A7D2-3F65D29B2909}"/>
+              </a:ext>
+            </a:extLst>
+          </p:cNvPr>
+          <p:cNvSpPr/>
+          <p:nvPr/>
         </p:nvSpPr>
         <p:spPr>
           <a:xfrm>
-            <a:off x="640079" y="613954"/>
-            <a:ext cx="10907487" cy="1894116"/>
+            <a:off x="355197" y="640080"/>
+            <a:ext cx="5330612" cy="1316736"/>
           </a:xfrm>
           <a:prstGeom prst="rect">
             <a:avLst/>
           </a:prstGeom>
           <a:solidFill>
-            <a:schemeClr val="bg1"/>
+            <a:srgbClr val="023047"/>
           </a:solidFill>
           <a:ln>
             <a:noFill/>
           </a:ln>
-          <a:effectLst>
-            <a:outerShdw blurRad="139700" dist="127000" dir="5400000" algn="t" rotWithShape="0">
-              <a:prstClr val="black">
-                <a:alpha val="15000"/>
-              </a:prstClr>
-            </a:outerShdw>
-          </a:effectLst>
         </p:spPr>
         <p:style>
           <a:lnRef idx="2">
@@ -6455,58 +6591,6 @@
           <a:lstStyle/>
           <a:p>
             <a:pPr algn="ctr"/>
-            <a:endParaRPr lang="en-US"/>
-          </a:p>
-        </p:txBody>
-      </p:sp>
-      <p:sp>
-        <p:nvSpPr>
-          <p:cNvPr id="12" name="Rectangle 11">
-            <a:extLst>
-              <a:ext uri="{FF2B5EF4-FFF2-40B4-BE49-F238E27FC236}">
-                <a16:creationId xmlns:a16="http://schemas.microsoft.com/office/drawing/2014/main" id="{5E1D5788-2731-474B-8F80-00A5C97CF4B6}"/>
-              </a:ext>
-            </a:extLst>
-          </p:cNvPr>
-          <p:cNvSpPr/>
-          <p:nvPr/>
-        </p:nvSpPr>
-        <p:spPr>
-          <a:xfrm>
-            <a:off x="633597" y="640080"/>
-            <a:ext cx="10907487" cy="1894116"/>
-          </a:xfrm>
-          <a:prstGeom prst="rect">
-            <a:avLst/>
-          </a:prstGeom>
-          <a:solidFill>
-            <a:srgbClr val="023047"/>
-          </a:solidFill>
-          <a:ln>
-            <a:noFill/>
-          </a:ln>
-        </p:spPr>
-        <p:style>
-          <a:lnRef idx="2">
-            <a:schemeClr val="accent1">
-              <a:shade val="50000"/>
-            </a:schemeClr>
-          </a:lnRef>
-          <a:fillRef idx="1">
-            <a:schemeClr val="accent1"/>
-          </a:fillRef>
-          <a:effectRef idx="0">
-            <a:schemeClr val="accent1"/>
-          </a:effectRef>
-          <a:fontRef idx="minor">
-            <a:schemeClr val="lt1"/>
-          </a:fontRef>
-        </p:style>
-        <p:txBody>
-          <a:bodyPr rtlCol="0" anchor="ctr"/>
-          <a:lstStyle/>
-          <a:p>
-            <a:pPr algn="ctr"/>
             <a:endParaRPr lang="en-GB"/>
           </a:p>
         </p:txBody>
@@ -6516,7 +6600,7 @@
           <p:cNvPr id="2" name="Title 1">
             <a:extLst>
               <a:ext uri="{FF2B5EF4-FFF2-40B4-BE49-F238E27FC236}">
-                <a16:creationId xmlns:a16="http://schemas.microsoft.com/office/drawing/2014/main" id="{A48C8F4F-F52C-4236-8286-9234A489AE8D}"/>
+                <a16:creationId xmlns:a16="http://schemas.microsoft.com/office/drawing/2014/main" id="{F703FF40-49BD-4711-8571-801EBE0CF90B}"/>
               </a:ext>
             </a:extLst>
           </p:cNvPr>
@@ -6529,338 +6613,8 @@
         </p:nvSpPr>
         <p:spPr>
           <a:xfrm>
-            <a:off x="1043631" y="809898"/>
-            <a:ext cx="9942716" cy="1554480"/>
-          </a:xfrm>
-        </p:spPr>
-        <p:txBody>
-          <a:bodyPr anchor="ctr">
-            <a:normAutofit/>
-          </a:bodyPr>
-          <a:lstStyle/>
-          <a:p>
-            <a:r>
-              <a:rPr lang="en-US" sz="4800" dirty="0">
-                <a:solidFill>
-                  <a:srgbClr val="FFC000"/>
-                </a:solidFill>
-              </a:rPr>
-              <a:t>Interaction structure pt. I:</a:t>
-            </a:r>
-            <a:br>
-              <a:rPr lang="en-US" sz="4800" dirty="0">
-                <a:solidFill>
-                  <a:srgbClr val="FFC000"/>
-                </a:solidFill>
-              </a:rPr>
-            </a:br>
-            <a:r>
-              <a:rPr lang="en-US" dirty="0">
-                <a:solidFill>
-                  <a:srgbClr val="FFC000"/>
-                </a:solidFill>
-              </a:rPr>
-              <a:t>recognizing a user</a:t>
-            </a:r>
-            <a:endParaRPr lang="en-US" sz="4800" dirty="0">
-              <a:solidFill>
-                <a:srgbClr val="FFC000"/>
-              </a:solidFill>
-            </a:endParaRPr>
-          </a:p>
-        </p:txBody>
-      </p:sp>
-      <p:sp>
-        <p:nvSpPr>
-          <p:cNvPr id="3" name="Content Placeholder 2">
-            <a:extLst>
-              <a:ext uri="{FF2B5EF4-FFF2-40B4-BE49-F238E27FC236}">
-                <a16:creationId xmlns:a16="http://schemas.microsoft.com/office/drawing/2014/main" id="{F0C29356-FBF8-4F7E-938D-AA38EA0CD781}"/>
-              </a:ext>
-            </a:extLst>
-          </p:cNvPr>
-          <p:cNvSpPr>
-            <a:spLocks noGrp="1"/>
-          </p:cNvSpPr>
-          <p:nvPr>
-            <p:ph idx="1"/>
-          </p:nvPr>
-        </p:nvSpPr>
-        <p:spPr>
-          <a:xfrm>
-            <a:off x="1045028" y="3017522"/>
-            <a:ext cx="9941319" cy="3124658"/>
-          </a:xfrm>
-        </p:spPr>
-        <p:txBody>
-          <a:bodyPr anchor="ctr">
-            <a:normAutofit/>
-          </a:bodyPr>
-          <a:lstStyle/>
-          <a:p>
-            <a:r>
-              <a:rPr lang="en-US" sz="2400" dirty="0">
-                <a:solidFill>
-                  <a:srgbClr val="023047"/>
-                </a:solidFill>
-              </a:rPr>
-              <a:t>Once the device is turned on, it should be placed somewhere where the user wants to be and can be easily identified, recognized and interacted with</a:t>
-            </a:r>
-          </a:p>
-          <a:p>
-            <a:r>
-              <a:rPr lang="en-US" sz="2400" dirty="0">
-                <a:solidFill>
-                  <a:srgbClr val="023047"/>
-                </a:solidFill>
-              </a:rPr>
-              <a:t>The assistant will continuously monitor the camera searching for a successful detection</a:t>
-            </a:r>
-          </a:p>
-          <a:p>
-            <a:r>
-              <a:rPr lang="en-US" sz="2400" dirty="0">
-                <a:solidFill>
-                  <a:srgbClr val="023047"/>
-                </a:solidFill>
-              </a:rPr>
-              <a:t>Once a face is detected, it attempts to recognize the person automatically</a:t>
-            </a:r>
-          </a:p>
-          <a:p>
-            <a:r>
-              <a:rPr lang="en-US" sz="2400" dirty="0">
-                <a:solidFill>
-                  <a:srgbClr val="023047"/>
-                </a:solidFill>
-              </a:rPr>
-              <a:t>Failsafe: should recognition fail, ask the person to pronounce their name</a:t>
-            </a:r>
-          </a:p>
-        </p:txBody>
-      </p:sp>
-      <p:cxnSp>
-        <p:nvCxnSpPr>
-          <p:cNvPr id="17" name="Straight Connector 16">
-            <a:extLst>
-              <a:ext uri="{FF2B5EF4-FFF2-40B4-BE49-F238E27FC236}">
-                <a16:creationId xmlns:a16="http://schemas.microsoft.com/office/drawing/2014/main" id="{6CF1BAF6-AD41-4082-B212-8A1F9A2E8779}"/>
-              </a:ext>
-              <a:ext uri="{C183D7F6-B498-43B3-948B-1728B52AA6E4}">
-                <adec:decorative xmlns:adec="http://schemas.microsoft.com/office/drawing/2017/decorative" val="1"/>
-              </a:ext>
-            </a:extLst>
-          </p:cNvPr>
-          <p:cNvCxnSpPr>
-            <a:cxnSpLocks noGrp="1" noRot="1" noChangeAspect="1" noMove="1" noResize="1" noEditPoints="1" noAdjustHandles="1" noChangeArrowheads="1" noChangeShapeType="1"/>
-          </p:cNvCxnSpPr>
-          <p:nvPr>
-            <p:extLst>
-              <p:ext uri="{386F3935-93C4-4BCD-93E2-E3B085C9AB24}">
-                <p16:designElem xmlns:p16="http://schemas.microsoft.com/office/powerpoint/2015/main" val="1"/>
-              </p:ext>
-            </p:extLst>
-          </p:nvPr>
-        </p:nvCxnSpPr>
-        <p:spPr>
-          <a:xfrm flipH="1">
-            <a:off x="838200" y="6485313"/>
-            <a:ext cx="10515600" cy="0"/>
-          </a:xfrm>
-          <a:prstGeom prst="line">
-            <a:avLst/>
-          </a:prstGeom>
-          <a:ln w="57150">
-            <a:solidFill>
-              <a:schemeClr val="accent4"/>
-            </a:solidFill>
-          </a:ln>
-        </p:spPr>
-        <p:style>
-          <a:lnRef idx="1">
-            <a:schemeClr val="accent1"/>
-          </a:lnRef>
-          <a:fillRef idx="0">
-            <a:schemeClr val="accent1"/>
-          </a:fillRef>
-          <a:effectRef idx="0">
-            <a:schemeClr val="accent1"/>
-          </a:effectRef>
-          <a:fontRef idx="minor">
-            <a:schemeClr val="tx1"/>
-          </a:fontRef>
-        </p:style>
-      </p:cxnSp>
-    </p:spTree>
-    <p:extLst>
-      <p:ext uri="{BB962C8B-B14F-4D97-AF65-F5344CB8AC3E}">
-        <p14:creationId xmlns:p14="http://schemas.microsoft.com/office/powerpoint/2010/main" val="3977266075"/>
-      </p:ext>
-    </p:extLst>
-  </p:cSld>
-  <p:clrMapOvr>
-    <a:masterClrMapping/>
-  </p:clrMapOvr>
-</p:sld>
-</file>
-
-<file path=ppt/slides/slide14.xml><?xml version="1.0" encoding="utf-8"?>
-<p:sld xmlns:a="http://schemas.openxmlformats.org/drawingml/2006/main" xmlns:r="http://schemas.openxmlformats.org/officeDocument/2006/relationships" xmlns:p="http://schemas.openxmlformats.org/presentationml/2006/main">
-  <p:cSld>
-    <p:bg>
-      <p:bgPr>
-        <a:solidFill>
-          <a:schemeClr val="bg1"/>
-        </a:solidFill>
-        <a:effectLst/>
-      </p:bgPr>
-    </p:bg>
-    <p:spTree>
-      <p:nvGrpSpPr>
-        <p:cNvPr id="1" name=""/>
-        <p:cNvGrpSpPr/>
-        <p:nvPr/>
-      </p:nvGrpSpPr>
-      <p:grpSpPr>
-        <a:xfrm>
-          <a:off x="0" y="0"/>
-          <a:ext cx="0" cy="0"/>
-          <a:chOff x="0" y="0"/>
-          <a:chExt cx="0" cy="0"/>
-        </a:xfrm>
-      </p:grpSpPr>
-      <p:sp useBgFill="1">
-        <p:nvSpPr>
-          <p:cNvPr id="52" name="Rectangle 42">
-            <a:extLst>
-              <a:ext uri="{FF2B5EF4-FFF2-40B4-BE49-F238E27FC236}">
-                <a16:creationId xmlns:a16="http://schemas.microsoft.com/office/drawing/2014/main" id="{201CC55D-ED54-4C5C-95E6-10947BD1103B}"/>
-              </a:ext>
-              <a:ext uri="{C183D7F6-B498-43B3-948B-1728B52AA6E4}">
-                <adec:decorative xmlns:adec="http://schemas.microsoft.com/office/drawing/2017/decorative" val="1"/>
-              </a:ext>
-            </a:extLst>
-          </p:cNvPr>
-          <p:cNvSpPr>
-            <a:spLocks noGrp="1" noRot="1" noChangeAspect="1" noMove="1" noResize="1" noEditPoints="1" noAdjustHandles="1" noChangeArrowheads="1" noChangeShapeType="1" noTextEdit="1"/>
-          </p:cNvSpPr>
-          <p:nvPr>
-            <p:extLst>
-              <p:ext uri="{386F3935-93C4-4BCD-93E2-E3B085C9AB24}">
-                <p16:designElem xmlns:p16="http://schemas.microsoft.com/office/powerpoint/2015/main" val="1"/>
-              </p:ext>
-            </p:extLst>
-          </p:nvPr>
-        </p:nvSpPr>
-        <p:spPr>
-          <a:xfrm>
-            <a:off x="0" y="0"/>
-            <a:ext cx="12191999" cy="6857365"/>
-          </a:xfrm>
-          <a:prstGeom prst="rect">
-            <a:avLst/>
-          </a:prstGeom>
-          <a:ln>
-            <a:noFill/>
-          </a:ln>
-        </p:spPr>
-        <p:style>
-          <a:lnRef idx="2">
-            <a:schemeClr val="accent1">
-              <a:shade val="50000"/>
-            </a:schemeClr>
-          </a:lnRef>
-          <a:fillRef idx="1">
-            <a:schemeClr val="accent1"/>
-          </a:fillRef>
-          <a:effectRef idx="0">
-            <a:schemeClr val="accent1"/>
-          </a:effectRef>
-          <a:fontRef idx="minor">
-            <a:schemeClr val="lt1"/>
-          </a:fontRef>
-        </p:style>
-        <p:txBody>
-          <a:bodyPr rtlCol="0" anchor="ctr"/>
-          <a:lstStyle/>
-          <a:p>
-            <a:pPr algn="ctr"/>
-            <a:endParaRPr lang="en-US"/>
-          </a:p>
-        </p:txBody>
-      </p:sp>
-      <p:sp>
-        <p:nvSpPr>
-          <p:cNvPr id="19" name="Rectangle 18">
-            <a:extLst>
-              <a:ext uri="{FF2B5EF4-FFF2-40B4-BE49-F238E27FC236}">
-                <a16:creationId xmlns:a16="http://schemas.microsoft.com/office/drawing/2014/main" id="{839D4B9E-CCF5-4693-A7D2-3F65D29B2909}"/>
-              </a:ext>
-            </a:extLst>
-          </p:cNvPr>
-          <p:cNvSpPr/>
-          <p:nvPr/>
-        </p:nvSpPr>
-        <p:spPr>
-          <a:xfrm>
-            <a:off x="355197" y="640080"/>
-            <a:ext cx="5330612" cy="1316736"/>
-          </a:xfrm>
-          <a:prstGeom prst="rect">
-            <a:avLst/>
-          </a:prstGeom>
-          <a:solidFill>
-            <a:srgbClr val="023047"/>
-          </a:solidFill>
-          <a:ln>
-            <a:noFill/>
-          </a:ln>
-        </p:spPr>
-        <p:style>
-          <a:lnRef idx="2">
-            <a:schemeClr val="accent1">
-              <a:shade val="50000"/>
-            </a:schemeClr>
-          </a:lnRef>
-          <a:fillRef idx="1">
-            <a:schemeClr val="accent1"/>
-          </a:fillRef>
-          <a:effectRef idx="0">
-            <a:schemeClr val="accent1"/>
-          </a:effectRef>
-          <a:fontRef idx="minor">
-            <a:schemeClr val="lt1"/>
-          </a:fontRef>
-        </p:style>
-        <p:txBody>
-          <a:bodyPr rtlCol="0" anchor="ctr"/>
-          <a:lstStyle/>
-          <a:p>
-            <a:pPr algn="ctr"/>
-            <a:endParaRPr lang="en-GB"/>
-          </a:p>
-        </p:txBody>
-      </p:sp>
-      <p:sp>
-        <p:nvSpPr>
-          <p:cNvPr id="2" name="Title 1">
-            <a:extLst>
-              <a:ext uri="{FF2B5EF4-FFF2-40B4-BE49-F238E27FC236}">
-                <a16:creationId xmlns:a16="http://schemas.microsoft.com/office/drawing/2014/main" id="{F703FF40-49BD-4711-8571-801EBE0CF90B}"/>
-              </a:ext>
-            </a:extLst>
-          </p:cNvPr>
-          <p:cNvSpPr>
-            <a:spLocks noGrp="1"/>
-          </p:cNvSpPr>
-          <p:nvPr>
-            <p:ph type="title"/>
-          </p:nvPr>
-        </p:nvSpPr>
-        <p:spPr>
-          <a:xfrm>
-            <a:off x="589560" y="694944"/>
-            <a:ext cx="4672496" cy="1289304"/>
+            <a:off x="621436" y="694944"/>
+            <a:ext cx="4864963" cy="1289304"/>
           </a:xfrm>
         </p:spPr>
         <p:txBody>
@@ -6870,22 +6624,30 @@
           <a:lstStyle/>
           <a:p>
             <a:r>
-              <a:rPr lang="en-US" sz="3400" dirty="0">
+              <a:rPr lang="en-US" sz="3600" dirty="0" err="1">
                 <a:solidFill>
                   <a:srgbClr val="FFC000"/>
                 </a:solidFill>
               </a:rPr>
-              <a:t>Interaction structure pt. I: </a:t>
-            </a:r>
-            <a:r>
-              <a:rPr lang="en-US" dirty="0">
+              <a:t>TextToSpeech</a:t>
+            </a:r>
+            <a:r>
+              <a:rPr lang="en-US" sz="3600" dirty="0">
                 <a:solidFill>
                   <a:srgbClr val="FFC000"/>
                 </a:solidFill>
               </a:rPr>
-              <a:t>recognizing a user</a:t>
-            </a:r>
-            <a:endParaRPr lang="en-US" sz="2500" dirty="0">
+              <a:t> &amp; </a:t>
+            </a:r>
+            <a:r>
+              <a:rPr lang="en-US" sz="3600" dirty="0" err="1">
+                <a:solidFill>
+                  <a:srgbClr val="FFC000"/>
+                </a:solidFill>
+              </a:rPr>
+              <a:t>SpeechToText</a:t>
+            </a:r>
+            <a:endParaRPr lang="en-US" sz="3600" dirty="0">
               <a:solidFill>
                 <a:srgbClr val="FFC000"/>
               </a:solidFill>
@@ -7112,255 +6874,6 @@
       </p:sp>
       <p:sp>
         <p:nvSpPr>
-          <p:cNvPr id="8" name="Text Placeholder 7">
-            <a:extLst>
-              <a:ext uri="{FF2B5EF4-FFF2-40B4-BE49-F238E27FC236}">
-                <a16:creationId xmlns:a16="http://schemas.microsoft.com/office/drawing/2014/main" id="{958D5C89-C119-4811-886C-7F28128E6C98}"/>
-              </a:ext>
-            </a:extLst>
-          </p:cNvPr>
-          <p:cNvSpPr>
-            <a:spLocks noGrp="1"/>
-          </p:cNvSpPr>
-          <p:nvPr>
-            <p:ph type="body" sz="half" idx="2"/>
-          </p:nvPr>
-        </p:nvSpPr>
-        <p:spPr>
-          <a:xfrm>
-            <a:off x="590719" y="2330505"/>
-            <a:ext cx="4559425" cy="3979585"/>
-          </a:xfrm>
-        </p:spPr>
-        <p:txBody>
-          <a:bodyPr vert="horz" lIns="91440" tIns="45720" rIns="91440" bIns="45720" rtlCol="0" anchor="ctr">
-            <a:normAutofit fontScale="92500" lnSpcReduction="10000"/>
-          </a:bodyPr>
-          <a:lstStyle/>
-          <a:p>
-            <a:r>
-              <a:rPr lang="en-US" dirty="0">
-                <a:solidFill>
-                  <a:srgbClr val="023047"/>
-                </a:solidFill>
-                <a:latin typeface="Arial" panose="020B0604020202020204" pitchFamily="34" charset="0"/>
-                <a:cs typeface="Arial" panose="020B0604020202020204" pitchFamily="34" charset="0"/>
-              </a:rPr>
-              <a:t>Three steps are involved in making the interaction happen:</a:t>
-            </a:r>
-          </a:p>
-          <a:p>
-            <a:pPr marL="342900" indent="-342900">
-              <a:buFont typeface="+mj-lt"/>
-              <a:buAutoNum type="arabicPeriod"/>
-            </a:pPr>
-            <a:r>
-              <a:rPr lang="en-US" dirty="0">
-                <a:solidFill>
-                  <a:srgbClr val="023047"/>
-                </a:solidFill>
-                <a:latin typeface="Arial" panose="020B0604020202020204" pitchFamily="34" charset="0"/>
-                <a:cs typeface="Arial" panose="020B0604020202020204" pitchFamily="34" charset="0"/>
-              </a:rPr>
-              <a:t>Start the camera and a continuous loop where we gather the current image the camera is receiving</a:t>
-            </a:r>
-          </a:p>
-          <a:p>
-            <a:pPr marL="342900" indent="-342900">
-              <a:buFont typeface="+mj-lt"/>
-              <a:buAutoNum type="arabicPeriod"/>
-            </a:pPr>
-            <a:r>
-              <a:rPr lang="en-US" dirty="0">
-                <a:solidFill>
-                  <a:srgbClr val="023047"/>
-                </a:solidFill>
-                <a:latin typeface="Arial" panose="020B0604020202020204" pitchFamily="34" charset="0"/>
-                <a:cs typeface="Arial" panose="020B0604020202020204" pitchFamily="34" charset="0"/>
-              </a:rPr>
-              <a:t>Send the captured frame over to the </a:t>
-            </a:r>
-            <a:r>
-              <a:rPr lang="en-US" dirty="0" err="1">
-                <a:solidFill>
-                  <a:srgbClr val="023047"/>
-                </a:solidFill>
-                <a:latin typeface="Arial" panose="020B0604020202020204" pitchFamily="34" charset="0"/>
-                <a:cs typeface="Arial" panose="020B0604020202020204" pitchFamily="34" charset="0"/>
-              </a:rPr>
-              <a:t>detect_presence</a:t>
-            </a:r>
-            <a:r>
-              <a:rPr lang="en-US" dirty="0">
-                <a:solidFill>
-                  <a:srgbClr val="023047"/>
-                </a:solidFill>
-                <a:latin typeface="Arial" panose="020B0604020202020204" pitchFamily="34" charset="0"/>
-                <a:cs typeface="Arial" panose="020B0604020202020204" pitchFamily="34" charset="0"/>
-              </a:rPr>
-              <a:t> method:</a:t>
-            </a:r>
-          </a:p>
-          <a:p>
-            <a:pPr marL="800100" lvl="1" indent="-342900">
-              <a:buFont typeface="+mj-lt"/>
-              <a:buAutoNum type="arabicPeriod"/>
-            </a:pPr>
-            <a:r>
-              <a:rPr lang="en-US" dirty="0">
-                <a:solidFill>
-                  <a:srgbClr val="023047"/>
-                </a:solidFill>
-                <a:latin typeface="Arial" panose="020B0604020202020204" pitchFamily="34" charset="0"/>
-                <a:cs typeface="Arial" panose="020B0604020202020204" pitchFamily="34" charset="0"/>
-              </a:rPr>
-              <a:t>Converts the frame in B&amp;W</a:t>
-            </a:r>
-          </a:p>
-          <a:p>
-            <a:pPr marL="800100" lvl="1" indent="-342900">
-              <a:buFont typeface="+mj-lt"/>
-              <a:buAutoNum type="arabicPeriod"/>
-            </a:pPr>
-            <a:r>
-              <a:rPr lang="en-US" dirty="0">
-                <a:solidFill>
-                  <a:srgbClr val="023047"/>
-                </a:solidFill>
-                <a:latin typeface="Arial" panose="020B0604020202020204" pitchFamily="34" charset="0"/>
-                <a:cs typeface="Arial" panose="020B0604020202020204" pitchFamily="34" charset="0"/>
-              </a:rPr>
-              <a:t>Uses the preloaded </a:t>
-            </a:r>
-            <a:r>
-              <a:rPr lang="en-US" dirty="0" err="1">
-                <a:solidFill>
-                  <a:srgbClr val="023047"/>
-                </a:solidFill>
-                <a:latin typeface="Arial" panose="020B0604020202020204" pitchFamily="34" charset="0"/>
-                <a:cs typeface="Arial" panose="020B0604020202020204" pitchFamily="34" charset="0"/>
-              </a:rPr>
-              <a:t>opencv</a:t>
-            </a:r>
-            <a:r>
-              <a:rPr lang="en-US" dirty="0">
-                <a:solidFill>
-                  <a:srgbClr val="023047"/>
-                </a:solidFill>
-                <a:latin typeface="Arial" panose="020B0604020202020204" pitchFamily="34" charset="0"/>
-                <a:cs typeface="Arial" panose="020B0604020202020204" pitchFamily="34" charset="0"/>
-              </a:rPr>
-              <a:t> </a:t>
-            </a:r>
-            <a:r>
-              <a:rPr lang="en-US" dirty="0" err="1">
-                <a:solidFill>
-                  <a:srgbClr val="023047"/>
-                </a:solidFill>
-                <a:latin typeface="Arial" panose="020B0604020202020204" pitchFamily="34" charset="0"/>
-                <a:cs typeface="Arial" panose="020B0604020202020204" pitchFamily="34" charset="0"/>
-              </a:rPr>
-              <a:t>CascadeClassifier</a:t>
-            </a:r>
-            <a:r>
-              <a:rPr lang="en-US" dirty="0">
-                <a:solidFill>
-                  <a:srgbClr val="023047"/>
-                </a:solidFill>
-                <a:latin typeface="Arial" panose="020B0604020202020204" pitchFamily="34" charset="0"/>
-                <a:cs typeface="Arial" panose="020B0604020202020204" pitchFamily="34" charset="0"/>
-              </a:rPr>
-              <a:t> with </a:t>
-            </a:r>
-            <a:r>
-              <a:rPr lang="en-US" dirty="0" err="1">
-                <a:solidFill>
-                  <a:srgbClr val="023047"/>
-                </a:solidFill>
-                <a:latin typeface="Arial" panose="020B0604020202020204" pitchFamily="34" charset="0"/>
-                <a:cs typeface="Arial" panose="020B0604020202020204" pitchFamily="34" charset="0"/>
-              </a:rPr>
-              <a:t>Haar</a:t>
-            </a:r>
-            <a:r>
-              <a:rPr lang="en-US" dirty="0">
-                <a:solidFill>
-                  <a:srgbClr val="023047"/>
-                </a:solidFill>
-                <a:latin typeface="Arial" panose="020B0604020202020204" pitchFamily="34" charset="0"/>
-                <a:cs typeface="Arial" panose="020B0604020202020204" pitchFamily="34" charset="0"/>
-              </a:rPr>
-              <a:t> Cascades to attempt detection</a:t>
-            </a:r>
-          </a:p>
-          <a:p>
-            <a:pPr marL="342900" indent="-342900">
-              <a:buFont typeface="+mj-lt"/>
-              <a:buAutoNum type="arabicPeriod"/>
-            </a:pPr>
-            <a:r>
-              <a:rPr lang="en-US" dirty="0">
-                <a:solidFill>
-                  <a:srgbClr val="023047"/>
-                </a:solidFill>
-                <a:latin typeface="Arial" panose="020B0604020202020204" pitchFamily="34" charset="0"/>
-                <a:cs typeface="Arial" panose="020B0604020202020204" pitchFamily="34" charset="0"/>
-              </a:rPr>
-              <a:t>Attempt recognizing the person from the frame they have been detected in:</a:t>
-            </a:r>
-          </a:p>
-          <a:p>
-            <a:pPr marL="800100" lvl="1" indent="-342900">
-              <a:buFont typeface="+mj-lt"/>
-              <a:buAutoNum type="arabicPeriod"/>
-            </a:pPr>
-            <a:r>
-              <a:rPr lang="en-US" dirty="0">
-                <a:solidFill>
-                  <a:srgbClr val="023047"/>
-                </a:solidFill>
-                <a:latin typeface="Arial" panose="020B0604020202020204" pitchFamily="34" charset="0"/>
-                <a:cs typeface="Arial" panose="020B0604020202020204" pitchFamily="34" charset="0"/>
-              </a:rPr>
-              <a:t>Generate face encodings for each face</a:t>
-            </a:r>
-          </a:p>
-          <a:p>
-            <a:pPr marL="800100" lvl="1" indent="-342900">
-              <a:buFont typeface="+mj-lt"/>
-              <a:buAutoNum type="arabicPeriod"/>
-            </a:pPr>
-            <a:r>
-              <a:rPr lang="en-US" dirty="0">
-                <a:solidFill>
-                  <a:srgbClr val="023047"/>
-                </a:solidFill>
-                <a:latin typeface="Arial" panose="020B0604020202020204" pitchFamily="34" charset="0"/>
-                <a:cs typeface="Arial" panose="020B0604020202020204" pitchFamily="34" charset="0"/>
-              </a:rPr>
-              <a:t>Compare each encoding to the ones locally saved for each member until there is a match</a:t>
-            </a:r>
-          </a:p>
-          <a:p>
-            <a:pPr marL="342900" indent="-342900">
-              <a:buFont typeface="+mj-lt"/>
-              <a:buAutoNum type="arabicPeriod"/>
-            </a:pPr>
-            <a:r>
-              <a:rPr lang="en-US" dirty="0">
-                <a:solidFill>
-                  <a:srgbClr val="023047"/>
-                </a:solidFill>
-                <a:latin typeface="Arial" panose="020B0604020202020204" pitchFamily="34" charset="0"/>
-                <a:cs typeface="Arial" panose="020B0604020202020204" pitchFamily="34" charset="0"/>
-              </a:rPr>
-              <a:t>If all else fails, ask the person to identify themselves by using voice</a:t>
-            </a:r>
-          </a:p>
-        </p:txBody>
-      </p:sp>
-      <p:sp>
-        <p:nvSpPr>
           <p:cNvPr id="51" name="Rectangle 50">
             <a:extLst>
               <a:ext uri="{FF2B5EF4-FFF2-40B4-BE49-F238E27FC236}">
@@ -7494,10 +7007,10 @@
       </p:sp>
       <p:pic>
         <p:nvPicPr>
-          <p:cNvPr id="14" name="Content Placeholder 15">
-            <a:extLst>
-              <a:ext uri="{FF2B5EF4-FFF2-40B4-BE49-F238E27FC236}">
-                <a16:creationId xmlns:a16="http://schemas.microsoft.com/office/drawing/2014/main" id="{A1BA3A27-F968-4607-807E-13B7F3E46F07}"/>
+          <p:cNvPr id="11" name="Picture 10" descr="Text&#10;&#10;Description automatically generated">
+            <a:extLst>
+              <a:ext uri="{FF2B5EF4-FFF2-40B4-BE49-F238E27FC236}">
+                <a16:creationId xmlns:a16="http://schemas.microsoft.com/office/drawing/2014/main" id="{D7588B69-1E3E-4726-A2C0-FCF3F3F2541D}"/>
               </a:ext>
             </a:extLst>
           </p:cNvPr>
@@ -7507,15 +7020,21 @@
           <p:nvPr/>
         </p:nvPicPr>
         <p:blipFill>
-          <a:blip r:embed="rId2"/>
+          <a:blip r:embed="rId2">
+            <a:extLst>
+              <a:ext uri="{28A0092B-C50C-407E-A947-70E740481C1C}">
+                <a14:useLocalDpi xmlns:a14="http://schemas.microsoft.com/office/drawing/2010/main" val="0"/>
+              </a:ext>
+            </a:extLst>
+          </a:blip>
           <a:stretch>
             <a:fillRect/>
           </a:stretch>
         </p:blipFill>
         <p:spPr>
           <a:xfrm>
-            <a:off x="5529890" y="1448452"/>
-            <a:ext cx="6172200" cy="872301"/>
+            <a:off x="5685809" y="1800434"/>
+            <a:ext cx="6009366" cy="4293064"/>
           </a:xfrm>
           <a:prstGeom prst="rect">
             <a:avLst/>
@@ -7524,10 +7043,10 @@
       </p:pic>
       <p:pic>
         <p:nvPicPr>
-          <p:cNvPr id="15" name="Picture 14">
-            <a:extLst>
-              <a:ext uri="{FF2B5EF4-FFF2-40B4-BE49-F238E27FC236}">
-                <a16:creationId xmlns:a16="http://schemas.microsoft.com/office/drawing/2014/main" id="{2825E390-DEB2-4336-8FA6-106516AF3AC0}"/>
+          <p:cNvPr id="31" name="Picture 30">
+            <a:extLst>
+              <a:ext uri="{FF2B5EF4-FFF2-40B4-BE49-F238E27FC236}">
+                <a16:creationId xmlns:a16="http://schemas.microsoft.com/office/drawing/2014/main" id="{563ACEA7-A1BF-4D5B-954F-2FD98C54E752}"/>
               </a:ext>
             </a:extLst>
           </p:cNvPr>
@@ -7544,8 +7063,8 @@
         </p:blipFill>
         <p:spPr>
           <a:xfrm>
-            <a:off x="5519800" y="2876567"/>
-            <a:ext cx="6169024" cy="887916"/>
+            <a:off x="5685809" y="504929"/>
+            <a:ext cx="6009367" cy="790575"/>
           </a:xfrm>
           <a:prstGeom prst="rect">
             <a:avLst/>
@@ -7554,10 +7073,10 @@
       </p:pic>
       <p:pic>
         <p:nvPicPr>
-          <p:cNvPr id="16" name="Picture 15">
-            <a:extLst>
-              <a:ext uri="{FF2B5EF4-FFF2-40B4-BE49-F238E27FC236}">
-                <a16:creationId xmlns:a16="http://schemas.microsoft.com/office/drawing/2014/main" id="{2490F14E-2FFE-4984-AF49-61C9A57A4680}"/>
+          <p:cNvPr id="35" name="Picture 34">
+            <a:extLst>
+              <a:ext uri="{FF2B5EF4-FFF2-40B4-BE49-F238E27FC236}">
+                <a16:creationId xmlns:a16="http://schemas.microsoft.com/office/drawing/2014/main" id="{0A5BB24C-7717-452C-BDA8-03AB246C1AF3}"/>
               </a:ext>
             </a:extLst>
           </p:cNvPr>
@@ -7574,38 +7093,8 @@
         </p:blipFill>
         <p:spPr>
           <a:xfrm>
-            <a:off x="5519800" y="4320297"/>
-            <a:ext cx="6172200" cy="1748349"/>
-          </a:xfrm>
-          <a:prstGeom prst="rect">
-            <a:avLst/>
-          </a:prstGeom>
-        </p:spPr>
-      </p:pic>
-      <p:pic>
-        <p:nvPicPr>
-          <p:cNvPr id="17" name="Picture 16">
-            <a:extLst>
-              <a:ext uri="{FF2B5EF4-FFF2-40B4-BE49-F238E27FC236}">
-                <a16:creationId xmlns:a16="http://schemas.microsoft.com/office/drawing/2014/main" id="{68A38278-06C9-46E3-9F3A-64FC8CAF4E14}"/>
-              </a:ext>
-            </a:extLst>
-          </p:cNvPr>
-          <p:cNvPicPr>
-            <a:picLocks noChangeAspect="1"/>
-          </p:cNvPicPr>
-          <p:nvPr/>
-        </p:nvPicPr>
-        <p:blipFill>
-          <a:blip r:embed="rId5"/>
-          <a:stretch>
-            <a:fillRect/>
-          </a:stretch>
-        </p:blipFill>
-        <p:spPr>
-          <a:xfrm>
-            <a:off x="5522976" y="453667"/>
-            <a:ext cx="6172200" cy="438971"/>
+            <a:off x="355197" y="2343793"/>
+            <a:ext cx="5131202" cy="2656224"/>
           </a:xfrm>
           <a:prstGeom prst="rect">
             <a:avLst/>
@@ -7615,7 +7104,7 @@
     </p:spTree>
     <p:extLst>
       <p:ext uri="{BB962C8B-B14F-4D97-AF65-F5344CB8AC3E}">
-        <p14:creationId xmlns:p14="http://schemas.microsoft.com/office/powerpoint/2010/main" val="858608500"/>
+        <p14:creationId xmlns:p14="http://schemas.microsoft.com/office/powerpoint/2010/main" val="3540911853"/>
       </p:ext>
     </p:extLst>
   </p:cSld>
@@ -7625,2478 +7114,13 @@
 </p:sld>
 </file>
 
-<file path=ppt/slides/slide15.xml><?xml version="1.0" encoding="utf-8"?>
+<file path=ppt/slides/slide14.xml><?xml version="1.0" encoding="utf-8"?>
 <p:sld xmlns:a="http://schemas.openxmlformats.org/drawingml/2006/main" xmlns:r="http://schemas.openxmlformats.org/officeDocument/2006/relationships" xmlns:p="http://schemas.openxmlformats.org/presentationml/2006/main">
   <p:cSld>
     <p:bg>
       <p:bgPr>
         <a:solidFill>
           <a:schemeClr val="bg1"/>
-        </a:solidFill>
-        <a:effectLst/>
-      </p:bgPr>
-    </p:bg>
-    <p:spTree>
-      <p:nvGrpSpPr>
-        <p:cNvPr id="1" name=""/>
-        <p:cNvGrpSpPr/>
-        <p:nvPr/>
-      </p:nvGrpSpPr>
-      <p:grpSpPr>
-        <a:xfrm>
-          <a:off x="0" y="0"/>
-          <a:ext cx="0" cy="0"/>
-          <a:chOff x="0" y="0"/>
-          <a:chExt cx="0" cy="0"/>
-        </a:xfrm>
-      </p:grpSpPr>
-      <p:sp useBgFill="1">
-        <p:nvSpPr>
-          <p:cNvPr id="16" name="Rectangle 7">
-            <a:extLst>
-              <a:ext uri="{FF2B5EF4-FFF2-40B4-BE49-F238E27FC236}">
-                <a16:creationId xmlns:a16="http://schemas.microsoft.com/office/drawing/2014/main" id="{B6CDA21F-E7AF-4C75-8395-33F58D5B0E45}"/>
-              </a:ext>
-              <a:ext uri="{C183D7F6-B498-43B3-948B-1728B52AA6E4}">
-                <adec:decorative xmlns:adec="http://schemas.microsoft.com/office/drawing/2017/decorative" val="1"/>
-              </a:ext>
-            </a:extLst>
-          </p:cNvPr>
-          <p:cNvSpPr>
-            <a:spLocks noGrp="1" noRot="1" noChangeAspect="1" noMove="1" noResize="1" noEditPoints="1" noAdjustHandles="1" noChangeArrowheads="1" noChangeShapeType="1" noTextEdit="1"/>
-          </p:cNvSpPr>
-          <p:nvPr>
-            <p:extLst>
-              <p:ext uri="{386F3935-93C4-4BCD-93E2-E3B085C9AB24}">
-                <p16:designElem xmlns:p16="http://schemas.microsoft.com/office/powerpoint/2015/main" val="1"/>
-              </p:ext>
-            </p:extLst>
-          </p:nvPr>
-        </p:nvSpPr>
-        <p:spPr>
-          <a:xfrm>
-            <a:off x="0" y="0"/>
-            <a:ext cx="12191999" cy="6857365"/>
-          </a:xfrm>
-          <a:prstGeom prst="rect">
-            <a:avLst/>
-          </a:prstGeom>
-          <a:ln>
-            <a:noFill/>
-          </a:ln>
-        </p:spPr>
-        <p:style>
-          <a:lnRef idx="2">
-            <a:schemeClr val="accent1">
-              <a:shade val="50000"/>
-            </a:schemeClr>
-          </a:lnRef>
-          <a:fillRef idx="1">
-            <a:schemeClr val="accent1"/>
-          </a:fillRef>
-          <a:effectRef idx="0">
-            <a:schemeClr val="accent1"/>
-          </a:effectRef>
-          <a:fontRef idx="minor">
-            <a:schemeClr val="lt1"/>
-          </a:fontRef>
-        </p:style>
-        <p:txBody>
-          <a:bodyPr rtlCol="0" anchor="ctr"/>
-          <a:lstStyle/>
-          <a:p>
-            <a:pPr algn="ctr"/>
-            <a:endParaRPr lang="en-US"/>
-          </a:p>
-        </p:txBody>
-      </p:sp>
-      <p:grpSp>
-        <p:nvGrpSpPr>
-          <p:cNvPr id="18" name="Group 9">
-            <a:extLst>
-              <a:ext uri="{FF2B5EF4-FFF2-40B4-BE49-F238E27FC236}">
-                <a16:creationId xmlns:a16="http://schemas.microsoft.com/office/drawing/2014/main" id="{AE1C45F0-260A-458C-96ED-C1F6D2151219}"/>
-              </a:ext>
-              <a:ext uri="{C183D7F6-B498-43B3-948B-1728B52AA6E4}">
-                <adec:decorative xmlns:adec="http://schemas.microsoft.com/office/drawing/2017/decorative" val="1"/>
-              </a:ext>
-            </a:extLst>
-          </p:cNvPr>
-          <p:cNvGrpSpPr>
-            <a:grpSpLocks noGrp="1" noUngrp="1" noRot="1" noChangeAspect="1" noMove="1" noResize="1"/>
-          </p:cNvGrpSpPr>
-          <p:nvPr>
-            <p:extLst>
-              <p:ext uri="{386F3935-93C4-4BCD-93E2-E3B085C9AB24}">
-                <p16:designElem xmlns:p16="http://schemas.microsoft.com/office/powerpoint/2015/main" val="1"/>
-              </p:ext>
-            </p:extLst>
-          </p:nvPr>
-        </p:nvGrpSpPr>
-        <p:grpSpPr>
-          <a:xfrm>
-            <a:off x="4" y="1216597"/>
-            <a:ext cx="731521" cy="673460"/>
-            <a:chOff x="3940602" y="308034"/>
-            <a:chExt cx="2116791" cy="3428999"/>
-          </a:xfrm>
-          <a:solidFill>
-            <a:schemeClr val="accent4"/>
-          </a:solidFill>
-        </p:grpSpPr>
-        <p:sp>
-          <p:nvSpPr>
-            <p:cNvPr id="11" name="Rectangle 10">
-              <a:extLst>
-                <a:ext uri="{FF2B5EF4-FFF2-40B4-BE49-F238E27FC236}">
-                  <a16:creationId xmlns:a16="http://schemas.microsoft.com/office/drawing/2014/main" id="{A6604B49-AD5C-4590-B051-06C8222ECD99}"/>
-                </a:ext>
-                <a:ext uri="{C183D7F6-B498-43B3-948B-1728B52AA6E4}">
-                  <adec:decorative xmlns:adec="http://schemas.microsoft.com/office/drawing/2017/decorative" val="1"/>
-                </a:ext>
-              </a:extLst>
-            </p:cNvPr>
-            <p:cNvSpPr/>
-            <p:nvPr>
-              <p:extLst>
-                <p:ext uri="{386F3935-93C4-4BCD-93E2-E3B085C9AB24}">
-                  <p16:designElem xmlns:p16="http://schemas.microsoft.com/office/powerpoint/2015/main" val="1"/>
-                </p:ext>
-              </p:extLst>
-            </p:nvPr>
-          </p:nvSpPr>
-          <p:spPr>
-            <a:xfrm>
-              <a:off x="3940602" y="308034"/>
-              <a:ext cx="566743" cy="3428999"/>
-            </a:xfrm>
-            <a:prstGeom prst="rect">
-              <a:avLst/>
-            </a:prstGeom>
-            <a:grpFill/>
-            <a:ln>
-              <a:noFill/>
-            </a:ln>
-          </p:spPr>
-          <p:style>
-            <a:lnRef idx="2">
-              <a:schemeClr val="accent1">
-                <a:shade val="50000"/>
-              </a:schemeClr>
-            </a:lnRef>
-            <a:fillRef idx="1">
-              <a:schemeClr val="accent1"/>
-            </a:fillRef>
-            <a:effectRef idx="0">
-              <a:schemeClr val="accent1"/>
-            </a:effectRef>
-            <a:fontRef idx="minor">
-              <a:schemeClr val="lt1"/>
-            </a:fontRef>
-          </p:style>
-          <p:txBody>
-            <a:bodyPr rtlCol="0" anchor="ctr"/>
-            <a:lstStyle/>
-            <a:p>
-              <a:pPr algn="ctr"/>
-              <a:endParaRPr lang="en-US"/>
-            </a:p>
-          </p:txBody>
-        </p:sp>
-        <p:sp>
-          <p:nvSpPr>
-            <p:cNvPr id="19" name="Rectangle 11">
-              <a:extLst>
-                <a:ext uri="{FF2B5EF4-FFF2-40B4-BE49-F238E27FC236}">
-                  <a16:creationId xmlns:a16="http://schemas.microsoft.com/office/drawing/2014/main" id="{743ECCAF-29C5-4537-947C-7EA1292463DB}"/>
-                </a:ext>
-                <a:ext uri="{C183D7F6-B498-43B3-948B-1728B52AA6E4}">
-                  <adec:decorative xmlns:adec="http://schemas.microsoft.com/office/drawing/2017/decorative" val="1"/>
-                </a:ext>
-              </a:extLst>
-            </p:cNvPr>
-            <p:cNvSpPr/>
-            <p:nvPr>
-              <p:extLst>
-                <p:ext uri="{386F3935-93C4-4BCD-93E2-E3B085C9AB24}">
-                  <p16:designElem xmlns:p16="http://schemas.microsoft.com/office/powerpoint/2015/main" val="1"/>
-                </p:ext>
-              </p:extLst>
-            </p:nvPr>
-          </p:nvSpPr>
-          <p:spPr>
-            <a:xfrm>
-              <a:off x="4715626" y="308034"/>
-              <a:ext cx="566743" cy="3428999"/>
-            </a:xfrm>
-            <a:prstGeom prst="rect">
-              <a:avLst/>
-            </a:prstGeom>
-            <a:grpFill/>
-            <a:ln>
-              <a:noFill/>
-            </a:ln>
-          </p:spPr>
-          <p:style>
-            <a:lnRef idx="2">
-              <a:schemeClr val="accent1">
-                <a:shade val="50000"/>
-              </a:schemeClr>
-            </a:lnRef>
-            <a:fillRef idx="1">
-              <a:schemeClr val="accent1"/>
-            </a:fillRef>
-            <a:effectRef idx="0">
-              <a:schemeClr val="accent1"/>
-            </a:effectRef>
-            <a:fontRef idx="minor">
-              <a:schemeClr val="lt1"/>
-            </a:fontRef>
-          </p:style>
-          <p:txBody>
-            <a:bodyPr rtlCol="0" anchor="ctr"/>
-            <a:lstStyle/>
-            <a:p>
-              <a:pPr algn="ctr"/>
-              <a:endParaRPr lang="en-US"/>
-            </a:p>
-          </p:txBody>
-        </p:sp>
-        <p:sp>
-          <p:nvSpPr>
-            <p:cNvPr id="13" name="Rectangle 12">
-              <a:extLst>
-                <a:ext uri="{FF2B5EF4-FFF2-40B4-BE49-F238E27FC236}">
-                  <a16:creationId xmlns:a16="http://schemas.microsoft.com/office/drawing/2014/main" id="{ED49787B-8DE6-4467-AD0A-8DECC6E0C2D6}"/>
-                </a:ext>
-                <a:ext uri="{C183D7F6-B498-43B3-948B-1728B52AA6E4}">
-                  <adec:decorative xmlns:adec="http://schemas.microsoft.com/office/drawing/2017/decorative" val="1"/>
-                </a:ext>
-              </a:extLst>
-            </p:cNvPr>
-            <p:cNvSpPr/>
-            <p:nvPr>
-              <p:extLst>
-                <p:ext uri="{386F3935-93C4-4BCD-93E2-E3B085C9AB24}">
-                  <p16:designElem xmlns:p16="http://schemas.microsoft.com/office/powerpoint/2015/main" val="1"/>
-                </p:ext>
-              </p:extLst>
-            </p:nvPr>
-          </p:nvSpPr>
-          <p:spPr>
-            <a:xfrm>
-              <a:off x="5490650" y="308034"/>
-              <a:ext cx="566743" cy="3428999"/>
-            </a:xfrm>
-            <a:prstGeom prst="rect">
-              <a:avLst/>
-            </a:prstGeom>
-            <a:grpFill/>
-            <a:ln>
-              <a:noFill/>
-            </a:ln>
-          </p:spPr>
-          <p:style>
-            <a:lnRef idx="2">
-              <a:schemeClr val="accent1">
-                <a:shade val="50000"/>
-              </a:schemeClr>
-            </a:lnRef>
-            <a:fillRef idx="1">
-              <a:schemeClr val="accent1"/>
-            </a:fillRef>
-            <a:effectRef idx="0">
-              <a:schemeClr val="accent1"/>
-            </a:effectRef>
-            <a:fontRef idx="minor">
-              <a:schemeClr val="lt1"/>
-            </a:fontRef>
-          </p:style>
-          <p:txBody>
-            <a:bodyPr rtlCol="0" anchor="ctr"/>
-            <a:lstStyle/>
-            <a:p>
-              <a:pPr algn="ctr"/>
-              <a:endParaRPr lang="en-US"/>
-            </a:p>
-          </p:txBody>
-        </p:sp>
-      </p:grpSp>
-      <p:sp>
-        <p:nvSpPr>
-          <p:cNvPr id="15" name="Rectangle 14">
-            <a:extLst>
-              <a:ext uri="{FF2B5EF4-FFF2-40B4-BE49-F238E27FC236}">
-                <a16:creationId xmlns:a16="http://schemas.microsoft.com/office/drawing/2014/main" id="{D5B0017B-2ECA-49AF-B397-DC140825DF8D}"/>
-              </a:ext>
-              <a:ext uri="{C183D7F6-B498-43B3-948B-1728B52AA6E4}">
-                <adec:decorative xmlns:adec="http://schemas.microsoft.com/office/drawing/2017/decorative" val="1"/>
-              </a:ext>
-            </a:extLst>
-          </p:cNvPr>
-          <p:cNvSpPr>
-            <a:spLocks noGrp="1" noRot="1" noChangeAspect="1" noMove="1" noResize="1" noEditPoints="1" noAdjustHandles="1" noChangeArrowheads="1" noChangeShapeType="1" noTextEdit="1"/>
-          </p:cNvSpPr>
-          <p:nvPr>
-            <p:extLst>
-              <p:ext uri="{386F3935-93C4-4BCD-93E2-E3B085C9AB24}">
-                <p16:designElem xmlns:p16="http://schemas.microsoft.com/office/powerpoint/2015/main" val="1"/>
-              </p:ext>
-            </p:extLst>
-          </p:nvPr>
-        </p:nvSpPr>
-        <p:spPr>
-          <a:xfrm>
-            <a:off x="640079" y="613954"/>
-            <a:ext cx="10907487" cy="1894116"/>
-          </a:xfrm>
-          <a:prstGeom prst="rect">
-            <a:avLst/>
-          </a:prstGeom>
-          <a:solidFill>
-            <a:schemeClr val="bg1"/>
-          </a:solidFill>
-          <a:ln>
-            <a:noFill/>
-          </a:ln>
-          <a:effectLst>
-            <a:outerShdw blurRad="139700" dist="127000" dir="5400000" algn="t" rotWithShape="0">
-              <a:prstClr val="black">
-                <a:alpha val="15000"/>
-              </a:prstClr>
-            </a:outerShdw>
-          </a:effectLst>
-        </p:spPr>
-        <p:style>
-          <a:lnRef idx="2">
-            <a:schemeClr val="accent1">
-              <a:shade val="50000"/>
-            </a:schemeClr>
-          </a:lnRef>
-          <a:fillRef idx="1">
-            <a:schemeClr val="accent1"/>
-          </a:fillRef>
-          <a:effectRef idx="0">
-            <a:schemeClr val="accent1"/>
-          </a:effectRef>
-          <a:fontRef idx="minor">
-            <a:schemeClr val="lt1"/>
-          </a:fontRef>
-        </p:style>
-        <p:txBody>
-          <a:bodyPr rtlCol="0" anchor="ctr"/>
-          <a:lstStyle/>
-          <a:p>
-            <a:pPr algn="ctr"/>
-            <a:endParaRPr lang="en-US"/>
-          </a:p>
-        </p:txBody>
-      </p:sp>
-      <p:sp>
-        <p:nvSpPr>
-          <p:cNvPr id="12" name="Rectangle 11">
-            <a:extLst>
-              <a:ext uri="{FF2B5EF4-FFF2-40B4-BE49-F238E27FC236}">
-                <a16:creationId xmlns:a16="http://schemas.microsoft.com/office/drawing/2014/main" id="{5E1D5788-2731-474B-8F80-00A5C97CF4B6}"/>
-              </a:ext>
-            </a:extLst>
-          </p:cNvPr>
-          <p:cNvSpPr/>
-          <p:nvPr/>
-        </p:nvSpPr>
-        <p:spPr>
-          <a:xfrm>
-            <a:off x="633597" y="640080"/>
-            <a:ext cx="10907487" cy="1894116"/>
-          </a:xfrm>
-          <a:prstGeom prst="rect">
-            <a:avLst/>
-          </a:prstGeom>
-          <a:solidFill>
-            <a:srgbClr val="023047"/>
-          </a:solidFill>
-          <a:ln>
-            <a:noFill/>
-          </a:ln>
-        </p:spPr>
-        <p:style>
-          <a:lnRef idx="2">
-            <a:schemeClr val="accent1">
-              <a:shade val="50000"/>
-            </a:schemeClr>
-          </a:lnRef>
-          <a:fillRef idx="1">
-            <a:schemeClr val="accent1"/>
-          </a:fillRef>
-          <a:effectRef idx="0">
-            <a:schemeClr val="accent1"/>
-          </a:effectRef>
-          <a:fontRef idx="minor">
-            <a:schemeClr val="lt1"/>
-          </a:fontRef>
-        </p:style>
-        <p:txBody>
-          <a:bodyPr rtlCol="0" anchor="ctr"/>
-          <a:lstStyle/>
-          <a:p>
-            <a:pPr algn="ctr"/>
-            <a:endParaRPr lang="en-GB"/>
-          </a:p>
-        </p:txBody>
-      </p:sp>
-      <p:sp>
-        <p:nvSpPr>
-          <p:cNvPr id="2" name="Title 1">
-            <a:extLst>
-              <a:ext uri="{FF2B5EF4-FFF2-40B4-BE49-F238E27FC236}">
-                <a16:creationId xmlns:a16="http://schemas.microsoft.com/office/drawing/2014/main" id="{A48C8F4F-F52C-4236-8286-9234A489AE8D}"/>
-              </a:ext>
-            </a:extLst>
-          </p:cNvPr>
-          <p:cNvSpPr>
-            <a:spLocks noGrp="1"/>
-          </p:cNvSpPr>
-          <p:nvPr>
-            <p:ph type="title"/>
-          </p:nvPr>
-        </p:nvSpPr>
-        <p:spPr>
-          <a:xfrm>
-            <a:off x="1043631" y="809898"/>
-            <a:ext cx="9942716" cy="1554480"/>
-          </a:xfrm>
-        </p:spPr>
-        <p:txBody>
-          <a:bodyPr anchor="ctr">
-            <a:normAutofit/>
-          </a:bodyPr>
-          <a:lstStyle/>
-          <a:p>
-            <a:r>
-              <a:rPr lang="en-US" sz="4800" dirty="0">
-                <a:solidFill>
-                  <a:srgbClr val="FFC000"/>
-                </a:solidFill>
-              </a:rPr>
-              <a:t>Interaction structure pt. I:</a:t>
-            </a:r>
-            <a:br>
-              <a:rPr lang="en-US" sz="4800" dirty="0">
-                <a:solidFill>
-                  <a:srgbClr val="FFC000"/>
-                </a:solidFill>
-              </a:rPr>
-            </a:br>
-            <a:r>
-              <a:rPr lang="en-US" sz="4000" dirty="0">
-                <a:solidFill>
-                  <a:srgbClr val="FFC000"/>
-                </a:solidFill>
-              </a:rPr>
-              <a:t>what if they can’t be recognized?</a:t>
-            </a:r>
-            <a:endParaRPr lang="en-US" dirty="0">
-              <a:solidFill>
-                <a:srgbClr val="FFC000"/>
-              </a:solidFill>
-            </a:endParaRPr>
-          </a:p>
-        </p:txBody>
-      </p:sp>
-      <p:sp>
-        <p:nvSpPr>
-          <p:cNvPr id="3" name="Content Placeholder 2">
-            <a:extLst>
-              <a:ext uri="{FF2B5EF4-FFF2-40B4-BE49-F238E27FC236}">
-                <a16:creationId xmlns:a16="http://schemas.microsoft.com/office/drawing/2014/main" id="{F0C29356-FBF8-4F7E-938D-AA38EA0CD781}"/>
-              </a:ext>
-            </a:extLst>
-          </p:cNvPr>
-          <p:cNvSpPr>
-            <a:spLocks noGrp="1"/>
-          </p:cNvSpPr>
-          <p:nvPr>
-            <p:ph idx="1"/>
-          </p:nvPr>
-        </p:nvSpPr>
-        <p:spPr>
-          <a:xfrm>
-            <a:off x="1045028" y="3017522"/>
-            <a:ext cx="9941319" cy="3124658"/>
-          </a:xfrm>
-        </p:spPr>
-        <p:txBody>
-          <a:bodyPr anchor="ctr">
-            <a:normAutofit/>
-          </a:bodyPr>
-          <a:lstStyle/>
-          <a:p>
-            <a:r>
-              <a:rPr lang="en-US" sz="2000" dirty="0">
-                <a:solidFill>
-                  <a:srgbClr val="023047"/>
-                </a:solidFill>
-                <a:latin typeface="Arial" panose="020B0604020202020204" pitchFamily="34" charset="0"/>
-                <a:cs typeface="Arial" panose="020B0604020202020204" pitchFamily="34" charset="0"/>
-              </a:rPr>
-              <a:t>Recognition will always fail (both visual and audio identification) if the person is not registered to the system in the first place</a:t>
-            </a:r>
-          </a:p>
-          <a:p>
-            <a:r>
-              <a:rPr lang="en-US" sz="2000" dirty="0">
-                <a:solidFill>
-                  <a:srgbClr val="023047"/>
-                </a:solidFill>
-                <a:latin typeface="Arial" panose="020B0604020202020204" pitchFamily="34" charset="0"/>
-                <a:cs typeface="Arial" panose="020B0604020202020204" pitchFamily="34" charset="0"/>
-              </a:rPr>
-              <a:t>Solution: ask and offer the possibility for a person to register to the system</a:t>
-            </a:r>
-          </a:p>
-          <a:p>
-            <a:r>
-              <a:rPr lang="en-US" sz="2000" dirty="0">
-                <a:solidFill>
-                  <a:srgbClr val="023047"/>
-                </a:solidFill>
-                <a:latin typeface="Arial" panose="020B0604020202020204" pitchFamily="34" charset="0"/>
-                <a:cs typeface="Arial" panose="020B0604020202020204" pitchFamily="34" charset="0"/>
-              </a:rPr>
-              <a:t>Registration is made simple, only asking for a name, as the image has already been encoded beforehand</a:t>
-            </a:r>
-          </a:p>
-        </p:txBody>
-      </p:sp>
-      <p:cxnSp>
-        <p:nvCxnSpPr>
-          <p:cNvPr id="17" name="Straight Connector 16">
-            <a:extLst>
-              <a:ext uri="{FF2B5EF4-FFF2-40B4-BE49-F238E27FC236}">
-                <a16:creationId xmlns:a16="http://schemas.microsoft.com/office/drawing/2014/main" id="{6CF1BAF6-AD41-4082-B212-8A1F9A2E8779}"/>
-              </a:ext>
-              <a:ext uri="{C183D7F6-B498-43B3-948B-1728B52AA6E4}">
-                <adec:decorative xmlns:adec="http://schemas.microsoft.com/office/drawing/2017/decorative" val="1"/>
-              </a:ext>
-            </a:extLst>
-          </p:cNvPr>
-          <p:cNvCxnSpPr>
-            <a:cxnSpLocks noGrp="1" noRot="1" noChangeAspect="1" noMove="1" noResize="1" noEditPoints="1" noAdjustHandles="1" noChangeArrowheads="1" noChangeShapeType="1"/>
-          </p:cNvCxnSpPr>
-          <p:nvPr>
-            <p:extLst>
-              <p:ext uri="{386F3935-93C4-4BCD-93E2-E3B085C9AB24}">
-                <p16:designElem xmlns:p16="http://schemas.microsoft.com/office/powerpoint/2015/main" val="1"/>
-              </p:ext>
-            </p:extLst>
-          </p:nvPr>
-        </p:nvCxnSpPr>
-        <p:spPr>
-          <a:xfrm flipH="1">
-            <a:off x="838200" y="6485313"/>
-            <a:ext cx="10515600" cy="0"/>
-          </a:xfrm>
-          <a:prstGeom prst="line">
-            <a:avLst/>
-          </a:prstGeom>
-          <a:ln w="57150">
-            <a:solidFill>
-              <a:schemeClr val="accent4"/>
-            </a:solidFill>
-          </a:ln>
-        </p:spPr>
-        <p:style>
-          <a:lnRef idx="1">
-            <a:schemeClr val="accent1"/>
-          </a:lnRef>
-          <a:fillRef idx="0">
-            <a:schemeClr val="accent1"/>
-          </a:fillRef>
-          <a:effectRef idx="0">
-            <a:schemeClr val="accent1"/>
-          </a:effectRef>
-          <a:fontRef idx="minor">
-            <a:schemeClr val="tx1"/>
-          </a:fontRef>
-        </p:style>
-      </p:cxnSp>
-    </p:spTree>
-    <p:extLst>
-      <p:ext uri="{BB962C8B-B14F-4D97-AF65-F5344CB8AC3E}">
-        <p14:creationId xmlns:p14="http://schemas.microsoft.com/office/powerpoint/2010/main" val="2963686248"/>
-      </p:ext>
-    </p:extLst>
-  </p:cSld>
-  <p:clrMapOvr>
-    <a:masterClrMapping/>
-  </p:clrMapOvr>
-</p:sld>
-</file>
-
-<file path=ppt/slides/slide16.xml><?xml version="1.0" encoding="utf-8"?>
-<p:sld xmlns:a="http://schemas.openxmlformats.org/drawingml/2006/main" xmlns:r="http://schemas.openxmlformats.org/officeDocument/2006/relationships" xmlns:p="http://schemas.openxmlformats.org/presentationml/2006/main">
-  <p:cSld>
-    <p:bg>
-      <p:bgPr>
-        <a:solidFill>
-          <a:schemeClr val="bg1"/>
-        </a:solidFill>
-        <a:effectLst/>
-      </p:bgPr>
-    </p:bg>
-    <p:spTree>
-      <p:nvGrpSpPr>
-        <p:cNvPr id="1" name=""/>
-        <p:cNvGrpSpPr/>
-        <p:nvPr/>
-      </p:nvGrpSpPr>
-      <p:grpSpPr>
-        <a:xfrm>
-          <a:off x="0" y="0"/>
-          <a:ext cx="0" cy="0"/>
-          <a:chOff x="0" y="0"/>
-          <a:chExt cx="0" cy="0"/>
-        </a:xfrm>
-      </p:grpSpPr>
-      <p:sp useBgFill="1">
-        <p:nvSpPr>
-          <p:cNvPr id="52" name="Rectangle 42">
-            <a:extLst>
-              <a:ext uri="{FF2B5EF4-FFF2-40B4-BE49-F238E27FC236}">
-                <a16:creationId xmlns:a16="http://schemas.microsoft.com/office/drawing/2014/main" id="{201CC55D-ED54-4C5C-95E6-10947BD1103B}"/>
-              </a:ext>
-              <a:ext uri="{C183D7F6-B498-43B3-948B-1728B52AA6E4}">
-                <adec:decorative xmlns:adec="http://schemas.microsoft.com/office/drawing/2017/decorative" val="1"/>
-              </a:ext>
-            </a:extLst>
-          </p:cNvPr>
-          <p:cNvSpPr>
-            <a:spLocks noGrp="1" noRot="1" noChangeAspect="1" noMove="1" noResize="1" noEditPoints="1" noAdjustHandles="1" noChangeArrowheads="1" noChangeShapeType="1" noTextEdit="1"/>
-          </p:cNvSpPr>
-          <p:nvPr>
-            <p:extLst>
-              <p:ext uri="{386F3935-93C4-4BCD-93E2-E3B085C9AB24}">
-                <p16:designElem xmlns:p16="http://schemas.microsoft.com/office/powerpoint/2015/main" val="1"/>
-              </p:ext>
-            </p:extLst>
-          </p:nvPr>
-        </p:nvSpPr>
-        <p:spPr>
-          <a:xfrm>
-            <a:off x="0" y="0"/>
-            <a:ext cx="12191999" cy="6857365"/>
-          </a:xfrm>
-          <a:prstGeom prst="rect">
-            <a:avLst/>
-          </a:prstGeom>
-          <a:ln>
-            <a:noFill/>
-          </a:ln>
-        </p:spPr>
-        <p:style>
-          <a:lnRef idx="2">
-            <a:schemeClr val="accent1">
-              <a:shade val="50000"/>
-            </a:schemeClr>
-          </a:lnRef>
-          <a:fillRef idx="1">
-            <a:schemeClr val="accent1"/>
-          </a:fillRef>
-          <a:effectRef idx="0">
-            <a:schemeClr val="accent1"/>
-          </a:effectRef>
-          <a:fontRef idx="minor">
-            <a:schemeClr val="lt1"/>
-          </a:fontRef>
-        </p:style>
-        <p:txBody>
-          <a:bodyPr rtlCol="0" anchor="ctr"/>
-          <a:lstStyle/>
-          <a:p>
-            <a:pPr algn="ctr"/>
-            <a:endParaRPr lang="en-US"/>
-          </a:p>
-        </p:txBody>
-      </p:sp>
-      <p:sp>
-        <p:nvSpPr>
-          <p:cNvPr id="12" name="Rectangle 11">
-            <a:extLst>
-              <a:ext uri="{FF2B5EF4-FFF2-40B4-BE49-F238E27FC236}">
-                <a16:creationId xmlns:a16="http://schemas.microsoft.com/office/drawing/2014/main" id="{C94F0BD2-9600-477E-9AC1-32547029E4AE}"/>
-              </a:ext>
-            </a:extLst>
-          </p:cNvPr>
-          <p:cNvSpPr/>
-          <p:nvPr/>
-        </p:nvSpPr>
-        <p:spPr>
-          <a:xfrm>
-            <a:off x="355197" y="640080"/>
-            <a:ext cx="5330612" cy="1316736"/>
-          </a:xfrm>
-          <a:prstGeom prst="rect">
-            <a:avLst/>
-          </a:prstGeom>
-          <a:solidFill>
-            <a:srgbClr val="023047"/>
-          </a:solidFill>
-          <a:ln>
-            <a:noFill/>
-          </a:ln>
-        </p:spPr>
-        <p:style>
-          <a:lnRef idx="2">
-            <a:schemeClr val="accent1">
-              <a:shade val="50000"/>
-            </a:schemeClr>
-          </a:lnRef>
-          <a:fillRef idx="1">
-            <a:schemeClr val="accent1"/>
-          </a:fillRef>
-          <a:effectRef idx="0">
-            <a:schemeClr val="accent1"/>
-          </a:effectRef>
-          <a:fontRef idx="minor">
-            <a:schemeClr val="lt1"/>
-          </a:fontRef>
-        </p:style>
-        <p:txBody>
-          <a:bodyPr rtlCol="0" anchor="ctr"/>
-          <a:lstStyle/>
-          <a:p>
-            <a:pPr algn="ctr"/>
-            <a:endParaRPr lang="en-GB"/>
-          </a:p>
-        </p:txBody>
-      </p:sp>
-      <p:sp>
-        <p:nvSpPr>
-          <p:cNvPr id="2" name="Title 1">
-            <a:extLst>
-              <a:ext uri="{FF2B5EF4-FFF2-40B4-BE49-F238E27FC236}">
-                <a16:creationId xmlns:a16="http://schemas.microsoft.com/office/drawing/2014/main" id="{F703FF40-49BD-4711-8571-801EBE0CF90B}"/>
-              </a:ext>
-            </a:extLst>
-          </p:cNvPr>
-          <p:cNvSpPr>
-            <a:spLocks noGrp="1"/>
-          </p:cNvSpPr>
-          <p:nvPr>
-            <p:ph type="title"/>
-          </p:nvPr>
-        </p:nvSpPr>
-        <p:spPr>
-          <a:xfrm>
-            <a:off x="589559" y="759236"/>
-            <a:ext cx="4777497" cy="1128068"/>
-          </a:xfrm>
-        </p:spPr>
-        <p:txBody>
-          <a:bodyPr vert="horz" lIns="91440" tIns="45720" rIns="91440" bIns="45720" rtlCol="0" anchor="ctr">
-            <a:normAutofit/>
-          </a:bodyPr>
-          <a:lstStyle/>
-          <a:p>
-            <a:r>
-              <a:rPr lang="en-US" sz="3400" dirty="0">
-                <a:solidFill>
-                  <a:srgbClr val="FFC000"/>
-                </a:solidFill>
-              </a:rPr>
-              <a:t>Interaction structure pt. I: </a:t>
-            </a:r>
-            <a:r>
-              <a:rPr lang="en-US" sz="2700" dirty="0">
-                <a:solidFill>
-                  <a:srgbClr val="FFC000"/>
-                </a:solidFill>
-              </a:rPr>
-              <a:t>what if they can’t be recognized?</a:t>
-            </a:r>
-            <a:endParaRPr lang="en-US" sz="3100" dirty="0">
-              <a:solidFill>
-                <a:srgbClr val="FFC000"/>
-              </a:solidFill>
-            </a:endParaRPr>
-          </a:p>
-        </p:txBody>
-      </p:sp>
-      <p:grpSp>
-        <p:nvGrpSpPr>
-          <p:cNvPr id="54" name="Group 44">
-            <a:extLst>
-              <a:ext uri="{FF2B5EF4-FFF2-40B4-BE49-F238E27FC236}">
-                <a16:creationId xmlns:a16="http://schemas.microsoft.com/office/drawing/2014/main" id="{1DE889C7-FAD6-4397-98E2-05D503484459}"/>
-              </a:ext>
-              <a:ext uri="{C183D7F6-B498-43B3-948B-1728B52AA6E4}">
-                <adec:decorative xmlns:adec="http://schemas.microsoft.com/office/drawing/2017/decorative" val="1"/>
-              </a:ext>
-            </a:extLst>
-          </p:cNvPr>
-          <p:cNvGrpSpPr>
-            <a:grpSpLocks noGrp="1" noUngrp="1" noRot="1" noChangeAspect="1" noMove="1" noResize="1"/>
-          </p:cNvGrpSpPr>
-          <p:nvPr>
-            <p:extLst>
-              <p:ext uri="{386F3935-93C4-4BCD-93E2-E3B085C9AB24}">
-                <p16:designElem xmlns:p16="http://schemas.microsoft.com/office/powerpoint/2015/main" val="1"/>
-              </p:ext>
-            </p:extLst>
-          </p:nvPr>
-        </p:nvGrpSpPr>
-        <p:grpSpPr>
-          <a:xfrm>
-            <a:off x="0" y="1083484"/>
-            <a:ext cx="355196" cy="673460"/>
-            <a:chOff x="0" y="823811"/>
-            <a:chExt cx="355196" cy="673460"/>
-          </a:xfrm>
-        </p:grpSpPr>
-        <p:sp>
-          <p:nvSpPr>
-            <p:cNvPr id="46" name="Rectangle 45">
-              <a:extLst>
-                <a:ext uri="{FF2B5EF4-FFF2-40B4-BE49-F238E27FC236}">
-                  <a16:creationId xmlns:a16="http://schemas.microsoft.com/office/drawing/2014/main" id="{F399A70F-F8CD-4992-9EF5-6CF15472E73F}"/>
-                </a:ext>
-                <a:ext uri="{C183D7F6-B498-43B3-948B-1728B52AA6E4}">
-                  <adec:decorative xmlns:adec="http://schemas.microsoft.com/office/drawing/2017/decorative" val="1"/>
-                </a:ext>
-              </a:extLst>
-            </p:cNvPr>
-            <p:cNvSpPr/>
-            <p:nvPr>
-              <p:extLst>
-                <p:ext uri="{386F3935-93C4-4BCD-93E2-E3B085C9AB24}">
-                  <p16:designElem xmlns:p16="http://schemas.microsoft.com/office/powerpoint/2015/main" val="1"/>
-                </p:ext>
-              </p:extLst>
-            </p:nvPr>
-          </p:nvSpPr>
-          <p:spPr>
-            <a:xfrm>
-              <a:off x="0" y="823811"/>
-              <a:ext cx="87363" cy="673460"/>
-            </a:xfrm>
-            <a:prstGeom prst="rect">
-              <a:avLst/>
-            </a:prstGeom>
-            <a:solidFill>
-              <a:schemeClr val="accent4"/>
-            </a:solidFill>
-            <a:ln>
-              <a:noFill/>
-            </a:ln>
-          </p:spPr>
-          <p:style>
-            <a:lnRef idx="2">
-              <a:schemeClr val="accent1">
-                <a:shade val="50000"/>
-              </a:schemeClr>
-            </a:lnRef>
-            <a:fillRef idx="1">
-              <a:schemeClr val="accent1"/>
-            </a:fillRef>
-            <a:effectRef idx="0">
-              <a:schemeClr val="accent1"/>
-            </a:effectRef>
-            <a:fontRef idx="minor">
-              <a:schemeClr val="lt1"/>
-            </a:fontRef>
-          </p:style>
-          <p:txBody>
-            <a:bodyPr rtlCol="0" anchor="ctr"/>
-            <a:lstStyle/>
-            <a:p>
-              <a:pPr algn="ctr"/>
-              <a:endParaRPr lang="en-US"/>
-            </a:p>
-          </p:txBody>
-        </p:sp>
-        <p:sp>
-          <p:nvSpPr>
-            <p:cNvPr id="55" name="Rectangle 46">
-              <a:extLst>
-                <a:ext uri="{FF2B5EF4-FFF2-40B4-BE49-F238E27FC236}">
-                  <a16:creationId xmlns:a16="http://schemas.microsoft.com/office/drawing/2014/main" id="{48F4FEDC-6D80-458C-A665-075D9B9500FD}"/>
-                </a:ext>
-                <a:ext uri="{C183D7F6-B498-43B3-948B-1728B52AA6E4}">
-                  <adec:decorative xmlns:adec="http://schemas.microsoft.com/office/drawing/2017/decorative" val="1"/>
-                </a:ext>
-              </a:extLst>
-            </p:cNvPr>
-            <p:cNvSpPr/>
-            <p:nvPr>
-              <p:extLst>
-                <p:ext uri="{386F3935-93C4-4BCD-93E2-E3B085C9AB24}">
-                  <p16:designElem xmlns:p16="http://schemas.microsoft.com/office/powerpoint/2015/main" val="1"/>
-                </p:ext>
-              </p:extLst>
-            </p:nvPr>
-          </p:nvSpPr>
-          <p:spPr>
-            <a:xfrm>
-              <a:off x="159341" y="823811"/>
-              <a:ext cx="195855" cy="673460"/>
-            </a:xfrm>
-            <a:prstGeom prst="rect">
-              <a:avLst/>
-            </a:prstGeom>
-            <a:solidFill>
-              <a:schemeClr val="accent4"/>
-            </a:solidFill>
-            <a:ln>
-              <a:noFill/>
-            </a:ln>
-          </p:spPr>
-          <p:style>
-            <a:lnRef idx="2">
-              <a:schemeClr val="accent1">
-                <a:shade val="50000"/>
-              </a:schemeClr>
-            </a:lnRef>
-            <a:fillRef idx="1">
-              <a:schemeClr val="accent1"/>
-            </a:fillRef>
-            <a:effectRef idx="0">
-              <a:schemeClr val="accent1"/>
-            </a:effectRef>
-            <a:fontRef idx="minor">
-              <a:schemeClr val="lt1"/>
-            </a:fontRef>
-          </p:style>
-          <p:txBody>
-            <a:bodyPr rtlCol="0" anchor="ctr"/>
-            <a:lstStyle/>
-            <a:p>
-              <a:pPr algn="ctr"/>
-              <a:endParaRPr lang="en-US"/>
-            </a:p>
-          </p:txBody>
-        </p:sp>
-      </p:grpSp>
-      <p:sp>
-        <p:nvSpPr>
-          <p:cNvPr id="56" name="Rectangle 48">
-            <a:extLst>
-              <a:ext uri="{FF2B5EF4-FFF2-40B4-BE49-F238E27FC236}">
-                <a16:creationId xmlns:a16="http://schemas.microsoft.com/office/drawing/2014/main" id="{3873B707-463F-40B0-8227-E8CC6C67EB25}"/>
-              </a:ext>
-              <a:ext uri="{C183D7F6-B498-43B3-948B-1728B52AA6E4}">
-                <adec:decorative xmlns:adec="http://schemas.microsoft.com/office/drawing/2017/decorative" val="1"/>
-              </a:ext>
-            </a:extLst>
-          </p:cNvPr>
-          <p:cNvSpPr>
-            <a:spLocks noGrp="1" noRot="1" noChangeAspect="1" noMove="1" noResize="1" noEditPoints="1" noAdjustHandles="1" noChangeArrowheads="1" noChangeShapeType="1" noTextEdit="1"/>
-          </p:cNvSpPr>
-          <p:nvPr>
-            <p:extLst>
-              <p:ext uri="{386F3935-93C4-4BCD-93E2-E3B085C9AB24}">
-                <p16:designElem xmlns:p16="http://schemas.microsoft.com/office/powerpoint/2015/main" val="1"/>
-              </p:ext>
-            </p:extLst>
-          </p:nvPr>
-        </p:nvSpPr>
-        <p:spPr>
-          <a:xfrm flipH="1">
-            <a:off x="665085" y="2090569"/>
-            <a:ext cx="4297680" cy="27432"/>
-          </a:xfrm>
-          <a:prstGeom prst="rect">
-            <a:avLst/>
-          </a:prstGeom>
-          <a:solidFill>
-            <a:schemeClr val="accent4"/>
-          </a:solidFill>
-          <a:ln>
-            <a:noFill/>
-          </a:ln>
-        </p:spPr>
-        <p:style>
-          <a:lnRef idx="2">
-            <a:schemeClr val="accent1">
-              <a:shade val="50000"/>
-            </a:schemeClr>
-          </a:lnRef>
-          <a:fillRef idx="1">
-            <a:schemeClr val="accent1"/>
-          </a:fillRef>
-          <a:effectRef idx="0">
-            <a:schemeClr val="accent1"/>
-          </a:effectRef>
-          <a:fontRef idx="minor">
-            <a:schemeClr val="lt1"/>
-          </a:fontRef>
-        </p:style>
-        <p:txBody>
-          <a:bodyPr rtlCol="0" anchor="ctr"/>
-          <a:lstStyle/>
-          <a:p>
-            <a:pPr algn="ctr"/>
-            <a:endParaRPr lang="en-US"/>
-          </a:p>
-        </p:txBody>
-      </p:sp>
-      <p:sp>
-        <p:nvSpPr>
-          <p:cNvPr id="8" name="Text Placeholder 7">
-            <a:extLst>
-              <a:ext uri="{FF2B5EF4-FFF2-40B4-BE49-F238E27FC236}">
-                <a16:creationId xmlns:a16="http://schemas.microsoft.com/office/drawing/2014/main" id="{958D5C89-C119-4811-886C-7F28128E6C98}"/>
-              </a:ext>
-            </a:extLst>
-          </p:cNvPr>
-          <p:cNvSpPr>
-            <a:spLocks noGrp="1"/>
-          </p:cNvSpPr>
-          <p:nvPr>
-            <p:ph type="body" sz="half" idx="2"/>
-          </p:nvPr>
-        </p:nvSpPr>
-        <p:spPr>
-          <a:xfrm>
-            <a:off x="590719" y="2330505"/>
-            <a:ext cx="4559425" cy="3979585"/>
-          </a:xfrm>
-        </p:spPr>
-        <p:txBody>
-          <a:bodyPr vert="horz" lIns="91440" tIns="45720" rIns="91440" bIns="45720" rtlCol="0" anchor="ctr">
-            <a:normAutofit/>
-          </a:bodyPr>
-          <a:lstStyle/>
-          <a:p>
-            <a:pPr indent="-228600">
-              <a:buFont typeface="Arial" panose="020B0604020202020204" pitchFamily="34" charset="0"/>
-              <a:buChar char="•"/>
-            </a:pPr>
-            <a:r>
-              <a:rPr lang="en-US" sz="1900" dirty="0">
-                <a:solidFill>
-                  <a:srgbClr val="023047"/>
-                </a:solidFill>
-              </a:rPr>
-              <a:t>As said: registering is straight-forward:</a:t>
-            </a:r>
-          </a:p>
-          <a:p>
-            <a:pPr marL="342900" indent="-228600">
-              <a:buFont typeface="Arial" panose="020B0604020202020204" pitchFamily="34" charset="0"/>
-              <a:buChar char="•"/>
-            </a:pPr>
-            <a:r>
-              <a:rPr lang="en-US" sz="1900" dirty="0">
-                <a:solidFill>
-                  <a:srgbClr val="023047"/>
-                </a:solidFill>
-              </a:rPr>
-              <a:t>Ask the name which the person wants to register with</a:t>
-            </a:r>
-          </a:p>
-          <a:p>
-            <a:pPr marL="800100" lvl="1" indent="-228600">
-              <a:buFont typeface="Arial" panose="020B0604020202020204" pitchFamily="34" charset="0"/>
-              <a:buChar char="•"/>
-            </a:pPr>
-            <a:r>
-              <a:rPr lang="en-US" sz="1900" dirty="0">
-                <a:solidFill>
-                  <a:srgbClr val="023047"/>
-                </a:solidFill>
-              </a:rPr>
-              <a:t>We ask again as they might want to register with a name different from their real one!</a:t>
-            </a:r>
-          </a:p>
-          <a:p>
-            <a:pPr marL="342900" indent="-228600">
-              <a:buFont typeface="Arial" panose="020B0604020202020204" pitchFamily="34" charset="0"/>
-              <a:buChar char="•"/>
-            </a:pPr>
-            <a:r>
-              <a:rPr lang="en-US" sz="1900" dirty="0">
-                <a:solidFill>
-                  <a:srgbClr val="023047"/>
-                </a:solidFill>
-              </a:rPr>
-              <a:t>Compute face encodings from the detection frame (the frame that started it all)</a:t>
-            </a:r>
-          </a:p>
-          <a:p>
-            <a:pPr marL="342900" indent="-228600">
-              <a:buFont typeface="Arial" panose="020B0604020202020204" pitchFamily="34" charset="0"/>
-              <a:buChar char="•"/>
-            </a:pPr>
-            <a:r>
-              <a:rPr lang="en-US" sz="1900" dirty="0">
-                <a:solidFill>
-                  <a:srgbClr val="023047"/>
-                </a:solidFill>
-              </a:rPr>
-              <a:t>Create a new instance of the Member class, commit it to memory, and inform the user they are now part of the Clan</a:t>
-            </a:r>
-          </a:p>
-        </p:txBody>
-      </p:sp>
-      <p:sp>
-        <p:nvSpPr>
-          <p:cNvPr id="51" name="Rectangle 50">
-            <a:extLst>
-              <a:ext uri="{FF2B5EF4-FFF2-40B4-BE49-F238E27FC236}">
-                <a16:creationId xmlns:a16="http://schemas.microsoft.com/office/drawing/2014/main" id="{C13237C8-E62C-4F0D-A318-BD6FB6C2D138}"/>
-              </a:ext>
-              <a:ext uri="{C183D7F6-B498-43B3-948B-1728B52AA6E4}">
-                <adec:decorative xmlns:adec="http://schemas.microsoft.com/office/drawing/2017/decorative" val="1"/>
-              </a:ext>
-            </a:extLst>
-          </p:cNvPr>
-          <p:cNvSpPr>
-            <a:spLocks noGrp="1" noRot="1" noChangeAspect="1" noMove="1" noResize="1" noEditPoints="1" noAdjustHandles="1" noChangeArrowheads="1" noChangeShapeType="1" noTextEdit="1"/>
-          </p:cNvSpPr>
-          <p:nvPr>
-            <p:extLst>
-              <p:ext uri="{386F3935-93C4-4BCD-93E2-E3B085C9AB24}">
-                <p16:designElem xmlns:p16="http://schemas.microsoft.com/office/powerpoint/2015/main" val="1"/>
-              </p:ext>
-            </p:extLst>
-          </p:nvPr>
-        </p:nvSpPr>
-        <p:spPr>
-          <a:xfrm flipH="1">
-            <a:off x="10697670" y="0"/>
-            <a:ext cx="1494330" cy="6858000"/>
-          </a:xfrm>
-          <a:prstGeom prst="rect">
-            <a:avLst/>
-          </a:prstGeom>
-          <a:solidFill>
-            <a:schemeClr val="accent4"/>
-          </a:solidFill>
-          <a:ln>
-            <a:noFill/>
-          </a:ln>
-        </p:spPr>
-        <p:style>
-          <a:lnRef idx="2">
-            <a:schemeClr val="accent1">
-              <a:shade val="50000"/>
-            </a:schemeClr>
-          </a:lnRef>
-          <a:fillRef idx="1">
-            <a:schemeClr val="accent1"/>
-          </a:fillRef>
-          <a:effectRef idx="0">
-            <a:schemeClr val="accent1"/>
-          </a:effectRef>
-          <a:fontRef idx="minor">
-            <a:schemeClr val="lt1"/>
-          </a:fontRef>
-        </p:style>
-        <p:txBody>
-          <a:bodyPr rtlCol="0" anchor="ctr"/>
-          <a:lstStyle/>
-          <a:p>
-            <a:pPr algn="ctr"/>
-            <a:endParaRPr lang="en-US"/>
-          </a:p>
-        </p:txBody>
-      </p:sp>
-      <p:sp>
-        <p:nvSpPr>
-          <p:cNvPr id="53" name="Rectangle 52">
-            <a:extLst>
-              <a:ext uri="{FF2B5EF4-FFF2-40B4-BE49-F238E27FC236}">
-                <a16:creationId xmlns:a16="http://schemas.microsoft.com/office/drawing/2014/main" id="{19C9EAEA-39D0-4B0E-A0EB-51E7B26740B1}"/>
-              </a:ext>
-              <a:ext uri="{C183D7F6-B498-43B3-948B-1728B52AA6E4}">
-                <adec:decorative xmlns:adec="http://schemas.microsoft.com/office/drawing/2017/decorative" val="1"/>
-              </a:ext>
-            </a:extLst>
-          </p:cNvPr>
-          <p:cNvSpPr>
-            <a:spLocks noGrp="1" noRot="1" noChangeAspect="1" noMove="1" noResize="1" noEditPoints="1" noAdjustHandles="1" noChangeArrowheads="1" noChangeShapeType="1" noTextEdit="1"/>
-          </p:cNvSpPr>
-          <p:nvPr>
-            <p:extLst>
-              <p:ext uri="{386F3935-93C4-4BCD-93E2-E3B085C9AB24}">
-                <p16:designElem xmlns:p16="http://schemas.microsoft.com/office/powerpoint/2015/main" val="1"/>
-              </p:ext>
-            </p:extLst>
-          </p:nvPr>
-        </p:nvSpPr>
-        <p:spPr>
-          <a:xfrm>
-            <a:off x="5685810" y="513853"/>
-            <a:ext cx="6009366" cy="5834577"/>
-          </a:xfrm>
-          <a:prstGeom prst="rect">
-            <a:avLst/>
-          </a:prstGeom>
-          <a:solidFill>
-            <a:schemeClr val="bg1"/>
-          </a:solidFill>
-          <a:ln>
-            <a:noFill/>
-          </a:ln>
-          <a:effectLst>
-            <a:outerShdw blurRad="139700" dist="127000" dir="5400000" algn="t" rotWithShape="0">
-              <a:prstClr val="black">
-                <a:alpha val="15000"/>
-              </a:prstClr>
-            </a:outerShdw>
-          </a:effectLst>
-        </p:spPr>
-        <p:style>
-          <a:lnRef idx="2">
-            <a:schemeClr val="accent1">
-              <a:shade val="50000"/>
-            </a:schemeClr>
-          </a:lnRef>
-          <a:fillRef idx="1">
-            <a:schemeClr val="accent1"/>
-          </a:fillRef>
-          <a:effectRef idx="0">
-            <a:schemeClr val="accent1"/>
-          </a:effectRef>
-          <a:fontRef idx="minor">
-            <a:schemeClr val="lt1"/>
-          </a:fontRef>
-        </p:style>
-        <p:txBody>
-          <a:bodyPr rtlCol="0" anchor="ctr"/>
-          <a:lstStyle/>
-          <a:p>
-            <a:pPr algn="ctr"/>
-            <a:endParaRPr lang="en-US"/>
-          </a:p>
-        </p:txBody>
-      </p:sp>
-      <p:pic>
-        <p:nvPicPr>
-          <p:cNvPr id="18" name="Picture Placeholder 17">
-            <a:extLst>
-              <a:ext uri="{FF2B5EF4-FFF2-40B4-BE49-F238E27FC236}">
-                <a16:creationId xmlns:a16="http://schemas.microsoft.com/office/drawing/2014/main" id="{DEBE0645-1D8B-4918-95E4-08F903FD7BC1}"/>
-              </a:ext>
-            </a:extLst>
-          </p:cNvPr>
-          <p:cNvPicPr>
-            <a:picLocks noGrp="1" noChangeAspect="1"/>
-          </p:cNvPicPr>
-          <p:nvPr>
-            <p:ph type="pic" idx="1"/>
-          </p:nvPr>
-        </p:nvPicPr>
-        <p:blipFill rotWithShape="1">
-          <a:blip r:embed="rId2"/>
-          <a:srcRect t="-155609" b="-155609"/>
-          <a:stretch/>
-        </p:blipFill>
-        <p:spPr>
-          <a:xfrm>
-            <a:off x="5423653" y="264644"/>
-            <a:ext cx="6271523" cy="6079503"/>
-          </a:xfrm>
-          <a:prstGeom prst="rect">
-            <a:avLst/>
-          </a:prstGeom>
-        </p:spPr>
-      </p:pic>
-    </p:spTree>
-    <p:extLst>
-      <p:ext uri="{BB962C8B-B14F-4D97-AF65-F5344CB8AC3E}">
-        <p14:creationId xmlns:p14="http://schemas.microsoft.com/office/powerpoint/2010/main" val="2782484819"/>
-      </p:ext>
-    </p:extLst>
-  </p:cSld>
-  <p:clrMapOvr>
-    <a:masterClrMapping/>
-  </p:clrMapOvr>
-</p:sld>
-</file>
-
-<file path=ppt/slides/slide17.xml><?xml version="1.0" encoding="utf-8"?>
-<p:sld xmlns:a="http://schemas.openxmlformats.org/drawingml/2006/main" xmlns:r="http://schemas.openxmlformats.org/officeDocument/2006/relationships" xmlns:p="http://schemas.openxmlformats.org/presentationml/2006/main">
-  <p:cSld>
-    <p:bg>
-      <p:bgPr>
-        <a:solidFill>
-          <a:schemeClr val="bg1"/>
-        </a:solidFill>
-        <a:effectLst/>
-      </p:bgPr>
-    </p:bg>
-    <p:spTree>
-      <p:nvGrpSpPr>
-        <p:cNvPr id="1" name=""/>
-        <p:cNvGrpSpPr/>
-        <p:nvPr/>
-      </p:nvGrpSpPr>
-      <p:grpSpPr>
-        <a:xfrm>
-          <a:off x="0" y="0"/>
-          <a:ext cx="0" cy="0"/>
-          <a:chOff x="0" y="0"/>
-          <a:chExt cx="0" cy="0"/>
-        </a:xfrm>
-      </p:grpSpPr>
-      <p:sp useBgFill="1">
-        <p:nvSpPr>
-          <p:cNvPr id="8" name="Rectangle 7">
-            <a:extLst>
-              <a:ext uri="{FF2B5EF4-FFF2-40B4-BE49-F238E27FC236}">
-                <a16:creationId xmlns:a16="http://schemas.microsoft.com/office/drawing/2014/main" id="{B6CDA21F-E7AF-4C75-8395-33F58D5B0E45}"/>
-              </a:ext>
-              <a:ext uri="{C183D7F6-B498-43B3-948B-1728B52AA6E4}">
-                <adec:decorative xmlns:adec="http://schemas.microsoft.com/office/drawing/2017/decorative" val="1"/>
-              </a:ext>
-            </a:extLst>
-          </p:cNvPr>
-          <p:cNvSpPr>
-            <a:spLocks noGrp="1" noRot="1" noChangeAspect="1" noMove="1" noResize="1" noEditPoints="1" noAdjustHandles="1" noChangeArrowheads="1" noChangeShapeType="1" noTextEdit="1"/>
-          </p:cNvSpPr>
-          <p:nvPr>
-            <p:extLst>
-              <p:ext uri="{386F3935-93C4-4BCD-93E2-E3B085C9AB24}">
-                <p16:designElem xmlns:p16="http://schemas.microsoft.com/office/powerpoint/2015/main" val="1"/>
-              </p:ext>
-            </p:extLst>
-          </p:nvPr>
-        </p:nvSpPr>
-        <p:spPr>
-          <a:xfrm>
-            <a:off x="0" y="0"/>
-            <a:ext cx="12191999" cy="6857365"/>
-          </a:xfrm>
-          <a:prstGeom prst="rect">
-            <a:avLst/>
-          </a:prstGeom>
-          <a:ln>
-            <a:noFill/>
-          </a:ln>
-        </p:spPr>
-        <p:style>
-          <a:lnRef idx="2">
-            <a:schemeClr val="accent1">
-              <a:shade val="50000"/>
-            </a:schemeClr>
-          </a:lnRef>
-          <a:fillRef idx="1">
-            <a:schemeClr val="accent1"/>
-          </a:fillRef>
-          <a:effectRef idx="0">
-            <a:schemeClr val="accent1"/>
-          </a:effectRef>
-          <a:fontRef idx="minor">
-            <a:schemeClr val="lt1"/>
-          </a:fontRef>
-        </p:style>
-        <p:txBody>
-          <a:bodyPr rtlCol="0" anchor="ctr"/>
-          <a:lstStyle/>
-          <a:p>
-            <a:pPr algn="ctr"/>
-            <a:endParaRPr lang="en-US"/>
-          </a:p>
-        </p:txBody>
-      </p:sp>
-      <p:grpSp>
-        <p:nvGrpSpPr>
-          <p:cNvPr id="10" name="Group 9">
-            <a:extLst>
-              <a:ext uri="{FF2B5EF4-FFF2-40B4-BE49-F238E27FC236}">
-                <a16:creationId xmlns:a16="http://schemas.microsoft.com/office/drawing/2014/main" id="{AE1C45F0-260A-458C-96ED-C1F6D2151219}"/>
-              </a:ext>
-              <a:ext uri="{C183D7F6-B498-43B3-948B-1728B52AA6E4}">
-                <adec:decorative xmlns:adec="http://schemas.microsoft.com/office/drawing/2017/decorative" val="1"/>
-              </a:ext>
-            </a:extLst>
-          </p:cNvPr>
-          <p:cNvGrpSpPr>
-            <a:grpSpLocks noGrp="1" noUngrp="1" noRot="1" noChangeAspect="1" noMove="1" noResize="1"/>
-          </p:cNvGrpSpPr>
-          <p:nvPr>
-            <p:extLst>
-              <p:ext uri="{386F3935-93C4-4BCD-93E2-E3B085C9AB24}">
-                <p16:designElem xmlns:p16="http://schemas.microsoft.com/office/powerpoint/2015/main" val="1"/>
-              </p:ext>
-            </p:extLst>
-          </p:nvPr>
-        </p:nvGrpSpPr>
-        <p:grpSpPr>
-          <a:xfrm>
-            <a:off x="4" y="1216597"/>
-            <a:ext cx="731521" cy="673460"/>
-            <a:chOff x="3940602" y="308034"/>
-            <a:chExt cx="2116791" cy="3428999"/>
-          </a:xfrm>
-          <a:solidFill>
-            <a:schemeClr val="accent4"/>
-          </a:solidFill>
-        </p:grpSpPr>
-        <p:sp>
-          <p:nvSpPr>
-            <p:cNvPr id="11" name="Rectangle 10">
-              <a:extLst>
-                <a:ext uri="{FF2B5EF4-FFF2-40B4-BE49-F238E27FC236}">
-                  <a16:creationId xmlns:a16="http://schemas.microsoft.com/office/drawing/2014/main" id="{A6604B49-AD5C-4590-B051-06C8222ECD99}"/>
-                </a:ext>
-                <a:ext uri="{C183D7F6-B498-43B3-948B-1728B52AA6E4}">
-                  <adec:decorative xmlns:adec="http://schemas.microsoft.com/office/drawing/2017/decorative" val="1"/>
-                </a:ext>
-              </a:extLst>
-            </p:cNvPr>
-            <p:cNvSpPr/>
-            <p:nvPr>
-              <p:extLst>
-                <p:ext uri="{386F3935-93C4-4BCD-93E2-E3B085C9AB24}">
-                  <p16:designElem xmlns:p16="http://schemas.microsoft.com/office/powerpoint/2015/main" val="1"/>
-                </p:ext>
-              </p:extLst>
-            </p:nvPr>
-          </p:nvSpPr>
-          <p:spPr>
-            <a:xfrm>
-              <a:off x="3940602" y="308034"/>
-              <a:ext cx="566743" cy="3428999"/>
-            </a:xfrm>
-            <a:prstGeom prst="rect">
-              <a:avLst/>
-            </a:prstGeom>
-            <a:grpFill/>
-            <a:ln>
-              <a:noFill/>
-            </a:ln>
-          </p:spPr>
-          <p:style>
-            <a:lnRef idx="2">
-              <a:schemeClr val="accent1">
-                <a:shade val="50000"/>
-              </a:schemeClr>
-            </a:lnRef>
-            <a:fillRef idx="1">
-              <a:schemeClr val="accent1"/>
-            </a:fillRef>
-            <a:effectRef idx="0">
-              <a:schemeClr val="accent1"/>
-            </a:effectRef>
-            <a:fontRef idx="minor">
-              <a:schemeClr val="lt1"/>
-            </a:fontRef>
-          </p:style>
-          <p:txBody>
-            <a:bodyPr rtlCol="0" anchor="ctr"/>
-            <a:lstStyle/>
-            <a:p>
-              <a:pPr algn="ctr"/>
-              <a:endParaRPr lang="en-US"/>
-            </a:p>
-          </p:txBody>
-        </p:sp>
-        <p:sp>
-          <p:nvSpPr>
-            <p:cNvPr id="12" name="Rectangle 11">
-              <a:extLst>
-                <a:ext uri="{FF2B5EF4-FFF2-40B4-BE49-F238E27FC236}">
-                  <a16:creationId xmlns:a16="http://schemas.microsoft.com/office/drawing/2014/main" id="{743ECCAF-29C5-4537-947C-7EA1292463DB}"/>
-                </a:ext>
-                <a:ext uri="{C183D7F6-B498-43B3-948B-1728B52AA6E4}">
-                  <adec:decorative xmlns:adec="http://schemas.microsoft.com/office/drawing/2017/decorative" val="1"/>
-                </a:ext>
-              </a:extLst>
-            </p:cNvPr>
-            <p:cNvSpPr/>
-            <p:nvPr>
-              <p:extLst>
-                <p:ext uri="{386F3935-93C4-4BCD-93E2-E3B085C9AB24}">
-                  <p16:designElem xmlns:p16="http://schemas.microsoft.com/office/powerpoint/2015/main" val="1"/>
-                </p:ext>
-              </p:extLst>
-            </p:nvPr>
-          </p:nvSpPr>
-          <p:spPr>
-            <a:xfrm>
-              <a:off x="4715626" y="308034"/>
-              <a:ext cx="566743" cy="3428999"/>
-            </a:xfrm>
-            <a:prstGeom prst="rect">
-              <a:avLst/>
-            </a:prstGeom>
-            <a:grpFill/>
-            <a:ln>
-              <a:noFill/>
-            </a:ln>
-          </p:spPr>
-          <p:style>
-            <a:lnRef idx="2">
-              <a:schemeClr val="accent1">
-                <a:shade val="50000"/>
-              </a:schemeClr>
-            </a:lnRef>
-            <a:fillRef idx="1">
-              <a:schemeClr val="accent1"/>
-            </a:fillRef>
-            <a:effectRef idx="0">
-              <a:schemeClr val="accent1"/>
-            </a:effectRef>
-            <a:fontRef idx="minor">
-              <a:schemeClr val="lt1"/>
-            </a:fontRef>
-          </p:style>
-          <p:txBody>
-            <a:bodyPr rtlCol="0" anchor="ctr"/>
-            <a:lstStyle/>
-            <a:p>
-              <a:pPr algn="ctr"/>
-              <a:endParaRPr lang="en-US"/>
-            </a:p>
-          </p:txBody>
-        </p:sp>
-        <p:sp>
-          <p:nvSpPr>
-            <p:cNvPr id="13" name="Rectangle 12">
-              <a:extLst>
-                <a:ext uri="{FF2B5EF4-FFF2-40B4-BE49-F238E27FC236}">
-                  <a16:creationId xmlns:a16="http://schemas.microsoft.com/office/drawing/2014/main" id="{ED49787B-8DE6-4467-AD0A-8DECC6E0C2D6}"/>
-                </a:ext>
-                <a:ext uri="{C183D7F6-B498-43B3-948B-1728B52AA6E4}">
-                  <adec:decorative xmlns:adec="http://schemas.microsoft.com/office/drawing/2017/decorative" val="1"/>
-                </a:ext>
-              </a:extLst>
-            </p:cNvPr>
-            <p:cNvSpPr/>
-            <p:nvPr>
-              <p:extLst>
-                <p:ext uri="{386F3935-93C4-4BCD-93E2-E3B085C9AB24}">
-                  <p16:designElem xmlns:p16="http://schemas.microsoft.com/office/powerpoint/2015/main" val="1"/>
-                </p:ext>
-              </p:extLst>
-            </p:nvPr>
-          </p:nvSpPr>
-          <p:spPr>
-            <a:xfrm>
-              <a:off x="5490650" y="308034"/>
-              <a:ext cx="566743" cy="3428999"/>
-            </a:xfrm>
-            <a:prstGeom prst="rect">
-              <a:avLst/>
-            </a:prstGeom>
-            <a:grpFill/>
-            <a:ln>
-              <a:noFill/>
-            </a:ln>
-          </p:spPr>
-          <p:style>
-            <a:lnRef idx="2">
-              <a:schemeClr val="accent1">
-                <a:shade val="50000"/>
-              </a:schemeClr>
-            </a:lnRef>
-            <a:fillRef idx="1">
-              <a:schemeClr val="accent1"/>
-            </a:fillRef>
-            <a:effectRef idx="0">
-              <a:schemeClr val="accent1"/>
-            </a:effectRef>
-            <a:fontRef idx="minor">
-              <a:schemeClr val="lt1"/>
-            </a:fontRef>
-          </p:style>
-          <p:txBody>
-            <a:bodyPr rtlCol="0" anchor="ctr"/>
-            <a:lstStyle/>
-            <a:p>
-              <a:pPr algn="ctr"/>
-              <a:endParaRPr lang="en-US"/>
-            </a:p>
-          </p:txBody>
-        </p:sp>
-      </p:grpSp>
-      <p:sp>
-        <p:nvSpPr>
-          <p:cNvPr id="15" name="Rectangle 14">
-            <a:extLst>
-              <a:ext uri="{FF2B5EF4-FFF2-40B4-BE49-F238E27FC236}">
-                <a16:creationId xmlns:a16="http://schemas.microsoft.com/office/drawing/2014/main" id="{D5B0017B-2ECA-49AF-B397-DC140825DF8D}"/>
-              </a:ext>
-              <a:ext uri="{C183D7F6-B498-43B3-948B-1728B52AA6E4}">
-                <adec:decorative xmlns:adec="http://schemas.microsoft.com/office/drawing/2017/decorative" val="1"/>
-              </a:ext>
-            </a:extLst>
-          </p:cNvPr>
-          <p:cNvSpPr>
-            <a:spLocks noGrp="1" noRot="1" noChangeAspect="1" noMove="1" noResize="1" noEditPoints="1" noAdjustHandles="1" noChangeArrowheads="1" noChangeShapeType="1" noTextEdit="1"/>
-          </p:cNvSpPr>
-          <p:nvPr>
-            <p:extLst>
-              <p:ext uri="{386F3935-93C4-4BCD-93E2-E3B085C9AB24}">
-                <p16:designElem xmlns:p16="http://schemas.microsoft.com/office/powerpoint/2015/main" val="1"/>
-              </p:ext>
-            </p:extLst>
-          </p:nvPr>
-        </p:nvSpPr>
-        <p:spPr>
-          <a:xfrm>
-            <a:off x="640079" y="613954"/>
-            <a:ext cx="10907487" cy="1894116"/>
-          </a:xfrm>
-          <a:prstGeom prst="rect">
-            <a:avLst/>
-          </a:prstGeom>
-          <a:solidFill>
-            <a:schemeClr val="bg1"/>
-          </a:solidFill>
-          <a:ln>
-            <a:noFill/>
-          </a:ln>
-          <a:effectLst>
-            <a:outerShdw blurRad="139700" dist="127000" dir="5400000" algn="t" rotWithShape="0">
-              <a:prstClr val="black">
-                <a:alpha val="15000"/>
-              </a:prstClr>
-            </a:outerShdw>
-          </a:effectLst>
-        </p:spPr>
-        <p:style>
-          <a:lnRef idx="2">
-            <a:schemeClr val="accent1">
-              <a:shade val="50000"/>
-            </a:schemeClr>
-          </a:lnRef>
-          <a:fillRef idx="1">
-            <a:schemeClr val="accent1"/>
-          </a:fillRef>
-          <a:effectRef idx="0">
-            <a:schemeClr val="accent1"/>
-          </a:effectRef>
-          <a:fontRef idx="minor">
-            <a:schemeClr val="lt1"/>
-          </a:fontRef>
-        </p:style>
-        <p:txBody>
-          <a:bodyPr rtlCol="0" anchor="ctr"/>
-          <a:lstStyle/>
-          <a:p>
-            <a:pPr algn="ctr"/>
-            <a:endParaRPr lang="en-US"/>
-          </a:p>
-        </p:txBody>
-      </p:sp>
-      <p:sp>
-        <p:nvSpPr>
-          <p:cNvPr id="14" name="Rectangle 13">
-            <a:extLst>
-              <a:ext uri="{FF2B5EF4-FFF2-40B4-BE49-F238E27FC236}">
-                <a16:creationId xmlns:a16="http://schemas.microsoft.com/office/drawing/2014/main" id="{C09910D9-5036-4CD8-90CA-2D8FCF3A1C83}"/>
-              </a:ext>
-            </a:extLst>
-          </p:cNvPr>
-          <p:cNvSpPr/>
-          <p:nvPr/>
-        </p:nvSpPr>
-        <p:spPr>
-          <a:xfrm>
-            <a:off x="633597" y="640080"/>
-            <a:ext cx="10907487" cy="1894116"/>
-          </a:xfrm>
-          <a:prstGeom prst="rect">
-            <a:avLst/>
-          </a:prstGeom>
-          <a:solidFill>
-            <a:srgbClr val="023047"/>
-          </a:solidFill>
-          <a:ln>
-            <a:noFill/>
-          </a:ln>
-        </p:spPr>
-        <p:style>
-          <a:lnRef idx="2">
-            <a:schemeClr val="accent1">
-              <a:shade val="50000"/>
-            </a:schemeClr>
-          </a:lnRef>
-          <a:fillRef idx="1">
-            <a:schemeClr val="accent1"/>
-          </a:fillRef>
-          <a:effectRef idx="0">
-            <a:schemeClr val="accent1"/>
-          </a:effectRef>
-          <a:fontRef idx="minor">
-            <a:schemeClr val="lt1"/>
-          </a:fontRef>
-        </p:style>
-        <p:txBody>
-          <a:bodyPr rtlCol="0" anchor="ctr"/>
-          <a:lstStyle/>
-          <a:p>
-            <a:pPr algn="ctr"/>
-            <a:endParaRPr lang="en-GB"/>
-          </a:p>
-        </p:txBody>
-      </p:sp>
-      <p:sp>
-        <p:nvSpPr>
-          <p:cNvPr id="2" name="Title 1">
-            <a:extLst>
-              <a:ext uri="{FF2B5EF4-FFF2-40B4-BE49-F238E27FC236}">
-                <a16:creationId xmlns:a16="http://schemas.microsoft.com/office/drawing/2014/main" id="{292106E7-BD60-43C1-922B-4619E77E2AF3}"/>
-              </a:ext>
-            </a:extLst>
-          </p:cNvPr>
-          <p:cNvSpPr>
-            <a:spLocks noGrp="1"/>
-          </p:cNvSpPr>
-          <p:nvPr>
-            <p:ph type="title"/>
-          </p:nvPr>
-        </p:nvSpPr>
-        <p:spPr>
-          <a:xfrm>
-            <a:off x="1043631" y="809898"/>
-            <a:ext cx="9942716" cy="1554480"/>
-          </a:xfrm>
-        </p:spPr>
-        <p:txBody>
-          <a:bodyPr anchor="ctr">
-            <a:normAutofit/>
-          </a:bodyPr>
-          <a:lstStyle/>
-          <a:p>
-            <a:r>
-              <a:rPr lang="en-US" sz="4800" dirty="0">
-                <a:solidFill>
-                  <a:srgbClr val="FFC000"/>
-                </a:solidFill>
-              </a:rPr>
-              <a:t>Interaction structure pt. II:</a:t>
-            </a:r>
-            <a:br>
-              <a:rPr lang="en-US" sz="4800" dirty="0">
-                <a:solidFill>
-                  <a:srgbClr val="FFC000"/>
-                </a:solidFill>
-              </a:rPr>
-            </a:br>
-            <a:r>
-              <a:rPr lang="en-US" dirty="0">
-                <a:solidFill>
-                  <a:srgbClr val="FFC000"/>
-                </a:solidFill>
-              </a:rPr>
-              <a:t>let’s have a talk</a:t>
-            </a:r>
-            <a:endParaRPr lang="en-US" sz="4800" dirty="0">
-              <a:solidFill>
-                <a:srgbClr val="FFC000"/>
-              </a:solidFill>
-            </a:endParaRPr>
-          </a:p>
-        </p:txBody>
-      </p:sp>
-      <p:sp>
-        <p:nvSpPr>
-          <p:cNvPr id="3" name="Content Placeholder 2">
-            <a:extLst>
-              <a:ext uri="{FF2B5EF4-FFF2-40B4-BE49-F238E27FC236}">
-                <a16:creationId xmlns:a16="http://schemas.microsoft.com/office/drawing/2014/main" id="{182AEB85-8B47-4ECB-932A-E56BBCEB062D}"/>
-              </a:ext>
-            </a:extLst>
-          </p:cNvPr>
-          <p:cNvSpPr>
-            <a:spLocks noGrp="1"/>
-          </p:cNvSpPr>
-          <p:nvPr>
-            <p:ph idx="1"/>
-          </p:nvPr>
-        </p:nvSpPr>
-        <p:spPr>
-          <a:xfrm>
-            <a:off x="1045028" y="3017522"/>
-            <a:ext cx="9941319" cy="3124658"/>
-          </a:xfrm>
-        </p:spPr>
-        <p:txBody>
-          <a:bodyPr anchor="ctr">
-            <a:normAutofit/>
-          </a:bodyPr>
-          <a:lstStyle/>
-          <a:p>
-            <a:r>
-              <a:rPr lang="en-US" sz="2400"/>
-              <a:t>Once a user is successfully recognized, interaction begins</a:t>
-            </a:r>
-          </a:p>
-          <a:p>
-            <a:r>
-              <a:rPr lang="en-US" sz="2400"/>
-              <a:t>The assistant initiates it, greeting the user and informing them of (eventual) pending notes left by other users of the same device</a:t>
-            </a:r>
-          </a:p>
-          <a:p>
-            <a:r>
-              <a:rPr lang="en-US" sz="2400"/>
-              <a:t>If the user is still in the room, it will further interact, asking if they want to leave notes for others, or remove or edit unheard notes they sent</a:t>
-            </a:r>
-          </a:p>
-          <a:p>
-            <a:r>
-              <a:rPr lang="en-US" sz="2400"/>
-              <a:t>Interaction terminates any time the user asks for exiting or leaves the camera frame entirely</a:t>
-            </a:r>
-          </a:p>
-        </p:txBody>
-      </p:sp>
-      <p:cxnSp>
-        <p:nvCxnSpPr>
-          <p:cNvPr id="17" name="Straight Connector 16">
-            <a:extLst>
-              <a:ext uri="{FF2B5EF4-FFF2-40B4-BE49-F238E27FC236}">
-                <a16:creationId xmlns:a16="http://schemas.microsoft.com/office/drawing/2014/main" id="{6CF1BAF6-AD41-4082-B212-8A1F9A2E8779}"/>
-              </a:ext>
-              <a:ext uri="{C183D7F6-B498-43B3-948B-1728B52AA6E4}">
-                <adec:decorative xmlns:adec="http://schemas.microsoft.com/office/drawing/2017/decorative" val="1"/>
-              </a:ext>
-            </a:extLst>
-          </p:cNvPr>
-          <p:cNvCxnSpPr>
-            <a:cxnSpLocks noGrp="1" noRot="1" noChangeAspect="1" noMove="1" noResize="1" noEditPoints="1" noAdjustHandles="1" noChangeArrowheads="1" noChangeShapeType="1"/>
-          </p:cNvCxnSpPr>
-          <p:nvPr>
-            <p:extLst>
-              <p:ext uri="{386F3935-93C4-4BCD-93E2-E3B085C9AB24}">
-                <p16:designElem xmlns:p16="http://schemas.microsoft.com/office/powerpoint/2015/main" val="1"/>
-              </p:ext>
-            </p:extLst>
-          </p:nvPr>
-        </p:nvCxnSpPr>
-        <p:spPr>
-          <a:xfrm flipH="1">
-            <a:off x="838200" y="6485313"/>
-            <a:ext cx="10515600" cy="0"/>
-          </a:xfrm>
-          <a:prstGeom prst="line">
-            <a:avLst/>
-          </a:prstGeom>
-          <a:ln w="57150">
-            <a:solidFill>
-              <a:schemeClr val="accent4"/>
-            </a:solidFill>
-          </a:ln>
-        </p:spPr>
-        <p:style>
-          <a:lnRef idx="1">
-            <a:schemeClr val="accent1"/>
-          </a:lnRef>
-          <a:fillRef idx="0">
-            <a:schemeClr val="accent1"/>
-          </a:fillRef>
-          <a:effectRef idx="0">
-            <a:schemeClr val="accent1"/>
-          </a:effectRef>
-          <a:fontRef idx="minor">
-            <a:schemeClr val="tx1"/>
-          </a:fontRef>
-        </p:style>
-      </p:cxnSp>
-    </p:spTree>
-    <p:extLst>
-      <p:ext uri="{BB962C8B-B14F-4D97-AF65-F5344CB8AC3E}">
-        <p14:creationId xmlns:p14="http://schemas.microsoft.com/office/powerpoint/2010/main" val="2344798236"/>
-      </p:ext>
-    </p:extLst>
-  </p:cSld>
-  <p:clrMapOvr>
-    <a:masterClrMapping/>
-  </p:clrMapOvr>
-</p:sld>
-</file>
-
-<file path=ppt/slides/slide18.xml><?xml version="1.0" encoding="utf-8"?>
-<p:sld xmlns:a="http://schemas.openxmlformats.org/drawingml/2006/main" xmlns:r="http://schemas.openxmlformats.org/officeDocument/2006/relationships" xmlns:p="http://schemas.openxmlformats.org/presentationml/2006/main">
-  <p:cSld>
-    <p:bg>
-      <p:bgPr>
-        <a:solidFill>
-          <a:schemeClr val="bg1"/>
-        </a:solidFill>
-        <a:effectLst/>
-      </p:bgPr>
-    </p:bg>
-    <p:spTree>
-      <p:nvGrpSpPr>
-        <p:cNvPr id="1" name=""/>
-        <p:cNvGrpSpPr/>
-        <p:nvPr/>
-      </p:nvGrpSpPr>
-      <p:grpSpPr>
-        <a:xfrm>
-          <a:off x="0" y="0"/>
-          <a:ext cx="0" cy="0"/>
-          <a:chOff x="0" y="0"/>
-          <a:chExt cx="0" cy="0"/>
-        </a:xfrm>
-      </p:grpSpPr>
-      <p:sp useBgFill="1">
-        <p:nvSpPr>
-          <p:cNvPr id="52" name="Rectangle 42">
-            <a:extLst>
-              <a:ext uri="{FF2B5EF4-FFF2-40B4-BE49-F238E27FC236}">
-                <a16:creationId xmlns:a16="http://schemas.microsoft.com/office/drawing/2014/main" id="{201CC55D-ED54-4C5C-95E6-10947BD1103B}"/>
-              </a:ext>
-              <a:ext uri="{C183D7F6-B498-43B3-948B-1728B52AA6E4}">
-                <adec:decorative xmlns:adec="http://schemas.microsoft.com/office/drawing/2017/decorative" val="1"/>
-              </a:ext>
-            </a:extLst>
-          </p:cNvPr>
-          <p:cNvSpPr>
-            <a:spLocks noGrp="1" noRot="1" noChangeAspect="1" noMove="1" noResize="1" noEditPoints="1" noAdjustHandles="1" noChangeArrowheads="1" noChangeShapeType="1" noTextEdit="1"/>
-          </p:cNvSpPr>
-          <p:nvPr>
-            <p:extLst>
-              <p:ext uri="{386F3935-93C4-4BCD-93E2-E3B085C9AB24}">
-                <p16:designElem xmlns:p16="http://schemas.microsoft.com/office/powerpoint/2015/main" val="1"/>
-              </p:ext>
-            </p:extLst>
-          </p:nvPr>
-        </p:nvSpPr>
-        <p:spPr>
-          <a:xfrm>
-            <a:off x="0" y="0"/>
-            <a:ext cx="12191999" cy="6857365"/>
-          </a:xfrm>
-          <a:prstGeom prst="rect">
-            <a:avLst/>
-          </a:prstGeom>
-          <a:ln>
-            <a:noFill/>
-          </a:ln>
-        </p:spPr>
-        <p:style>
-          <a:lnRef idx="2">
-            <a:schemeClr val="accent1">
-              <a:shade val="50000"/>
-            </a:schemeClr>
-          </a:lnRef>
-          <a:fillRef idx="1">
-            <a:schemeClr val="accent1"/>
-          </a:fillRef>
-          <a:effectRef idx="0">
-            <a:schemeClr val="accent1"/>
-          </a:effectRef>
-          <a:fontRef idx="minor">
-            <a:schemeClr val="lt1"/>
-          </a:fontRef>
-        </p:style>
-        <p:txBody>
-          <a:bodyPr rtlCol="0" anchor="ctr"/>
-          <a:lstStyle/>
-          <a:p>
-            <a:pPr algn="ctr"/>
-            <a:endParaRPr lang="en-US"/>
-          </a:p>
-        </p:txBody>
-      </p:sp>
-      <p:sp>
-        <p:nvSpPr>
-          <p:cNvPr id="12" name="Rectangle 11">
-            <a:extLst>
-              <a:ext uri="{FF2B5EF4-FFF2-40B4-BE49-F238E27FC236}">
-                <a16:creationId xmlns:a16="http://schemas.microsoft.com/office/drawing/2014/main" id="{C94F0BD2-9600-477E-9AC1-32547029E4AE}"/>
-              </a:ext>
-            </a:extLst>
-          </p:cNvPr>
-          <p:cNvSpPr/>
-          <p:nvPr/>
-        </p:nvSpPr>
-        <p:spPr>
-          <a:xfrm>
-            <a:off x="355197" y="640080"/>
-            <a:ext cx="5330612" cy="1316736"/>
-          </a:xfrm>
-          <a:prstGeom prst="rect">
-            <a:avLst/>
-          </a:prstGeom>
-          <a:solidFill>
-            <a:srgbClr val="023047"/>
-          </a:solidFill>
-          <a:ln>
-            <a:noFill/>
-          </a:ln>
-        </p:spPr>
-        <p:style>
-          <a:lnRef idx="2">
-            <a:schemeClr val="accent1">
-              <a:shade val="50000"/>
-            </a:schemeClr>
-          </a:lnRef>
-          <a:fillRef idx="1">
-            <a:schemeClr val="accent1"/>
-          </a:fillRef>
-          <a:effectRef idx="0">
-            <a:schemeClr val="accent1"/>
-          </a:effectRef>
-          <a:fontRef idx="minor">
-            <a:schemeClr val="lt1"/>
-          </a:fontRef>
-        </p:style>
-        <p:txBody>
-          <a:bodyPr rtlCol="0" anchor="ctr"/>
-          <a:lstStyle/>
-          <a:p>
-            <a:pPr algn="ctr"/>
-            <a:endParaRPr lang="en-GB"/>
-          </a:p>
-        </p:txBody>
-      </p:sp>
-      <p:sp>
-        <p:nvSpPr>
-          <p:cNvPr id="2" name="Title 1">
-            <a:extLst>
-              <a:ext uri="{FF2B5EF4-FFF2-40B4-BE49-F238E27FC236}">
-                <a16:creationId xmlns:a16="http://schemas.microsoft.com/office/drawing/2014/main" id="{F703FF40-49BD-4711-8571-801EBE0CF90B}"/>
-              </a:ext>
-            </a:extLst>
-          </p:cNvPr>
-          <p:cNvSpPr>
-            <a:spLocks noGrp="1"/>
-          </p:cNvSpPr>
-          <p:nvPr>
-            <p:ph type="title"/>
-          </p:nvPr>
-        </p:nvSpPr>
-        <p:spPr>
-          <a:xfrm>
-            <a:off x="589559" y="759236"/>
-            <a:ext cx="4777497" cy="1128068"/>
-          </a:xfrm>
-        </p:spPr>
-        <p:txBody>
-          <a:bodyPr vert="horz" lIns="91440" tIns="45720" rIns="91440" bIns="45720" rtlCol="0" anchor="ctr">
-            <a:normAutofit/>
-          </a:bodyPr>
-          <a:lstStyle/>
-          <a:p>
-            <a:r>
-              <a:rPr lang="en-US" sz="3100" dirty="0">
-                <a:solidFill>
-                  <a:srgbClr val="FFC000"/>
-                </a:solidFill>
-              </a:rPr>
-              <a:t>Demo</a:t>
-            </a:r>
-          </a:p>
-        </p:txBody>
-      </p:sp>
-      <p:grpSp>
-        <p:nvGrpSpPr>
-          <p:cNvPr id="54" name="Group 44">
-            <a:extLst>
-              <a:ext uri="{FF2B5EF4-FFF2-40B4-BE49-F238E27FC236}">
-                <a16:creationId xmlns:a16="http://schemas.microsoft.com/office/drawing/2014/main" id="{1DE889C7-FAD6-4397-98E2-05D503484459}"/>
-              </a:ext>
-              <a:ext uri="{C183D7F6-B498-43B3-948B-1728B52AA6E4}">
-                <adec:decorative xmlns:adec="http://schemas.microsoft.com/office/drawing/2017/decorative" val="1"/>
-              </a:ext>
-            </a:extLst>
-          </p:cNvPr>
-          <p:cNvGrpSpPr>
-            <a:grpSpLocks noGrp="1" noUngrp="1" noRot="1" noChangeAspect="1" noMove="1" noResize="1"/>
-          </p:cNvGrpSpPr>
-          <p:nvPr>
-            <p:extLst>
-              <p:ext uri="{386F3935-93C4-4BCD-93E2-E3B085C9AB24}">
-                <p16:designElem xmlns:p16="http://schemas.microsoft.com/office/powerpoint/2015/main" val="1"/>
-              </p:ext>
-            </p:extLst>
-          </p:nvPr>
-        </p:nvGrpSpPr>
-        <p:grpSpPr>
-          <a:xfrm>
-            <a:off x="0" y="1083484"/>
-            <a:ext cx="355196" cy="673460"/>
-            <a:chOff x="0" y="823811"/>
-            <a:chExt cx="355196" cy="673460"/>
-          </a:xfrm>
-        </p:grpSpPr>
-        <p:sp>
-          <p:nvSpPr>
-            <p:cNvPr id="46" name="Rectangle 45">
-              <a:extLst>
-                <a:ext uri="{FF2B5EF4-FFF2-40B4-BE49-F238E27FC236}">
-                  <a16:creationId xmlns:a16="http://schemas.microsoft.com/office/drawing/2014/main" id="{F399A70F-F8CD-4992-9EF5-6CF15472E73F}"/>
-                </a:ext>
-                <a:ext uri="{C183D7F6-B498-43B3-948B-1728B52AA6E4}">
-                  <adec:decorative xmlns:adec="http://schemas.microsoft.com/office/drawing/2017/decorative" val="1"/>
-                </a:ext>
-              </a:extLst>
-            </p:cNvPr>
-            <p:cNvSpPr/>
-            <p:nvPr>
-              <p:extLst>
-                <p:ext uri="{386F3935-93C4-4BCD-93E2-E3B085C9AB24}">
-                  <p16:designElem xmlns:p16="http://schemas.microsoft.com/office/powerpoint/2015/main" val="1"/>
-                </p:ext>
-              </p:extLst>
-            </p:nvPr>
-          </p:nvSpPr>
-          <p:spPr>
-            <a:xfrm>
-              <a:off x="0" y="823811"/>
-              <a:ext cx="87363" cy="673460"/>
-            </a:xfrm>
-            <a:prstGeom prst="rect">
-              <a:avLst/>
-            </a:prstGeom>
-            <a:solidFill>
-              <a:schemeClr val="accent4"/>
-            </a:solidFill>
-            <a:ln>
-              <a:noFill/>
-            </a:ln>
-          </p:spPr>
-          <p:style>
-            <a:lnRef idx="2">
-              <a:schemeClr val="accent1">
-                <a:shade val="50000"/>
-              </a:schemeClr>
-            </a:lnRef>
-            <a:fillRef idx="1">
-              <a:schemeClr val="accent1"/>
-            </a:fillRef>
-            <a:effectRef idx="0">
-              <a:schemeClr val="accent1"/>
-            </a:effectRef>
-            <a:fontRef idx="minor">
-              <a:schemeClr val="lt1"/>
-            </a:fontRef>
-          </p:style>
-          <p:txBody>
-            <a:bodyPr rtlCol="0" anchor="ctr"/>
-            <a:lstStyle/>
-            <a:p>
-              <a:pPr algn="ctr"/>
-              <a:endParaRPr lang="en-US"/>
-            </a:p>
-          </p:txBody>
-        </p:sp>
-        <p:sp>
-          <p:nvSpPr>
-            <p:cNvPr id="55" name="Rectangle 46">
-              <a:extLst>
-                <a:ext uri="{FF2B5EF4-FFF2-40B4-BE49-F238E27FC236}">
-                  <a16:creationId xmlns:a16="http://schemas.microsoft.com/office/drawing/2014/main" id="{48F4FEDC-6D80-458C-A665-075D9B9500FD}"/>
-                </a:ext>
-                <a:ext uri="{C183D7F6-B498-43B3-948B-1728B52AA6E4}">
-                  <adec:decorative xmlns:adec="http://schemas.microsoft.com/office/drawing/2017/decorative" val="1"/>
-                </a:ext>
-              </a:extLst>
-            </p:cNvPr>
-            <p:cNvSpPr/>
-            <p:nvPr>
-              <p:extLst>
-                <p:ext uri="{386F3935-93C4-4BCD-93E2-E3B085C9AB24}">
-                  <p16:designElem xmlns:p16="http://schemas.microsoft.com/office/powerpoint/2015/main" val="1"/>
-                </p:ext>
-              </p:extLst>
-            </p:nvPr>
-          </p:nvSpPr>
-          <p:spPr>
-            <a:xfrm>
-              <a:off x="159341" y="823811"/>
-              <a:ext cx="195855" cy="673460"/>
-            </a:xfrm>
-            <a:prstGeom prst="rect">
-              <a:avLst/>
-            </a:prstGeom>
-            <a:solidFill>
-              <a:schemeClr val="accent4"/>
-            </a:solidFill>
-            <a:ln>
-              <a:noFill/>
-            </a:ln>
-          </p:spPr>
-          <p:style>
-            <a:lnRef idx="2">
-              <a:schemeClr val="accent1">
-                <a:shade val="50000"/>
-              </a:schemeClr>
-            </a:lnRef>
-            <a:fillRef idx="1">
-              <a:schemeClr val="accent1"/>
-            </a:fillRef>
-            <a:effectRef idx="0">
-              <a:schemeClr val="accent1"/>
-            </a:effectRef>
-            <a:fontRef idx="minor">
-              <a:schemeClr val="lt1"/>
-            </a:fontRef>
-          </p:style>
-          <p:txBody>
-            <a:bodyPr rtlCol="0" anchor="ctr"/>
-            <a:lstStyle/>
-            <a:p>
-              <a:pPr algn="ctr"/>
-              <a:endParaRPr lang="en-US"/>
-            </a:p>
-          </p:txBody>
-        </p:sp>
-      </p:grpSp>
-      <p:sp>
-        <p:nvSpPr>
-          <p:cNvPr id="56" name="Rectangle 48">
-            <a:extLst>
-              <a:ext uri="{FF2B5EF4-FFF2-40B4-BE49-F238E27FC236}">
-                <a16:creationId xmlns:a16="http://schemas.microsoft.com/office/drawing/2014/main" id="{3873B707-463F-40B0-8227-E8CC6C67EB25}"/>
-              </a:ext>
-              <a:ext uri="{C183D7F6-B498-43B3-948B-1728B52AA6E4}">
-                <adec:decorative xmlns:adec="http://schemas.microsoft.com/office/drawing/2017/decorative" val="1"/>
-              </a:ext>
-            </a:extLst>
-          </p:cNvPr>
-          <p:cNvSpPr>
-            <a:spLocks noGrp="1" noRot="1" noChangeAspect="1" noMove="1" noResize="1" noEditPoints="1" noAdjustHandles="1" noChangeArrowheads="1" noChangeShapeType="1" noTextEdit="1"/>
-          </p:cNvSpPr>
-          <p:nvPr>
-            <p:extLst>
-              <p:ext uri="{386F3935-93C4-4BCD-93E2-E3B085C9AB24}">
-                <p16:designElem xmlns:p16="http://schemas.microsoft.com/office/powerpoint/2015/main" val="1"/>
-              </p:ext>
-            </p:extLst>
-          </p:nvPr>
-        </p:nvSpPr>
-        <p:spPr>
-          <a:xfrm flipH="1">
-            <a:off x="665085" y="2090569"/>
-            <a:ext cx="4297680" cy="27432"/>
-          </a:xfrm>
-          <a:prstGeom prst="rect">
-            <a:avLst/>
-          </a:prstGeom>
-          <a:solidFill>
-            <a:schemeClr val="accent4"/>
-          </a:solidFill>
-          <a:ln>
-            <a:noFill/>
-          </a:ln>
-        </p:spPr>
-        <p:style>
-          <a:lnRef idx="2">
-            <a:schemeClr val="accent1">
-              <a:shade val="50000"/>
-            </a:schemeClr>
-          </a:lnRef>
-          <a:fillRef idx="1">
-            <a:schemeClr val="accent1"/>
-          </a:fillRef>
-          <a:effectRef idx="0">
-            <a:schemeClr val="accent1"/>
-          </a:effectRef>
-          <a:fontRef idx="minor">
-            <a:schemeClr val="lt1"/>
-          </a:fontRef>
-        </p:style>
-        <p:txBody>
-          <a:bodyPr rtlCol="0" anchor="ctr"/>
-          <a:lstStyle/>
-          <a:p>
-            <a:pPr algn="ctr"/>
-            <a:endParaRPr lang="en-US"/>
-          </a:p>
-        </p:txBody>
-      </p:sp>
-      <p:sp>
-        <p:nvSpPr>
-          <p:cNvPr id="8" name="Text Placeholder 7">
-            <a:extLst>
-              <a:ext uri="{FF2B5EF4-FFF2-40B4-BE49-F238E27FC236}">
-                <a16:creationId xmlns:a16="http://schemas.microsoft.com/office/drawing/2014/main" id="{958D5C89-C119-4811-886C-7F28128E6C98}"/>
-              </a:ext>
-            </a:extLst>
-          </p:cNvPr>
-          <p:cNvSpPr>
-            <a:spLocks noGrp="1"/>
-          </p:cNvSpPr>
-          <p:nvPr>
-            <p:ph type="body" sz="half" idx="2"/>
-          </p:nvPr>
-        </p:nvSpPr>
-        <p:spPr>
-          <a:xfrm>
-            <a:off x="590719" y="2330505"/>
-            <a:ext cx="4559425" cy="3979585"/>
-          </a:xfrm>
-        </p:spPr>
-        <p:txBody>
-          <a:bodyPr vert="horz" lIns="91440" tIns="45720" rIns="91440" bIns="45720" rtlCol="0" anchor="ctr">
-            <a:normAutofit/>
-          </a:bodyPr>
-          <a:lstStyle/>
-          <a:p>
-            <a:pPr indent="-228600">
-              <a:buFont typeface="Arial" panose="020B0604020202020204" pitchFamily="34" charset="0"/>
-              <a:buChar char="•"/>
-            </a:pPr>
-            <a:endParaRPr lang="en-US" sz="1900" dirty="0">
-              <a:solidFill>
-                <a:srgbClr val="023047"/>
-              </a:solidFill>
-            </a:endParaRPr>
-          </a:p>
-        </p:txBody>
-      </p:sp>
-      <p:sp>
-        <p:nvSpPr>
-          <p:cNvPr id="51" name="Rectangle 50">
-            <a:extLst>
-              <a:ext uri="{FF2B5EF4-FFF2-40B4-BE49-F238E27FC236}">
-                <a16:creationId xmlns:a16="http://schemas.microsoft.com/office/drawing/2014/main" id="{C13237C8-E62C-4F0D-A318-BD6FB6C2D138}"/>
-              </a:ext>
-              <a:ext uri="{C183D7F6-B498-43B3-948B-1728B52AA6E4}">
-                <adec:decorative xmlns:adec="http://schemas.microsoft.com/office/drawing/2017/decorative" val="1"/>
-              </a:ext>
-            </a:extLst>
-          </p:cNvPr>
-          <p:cNvSpPr>
-            <a:spLocks noGrp="1" noRot="1" noChangeAspect="1" noMove="1" noResize="1" noEditPoints="1" noAdjustHandles="1" noChangeArrowheads="1" noChangeShapeType="1" noTextEdit="1"/>
-          </p:cNvSpPr>
-          <p:nvPr>
-            <p:extLst>
-              <p:ext uri="{386F3935-93C4-4BCD-93E2-E3B085C9AB24}">
-                <p16:designElem xmlns:p16="http://schemas.microsoft.com/office/powerpoint/2015/main" val="1"/>
-              </p:ext>
-            </p:extLst>
-          </p:nvPr>
-        </p:nvSpPr>
-        <p:spPr>
-          <a:xfrm flipH="1">
-            <a:off x="10697670" y="0"/>
-            <a:ext cx="1494330" cy="6858000"/>
-          </a:xfrm>
-          <a:prstGeom prst="rect">
-            <a:avLst/>
-          </a:prstGeom>
-          <a:solidFill>
-            <a:schemeClr val="accent4"/>
-          </a:solidFill>
-          <a:ln>
-            <a:noFill/>
-          </a:ln>
-        </p:spPr>
-        <p:style>
-          <a:lnRef idx="2">
-            <a:schemeClr val="accent1">
-              <a:shade val="50000"/>
-            </a:schemeClr>
-          </a:lnRef>
-          <a:fillRef idx="1">
-            <a:schemeClr val="accent1"/>
-          </a:fillRef>
-          <a:effectRef idx="0">
-            <a:schemeClr val="accent1"/>
-          </a:effectRef>
-          <a:fontRef idx="minor">
-            <a:schemeClr val="lt1"/>
-          </a:fontRef>
-        </p:style>
-        <p:txBody>
-          <a:bodyPr rtlCol="0" anchor="ctr"/>
-          <a:lstStyle/>
-          <a:p>
-            <a:pPr algn="ctr"/>
-            <a:endParaRPr lang="en-US"/>
-          </a:p>
-        </p:txBody>
-      </p:sp>
-      <p:sp>
-        <p:nvSpPr>
-          <p:cNvPr id="53" name="Rectangle 52">
-            <a:extLst>
-              <a:ext uri="{FF2B5EF4-FFF2-40B4-BE49-F238E27FC236}">
-                <a16:creationId xmlns:a16="http://schemas.microsoft.com/office/drawing/2014/main" id="{19C9EAEA-39D0-4B0E-A0EB-51E7B26740B1}"/>
-              </a:ext>
-              <a:ext uri="{C183D7F6-B498-43B3-948B-1728B52AA6E4}">
-                <adec:decorative xmlns:adec="http://schemas.microsoft.com/office/drawing/2017/decorative" val="1"/>
-              </a:ext>
-            </a:extLst>
-          </p:cNvPr>
-          <p:cNvSpPr>
-            <a:spLocks noGrp="1" noRot="1" noChangeAspect="1" noMove="1" noResize="1" noEditPoints="1" noAdjustHandles="1" noChangeArrowheads="1" noChangeShapeType="1" noTextEdit="1"/>
-          </p:cNvSpPr>
-          <p:nvPr>
-            <p:extLst>
-              <p:ext uri="{386F3935-93C4-4BCD-93E2-E3B085C9AB24}">
-                <p16:designElem xmlns:p16="http://schemas.microsoft.com/office/powerpoint/2015/main" val="1"/>
-              </p:ext>
-            </p:extLst>
-          </p:nvPr>
-        </p:nvSpPr>
-        <p:spPr>
-          <a:xfrm>
-            <a:off x="5685810" y="513853"/>
-            <a:ext cx="6009366" cy="5834577"/>
-          </a:xfrm>
-          <a:prstGeom prst="rect">
-            <a:avLst/>
-          </a:prstGeom>
-          <a:solidFill>
-            <a:schemeClr val="bg1"/>
-          </a:solidFill>
-          <a:ln>
-            <a:noFill/>
-          </a:ln>
-          <a:effectLst>
-            <a:outerShdw blurRad="139700" dist="127000" dir="5400000" algn="t" rotWithShape="0">
-              <a:prstClr val="black">
-                <a:alpha val="15000"/>
-              </a:prstClr>
-            </a:outerShdw>
-          </a:effectLst>
-        </p:spPr>
-        <p:style>
-          <a:lnRef idx="2">
-            <a:schemeClr val="accent1">
-              <a:shade val="50000"/>
-            </a:schemeClr>
-          </a:lnRef>
-          <a:fillRef idx="1">
-            <a:schemeClr val="accent1"/>
-          </a:fillRef>
-          <a:effectRef idx="0">
-            <a:schemeClr val="accent1"/>
-          </a:effectRef>
-          <a:fontRef idx="minor">
-            <a:schemeClr val="lt1"/>
-          </a:fontRef>
-        </p:style>
-        <p:txBody>
-          <a:bodyPr rtlCol="0" anchor="ctr"/>
-          <a:lstStyle/>
-          <a:p>
-            <a:pPr algn="ctr"/>
-            <a:endParaRPr lang="en-US"/>
-          </a:p>
-        </p:txBody>
-      </p:sp>
-    </p:spTree>
-    <p:extLst>
-      <p:ext uri="{BB962C8B-B14F-4D97-AF65-F5344CB8AC3E}">
-        <p14:creationId xmlns:p14="http://schemas.microsoft.com/office/powerpoint/2010/main" val="858574611"/>
-      </p:ext>
-    </p:extLst>
-  </p:cSld>
-  <p:clrMapOvr>
-    <a:masterClrMapping/>
-  </p:clrMapOvr>
-</p:sld>
-</file>
-
-<file path=ppt/slides/slide19.xml><?xml version="1.0" encoding="utf-8"?>
-<p:sld xmlns:a="http://schemas.openxmlformats.org/drawingml/2006/main" xmlns:r="http://schemas.openxmlformats.org/officeDocument/2006/relationships" xmlns:p="http://schemas.openxmlformats.org/presentationml/2006/main">
-  <p:cSld>
-    <p:bg>
-      <p:bgPr>
-        <a:solidFill>
-          <a:srgbClr val="023047"/>
         </a:solidFill>
         <a:effectLst/>
       </p:bgPr>
@@ -10459,6 +7483,58 @@
       </p:sp>
       <p:sp>
         <p:nvSpPr>
+          <p:cNvPr id="2" name="Rectangle 1">
+            <a:extLst>
+              <a:ext uri="{FF2B5EF4-FFF2-40B4-BE49-F238E27FC236}">
+                <a16:creationId xmlns:a16="http://schemas.microsoft.com/office/drawing/2014/main" id="{B8AC138F-44A0-4B4F-BEF6-0649147E5D29}"/>
+              </a:ext>
+            </a:extLst>
+          </p:cNvPr>
+          <p:cNvSpPr/>
+          <p:nvPr/>
+        </p:nvSpPr>
+        <p:spPr>
+          <a:xfrm>
+            <a:off x="640079" y="613954"/>
+            <a:ext cx="10907487" cy="1894116"/>
+          </a:xfrm>
+          <a:prstGeom prst="rect">
+            <a:avLst/>
+          </a:prstGeom>
+          <a:solidFill>
+            <a:srgbClr val="023047"/>
+          </a:solidFill>
+          <a:ln>
+            <a:noFill/>
+          </a:ln>
+        </p:spPr>
+        <p:style>
+          <a:lnRef idx="2">
+            <a:schemeClr val="accent1">
+              <a:shade val="50000"/>
+            </a:schemeClr>
+          </a:lnRef>
+          <a:fillRef idx="1">
+            <a:schemeClr val="accent1"/>
+          </a:fillRef>
+          <a:effectRef idx="0">
+            <a:schemeClr val="accent1"/>
+          </a:effectRef>
+          <a:fontRef idx="minor">
+            <a:schemeClr val="lt1"/>
+          </a:fontRef>
+        </p:style>
+        <p:txBody>
+          <a:bodyPr rtlCol="0" anchor="ctr"/>
+          <a:lstStyle/>
+          <a:p>
+            <a:pPr algn="ctr"/>
+            <a:endParaRPr lang="en-GB" dirty="0"/>
+          </a:p>
+        </p:txBody>
+      </p:sp>
+      <p:sp>
+        <p:nvSpPr>
           <p:cNvPr id="4" name="Title 3">
             <a:extLst>
               <a:ext uri="{FF2B5EF4-FFF2-40B4-BE49-F238E27FC236}">
@@ -10486,7 +7562,1100 @@
           <a:lstStyle/>
           <a:p>
             <a:r>
-              <a:rPr lang="en-US" sz="4800" b="1" dirty="0">
+              <a:rPr lang="en-US" sz="5400" dirty="0">
+                <a:solidFill>
+                  <a:srgbClr val="FFC000"/>
+                </a:solidFill>
+              </a:rPr>
+              <a:t>Diversity Aware </a:t>
+            </a:r>
+            <a:r>
+              <a:rPr lang="en-US" sz="5400" dirty="0" err="1">
+                <a:solidFill>
+                  <a:srgbClr val="FFC000"/>
+                </a:solidFill>
+              </a:rPr>
+              <a:t>Developement</a:t>
+            </a:r>
+            <a:endParaRPr lang="en-US" sz="5400" dirty="0">
+              <a:solidFill>
+                <a:srgbClr val="FFC000"/>
+              </a:solidFill>
+            </a:endParaRPr>
+          </a:p>
+        </p:txBody>
+      </p:sp>
+      <p:cxnSp>
+        <p:nvCxnSpPr>
+          <p:cNvPr id="28" name="Straight Connector 27">
+            <a:extLst>
+              <a:ext uri="{FF2B5EF4-FFF2-40B4-BE49-F238E27FC236}">
+                <a16:creationId xmlns:a16="http://schemas.microsoft.com/office/drawing/2014/main" id="{6CF1BAF6-AD41-4082-B212-8A1F9A2E8779}"/>
+              </a:ext>
+              <a:ext uri="{C183D7F6-B498-43B3-948B-1728B52AA6E4}">
+                <adec:decorative xmlns:adec="http://schemas.microsoft.com/office/drawing/2017/decorative" val="1"/>
+              </a:ext>
+            </a:extLst>
+          </p:cNvPr>
+          <p:cNvCxnSpPr>
+            <a:cxnSpLocks noGrp="1" noRot="1" noChangeAspect="1" noMove="1" noResize="1" noEditPoints="1" noAdjustHandles="1" noChangeArrowheads="1" noChangeShapeType="1"/>
+          </p:cNvCxnSpPr>
+          <p:nvPr>
+            <p:extLst>
+              <p:ext uri="{386F3935-93C4-4BCD-93E2-E3B085C9AB24}">
+                <p16:designElem xmlns:p16="http://schemas.microsoft.com/office/powerpoint/2015/main" val="1"/>
+              </p:ext>
+            </p:extLst>
+          </p:nvPr>
+        </p:nvCxnSpPr>
+        <p:spPr>
+          <a:xfrm flipH="1">
+            <a:off x="838200" y="6485313"/>
+            <a:ext cx="10515600" cy="0"/>
+          </a:xfrm>
+          <a:prstGeom prst="line">
+            <a:avLst/>
+          </a:prstGeom>
+          <a:ln w="57150">
+            <a:solidFill>
+              <a:schemeClr val="accent4"/>
+            </a:solidFill>
+          </a:ln>
+        </p:spPr>
+        <p:style>
+          <a:lnRef idx="1">
+            <a:schemeClr val="accent1"/>
+          </a:lnRef>
+          <a:fillRef idx="0">
+            <a:schemeClr val="accent1"/>
+          </a:fillRef>
+          <a:effectRef idx="0">
+            <a:schemeClr val="accent1"/>
+          </a:effectRef>
+          <a:fontRef idx="minor">
+            <a:schemeClr val="tx1"/>
+          </a:fontRef>
+        </p:style>
+      </p:cxnSp>
+      <p:pic>
+        <p:nvPicPr>
+          <p:cNvPr id="14" name="Picture 13">
+            <a:extLst>
+              <a:ext uri="{FF2B5EF4-FFF2-40B4-BE49-F238E27FC236}">
+                <a16:creationId xmlns:a16="http://schemas.microsoft.com/office/drawing/2014/main" id="{B1C257A7-B608-450F-8B58-B5CB423870CE}"/>
+              </a:ext>
+            </a:extLst>
+          </p:cNvPr>
+          <p:cNvPicPr>
+            <a:picLocks noChangeAspect="1"/>
+          </p:cNvPicPr>
+          <p:nvPr/>
+        </p:nvPicPr>
+        <p:blipFill>
+          <a:blip r:embed="rId2"/>
+          <a:stretch>
+            <a:fillRect/>
+          </a:stretch>
+        </p:blipFill>
+        <p:spPr>
+          <a:xfrm>
+            <a:off x="1468250" y="3025724"/>
+            <a:ext cx="9255500" cy="2434043"/>
+          </a:xfrm>
+          <a:prstGeom prst="rect">
+            <a:avLst/>
+          </a:prstGeom>
+        </p:spPr>
+      </p:pic>
+    </p:spTree>
+    <p:extLst>
+      <p:ext uri="{BB962C8B-B14F-4D97-AF65-F5344CB8AC3E}">
+        <p14:creationId xmlns:p14="http://schemas.microsoft.com/office/powerpoint/2010/main" val="2628707575"/>
+      </p:ext>
+    </p:extLst>
+  </p:cSld>
+  <p:clrMapOvr>
+    <a:masterClrMapping/>
+  </p:clrMapOvr>
+</p:sld>
+</file>
+
+<file path=ppt/slides/slide15.xml><?xml version="1.0" encoding="utf-8"?>
+<p:sld xmlns:a="http://schemas.openxmlformats.org/drawingml/2006/main" xmlns:r="http://schemas.openxmlformats.org/officeDocument/2006/relationships" xmlns:p="http://schemas.openxmlformats.org/presentationml/2006/main">
+  <p:cSld>
+    <p:bg>
+      <p:bgPr>
+        <a:solidFill>
+          <a:schemeClr val="bg1"/>
+        </a:solidFill>
+        <a:effectLst/>
+      </p:bgPr>
+    </p:bg>
+    <p:spTree>
+      <p:nvGrpSpPr>
+        <p:cNvPr id="1" name=""/>
+        <p:cNvGrpSpPr/>
+        <p:nvPr/>
+      </p:nvGrpSpPr>
+      <p:grpSpPr>
+        <a:xfrm>
+          <a:off x="0" y="0"/>
+          <a:ext cx="0" cy="0"/>
+          <a:chOff x="0" y="0"/>
+          <a:chExt cx="0" cy="0"/>
+        </a:xfrm>
+      </p:grpSpPr>
+      <p:sp useBgFill="1">
+        <p:nvSpPr>
+          <p:cNvPr id="52" name="Rectangle 42">
+            <a:extLst>
+              <a:ext uri="{FF2B5EF4-FFF2-40B4-BE49-F238E27FC236}">
+                <a16:creationId xmlns:a16="http://schemas.microsoft.com/office/drawing/2014/main" id="{201CC55D-ED54-4C5C-95E6-10947BD1103B}"/>
+              </a:ext>
+              <a:ext uri="{C183D7F6-B498-43B3-948B-1728B52AA6E4}">
+                <adec:decorative xmlns:adec="http://schemas.microsoft.com/office/drawing/2017/decorative" val="1"/>
+              </a:ext>
+            </a:extLst>
+          </p:cNvPr>
+          <p:cNvSpPr>
+            <a:spLocks noGrp="1" noRot="1" noChangeAspect="1" noMove="1" noResize="1" noEditPoints="1" noAdjustHandles="1" noChangeArrowheads="1" noChangeShapeType="1" noTextEdit="1"/>
+          </p:cNvSpPr>
+          <p:nvPr>
+            <p:extLst>
+              <p:ext uri="{386F3935-93C4-4BCD-93E2-E3B085C9AB24}">
+                <p16:designElem xmlns:p16="http://schemas.microsoft.com/office/powerpoint/2015/main" val="1"/>
+              </p:ext>
+            </p:extLst>
+          </p:nvPr>
+        </p:nvSpPr>
+        <p:spPr>
+          <a:xfrm>
+            <a:off x="0" y="0"/>
+            <a:ext cx="12191999" cy="6857365"/>
+          </a:xfrm>
+          <a:prstGeom prst="rect">
+            <a:avLst/>
+          </a:prstGeom>
+          <a:ln>
+            <a:noFill/>
+          </a:ln>
+        </p:spPr>
+        <p:style>
+          <a:lnRef idx="2">
+            <a:schemeClr val="accent1">
+              <a:shade val="50000"/>
+            </a:schemeClr>
+          </a:lnRef>
+          <a:fillRef idx="1">
+            <a:schemeClr val="accent1"/>
+          </a:fillRef>
+          <a:effectRef idx="0">
+            <a:schemeClr val="accent1"/>
+          </a:effectRef>
+          <a:fontRef idx="minor">
+            <a:schemeClr val="lt1"/>
+          </a:fontRef>
+        </p:style>
+        <p:txBody>
+          <a:bodyPr rtlCol="0" anchor="ctr"/>
+          <a:lstStyle/>
+          <a:p>
+            <a:pPr algn="ctr"/>
+            <a:endParaRPr lang="en-US"/>
+          </a:p>
+        </p:txBody>
+      </p:sp>
+      <p:sp>
+        <p:nvSpPr>
+          <p:cNvPr id="12" name="Rectangle 11">
+            <a:extLst>
+              <a:ext uri="{FF2B5EF4-FFF2-40B4-BE49-F238E27FC236}">
+                <a16:creationId xmlns:a16="http://schemas.microsoft.com/office/drawing/2014/main" id="{C94F0BD2-9600-477E-9AC1-32547029E4AE}"/>
+              </a:ext>
+            </a:extLst>
+          </p:cNvPr>
+          <p:cNvSpPr/>
+          <p:nvPr/>
+        </p:nvSpPr>
+        <p:spPr>
+          <a:xfrm>
+            <a:off x="355197" y="640080"/>
+            <a:ext cx="5330612" cy="1316736"/>
+          </a:xfrm>
+          <a:prstGeom prst="rect">
+            <a:avLst/>
+          </a:prstGeom>
+          <a:solidFill>
+            <a:srgbClr val="023047"/>
+          </a:solidFill>
+          <a:ln>
+            <a:noFill/>
+          </a:ln>
+        </p:spPr>
+        <p:style>
+          <a:lnRef idx="2">
+            <a:schemeClr val="accent1">
+              <a:shade val="50000"/>
+            </a:schemeClr>
+          </a:lnRef>
+          <a:fillRef idx="1">
+            <a:schemeClr val="accent1"/>
+          </a:fillRef>
+          <a:effectRef idx="0">
+            <a:schemeClr val="accent1"/>
+          </a:effectRef>
+          <a:fontRef idx="minor">
+            <a:schemeClr val="lt1"/>
+          </a:fontRef>
+        </p:style>
+        <p:txBody>
+          <a:bodyPr rtlCol="0" anchor="ctr"/>
+          <a:lstStyle/>
+          <a:p>
+            <a:pPr algn="ctr"/>
+            <a:endParaRPr lang="en-GB"/>
+          </a:p>
+        </p:txBody>
+      </p:sp>
+      <p:sp>
+        <p:nvSpPr>
+          <p:cNvPr id="2" name="Title 1">
+            <a:extLst>
+              <a:ext uri="{FF2B5EF4-FFF2-40B4-BE49-F238E27FC236}">
+                <a16:creationId xmlns:a16="http://schemas.microsoft.com/office/drawing/2014/main" id="{F703FF40-49BD-4711-8571-801EBE0CF90B}"/>
+              </a:ext>
+            </a:extLst>
+          </p:cNvPr>
+          <p:cNvSpPr>
+            <a:spLocks noGrp="1"/>
+          </p:cNvSpPr>
+          <p:nvPr>
+            <p:ph type="title"/>
+          </p:nvPr>
+        </p:nvSpPr>
+        <p:spPr>
+          <a:xfrm>
+            <a:off x="589559" y="759236"/>
+            <a:ext cx="4777497" cy="1128068"/>
+          </a:xfrm>
+        </p:spPr>
+        <p:txBody>
+          <a:bodyPr vert="horz" lIns="91440" tIns="45720" rIns="91440" bIns="45720" rtlCol="0" anchor="ctr">
+            <a:normAutofit/>
+          </a:bodyPr>
+          <a:lstStyle/>
+          <a:p>
+            <a:r>
+              <a:rPr lang="en-US" sz="5400" dirty="0">
+                <a:solidFill>
+                  <a:srgbClr val="FFC000"/>
+                </a:solidFill>
+              </a:rPr>
+              <a:t>Demo</a:t>
+            </a:r>
+          </a:p>
+        </p:txBody>
+      </p:sp>
+      <p:grpSp>
+        <p:nvGrpSpPr>
+          <p:cNvPr id="54" name="Group 44">
+            <a:extLst>
+              <a:ext uri="{FF2B5EF4-FFF2-40B4-BE49-F238E27FC236}">
+                <a16:creationId xmlns:a16="http://schemas.microsoft.com/office/drawing/2014/main" id="{1DE889C7-FAD6-4397-98E2-05D503484459}"/>
+              </a:ext>
+              <a:ext uri="{C183D7F6-B498-43B3-948B-1728B52AA6E4}">
+                <adec:decorative xmlns:adec="http://schemas.microsoft.com/office/drawing/2017/decorative" val="1"/>
+              </a:ext>
+            </a:extLst>
+          </p:cNvPr>
+          <p:cNvGrpSpPr>
+            <a:grpSpLocks noGrp="1" noUngrp="1" noRot="1" noChangeAspect="1" noMove="1" noResize="1"/>
+          </p:cNvGrpSpPr>
+          <p:nvPr>
+            <p:extLst>
+              <p:ext uri="{386F3935-93C4-4BCD-93E2-E3B085C9AB24}">
+                <p16:designElem xmlns:p16="http://schemas.microsoft.com/office/powerpoint/2015/main" val="1"/>
+              </p:ext>
+            </p:extLst>
+          </p:nvPr>
+        </p:nvGrpSpPr>
+        <p:grpSpPr>
+          <a:xfrm>
+            <a:off x="0" y="1083484"/>
+            <a:ext cx="355196" cy="673460"/>
+            <a:chOff x="0" y="823811"/>
+            <a:chExt cx="355196" cy="673460"/>
+          </a:xfrm>
+        </p:grpSpPr>
+        <p:sp>
+          <p:nvSpPr>
+            <p:cNvPr id="46" name="Rectangle 45">
+              <a:extLst>
+                <a:ext uri="{FF2B5EF4-FFF2-40B4-BE49-F238E27FC236}">
+                  <a16:creationId xmlns:a16="http://schemas.microsoft.com/office/drawing/2014/main" id="{F399A70F-F8CD-4992-9EF5-6CF15472E73F}"/>
+                </a:ext>
+                <a:ext uri="{C183D7F6-B498-43B3-948B-1728B52AA6E4}">
+                  <adec:decorative xmlns:adec="http://schemas.microsoft.com/office/drawing/2017/decorative" val="1"/>
+                </a:ext>
+              </a:extLst>
+            </p:cNvPr>
+            <p:cNvSpPr/>
+            <p:nvPr>
+              <p:extLst>
+                <p:ext uri="{386F3935-93C4-4BCD-93E2-E3B085C9AB24}">
+                  <p16:designElem xmlns:p16="http://schemas.microsoft.com/office/powerpoint/2015/main" val="1"/>
+                </p:ext>
+              </p:extLst>
+            </p:nvPr>
+          </p:nvSpPr>
+          <p:spPr>
+            <a:xfrm>
+              <a:off x="0" y="823811"/>
+              <a:ext cx="87363" cy="673460"/>
+            </a:xfrm>
+            <a:prstGeom prst="rect">
+              <a:avLst/>
+            </a:prstGeom>
+            <a:solidFill>
+              <a:schemeClr val="accent4"/>
+            </a:solidFill>
+            <a:ln>
+              <a:noFill/>
+            </a:ln>
+          </p:spPr>
+          <p:style>
+            <a:lnRef idx="2">
+              <a:schemeClr val="accent1">
+                <a:shade val="50000"/>
+              </a:schemeClr>
+            </a:lnRef>
+            <a:fillRef idx="1">
+              <a:schemeClr val="accent1"/>
+            </a:fillRef>
+            <a:effectRef idx="0">
+              <a:schemeClr val="accent1"/>
+            </a:effectRef>
+            <a:fontRef idx="minor">
+              <a:schemeClr val="lt1"/>
+            </a:fontRef>
+          </p:style>
+          <p:txBody>
+            <a:bodyPr rtlCol="0" anchor="ctr"/>
+            <a:lstStyle/>
+            <a:p>
+              <a:pPr algn="ctr"/>
+              <a:endParaRPr lang="en-US"/>
+            </a:p>
+          </p:txBody>
+        </p:sp>
+        <p:sp>
+          <p:nvSpPr>
+            <p:cNvPr id="55" name="Rectangle 46">
+              <a:extLst>
+                <a:ext uri="{FF2B5EF4-FFF2-40B4-BE49-F238E27FC236}">
+                  <a16:creationId xmlns:a16="http://schemas.microsoft.com/office/drawing/2014/main" id="{48F4FEDC-6D80-458C-A665-075D9B9500FD}"/>
+                </a:ext>
+                <a:ext uri="{C183D7F6-B498-43B3-948B-1728B52AA6E4}">
+                  <adec:decorative xmlns:adec="http://schemas.microsoft.com/office/drawing/2017/decorative" val="1"/>
+                </a:ext>
+              </a:extLst>
+            </p:cNvPr>
+            <p:cNvSpPr/>
+            <p:nvPr>
+              <p:extLst>
+                <p:ext uri="{386F3935-93C4-4BCD-93E2-E3B085C9AB24}">
+                  <p16:designElem xmlns:p16="http://schemas.microsoft.com/office/powerpoint/2015/main" val="1"/>
+                </p:ext>
+              </p:extLst>
+            </p:nvPr>
+          </p:nvSpPr>
+          <p:spPr>
+            <a:xfrm>
+              <a:off x="159341" y="823811"/>
+              <a:ext cx="195855" cy="673460"/>
+            </a:xfrm>
+            <a:prstGeom prst="rect">
+              <a:avLst/>
+            </a:prstGeom>
+            <a:solidFill>
+              <a:schemeClr val="accent4"/>
+            </a:solidFill>
+            <a:ln>
+              <a:noFill/>
+            </a:ln>
+          </p:spPr>
+          <p:style>
+            <a:lnRef idx="2">
+              <a:schemeClr val="accent1">
+                <a:shade val="50000"/>
+              </a:schemeClr>
+            </a:lnRef>
+            <a:fillRef idx="1">
+              <a:schemeClr val="accent1"/>
+            </a:fillRef>
+            <a:effectRef idx="0">
+              <a:schemeClr val="accent1"/>
+            </a:effectRef>
+            <a:fontRef idx="minor">
+              <a:schemeClr val="lt1"/>
+            </a:fontRef>
+          </p:style>
+          <p:txBody>
+            <a:bodyPr rtlCol="0" anchor="ctr"/>
+            <a:lstStyle/>
+            <a:p>
+              <a:pPr algn="ctr"/>
+              <a:endParaRPr lang="en-US"/>
+            </a:p>
+          </p:txBody>
+        </p:sp>
+      </p:grpSp>
+      <p:sp>
+        <p:nvSpPr>
+          <p:cNvPr id="56" name="Rectangle 48">
+            <a:extLst>
+              <a:ext uri="{FF2B5EF4-FFF2-40B4-BE49-F238E27FC236}">
+                <a16:creationId xmlns:a16="http://schemas.microsoft.com/office/drawing/2014/main" id="{3873B707-463F-40B0-8227-E8CC6C67EB25}"/>
+              </a:ext>
+              <a:ext uri="{C183D7F6-B498-43B3-948B-1728B52AA6E4}">
+                <adec:decorative xmlns:adec="http://schemas.microsoft.com/office/drawing/2017/decorative" val="1"/>
+              </a:ext>
+            </a:extLst>
+          </p:cNvPr>
+          <p:cNvSpPr>
+            <a:spLocks noGrp="1" noRot="1" noChangeAspect="1" noMove="1" noResize="1" noEditPoints="1" noAdjustHandles="1" noChangeArrowheads="1" noChangeShapeType="1" noTextEdit="1"/>
+          </p:cNvSpPr>
+          <p:nvPr>
+            <p:extLst>
+              <p:ext uri="{386F3935-93C4-4BCD-93E2-E3B085C9AB24}">
+                <p16:designElem xmlns:p16="http://schemas.microsoft.com/office/powerpoint/2015/main" val="1"/>
+              </p:ext>
+            </p:extLst>
+          </p:nvPr>
+        </p:nvSpPr>
+        <p:spPr>
+          <a:xfrm flipH="1">
+            <a:off x="665085" y="2090569"/>
+            <a:ext cx="4297680" cy="27432"/>
+          </a:xfrm>
+          <a:prstGeom prst="rect">
+            <a:avLst/>
+          </a:prstGeom>
+          <a:solidFill>
+            <a:schemeClr val="accent4"/>
+          </a:solidFill>
+          <a:ln>
+            <a:noFill/>
+          </a:ln>
+        </p:spPr>
+        <p:style>
+          <a:lnRef idx="2">
+            <a:schemeClr val="accent1">
+              <a:shade val="50000"/>
+            </a:schemeClr>
+          </a:lnRef>
+          <a:fillRef idx="1">
+            <a:schemeClr val="accent1"/>
+          </a:fillRef>
+          <a:effectRef idx="0">
+            <a:schemeClr val="accent1"/>
+          </a:effectRef>
+          <a:fontRef idx="minor">
+            <a:schemeClr val="lt1"/>
+          </a:fontRef>
+        </p:style>
+        <p:txBody>
+          <a:bodyPr rtlCol="0" anchor="ctr"/>
+          <a:lstStyle/>
+          <a:p>
+            <a:pPr algn="ctr"/>
+            <a:endParaRPr lang="en-US"/>
+          </a:p>
+        </p:txBody>
+      </p:sp>
+      <p:sp>
+        <p:nvSpPr>
+          <p:cNvPr id="8" name="Text Placeholder 7">
+            <a:extLst>
+              <a:ext uri="{FF2B5EF4-FFF2-40B4-BE49-F238E27FC236}">
+                <a16:creationId xmlns:a16="http://schemas.microsoft.com/office/drawing/2014/main" id="{958D5C89-C119-4811-886C-7F28128E6C98}"/>
+              </a:ext>
+            </a:extLst>
+          </p:cNvPr>
+          <p:cNvSpPr>
+            <a:spLocks noGrp="1"/>
+          </p:cNvSpPr>
+          <p:nvPr>
+            <p:ph type="body" sz="half" idx="2"/>
+          </p:nvPr>
+        </p:nvSpPr>
+        <p:spPr>
+          <a:xfrm>
+            <a:off x="590719" y="2330505"/>
+            <a:ext cx="4559425" cy="3979585"/>
+          </a:xfrm>
+        </p:spPr>
+        <p:txBody>
+          <a:bodyPr vert="horz" lIns="91440" tIns="45720" rIns="91440" bIns="45720" rtlCol="0" anchor="ctr">
+            <a:normAutofit/>
+          </a:bodyPr>
+          <a:lstStyle/>
+          <a:p>
+            <a:pPr indent="-228600">
+              <a:buFont typeface="Arial" panose="020B0604020202020204" pitchFamily="34" charset="0"/>
+              <a:buChar char="•"/>
+            </a:pPr>
+            <a:endParaRPr lang="en-US" sz="1900" dirty="0">
+              <a:solidFill>
+                <a:srgbClr val="023047"/>
+              </a:solidFill>
+            </a:endParaRPr>
+          </a:p>
+        </p:txBody>
+      </p:sp>
+      <p:sp>
+        <p:nvSpPr>
+          <p:cNvPr id="51" name="Rectangle 50">
+            <a:extLst>
+              <a:ext uri="{FF2B5EF4-FFF2-40B4-BE49-F238E27FC236}">
+                <a16:creationId xmlns:a16="http://schemas.microsoft.com/office/drawing/2014/main" id="{C13237C8-E62C-4F0D-A318-BD6FB6C2D138}"/>
+              </a:ext>
+              <a:ext uri="{C183D7F6-B498-43B3-948B-1728B52AA6E4}">
+                <adec:decorative xmlns:adec="http://schemas.microsoft.com/office/drawing/2017/decorative" val="1"/>
+              </a:ext>
+            </a:extLst>
+          </p:cNvPr>
+          <p:cNvSpPr>
+            <a:spLocks noGrp="1" noRot="1" noChangeAspect="1" noMove="1" noResize="1" noEditPoints="1" noAdjustHandles="1" noChangeArrowheads="1" noChangeShapeType="1" noTextEdit="1"/>
+          </p:cNvSpPr>
+          <p:nvPr>
+            <p:extLst>
+              <p:ext uri="{386F3935-93C4-4BCD-93E2-E3B085C9AB24}">
+                <p16:designElem xmlns:p16="http://schemas.microsoft.com/office/powerpoint/2015/main" val="1"/>
+              </p:ext>
+            </p:extLst>
+          </p:nvPr>
+        </p:nvSpPr>
+        <p:spPr>
+          <a:xfrm flipH="1">
+            <a:off x="10697670" y="0"/>
+            <a:ext cx="1494330" cy="6858000"/>
+          </a:xfrm>
+          <a:prstGeom prst="rect">
+            <a:avLst/>
+          </a:prstGeom>
+          <a:solidFill>
+            <a:schemeClr val="accent4"/>
+          </a:solidFill>
+          <a:ln>
+            <a:noFill/>
+          </a:ln>
+        </p:spPr>
+        <p:style>
+          <a:lnRef idx="2">
+            <a:schemeClr val="accent1">
+              <a:shade val="50000"/>
+            </a:schemeClr>
+          </a:lnRef>
+          <a:fillRef idx="1">
+            <a:schemeClr val="accent1"/>
+          </a:fillRef>
+          <a:effectRef idx="0">
+            <a:schemeClr val="accent1"/>
+          </a:effectRef>
+          <a:fontRef idx="minor">
+            <a:schemeClr val="lt1"/>
+          </a:fontRef>
+        </p:style>
+        <p:txBody>
+          <a:bodyPr rtlCol="0" anchor="ctr"/>
+          <a:lstStyle/>
+          <a:p>
+            <a:pPr algn="ctr"/>
+            <a:endParaRPr lang="en-US"/>
+          </a:p>
+        </p:txBody>
+      </p:sp>
+      <p:sp>
+        <p:nvSpPr>
+          <p:cNvPr id="53" name="Rectangle 52">
+            <a:extLst>
+              <a:ext uri="{FF2B5EF4-FFF2-40B4-BE49-F238E27FC236}">
+                <a16:creationId xmlns:a16="http://schemas.microsoft.com/office/drawing/2014/main" id="{19C9EAEA-39D0-4B0E-A0EB-51E7B26740B1}"/>
+              </a:ext>
+              <a:ext uri="{C183D7F6-B498-43B3-948B-1728B52AA6E4}">
+                <adec:decorative xmlns:adec="http://schemas.microsoft.com/office/drawing/2017/decorative" val="1"/>
+              </a:ext>
+            </a:extLst>
+          </p:cNvPr>
+          <p:cNvSpPr>
+            <a:spLocks noGrp="1" noRot="1" noChangeAspect="1" noMove="1" noResize="1" noEditPoints="1" noAdjustHandles="1" noChangeArrowheads="1" noChangeShapeType="1" noTextEdit="1"/>
+          </p:cNvSpPr>
+          <p:nvPr>
+            <p:extLst>
+              <p:ext uri="{386F3935-93C4-4BCD-93E2-E3B085C9AB24}">
+                <p16:designElem xmlns:p16="http://schemas.microsoft.com/office/powerpoint/2015/main" val="1"/>
+              </p:ext>
+            </p:extLst>
+          </p:nvPr>
+        </p:nvSpPr>
+        <p:spPr>
+          <a:xfrm>
+            <a:off x="5685810" y="513853"/>
+            <a:ext cx="6009366" cy="5834577"/>
+          </a:xfrm>
+          <a:prstGeom prst="rect">
+            <a:avLst/>
+          </a:prstGeom>
+          <a:solidFill>
+            <a:schemeClr val="bg1"/>
+          </a:solidFill>
+          <a:ln>
+            <a:noFill/>
+          </a:ln>
+          <a:effectLst>
+            <a:outerShdw blurRad="139700" dist="127000" dir="5400000" algn="t" rotWithShape="0">
+              <a:prstClr val="black">
+                <a:alpha val="15000"/>
+              </a:prstClr>
+            </a:outerShdw>
+          </a:effectLst>
+        </p:spPr>
+        <p:style>
+          <a:lnRef idx="2">
+            <a:schemeClr val="accent1">
+              <a:shade val="50000"/>
+            </a:schemeClr>
+          </a:lnRef>
+          <a:fillRef idx="1">
+            <a:schemeClr val="accent1"/>
+          </a:fillRef>
+          <a:effectRef idx="0">
+            <a:schemeClr val="accent1"/>
+          </a:effectRef>
+          <a:fontRef idx="minor">
+            <a:schemeClr val="lt1"/>
+          </a:fontRef>
+        </p:style>
+        <p:txBody>
+          <a:bodyPr rtlCol="0" anchor="ctr"/>
+          <a:lstStyle/>
+          <a:p>
+            <a:pPr algn="ctr"/>
+            <a:endParaRPr lang="en-US"/>
+          </a:p>
+        </p:txBody>
+      </p:sp>
+    </p:spTree>
+    <p:extLst>
+      <p:ext uri="{BB962C8B-B14F-4D97-AF65-F5344CB8AC3E}">
+        <p14:creationId xmlns:p14="http://schemas.microsoft.com/office/powerpoint/2010/main" val="858574611"/>
+      </p:ext>
+    </p:extLst>
+  </p:cSld>
+  <p:clrMapOvr>
+    <a:masterClrMapping/>
+  </p:clrMapOvr>
+</p:sld>
+</file>
+
+<file path=ppt/slides/slide16.xml><?xml version="1.0" encoding="utf-8"?>
+<p:sld xmlns:a="http://schemas.openxmlformats.org/drawingml/2006/main" xmlns:r="http://schemas.openxmlformats.org/officeDocument/2006/relationships" xmlns:p="http://schemas.openxmlformats.org/presentationml/2006/main">
+  <p:cSld>
+    <p:bg>
+      <p:bgPr>
+        <a:solidFill>
+          <a:srgbClr val="023047"/>
+        </a:solidFill>
+        <a:effectLst/>
+      </p:bgPr>
+    </p:bg>
+    <p:spTree>
+      <p:nvGrpSpPr>
+        <p:cNvPr id="1" name=""/>
+        <p:cNvGrpSpPr/>
+        <p:nvPr/>
+      </p:nvGrpSpPr>
+      <p:grpSpPr>
+        <a:xfrm>
+          <a:off x="0" y="0"/>
+          <a:ext cx="0" cy="0"/>
+          <a:chOff x="0" y="0"/>
+          <a:chExt cx="0" cy="0"/>
+        </a:xfrm>
+      </p:grpSpPr>
+      <p:sp useBgFill="1">
+        <p:nvSpPr>
+          <p:cNvPr id="19" name="Rectangle 18">
+            <a:extLst>
+              <a:ext uri="{FF2B5EF4-FFF2-40B4-BE49-F238E27FC236}">
+                <a16:creationId xmlns:a16="http://schemas.microsoft.com/office/drawing/2014/main" id="{B6CDA21F-E7AF-4C75-8395-33F58D5B0E45}"/>
+              </a:ext>
+              <a:ext uri="{C183D7F6-B498-43B3-948B-1728B52AA6E4}">
+                <adec:decorative xmlns:adec="http://schemas.microsoft.com/office/drawing/2017/decorative" val="1"/>
+              </a:ext>
+            </a:extLst>
+          </p:cNvPr>
+          <p:cNvSpPr>
+            <a:spLocks noGrp="1" noRot="1" noChangeAspect="1" noMove="1" noResize="1" noEditPoints="1" noAdjustHandles="1" noChangeArrowheads="1" noChangeShapeType="1" noTextEdit="1"/>
+          </p:cNvSpPr>
+          <p:nvPr>
+            <p:extLst>
+              <p:ext uri="{386F3935-93C4-4BCD-93E2-E3B085C9AB24}">
+                <p16:designElem xmlns:p16="http://schemas.microsoft.com/office/powerpoint/2015/main" val="1"/>
+              </p:ext>
+            </p:extLst>
+          </p:nvPr>
+        </p:nvSpPr>
+        <p:spPr>
+          <a:xfrm>
+            <a:off x="0" y="0"/>
+            <a:ext cx="12191999" cy="6857365"/>
+          </a:xfrm>
+          <a:prstGeom prst="rect">
+            <a:avLst/>
+          </a:prstGeom>
+          <a:ln>
+            <a:noFill/>
+          </a:ln>
+        </p:spPr>
+        <p:style>
+          <a:lnRef idx="2">
+            <a:schemeClr val="accent1">
+              <a:shade val="50000"/>
+            </a:schemeClr>
+          </a:lnRef>
+          <a:fillRef idx="1">
+            <a:schemeClr val="accent1"/>
+          </a:fillRef>
+          <a:effectRef idx="0">
+            <a:schemeClr val="accent1"/>
+          </a:effectRef>
+          <a:fontRef idx="minor">
+            <a:schemeClr val="lt1"/>
+          </a:fontRef>
+        </p:style>
+        <p:txBody>
+          <a:bodyPr rtlCol="0" anchor="ctr"/>
+          <a:lstStyle/>
+          <a:p>
+            <a:pPr algn="ctr"/>
+            <a:endParaRPr lang="en-US"/>
+          </a:p>
+        </p:txBody>
+      </p:sp>
+      <p:grpSp>
+        <p:nvGrpSpPr>
+          <p:cNvPr id="21" name="Group 20">
+            <a:extLst>
+              <a:ext uri="{FF2B5EF4-FFF2-40B4-BE49-F238E27FC236}">
+                <a16:creationId xmlns:a16="http://schemas.microsoft.com/office/drawing/2014/main" id="{AE1C45F0-260A-458C-96ED-C1F6D2151219}"/>
+              </a:ext>
+              <a:ext uri="{C183D7F6-B498-43B3-948B-1728B52AA6E4}">
+                <adec:decorative xmlns:adec="http://schemas.microsoft.com/office/drawing/2017/decorative" val="1"/>
+              </a:ext>
+            </a:extLst>
+          </p:cNvPr>
+          <p:cNvGrpSpPr>
+            <a:grpSpLocks noGrp="1" noUngrp="1" noRot="1" noChangeAspect="1" noMove="1" noResize="1"/>
+          </p:cNvGrpSpPr>
+          <p:nvPr>
+            <p:extLst>
+              <p:ext uri="{386F3935-93C4-4BCD-93E2-E3B085C9AB24}">
+                <p16:designElem xmlns:p16="http://schemas.microsoft.com/office/powerpoint/2015/main" val="1"/>
+              </p:ext>
+            </p:extLst>
+          </p:nvPr>
+        </p:nvGrpSpPr>
+        <p:grpSpPr>
+          <a:xfrm>
+            <a:off x="4" y="1216597"/>
+            <a:ext cx="731521" cy="673460"/>
+            <a:chOff x="3940602" y="308034"/>
+            <a:chExt cx="2116791" cy="3428999"/>
+          </a:xfrm>
+          <a:solidFill>
+            <a:schemeClr val="accent4"/>
+          </a:solidFill>
+        </p:grpSpPr>
+        <p:sp>
+          <p:nvSpPr>
+            <p:cNvPr id="22" name="Rectangle 21">
+              <a:extLst>
+                <a:ext uri="{FF2B5EF4-FFF2-40B4-BE49-F238E27FC236}">
+                  <a16:creationId xmlns:a16="http://schemas.microsoft.com/office/drawing/2014/main" id="{A6604B49-AD5C-4590-B051-06C8222ECD99}"/>
+                </a:ext>
+                <a:ext uri="{C183D7F6-B498-43B3-948B-1728B52AA6E4}">
+                  <adec:decorative xmlns:adec="http://schemas.microsoft.com/office/drawing/2017/decorative" val="1"/>
+                </a:ext>
+              </a:extLst>
+            </p:cNvPr>
+            <p:cNvSpPr/>
+            <p:nvPr>
+              <p:extLst>
+                <p:ext uri="{386F3935-93C4-4BCD-93E2-E3B085C9AB24}">
+                  <p16:designElem xmlns:p16="http://schemas.microsoft.com/office/powerpoint/2015/main" val="1"/>
+                </p:ext>
+              </p:extLst>
+            </p:nvPr>
+          </p:nvSpPr>
+          <p:spPr>
+            <a:xfrm>
+              <a:off x="3940602" y="308034"/>
+              <a:ext cx="566743" cy="3428999"/>
+            </a:xfrm>
+            <a:prstGeom prst="rect">
+              <a:avLst/>
+            </a:prstGeom>
+            <a:grpFill/>
+            <a:ln>
+              <a:noFill/>
+            </a:ln>
+          </p:spPr>
+          <p:style>
+            <a:lnRef idx="2">
+              <a:schemeClr val="accent1">
+                <a:shade val="50000"/>
+              </a:schemeClr>
+            </a:lnRef>
+            <a:fillRef idx="1">
+              <a:schemeClr val="accent1"/>
+            </a:fillRef>
+            <a:effectRef idx="0">
+              <a:schemeClr val="accent1"/>
+            </a:effectRef>
+            <a:fontRef idx="minor">
+              <a:schemeClr val="lt1"/>
+            </a:fontRef>
+          </p:style>
+          <p:txBody>
+            <a:bodyPr rtlCol="0" anchor="ctr"/>
+            <a:lstStyle/>
+            <a:p>
+              <a:pPr algn="ctr"/>
+              <a:endParaRPr lang="en-US"/>
+            </a:p>
+          </p:txBody>
+        </p:sp>
+        <p:sp>
+          <p:nvSpPr>
+            <p:cNvPr id="23" name="Rectangle 22">
+              <a:extLst>
+                <a:ext uri="{FF2B5EF4-FFF2-40B4-BE49-F238E27FC236}">
+                  <a16:creationId xmlns:a16="http://schemas.microsoft.com/office/drawing/2014/main" id="{743ECCAF-29C5-4537-947C-7EA1292463DB}"/>
+                </a:ext>
+                <a:ext uri="{C183D7F6-B498-43B3-948B-1728B52AA6E4}">
+                  <adec:decorative xmlns:adec="http://schemas.microsoft.com/office/drawing/2017/decorative" val="1"/>
+                </a:ext>
+              </a:extLst>
+            </p:cNvPr>
+            <p:cNvSpPr/>
+            <p:nvPr>
+              <p:extLst>
+                <p:ext uri="{386F3935-93C4-4BCD-93E2-E3B085C9AB24}">
+                  <p16:designElem xmlns:p16="http://schemas.microsoft.com/office/powerpoint/2015/main" val="1"/>
+                </p:ext>
+              </p:extLst>
+            </p:nvPr>
+          </p:nvSpPr>
+          <p:spPr>
+            <a:xfrm>
+              <a:off x="4715626" y="308034"/>
+              <a:ext cx="566743" cy="3428999"/>
+            </a:xfrm>
+            <a:prstGeom prst="rect">
+              <a:avLst/>
+            </a:prstGeom>
+            <a:grpFill/>
+            <a:ln>
+              <a:noFill/>
+            </a:ln>
+          </p:spPr>
+          <p:style>
+            <a:lnRef idx="2">
+              <a:schemeClr val="accent1">
+                <a:shade val="50000"/>
+              </a:schemeClr>
+            </a:lnRef>
+            <a:fillRef idx="1">
+              <a:schemeClr val="accent1"/>
+            </a:fillRef>
+            <a:effectRef idx="0">
+              <a:schemeClr val="accent1"/>
+            </a:effectRef>
+            <a:fontRef idx="minor">
+              <a:schemeClr val="lt1"/>
+            </a:fontRef>
+          </p:style>
+          <p:txBody>
+            <a:bodyPr rtlCol="0" anchor="ctr"/>
+            <a:lstStyle/>
+            <a:p>
+              <a:pPr algn="ctr"/>
+              <a:endParaRPr lang="en-US"/>
+            </a:p>
+          </p:txBody>
+        </p:sp>
+        <p:sp>
+          <p:nvSpPr>
+            <p:cNvPr id="24" name="Rectangle 23">
+              <a:extLst>
+                <a:ext uri="{FF2B5EF4-FFF2-40B4-BE49-F238E27FC236}">
+                  <a16:creationId xmlns:a16="http://schemas.microsoft.com/office/drawing/2014/main" id="{ED49787B-8DE6-4467-AD0A-8DECC6E0C2D6}"/>
+                </a:ext>
+                <a:ext uri="{C183D7F6-B498-43B3-948B-1728B52AA6E4}">
+                  <adec:decorative xmlns:adec="http://schemas.microsoft.com/office/drawing/2017/decorative" val="1"/>
+                </a:ext>
+              </a:extLst>
+            </p:cNvPr>
+            <p:cNvSpPr/>
+            <p:nvPr>
+              <p:extLst>
+                <p:ext uri="{386F3935-93C4-4BCD-93E2-E3B085C9AB24}">
+                  <p16:designElem xmlns:p16="http://schemas.microsoft.com/office/powerpoint/2015/main" val="1"/>
+                </p:ext>
+              </p:extLst>
+            </p:nvPr>
+          </p:nvSpPr>
+          <p:spPr>
+            <a:xfrm>
+              <a:off x="5490650" y="308034"/>
+              <a:ext cx="566743" cy="3428999"/>
+            </a:xfrm>
+            <a:prstGeom prst="rect">
+              <a:avLst/>
+            </a:prstGeom>
+            <a:grpFill/>
+            <a:ln>
+              <a:noFill/>
+            </a:ln>
+          </p:spPr>
+          <p:style>
+            <a:lnRef idx="2">
+              <a:schemeClr val="accent1">
+                <a:shade val="50000"/>
+              </a:schemeClr>
+            </a:lnRef>
+            <a:fillRef idx="1">
+              <a:schemeClr val="accent1"/>
+            </a:fillRef>
+            <a:effectRef idx="0">
+              <a:schemeClr val="accent1"/>
+            </a:effectRef>
+            <a:fontRef idx="minor">
+              <a:schemeClr val="lt1"/>
+            </a:fontRef>
+          </p:style>
+          <p:txBody>
+            <a:bodyPr rtlCol="0" anchor="ctr"/>
+            <a:lstStyle/>
+            <a:p>
+              <a:pPr algn="ctr"/>
+              <a:endParaRPr lang="en-US"/>
+            </a:p>
+          </p:txBody>
+        </p:sp>
+      </p:grpSp>
+      <p:sp>
+        <p:nvSpPr>
+          <p:cNvPr id="26" name="Rectangle 25">
+            <a:extLst>
+              <a:ext uri="{FF2B5EF4-FFF2-40B4-BE49-F238E27FC236}">
+                <a16:creationId xmlns:a16="http://schemas.microsoft.com/office/drawing/2014/main" id="{D5B0017B-2ECA-49AF-B397-DC140825DF8D}"/>
+              </a:ext>
+              <a:ext uri="{C183D7F6-B498-43B3-948B-1728B52AA6E4}">
+                <adec:decorative xmlns:adec="http://schemas.microsoft.com/office/drawing/2017/decorative" val="1"/>
+              </a:ext>
+            </a:extLst>
+          </p:cNvPr>
+          <p:cNvSpPr>
+            <a:spLocks noGrp="1" noRot="1" noChangeAspect="1" noMove="1" noResize="1" noEditPoints="1" noAdjustHandles="1" noChangeArrowheads="1" noChangeShapeType="1" noTextEdit="1"/>
+          </p:cNvSpPr>
+          <p:nvPr>
+            <p:extLst>
+              <p:ext uri="{386F3935-93C4-4BCD-93E2-E3B085C9AB24}">
+                <p16:designElem xmlns:p16="http://schemas.microsoft.com/office/powerpoint/2015/main" val="1"/>
+              </p:ext>
+            </p:extLst>
+          </p:nvPr>
+        </p:nvSpPr>
+        <p:spPr>
+          <a:xfrm>
+            <a:off x="640079" y="613954"/>
+            <a:ext cx="10907487" cy="1894116"/>
+          </a:xfrm>
+          <a:prstGeom prst="rect">
+            <a:avLst/>
+          </a:prstGeom>
+          <a:solidFill>
+            <a:schemeClr val="bg1"/>
+          </a:solidFill>
+          <a:ln>
+            <a:noFill/>
+          </a:ln>
+          <a:effectLst>
+            <a:outerShdw blurRad="139700" dist="127000" dir="5400000" algn="t" rotWithShape="0">
+              <a:prstClr val="black">
+                <a:alpha val="15000"/>
+              </a:prstClr>
+            </a:outerShdw>
+          </a:effectLst>
+        </p:spPr>
+        <p:style>
+          <a:lnRef idx="2">
+            <a:schemeClr val="accent1">
+              <a:shade val="50000"/>
+            </a:schemeClr>
+          </a:lnRef>
+          <a:fillRef idx="1">
+            <a:schemeClr val="accent1"/>
+          </a:fillRef>
+          <a:effectRef idx="0">
+            <a:schemeClr val="accent1"/>
+          </a:effectRef>
+          <a:fontRef idx="minor">
+            <a:schemeClr val="lt1"/>
+          </a:fontRef>
+        </p:style>
+        <p:txBody>
+          <a:bodyPr rtlCol="0" anchor="ctr"/>
+          <a:lstStyle/>
+          <a:p>
+            <a:pPr algn="ctr"/>
+            <a:endParaRPr lang="en-US"/>
+          </a:p>
+        </p:txBody>
+      </p:sp>
+      <p:sp>
+        <p:nvSpPr>
+          <p:cNvPr id="4" name="Title 3">
+            <a:extLst>
+              <a:ext uri="{FF2B5EF4-FFF2-40B4-BE49-F238E27FC236}">
+                <a16:creationId xmlns:a16="http://schemas.microsoft.com/office/drawing/2014/main" id="{B7DBF6A7-D01A-4EE4-AA09-6BAEB427D14C}"/>
+              </a:ext>
+            </a:extLst>
+          </p:cNvPr>
+          <p:cNvSpPr>
+            <a:spLocks noGrp="1"/>
+          </p:cNvSpPr>
+          <p:nvPr>
+            <p:ph type="title"/>
+          </p:nvPr>
+        </p:nvSpPr>
+        <p:spPr>
+          <a:xfrm>
+            <a:off x="1043631" y="809898"/>
+            <a:ext cx="9942716" cy="1554480"/>
+          </a:xfrm>
+        </p:spPr>
+        <p:txBody>
+          <a:bodyPr anchor="ctr">
+            <a:normAutofit/>
+          </a:bodyPr>
+          <a:lstStyle/>
+          <a:p>
+            <a:r>
+              <a:rPr lang="en-US" sz="4800" dirty="0">
                 <a:solidFill>
                   <a:srgbClr val="023047"/>
                 </a:solidFill>
@@ -10652,7 +8821,7 @@
 </p:sld>
 </file>
 
-<file path=ppt/slides/slide2.xml><?xml version="1.0" encoding="utf-8"?>
+<file path=ppt/slides/slide17.xml><?xml version="1.0" encoding="utf-8"?>
 <p:sld xmlns:a="http://schemas.openxmlformats.org/drawingml/2006/main" xmlns:r="http://schemas.openxmlformats.org/officeDocument/2006/relationships" xmlns:p="http://schemas.openxmlformats.org/presentationml/2006/main">
   <p:cSld>
     <p:bg>
@@ -10755,8 +8924,8 @@
         </p:nvSpPr>
         <p:spPr>
           <a:xfrm>
-            <a:off x="1078828" y="1147158"/>
-            <a:ext cx="6038470" cy="4713316"/>
+            <a:off x="861254" y="1134389"/>
+            <a:ext cx="6587331" cy="4713316"/>
           </a:xfrm>
         </p:spPr>
         <p:txBody>
@@ -10774,7 +8943,7 @@
                 <a:ea typeface="+mj-ea"/>
                 <a:cs typeface="+mj-cs"/>
               </a:rPr>
-              <a:t>A conceptual proactive Home Assistant that can distinguish users</a:t>
+              <a:t>Thank you!</a:t>
             </a:r>
           </a:p>
         </p:txBody>
@@ -11124,48 +9293,1097 @@
           </a:p>
         </p:txBody>
       </p:sp>
+      <p:pic>
+        <p:nvPicPr>
+          <p:cNvPr id="16" name="Picture 15" descr="Logo, company name&#10;&#10;Description automatically generated">
+            <a:extLst>
+              <a:ext uri="{FF2B5EF4-FFF2-40B4-BE49-F238E27FC236}">
+                <a16:creationId xmlns:a16="http://schemas.microsoft.com/office/drawing/2014/main" id="{01430713-CABA-446C-B3E5-07D97EAA6C7D}"/>
+              </a:ext>
+            </a:extLst>
+          </p:cNvPr>
+          <p:cNvPicPr>
+            <a:picLocks noChangeAspect="1"/>
+          </p:cNvPicPr>
+          <p:nvPr/>
+        </p:nvPicPr>
+        <p:blipFill>
+          <a:blip r:embed="rId2">
+            <a:extLst>
+              <a:ext uri="{28A0092B-C50C-407E-A947-70E740481C1C}">
+                <a14:useLocalDpi xmlns:a14="http://schemas.microsoft.com/office/drawing/2010/main" val="0"/>
+              </a:ext>
+            </a:extLst>
+          </a:blip>
+          <a:stretch>
+            <a:fillRect/>
+          </a:stretch>
+        </p:blipFill>
+        <p:spPr>
+          <a:xfrm>
+            <a:off x="7956643" y="5084989"/>
+            <a:ext cx="3448050" cy="1323975"/>
+          </a:xfrm>
+          <a:prstGeom prst="rect">
+            <a:avLst/>
+          </a:prstGeom>
+        </p:spPr>
+      </p:pic>
       <p:sp>
         <p:nvSpPr>
-          <p:cNvPr id="5" name="Text Placeholder 4">
-            <a:extLst>
-              <a:ext uri="{FF2B5EF4-FFF2-40B4-BE49-F238E27FC236}">
-                <a16:creationId xmlns:a16="http://schemas.microsoft.com/office/drawing/2014/main" id="{D1935C78-4D5F-43AF-AF77-E490D0D8B6F1}"/>
-              </a:ext>
-            </a:extLst>
-          </p:cNvPr>
-          <p:cNvSpPr>
-            <a:spLocks noGrp="1"/>
+          <p:cNvPr id="21" name="Text Placeholder 7">
+            <a:extLst>
+              <a:ext uri="{FF2B5EF4-FFF2-40B4-BE49-F238E27FC236}">
+                <a16:creationId xmlns:a16="http://schemas.microsoft.com/office/drawing/2014/main" id="{2F740FDC-EF44-46F3-AE99-2F585C573E47}"/>
+              </a:ext>
+            </a:extLst>
+          </p:cNvPr>
+          <p:cNvSpPr txBox="1">
+            <a:spLocks/>
           </p:cNvSpPr>
-          <p:nvPr>
-            <p:ph type="body" idx="1"/>
-          </p:nvPr>
+          <p:nvPr/>
         </p:nvSpPr>
         <p:spPr>
           <a:xfrm>
-            <a:off x="8030590" y="1687486"/>
-            <a:ext cx="3300156" cy="3636818"/>
-          </a:xfrm>
+            <a:off x="8397681" y="1164524"/>
+            <a:ext cx="2778371" cy="3979585"/>
+          </a:xfrm>
+          <a:prstGeom prst="rect">
+            <a:avLst/>
+          </a:prstGeom>
         </p:spPr>
         <p:txBody>
           <a:bodyPr vert="horz" lIns="91440" tIns="45720" rIns="91440" bIns="45720" rtlCol="0" anchor="ctr">
             <a:normAutofit/>
           </a:bodyPr>
-          <a:lstStyle/>
-          <a:p>
-            <a:r>
-              <a:rPr lang="en-US" kern="1200" dirty="0">
+          <a:lstStyle>
+            <a:lvl1pPr marL="228600" indent="-228600" algn="l" defTabSz="914400" rtl="0" eaLnBrk="1" latinLnBrk="0" hangingPunct="1">
+              <a:lnSpc>
+                <a:spcPct val="90000"/>
+              </a:lnSpc>
+              <a:spcBef>
+                <a:spcPts val="1000"/>
+              </a:spcBef>
+              <a:buFont typeface="Arial" panose="020B0604020202020204" pitchFamily="34" charset="0"/>
+              <a:buChar char="•"/>
+              <a:defRPr sz="2800" kern="1200">
                 <a:solidFill>
-                  <a:srgbClr val="023047"/>
+                  <a:schemeClr val="tx1"/>
                 </a:solidFill>
                 <a:latin typeface="+mn-lt"/>
                 <a:ea typeface="+mn-ea"/>
                 <a:cs typeface="+mn-cs"/>
+              </a:defRPr>
+            </a:lvl1pPr>
+            <a:lvl2pPr marL="685800" indent="-228600" algn="l" defTabSz="914400" rtl="0" eaLnBrk="1" latinLnBrk="0" hangingPunct="1">
+              <a:lnSpc>
+                <a:spcPct val="90000"/>
+              </a:lnSpc>
+              <a:spcBef>
+                <a:spcPts val="500"/>
+              </a:spcBef>
+              <a:buFont typeface="Arial" panose="020B0604020202020204" pitchFamily="34" charset="0"/>
+              <a:buChar char="•"/>
+              <a:defRPr sz="2400" kern="1200">
+                <a:solidFill>
+                  <a:schemeClr val="tx1"/>
+                </a:solidFill>
+                <a:latin typeface="+mn-lt"/>
+                <a:ea typeface="+mn-ea"/>
+                <a:cs typeface="+mn-cs"/>
+              </a:defRPr>
+            </a:lvl2pPr>
+            <a:lvl3pPr marL="1143000" indent="-228600" algn="l" defTabSz="914400" rtl="0" eaLnBrk="1" latinLnBrk="0" hangingPunct="1">
+              <a:lnSpc>
+                <a:spcPct val="90000"/>
+              </a:lnSpc>
+              <a:spcBef>
+                <a:spcPts val="500"/>
+              </a:spcBef>
+              <a:buFont typeface="Arial" panose="020B0604020202020204" pitchFamily="34" charset="0"/>
+              <a:buChar char="•"/>
+              <a:defRPr sz="2000" kern="1200">
+                <a:solidFill>
+                  <a:schemeClr val="tx1"/>
+                </a:solidFill>
+                <a:latin typeface="+mn-lt"/>
+                <a:ea typeface="+mn-ea"/>
+                <a:cs typeface="+mn-cs"/>
+              </a:defRPr>
+            </a:lvl3pPr>
+            <a:lvl4pPr marL="1600200" indent="-228600" algn="l" defTabSz="914400" rtl="0" eaLnBrk="1" latinLnBrk="0" hangingPunct="1">
+              <a:lnSpc>
+                <a:spcPct val="90000"/>
+              </a:lnSpc>
+              <a:spcBef>
+                <a:spcPts val="500"/>
+              </a:spcBef>
+              <a:buFont typeface="Arial" panose="020B0604020202020204" pitchFamily="34" charset="0"/>
+              <a:buChar char="•"/>
+              <a:defRPr sz="1800" kern="1200">
+                <a:solidFill>
+                  <a:schemeClr val="tx1"/>
+                </a:solidFill>
+                <a:latin typeface="+mn-lt"/>
+                <a:ea typeface="+mn-ea"/>
+                <a:cs typeface="+mn-cs"/>
+              </a:defRPr>
+            </a:lvl4pPr>
+            <a:lvl5pPr marL="2057400" indent="-228600" algn="l" defTabSz="914400" rtl="0" eaLnBrk="1" latinLnBrk="0" hangingPunct="1">
+              <a:lnSpc>
+                <a:spcPct val="90000"/>
+              </a:lnSpc>
+              <a:spcBef>
+                <a:spcPts val="500"/>
+              </a:spcBef>
+              <a:buFont typeface="Arial" panose="020B0604020202020204" pitchFamily="34" charset="0"/>
+              <a:buChar char="•"/>
+              <a:defRPr sz="1800" kern="1200">
+                <a:solidFill>
+                  <a:schemeClr val="tx1"/>
+                </a:solidFill>
+                <a:latin typeface="+mn-lt"/>
+                <a:ea typeface="+mn-ea"/>
+                <a:cs typeface="+mn-cs"/>
+              </a:defRPr>
+            </a:lvl5pPr>
+            <a:lvl6pPr marL="2514600" indent="-228600" algn="l" defTabSz="914400" rtl="0" eaLnBrk="1" latinLnBrk="0" hangingPunct="1">
+              <a:lnSpc>
+                <a:spcPct val="90000"/>
+              </a:lnSpc>
+              <a:spcBef>
+                <a:spcPts val="500"/>
+              </a:spcBef>
+              <a:buFont typeface="Arial" panose="020B0604020202020204" pitchFamily="34" charset="0"/>
+              <a:buChar char="•"/>
+              <a:defRPr sz="1800" kern="1200">
+                <a:solidFill>
+                  <a:schemeClr val="tx1"/>
+                </a:solidFill>
+                <a:latin typeface="+mn-lt"/>
+                <a:ea typeface="+mn-ea"/>
+                <a:cs typeface="+mn-cs"/>
+              </a:defRPr>
+            </a:lvl6pPr>
+            <a:lvl7pPr marL="2971800" indent="-228600" algn="l" defTabSz="914400" rtl="0" eaLnBrk="1" latinLnBrk="0" hangingPunct="1">
+              <a:lnSpc>
+                <a:spcPct val="90000"/>
+              </a:lnSpc>
+              <a:spcBef>
+                <a:spcPts val="500"/>
+              </a:spcBef>
+              <a:buFont typeface="Arial" panose="020B0604020202020204" pitchFamily="34" charset="0"/>
+              <a:buChar char="•"/>
+              <a:defRPr sz="1800" kern="1200">
+                <a:solidFill>
+                  <a:schemeClr val="tx1"/>
+                </a:solidFill>
+                <a:latin typeface="+mn-lt"/>
+                <a:ea typeface="+mn-ea"/>
+                <a:cs typeface="+mn-cs"/>
+              </a:defRPr>
+            </a:lvl7pPr>
+            <a:lvl8pPr marL="3429000" indent="-228600" algn="l" defTabSz="914400" rtl="0" eaLnBrk="1" latinLnBrk="0" hangingPunct="1">
+              <a:lnSpc>
+                <a:spcPct val="90000"/>
+              </a:lnSpc>
+              <a:spcBef>
+                <a:spcPts val="500"/>
+              </a:spcBef>
+              <a:buFont typeface="Arial" panose="020B0604020202020204" pitchFamily="34" charset="0"/>
+              <a:buChar char="•"/>
+              <a:defRPr sz="1800" kern="1200">
+                <a:solidFill>
+                  <a:schemeClr val="tx1"/>
+                </a:solidFill>
+                <a:latin typeface="+mn-lt"/>
+                <a:ea typeface="+mn-ea"/>
+                <a:cs typeface="+mn-cs"/>
+              </a:defRPr>
+            </a:lvl8pPr>
+            <a:lvl9pPr marL="3886200" indent="-228600" algn="l" defTabSz="914400" rtl="0" eaLnBrk="1" latinLnBrk="0" hangingPunct="1">
+              <a:lnSpc>
+                <a:spcPct val="90000"/>
+              </a:lnSpc>
+              <a:spcBef>
+                <a:spcPts val="500"/>
+              </a:spcBef>
+              <a:buFont typeface="Arial" panose="020B0604020202020204" pitchFamily="34" charset="0"/>
+              <a:buChar char="•"/>
+              <a:defRPr sz="1800" kern="1200">
+                <a:solidFill>
+                  <a:schemeClr val="tx1"/>
+                </a:solidFill>
+                <a:latin typeface="+mn-lt"/>
+                <a:ea typeface="+mn-ea"/>
+                <a:cs typeface="+mn-cs"/>
+              </a:defRPr>
+            </a:lvl9pPr>
+          </a:lstStyle>
+          <a:p>
+            <a:pPr marL="0" indent="0">
+              <a:buNone/>
+            </a:pPr>
+            <a:r>
+              <a:rPr lang="en-US" sz="1900" dirty="0">
+                <a:solidFill>
+                  <a:srgbClr val="023047"/>
+                </a:solidFill>
               </a:rPr>
-              <a:t>Allows for multiple different users to interact with a proactive Assistant that uses multimodal (visual + voice) inputs to respond</a:t>
-            </a:r>
+              <a:t>Contacts:</a:t>
+            </a:r>
+          </a:p>
+          <a:p>
+            <a:pPr marL="0" indent="0">
+              <a:buNone/>
+            </a:pPr>
+            <a:r>
+              <a:rPr lang="en-US" sz="1900" dirty="0">
+                <a:solidFill>
+                  <a:srgbClr val="023047"/>
+                </a:solidFill>
+              </a:rPr>
+              <a:t>@ </a:t>
+            </a:r>
+            <a:r>
+              <a:rPr lang="en-US" sz="1900" dirty="0">
+                <a:solidFill>
+                  <a:srgbClr val="023047"/>
+                </a:solidFill>
+                <a:hlinkClick r:id="rId3"/>
+              </a:rPr>
+              <a:t>Giulio Attenni</a:t>
+            </a:r>
+            <a:endParaRPr lang="en-US" sz="1900" dirty="0">
+              <a:solidFill>
+                <a:srgbClr val="023047"/>
+              </a:solidFill>
+            </a:endParaRPr>
+          </a:p>
+          <a:p>
+            <a:pPr marL="0" indent="0">
+              <a:buNone/>
+            </a:pPr>
+            <a:r>
+              <a:rPr lang="en-US" sz="1900" dirty="0">
+                <a:solidFill>
+                  <a:srgbClr val="023047"/>
+                </a:solidFill>
+              </a:rPr>
+              <a:t>@ </a:t>
+            </a:r>
+            <a:r>
+              <a:rPr lang="en-US" sz="1900" dirty="0">
+                <a:solidFill>
+                  <a:srgbClr val="023047"/>
+                </a:solidFill>
+                <a:hlinkClick r:id="rId4"/>
+              </a:rPr>
+              <a:t>Gabriel Radu </a:t>
+            </a:r>
+            <a:r>
+              <a:rPr lang="en-US" sz="1900" dirty="0" err="1">
+                <a:solidFill>
+                  <a:srgbClr val="023047"/>
+                </a:solidFill>
+                <a:hlinkClick r:id="rId4"/>
+              </a:rPr>
+              <a:t>Taranciuc</a:t>
+            </a:r>
+            <a:endParaRPr lang="en-US" sz="1900" dirty="0">
+              <a:solidFill>
+                <a:srgbClr val="023047"/>
+              </a:solidFill>
+            </a:endParaRPr>
+          </a:p>
+          <a:p>
+            <a:pPr marL="0" indent="0">
+              <a:buNone/>
+            </a:pPr>
+            <a:endParaRPr lang="en-US" sz="1900" dirty="0">
+              <a:solidFill>
+                <a:srgbClr val="023047"/>
+              </a:solidFill>
+            </a:endParaRPr>
+          </a:p>
+          <a:p>
+            <a:pPr>
+              <a:buBlip>
+                <a:blip r:embed="rId5"/>
+              </a:buBlip>
+            </a:pPr>
+            <a:endParaRPr lang="en-US" sz="3600" dirty="0">
+              <a:solidFill>
+                <a:srgbClr val="023047"/>
+              </a:solidFill>
+            </a:endParaRPr>
+          </a:p>
+          <a:p>
+            <a:pPr>
+              <a:buBlip>
+                <a:blip r:embed="rId5"/>
+              </a:buBlip>
+            </a:pPr>
+            <a:r>
+              <a:rPr lang="en-US" sz="3600" dirty="0">
+                <a:solidFill>
+                  <a:srgbClr val="023047"/>
+                </a:solidFill>
+              </a:rPr>
+              <a:t> </a:t>
+            </a:r>
+            <a:r>
+              <a:rPr lang="en-US" sz="1900" dirty="0">
+                <a:solidFill>
+                  <a:srgbClr val="023047"/>
+                </a:solidFill>
+                <a:hlinkClick r:id="rId6"/>
+              </a:rPr>
+              <a:t>Code repository</a:t>
+            </a:r>
+            <a:endParaRPr lang="en-US" sz="1900" dirty="0">
+              <a:solidFill>
+                <a:srgbClr val="023047"/>
+              </a:solidFill>
+            </a:endParaRPr>
           </a:p>
         </p:txBody>
       </p:sp>
+    </p:spTree>
+    <p:extLst>
+      <p:ext uri="{BB962C8B-B14F-4D97-AF65-F5344CB8AC3E}">
+        <p14:creationId xmlns:p14="http://schemas.microsoft.com/office/powerpoint/2010/main" val="2220446742"/>
+      </p:ext>
+    </p:extLst>
+  </p:cSld>
+  <p:clrMapOvr>
+    <a:masterClrMapping/>
+  </p:clrMapOvr>
+</p:sld>
+</file>
+
+<file path=ppt/slides/slide2.xml><?xml version="1.0" encoding="utf-8"?>
+<p:sld xmlns:a="http://schemas.openxmlformats.org/drawingml/2006/main" xmlns:r="http://schemas.openxmlformats.org/officeDocument/2006/relationships" xmlns:p="http://schemas.openxmlformats.org/presentationml/2006/main">
+  <p:cSld>
+    <p:bg>
+      <p:bgPr>
+        <a:solidFill>
+          <a:srgbClr val="023047"/>
+        </a:solidFill>
+        <a:effectLst/>
+      </p:bgPr>
+    </p:bg>
+    <p:spTree>
+      <p:nvGrpSpPr>
+        <p:cNvPr id="1" name=""/>
+        <p:cNvGrpSpPr/>
+        <p:nvPr/>
+      </p:nvGrpSpPr>
+      <p:grpSpPr>
+        <a:xfrm>
+          <a:off x="0" y="0"/>
+          <a:ext cx="0" cy="0"/>
+          <a:chOff x="0" y="0"/>
+          <a:chExt cx="0" cy="0"/>
+        </a:xfrm>
+      </p:grpSpPr>
+      <p:sp useBgFill="1">
+        <p:nvSpPr>
+          <p:cNvPr id="44" name="Rectangle 43">
+            <a:extLst>
+              <a:ext uri="{FF2B5EF4-FFF2-40B4-BE49-F238E27FC236}">
+                <a16:creationId xmlns:a16="http://schemas.microsoft.com/office/drawing/2014/main" id="{8E2CC403-21CD-41DF-BAC4-329D7FF03C5C}"/>
+              </a:ext>
+              <a:ext uri="{C183D7F6-B498-43B3-948B-1728B52AA6E4}">
+                <adec:decorative xmlns:adec="http://schemas.microsoft.com/office/drawing/2017/decorative" val="1"/>
+              </a:ext>
+            </a:extLst>
+          </p:cNvPr>
+          <p:cNvSpPr>
+            <a:spLocks noGrp="1" noRot="1" noChangeAspect="1" noMove="1" noResize="1" noEditPoints="1" noAdjustHandles="1" noChangeArrowheads="1" noChangeShapeType="1" noTextEdit="1"/>
+          </p:cNvSpPr>
+          <p:nvPr>
+            <p:extLst>
+              <p:ext uri="{386F3935-93C4-4BCD-93E2-E3B085C9AB24}">
+                <p16:designElem xmlns:p16="http://schemas.microsoft.com/office/powerpoint/2015/main" val="1"/>
+              </p:ext>
+            </p:extLst>
+          </p:nvPr>
+        </p:nvSpPr>
+        <p:spPr>
+          <a:xfrm>
+            <a:off x="0" y="0"/>
+            <a:ext cx="12191999" cy="6857365"/>
+          </a:xfrm>
+          <a:prstGeom prst="rect">
+            <a:avLst/>
+          </a:prstGeom>
+          <a:ln>
+            <a:noFill/>
+          </a:ln>
+        </p:spPr>
+        <p:style>
+          <a:lnRef idx="2">
+            <a:schemeClr val="accent1">
+              <a:shade val="50000"/>
+            </a:schemeClr>
+          </a:lnRef>
+          <a:fillRef idx="1">
+            <a:schemeClr val="accent1"/>
+          </a:fillRef>
+          <a:effectRef idx="0">
+            <a:schemeClr val="accent1"/>
+          </a:effectRef>
+          <a:fontRef idx="minor">
+            <a:schemeClr val="lt1"/>
+          </a:fontRef>
+        </p:style>
+        <p:txBody>
+          <a:bodyPr rtlCol="0" anchor="ctr"/>
+          <a:lstStyle/>
+          <a:p>
+            <a:pPr algn="ctr"/>
+            <a:endParaRPr lang="en-US"/>
+          </a:p>
+        </p:txBody>
+      </p:sp>
+      <p:sp>
+        <p:nvSpPr>
+          <p:cNvPr id="4" name="Title 3">
+            <a:extLst>
+              <a:ext uri="{FF2B5EF4-FFF2-40B4-BE49-F238E27FC236}">
+                <a16:creationId xmlns:a16="http://schemas.microsoft.com/office/drawing/2014/main" id="{B9C24E2D-FCB3-4D60-AF61-21D28BCD71EF}"/>
+              </a:ext>
+            </a:extLst>
+          </p:cNvPr>
+          <p:cNvSpPr>
+            <a:spLocks noGrp="1"/>
+          </p:cNvSpPr>
+          <p:nvPr>
+            <p:ph type="title"/>
+          </p:nvPr>
+        </p:nvSpPr>
+        <p:spPr>
+          <a:xfrm>
+            <a:off x="861254" y="1134389"/>
+            <a:ext cx="6587331" cy="4713316"/>
+          </a:xfrm>
+        </p:spPr>
+        <p:txBody>
+          <a:bodyPr vert="horz" lIns="91440" tIns="45720" rIns="91440" bIns="45720" rtlCol="0" anchor="ctr">
+            <a:normAutofit fontScale="90000"/>
+          </a:bodyPr>
+          <a:lstStyle/>
+          <a:p>
+            <a:r>
+              <a:rPr lang="en-US" kern="1200" dirty="0">
+                <a:solidFill>
+                  <a:srgbClr val="FFC000"/>
+                </a:solidFill>
+                <a:latin typeface="+mj-lt"/>
+                <a:ea typeface="+mj-ea"/>
+                <a:cs typeface="+mj-cs"/>
+              </a:rPr>
+              <a:t>A conceptual proactive Home Assistant that can distinguish </a:t>
+            </a:r>
+            <a:r>
+              <a:rPr lang="en-US" dirty="0">
+                <a:solidFill>
+                  <a:srgbClr val="FFC000"/>
+                </a:solidFill>
+              </a:rPr>
+              <a:t>people living in the same house</a:t>
+            </a:r>
+            <a:endParaRPr lang="en-US" kern="1200" dirty="0">
+              <a:solidFill>
+                <a:srgbClr val="FFC000"/>
+              </a:solidFill>
+              <a:latin typeface="+mj-lt"/>
+              <a:ea typeface="+mj-ea"/>
+              <a:cs typeface="+mj-cs"/>
+            </a:endParaRPr>
+          </a:p>
+        </p:txBody>
+      </p:sp>
+      <p:grpSp>
+        <p:nvGrpSpPr>
+          <p:cNvPr id="46" name="Group 45">
+            <a:extLst>
+              <a:ext uri="{FF2B5EF4-FFF2-40B4-BE49-F238E27FC236}">
+                <a16:creationId xmlns:a16="http://schemas.microsoft.com/office/drawing/2014/main" id="{B13AA5FE-3FFC-4725-9ADD-E428544EC61B}"/>
+              </a:ext>
+              <a:ext uri="{C183D7F6-B498-43B3-948B-1728B52AA6E4}">
+                <adec:decorative xmlns:adec="http://schemas.microsoft.com/office/drawing/2017/decorative" val="1"/>
+              </a:ext>
+            </a:extLst>
+          </p:cNvPr>
+          <p:cNvGrpSpPr>
+            <a:grpSpLocks noGrp="1" noUngrp="1" noRot="1" noChangeAspect="1" noMove="1" noResize="1"/>
+          </p:cNvGrpSpPr>
+          <p:nvPr>
+            <p:extLst>
+              <p:ext uri="{386F3935-93C4-4BCD-93E2-E3B085C9AB24}">
+                <p16:designElem xmlns:p16="http://schemas.microsoft.com/office/powerpoint/2015/main" val="1"/>
+              </p:ext>
+            </p:extLst>
+          </p:nvPr>
+        </p:nvGrpSpPr>
+        <p:grpSpPr>
+          <a:xfrm>
+            <a:off x="0" y="3154317"/>
+            <a:ext cx="731521" cy="673460"/>
+            <a:chOff x="3940602" y="308034"/>
+            <a:chExt cx="2116791" cy="3428999"/>
+          </a:xfrm>
+          <a:solidFill>
+            <a:schemeClr val="accent4"/>
+          </a:solidFill>
+        </p:grpSpPr>
+        <p:sp>
+          <p:nvSpPr>
+            <p:cNvPr id="47" name="Rectangle 46">
+              <a:extLst>
+                <a:ext uri="{FF2B5EF4-FFF2-40B4-BE49-F238E27FC236}">
+                  <a16:creationId xmlns:a16="http://schemas.microsoft.com/office/drawing/2014/main" id="{4FA70700-3F72-44D4-8175-FEB2B9B2332B}"/>
+                </a:ext>
+                <a:ext uri="{C183D7F6-B498-43B3-948B-1728B52AA6E4}">
+                  <adec:decorative xmlns:adec="http://schemas.microsoft.com/office/drawing/2017/decorative" val="1"/>
+                </a:ext>
+              </a:extLst>
+            </p:cNvPr>
+            <p:cNvSpPr/>
+            <p:nvPr>
+              <p:extLst>
+                <p:ext uri="{386F3935-93C4-4BCD-93E2-E3B085C9AB24}">
+                  <p16:designElem xmlns:p16="http://schemas.microsoft.com/office/powerpoint/2015/main" val="1"/>
+                </p:ext>
+              </p:extLst>
+            </p:nvPr>
+          </p:nvSpPr>
+          <p:spPr>
+            <a:xfrm>
+              <a:off x="3940602" y="308034"/>
+              <a:ext cx="566743" cy="3428999"/>
+            </a:xfrm>
+            <a:prstGeom prst="rect">
+              <a:avLst/>
+            </a:prstGeom>
+            <a:grpFill/>
+            <a:ln>
+              <a:noFill/>
+            </a:ln>
+          </p:spPr>
+          <p:style>
+            <a:lnRef idx="2">
+              <a:schemeClr val="accent1">
+                <a:shade val="50000"/>
+              </a:schemeClr>
+            </a:lnRef>
+            <a:fillRef idx="1">
+              <a:schemeClr val="accent1"/>
+            </a:fillRef>
+            <a:effectRef idx="0">
+              <a:schemeClr val="accent1"/>
+            </a:effectRef>
+            <a:fontRef idx="minor">
+              <a:schemeClr val="lt1"/>
+            </a:fontRef>
+          </p:style>
+          <p:txBody>
+            <a:bodyPr rtlCol="0" anchor="ctr"/>
+            <a:lstStyle/>
+            <a:p>
+              <a:pPr algn="ctr"/>
+              <a:endParaRPr lang="en-US"/>
+            </a:p>
+          </p:txBody>
+        </p:sp>
+        <p:sp>
+          <p:nvSpPr>
+            <p:cNvPr id="48" name="Rectangle 47">
+              <a:extLst>
+                <a:ext uri="{FF2B5EF4-FFF2-40B4-BE49-F238E27FC236}">
+                  <a16:creationId xmlns:a16="http://schemas.microsoft.com/office/drawing/2014/main" id="{7093C0F6-5741-4C9D-90FF-A25824BFC579}"/>
+                </a:ext>
+                <a:ext uri="{C183D7F6-B498-43B3-948B-1728B52AA6E4}">
+                  <adec:decorative xmlns:adec="http://schemas.microsoft.com/office/drawing/2017/decorative" val="1"/>
+                </a:ext>
+              </a:extLst>
+            </p:cNvPr>
+            <p:cNvSpPr/>
+            <p:nvPr>
+              <p:extLst>
+                <p:ext uri="{386F3935-93C4-4BCD-93E2-E3B085C9AB24}">
+                  <p16:designElem xmlns:p16="http://schemas.microsoft.com/office/powerpoint/2015/main" val="1"/>
+                </p:ext>
+              </p:extLst>
+            </p:nvPr>
+          </p:nvSpPr>
+          <p:spPr>
+            <a:xfrm>
+              <a:off x="4715626" y="308034"/>
+              <a:ext cx="566743" cy="3428999"/>
+            </a:xfrm>
+            <a:prstGeom prst="rect">
+              <a:avLst/>
+            </a:prstGeom>
+            <a:grpFill/>
+            <a:ln>
+              <a:noFill/>
+            </a:ln>
+          </p:spPr>
+          <p:style>
+            <a:lnRef idx="2">
+              <a:schemeClr val="accent1">
+                <a:shade val="50000"/>
+              </a:schemeClr>
+            </a:lnRef>
+            <a:fillRef idx="1">
+              <a:schemeClr val="accent1"/>
+            </a:fillRef>
+            <a:effectRef idx="0">
+              <a:schemeClr val="accent1"/>
+            </a:effectRef>
+            <a:fontRef idx="minor">
+              <a:schemeClr val="lt1"/>
+            </a:fontRef>
+          </p:style>
+          <p:txBody>
+            <a:bodyPr rtlCol="0" anchor="ctr"/>
+            <a:lstStyle/>
+            <a:p>
+              <a:pPr algn="ctr"/>
+              <a:endParaRPr lang="en-US"/>
+            </a:p>
+          </p:txBody>
+        </p:sp>
+        <p:sp>
+          <p:nvSpPr>
+            <p:cNvPr id="49" name="Rectangle 48">
+              <a:extLst>
+                <a:ext uri="{FF2B5EF4-FFF2-40B4-BE49-F238E27FC236}">
+                  <a16:creationId xmlns:a16="http://schemas.microsoft.com/office/drawing/2014/main" id="{921B2E1B-E962-432C-ADA1-2934CE3C5498}"/>
+                </a:ext>
+                <a:ext uri="{C183D7F6-B498-43B3-948B-1728B52AA6E4}">
+                  <adec:decorative xmlns:adec="http://schemas.microsoft.com/office/drawing/2017/decorative" val="1"/>
+                </a:ext>
+              </a:extLst>
+            </p:cNvPr>
+            <p:cNvSpPr/>
+            <p:nvPr>
+              <p:extLst>
+                <p:ext uri="{386F3935-93C4-4BCD-93E2-E3B085C9AB24}">
+                  <p16:designElem xmlns:p16="http://schemas.microsoft.com/office/powerpoint/2015/main" val="1"/>
+                </p:ext>
+              </p:extLst>
+            </p:nvPr>
+          </p:nvSpPr>
+          <p:spPr>
+            <a:xfrm>
+              <a:off x="5490650" y="308034"/>
+              <a:ext cx="566743" cy="3428999"/>
+            </a:xfrm>
+            <a:prstGeom prst="rect">
+              <a:avLst/>
+            </a:prstGeom>
+            <a:grpFill/>
+            <a:ln>
+              <a:noFill/>
+            </a:ln>
+          </p:spPr>
+          <p:style>
+            <a:lnRef idx="2">
+              <a:schemeClr val="accent1">
+                <a:shade val="50000"/>
+              </a:schemeClr>
+            </a:lnRef>
+            <a:fillRef idx="1">
+              <a:schemeClr val="accent1"/>
+            </a:fillRef>
+            <a:effectRef idx="0">
+              <a:schemeClr val="accent1"/>
+            </a:effectRef>
+            <a:fontRef idx="minor">
+              <a:schemeClr val="lt1"/>
+            </a:fontRef>
+          </p:style>
+          <p:txBody>
+            <a:bodyPr rtlCol="0" anchor="ctr"/>
+            <a:lstStyle/>
+            <a:p>
+              <a:pPr algn="ctr"/>
+              <a:endParaRPr lang="en-US"/>
+            </a:p>
+          </p:txBody>
+        </p:sp>
+      </p:grpSp>
+      <p:sp>
+        <p:nvSpPr>
+          <p:cNvPr id="51" name="Rectangle 50">
+            <a:extLst>
+              <a:ext uri="{FF2B5EF4-FFF2-40B4-BE49-F238E27FC236}">
+                <a16:creationId xmlns:a16="http://schemas.microsoft.com/office/drawing/2014/main" id="{7653717E-6F8C-43E0-9893-C03AE87D18D6}"/>
+              </a:ext>
+              <a:ext uri="{C183D7F6-B498-43B3-948B-1728B52AA6E4}">
+                <adec:decorative xmlns:adec="http://schemas.microsoft.com/office/drawing/2017/decorative" val="1"/>
+              </a:ext>
+            </a:extLst>
+          </p:cNvPr>
+          <p:cNvSpPr>
+            <a:spLocks noGrp="1" noRot="1" noChangeAspect="1" noMove="1" noResize="1" noEditPoints="1" noAdjustHandles="1" noChangeArrowheads="1" noChangeShapeType="1" noTextEdit="1"/>
+          </p:cNvSpPr>
+          <p:nvPr>
+            <p:extLst>
+              <p:ext uri="{386F3935-93C4-4BCD-93E2-E3B085C9AB24}">
+                <p16:designElem xmlns:p16="http://schemas.microsoft.com/office/powerpoint/2015/main" val="1"/>
+              </p:ext>
+            </p:extLst>
+          </p:nvPr>
+        </p:nvSpPr>
+        <p:spPr>
+          <a:xfrm flipH="1">
+            <a:off x="10697670" y="0"/>
+            <a:ext cx="1494330" cy="6858000"/>
+          </a:xfrm>
+          <a:prstGeom prst="rect">
+            <a:avLst/>
+          </a:prstGeom>
+          <a:solidFill>
+            <a:schemeClr val="accent4"/>
+          </a:solidFill>
+          <a:ln>
+            <a:noFill/>
+          </a:ln>
+        </p:spPr>
+        <p:style>
+          <a:lnRef idx="2">
+            <a:schemeClr val="accent1">
+              <a:shade val="50000"/>
+            </a:schemeClr>
+          </a:lnRef>
+          <a:fillRef idx="1">
+            <a:schemeClr val="accent1"/>
+          </a:fillRef>
+          <a:effectRef idx="0">
+            <a:schemeClr val="accent1"/>
+          </a:effectRef>
+          <a:fontRef idx="minor">
+            <a:schemeClr val="lt1"/>
+          </a:fontRef>
+        </p:style>
+        <p:txBody>
+          <a:bodyPr rtlCol="0" anchor="ctr"/>
+          <a:lstStyle/>
+          <a:p>
+            <a:pPr algn="ctr"/>
+            <a:endParaRPr lang="en-US"/>
+          </a:p>
+        </p:txBody>
+      </p:sp>
+      <p:sp>
+        <p:nvSpPr>
+          <p:cNvPr id="53" name="Rectangle 52">
+            <a:extLst>
+              <a:ext uri="{FF2B5EF4-FFF2-40B4-BE49-F238E27FC236}">
+                <a16:creationId xmlns:a16="http://schemas.microsoft.com/office/drawing/2014/main" id="{35BB14B4-EC3F-47C7-9AF3-B0E017B75C42}"/>
+              </a:ext>
+              <a:ext uri="{C183D7F6-B498-43B3-948B-1728B52AA6E4}">
+                <adec:decorative xmlns:adec="http://schemas.microsoft.com/office/drawing/2017/decorative" val="1"/>
+              </a:ext>
+            </a:extLst>
+          </p:cNvPr>
+          <p:cNvSpPr>
+            <a:spLocks noGrp="1" noRot="1" noChangeAspect="1" noMove="1" noResize="1" noEditPoints="1" noAdjustHandles="1" noChangeArrowheads="1" noChangeShapeType="1" noTextEdit="1"/>
+          </p:cNvSpPr>
+          <p:nvPr>
+            <p:extLst>
+              <p:ext uri="{386F3935-93C4-4BCD-93E2-E3B085C9AB24}">
+                <p16:designElem xmlns:p16="http://schemas.microsoft.com/office/powerpoint/2015/main" val="1"/>
+              </p:ext>
+            </p:extLst>
+          </p:nvPr>
+        </p:nvSpPr>
+        <p:spPr>
+          <a:xfrm>
+            <a:off x="7666160" y="391886"/>
+            <a:ext cx="4029016" cy="6017078"/>
+          </a:xfrm>
+          <a:prstGeom prst="rect">
+            <a:avLst/>
+          </a:prstGeom>
+          <a:solidFill>
+            <a:schemeClr val="bg1"/>
+          </a:solidFill>
+          <a:ln>
+            <a:noFill/>
+          </a:ln>
+          <a:effectLst>
+            <a:outerShdw blurRad="139700" dist="127000" dir="5400000" algn="t" rotWithShape="0">
+              <a:prstClr val="black">
+                <a:alpha val="15000"/>
+              </a:prstClr>
+            </a:outerShdw>
+          </a:effectLst>
+        </p:spPr>
+        <p:style>
+          <a:lnRef idx="2">
+            <a:schemeClr val="accent1">
+              <a:shade val="50000"/>
+            </a:schemeClr>
+          </a:lnRef>
+          <a:fillRef idx="1">
+            <a:schemeClr val="accent1"/>
+          </a:fillRef>
+          <a:effectRef idx="0">
+            <a:schemeClr val="accent1"/>
+          </a:effectRef>
+          <a:fontRef idx="minor">
+            <a:schemeClr val="lt1"/>
+          </a:fontRef>
+        </p:style>
+        <p:txBody>
+          <a:bodyPr rtlCol="0" anchor="ctr"/>
+          <a:lstStyle/>
+          <a:p>
+            <a:pPr algn="ctr"/>
+            <a:endParaRPr lang="en-US"/>
+          </a:p>
+        </p:txBody>
+      </p:sp>
+      <p:pic>
+        <p:nvPicPr>
+          <p:cNvPr id="3" name="Graphic 2" descr="Home outline">
+            <a:extLst>
+              <a:ext uri="{FF2B5EF4-FFF2-40B4-BE49-F238E27FC236}">
+                <a16:creationId xmlns:a16="http://schemas.microsoft.com/office/drawing/2014/main" id="{8DEF08AB-D3FF-458D-A567-EA27C2E6FA87}"/>
+              </a:ext>
+            </a:extLst>
+          </p:cNvPr>
+          <p:cNvPicPr>
+            <a:picLocks noChangeAspect="1"/>
+          </p:cNvPicPr>
+          <p:nvPr/>
+        </p:nvPicPr>
+        <p:blipFill>
+          <a:blip r:embed="rId2">
+            <a:extLst>
+              <a:ext uri="{28A0092B-C50C-407E-A947-70E740481C1C}">
+                <a14:useLocalDpi xmlns:a14="http://schemas.microsoft.com/office/drawing/2010/main" val="0"/>
+              </a:ext>
+              <a:ext uri="{96DAC541-7B7A-43D3-8B79-37D633B846F1}">
+                <asvg:svgBlip xmlns:asvg="http://schemas.microsoft.com/office/drawing/2016/SVG/main" r:embed="rId3"/>
+              </a:ext>
+            </a:extLst>
+          </a:blip>
+          <a:stretch>
+            <a:fillRect/>
+          </a:stretch>
+        </p:blipFill>
+        <p:spPr>
+          <a:xfrm>
+            <a:off x="7564072" y="1037721"/>
+            <a:ext cx="4233192" cy="4233192"/>
+          </a:xfrm>
+          <a:prstGeom prst="rect">
+            <a:avLst/>
+          </a:prstGeom>
+        </p:spPr>
+      </p:pic>
+      <p:pic>
+        <p:nvPicPr>
+          <p:cNvPr id="9" name="Graphic 8" descr="Person in wheelchair with solid fill">
+            <a:extLst>
+              <a:ext uri="{FF2B5EF4-FFF2-40B4-BE49-F238E27FC236}">
+                <a16:creationId xmlns:a16="http://schemas.microsoft.com/office/drawing/2014/main" id="{B290D23C-E6EB-485F-88CD-0AE72D32A5EF}"/>
+              </a:ext>
+            </a:extLst>
+          </p:cNvPr>
+          <p:cNvPicPr>
+            <a:picLocks noChangeAspect="1"/>
+          </p:cNvPicPr>
+          <p:nvPr/>
+        </p:nvPicPr>
+        <p:blipFill>
+          <a:blip r:embed="rId4">
+            <a:extLst>
+              <a:ext uri="{28A0092B-C50C-407E-A947-70E740481C1C}">
+                <a14:useLocalDpi xmlns:a14="http://schemas.microsoft.com/office/drawing/2010/main" val="0"/>
+              </a:ext>
+              <a:ext uri="{96DAC541-7B7A-43D3-8B79-37D633B846F1}">
+                <asvg:svgBlip xmlns:asvg="http://schemas.microsoft.com/office/drawing/2016/SVG/main" r:embed="rId5"/>
+              </a:ext>
+            </a:extLst>
+          </a:blip>
+          <a:stretch>
+            <a:fillRect/>
+          </a:stretch>
+        </p:blipFill>
+        <p:spPr>
+          <a:xfrm>
+            <a:off x="10142425" y="4198000"/>
+            <a:ext cx="500795" cy="500795"/>
+          </a:xfrm>
+          <a:prstGeom prst="rect">
+            <a:avLst/>
+          </a:prstGeom>
+        </p:spPr>
+      </p:pic>
+      <p:pic>
+        <p:nvPicPr>
+          <p:cNvPr id="11" name="Graphic 10" descr="Man with cane with solid fill">
+            <a:extLst>
+              <a:ext uri="{FF2B5EF4-FFF2-40B4-BE49-F238E27FC236}">
+                <a16:creationId xmlns:a16="http://schemas.microsoft.com/office/drawing/2014/main" id="{7D24735F-53DB-46BE-AF0A-34AA0422033C}"/>
+              </a:ext>
+            </a:extLst>
+          </p:cNvPr>
+          <p:cNvPicPr>
+            <a:picLocks noChangeAspect="1"/>
+          </p:cNvPicPr>
+          <p:nvPr/>
+        </p:nvPicPr>
+        <p:blipFill>
+          <a:blip r:embed="rId6">
+            <a:extLst>
+              <a:ext uri="{28A0092B-C50C-407E-A947-70E740481C1C}">
+                <a14:useLocalDpi xmlns:a14="http://schemas.microsoft.com/office/drawing/2010/main" val="0"/>
+              </a:ext>
+              <a:ext uri="{96DAC541-7B7A-43D3-8B79-37D633B846F1}">
+                <asvg:svgBlip xmlns:asvg="http://schemas.microsoft.com/office/drawing/2016/SVG/main" r:embed="rId7"/>
+              </a:ext>
+            </a:extLst>
+          </a:blip>
+          <a:stretch>
+            <a:fillRect/>
+          </a:stretch>
+        </p:blipFill>
+        <p:spPr>
+          <a:xfrm>
+            <a:off x="8379058" y="4179450"/>
+            <a:ext cx="537897" cy="537897"/>
+          </a:xfrm>
+          <a:prstGeom prst="rect">
+            <a:avLst/>
+          </a:prstGeom>
+        </p:spPr>
+      </p:pic>
+      <p:pic>
+        <p:nvPicPr>
+          <p:cNvPr id="13" name="Graphic 12" descr="Walk with solid fill">
+            <a:extLst>
+              <a:ext uri="{FF2B5EF4-FFF2-40B4-BE49-F238E27FC236}">
+                <a16:creationId xmlns:a16="http://schemas.microsoft.com/office/drawing/2014/main" id="{BC502379-F7E6-43E7-B8BB-48527CB9EC8D}"/>
+              </a:ext>
+            </a:extLst>
+          </p:cNvPr>
+          <p:cNvPicPr>
+            <a:picLocks noChangeAspect="1"/>
+          </p:cNvPicPr>
+          <p:nvPr/>
+        </p:nvPicPr>
+        <p:blipFill>
+          <a:blip r:embed="rId8">
+            <a:extLst>
+              <a:ext uri="{28A0092B-C50C-407E-A947-70E740481C1C}">
+                <a14:useLocalDpi xmlns:a14="http://schemas.microsoft.com/office/drawing/2010/main" val="0"/>
+              </a:ext>
+              <a:ext uri="{96DAC541-7B7A-43D3-8B79-37D633B846F1}">
+                <asvg:svgBlip xmlns:asvg="http://schemas.microsoft.com/office/drawing/2016/SVG/main" r:embed="rId9"/>
+              </a:ext>
+            </a:extLst>
+          </a:blip>
+          <a:stretch>
+            <a:fillRect/>
+          </a:stretch>
+        </p:blipFill>
+        <p:spPr>
+          <a:xfrm>
+            <a:off x="9334397" y="4448398"/>
+            <a:ext cx="692541" cy="692541"/>
+          </a:xfrm>
+          <a:prstGeom prst="rect">
+            <a:avLst/>
+          </a:prstGeom>
+        </p:spPr>
+      </p:pic>
+      <p:pic>
+        <p:nvPicPr>
+          <p:cNvPr id="15" name="Graphic 14" descr="Woman with solid fill">
+            <a:extLst>
+              <a:ext uri="{FF2B5EF4-FFF2-40B4-BE49-F238E27FC236}">
+                <a16:creationId xmlns:a16="http://schemas.microsoft.com/office/drawing/2014/main" id="{9721BF80-7CEF-41D1-B2F4-AA6F9E386A14}"/>
+              </a:ext>
+            </a:extLst>
+          </p:cNvPr>
+          <p:cNvPicPr>
+            <a:picLocks noChangeAspect="1"/>
+          </p:cNvPicPr>
+          <p:nvPr/>
+        </p:nvPicPr>
+        <p:blipFill>
+          <a:blip r:embed="rId10">
+            <a:extLst>
+              <a:ext uri="{28A0092B-C50C-407E-A947-70E740481C1C}">
+                <a14:useLocalDpi xmlns:a14="http://schemas.microsoft.com/office/drawing/2010/main" val="0"/>
+              </a:ext>
+              <a:ext uri="{96DAC541-7B7A-43D3-8B79-37D633B846F1}">
+                <asvg:svgBlip xmlns:asvg="http://schemas.microsoft.com/office/drawing/2016/SVG/main" r:embed="rId11"/>
+              </a:ext>
+            </a:extLst>
+          </a:blip>
+          <a:stretch>
+            <a:fillRect/>
+          </a:stretch>
+        </p:blipFill>
+        <p:spPr>
+          <a:xfrm>
+            <a:off x="8878541" y="4187284"/>
+            <a:ext cx="537897" cy="537897"/>
+          </a:xfrm>
+          <a:prstGeom prst="rect">
+            <a:avLst/>
+          </a:prstGeom>
+        </p:spPr>
+      </p:pic>
+      <p:pic>
+        <p:nvPicPr>
+          <p:cNvPr id="17" name="Graphic 16" descr="Laptop with solid fill">
+            <a:extLst>
+              <a:ext uri="{FF2B5EF4-FFF2-40B4-BE49-F238E27FC236}">
+                <a16:creationId xmlns:a16="http://schemas.microsoft.com/office/drawing/2014/main" id="{5ABBFDBA-F177-4171-A2B9-34EF51D01B3C}"/>
+              </a:ext>
+            </a:extLst>
+          </p:cNvPr>
+          <p:cNvPicPr>
+            <a:picLocks noChangeAspect="1"/>
+          </p:cNvPicPr>
+          <p:nvPr/>
+        </p:nvPicPr>
+        <p:blipFill>
+          <a:blip r:embed="rId12">
+            <a:extLst>
+              <a:ext uri="{28A0092B-C50C-407E-A947-70E740481C1C}">
+                <a14:useLocalDpi xmlns:a14="http://schemas.microsoft.com/office/drawing/2010/main" val="0"/>
+              </a:ext>
+              <a:ext uri="{96DAC541-7B7A-43D3-8B79-37D633B846F1}">
+                <asvg:svgBlip xmlns:asvg="http://schemas.microsoft.com/office/drawing/2016/SVG/main" r:embed="rId13"/>
+              </a:ext>
+            </a:extLst>
+          </a:blip>
+          <a:stretch>
+            <a:fillRect/>
+          </a:stretch>
+        </p:blipFill>
+        <p:spPr>
+          <a:xfrm>
+            <a:off x="9217283" y="2576647"/>
+            <a:ext cx="914400" cy="914400"/>
+          </a:xfrm>
+          <a:prstGeom prst="rect">
+            <a:avLst/>
+          </a:prstGeom>
+        </p:spPr>
+      </p:pic>
     </p:spTree>
     <p:extLst>
       <p:ext uri="{BB962C8B-B14F-4D97-AF65-F5344CB8AC3E}">
@@ -11575,7 +10793,7 @@
           <a:lstStyle/>
           <a:p>
             <a:r>
-              <a:rPr lang="en-US" sz="4800" b="1" dirty="0">
+              <a:rPr lang="en-US" sz="5400" dirty="0">
                 <a:solidFill>
                   <a:srgbClr val="023047"/>
                 </a:solidFill>
@@ -11614,40 +10832,66 @@
           <a:lstStyle/>
           <a:p>
             <a:r>
-              <a:rPr lang="en-US" sz="2400" dirty="0">
+              <a:rPr lang="en-US" dirty="0">
                 <a:solidFill>
                   <a:srgbClr val="FFC000"/>
                 </a:solidFill>
+                <a:cs typeface="Arial" panose="020B0604020202020204" pitchFamily="34" charset="0"/>
               </a:rPr>
               <a:t>Concepts</a:t>
             </a:r>
           </a:p>
           <a:p>
             <a:r>
-              <a:rPr lang="en-US" sz="2400" dirty="0">
+              <a:rPr lang="en-US" dirty="0">
                 <a:solidFill>
                   <a:srgbClr val="FFC000"/>
                 </a:solidFill>
+                <a:cs typeface="Arial" panose="020B0604020202020204" pitchFamily="34" charset="0"/>
               </a:rPr>
               <a:t>Architecture</a:t>
             </a:r>
           </a:p>
           <a:p>
             <a:r>
-              <a:rPr lang="en-US" sz="2400" dirty="0">
+              <a:rPr lang="en-US" dirty="0">
                 <a:solidFill>
                   <a:srgbClr val="FFC000"/>
                 </a:solidFill>
+                <a:cs typeface="Arial" panose="020B0604020202020204" pitchFamily="34" charset="0"/>
               </a:rPr>
-              <a:t>Interactions </a:t>
-            </a:r>
-          </a:p>
-          <a:p>
-            <a:r>
-              <a:rPr lang="en-US" sz="2400" dirty="0">
+              <a:t>Technology</a:t>
+            </a:r>
+          </a:p>
+          <a:p>
+            <a:r>
+              <a:rPr lang="en-US" dirty="0">
                 <a:solidFill>
                   <a:srgbClr val="FFC000"/>
                 </a:solidFill>
+                <a:cs typeface="Arial" panose="020B0604020202020204" pitchFamily="34" charset="0"/>
+              </a:rPr>
+              <a:t>Interactions </a:t>
+            </a:r>
+          </a:p>
+          <a:p>
+            <a:r>
+              <a:rPr lang="en-US" dirty="0">
+                <a:solidFill>
+                  <a:srgbClr val="FFC000"/>
+                </a:solidFill>
+                <a:cs typeface="Arial" panose="020B0604020202020204" pitchFamily="34" charset="0"/>
+              </a:rPr>
+              <a:t>Demo</a:t>
+            </a:r>
+          </a:p>
+          <a:p>
+            <a:r>
+              <a:rPr lang="en-US" dirty="0">
+                <a:solidFill>
+                  <a:srgbClr val="FFC000"/>
+                </a:solidFill>
+                <a:cs typeface="Arial" panose="020B0604020202020204" pitchFamily="34" charset="0"/>
               </a:rPr>
               <a:t>Conclusions and future works</a:t>
             </a:r>
@@ -12167,7 +11411,7 @@
           <a:lstStyle/>
           <a:p>
             <a:r>
-              <a:rPr lang="en-US" sz="4800" b="1" dirty="0">
+              <a:rPr lang="en-US" sz="5400" dirty="0">
                 <a:solidFill>
                   <a:srgbClr val="FFC000"/>
                 </a:solidFill>
@@ -12210,6 +11454,7 @@
                 <a:solidFill>
                   <a:srgbClr val="023047"/>
                 </a:solidFill>
+                <a:cs typeface="Arial" panose="020B0604020202020204" pitchFamily="34" charset="0"/>
               </a:rPr>
               <a:t>Detect when a user enters the room using visual input</a:t>
             </a:r>
@@ -12220,6 +11465,7 @@
                 <a:solidFill>
                   <a:srgbClr val="023047"/>
                 </a:solidFill>
+                <a:cs typeface="Arial" panose="020B0604020202020204" pitchFamily="34" charset="0"/>
               </a:rPr>
               <a:t>If possible, recognize the user and initiate interaction</a:t>
             </a:r>
@@ -12230,6 +11476,7 @@
                 <a:solidFill>
                   <a:srgbClr val="023047"/>
                 </a:solidFill>
+                <a:cs typeface="Arial" panose="020B0604020202020204" pitchFamily="34" charset="0"/>
               </a:rPr>
               <a:t>Be able to learn to recognize new users and react to their presence in the future</a:t>
             </a:r>
@@ -12240,6 +11487,7 @@
                 <a:solidFill>
                   <a:srgbClr val="023047"/>
                 </a:solidFill>
+                <a:cs typeface="Arial" panose="020B0604020202020204" pitchFamily="34" charset="0"/>
               </a:rPr>
               <a:t>Let users interact with each other by leaving virtual “sticky notes” that the assistant can output through voice synthetization </a:t>
             </a:r>
@@ -12742,9 +11990,26 @@
               <a:buChar char="•"/>
             </a:pPr>
             <a:r>
-              <a:rPr lang="en-GB" b="0" i="0" dirty="0">
+              <a:rPr lang="en-GB" sz="2000" b="0" i="0" dirty="0">
+                <a:solidFill>
+                  <a:srgbClr val="023047"/>
+                </a:solidFill>
                 <a:effectLst/>
-                <a:latin typeface="Arial" panose="020B0604020202020204" pitchFamily="34" charset="0"/>
+              </a:rPr>
+              <a:t>Desktop Application</a:t>
+            </a:r>
+          </a:p>
+          <a:p>
+            <a:pPr marL="285750" indent="-285750">
+              <a:buFont typeface="Arial" panose="020B0604020202020204" pitchFamily="34" charset="0"/>
+              <a:buChar char="•"/>
+            </a:pPr>
+            <a:r>
+              <a:rPr lang="en-GB" sz="2000" b="0" i="0" dirty="0">
+                <a:solidFill>
+                  <a:srgbClr val="023047"/>
+                </a:solidFill>
+                <a:effectLst/>
               </a:rPr>
               <a:t>Input interface:</a:t>
             </a:r>
@@ -12755,14 +12020,18 @@
               <a:buChar char="•"/>
             </a:pPr>
             <a:r>
-              <a:rPr lang="en-GB" b="0" i="0" dirty="0">
+              <a:rPr lang="en-GB" sz="1800" b="0" i="0" dirty="0">
+                <a:solidFill>
+                  <a:srgbClr val="023047"/>
+                </a:solidFill>
                 <a:effectLst/>
-                <a:latin typeface="Arial" panose="020B0604020202020204" pitchFamily="34" charset="0"/>
               </a:rPr>
               <a:t>visual modality: text input from keyboard, face detection and recognition</a:t>
             </a:r>
-            <a:endParaRPr lang="en-GB" dirty="0">
-              <a:latin typeface="Arial" panose="020B0604020202020204" pitchFamily="34" charset="0"/>
+            <a:endParaRPr lang="en-GB" sz="1800" dirty="0">
+              <a:solidFill>
+                <a:srgbClr val="023047"/>
+              </a:solidFill>
             </a:endParaRPr>
           </a:p>
           <a:p>
@@ -12771,9 +12040,11 @@
               <a:buChar char="•"/>
             </a:pPr>
             <a:r>
-              <a:rPr lang="en-GB" b="0" i="0" dirty="0">
+              <a:rPr lang="en-GB" sz="1800" b="0" i="0" dirty="0">
+                <a:solidFill>
+                  <a:srgbClr val="023047"/>
+                </a:solidFill>
                 <a:effectLst/>
-                <a:latin typeface="Arial" panose="020B0604020202020204" pitchFamily="34" charset="0"/>
               </a:rPr>
               <a:t>auditory modality: speech recognition</a:t>
             </a:r>
@@ -12784,9 +12055,11 @@
               <a:buChar char="•"/>
             </a:pPr>
             <a:r>
-              <a:rPr lang="en-GB" b="0" i="0" dirty="0">
+              <a:rPr lang="en-GB" sz="2000" b="0" i="0" dirty="0">
+                <a:solidFill>
+                  <a:srgbClr val="023047"/>
+                </a:solidFill>
                 <a:effectLst/>
-                <a:latin typeface="Arial" panose="020B0604020202020204" pitchFamily="34" charset="0"/>
               </a:rPr>
               <a:t>Output interface:</a:t>
             </a:r>
@@ -12797,9 +12070,11 @@
               <a:buChar char="•"/>
             </a:pPr>
             <a:r>
-              <a:rPr lang="en-GB" b="0" i="0" dirty="0">
+              <a:rPr lang="en-GB" sz="1800" b="0" i="0" dirty="0">
+                <a:solidFill>
+                  <a:srgbClr val="023047"/>
+                </a:solidFill>
                 <a:effectLst/>
-                <a:latin typeface="Arial" panose="020B0604020202020204" pitchFamily="34" charset="0"/>
               </a:rPr>
               <a:t>visual modality: text shown on screen</a:t>
             </a:r>
@@ -12810,17 +12085,18 @@
               <a:buChar char="•"/>
             </a:pPr>
             <a:r>
-              <a:rPr lang="en-GB" b="0" i="0" dirty="0">
+              <a:rPr lang="en-GB" sz="1800" b="0" i="0" dirty="0">
+                <a:solidFill>
+                  <a:srgbClr val="023047"/>
+                </a:solidFill>
                 <a:effectLst/>
-                <a:latin typeface="Arial" panose="020B0604020202020204" pitchFamily="34" charset="0"/>
               </a:rPr>
               <a:t>auditory modality: voice synthesizers</a:t>
             </a:r>
-            <a:endParaRPr lang="en-US" dirty="0">
+            <a:endParaRPr lang="en-US" sz="1800" dirty="0">
               <a:solidFill>
                 <a:srgbClr val="023047"/>
               </a:solidFill>
-              <a:latin typeface="Arial" panose="020B0604020202020204" pitchFamily="34" charset="0"/>
               <a:cs typeface="Arial" panose="020B0604020202020204" pitchFamily="34" charset="0"/>
             </a:endParaRPr>
           </a:p>
@@ -14604,7 +13880,6 @@
                 <a:solidFill>
                   <a:srgbClr val="023047"/>
                 </a:solidFill>
-                <a:latin typeface="Arial" panose="020B0604020202020204" pitchFamily="34" charset="0"/>
                 <a:cs typeface="Arial" panose="020B0604020202020204" pitchFamily="34" charset="0"/>
               </a:rPr>
               <a:t>A programmable device (laptop or desktop PC) with:</a:t>
@@ -14616,11 +13891,10 @@
               <a:buChar char="•"/>
             </a:pPr>
             <a:r>
-              <a:rPr lang="en-US" dirty="0">
+              <a:rPr lang="en-US" sz="1600" dirty="0">
                 <a:solidFill>
                   <a:srgbClr val="023047"/>
                 </a:solidFill>
-                <a:latin typeface="Arial" panose="020B0604020202020204" pitchFamily="34" charset="0"/>
                 <a:cs typeface="Arial" panose="020B0604020202020204" pitchFamily="34" charset="0"/>
               </a:rPr>
               <a:t>A camera for visual input</a:t>
@@ -14632,11 +13906,10 @@
               <a:buChar char="•"/>
             </a:pPr>
             <a:r>
-              <a:rPr lang="en-US" dirty="0">
+              <a:rPr lang="en-US" sz="1600" dirty="0">
                 <a:solidFill>
                   <a:srgbClr val="023047"/>
                 </a:solidFill>
-                <a:latin typeface="Arial" panose="020B0604020202020204" pitchFamily="34" charset="0"/>
                 <a:cs typeface="Arial" panose="020B0604020202020204" pitchFamily="34" charset="0"/>
               </a:rPr>
               <a:t>A microphone for audio input</a:t>
@@ -14648,11 +13921,10 @@
               <a:buChar char="•"/>
             </a:pPr>
             <a:r>
-              <a:rPr lang="en-US" dirty="0">
+              <a:rPr lang="en-US" sz="1600" dirty="0">
                 <a:solidFill>
                   <a:srgbClr val="023047"/>
                 </a:solidFill>
-                <a:latin typeface="Arial" panose="020B0604020202020204" pitchFamily="34" charset="0"/>
                 <a:cs typeface="Arial" panose="020B0604020202020204" pitchFamily="34" charset="0"/>
               </a:rPr>
               <a:t>Speakers for audio output</a:t>
@@ -14668,7 +13940,6 @@
                 <a:solidFill>
                   <a:srgbClr val="023047"/>
                 </a:solidFill>
-                <a:latin typeface="Arial" panose="020B0604020202020204" pitchFamily="34" charset="0"/>
                 <a:cs typeface="Arial" panose="020B0604020202020204" pitchFamily="34" charset="0"/>
               </a:rPr>
               <a:t>Programming language: Python 3.8</a:t>
@@ -14684,7 +13955,6 @@
                 <a:solidFill>
                   <a:srgbClr val="023047"/>
                 </a:solidFill>
-                <a:latin typeface="Arial" panose="020B0604020202020204" pitchFamily="34" charset="0"/>
                 <a:cs typeface="Arial" panose="020B0604020202020204" pitchFamily="34" charset="0"/>
               </a:rPr>
               <a:t>Libraries for input processing:</a:t>
@@ -14696,11 +13966,10 @@
               <a:buChar char="•"/>
             </a:pPr>
             <a:r>
-              <a:rPr lang="en-US" dirty="0">
+              <a:rPr lang="en-US" sz="1600" dirty="0">
                 <a:solidFill>
                   <a:srgbClr val="023047"/>
                 </a:solidFill>
-                <a:latin typeface="Arial" panose="020B0604020202020204" pitchFamily="34" charset="0"/>
                 <a:cs typeface="Arial" panose="020B0604020202020204" pitchFamily="34" charset="0"/>
               </a:rPr>
               <a:t>OpenCV (visual input, face detection)</a:t>
@@ -14712,41 +13981,37 @@
               <a:buChar char="•"/>
             </a:pPr>
             <a:r>
-              <a:rPr lang="en-US" dirty="0" err="1">
+              <a:rPr lang="en-US" sz="1600" dirty="0" err="1">
                 <a:solidFill>
                   <a:srgbClr val="023047"/>
                 </a:solidFill>
-                <a:latin typeface="Arial" panose="020B0604020202020204" pitchFamily="34" charset="0"/>
                 <a:cs typeface="Arial" panose="020B0604020202020204" pitchFamily="34" charset="0"/>
               </a:rPr>
               <a:t>Face_recognition</a:t>
             </a:r>
             <a:r>
-              <a:rPr lang="en-US" dirty="0">
+              <a:rPr lang="en-US" sz="1600" dirty="0">
                 <a:solidFill>
                   <a:srgbClr val="023047"/>
                 </a:solidFill>
-                <a:latin typeface="Arial" panose="020B0604020202020204" pitchFamily="34" charset="0"/>
                 <a:cs typeface="Arial" panose="020B0604020202020204" pitchFamily="34" charset="0"/>
               </a:rPr>
               <a:t> (uses </a:t>
             </a:r>
             <a:r>
-              <a:rPr lang="en-US" dirty="0" err="1">
+              <a:rPr lang="en-US" sz="1600" dirty="0" err="1">
                 <a:solidFill>
                   <a:srgbClr val="023047"/>
                 </a:solidFill>
-                <a:latin typeface="Arial" panose="020B0604020202020204" pitchFamily="34" charset="0"/>
                 <a:cs typeface="Arial" panose="020B0604020202020204" pitchFamily="34" charset="0"/>
               </a:rPr>
               <a:t>dlib</a:t>
             </a:r>
             <a:r>
-              <a:rPr lang="en-US" dirty="0">
+              <a:rPr lang="en-US" sz="1600" dirty="0">
                 <a:solidFill>
                   <a:srgbClr val="023047"/>
                 </a:solidFill>
-                <a:latin typeface="Arial" panose="020B0604020202020204" pitchFamily="34" charset="0"/>
                 <a:cs typeface="Arial" panose="020B0604020202020204" pitchFamily="34" charset="0"/>
               </a:rPr>
               <a:t>; processing visual inputs)</a:t>
@@ -14758,11 +14023,10 @@
               <a:buChar char="•"/>
             </a:pPr>
             <a:r>
-              <a:rPr lang="en-US" dirty="0">
+              <a:rPr lang="en-US" sz="1600" dirty="0">
                 <a:solidFill>
                   <a:srgbClr val="023047"/>
                 </a:solidFill>
-                <a:latin typeface="Arial" panose="020B0604020202020204" pitchFamily="34" charset="0"/>
                 <a:cs typeface="Arial" panose="020B0604020202020204" pitchFamily="34" charset="0"/>
               </a:rPr>
               <a:t>Pyttsx3 (audio output, works offline)</a:t>
@@ -14774,21 +14038,19 @@
               <a:buChar char="•"/>
             </a:pPr>
             <a:r>
-              <a:rPr lang="en-US" dirty="0" err="1">
+              <a:rPr lang="en-US" sz="1600" dirty="0" err="1">
                 <a:solidFill>
                   <a:srgbClr val="023047"/>
                 </a:solidFill>
-                <a:latin typeface="Arial" panose="020B0604020202020204" pitchFamily="34" charset="0"/>
                 <a:cs typeface="Arial" panose="020B0604020202020204" pitchFamily="34" charset="0"/>
               </a:rPr>
               <a:t>Speechrecognition</a:t>
             </a:r>
             <a:r>
-              <a:rPr lang="en-US" dirty="0">
+              <a:rPr lang="en-US" sz="1600" dirty="0">
                 <a:solidFill>
                   <a:srgbClr val="023047"/>
                 </a:solidFill>
-                <a:latin typeface="Arial" panose="020B0604020202020204" pitchFamily="34" charset="0"/>
                 <a:cs typeface="Arial" panose="020B0604020202020204" pitchFamily="34" charset="0"/>
               </a:rPr>
               <a:t> (handles audio input, both online and offline)</a:t>
@@ -15481,14 +14743,13 @@
               <a:buChar char="•"/>
             </a:pPr>
             <a:r>
-              <a:rPr lang="en-US" dirty="0">
+              <a:rPr lang="en-US" sz="1800" dirty="0">
                 <a:solidFill>
                   <a:srgbClr val="023047"/>
                 </a:solidFill>
-                <a:latin typeface="Arial" panose="020B0604020202020204" pitchFamily="34" charset="0"/>
                 <a:cs typeface="Arial" panose="020B0604020202020204" pitchFamily="34" charset="0"/>
               </a:rPr>
-              <a:t>The Home Assistant detects of a person</a:t>
+              <a:t>Once the device is turned on, it should be placed somewhere where the user wants to be and can be easily identified, recognized and interacted with</a:t>
             </a:r>
           </a:p>
           <a:p>
@@ -15497,14 +14758,13 @@
               <a:buChar char="•"/>
             </a:pPr>
             <a:r>
-              <a:rPr lang="en-US" dirty="0">
+              <a:rPr lang="en-US" sz="1800" dirty="0">
                 <a:solidFill>
                   <a:srgbClr val="023047"/>
                 </a:solidFill>
-                <a:latin typeface="Arial" panose="020B0604020202020204" pitchFamily="34" charset="0"/>
                 <a:cs typeface="Arial" panose="020B0604020202020204" pitchFamily="34" charset="0"/>
               </a:rPr>
-              <a:t>The Home Assistant recognizes a member</a:t>
+              <a:t>The assistant will continuously monitor the camera searching for a successful detection</a:t>
             </a:r>
           </a:p>
           <a:p>
@@ -15513,78 +14773,61 @@
               <a:buChar char="•"/>
             </a:pPr>
             <a:r>
-              <a:rPr lang="en-US" dirty="0">
+              <a:rPr lang="en-US" sz="1800" dirty="0">
                 <a:solidFill>
                   <a:srgbClr val="023047"/>
                 </a:solidFill>
-                <a:latin typeface="Arial" panose="020B0604020202020204" pitchFamily="34" charset="0"/>
                 <a:cs typeface="Arial" panose="020B0604020202020204" pitchFamily="34" charset="0"/>
               </a:rPr>
-              <a:t>The Home Assistant register a member</a:t>
-            </a:r>
-          </a:p>
-          <a:p>
-            <a:pPr marL="285750" indent="-285750">
+              <a:t>Steps:</a:t>
+            </a:r>
+          </a:p>
+          <a:p>
+            <a:pPr marL="742950" lvl="1" indent="-285750">
               <a:buFont typeface="Arial" panose="020B0604020202020204" pitchFamily="34" charset="0"/>
               <a:buChar char="•"/>
             </a:pPr>
             <a:r>
-              <a:rPr lang="en-US" dirty="0">
+              <a:rPr lang="en-US" sz="1600" dirty="0">
                 <a:solidFill>
                   <a:srgbClr val="023047"/>
                 </a:solidFill>
-                <a:latin typeface="Arial" panose="020B0604020202020204" pitchFamily="34" charset="0"/>
                 <a:cs typeface="Arial" panose="020B0604020202020204" pitchFamily="34" charset="0"/>
               </a:rPr>
-              <a:t>A member leave a note to another member</a:t>
-            </a:r>
-          </a:p>
-          <a:p>
-            <a:pPr marL="285750" indent="-285750">
+              <a:t>After starting the camera and a periodical sampling of the image received by the camera is performed</a:t>
+            </a:r>
+          </a:p>
+          <a:p>
+            <a:pPr marL="742950" lvl="1" indent="-285750">
               <a:buFont typeface="Arial" panose="020B0604020202020204" pitchFamily="34" charset="0"/>
               <a:buChar char="•"/>
             </a:pPr>
             <a:r>
-              <a:rPr lang="en-US" dirty="0">
+              <a:rPr lang="en-US" sz="1600" dirty="0">
                 <a:solidFill>
                   <a:srgbClr val="023047"/>
                 </a:solidFill>
-                <a:latin typeface="Arial" panose="020B0604020202020204" pitchFamily="34" charset="0"/>
                 <a:cs typeface="Arial" panose="020B0604020202020204" pitchFamily="34" charset="0"/>
               </a:rPr>
-              <a:t>A member edit a note they left</a:t>
-            </a:r>
-          </a:p>
-          <a:p>
-            <a:pPr marL="285750" indent="-285750">
-              <a:buFont typeface="Arial" panose="020B0604020202020204" pitchFamily="34" charset="0"/>
-              <a:buChar char="•"/>
-            </a:pPr>
-            <a:r>
-              <a:rPr lang="en-US" dirty="0">
+              <a:t>Send the captured frame over to the </a:t>
+            </a:r>
+            <a:r>
+              <a:rPr lang="en-US" sz="1600" dirty="0" err="1">
                 <a:solidFill>
                   <a:srgbClr val="023047"/>
                 </a:solidFill>
-                <a:latin typeface="Arial" panose="020B0604020202020204" pitchFamily="34" charset="0"/>
                 <a:cs typeface="Arial" panose="020B0604020202020204" pitchFamily="34" charset="0"/>
               </a:rPr>
-              <a:t>A member delete a note they left</a:t>
-            </a:r>
-          </a:p>
-          <a:p>
-            <a:pPr marL="285750" indent="-285750">
-              <a:buFont typeface="Arial" panose="020B0604020202020204" pitchFamily="34" charset="0"/>
-              <a:buChar char="•"/>
-            </a:pPr>
-            <a:r>
-              <a:rPr lang="en-US" dirty="0">
+              <a:t>detect_presence</a:t>
+            </a:r>
+            <a:r>
+              <a:rPr lang="en-US" sz="1600" dirty="0">
                 <a:solidFill>
                   <a:srgbClr val="023047"/>
                 </a:solidFill>
-                <a:latin typeface="Arial" panose="020B0604020202020204" pitchFamily="34" charset="0"/>
                 <a:cs typeface="Arial" panose="020B0604020202020204" pitchFamily="34" charset="0"/>
               </a:rPr>
-              <a:t>The Home Assistant tells the notes to a member</a:t>
+              <a:t> method</a:t>
             </a:r>
           </a:p>
         </p:txBody>
@@ -16338,6 +15581,133 @@
           </a:prstGeom>
         </p:spPr>
       </p:pic>
+      <p:sp>
+        <p:nvSpPr>
+          <p:cNvPr id="14" name="Text Placeholder 7">
+            <a:extLst>
+              <a:ext uri="{FF2B5EF4-FFF2-40B4-BE49-F238E27FC236}">
+                <a16:creationId xmlns:a16="http://schemas.microsoft.com/office/drawing/2014/main" id="{CAB33A1B-B01E-4543-91FA-55A5D058FB15}"/>
+              </a:ext>
+            </a:extLst>
+          </p:cNvPr>
+          <p:cNvSpPr>
+            <a:spLocks noGrp="1"/>
+          </p:cNvSpPr>
+          <p:nvPr>
+            <p:ph type="body" sz="half" idx="2"/>
+          </p:nvPr>
+        </p:nvSpPr>
+        <p:spPr>
+          <a:xfrm>
+            <a:off x="590719" y="2330505"/>
+            <a:ext cx="4559425" cy="3979585"/>
+          </a:xfrm>
+        </p:spPr>
+        <p:txBody>
+          <a:bodyPr vert="horz" lIns="91440" tIns="45720" rIns="91440" bIns="45720" rtlCol="0" anchor="ctr">
+            <a:normAutofit/>
+          </a:bodyPr>
+          <a:lstStyle/>
+          <a:p>
+            <a:pPr marL="285750" indent="-285750">
+              <a:buFont typeface="Arial" panose="020B0604020202020204" pitchFamily="34" charset="0"/>
+              <a:buChar char="•"/>
+            </a:pPr>
+            <a:r>
+              <a:rPr lang="en-US" sz="2400" dirty="0">
+                <a:solidFill>
+                  <a:srgbClr val="023047"/>
+                </a:solidFill>
+              </a:rPr>
+              <a:t>Detection Steps:</a:t>
+            </a:r>
+          </a:p>
+          <a:p>
+            <a:pPr marL="742950" lvl="1" indent="-285750">
+              <a:buFont typeface="Arial" panose="020B0604020202020204" pitchFamily="34" charset="0"/>
+              <a:buChar char="•"/>
+            </a:pPr>
+            <a:r>
+              <a:rPr lang="en-US" sz="2000" dirty="0">
+                <a:solidFill>
+                  <a:srgbClr val="023047"/>
+                </a:solidFill>
+                <a:cs typeface="Arial" panose="020B0604020202020204" pitchFamily="34" charset="0"/>
+              </a:rPr>
+              <a:t>Converts the frame in B&amp;W</a:t>
+            </a:r>
+          </a:p>
+          <a:p>
+            <a:pPr marL="742950" lvl="1" indent="-285750">
+              <a:buFont typeface="Arial" panose="020B0604020202020204" pitchFamily="34" charset="0"/>
+              <a:buChar char="•"/>
+            </a:pPr>
+            <a:r>
+              <a:rPr lang="en-US" sz="2000" dirty="0">
+                <a:solidFill>
+                  <a:srgbClr val="023047"/>
+                </a:solidFill>
+                <a:cs typeface="Arial" panose="020B0604020202020204" pitchFamily="34" charset="0"/>
+              </a:rPr>
+              <a:t>Uses the preloaded </a:t>
+            </a:r>
+            <a:r>
+              <a:rPr lang="en-US" sz="2000" dirty="0" err="1">
+                <a:solidFill>
+                  <a:srgbClr val="023047"/>
+                </a:solidFill>
+                <a:cs typeface="Arial" panose="020B0604020202020204" pitchFamily="34" charset="0"/>
+              </a:rPr>
+              <a:t>opencv</a:t>
+            </a:r>
+            <a:r>
+              <a:rPr lang="en-US" sz="2000" dirty="0">
+                <a:solidFill>
+                  <a:srgbClr val="023047"/>
+                </a:solidFill>
+                <a:cs typeface="Arial" panose="020B0604020202020204" pitchFamily="34" charset="0"/>
+              </a:rPr>
+              <a:t> </a:t>
+            </a:r>
+            <a:r>
+              <a:rPr lang="en-US" sz="2000" dirty="0" err="1">
+                <a:solidFill>
+                  <a:srgbClr val="023047"/>
+                </a:solidFill>
+                <a:cs typeface="Arial" panose="020B0604020202020204" pitchFamily="34" charset="0"/>
+              </a:rPr>
+              <a:t>CascadeClassifier</a:t>
+            </a:r>
+            <a:r>
+              <a:rPr lang="en-US" sz="2000" dirty="0">
+                <a:solidFill>
+                  <a:srgbClr val="023047"/>
+                </a:solidFill>
+                <a:cs typeface="Arial" panose="020B0604020202020204" pitchFamily="34" charset="0"/>
+              </a:rPr>
+              <a:t> with </a:t>
+            </a:r>
+            <a:r>
+              <a:rPr lang="en-US" sz="2000" dirty="0" err="1">
+                <a:solidFill>
+                  <a:srgbClr val="023047"/>
+                </a:solidFill>
+                <a:cs typeface="Arial" panose="020B0604020202020204" pitchFamily="34" charset="0"/>
+              </a:rPr>
+              <a:t>Haar</a:t>
+            </a:r>
+            <a:r>
+              <a:rPr lang="en-US" sz="2000" dirty="0">
+                <a:solidFill>
+                  <a:srgbClr val="023047"/>
+                </a:solidFill>
+                <a:cs typeface="Arial" panose="020B0604020202020204" pitchFamily="34" charset="0"/>
+              </a:rPr>
+              <a:t> Cascades to attempt detection</a:t>
+            </a:r>
+          </a:p>
+        </p:txBody>
+      </p:sp>
     </p:spTree>
     <p:extLst>
       <p:ext uri="{BB962C8B-B14F-4D97-AF65-F5344CB8AC3E}">
@@ -16918,6 +16288,331 @@
           </a:prstGeom>
         </p:spPr>
       </p:pic>
+      <p:sp>
+        <p:nvSpPr>
+          <p:cNvPr id="12" name="Text Placeholder 7">
+            <a:extLst>
+              <a:ext uri="{FF2B5EF4-FFF2-40B4-BE49-F238E27FC236}">
+                <a16:creationId xmlns:a16="http://schemas.microsoft.com/office/drawing/2014/main" id="{9970DFBC-207A-4131-B1B8-457C605725B3}"/>
+              </a:ext>
+            </a:extLst>
+          </p:cNvPr>
+          <p:cNvSpPr>
+            <a:spLocks noGrp="1"/>
+          </p:cNvSpPr>
+          <p:nvPr>
+            <p:ph type="body" sz="half" idx="2"/>
+          </p:nvPr>
+        </p:nvSpPr>
+        <p:spPr>
+          <a:xfrm>
+            <a:off x="590719" y="2330505"/>
+            <a:ext cx="4559425" cy="3979585"/>
+          </a:xfrm>
+        </p:spPr>
+        <p:txBody>
+          <a:bodyPr vert="horz" lIns="91440" tIns="45720" rIns="91440" bIns="45720" rtlCol="0" anchor="ctr">
+            <a:normAutofit/>
+          </a:bodyPr>
+          <a:lstStyle/>
+          <a:p>
+            <a:pPr marL="285750" indent="-285750">
+              <a:buFont typeface="Arial" panose="020B0604020202020204" pitchFamily="34" charset="0"/>
+              <a:buChar char="•"/>
+            </a:pPr>
+            <a:r>
+              <a:rPr lang="en-US" sz="1800" dirty="0">
+                <a:solidFill>
+                  <a:srgbClr val="023047"/>
+                </a:solidFill>
+                <a:cs typeface="Arial" panose="020B0604020202020204" pitchFamily="34" charset="0"/>
+              </a:rPr>
+              <a:t>Once a face is detected, it attempts to recognize the person</a:t>
+            </a:r>
+          </a:p>
+          <a:p>
+            <a:pPr marL="285750" indent="-285750">
+              <a:buFont typeface="Arial" panose="020B0604020202020204" pitchFamily="34" charset="0"/>
+              <a:buChar char="•"/>
+            </a:pPr>
+            <a:r>
+              <a:rPr lang="en-US" sz="1800" dirty="0">
+                <a:solidFill>
+                  <a:srgbClr val="023047"/>
+                </a:solidFill>
+                <a:cs typeface="Arial" panose="020B0604020202020204" pitchFamily="34" charset="0"/>
+              </a:rPr>
+              <a:t>Recognition is performed though image processing</a:t>
+            </a:r>
+          </a:p>
+          <a:p>
+            <a:pPr marL="285750" indent="-285750">
+              <a:buFont typeface="Arial" panose="020B0604020202020204" pitchFamily="34" charset="0"/>
+              <a:buChar char="•"/>
+            </a:pPr>
+            <a:r>
+              <a:rPr lang="en-US" sz="1800" dirty="0">
+                <a:solidFill>
+                  <a:srgbClr val="023047"/>
+                </a:solidFill>
+                <a:cs typeface="Arial" panose="020B0604020202020204" pitchFamily="34" charset="0"/>
+              </a:rPr>
+              <a:t>Recognition Steps:</a:t>
+            </a:r>
+          </a:p>
+          <a:p>
+            <a:pPr marL="742950" lvl="1" indent="-285750">
+              <a:buFont typeface="Arial" panose="020B0604020202020204" pitchFamily="34" charset="0"/>
+              <a:buChar char="•"/>
+            </a:pPr>
+            <a:r>
+              <a:rPr lang="en-US" sz="1600" dirty="0">
+                <a:solidFill>
+                  <a:srgbClr val="023047"/>
+                </a:solidFill>
+                <a:cs typeface="Arial" panose="020B0604020202020204" pitchFamily="34" charset="0"/>
+              </a:rPr>
+              <a:t>Generate face encodings for each face</a:t>
+            </a:r>
+          </a:p>
+          <a:p>
+            <a:pPr marL="742950" lvl="1" indent="-285750">
+              <a:buFont typeface="Arial" panose="020B0604020202020204" pitchFamily="34" charset="0"/>
+              <a:buChar char="•"/>
+            </a:pPr>
+            <a:r>
+              <a:rPr lang="en-US" sz="1600" dirty="0">
+                <a:solidFill>
+                  <a:srgbClr val="023047"/>
+                </a:solidFill>
+                <a:cs typeface="Arial" panose="020B0604020202020204" pitchFamily="34" charset="0"/>
+              </a:rPr>
+              <a:t>Compare each encoding to the ones locally saved for each member until there is a match</a:t>
+            </a:r>
+          </a:p>
+          <a:p>
+            <a:pPr marL="742950" lvl="1" indent="-285750">
+              <a:buFont typeface="Arial" panose="020B0604020202020204" pitchFamily="34" charset="0"/>
+              <a:buChar char="•"/>
+            </a:pPr>
+            <a:r>
+              <a:rPr lang="en-US" sz="1600" dirty="0">
+                <a:solidFill>
+                  <a:srgbClr val="023047"/>
+                </a:solidFill>
+                <a:cs typeface="Arial" panose="020B0604020202020204" pitchFamily="34" charset="0"/>
+              </a:rPr>
+              <a:t>If no match is found it asks the person to identify themselves by providing their name</a:t>
+            </a:r>
+          </a:p>
+        </p:txBody>
+      </p:sp>
+      <p:sp>
+        <p:nvSpPr>
+          <p:cNvPr id="14" name="Text Placeholder 7">
+            <a:extLst>
+              <a:ext uri="{FF2B5EF4-FFF2-40B4-BE49-F238E27FC236}">
+                <a16:creationId xmlns:a16="http://schemas.microsoft.com/office/drawing/2014/main" id="{6C0D6760-BDBD-4F94-93CE-5D892D1A2BB8}"/>
+              </a:ext>
+            </a:extLst>
+          </p:cNvPr>
+          <p:cNvSpPr txBox="1">
+            <a:spLocks/>
+          </p:cNvSpPr>
+          <p:nvPr/>
+        </p:nvSpPr>
+        <p:spPr>
+          <a:xfrm>
+            <a:off x="5815229" y="2144426"/>
+            <a:ext cx="4559425" cy="3979585"/>
+          </a:xfrm>
+          <a:prstGeom prst="rect">
+            <a:avLst/>
+          </a:prstGeom>
+        </p:spPr>
+        <p:txBody>
+          <a:bodyPr vert="horz" lIns="91440" tIns="45720" rIns="91440" bIns="45720" rtlCol="0" anchor="ctr">
+            <a:normAutofit/>
+          </a:bodyPr>
+          <a:lstStyle>
+            <a:lvl1pPr marL="0" indent="0" algn="l" defTabSz="914400" rtl="0" eaLnBrk="1" latinLnBrk="0" hangingPunct="1">
+              <a:lnSpc>
+                <a:spcPct val="90000"/>
+              </a:lnSpc>
+              <a:spcBef>
+                <a:spcPts val="1000"/>
+              </a:spcBef>
+              <a:buFont typeface="Arial" panose="020B0604020202020204" pitchFamily="34" charset="0"/>
+              <a:buNone/>
+              <a:defRPr sz="1600" kern="1200">
+                <a:solidFill>
+                  <a:schemeClr val="tx1"/>
+                </a:solidFill>
+                <a:latin typeface="+mn-lt"/>
+                <a:ea typeface="+mn-ea"/>
+                <a:cs typeface="+mn-cs"/>
+              </a:defRPr>
+            </a:lvl1pPr>
+            <a:lvl2pPr marL="457200" indent="0" algn="l" defTabSz="914400" rtl="0" eaLnBrk="1" latinLnBrk="0" hangingPunct="1">
+              <a:lnSpc>
+                <a:spcPct val="90000"/>
+              </a:lnSpc>
+              <a:spcBef>
+                <a:spcPts val="500"/>
+              </a:spcBef>
+              <a:buFont typeface="Arial" panose="020B0604020202020204" pitchFamily="34" charset="0"/>
+              <a:buNone/>
+              <a:defRPr sz="1400" kern="1200">
+                <a:solidFill>
+                  <a:schemeClr val="tx1"/>
+                </a:solidFill>
+                <a:latin typeface="+mn-lt"/>
+                <a:ea typeface="+mn-ea"/>
+                <a:cs typeface="+mn-cs"/>
+              </a:defRPr>
+            </a:lvl2pPr>
+            <a:lvl3pPr marL="914400" indent="0" algn="l" defTabSz="914400" rtl="0" eaLnBrk="1" latinLnBrk="0" hangingPunct="1">
+              <a:lnSpc>
+                <a:spcPct val="90000"/>
+              </a:lnSpc>
+              <a:spcBef>
+                <a:spcPts val="500"/>
+              </a:spcBef>
+              <a:buFont typeface="Arial" panose="020B0604020202020204" pitchFamily="34" charset="0"/>
+              <a:buNone/>
+              <a:defRPr sz="1200" kern="1200">
+                <a:solidFill>
+                  <a:schemeClr val="tx1"/>
+                </a:solidFill>
+                <a:latin typeface="+mn-lt"/>
+                <a:ea typeface="+mn-ea"/>
+                <a:cs typeface="+mn-cs"/>
+              </a:defRPr>
+            </a:lvl3pPr>
+            <a:lvl4pPr marL="1371600" indent="0" algn="l" defTabSz="914400" rtl="0" eaLnBrk="1" latinLnBrk="0" hangingPunct="1">
+              <a:lnSpc>
+                <a:spcPct val="90000"/>
+              </a:lnSpc>
+              <a:spcBef>
+                <a:spcPts val="500"/>
+              </a:spcBef>
+              <a:buFont typeface="Arial" panose="020B0604020202020204" pitchFamily="34" charset="0"/>
+              <a:buNone/>
+              <a:defRPr sz="1000" kern="1200">
+                <a:solidFill>
+                  <a:schemeClr val="tx1"/>
+                </a:solidFill>
+                <a:latin typeface="+mn-lt"/>
+                <a:ea typeface="+mn-ea"/>
+                <a:cs typeface="+mn-cs"/>
+              </a:defRPr>
+            </a:lvl4pPr>
+            <a:lvl5pPr marL="1828800" indent="0" algn="l" defTabSz="914400" rtl="0" eaLnBrk="1" latinLnBrk="0" hangingPunct="1">
+              <a:lnSpc>
+                <a:spcPct val="90000"/>
+              </a:lnSpc>
+              <a:spcBef>
+                <a:spcPts val="500"/>
+              </a:spcBef>
+              <a:buFont typeface="Arial" panose="020B0604020202020204" pitchFamily="34" charset="0"/>
+              <a:buNone/>
+              <a:defRPr sz="1000" kern="1200">
+                <a:solidFill>
+                  <a:schemeClr val="tx1"/>
+                </a:solidFill>
+                <a:latin typeface="+mn-lt"/>
+                <a:ea typeface="+mn-ea"/>
+                <a:cs typeface="+mn-cs"/>
+              </a:defRPr>
+            </a:lvl5pPr>
+            <a:lvl6pPr marL="2286000" indent="0" algn="l" defTabSz="914400" rtl="0" eaLnBrk="1" latinLnBrk="0" hangingPunct="1">
+              <a:lnSpc>
+                <a:spcPct val="90000"/>
+              </a:lnSpc>
+              <a:spcBef>
+                <a:spcPts val="500"/>
+              </a:spcBef>
+              <a:buFont typeface="Arial" panose="020B0604020202020204" pitchFamily="34" charset="0"/>
+              <a:buNone/>
+              <a:defRPr sz="1000" kern="1200">
+                <a:solidFill>
+                  <a:schemeClr val="tx1"/>
+                </a:solidFill>
+                <a:latin typeface="+mn-lt"/>
+                <a:ea typeface="+mn-ea"/>
+                <a:cs typeface="+mn-cs"/>
+              </a:defRPr>
+            </a:lvl6pPr>
+            <a:lvl7pPr marL="2743200" indent="0" algn="l" defTabSz="914400" rtl="0" eaLnBrk="1" latinLnBrk="0" hangingPunct="1">
+              <a:lnSpc>
+                <a:spcPct val="90000"/>
+              </a:lnSpc>
+              <a:spcBef>
+                <a:spcPts val="500"/>
+              </a:spcBef>
+              <a:buFont typeface="Arial" panose="020B0604020202020204" pitchFamily="34" charset="0"/>
+              <a:buNone/>
+              <a:defRPr sz="1000" kern="1200">
+                <a:solidFill>
+                  <a:schemeClr val="tx1"/>
+                </a:solidFill>
+                <a:latin typeface="+mn-lt"/>
+                <a:ea typeface="+mn-ea"/>
+                <a:cs typeface="+mn-cs"/>
+              </a:defRPr>
+            </a:lvl7pPr>
+            <a:lvl8pPr marL="3200400" indent="0" algn="l" defTabSz="914400" rtl="0" eaLnBrk="1" latinLnBrk="0" hangingPunct="1">
+              <a:lnSpc>
+                <a:spcPct val="90000"/>
+              </a:lnSpc>
+              <a:spcBef>
+                <a:spcPts val="500"/>
+              </a:spcBef>
+              <a:buFont typeface="Arial" panose="020B0604020202020204" pitchFamily="34" charset="0"/>
+              <a:buNone/>
+              <a:defRPr sz="1000" kern="1200">
+                <a:solidFill>
+                  <a:schemeClr val="tx1"/>
+                </a:solidFill>
+                <a:latin typeface="+mn-lt"/>
+                <a:ea typeface="+mn-ea"/>
+                <a:cs typeface="+mn-cs"/>
+              </a:defRPr>
+            </a:lvl8pPr>
+            <a:lvl9pPr marL="3657600" indent="0" algn="l" defTabSz="914400" rtl="0" eaLnBrk="1" latinLnBrk="0" hangingPunct="1">
+              <a:lnSpc>
+                <a:spcPct val="90000"/>
+              </a:lnSpc>
+              <a:spcBef>
+                <a:spcPts val="500"/>
+              </a:spcBef>
+              <a:buFont typeface="Arial" panose="020B0604020202020204" pitchFamily="34" charset="0"/>
+              <a:buNone/>
+              <a:defRPr sz="1000" kern="1200">
+                <a:solidFill>
+                  <a:schemeClr val="tx1"/>
+                </a:solidFill>
+                <a:latin typeface="+mn-lt"/>
+                <a:ea typeface="+mn-ea"/>
+                <a:cs typeface="+mn-cs"/>
+              </a:defRPr>
+            </a:lvl9pPr>
+          </a:lstStyle>
+          <a:p>
+            <a:pPr marL="285750" indent="-285750">
+              <a:buFont typeface="Arial" panose="020B0604020202020204" pitchFamily="34" charset="0"/>
+              <a:buChar char="•"/>
+            </a:pPr>
+            <a:endParaRPr lang="en-US" sz="1600" dirty="0">
+              <a:solidFill>
+                <a:srgbClr val="023047"/>
+              </a:solidFill>
+              <a:latin typeface="Arial" panose="020B0604020202020204" pitchFamily="34" charset="0"/>
+              <a:cs typeface="Arial" panose="020B0604020202020204" pitchFamily="34" charset="0"/>
+            </a:endParaRPr>
+          </a:p>
+        </p:txBody>
+      </p:sp>
     </p:spTree>
     <p:extLst>
       <p:ext uri="{BB962C8B-B14F-4D97-AF65-F5344CB8AC3E}">

--- a/Multimodal personalized multiuser Home Assistant.pptx
+++ b/Multimodal personalized multiuser Home Assistant.pptx
@@ -9,19 +9,20 @@
     <p:sldId id="257" r:id="rId3"/>
     <p:sldId id="265" r:id="rId4"/>
     <p:sldId id="258" r:id="rId5"/>
-    <p:sldId id="268" r:id="rId6"/>
-    <p:sldId id="269" r:id="rId7"/>
-    <p:sldId id="273" r:id="rId8"/>
-    <p:sldId id="271" r:id="rId9"/>
-    <p:sldId id="274" r:id="rId10"/>
-    <p:sldId id="275" r:id="rId11"/>
-    <p:sldId id="276" r:id="rId12"/>
-    <p:sldId id="266" r:id="rId13"/>
-    <p:sldId id="279" r:id="rId14"/>
-    <p:sldId id="282" r:id="rId15"/>
-    <p:sldId id="278" r:id="rId16"/>
-    <p:sldId id="272" r:id="rId17"/>
-    <p:sldId id="280" r:id="rId18"/>
+    <p:sldId id="283" r:id="rId6"/>
+    <p:sldId id="268" r:id="rId7"/>
+    <p:sldId id="269" r:id="rId8"/>
+    <p:sldId id="273" r:id="rId9"/>
+    <p:sldId id="271" r:id="rId10"/>
+    <p:sldId id="274" r:id="rId11"/>
+    <p:sldId id="275" r:id="rId12"/>
+    <p:sldId id="276" r:id="rId13"/>
+    <p:sldId id="266" r:id="rId14"/>
+    <p:sldId id="279" r:id="rId15"/>
+    <p:sldId id="282" r:id="rId16"/>
+    <p:sldId id="278" r:id="rId17"/>
+    <p:sldId id="272" r:id="rId18"/>
+    <p:sldId id="280" r:id="rId19"/>
   </p:sldIdLst>
   <p:sldSz cx="12192000" cy="6858000"/>
   <p:notesSz cx="6858000" cy="9144000"/>
@@ -4815,10 +4816,10 @@
       </p:sp>
       <p:pic>
         <p:nvPicPr>
-          <p:cNvPr id="5" name="Picture 4" descr="Diagram&#10;&#10;Description automatically generated">
-            <a:extLst>
-              <a:ext uri="{FF2B5EF4-FFF2-40B4-BE49-F238E27FC236}">
-                <a16:creationId xmlns:a16="http://schemas.microsoft.com/office/drawing/2014/main" id="{74AF16CC-8489-450E-BD20-6DA0F1850C6F}"/>
+          <p:cNvPr id="7" name="Picture 6" descr="Diagram&#10;&#10;Description automatically generated">
+            <a:extLst>
+              <a:ext uri="{FF2B5EF4-FFF2-40B4-BE49-F238E27FC236}">
+                <a16:creationId xmlns:a16="http://schemas.microsoft.com/office/drawing/2014/main" id="{F3B590EA-F3AF-4AD2-9E17-FAC5AC6B146A}"/>
               </a:ext>
             </a:extLst>
           </p:cNvPr>
@@ -4841,8 +4842,8 @@
         </p:blipFill>
         <p:spPr>
           <a:xfrm>
-            <a:off x="5727192" y="883602"/>
-            <a:ext cx="5967984" cy="5090160"/>
+            <a:off x="5677092" y="958406"/>
+            <a:ext cx="6018084" cy="4941187"/>
           </a:xfrm>
           <a:prstGeom prst="rect">
             <a:avLst/>
@@ -4851,10 +4852,10 @@
       </p:pic>
       <p:sp>
         <p:nvSpPr>
-          <p:cNvPr id="14" name="Text Placeholder 7">
-            <a:extLst>
-              <a:ext uri="{FF2B5EF4-FFF2-40B4-BE49-F238E27FC236}">
-                <a16:creationId xmlns:a16="http://schemas.microsoft.com/office/drawing/2014/main" id="{0566D72A-B375-496A-9BFA-542092CEEE4B}"/>
+          <p:cNvPr id="12" name="Text Placeholder 7">
+            <a:extLst>
+              <a:ext uri="{FF2B5EF4-FFF2-40B4-BE49-F238E27FC236}">
+                <a16:creationId xmlns:a16="http://schemas.microsoft.com/office/drawing/2014/main" id="{9970DFBC-207A-4131-B1B8-457C605725B3}"/>
               </a:ext>
             </a:extLst>
           </p:cNvPr>
@@ -4867,7 +4868,7 @@
         </p:nvSpPr>
         <p:spPr>
           <a:xfrm>
-            <a:off x="646095" y="2303873"/>
+            <a:off x="590719" y="2330505"/>
             <a:ext cx="4559425" cy="3979585"/>
           </a:xfrm>
         </p:spPr>
@@ -4877,7 +4878,7 @@
           </a:bodyPr>
           <a:lstStyle/>
           <a:p>
-            <a:pPr indent="-228600">
+            <a:pPr marL="285750" indent="-285750">
               <a:buFont typeface="Arial" panose="020B0604020202020204" pitchFamily="34" charset="0"/>
               <a:buChar char="•"/>
             </a:pPr>
@@ -4888,11 +4889,11 @@
                 </a:solidFill>
                 <a:cs typeface="Arial" panose="020B0604020202020204" pitchFamily="34" charset="0"/>
               </a:rPr>
-              <a:t>Registration Steps:</a:t>
-            </a:r>
-          </a:p>
-          <a:p>
-            <a:pPr lvl="1" indent="-228600">
+              <a:t>Once a face is detected, it attempts to recognize the person</a:t>
+            </a:r>
+          </a:p>
+          <a:p>
+            <a:pPr marL="285750" indent="-285750">
               <a:buFont typeface="Arial" panose="020B0604020202020204" pitchFamily="34" charset="0"/>
               <a:buChar char="•"/>
             </a:pPr>
@@ -4903,11 +4904,11 @@
                 </a:solidFill>
                 <a:cs typeface="Arial" panose="020B0604020202020204" pitchFamily="34" charset="0"/>
               </a:rPr>
-              <a:t>After recognition fails the assistant attempt the registration of the user</a:t>
-            </a:r>
-          </a:p>
-          <a:p>
-            <a:pPr lvl="1" indent="-228600">
+              <a:t>Recognition is performed though image processing</a:t>
+            </a:r>
+          </a:p>
+          <a:p>
+            <a:pPr marL="285750" indent="-285750">
               <a:buFont typeface="Arial" panose="020B0604020202020204" pitchFamily="34" charset="0"/>
               <a:buChar char="•"/>
             </a:pPr>
@@ -4918,45 +4919,266 @@
                 </a:solidFill>
                 <a:cs typeface="Arial" panose="020B0604020202020204" pitchFamily="34" charset="0"/>
               </a:rPr>
-              <a:t>Ask the name which the person wants to register with</a:t>
-            </a:r>
-          </a:p>
-          <a:p>
-            <a:pPr lvl="1" indent="-228600">
+              <a:t>Recognition Steps:</a:t>
+            </a:r>
+          </a:p>
+          <a:p>
+            <a:pPr marL="742950" lvl="1" indent="-285750">
               <a:buFont typeface="Arial" panose="020B0604020202020204" pitchFamily="34" charset="0"/>
               <a:buChar char="•"/>
             </a:pPr>
             <a:r>
-              <a:rPr lang="en-US" sz="1800" dirty="0">
+              <a:rPr lang="en-US" sz="1600" dirty="0">
                 <a:solidFill>
                   <a:srgbClr val="023047"/>
                 </a:solidFill>
                 <a:cs typeface="Arial" panose="020B0604020202020204" pitchFamily="34" charset="0"/>
               </a:rPr>
-              <a:t>Compute face encodings from the detection frame (the frame that started it all)</a:t>
-            </a:r>
-          </a:p>
-          <a:p>
-            <a:pPr lvl="1" indent="-228600">
+              <a:t>Generate face encodings for each face</a:t>
+            </a:r>
+          </a:p>
+          <a:p>
+            <a:pPr marL="742950" lvl="1" indent="-285750">
               <a:buFont typeface="Arial" panose="020B0604020202020204" pitchFamily="34" charset="0"/>
               <a:buChar char="•"/>
             </a:pPr>
             <a:r>
-              <a:rPr lang="en-US" sz="1800" dirty="0">
+              <a:rPr lang="en-US" sz="1600" dirty="0">
                 <a:solidFill>
                   <a:srgbClr val="023047"/>
                 </a:solidFill>
                 <a:cs typeface="Arial" panose="020B0604020202020204" pitchFamily="34" charset="0"/>
               </a:rPr>
-              <a:t>Create a new instance of the Member class, commit it to memory, and inform the user they are now part of the Clan</a:t>
-            </a:r>
+              <a:t>Compare each encoding to the ones locally saved for each member until there is a match</a:t>
+            </a:r>
+          </a:p>
+          <a:p>
+            <a:pPr marL="742950" lvl="1" indent="-285750">
+              <a:buFont typeface="Arial" panose="020B0604020202020204" pitchFamily="34" charset="0"/>
+              <a:buChar char="•"/>
+            </a:pPr>
+            <a:r>
+              <a:rPr lang="en-US" sz="1600" dirty="0">
+                <a:solidFill>
+                  <a:srgbClr val="023047"/>
+                </a:solidFill>
+                <a:cs typeface="Arial" panose="020B0604020202020204" pitchFamily="34" charset="0"/>
+              </a:rPr>
+              <a:t>If no match is found it asks the person to identify themselves by providing their name</a:t>
+            </a:r>
+          </a:p>
+        </p:txBody>
+      </p:sp>
+      <p:sp>
+        <p:nvSpPr>
+          <p:cNvPr id="14" name="Text Placeholder 7">
+            <a:extLst>
+              <a:ext uri="{FF2B5EF4-FFF2-40B4-BE49-F238E27FC236}">
+                <a16:creationId xmlns:a16="http://schemas.microsoft.com/office/drawing/2014/main" id="{6C0D6760-BDBD-4F94-93CE-5D892D1A2BB8}"/>
+              </a:ext>
+            </a:extLst>
+          </p:cNvPr>
+          <p:cNvSpPr txBox="1">
+            <a:spLocks/>
+          </p:cNvSpPr>
+          <p:nvPr/>
+        </p:nvSpPr>
+        <p:spPr>
+          <a:xfrm>
+            <a:off x="5815229" y="2144426"/>
+            <a:ext cx="4559425" cy="3979585"/>
+          </a:xfrm>
+          <a:prstGeom prst="rect">
+            <a:avLst/>
+          </a:prstGeom>
+        </p:spPr>
+        <p:txBody>
+          <a:bodyPr vert="horz" lIns="91440" tIns="45720" rIns="91440" bIns="45720" rtlCol="0" anchor="ctr">
+            <a:normAutofit/>
+          </a:bodyPr>
+          <a:lstStyle>
+            <a:lvl1pPr marL="0" indent="0" algn="l" defTabSz="914400" rtl="0" eaLnBrk="1" latinLnBrk="0" hangingPunct="1">
+              <a:lnSpc>
+                <a:spcPct val="90000"/>
+              </a:lnSpc>
+              <a:spcBef>
+                <a:spcPts val="1000"/>
+              </a:spcBef>
+              <a:buFont typeface="Arial" panose="020B0604020202020204" pitchFamily="34" charset="0"/>
+              <a:buNone/>
+              <a:defRPr sz="1600" kern="1200">
+                <a:solidFill>
+                  <a:schemeClr val="tx1"/>
+                </a:solidFill>
+                <a:latin typeface="+mn-lt"/>
+                <a:ea typeface="+mn-ea"/>
+                <a:cs typeface="+mn-cs"/>
+              </a:defRPr>
+            </a:lvl1pPr>
+            <a:lvl2pPr marL="457200" indent="0" algn="l" defTabSz="914400" rtl="0" eaLnBrk="1" latinLnBrk="0" hangingPunct="1">
+              <a:lnSpc>
+                <a:spcPct val="90000"/>
+              </a:lnSpc>
+              <a:spcBef>
+                <a:spcPts val="500"/>
+              </a:spcBef>
+              <a:buFont typeface="Arial" panose="020B0604020202020204" pitchFamily="34" charset="0"/>
+              <a:buNone/>
+              <a:defRPr sz="1400" kern="1200">
+                <a:solidFill>
+                  <a:schemeClr val="tx1"/>
+                </a:solidFill>
+                <a:latin typeface="+mn-lt"/>
+                <a:ea typeface="+mn-ea"/>
+                <a:cs typeface="+mn-cs"/>
+              </a:defRPr>
+            </a:lvl2pPr>
+            <a:lvl3pPr marL="914400" indent="0" algn="l" defTabSz="914400" rtl="0" eaLnBrk="1" latinLnBrk="0" hangingPunct="1">
+              <a:lnSpc>
+                <a:spcPct val="90000"/>
+              </a:lnSpc>
+              <a:spcBef>
+                <a:spcPts val="500"/>
+              </a:spcBef>
+              <a:buFont typeface="Arial" panose="020B0604020202020204" pitchFamily="34" charset="0"/>
+              <a:buNone/>
+              <a:defRPr sz="1200" kern="1200">
+                <a:solidFill>
+                  <a:schemeClr val="tx1"/>
+                </a:solidFill>
+                <a:latin typeface="+mn-lt"/>
+                <a:ea typeface="+mn-ea"/>
+                <a:cs typeface="+mn-cs"/>
+              </a:defRPr>
+            </a:lvl3pPr>
+            <a:lvl4pPr marL="1371600" indent="0" algn="l" defTabSz="914400" rtl="0" eaLnBrk="1" latinLnBrk="0" hangingPunct="1">
+              <a:lnSpc>
+                <a:spcPct val="90000"/>
+              </a:lnSpc>
+              <a:spcBef>
+                <a:spcPts val="500"/>
+              </a:spcBef>
+              <a:buFont typeface="Arial" panose="020B0604020202020204" pitchFamily="34" charset="0"/>
+              <a:buNone/>
+              <a:defRPr sz="1000" kern="1200">
+                <a:solidFill>
+                  <a:schemeClr val="tx1"/>
+                </a:solidFill>
+                <a:latin typeface="+mn-lt"/>
+                <a:ea typeface="+mn-ea"/>
+                <a:cs typeface="+mn-cs"/>
+              </a:defRPr>
+            </a:lvl4pPr>
+            <a:lvl5pPr marL="1828800" indent="0" algn="l" defTabSz="914400" rtl="0" eaLnBrk="1" latinLnBrk="0" hangingPunct="1">
+              <a:lnSpc>
+                <a:spcPct val="90000"/>
+              </a:lnSpc>
+              <a:spcBef>
+                <a:spcPts val="500"/>
+              </a:spcBef>
+              <a:buFont typeface="Arial" panose="020B0604020202020204" pitchFamily="34" charset="0"/>
+              <a:buNone/>
+              <a:defRPr sz="1000" kern="1200">
+                <a:solidFill>
+                  <a:schemeClr val="tx1"/>
+                </a:solidFill>
+                <a:latin typeface="+mn-lt"/>
+                <a:ea typeface="+mn-ea"/>
+                <a:cs typeface="+mn-cs"/>
+              </a:defRPr>
+            </a:lvl5pPr>
+            <a:lvl6pPr marL="2286000" indent="0" algn="l" defTabSz="914400" rtl="0" eaLnBrk="1" latinLnBrk="0" hangingPunct="1">
+              <a:lnSpc>
+                <a:spcPct val="90000"/>
+              </a:lnSpc>
+              <a:spcBef>
+                <a:spcPts val="500"/>
+              </a:spcBef>
+              <a:buFont typeface="Arial" panose="020B0604020202020204" pitchFamily="34" charset="0"/>
+              <a:buNone/>
+              <a:defRPr sz="1000" kern="1200">
+                <a:solidFill>
+                  <a:schemeClr val="tx1"/>
+                </a:solidFill>
+                <a:latin typeface="+mn-lt"/>
+                <a:ea typeface="+mn-ea"/>
+                <a:cs typeface="+mn-cs"/>
+              </a:defRPr>
+            </a:lvl6pPr>
+            <a:lvl7pPr marL="2743200" indent="0" algn="l" defTabSz="914400" rtl="0" eaLnBrk="1" latinLnBrk="0" hangingPunct="1">
+              <a:lnSpc>
+                <a:spcPct val="90000"/>
+              </a:lnSpc>
+              <a:spcBef>
+                <a:spcPts val="500"/>
+              </a:spcBef>
+              <a:buFont typeface="Arial" panose="020B0604020202020204" pitchFamily="34" charset="0"/>
+              <a:buNone/>
+              <a:defRPr sz="1000" kern="1200">
+                <a:solidFill>
+                  <a:schemeClr val="tx1"/>
+                </a:solidFill>
+                <a:latin typeface="+mn-lt"/>
+                <a:ea typeface="+mn-ea"/>
+                <a:cs typeface="+mn-cs"/>
+              </a:defRPr>
+            </a:lvl7pPr>
+            <a:lvl8pPr marL="3200400" indent="0" algn="l" defTabSz="914400" rtl="0" eaLnBrk="1" latinLnBrk="0" hangingPunct="1">
+              <a:lnSpc>
+                <a:spcPct val="90000"/>
+              </a:lnSpc>
+              <a:spcBef>
+                <a:spcPts val="500"/>
+              </a:spcBef>
+              <a:buFont typeface="Arial" panose="020B0604020202020204" pitchFamily="34" charset="0"/>
+              <a:buNone/>
+              <a:defRPr sz="1000" kern="1200">
+                <a:solidFill>
+                  <a:schemeClr val="tx1"/>
+                </a:solidFill>
+                <a:latin typeface="+mn-lt"/>
+                <a:ea typeface="+mn-ea"/>
+                <a:cs typeface="+mn-cs"/>
+              </a:defRPr>
+            </a:lvl8pPr>
+            <a:lvl9pPr marL="3657600" indent="0" algn="l" defTabSz="914400" rtl="0" eaLnBrk="1" latinLnBrk="0" hangingPunct="1">
+              <a:lnSpc>
+                <a:spcPct val="90000"/>
+              </a:lnSpc>
+              <a:spcBef>
+                <a:spcPts val="500"/>
+              </a:spcBef>
+              <a:buFont typeface="Arial" panose="020B0604020202020204" pitchFamily="34" charset="0"/>
+              <a:buNone/>
+              <a:defRPr sz="1000" kern="1200">
+                <a:solidFill>
+                  <a:schemeClr val="tx1"/>
+                </a:solidFill>
+                <a:latin typeface="+mn-lt"/>
+                <a:ea typeface="+mn-ea"/>
+                <a:cs typeface="+mn-cs"/>
+              </a:defRPr>
+            </a:lvl9pPr>
+          </a:lstStyle>
+          <a:p>
+            <a:pPr marL="285750" indent="-285750">
+              <a:buFont typeface="Arial" panose="020B0604020202020204" pitchFamily="34" charset="0"/>
+              <a:buChar char="•"/>
+            </a:pPr>
+            <a:endParaRPr lang="en-US" sz="1600" dirty="0">
+              <a:solidFill>
+                <a:srgbClr val="023047"/>
+              </a:solidFill>
+              <a:latin typeface="Arial" panose="020B0604020202020204" pitchFamily="34" charset="0"/>
+              <a:cs typeface="Arial" panose="020B0604020202020204" pitchFamily="34" charset="0"/>
+            </a:endParaRPr>
           </a:p>
         </p:txBody>
       </p:sp>
     </p:spTree>
     <p:extLst>
       <p:ext uri="{BB962C8B-B14F-4D97-AF65-F5344CB8AC3E}">
-        <p14:creationId xmlns:p14="http://schemas.microsoft.com/office/powerpoint/2010/main" val="102854152"/>
+        <p14:creationId xmlns:p14="http://schemas.microsoft.com/office/powerpoint/2010/main" val="3194240597"/>
       </p:ext>
     </p:extLst>
   </p:cSld>
@@ -5499,10 +5721,10 @@
       </p:sp>
       <p:pic>
         <p:nvPicPr>
-          <p:cNvPr id="7" name="Picture 6" descr="Diagram&#10;&#10;Description automatically generated">
-            <a:extLst>
-              <a:ext uri="{FF2B5EF4-FFF2-40B4-BE49-F238E27FC236}">
-                <a16:creationId xmlns:a16="http://schemas.microsoft.com/office/drawing/2014/main" id="{6929CB6A-C7D5-4D9D-BE6F-DC88CFB05168}"/>
+          <p:cNvPr id="5" name="Picture 4" descr="Diagram&#10;&#10;Description automatically generated">
+            <a:extLst>
+              <a:ext uri="{FF2B5EF4-FFF2-40B4-BE49-F238E27FC236}">
+                <a16:creationId xmlns:a16="http://schemas.microsoft.com/office/drawing/2014/main" id="{74AF16CC-8489-450E-BD20-6DA0F1850C6F}"/>
               </a:ext>
             </a:extLst>
           </p:cNvPr>
@@ -5525,8 +5747,8 @@
         </p:blipFill>
         <p:spPr>
           <a:xfrm>
-            <a:off x="5685809" y="523346"/>
-            <a:ext cx="6009367" cy="5820801"/>
+            <a:off x="5727192" y="883602"/>
+            <a:ext cx="5967984" cy="5090160"/>
           </a:xfrm>
           <a:prstGeom prst="rect">
             <a:avLst/>
@@ -5538,7 +5760,7 @@
           <p:cNvPr id="14" name="Text Placeholder 7">
             <a:extLst>
               <a:ext uri="{FF2B5EF4-FFF2-40B4-BE49-F238E27FC236}">
-                <a16:creationId xmlns:a16="http://schemas.microsoft.com/office/drawing/2014/main" id="{DAF13F89-E802-4348-92D1-F07C12495B68}"/>
+                <a16:creationId xmlns:a16="http://schemas.microsoft.com/office/drawing/2014/main" id="{0566D72A-B375-496A-9BFA-542092CEEE4B}"/>
               </a:ext>
             </a:extLst>
           </p:cNvPr>
@@ -5551,7 +5773,7 @@
         </p:nvSpPr>
         <p:spPr>
           <a:xfrm>
-            <a:off x="590719" y="2330505"/>
+            <a:off x="646095" y="2303873"/>
             <a:ext cx="4559425" cy="3979585"/>
           </a:xfrm>
         </p:spPr>
@@ -5561,153 +5783,78 @@
           </a:bodyPr>
           <a:lstStyle/>
           <a:p>
-            <a:pPr marL="285750" indent="-285750">
+            <a:pPr indent="-228600">
               <a:buFont typeface="Arial" panose="020B0604020202020204" pitchFamily="34" charset="0"/>
               <a:buChar char="•"/>
             </a:pPr>
             <a:r>
-              <a:rPr lang="en-US" sz="1600" dirty="0">
+              <a:rPr lang="en-US" sz="1800" dirty="0">
                 <a:solidFill>
                   <a:srgbClr val="023047"/>
                 </a:solidFill>
                 <a:cs typeface="Arial" panose="020B0604020202020204" pitchFamily="34" charset="0"/>
               </a:rPr>
-              <a:t>The assistant start the interaction greeting the user and informing them of (eventual) pending notes left by other users of the same device</a:t>
-            </a:r>
-          </a:p>
-          <a:p>
-            <a:pPr marL="285750" indent="-285750">
+              <a:t>Registration Steps:</a:t>
+            </a:r>
+          </a:p>
+          <a:p>
+            <a:pPr lvl="1" indent="-228600">
               <a:buFont typeface="Arial" panose="020B0604020202020204" pitchFamily="34" charset="0"/>
               <a:buChar char="•"/>
             </a:pPr>
             <a:r>
-              <a:rPr lang="en-US" sz="1600" dirty="0">
+              <a:rPr lang="en-US" sz="1800" dirty="0">
                 <a:solidFill>
                   <a:srgbClr val="023047"/>
                 </a:solidFill>
                 <a:cs typeface="Arial" panose="020B0604020202020204" pitchFamily="34" charset="0"/>
               </a:rPr>
-              <a:t>The interaction proceeds with one of the possible actions: </a:t>
-            </a:r>
-          </a:p>
-          <a:p>
-            <a:pPr marL="742950" lvl="1" indent="-285750">
+              <a:t>After recognition fails the assistant attempt the registration of the user</a:t>
+            </a:r>
+          </a:p>
+          <a:p>
+            <a:pPr lvl="1" indent="-228600">
               <a:buFont typeface="Arial" panose="020B0604020202020204" pitchFamily="34" charset="0"/>
               <a:buChar char="•"/>
             </a:pPr>
             <a:r>
-              <a:rPr lang="it-IT" dirty="0">
+              <a:rPr lang="en-US" sz="1800" dirty="0">
                 <a:solidFill>
                   <a:srgbClr val="023047"/>
                 </a:solidFill>
                 <a:cs typeface="Arial" panose="020B0604020202020204" pitchFamily="34" charset="0"/>
               </a:rPr>
-              <a:t>Nuova nota: </a:t>
-            </a:r>
-            <a:r>
-              <a:rPr lang="en-US" dirty="0">
+              <a:t>Ask the name which the person wants to register with</a:t>
+            </a:r>
+          </a:p>
+          <a:p>
+            <a:pPr lvl="1" indent="-228600">
+              <a:buFont typeface="Arial" panose="020B0604020202020204" pitchFamily="34" charset="0"/>
+              <a:buChar char="•"/>
+            </a:pPr>
+            <a:r>
+              <a:rPr lang="en-US" sz="1800" dirty="0">
                 <a:solidFill>
                   <a:srgbClr val="023047"/>
                 </a:solidFill>
                 <a:cs typeface="Arial" panose="020B0604020202020204" pitchFamily="34" charset="0"/>
               </a:rPr>
-              <a:t>create a new note</a:t>
-            </a:r>
-          </a:p>
-          <a:p>
-            <a:pPr marL="742950" lvl="1" indent="-285750">
+              <a:t>Compute face encodings from the detection frame (the frame that started it all)</a:t>
+            </a:r>
+          </a:p>
+          <a:p>
+            <a:pPr lvl="1" indent="-228600">
               <a:buFont typeface="Arial" panose="020B0604020202020204" pitchFamily="34" charset="0"/>
               <a:buChar char="•"/>
             </a:pPr>
             <a:r>
-              <a:rPr lang="it-IT" dirty="0">
+              <a:rPr lang="en-US" sz="1800" dirty="0">
                 <a:solidFill>
                   <a:srgbClr val="023047"/>
                 </a:solidFill>
                 <a:cs typeface="Arial" panose="020B0604020202020204" pitchFamily="34" charset="0"/>
               </a:rPr>
-              <a:t>Modifica: </a:t>
-            </a:r>
-            <a:r>
-              <a:rPr lang="en-US" dirty="0">
-                <a:solidFill>
-                  <a:srgbClr val="023047"/>
-                </a:solidFill>
-                <a:cs typeface="Arial" panose="020B0604020202020204" pitchFamily="34" charset="0"/>
-              </a:rPr>
-              <a:t>edit a previously created note</a:t>
-            </a:r>
-          </a:p>
-          <a:p>
-            <a:pPr marL="742950" lvl="1" indent="-285750">
-              <a:buFont typeface="Arial" panose="020B0604020202020204" pitchFamily="34" charset="0"/>
-              <a:buChar char="•"/>
-            </a:pPr>
-            <a:r>
-              <a:rPr lang="it-IT" dirty="0">
-                <a:solidFill>
-                  <a:srgbClr val="023047"/>
-                </a:solidFill>
-                <a:cs typeface="Arial" panose="020B0604020202020204" pitchFamily="34" charset="0"/>
-              </a:rPr>
-              <a:t>Rimuovi: </a:t>
-            </a:r>
-            <a:r>
-              <a:rPr lang="en-US" dirty="0">
-                <a:solidFill>
-                  <a:srgbClr val="023047"/>
-                </a:solidFill>
-                <a:cs typeface="Arial" panose="020B0604020202020204" pitchFamily="34" charset="0"/>
-              </a:rPr>
-              <a:t>remove a previously created </a:t>
-            </a:r>
-            <a:r>
-              <a:rPr lang="it-IT" dirty="0">
-                <a:solidFill>
-                  <a:srgbClr val="023047"/>
-                </a:solidFill>
-                <a:cs typeface="Arial" panose="020B0604020202020204" pitchFamily="34" charset="0"/>
-              </a:rPr>
-              <a:t>note</a:t>
-            </a:r>
-          </a:p>
-          <a:p>
-            <a:pPr marL="742950" lvl="1" indent="-285750">
-              <a:buFont typeface="Arial" panose="020B0604020202020204" pitchFamily="34" charset="0"/>
-              <a:buChar char="•"/>
-            </a:pPr>
-            <a:r>
-              <a:rPr lang="it-IT" dirty="0">
-                <a:solidFill>
-                  <a:srgbClr val="023047"/>
-                </a:solidFill>
-                <a:cs typeface="Arial" panose="020B0604020202020204" pitchFamily="34" charset="0"/>
-              </a:rPr>
-              <a:t>Termina: stop the </a:t>
-            </a:r>
-            <a:r>
-              <a:rPr lang="en-US" dirty="0">
-                <a:solidFill>
-                  <a:srgbClr val="023047"/>
-                </a:solidFill>
-                <a:cs typeface="Arial" panose="020B0604020202020204" pitchFamily="34" charset="0"/>
-              </a:rPr>
-              <a:t>interaction</a:t>
-            </a:r>
-          </a:p>
-          <a:p>
-            <a:pPr marL="285750" indent="-285750">
-              <a:buFont typeface="Arial" panose="020B0604020202020204" pitchFamily="34" charset="0"/>
-              <a:buChar char="•"/>
-            </a:pPr>
-            <a:r>
-              <a:rPr lang="en-US" dirty="0">
-                <a:solidFill>
-                  <a:srgbClr val="023047"/>
-                </a:solidFill>
-                <a:cs typeface="Arial" panose="020B0604020202020204" pitchFamily="34" charset="0"/>
-              </a:rPr>
-              <a:t>The selection of the action is done with a hot-words based approach that takes into consideration synonyms of words related to the actions</a:t>
+              <a:t>Create a new instance of the Member class, commit it to memory, and inform the user they are now part of the Clan</a:t>
             </a:r>
           </a:p>
         </p:txBody>
@@ -5715,7 +5862,7 @@
     </p:spTree>
     <p:extLst>
       <p:ext uri="{BB962C8B-B14F-4D97-AF65-F5344CB8AC3E}">
-        <p14:creationId xmlns:p14="http://schemas.microsoft.com/office/powerpoint/2010/main" val="1063739430"/>
+        <p14:creationId xmlns:p14="http://schemas.microsoft.com/office/powerpoint/2010/main" val="102854152"/>
       </p:ext>
     </p:extLst>
   </p:cSld>
@@ -5880,8 +6027,8 @@
         </p:nvSpPr>
         <p:spPr>
           <a:xfrm>
-            <a:off x="621436" y="694944"/>
-            <a:ext cx="4864963" cy="1289304"/>
+            <a:off x="589560" y="694944"/>
+            <a:ext cx="4672496" cy="1289304"/>
           </a:xfrm>
         </p:spPr>
         <p:txBody>
@@ -5891,14 +6038,14 @@
           <a:lstStyle/>
           <a:p>
             <a:r>
-              <a:rPr lang="en-US" sz="3600" dirty="0">
+              <a:rPr lang="en-US" sz="5400" dirty="0">
                 <a:solidFill>
                   <a:srgbClr val="FFC000"/>
                 </a:solidFill>
               </a:rPr>
-              <a:t>Face Detection &amp; Recognition</a:t>
-            </a:r>
-            <a:endParaRPr lang="en-US" sz="2800" dirty="0">
+              <a:t>Interactions</a:t>
+            </a:r>
+            <a:endParaRPr lang="en-US" sz="4400" dirty="0">
               <a:solidFill>
                 <a:srgbClr val="FFC000"/>
               </a:solidFill>
@@ -6125,44 +6272,6 @@
       </p:sp>
       <p:sp>
         <p:nvSpPr>
-          <p:cNvPr id="8" name="Text Placeholder 7">
-            <a:extLst>
-              <a:ext uri="{FF2B5EF4-FFF2-40B4-BE49-F238E27FC236}">
-                <a16:creationId xmlns:a16="http://schemas.microsoft.com/office/drawing/2014/main" id="{958D5C89-C119-4811-886C-7F28128E6C98}"/>
-              </a:ext>
-            </a:extLst>
-          </p:cNvPr>
-          <p:cNvSpPr>
-            <a:spLocks noGrp="1"/>
-          </p:cNvSpPr>
-          <p:nvPr>
-            <p:ph type="body" sz="half" idx="2"/>
-          </p:nvPr>
-        </p:nvSpPr>
-        <p:spPr>
-          <a:xfrm>
-            <a:off x="590719" y="2330505"/>
-            <a:ext cx="4559425" cy="3979585"/>
-          </a:xfrm>
-        </p:spPr>
-        <p:txBody>
-          <a:bodyPr vert="horz" lIns="91440" tIns="45720" rIns="91440" bIns="45720" rtlCol="0" anchor="ctr">
-            <a:normAutofit/>
-          </a:bodyPr>
-          <a:lstStyle/>
-          <a:p>
-            <a:endParaRPr lang="en-US" dirty="0">
-              <a:solidFill>
-                <a:srgbClr val="023047"/>
-              </a:solidFill>
-              <a:latin typeface="Arial" panose="020B0604020202020204" pitchFamily="34" charset="0"/>
-              <a:cs typeface="Arial" panose="020B0604020202020204" pitchFamily="34" charset="0"/>
-            </a:endParaRPr>
-          </a:p>
-        </p:txBody>
-      </p:sp>
-      <p:sp>
-        <p:nvSpPr>
           <p:cNvPr id="51" name="Rectangle 50">
             <a:extLst>
               <a:ext uri="{FF2B5EF4-FFF2-40B4-BE49-F238E27FC236}">
@@ -6296,10 +6405,10 @@
       </p:sp>
       <p:pic>
         <p:nvPicPr>
-          <p:cNvPr id="18" name="Content Placeholder 15">
-            <a:extLst>
-              <a:ext uri="{FF2B5EF4-FFF2-40B4-BE49-F238E27FC236}">
-                <a16:creationId xmlns:a16="http://schemas.microsoft.com/office/drawing/2014/main" id="{C1AF6B82-DDFD-4F28-A560-079AB868A653}"/>
+          <p:cNvPr id="7" name="Picture 6" descr="Diagram&#10;&#10;Description automatically generated">
+            <a:extLst>
+              <a:ext uri="{FF2B5EF4-FFF2-40B4-BE49-F238E27FC236}">
+                <a16:creationId xmlns:a16="http://schemas.microsoft.com/office/drawing/2014/main" id="{6929CB6A-C7D5-4D9D-BE6F-DC88CFB05168}"/>
               </a:ext>
             </a:extLst>
           </p:cNvPr>
@@ -6309,146 +6418,210 @@
           <p:nvPr/>
         </p:nvPicPr>
         <p:blipFill>
-          <a:blip r:embed="rId2"/>
+          <a:blip r:embed="rId2">
+            <a:extLst>
+              <a:ext uri="{28A0092B-C50C-407E-A947-70E740481C1C}">
+                <a14:useLocalDpi xmlns:a14="http://schemas.microsoft.com/office/drawing/2010/main" val="0"/>
+              </a:ext>
+            </a:extLst>
+          </a:blip>
           <a:stretch>
             <a:fillRect/>
           </a:stretch>
         </p:blipFill>
         <p:spPr>
           <a:xfrm>
-            <a:off x="5486399" y="1043810"/>
-            <a:ext cx="6199632" cy="876178"/>
+            <a:off x="5685809" y="523346"/>
+            <a:ext cx="6009367" cy="5820801"/>
           </a:xfrm>
           <a:prstGeom prst="rect">
             <a:avLst/>
           </a:prstGeom>
         </p:spPr>
       </p:pic>
-      <p:pic>
-        <p:nvPicPr>
-          <p:cNvPr id="20" name="Picture 19">
-            <a:extLst>
-              <a:ext uri="{FF2B5EF4-FFF2-40B4-BE49-F238E27FC236}">
-                <a16:creationId xmlns:a16="http://schemas.microsoft.com/office/drawing/2014/main" id="{B6AFF0CD-EA0B-4D2C-8FED-68BE0AB7B6B2}"/>
-              </a:ext>
-            </a:extLst>
-          </p:cNvPr>
-          <p:cNvPicPr>
-            <a:picLocks noChangeAspect="1"/>
-          </p:cNvPicPr>
-          <p:nvPr/>
-        </p:nvPicPr>
-        <p:blipFill>
-          <a:blip r:embed="rId3"/>
-          <a:stretch>
-            <a:fillRect/>
-          </a:stretch>
-        </p:blipFill>
+      <p:sp>
+        <p:nvSpPr>
+          <p:cNvPr id="14" name="Text Placeholder 7">
+            <a:extLst>
+              <a:ext uri="{FF2B5EF4-FFF2-40B4-BE49-F238E27FC236}">
+                <a16:creationId xmlns:a16="http://schemas.microsoft.com/office/drawing/2014/main" id="{DAF13F89-E802-4348-92D1-F07C12495B68}"/>
+              </a:ext>
+            </a:extLst>
+          </p:cNvPr>
+          <p:cNvSpPr>
+            <a:spLocks noGrp="1"/>
+          </p:cNvSpPr>
+          <p:nvPr>
+            <p:ph type="body" sz="half" idx="2"/>
+          </p:nvPr>
+        </p:nvSpPr>
         <p:spPr>
           <a:xfrm>
-            <a:off x="5495544" y="500797"/>
-            <a:ext cx="6199632" cy="440922"/>
-          </a:xfrm>
-          <a:prstGeom prst="rect">
-            <a:avLst/>
-          </a:prstGeom>
-        </p:spPr>
-      </p:pic>
-      <p:pic>
-        <p:nvPicPr>
-          <p:cNvPr id="21" name="Picture 20">
-            <a:extLst>
-              <a:ext uri="{FF2B5EF4-FFF2-40B4-BE49-F238E27FC236}">
-                <a16:creationId xmlns:a16="http://schemas.microsoft.com/office/drawing/2014/main" id="{B3516148-B335-4F0B-8822-A764D0CBF633}"/>
-              </a:ext>
-            </a:extLst>
-          </p:cNvPr>
-          <p:cNvPicPr>
-            <a:picLocks noChangeAspect="1"/>
-          </p:cNvPicPr>
-          <p:nvPr/>
-        </p:nvPicPr>
-        <p:blipFill>
-          <a:blip r:embed="rId4"/>
-          <a:stretch>
-            <a:fillRect/>
-          </a:stretch>
-        </p:blipFill>
-        <p:spPr>
-          <a:xfrm>
-            <a:off x="5486399" y="2041971"/>
-            <a:ext cx="6201829" cy="892638"/>
-          </a:xfrm>
-          <a:prstGeom prst="rect">
-            <a:avLst/>
-          </a:prstGeom>
-        </p:spPr>
-      </p:pic>
-      <p:pic>
-        <p:nvPicPr>
-          <p:cNvPr id="22" name="Picture Placeholder 17">
-            <a:extLst>
-              <a:ext uri="{FF2B5EF4-FFF2-40B4-BE49-F238E27FC236}">
-                <a16:creationId xmlns:a16="http://schemas.microsoft.com/office/drawing/2014/main" id="{4A776694-E0F9-4585-9979-C08796D9FA2B}"/>
-              </a:ext>
-            </a:extLst>
-          </p:cNvPr>
-          <p:cNvPicPr>
-            <a:picLocks noGrp="1" noChangeAspect="1"/>
-          </p:cNvPicPr>
-          <p:nvPr>
-            <p:ph type="pic" idx="1"/>
-          </p:nvPr>
-        </p:nvPicPr>
-        <p:blipFill rotWithShape="1">
-          <a:blip r:embed="rId5"/>
-          <a:srcRect t="-155609" b="-155609"/>
-          <a:stretch/>
-        </p:blipFill>
-        <p:spPr>
-          <a:xfrm>
-            <a:off x="5493347" y="2674183"/>
-            <a:ext cx="6201830" cy="6011944"/>
-          </a:xfrm>
-          <a:prstGeom prst="rect">
-            <a:avLst/>
-          </a:prstGeom>
-        </p:spPr>
-      </p:pic>
-      <p:pic>
-        <p:nvPicPr>
-          <p:cNvPr id="23" name="Picture 22">
-            <a:extLst>
-              <a:ext uri="{FF2B5EF4-FFF2-40B4-BE49-F238E27FC236}">
-                <a16:creationId xmlns:a16="http://schemas.microsoft.com/office/drawing/2014/main" id="{C8F2D7A5-32FA-407E-96B2-3A9E460A45AA}"/>
-              </a:ext>
-            </a:extLst>
-          </p:cNvPr>
-          <p:cNvPicPr>
-            <a:picLocks noChangeAspect="1"/>
-          </p:cNvPicPr>
-          <p:nvPr/>
-        </p:nvPicPr>
-        <p:blipFill>
-          <a:blip r:embed="rId6"/>
-          <a:stretch>
-            <a:fillRect/>
-          </a:stretch>
-        </p:blipFill>
-        <p:spPr>
-          <a:xfrm>
-            <a:off x="5486399" y="3056592"/>
-            <a:ext cx="6208777" cy="1758710"/>
-          </a:xfrm>
-          <a:prstGeom prst="rect">
-            <a:avLst/>
-          </a:prstGeom>
-        </p:spPr>
-      </p:pic>
+            <a:off x="590719" y="2330505"/>
+            <a:ext cx="4559425" cy="3979585"/>
+          </a:xfrm>
+        </p:spPr>
+        <p:txBody>
+          <a:bodyPr vert="horz" lIns="91440" tIns="45720" rIns="91440" bIns="45720" rtlCol="0" anchor="ctr">
+            <a:normAutofit/>
+          </a:bodyPr>
+          <a:lstStyle/>
+          <a:p>
+            <a:pPr marL="285750" indent="-285750">
+              <a:buFont typeface="Arial" panose="020B0604020202020204" pitchFamily="34" charset="0"/>
+              <a:buChar char="•"/>
+            </a:pPr>
+            <a:r>
+              <a:rPr lang="en-US" sz="1600" dirty="0">
+                <a:solidFill>
+                  <a:srgbClr val="023047"/>
+                </a:solidFill>
+                <a:cs typeface="Arial" panose="020B0604020202020204" pitchFamily="34" charset="0"/>
+              </a:rPr>
+              <a:t>The assistant start the interaction greeting the user and informing them of (eventual) pending notes left by other users of the same device</a:t>
+            </a:r>
+          </a:p>
+          <a:p>
+            <a:pPr marL="285750" indent="-285750">
+              <a:buFont typeface="Arial" panose="020B0604020202020204" pitchFamily="34" charset="0"/>
+              <a:buChar char="•"/>
+            </a:pPr>
+            <a:r>
+              <a:rPr lang="en-US" sz="1600" dirty="0">
+                <a:solidFill>
+                  <a:srgbClr val="023047"/>
+                </a:solidFill>
+                <a:cs typeface="Arial" panose="020B0604020202020204" pitchFamily="34" charset="0"/>
+              </a:rPr>
+              <a:t>The interaction proceeds with one of the possible actions: </a:t>
+            </a:r>
+          </a:p>
+          <a:p>
+            <a:pPr marL="742950" lvl="1" indent="-285750">
+              <a:buFont typeface="Arial" panose="020B0604020202020204" pitchFamily="34" charset="0"/>
+              <a:buChar char="•"/>
+            </a:pPr>
+            <a:r>
+              <a:rPr lang="it-IT" dirty="0">
+                <a:solidFill>
+                  <a:srgbClr val="023047"/>
+                </a:solidFill>
+                <a:cs typeface="Arial" panose="020B0604020202020204" pitchFamily="34" charset="0"/>
+              </a:rPr>
+              <a:t>Nuova nota: </a:t>
+            </a:r>
+            <a:r>
+              <a:rPr lang="en-US" dirty="0">
+                <a:solidFill>
+                  <a:srgbClr val="023047"/>
+                </a:solidFill>
+                <a:cs typeface="Arial" panose="020B0604020202020204" pitchFamily="34" charset="0"/>
+              </a:rPr>
+              <a:t>create a new note</a:t>
+            </a:r>
+          </a:p>
+          <a:p>
+            <a:pPr marL="742950" lvl="1" indent="-285750">
+              <a:buFont typeface="Arial" panose="020B0604020202020204" pitchFamily="34" charset="0"/>
+              <a:buChar char="•"/>
+            </a:pPr>
+            <a:r>
+              <a:rPr lang="it-IT" dirty="0">
+                <a:solidFill>
+                  <a:srgbClr val="023047"/>
+                </a:solidFill>
+                <a:cs typeface="Arial" panose="020B0604020202020204" pitchFamily="34" charset="0"/>
+              </a:rPr>
+              <a:t>Modifica: </a:t>
+            </a:r>
+            <a:r>
+              <a:rPr lang="en-US" dirty="0">
+                <a:solidFill>
+                  <a:srgbClr val="023047"/>
+                </a:solidFill>
+                <a:cs typeface="Arial" panose="020B0604020202020204" pitchFamily="34" charset="0"/>
+              </a:rPr>
+              <a:t>edit a previously created note</a:t>
+            </a:r>
+          </a:p>
+          <a:p>
+            <a:pPr marL="742950" lvl="1" indent="-285750">
+              <a:buFont typeface="Arial" panose="020B0604020202020204" pitchFamily="34" charset="0"/>
+              <a:buChar char="•"/>
+            </a:pPr>
+            <a:r>
+              <a:rPr lang="it-IT" dirty="0">
+                <a:solidFill>
+                  <a:srgbClr val="023047"/>
+                </a:solidFill>
+                <a:cs typeface="Arial" panose="020B0604020202020204" pitchFamily="34" charset="0"/>
+              </a:rPr>
+              <a:t>Rimuovi: </a:t>
+            </a:r>
+            <a:r>
+              <a:rPr lang="en-US" dirty="0">
+                <a:solidFill>
+                  <a:srgbClr val="023047"/>
+                </a:solidFill>
+                <a:cs typeface="Arial" panose="020B0604020202020204" pitchFamily="34" charset="0"/>
+              </a:rPr>
+              <a:t>remove a previously created </a:t>
+            </a:r>
+            <a:r>
+              <a:rPr lang="it-IT" dirty="0">
+                <a:solidFill>
+                  <a:srgbClr val="023047"/>
+                </a:solidFill>
+                <a:cs typeface="Arial" panose="020B0604020202020204" pitchFamily="34" charset="0"/>
+              </a:rPr>
+              <a:t>note</a:t>
+            </a:r>
+          </a:p>
+          <a:p>
+            <a:pPr marL="742950" lvl="1" indent="-285750">
+              <a:buFont typeface="Arial" panose="020B0604020202020204" pitchFamily="34" charset="0"/>
+              <a:buChar char="•"/>
+            </a:pPr>
+            <a:r>
+              <a:rPr lang="it-IT" dirty="0">
+                <a:solidFill>
+                  <a:srgbClr val="023047"/>
+                </a:solidFill>
+                <a:cs typeface="Arial" panose="020B0604020202020204" pitchFamily="34" charset="0"/>
+              </a:rPr>
+              <a:t>Termina: stop the </a:t>
+            </a:r>
+            <a:r>
+              <a:rPr lang="en-US" dirty="0">
+                <a:solidFill>
+                  <a:srgbClr val="023047"/>
+                </a:solidFill>
+                <a:cs typeface="Arial" panose="020B0604020202020204" pitchFamily="34" charset="0"/>
+              </a:rPr>
+              <a:t>interaction</a:t>
+            </a:r>
+          </a:p>
+          <a:p>
+            <a:pPr marL="285750" indent="-285750">
+              <a:buFont typeface="Arial" panose="020B0604020202020204" pitchFamily="34" charset="0"/>
+              <a:buChar char="•"/>
+            </a:pPr>
+            <a:r>
+              <a:rPr lang="en-US" dirty="0">
+                <a:solidFill>
+                  <a:srgbClr val="023047"/>
+                </a:solidFill>
+                <a:cs typeface="Arial" panose="020B0604020202020204" pitchFamily="34" charset="0"/>
+              </a:rPr>
+              <a:t>The selection of the action is done with a hot-words based approach that takes into consideration synonyms of words related to the actions</a:t>
+            </a:r>
+          </a:p>
+        </p:txBody>
+      </p:sp>
     </p:spTree>
     <p:extLst>
       <p:ext uri="{BB962C8B-B14F-4D97-AF65-F5344CB8AC3E}">
-        <p14:creationId xmlns:p14="http://schemas.microsoft.com/office/powerpoint/2010/main" val="858608500"/>
+        <p14:creationId xmlns:p14="http://schemas.microsoft.com/office/powerpoint/2010/main" val="1063739430"/>
       </p:ext>
     </p:extLst>
   </p:cSld>
@@ -6624,30 +6797,14 @@
           <a:lstStyle/>
           <a:p>
             <a:r>
-              <a:rPr lang="en-US" sz="3600" dirty="0" err="1">
-                <a:solidFill>
-                  <a:srgbClr val="FFC000"/>
-                </a:solidFill>
-              </a:rPr>
-              <a:t>TextToSpeech</a:t>
-            </a:r>
-            <a:r>
               <a:rPr lang="en-US" sz="3600" dirty="0">
                 <a:solidFill>
                   <a:srgbClr val="FFC000"/>
                 </a:solidFill>
               </a:rPr>
-              <a:t> &amp; </a:t>
-            </a:r>
-            <a:r>
-              <a:rPr lang="en-US" sz="3600" dirty="0" err="1">
-                <a:solidFill>
-                  <a:srgbClr val="FFC000"/>
-                </a:solidFill>
-              </a:rPr>
-              <a:t>SpeechToText</a:t>
-            </a:r>
-            <a:endParaRPr lang="en-US" sz="3600" dirty="0">
+              <a:t>Face Detection &amp; Recognition</a:t>
+            </a:r>
+            <a:endParaRPr lang="en-US" sz="2800" dirty="0">
               <a:solidFill>
                 <a:srgbClr val="FFC000"/>
               </a:solidFill>
@@ -6874,6 +7031,44 @@
       </p:sp>
       <p:sp>
         <p:nvSpPr>
+          <p:cNvPr id="8" name="Text Placeholder 7">
+            <a:extLst>
+              <a:ext uri="{FF2B5EF4-FFF2-40B4-BE49-F238E27FC236}">
+                <a16:creationId xmlns:a16="http://schemas.microsoft.com/office/drawing/2014/main" id="{958D5C89-C119-4811-886C-7F28128E6C98}"/>
+              </a:ext>
+            </a:extLst>
+          </p:cNvPr>
+          <p:cNvSpPr>
+            <a:spLocks noGrp="1"/>
+          </p:cNvSpPr>
+          <p:nvPr>
+            <p:ph type="body" sz="half" idx="2"/>
+          </p:nvPr>
+        </p:nvSpPr>
+        <p:spPr>
+          <a:xfrm>
+            <a:off x="590719" y="2330505"/>
+            <a:ext cx="4559425" cy="3979585"/>
+          </a:xfrm>
+        </p:spPr>
+        <p:txBody>
+          <a:bodyPr vert="horz" lIns="91440" tIns="45720" rIns="91440" bIns="45720" rtlCol="0" anchor="ctr">
+            <a:normAutofit/>
+          </a:bodyPr>
+          <a:lstStyle/>
+          <a:p>
+            <a:endParaRPr lang="en-US" dirty="0">
+              <a:solidFill>
+                <a:srgbClr val="023047"/>
+              </a:solidFill>
+              <a:latin typeface="Arial" panose="020B0604020202020204" pitchFamily="34" charset="0"/>
+              <a:cs typeface="Arial" panose="020B0604020202020204" pitchFamily="34" charset="0"/>
+            </a:endParaRPr>
+          </a:p>
+        </p:txBody>
+      </p:sp>
+      <p:sp>
+        <p:nvSpPr>
           <p:cNvPr id="51" name="Rectangle 50">
             <a:extLst>
               <a:ext uri="{FF2B5EF4-FFF2-40B4-BE49-F238E27FC236}">
@@ -7007,6 +7202,717 @@
       </p:sp>
       <p:pic>
         <p:nvPicPr>
+          <p:cNvPr id="18" name="Content Placeholder 15">
+            <a:extLst>
+              <a:ext uri="{FF2B5EF4-FFF2-40B4-BE49-F238E27FC236}">
+                <a16:creationId xmlns:a16="http://schemas.microsoft.com/office/drawing/2014/main" id="{C1AF6B82-DDFD-4F28-A560-079AB868A653}"/>
+              </a:ext>
+            </a:extLst>
+          </p:cNvPr>
+          <p:cNvPicPr>
+            <a:picLocks noChangeAspect="1"/>
+          </p:cNvPicPr>
+          <p:nvPr/>
+        </p:nvPicPr>
+        <p:blipFill>
+          <a:blip r:embed="rId2"/>
+          <a:stretch>
+            <a:fillRect/>
+          </a:stretch>
+        </p:blipFill>
+        <p:spPr>
+          <a:xfrm>
+            <a:off x="5486399" y="1043810"/>
+            <a:ext cx="6199632" cy="876178"/>
+          </a:xfrm>
+          <a:prstGeom prst="rect">
+            <a:avLst/>
+          </a:prstGeom>
+        </p:spPr>
+      </p:pic>
+      <p:pic>
+        <p:nvPicPr>
+          <p:cNvPr id="20" name="Picture 19">
+            <a:extLst>
+              <a:ext uri="{FF2B5EF4-FFF2-40B4-BE49-F238E27FC236}">
+                <a16:creationId xmlns:a16="http://schemas.microsoft.com/office/drawing/2014/main" id="{B6AFF0CD-EA0B-4D2C-8FED-68BE0AB7B6B2}"/>
+              </a:ext>
+            </a:extLst>
+          </p:cNvPr>
+          <p:cNvPicPr>
+            <a:picLocks noChangeAspect="1"/>
+          </p:cNvPicPr>
+          <p:nvPr/>
+        </p:nvPicPr>
+        <p:blipFill>
+          <a:blip r:embed="rId3"/>
+          <a:stretch>
+            <a:fillRect/>
+          </a:stretch>
+        </p:blipFill>
+        <p:spPr>
+          <a:xfrm>
+            <a:off x="5495544" y="500797"/>
+            <a:ext cx="6199632" cy="440922"/>
+          </a:xfrm>
+          <a:prstGeom prst="rect">
+            <a:avLst/>
+          </a:prstGeom>
+        </p:spPr>
+      </p:pic>
+      <p:pic>
+        <p:nvPicPr>
+          <p:cNvPr id="21" name="Picture 20">
+            <a:extLst>
+              <a:ext uri="{FF2B5EF4-FFF2-40B4-BE49-F238E27FC236}">
+                <a16:creationId xmlns:a16="http://schemas.microsoft.com/office/drawing/2014/main" id="{B3516148-B335-4F0B-8822-A764D0CBF633}"/>
+              </a:ext>
+            </a:extLst>
+          </p:cNvPr>
+          <p:cNvPicPr>
+            <a:picLocks noChangeAspect="1"/>
+          </p:cNvPicPr>
+          <p:nvPr/>
+        </p:nvPicPr>
+        <p:blipFill>
+          <a:blip r:embed="rId4"/>
+          <a:stretch>
+            <a:fillRect/>
+          </a:stretch>
+        </p:blipFill>
+        <p:spPr>
+          <a:xfrm>
+            <a:off x="5486399" y="2041971"/>
+            <a:ext cx="6201829" cy="892638"/>
+          </a:xfrm>
+          <a:prstGeom prst="rect">
+            <a:avLst/>
+          </a:prstGeom>
+        </p:spPr>
+      </p:pic>
+      <p:pic>
+        <p:nvPicPr>
+          <p:cNvPr id="22" name="Picture Placeholder 17">
+            <a:extLst>
+              <a:ext uri="{FF2B5EF4-FFF2-40B4-BE49-F238E27FC236}">
+                <a16:creationId xmlns:a16="http://schemas.microsoft.com/office/drawing/2014/main" id="{4A776694-E0F9-4585-9979-C08796D9FA2B}"/>
+              </a:ext>
+            </a:extLst>
+          </p:cNvPr>
+          <p:cNvPicPr>
+            <a:picLocks noGrp="1" noChangeAspect="1"/>
+          </p:cNvPicPr>
+          <p:nvPr>
+            <p:ph type="pic" idx="1"/>
+          </p:nvPr>
+        </p:nvPicPr>
+        <p:blipFill rotWithShape="1">
+          <a:blip r:embed="rId5"/>
+          <a:srcRect t="-155609" b="-155609"/>
+          <a:stretch/>
+        </p:blipFill>
+        <p:spPr>
+          <a:xfrm>
+            <a:off x="5493347" y="2674183"/>
+            <a:ext cx="6201830" cy="6011944"/>
+          </a:xfrm>
+          <a:prstGeom prst="rect">
+            <a:avLst/>
+          </a:prstGeom>
+        </p:spPr>
+      </p:pic>
+      <p:pic>
+        <p:nvPicPr>
+          <p:cNvPr id="23" name="Picture 22">
+            <a:extLst>
+              <a:ext uri="{FF2B5EF4-FFF2-40B4-BE49-F238E27FC236}">
+                <a16:creationId xmlns:a16="http://schemas.microsoft.com/office/drawing/2014/main" id="{C8F2D7A5-32FA-407E-96B2-3A9E460A45AA}"/>
+              </a:ext>
+            </a:extLst>
+          </p:cNvPr>
+          <p:cNvPicPr>
+            <a:picLocks noChangeAspect="1"/>
+          </p:cNvPicPr>
+          <p:nvPr/>
+        </p:nvPicPr>
+        <p:blipFill>
+          <a:blip r:embed="rId6"/>
+          <a:stretch>
+            <a:fillRect/>
+          </a:stretch>
+        </p:blipFill>
+        <p:spPr>
+          <a:xfrm>
+            <a:off x="5486399" y="3056592"/>
+            <a:ext cx="6208777" cy="1758710"/>
+          </a:xfrm>
+          <a:prstGeom prst="rect">
+            <a:avLst/>
+          </a:prstGeom>
+        </p:spPr>
+      </p:pic>
+    </p:spTree>
+    <p:extLst>
+      <p:ext uri="{BB962C8B-B14F-4D97-AF65-F5344CB8AC3E}">
+        <p14:creationId xmlns:p14="http://schemas.microsoft.com/office/powerpoint/2010/main" val="858608500"/>
+      </p:ext>
+    </p:extLst>
+  </p:cSld>
+  <p:clrMapOvr>
+    <a:masterClrMapping/>
+  </p:clrMapOvr>
+</p:sld>
+</file>
+
+<file path=ppt/slides/slide14.xml><?xml version="1.0" encoding="utf-8"?>
+<p:sld xmlns:a="http://schemas.openxmlformats.org/drawingml/2006/main" xmlns:r="http://schemas.openxmlformats.org/officeDocument/2006/relationships" xmlns:p="http://schemas.openxmlformats.org/presentationml/2006/main">
+  <p:cSld>
+    <p:bg>
+      <p:bgPr>
+        <a:solidFill>
+          <a:schemeClr val="bg1"/>
+        </a:solidFill>
+        <a:effectLst/>
+      </p:bgPr>
+    </p:bg>
+    <p:spTree>
+      <p:nvGrpSpPr>
+        <p:cNvPr id="1" name=""/>
+        <p:cNvGrpSpPr/>
+        <p:nvPr/>
+      </p:nvGrpSpPr>
+      <p:grpSpPr>
+        <a:xfrm>
+          <a:off x="0" y="0"/>
+          <a:ext cx="0" cy="0"/>
+          <a:chOff x="0" y="0"/>
+          <a:chExt cx="0" cy="0"/>
+        </a:xfrm>
+      </p:grpSpPr>
+      <p:sp useBgFill="1">
+        <p:nvSpPr>
+          <p:cNvPr id="52" name="Rectangle 42">
+            <a:extLst>
+              <a:ext uri="{FF2B5EF4-FFF2-40B4-BE49-F238E27FC236}">
+                <a16:creationId xmlns:a16="http://schemas.microsoft.com/office/drawing/2014/main" id="{201CC55D-ED54-4C5C-95E6-10947BD1103B}"/>
+              </a:ext>
+              <a:ext uri="{C183D7F6-B498-43B3-948B-1728B52AA6E4}">
+                <adec:decorative xmlns:adec="http://schemas.microsoft.com/office/drawing/2017/decorative" val="1"/>
+              </a:ext>
+            </a:extLst>
+          </p:cNvPr>
+          <p:cNvSpPr>
+            <a:spLocks noGrp="1" noRot="1" noChangeAspect="1" noMove="1" noResize="1" noEditPoints="1" noAdjustHandles="1" noChangeArrowheads="1" noChangeShapeType="1" noTextEdit="1"/>
+          </p:cNvSpPr>
+          <p:nvPr>
+            <p:extLst>
+              <p:ext uri="{386F3935-93C4-4BCD-93E2-E3B085C9AB24}">
+                <p16:designElem xmlns:p16="http://schemas.microsoft.com/office/powerpoint/2015/main" val="1"/>
+              </p:ext>
+            </p:extLst>
+          </p:nvPr>
+        </p:nvSpPr>
+        <p:spPr>
+          <a:xfrm>
+            <a:off x="0" y="0"/>
+            <a:ext cx="12191999" cy="6857365"/>
+          </a:xfrm>
+          <a:prstGeom prst="rect">
+            <a:avLst/>
+          </a:prstGeom>
+          <a:ln>
+            <a:noFill/>
+          </a:ln>
+        </p:spPr>
+        <p:style>
+          <a:lnRef idx="2">
+            <a:schemeClr val="accent1">
+              <a:shade val="50000"/>
+            </a:schemeClr>
+          </a:lnRef>
+          <a:fillRef idx="1">
+            <a:schemeClr val="accent1"/>
+          </a:fillRef>
+          <a:effectRef idx="0">
+            <a:schemeClr val="accent1"/>
+          </a:effectRef>
+          <a:fontRef idx="minor">
+            <a:schemeClr val="lt1"/>
+          </a:fontRef>
+        </p:style>
+        <p:txBody>
+          <a:bodyPr rtlCol="0" anchor="ctr"/>
+          <a:lstStyle/>
+          <a:p>
+            <a:pPr algn="ctr"/>
+            <a:endParaRPr lang="en-US"/>
+          </a:p>
+        </p:txBody>
+      </p:sp>
+      <p:sp>
+        <p:nvSpPr>
+          <p:cNvPr id="19" name="Rectangle 18">
+            <a:extLst>
+              <a:ext uri="{FF2B5EF4-FFF2-40B4-BE49-F238E27FC236}">
+                <a16:creationId xmlns:a16="http://schemas.microsoft.com/office/drawing/2014/main" id="{839D4B9E-CCF5-4693-A7D2-3F65D29B2909}"/>
+              </a:ext>
+            </a:extLst>
+          </p:cNvPr>
+          <p:cNvSpPr/>
+          <p:nvPr/>
+        </p:nvSpPr>
+        <p:spPr>
+          <a:xfrm>
+            <a:off x="355197" y="640080"/>
+            <a:ext cx="5330612" cy="1316736"/>
+          </a:xfrm>
+          <a:prstGeom prst="rect">
+            <a:avLst/>
+          </a:prstGeom>
+          <a:solidFill>
+            <a:srgbClr val="023047"/>
+          </a:solidFill>
+          <a:ln>
+            <a:noFill/>
+          </a:ln>
+        </p:spPr>
+        <p:style>
+          <a:lnRef idx="2">
+            <a:schemeClr val="accent1">
+              <a:shade val="50000"/>
+            </a:schemeClr>
+          </a:lnRef>
+          <a:fillRef idx="1">
+            <a:schemeClr val="accent1"/>
+          </a:fillRef>
+          <a:effectRef idx="0">
+            <a:schemeClr val="accent1"/>
+          </a:effectRef>
+          <a:fontRef idx="minor">
+            <a:schemeClr val="lt1"/>
+          </a:fontRef>
+        </p:style>
+        <p:txBody>
+          <a:bodyPr rtlCol="0" anchor="ctr"/>
+          <a:lstStyle/>
+          <a:p>
+            <a:pPr algn="ctr"/>
+            <a:endParaRPr lang="en-GB"/>
+          </a:p>
+        </p:txBody>
+      </p:sp>
+      <p:sp>
+        <p:nvSpPr>
+          <p:cNvPr id="2" name="Title 1">
+            <a:extLst>
+              <a:ext uri="{FF2B5EF4-FFF2-40B4-BE49-F238E27FC236}">
+                <a16:creationId xmlns:a16="http://schemas.microsoft.com/office/drawing/2014/main" id="{F703FF40-49BD-4711-8571-801EBE0CF90B}"/>
+              </a:ext>
+            </a:extLst>
+          </p:cNvPr>
+          <p:cNvSpPr>
+            <a:spLocks noGrp="1"/>
+          </p:cNvSpPr>
+          <p:nvPr>
+            <p:ph type="title"/>
+          </p:nvPr>
+        </p:nvSpPr>
+        <p:spPr>
+          <a:xfrm>
+            <a:off x="621436" y="694944"/>
+            <a:ext cx="4864963" cy="1289304"/>
+          </a:xfrm>
+        </p:spPr>
+        <p:txBody>
+          <a:bodyPr vert="horz" lIns="91440" tIns="45720" rIns="91440" bIns="45720" rtlCol="0" anchor="ctr">
+            <a:normAutofit/>
+          </a:bodyPr>
+          <a:lstStyle/>
+          <a:p>
+            <a:r>
+              <a:rPr lang="en-US" sz="3600" dirty="0" err="1">
+                <a:solidFill>
+                  <a:srgbClr val="FFC000"/>
+                </a:solidFill>
+              </a:rPr>
+              <a:t>TextToSpeech</a:t>
+            </a:r>
+            <a:r>
+              <a:rPr lang="en-US" sz="3600" dirty="0">
+                <a:solidFill>
+                  <a:srgbClr val="FFC000"/>
+                </a:solidFill>
+              </a:rPr>
+              <a:t> &amp; </a:t>
+            </a:r>
+            <a:r>
+              <a:rPr lang="en-US" sz="3600" dirty="0" err="1">
+                <a:solidFill>
+                  <a:srgbClr val="FFC000"/>
+                </a:solidFill>
+              </a:rPr>
+              <a:t>SpeechToText</a:t>
+            </a:r>
+            <a:endParaRPr lang="en-US" sz="3600" dirty="0">
+              <a:solidFill>
+                <a:srgbClr val="FFC000"/>
+              </a:solidFill>
+            </a:endParaRPr>
+          </a:p>
+        </p:txBody>
+      </p:sp>
+      <p:grpSp>
+        <p:nvGrpSpPr>
+          <p:cNvPr id="54" name="Group 44">
+            <a:extLst>
+              <a:ext uri="{FF2B5EF4-FFF2-40B4-BE49-F238E27FC236}">
+                <a16:creationId xmlns:a16="http://schemas.microsoft.com/office/drawing/2014/main" id="{1DE889C7-FAD6-4397-98E2-05D503484459}"/>
+              </a:ext>
+              <a:ext uri="{C183D7F6-B498-43B3-948B-1728B52AA6E4}">
+                <adec:decorative xmlns:adec="http://schemas.microsoft.com/office/drawing/2017/decorative" val="1"/>
+              </a:ext>
+            </a:extLst>
+          </p:cNvPr>
+          <p:cNvGrpSpPr>
+            <a:grpSpLocks noGrp="1" noUngrp="1" noRot="1" noChangeAspect="1" noMove="1" noResize="1"/>
+          </p:cNvGrpSpPr>
+          <p:nvPr>
+            <p:extLst>
+              <p:ext uri="{386F3935-93C4-4BCD-93E2-E3B085C9AB24}">
+                <p16:designElem xmlns:p16="http://schemas.microsoft.com/office/powerpoint/2015/main" val="1"/>
+              </p:ext>
+            </p:extLst>
+          </p:nvPr>
+        </p:nvGrpSpPr>
+        <p:grpSpPr>
+          <a:xfrm>
+            <a:off x="0" y="1083484"/>
+            <a:ext cx="355196" cy="673460"/>
+            <a:chOff x="0" y="823811"/>
+            <a:chExt cx="355196" cy="673460"/>
+          </a:xfrm>
+        </p:grpSpPr>
+        <p:sp>
+          <p:nvSpPr>
+            <p:cNvPr id="46" name="Rectangle 45">
+              <a:extLst>
+                <a:ext uri="{FF2B5EF4-FFF2-40B4-BE49-F238E27FC236}">
+                  <a16:creationId xmlns:a16="http://schemas.microsoft.com/office/drawing/2014/main" id="{F399A70F-F8CD-4992-9EF5-6CF15472E73F}"/>
+                </a:ext>
+                <a:ext uri="{C183D7F6-B498-43B3-948B-1728B52AA6E4}">
+                  <adec:decorative xmlns:adec="http://schemas.microsoft.com/office/drawing/2017/decorative" val="1"/>
+                </a:ext>
+              </a:extLst>
+            </p:cNvPr>
+            <p:cNvSpPr/>
+            <p:nvPr>
+              <p:extLst>
+                <p:ext uri="{386F3935-93C4-4BCD-93E2-E3B085C9AB24}">
+                  <p16:designElem xmlns:p16="http://schemas.microsoft.com/office/powerpoint/2015/main" val="1"/>
+                </p:ext>
+              </p:extLst>
+            </p:nvPr>
+          </p:nvSpPr>
+          <p:spPr>
+            <a:xfrm>
+              <a:off x="0" y="823811"/>
+              <a:ext cx="87363" cy="673460"/>
+            </a:xfrm>
+            <a:prstGeom prst="rect">
+              <a:avLst/>
+            </a:prstGeom>
+            <a:solidFill>
+              <a:schemeClr val="accent4"/>
+            </a:solidFill>
+            <a:ln>
+              <a:noFill/>
+            </a:ln>
+          </p:spPr>
+          <p:style>
+            <a:lnRef idx="2">
+              <a:schemeClr val="accent1">
+                <a:shade val="50000"/>
+              </a:schemeClr>
+            </a:lnRef>
+            <a:fillRef idx="1">
+              <a:schemeClr val="accent1"/>
+            </a:fillRef>
+            <a:effectRef idx="0">
+              <a:schemeClr val="accent1"/>
+            </a:effectRef>
+            <a:fontRef idx="minor">
+              <a:schemeClr val="lt1"/>
+            </a:fontRef>
+          </p:style>
+          <p:txBody>
+            <a:bodyPr rtlCol="0" anchor="ctr"/>
+            <a:lstStyle/>
+            <a:p>
+              <a:pPr algn="ctr"/>
+              <a:endParaRPr lang="en-US"/>
+            </a:p>
+          </p:txBody>
+        </p:sp>
+        <p:sp>
+          <p:nvSpPr>
+            <p:cNvPr id="55" name="Rectangle 46">
+              <a:extLst>
+                <a:ext uri="{FF2B5EF4-FFF2-40B4-BE49-F238E27FC236}">
+                  <a16:creationId xmlns:a16="http://schemas.microsoft.com/office/drawing/2014/main" id="{48F4FEDC-6D80-458C-A665-075D9B9500FD}"/>
+                </a:ext>
+                <a:ext uri="{C183D7F6-B498-43B3-948B-1728B52AA6E4}">
+                  <adec:decorative xmlns:adec="http://schemas.microsoft.com/office/drawing/2017/decorative" val="1"/>
+                </a:ext>
+              </a:extLst>
+            </p:cNvPr>
+            <p:cNvSpPr/>
+            <p:nvPr>
+              <p:extLst>
+                <p:ext uri="{386F3935-93C4-4BCD-93E2-E3B085C9AB24}">
+                  <p16:designElem xmlns:p16="http://schemas.microsoft.com/office/powerpoint/2015/main" val="1"/>
+                </p:ext>
+              </p:extLst>
+            </p:nvPr>
+          </p:nvSpPr>
+          <p:spPr>
+            <a:xfrm>
+              <a:off x="159341" y="823811"/>
+              <a:ext cx="195855" cy="673460"/>
+            </a:xfrm>
+            <a:prstGeom prst="rect">
+              <a:avLst/>
+            </a:prstGeom>
+            <a:solidFill>
+              <a:schemeClr val="accent4"/>
+            </a:solidFill>
+            <a:ln>
+              <a:noFill/>
+            </a:ln>
+          </p:spPr>
+          <p:style>
+            <a:lnRef idx="2">
+              <a:schemeClr val="accent1">
+                <a:shade val="50000"/>
+              </a:schemeClr>
+            </a:lnRef>
+            <a:fillRef idx="1">
+              <a:schemeClr val="accent1"/>
+            </a:fillRef>
+            <a:effectRef idx="0">
+              <a:schemeClr val="accent1"/>
+            </a:effectRef>
+            <a:fontRef idx="minor">
+              <a:schemeClr val="lt1"/>
+            </a:fontRef>
+          </p:style>
+          <p:txBody>
+            <a:bodyPr rtlCol="0" anchor="ctr"/>
+            <a:lstStyle/>
+            <a:p>
+              <a:pPr algn="ctr"/>
+              <a:endParaRPr lang="en-US"/>
+            </a:p>
+          </p:txBody>
+        </p:sp>
+      </p:grpSp>
+      <p:sp>
+        <p:nvSpPr>
+          <p:cNvPr id="56" name="Rectangle 48">
+            <a:extLst>
+              <a:ext uri="{FF2B5EF4-FFF2-40B4-BE49-F238E27FC236}">
+                <a16:creationId xmlns:a16="http://schemas.microsoft.com/office/drawing/2014/main" id="{3873B707-463F-40B0-8227-E8CC6C67EB25}"/>
+              </a:ext>
+              <a:ext uri="{C183D7F6-B498-43B3-948B-1728B52AA6E4}">
+                <adec:decorative xmlns:adec="http://schemas.microsoft.com/office/drawing/2017/decorative" val="1"/>
+              </a:ext>
+            </a:extLst>
+          </p:cNvPr>
+          <p:cNvSpPr>
+            <a:spLocks noGrp="1" noRot="1" noChangeAspect="1" noMove="1" noResize="1" noEditPoints="1" noAdjustHandles="1" noChangeArrowheads="1" noChangeShapeType="1" noTextEdit="1"/>
+          </p:cNvSpPr>
+          <p:nvPr>
+            <p:extLst>
+              <p:ext uri="{386F3935-93C4-4BCD-93E2-E3B085C9AB24}">
+                <p16:designElem xmlns:p16="http://schemas.microsoft.com/office/powerpoint/2015/main" val="1"/>
+              </p:ext>
+            </p:extLst>
+          </p:nvPr>
+        </p:nvSpPr>
+        <p:spPr>
+          <a:xfrm flipH="1">
+            <a:off x="665085" y="2090569"/>
+            <a:ext cx="4297680" cy="27432"/>
+          </a:xfrm>
+          <a:prstGeom prst="rect">
+            <a:avLst/>
+          </a:prstGeom>
+          <a:solidFill>
+            <a:schemeClr val="accent4"/>
+          </a:solidFill>
+          <a:ln>
+            <a:noFill/>
+          </a:ln>
+        </p:spPr>
+        <p:style>
+          <a:lnRef idx="2">
+            <a:schemeClr val="accent1">
+              <a:shade val="50000"/>
+            </a:schemeClr>
+          </a:lnRef>
+          <a:fillRef idx="1">
+            <a:schemeClr val="accent1"/>
+          </a:fillRef>
+          <a:effectRef idx="0">
+            <a:schemeClr val="accent1"/>
+          </a:effectRef>
+          <a:fontRef idx="minor">
+            <a:schemeClr val="lt1"/>
+          </a:fontRef>
+        </p:style>
+        <p:txBody>
+          <a:bodyPr rtlCol="0" anchor="ctr"/>
+          <a:lstStyle/>
+          <a:p>
+            <a:pPr algn="ctr"/>
+            <a:endParaRPr lang="en-US"/>
+          </a:p>
+        </p:txBody>
+      </p:sp>
+      <p:sp>
+        <p:nvSpPr>
+          <p:cNvPr id="51" name="Rectangle 50">
+            <a:extLst>
+              <a:ext uri="{FF2B5EF4-FFF2-40B4-BE49-F238E27FC236}">
+                <a16:creationId xmlns:a16="http://schemas.microsoft.com/office/drawing/2014/main" id="{C13237C8-E62C-4F0D-A318-BD6FB6C2D138}"/>
+              </a:ext>
+              <a:ext uri="{C183D7F6-B498-43B3-948B-1728B52AA6E4}">
+                <adec:decorative xmlns:adec="http://schemas.microsoft.com/office/drawing/2017/decorative" val="1"/>
+              </a:ext>
+            </a:extLst>
+          </p:cNvPr>
+          <p:cNvSpPr>
+            <a:spLocks noGrp="1" noRot="1" noChangeAspect="1" noMove="1" noResize="1" noEditPoints="1" noAdjustHandles="1" noChangeArrowheads="1" noChangeShapeType="1" noTextEdit="1"/>
+          </p:cNvSpPr>
+          <p:nvPr>
+            <p:extLst>
+              <p:ext uri="{386F3935-93C4-4BCD-93E2-E3B085C9AB24}">
+                <p16:designElem xmlns:p16="http://schemas.microsoft.com/office/powerpoint/2015/main" val="1"/>
+              </p:ext>
+            </p:extLst>
+          </p:nvPr>
+        </p:nvSpPr>
+        <p:spPr>
+          <a:xfrm flipH="1">
+            <a:off x="10697670" y="0"/>
+            <a:ext cx="1494330" cy="6858000"/>
+          </a:xfrm>
+          <a:prstGeom prst="rect">
+            <a:avLst/>
+          </a:prstGeom>
+          <a:solidFill>
+            <a:schemeClr val="accent4"/>
+          </a:solidFill>
+          <a:ln>
+            <a:noFill/>
+          </a:ln>
+        </p:spPr>
+        <p:style>
+          <a:lnRef idx="2">
+            <a:schemeClr val="accent1">
+              <a:shade val="50000"/>
+            </a:schemeClr>
+          </a:lnRef>
+          <a:fillRef idx="1">
+            <a:schemeClr val="accent1"/>
+          </a:fillRef>
+          <a:effectRef idx="0">
+            <a:schemeClr val="accent1"/>
+          </a:effectRef>
+          <a:fontRef idx="minor">
+            <a:schemeClr val="lt1"/>
+          </a:fontRef>
+        </p:style>
+        <p:txBody>
+          <a:bodyPr rtlCol="0" anchor="ctr"/>
+          <a:lstStyle/>
+          <a:p>
+            <a:pPr algn="ctr"/>
+            <a:endParaRPr lang="en-US"/>
+          </a:p>
+        </p:txBody>
+      </p:sp>
+      <p:sp>
+        <p:nvSpPr>
+          <p:cNvPr id="53" name="Rectangle 52">
+            <a:extLst>
+              <a:ext uri="{FF2B5EF4-FFF2-40B4-BE49-F238E27FC236}">
+                <a16:creationId xmlns:a16="http://schemas.microsoft.com/office/drawing/2014/main" id="{19C9EAEA-39D0-4B0E-A0EB-51E7B26740B1}"/>
+              </a:ext>
+              <a:ext uri="{C183D7F6-B498-43B3-948B-1728B52AA6E4}">
+                <adec:decorative xmlns:adec="http://schemas.microsoft.com/office/drawing/2017/decorative" val="1"/>
+              </a:ext>
+            </a:extLst>
+          </p:cNvPr>
+          <p:cNvSpPr>
+            <a:spLocks noGrp="1" noRot="1" noChangeAspect="1" noMove="1" noResize="1" noEditPoints="1" noAdjustHandles="1" noChangeArrowheads="1" noChangeShapeType="1" noTextEdit="1"/>
+          </p:cNvSpPr>
+          <p:nvPr>
+            <p:extLst>
+              <p:ext uri="{386F3935-93C4-4BCD-93E2-E3B085C9AB24}">
+                <p16:designElem xmlns:p16="http://schemas.microsoft.com/office/powerpoint/2015/main" val="1"/>
+              </p:ext>
+            </p:extLst>
+          </p:nvPr>
+        </p:nvSpPr>
+        <p:spPr>
+          <a:xfrm>
+            <a:off x="5685810" y="513853"/>
+            <a:ext cx="6009366" cy="5834577"/>
+          </a:xfrm>
+          <a:prstGeom prst="rect">
+            <a:avLst/>
+          </a:prstGeom>
+          <a:solidFill>
+            <a:schemeClr val="bg1"/>
+          </a:solidFill>
+          <a:ln>
+            <a:noFill/>
+          </a:ln>
+          <a:effectLst>
+            <a:outerShdw blurRad="139700" dist="127000" dir="5400000" algn="t" rotWithShape="0">
+              <a:prstClr val="black">
+                <a:alpha val="15000"/>
+              </a:prstClr>
+            </a:outerShdw>
+          </a:effectLst>
+        </p:spPr>
+        <p:style>
+          <a:lnRef idx="2">
+            <a:schemeClr val="accent1">
+              <a:shade val="50000"/>
+            </a:schemeClr>
+          </a:lnRef>
+          <a:fillRef idx="1">
+            <a:schemeClr val="accent1"/>
+          </a:fillRef>
+          <a:effectRef idx="0">
+            <a:schemeClr val="accent1"/>
+          </a:effectRef>
+          <a:fontRef idx="minor">
+            <a:schemeClr val="lt1"/>
+          </a:fontRef>
+        </p:style>
+        <p:txBody>
+          <a:bodyPr rtlCol="0" anchor="ctr"/>
+          <a:lstStyle/>
+          <a:p>
+            <a:pPr algn="ctr"/>
+            <a:endParaRPr lang="en-US"/>
+          </a:p>
+        </p:txBody>
+      </p:sp>
+      <p:pic>
+        <p:nvPicPr>
           <p:cNvPr id="11" name="Picture 10" descr="Text&#10;&#10;Description automatically generated">
             <a:extLst>
               <a:ext uri="{FF2B5EF4-FFF2-40B4-BE49-F238E27FC236}">
@@ -7114,7 +8020,7 @@
 </p:sld>
 </file>
 
-<file path=ppt/slides/slide14.xml><?xml version="1.0" encoding="utf-8"?>
+<file path=ppt/slides/slide15.xml><?xml version="1.0" encoding="utf-8"?>
 <p:sld xmlns:a="http://schemas.openxmlformats.org/drawingml/2006/main" xmlns:r="http://schemas.openxmlformats.org/officeDocument/2006/relationships" xmlns:p="http://schemas.openxmlformats.org/presentationml/2006/main">
   <p:cSld>
     <p:bg>
@@ -7680,7 +8586,7 @@
 </p:sld>
 </file>
 
-<file path=ppt/slides/slide15.xml><?xml version="1.0" encoding="utf-8"?>
+<file path=ppt/slides/slide16.xml><?xml version="1.0" encoding="utf-8"?>
 <p:sld xmlns:a="http://schemas.openxmlformats.org/drawingml/2006/main" xmlns:r="http://schemas.openxmlformats.org/officeDocument/2006/relationships" xmlns:p="http://schemas.openxmlformats.org/presentationml/2006/main">
   <p:cSld>
     <p:bg>
@@ -8259,7 +9165,7 @@
 </p:sld>
 </file>
 
-<file path=ppt/slides/slide16.xml><?xml version="1.0" encoding="utf-8"?>
+<file path=ppt/slides/slide17.xml><?xml version="1.0" encoding="utf-8"?>
 <p:sld xmlns:a="http://schemas.openxmlformats.org/drawingml/2006/main" xmlns:r="http://schemas.openxmlformats.org/officeDocument/2006/relationships" xmlns:p="http://schemas.openxmlformats.org/presentationml/2006/main">
   <p:cSld>
     <p:bg>
@@ -8821,7 +9727,7 @@
 </p:sld>
 </file>
 
-<file path=ppt/slides/slide17.xml><?xml version="1.0" encoding="utf-8"?>
+<file path=ppt/slides/slide18.xml><?xml version="1.0" encoding="utf-8"?>
 <p:sld xmlns:a="http://schemas.openxmlformats.org/drawingml/2006/main" xmlns:r="http://schemas.openxmlformats.org/officeDocument/2006/relationships" xmlns:p="http://schemas.openxmlformats.org/presentationml/2006/main">
   <p:cSld>
     <p:bg>
@@ -11445,9 +12351,17 @@
         </p:spPr>
         <p:txBody>
           <a:bodyPr anchor="ctr">
-            <a:normAutofit/>
+            <a:normAutofit fontScale="85000" lnSpcReduction="10000"/>
           </a:bodyPr>
           <a:lstStyle/>
+          <a:p>
+            <a:endParaRPr lang="en-US" sz="2400" dirty="0">
+              <a:solidFill>
+                <a:srgbClr val="023047"/>
+              </a:solidFill>
+              <a:cs typeface="Arial" panose="020B0604020202020204" pitchFamily="34" charset="0"/>
+            </a:endParaRPr>
+          </a:p>
           <a:p>
             <a:r>
               <a:rPr lang="en-US" sz="2400" dirty="0">
@@ -11456,7 +12370,61 @@
                 </a:solidFill>
                 <a:cs typeface="Arial" panose="020B0604020202020204" pitchFamily="34" charset="0"/>
               </a:rPr>
-              <a:t>Detect when a user enters the room using visual input</a:t>
+              <a:t>Home Assistant: </a:t>
+            </a:r>
+          </a:p>
+          <a:p>
+            <a:pPr lvl="1"/>
+            <a:r>
+              <a:rPr lang="en-US" sz="2000" dirty="0">
+                <a:solidFill>
+                  <a:srgbClr val="023047"/>
+                </a:solidFill>
+                <a:cs typeface="Arial" panose="020B0604020202020204" pitchFamily="34" charset="0"/>
+              </a:rPr>
+              <a:t>Device, usually placed in a house, that provides a large variety of services to the users</a:t>
+            </a:r>
+          </a:p>
+          <a:p>
+            <a:pPr lvl="1"/>
+            <a:r>
+              <a:rPr lang="en-US" sz="2000" dirty="0">
+                <a:solidFill>
+                  <a:srgbClr val="023047"/>
+                </a:solidFill>
+                <a:cs typeface="Arial" panose="020B0604020202020204" pitchFamily="34" charset="0"/>
+              </a:rPr>
+              <a:t>The interaction is typically conveyed </a:t>
+            </a:r>
+            <a:r>
+              <a:rPr lang="en-US" sz="2000" u="sng" dirty="0">
+                <a:solidFill>
+                  <a:srgbClr val="023047"/>
+                </a:solidFill>
+                <a:cs typeface="Arial" panose="020B0604020202020204" pitchFamily="34" charset="0"/>
+              </a:rPr>
+              <a:t>only through the auditory modality </a:t>
+            </a:r>
+          </a:p>
+          <a:p>
+            <a:pPr lvl="1"/>
+            <a:r>
+              <a:rPr lang="en-US" sz="2000" dirty="0">
+                <a:solidFill>
+                  <a:srgbClr val="023047"/>
+                </a:solidFill>
+                <a:cs typeface="Arial" panose="020B0604020202020204" pitchFamily="34" charset="0"/>
+              </a:rPr>
+              <a:t>On-the-market home assistants </a:t>
+            </a:r>
+            <a:r>
+              <a:rPr lang="en-US" sz="2000" u="sng" dirty="0">
+                <a:solidFill>
+                  <a:srgbClr val="023047"/>
+                </a:solidFill>
+                <a:cs typeface="Arial" panose="020B0604020202020204" pitchFamily="34" charset="0"/>
+              </a:rPr>
+              <a:t>are not aware of the identity of the user  </a:t>
             </a:r>
           </a:p>
           <a:p>
@@ -11467,10 +12435,17 @@
                 </a:solidFill>
                 <a:cs typeface="Arial" panose="020B0604020202020204" pitchFamily="34" charset="0"/>
               </a:rPr>
-              <a:t>If possible, recognize the user and initiate interaction</a:t>
-            </a:r>
-          </a:p>
-          <a:p>
+              <a:t>We will try to overcome these two </a:t>
+            </a:r>
+            <a:r>
+              <a:rPr lang="en-US" sz="2400" u="sng" dirty="0">
+                <a:solidFill>
+                  <a:srgbClr val="023047"/>
+                </a:solidFill>
+                <a:cs typeface="Arial" panose="020B0604020202020204" pitchFamily="34" charset="0"/>
+              </a:rPr>
+              <a:t>limitations</a:t>
+            </a:r>
             <a:r>
               <a:rPr lang="en-US" sz="2400" dirty="0">
                 <a:solidFill>
@@ -11478,19 +12453,158 @@
                 </a:solidFill>
                 <a:cs typeface="Arial" panose="020B0604020202020204" pitchFamily="34" charset="0"/>
               </a:rPr>
-              <a:t>Be able to learn to recognize new users and react to their presence in the future</a:t>
-            </a:r>
-          </a:p>
-          <a:p>
-            <a:r>
-              <a:rPr lang="en-US" sz="2400" dirty="0">
+              <a:t> introducing the following new concepts:</a:t>
+            </a:r>
+          </a:p>
+          <a:p>
+            <a:pPr lvl="1"/>
+            <a:r>
+              <a:rPr lang="en-US" sz="2000" dirty="0">
                 <a:solidFill>
                   <a:srgbClr val="023047"/>
                 </a:solidFill>
                 <a:cs typeface="Arial" panose="020B0604020202020204" pitchFamily="34" charset="0"/>
               </a:rPr>
-              <a:t>Let users interact with each other by leaving virtual “sticky notes” that the assistant can output through voice synthetization </a:t>
-            </a:r>
+              <a:t>For </a:t>
+            </a:r>
+            <a:r>
+              <a:rPr lang="en-US" sz="2000" i="1" dirty="0">
+                <a:solidFill>
+                  <a:srgbClr val="023047"/>
+                </a:solidFill>
+                <a:cs typeface="Arial" panose="020B0604020202020204" pitchFamily="34" charset="0"/>
+              </a:rPr>
+              <a:t>Clan </a:t>
+            </a:r>
+            <a:r>
+              <a:rPr lang="en-US" sz="2000" dirty="0">
+                <a:solidFill>
+                  <a:srgbClr val="023047"/>
+                </a:solidFill>
+                <a:cs typeface="Arial" panose="020B0604020202020204" pitchFamily="34" charset="0"/>
+              </a:rPr>
+              <a:t>we intend a group of people living in the same house, for example they can be a family or </a:t>
+            </a:r>
+            <a:r>
+              <a:rPr lang="en-US" sz="2000" dirty="0" err="1">
+                <a:solidFill>
+                  <a:srgbClr val="023047"/>
+                </a:solidFill>
+                <a:cs typeface="Arial" panose="020B0604020202020204" pitchFamily="34" charset="0"/>
+              </a:rPr>
+              <a:t>flatmates</a:t>
+            </a:r>
+            <a:endParaRPr lang="en-US" sz="2000" dirty="0">
+              <a:solidFill>
+                <a:srgbClr val="023047"/>
+              </a:solidFill>
+              <a:cs typeface="Arial" panose="020B0604020202020204" pitchFamily="34" charset="0"/>
+            </a:endParaRPr>
+          </a:p>
+          <a:p>
+            <a:pPr lvl="1"/>
+            <a:r>
+              <a:rPr lang="en-US" sz="2000" dirty="0">
+                <a:solidFill>
+                  <a:srgbClr val="023047"/>
+                </a:solidFill>
+                <a:cs typeface="Arial" panose="020B0604020202020204" pitchFamily="34" charset="0"/>
+              </a:rPr>
+              <a:t>For </a:t>
+            </a:r>
+            <a:r>
+              <a:rPr lang="en-US" sz="2000" i="1" dirty="0">
+                <a:solidFill>
+                  <a:srgbClr val="023047"/>
+                </a:solidFill>
+                <a:cs typeface="Arial" panose="020B0604020202020204" pitchFamily="34" charset="0"/>
+              </a:rPr>
+              <a:t>Member </a:t>
+            </a:r>
+            <a:r>
+              <a:rPr lang="en-US" sz="2000" dirty="0">
+                <a:solidFill>
+                  <a:srgbClr val="023047"/>
+                </a:solidFill>
+                <a:cs typeface="Arial" panose="020B0604020202020204" pitchFamily="34" charset="0"/>
+              </a:rPr>
+              <a:t>we mean a person that is part of the </a:t>
+            </a:r>
+            <a:r>
+              <a:rPr lang="en-US" sz="2000" i="1" dirty="0">
+                <a:solidFill>
+                  <a:srgbClr val="023047"/>
+                </a:solidFill>
+                <a:cs typeface="Arial" panose="020B0604020202020204" pitchFamily="34" charset="0"/>
+              </a:rPr>
+              <a:t>Clan</a:t>
+            </a:r>
+          </a:p>
+          <a:p>
+            <a:pPr lvl="1"/>
+            <a:r>
+              <a:rPr lang="en-US" sz="2000" dirty="0">
+                <a:solidFill>
+                  <a:srgbClr val="023047"/>
+                </a:solidFill>
+                <a:cs typeface="Arial" panose="020B0604020202020204" pitchFamily="34" charset="0"/>
+              </a:rPr>
+              <a:t>For </a:t>
+            </a:r>
+            <a:r>
+              <a:rPr lang="en-US" sz="2000" i="1" dirty="0">
+                <a:solidFill>
+                  <a:srgbClr val="023047"/>
+                </a:solidFill>
+                <a:cs typeface="Arial" panose="020B0604020202020204" pitchFamily="34" charset="0"/>
+              </a:rPr>
+              <a:t>Note </a:t>
+            </a:r>
+            <a:r>
+              <a:rPr lang="en-US" sz="2000" dirty="0">
+                <a:solidFill>
+                  <a:srgbClr val="023047"/>
+                </a:solidFill>
+                <a:cs typeface="Arial" panose="020B0604020202020204" pitchFamily="34" charset="0"/>
+              </a:rPr>
+              <a:t>we intend a virtual sticky notes that a </a:t>
+            </a:r>
+            <a:r>
+              <a:rPr lang="en-US" sz="2000" i="1" dirty="0">
+                <a:solidFill>
+                  <a:srgbClr val="023047"/>
+                </a:solidFill>
+                <a:cs typeface="Arial" panose="020B0604020202020204" pitchFamily="34" charset="0"/>
+              </a:rPr>
+              <a:t>Member</a:t>
+            </a:r>
+            <a:r>
+              <a:rPr lang="en-US" sz="2000" dirty="0">
+                <a:solidFill>
+                  <a:srgbClr val="023047"/>
+                </a:solidFill>
+                <a:cs typeface="Arial" panose="020B0604020202020204" pitchFamily="34" charset="0"/>
+              </a:rPr>
+              <a:t> can create for one or more recipient in the </a:t>
+            </a:r>
+            <a:r>
+              <a:rPr lang="en-US" sz="2000" i="1" dirty="0">
+                <a:solidFill>
+                  <a:srgbClr val="023047"/>
+                </a:solidFill>
+                <a:cs typeface="Arial" panose="020B0604020202020204" pitchFamily="34" charset="0"/>
+              </a:rPr>
+              <a:t>Clan</a:t>
+            </a:r>
+          </a:p>
+          <a:p>
+            <a:pPr lvl="1"/>
+            <a:endParaRPr lang="en-US" sz="2000" i="1" dirty="0">
+              <a:solidFill>
+                <a:srgbClr val="023047"/>
+              </a:solidFill>
+              <a:cs typeface="Arial" panose="020B0604020202020204" pitchFamily="34" charset="0"/>
+            </a:endParaRPr>
           </a:p>
         </p:txBody>
       </p:sp>
@@ -11560,6 +12674,602 @@
 </file>
 
 <file path=ppt/slides/slide5.xml><?xml version="1.0" encoding="utf-8"?>
+<p:sld xmlns:a="http://schemas.openxmlformats.org/drawingml/2006/main" xmlns:r="http://schemas.openxmlformats.org/officeDocument/2006/relationships" xmlns:p="http://schemas.openxmlformats.org/presentationml/2006/main" show="0">
+  <p:cSld>
+    <p:bg>
+      <p:bgPr>
+        <a:solidFill>
+          <a:schemeClr val="bg1"/>
+        </a:solidFill>
+        <a:effectLst/>
+      </p:bgPr>
+    </p:bg>
+    <p:spTree>
+      <p:nvGrpSpPr>
+        <p:cNvPr id="1" name=""/>
+        <p:cNvGrpSpPr/>
+        <p:nvPr/>
+      </p:nvGrpSpPr>
+      <p:grpSpPr>
+        <a:xfrm>
+          <a:off x="0" y="0"/>
+          <a:ext cx="0" cy="0"/>
+          <a:chOff x="0" y="0"/>
+          <a:chExt cx="0" cy="0"/>
+        </a:xfrm>
+      </p:grpSpPr>
+      <p:sp useBgFill="1">
+        <p:nvSpPr>
+          <p:cNvPr id="19" name="Rectangle 18">
+            <a:extLst>
+              <a:ext uri="{FF2B5EF4-FFF2-40B4-BE49-F238E27FC236}">
+                <a16:creationId xmlns:a16="http://schemas.microsoft.com/office/drawing/2014/main" id="{B6CDA21F-E7AF-4C75-8395-33F58D5B0E45}"/>
+              </a:ext>
+              <a:ext uri="{C183D7F6-B498-43B3-948B-1728B52AA6E4}">
+                <adec:decorative xmlns:adec="http://schemas.microsoft.com/office/drawing/2017/decorative" val="1"/>
+              </a:ext>
+            </a:extLst>
+          </p:cNvPr>
+          <p:cNvSpPr>
+            <a:spLocks noGrp="1" noRot="1" noChangeAspect="1" noMove="1" noResize="1" noEditPoints="1" noAdjustHandles="1" noChangeArrowheads="1" noChangeShapeType="1" noTextEdit="1"/>
+          </p:cNvSpPr>
+          <p:nvPr>
+            <p:extLst>
+              <p:ext uri="{386F3935-93C4-4BCD-93E2-E3B085C9AB24}">
+                <p16:designElem xmlns:p16="http://schemas.microsoft.com/office/powerpoint/2015/main" val="1"/>
+              </p:ext>
+            </p:extLst>
+          </p:nvPr>
+        </p:nvSpPr>
+        <p:spPr>
+          <a:xfrm>
+            <a:off x="0" y="0"/>
+            <a:ext cx="12191999" cy="6857365"/>
+          </a:xfrm>
+          <a:prstGeom prst="rect">
+            <a:avLst/>
+          </a:prstGeom>
+          <a:ln>
+            <a:noFill/>
+          </a:ln>
+        </p:spPr>
+        <p:style>
+          <a:lnRef idx="2">
+            <a:schemeClr val="accent1">
+              <a:shade val="50000"/>
+            </a:schemeClr>
+          </a:lnRef>
+          <a:fillRef idx="1">
+            <a:schemeClr val="accent1"/>
+          </a:fillRef>
+          <a:effectRef idx="0">
+            <a:schemeClr val="accent1"/>
+          </a:effectRef>
+          <a:fontRef idx="minor">
+            <a:schemeClr val="lt1"/>
+          </a:fontRef>
+        </p:style>
+        <p:txBody>
+          <a:bodyPr rtlCol="0" anchor="ctr"/>
+          <a:lstStyle/>
+          <a:p>
+            <a:pPr algn="ctr"/>
+            <a:endParaRPr lang="en-US"/>
+          </a:p>
+        </p:txBody>
+      </p:sp>
+      <p:grpSp>
+        <p:nvGrpSpPr>
+          <p:cNvPr id="21" name="Group 20">
+            <a:extLst>
+              <a:ext uri="{FF2B5EF4-FFF2-40B4-BE49-F238E27FC236}">
+                <a16:creationId xmlns:a16="http://schemas.microsoft.com/office/drawing/2014/main" id="{AE1C45F0-260A-458C-96ED-C1F6D2151219}"/>
+              </a:ext>
+              <a:ext uri="{C183D7F6-B498-43B3-948B-1728B52AA6E4}">
+                <adec:decorative xmlns:adec="http://schemas.microsoft.com/office/drawing/2017/decorative" val="1"/>
+              </a:ext>
+            </a:extLst>
+          </p:cNvPr>
+          <p:cNvGrpSpPr>
+            <a:grpSpLocks noGrp="1" noUngrp="1" noRot="1" noChangeAspect="1" noMove="1" noResize="1"/>
+          </p:cNvGrpSpPr>
+          <p:nvPr>
+            <p:extLst>
+              <p:ext uri="{386F3935-93C4-4BCD-93E2-E3B085C9AB24}">
+                <p16:designElem xmlns:p16="http://schemas.microsoft.com/office/powerpoint/2015/main" val="1"/>
+              </p:ext>
+            </p:extLst>
+          </p:nvPr>
+        </p:nvGrpSpPr>
+        <p:grpSpPr>
+          <a:xfrm>
+            <a:off x="4" y="1216597"/>
+            <a:ext cx="731521" cy="673460"/>
+            <a:chOff x="3940602" y="308034"/>
+            <a:chExt cx="2116791" cy="3428999"/>
+          </a:xfrm>
+          <a:solidFill>
+            <a:schemeClr val="accent4"/>
+          </a:solidFill>
+        </p:grpSpPr>
+        <p:sp>
+          <p:nvSpPr>
+            <p:cNvPr id="22" name="Rectangle 21">
+              <a:extLst>
+                <a:ext uri="{FF2B5EF4-FFF2-40B4-BE49-F238E27FC236}">
+                  <a16:creationId xmlns:a16="http://schemas.microsoft.com/office/drawing/2014/main" id="{A6604B49-AD5C-4590-B051-06C8222ECD99}"/>
+                </a:ext>
+                <a:ext uri="{C183D7F6-B498-43B3-948B-1728B52AA6E4}">
+                  <adec:decorative xmlns:adec="http://schemas.microsoft.com/office/drawing/2017/decorative" val="1"/>
+                </a:ext>
+              </a:extLst>
+            </p:cNvPr>
+            <p:cNvSpPr/>
+            <p:nvPr>
+              <p:extLst>
+                <p:ext uri="{386F3935-93C4-4BCD-93E2-E3B085C9AB24}">
+                  <p16:designElem xmlns:p16="http://schemas.microsoft.com/office/powerpoint/2015/main" val="1"/>
+                </p:ext>
+              </p:extLst>
+            </p:nvPr>
+          </p:nvSpPr>
+          <p:spPr>
+            <a:xfrm>
+              <a:off x="3940602" y="308034"/>
+              <a:ext cx="566743" cy="3428999"/>
+            </a:xfrm>
+            <a:prstGeom prst="rect">
+              <a:avLst/>
+            </a:prstGeom>
+            <a:grpFill/>
+            <a:ln>
+              <a:noFill/>
+            </a:ln>
+          </p:spPr>
+          <p:style>
+            <a:lnRef idx="2">
+              <a:schemeClr val="accent1">
+                <a:shade val="50000"/>
+              </a:schemeClr>
+            </a:lnRef>
+            <a:fillRef idx="1">
+              <a:schemeClr val="accent1"/>
+            </a:fillRef>
+            <a:effectRef idx="0">
+              <a:schemeClr val="accent1"/>
+            </a:effectRef>
+            <a:fontRef idx="minor">
+              <a:schemeClr val="lt1"/>
+            </a:fontRef>
+          </p:style>
+          <p:txBody>
+            <a:bodyPr rtlCol="0" anchor="ctr"/>
+            <a:lstStyle/>
+            <a:p>
+              <a:pPr algn="ctr"/>
+              <a:endParaRPr lang="en-US"/>
+            </a:p>
+          </p:txBody>
+        </p:sp>
+        <p:sp>
+          <p:nvSpPr>
+            <p:cNvPr id="23" name="Rectangle 22">
+              <a:extLst>
+                <a:ext uri="{FF2B5EF4-FFF2-40B4-BE49-F238E27FC236}">
+                  <a16:creationId xmlns:a16="http://schemas.microsoft.com/office/drawing/2014/main" id="{743ECCAF-29C5-4537-947C-7EA1292463DB}"/>
+                </a:ext>
+                <a:ext uri="{C183D7F6-B498-43B3-948B-1728B52AA6E4}">
+                  <adec:decorative xmlns:adec="http://schemas.microsoft.com/office/drawing/2017/decorative" val="1"/>
+                </a:ext>
+              </a:extLst>
+            </p:cNvPr>
+            <p:cNvSpPr/>
+            <p:nvPr>
+              <p:extLst>
+                <p:ext uri="{386F3935-93C4-4BCD-93E2-E3B085C9AB24}">
+                  <p16:designElem xmlns:p16="http://schemas.microsoft.com/office/powerpoint/2015/main" val="1"/>
+                </p:ext>
+              </p:extLst>
+            </p:nvPr>
+          </p:nvSpPr>
+          <p:spPr>
+            <a:xfrm>
+              <a:off x="4715626" y="308034"/>
+              <a:ext cx="566743" cy="3428999"/>
+            </a:xfrm>
+            <a:prstGeom prst="rect">
+              <a:avLst/>
+            </a:prstGeom>
+            <a:grpFill/>
+            <a:ln>
+              <a:noFill/>
+            </a:ln>
+          </p:spPr>
+          <p:style>
+            <a:lnRef idx="2">
+              <a:schemeClr val="accent1">
+                <a:shade val="50000"/>
+              </a:schemeClr>
+            </a:lnRef>
+            <a:fillRef idx="1">
+              <a:schemeClr val="accent1"/>
+            </a:fillRef>
+            <a:effectRef idx="0">
+              <a:schemeClr val="accent1"/>
+            </a:effectRef>
+            <a:fontRef idx="minor">
+              <a:schemeClr val="lt1"/>
+            </a:fontRef>
+          </p:style>
+          <p:txBody>
+            <a:bodyPr rtlCol="0" anchor="ctr"/>
+            <a:lstStyle/>
+            <a:p>
+              <a:pPr algn="ctr"/>
+              <a:endParaRPr lang="en-US"/>
+            </a:p>
+          </p:txBody>
+        </p:sp>
+        <p:sp>
+          <p:nvSpPr>
+            <p:cNvPr id="24" name="Rectangle 23">
+              <a:extLst>
+                <a:ext uri="{FF2B5EF4-FFF2-40B4-BE49-F238E27FC236}">
+                  <a16:creationId xmlns:a16="http://schemas.microsoft.com/office/drawing/2014/main" id="{ED49787B-8DE6-4467-AD0A-8DECC6E0C2D6}"/>
+                </a:ext>
+                <a:ext uri="{C183D7F6-B498-43B3-948B-1728B52AA6E4}">
+                  <adec:decorative xmlns:adec="http://schemas.microsoft.com/office/drawing/2017/decorative" val="1"/>
+                </a:ext>
+              </a:extLst>
+            </p:cNvPr>
+            <p:cNvSpPr/>
+            <p:nvPr>
+              <p:extLst>
+                <p:ext uri="{386F3935-93C4-4BCD-93E2-E3B085C9AB24}">
+                  <p16:designElem xmlns:p16="http://schemas.microsoft.com/office/powerpoint/2015/main" val="1"/>
+                </p:ext>
+              </p:extLst>
+            </p:nvPr>
+          </p:nvSpPr>
+          <p:spPr>
+            <a:xfrm>
+              <a:off x="5490650" y="308034"/>
+              <a:ext cx="566743" cy="3428999"/>
+            </a:xfrm>
+            <a:prstGeom prst="rect">
+              <a:avLst/>
+            </a:prstGeom>
+            <a:grpFill/>
+            <a:ln>
+              <a:noFill/>
+            </a:ln>
+          </p:spPr>
+          <p:style>
+            <a:lnRef idx="2">
+              <a:schemeClr val="accent1">
+                <a:shade val="50000"/>
+              </a:schemeClr>
+            </a:lnRef>
+            <a:fillRef idx="1">
+              <a:schemeClr val="accent1"/>
+            </a:fillRef>
+            <a:effectRef idx="0">
+              <a:schemeClr val="accent1"/>
+            </a:effectRef>
+            <a:fontRef idx="minor">
+              <a:schemeClr val="lt1"/>
+            </a:fontRef>
+          </p:style>
+          <p:txBody>
+            <a:bodyPr rtlCol="0" anchor="ctr"/>
+            <a:lstStyle/>
+            <a:p>
+              <a:pPr algn="ctr"/>
+              <a:endParaRPr lang="en-US"/>
+            </a:p>
+          </p:txBody>
+        </p:sp>
+      </p:grpSp>
+      <p:sp>
+        <p:nvSpPr>
+          <p:cNvPr id="26" name="Rectangle 25">
+            <a:extLst>
+              <a:ext uri="{FF2B5EF4-FFF2-40B4-BE49-F238E27FC236}">
+                <a16:creationId xmlns:a16="http://schemas.microsoft.com/office/drawing/2014/main" id="{D5B0017B-2ECA-49AF-B397-DC140825DF8D}"/>
+              </a:ext>
+              <a:ext uri="{C183D7F6-B498-43B3-948B-1728B52AA6E4}">
+                <adec:decorative xmlns:adec="http://schemas.microsoft.com/office/drawing/2017/decorative" val="1"/>
+              </a:ext>
+            </a:extLst>
+          </p:cNvPr>
+          <p:cNvSpPr>
+            <a:spLocks noGrp="1" noRot="1" noChangeAspect="1" noMove="1" noResize="1" noEditPoints="1" noAdjustHandles="1" noChangeArrowheads="1" noChangeShapeType="1" noTextEdit="1"/>
+          </p:cNvSpPr>
+          <p:nvPr>
+            <p:extLst>
+              <p:ext uri="{386F3935-93C4-4BCD-93E2-E3B085C9AB24}">
+                <p16:designElem xmlns:p16="http://schemas.microsoft.com/office/powerpoint/2015/main" val="1"/>
+              </p:ext>
+            </p:extLst>
+          </p:nvPr>
+        </p:nvSpPr>
+        <p:spPr>
+          <a:xfrm>
+            <a:off x="640079" y="613954"/>
+            <a:ext cx="10907487" cy="1894116"/>
+          </a:xfrm>
+          <a:prstGeom prst="rect">
+            <a:avLst/>
+          </a:prstGeom>
+          <a:solidFill>
+            <a:schemeClr val="bg1"/>
+          </a:solidFill>
+          <a:ln>
+            <a:noFill/>
+          </a:ln>
+          <a:effectLst>
+            <a:outerShdw blurRad="139700" dist="127000" dir="5400000" algn="t" rotWithShape="0">
+              <a:prstClr val="black">
+                <a:alpha val="15000"/>
+              </a:prstClr>
+            </a:outerShdw>
+          </a:effectLst>
+        </p:spPr>
+        <p:style>
+          <a:lnRef idx="2">
+            <a:schemeClr val="accent1">
+              <a:shade val="50000"/>
+            </a:schemeClr>
+          </a:lnRef>
+          <a:fillRef idx="1">
+            <a:schemeClr val="accent1"/>
+          </a:fillRef>
+          <a:effectRef idx="0">
+            <a:schemeClr val="accent1"/>
+          </a:effectRef>
+          <a:fontRef idx="minor">
+            <a:schemeClr val="lt1"/>
+          </a:fontRef>
+        </p:style>
+        <p:txBody>
+          <a:bodyPr rtlCol="0" anchor="ctr"/>
+          <a:lstStyle/>
+          <a:p>
+            <a:pPr algn="ctr"/>
+            <a:endParaRPr lang="en-US"/>
+          </a:p>
+        </p:txBody>
+      </p:sp>
+      <p:sp>
+        <p:nvSpPr>
+          <p:cNvPr id="2" name="Rectangle 1">
+            <a:extLst>
+              <a:ext uri="{FF2B5EF4-FFF2-40B4-BE49-F238E27FC236}">
+                <a16:creationId xmlns:a16="http://schemas.microsoft.com/office/drawing/2014/main" id="{B8AC138F-44A0-4B4F-BEF6-0649147E5D29}"/>
+              </a:ext>
+            </a:extLst>
+          </p:cNvPr>
+          <p:cNvSpPr/>
+          <p:nvPr/>
+        </p:nvSpPr>
+        <p:spPr>
+          <a:xfrm>
+            <a:off x="640079" y="613954"/>
+            <a:ext cx="10907487" cy="1894116"/>
+          </a:xfrm>
+          <a:prstGeom prst="rect">
+            <a:avLst/>
+          </a:prstGeom>
+          <a:solidFill>
+            <a:srgbClr val="023047"/>
+          </a:solidFill>
+          <a:ln>
+            <a:noFill/>
+          </a:ln>
+        </p:spPr>
+        <p:style>
+          <a:lnRef idx="2">
+            <a:schemeClr val="accent1">
+              <a:shade val="50000"/>
+            </a:schemeClr>
+          </a:lnRef>
+          <a:fillRef idx="1">
+            <a:schemeClr val="accent1"/>
+          </a:fillRef>
+          <a:effectRef idx="0">
+            <a:schemeClr val="accent1"/>
+          </a:effectRef>
+          <a:fontRef idx="minor">
+            <a:schemeClr val="lt1"/>
+          </a:fontRef>
+        </p:style>
+        <p:txBody>
+          <a:bodyPr rtlCol="0" anchor="ctr"/>
+          <a:lstStyle/>
+          <a:p>
+            <a:pPr algn="ctr"/>
+            <a:endParaRPr lang="en-GB" dirty="0"/>
+          </a:p>
+        </p:txBody>
+      </p:sp>
+      <p:sp>
+        <p:nvSpPr>
+          <p:cNvPr id="4" name="Title 3">
+            <a:extLst>
+              <a:ext uri="{FF2B5EF4-FFF2-40B4-BE49-F238E27FC236}">
+                <a16:creationId xmlns:a16="http://schemas.microsoft.com/office/drawing/2014/main" id="{B7DBF6A7-D01A-4EE4-AA09-6BAEB427D14C}"/>
+              </a:ext>
+            </a:extLst>
+          </p:cNvPr>
+          <p:cNvSpPr>
+            <a:spLocks noGrp="1"/>
+          </p:cNvSpPr>
+          <p:nvPr>
+            <p:ph type="title"/>
+          </p:nvPr>
+        </p:nvSpPr>
+        <p:spPr>
+          <a:xfrm>
+            <a:off x="1043631" y="809898"/>
+            <a:ext cx="9942716" cy="1554480"/>
+          </a:xfrm>
+        </p:spPr>
+        <p:txBody>
+          <a:bodyPr anchor="ctr">
+            <a:normAutofit/>
+          </a:bodyPr>
+          <a:lstStyle/>
+          <a:p>
+            <a:r>
+              <a:rPr lang="en-US" sz="5400" dirty="0">
+                <a:solidFill>
+                  <a:srgbClr val="FFC000"/>
+                </a:solidFill>
+              </a:rPr>
+              <a:t>Concepts</a:t>
+            </a:r>
+          </a:p>
+        </p:txBody>
+      </p:sp>
+      <p:sp>
+        <p:nvSpPr>
+          <p:cNvPr id="5" name="Content Placeholder 4">
+            <a:extLst>
+              <a:ext uri="{FF2B5EF4-FFF2-40B4-BE49-F238E27FC236}">
+                <a16:creationId xmlns:a16="http://schemas.microsoft.com/office/drawing/2014/main" id="{5D518C88-56FE-421D-B854-7CD981F6F5EC}"/>
+              </a:ext>
+            </a:extLst>
+          </p:cNvPr>
+          <p:cNvSpPr>
+            <a:spLocks noGrp="1"/>
+          </p:cNvSpPr>
+          <p:nvPr>
+            <p:ph idx="1"/>
+          </p:nvPr>
+        </p:nvSpPr>
+        <p:spPr>
+          <a:xfrm>
+            <a:off x="1045028" y="3017522"/>
+            <a:ext cx="9941319" cy="3124658"/>
+          </a:xfrm>
+        </p:spPr>
+        <p:txBody>
+          <a:bodyPr anchor="ctr">
+            <a:normAutofit/>
+          </a:bodyPr>
+          <a:lstStyle/>
+          <a:p>
+            <a:r>
+              <a:rPr lang="en-US" sz="2400" dirty="0">
+                <a:solidFill>
+                  <a:srgbClr val="023047"/>
+                </a:solidFill>
+                <a:cs typeface="Arial" panose="020B0604020202020204" pitchFamily="34" charset="0"/>
+              </a:rPr>
+              <a:t>Detect when a user enters the room using visual input</a:t>
+            </a:r>
+          </a:p>
+          <a:p>
+            <a:r>
+              <a:rPr lang="en-US" sz="2400" dirty="0">
+                <a:solidFill>
+                  <a:srgbClr val="023047"/>
+                </a:solidFill>
+                <a:cs typeface="Arial" panose="020B0604020202020204" pitchFamily="34" charset="0"/>
+              </a:rPr>
+              <a:t>If possible, recognize the user and initiate interaction</a:t>
+            </a:r>
+          </a:p>
+          <a:p>
+            <a:r>
+              <a:rPr lang="en-US" sz="2400" dirty="0">
+                <a:solidFill>
+                  <a:srgbClr val="023047"/>
+                </a:solidFill>
+                <a:cs typeface="Arial" panose="020B0604020202020204" pitchFamily="34" charset="0"/>
+              </a:rPr>
+              <a:t>Be able to learn to recognize new users and react to their presence in the future</a:t>
+            </a:r>
+          </a:p>
+          <a:p>
+            <a:r>
+              <a:rPr lang="en-US" sz="2400" dirty="0">
+                <a:solidFill>
+                  <a:srgbClr val="023047"/>
+                </a:solidFill>
+                <a:cs typeface="Arial" panose="020B0604020202020204" pitchFamily="34" charset="0"/>
+              </a:rPr>
+              <a:t>Let users interact with each other by leaving virtual “sticky notes” that the assistant can output through voice synthetization </a:t>
+            </a:r>
+          </a:p>
+        </p:txBody>
+      </p:sp>
+      <p:cxnSp>
+        <p:nvCxnSpPr>
+          <p:cNvPr id="28" name="Straight Connector 27">
+            <a:extLst>
+              <a:ext uri="{FF2B5EF4-FFF2-40B4-BE49-F238E27FC236}">
+                <a16:creationId xmlns:a16="http://schemas.microsoft.com/office/drawing/2014/main" id="{6CF1BAF6-AD41-4082-B212-8A1F9A2E8779}"/>
+              </a:ext>
+              <a:ext uri="{C183D7F6-B498-43B3-948B-1728B52AA6E4}">
+                <adec:decorative xmlns:adec="http://schemas.microsoft.com/office/drawing/2017/decorative" val="1"/>
+              </a:ext>
+            </a:extLst>
+          </p:cNvPr>
+          <p:cNvCxnSpPr>
+            <a:cxnSpLocks noGrp="1" noRot="1" noChangeAspect="1" noMove="1" noResize="1" noEditPoints="1" noAdjustHandles="1" noChangeArrowheads="1" noChangeShapeType="1"/>
+          </p:cNvCxnSpPr>
+          <p:nvPr>
+            <p:extLst>
+              <p:ext uri="{386F3935-93C4-4BCD-93E2-E3B085C9AB24}">
+                <p16:designElem xmlns:p16="http://schemas.microsoft.com/office/powerpoint/2015/main" val="1"/>
+              </p:ext>
+            </p:extLst>
+          </p:nvPr>
+        </p:nvCxnSpPr>
+        <p:spPr>
+          <a:xfrm flipH="1">
+            <a:off x="838200" y="6485313"/>
+            <a:ext cx="10515600" cy="0"/>
+          </a:xfrm>
+          <a:prstGeom prst="line">
+            <a:avLst/>
+          </a:prstGeom>
+          <a:ln w="57150">
+            <a:solidFill>
+              <a:schemeClr val="accent4"/>
+            </a:solidFill>
+          </a:ln>
+        </p:spPr>
+        <p:style>
+          <a:lnRef idx="1">
+            <a:schemeClr val="accent1"/>
+          </a:lnRef>
+          <a:fillRef idx="0">
+            <a:schemeClr val="accent1"/>
+          </a:fillRef>
+          <a:effectRef idx="0">
+            <a:schemeClr val="accent1"/>
+          </a:effectRef>
+          <a:fontRef idx="minor">
+            <a:schemeClr val="tx1"/>
+          </a:fontRef>
+        </p:style>
+      </p:cxnSp>
+    </p:spTree>
+    <p:extLst>
+      <p:ext uri="{BB962C8B-B14F-4D97-AF65-F5344CB8AC3E}">
+        <p14:creationId xmlns:p14="http://schemas.microsoft.com/office/powerpoint/2010/main" val="777099903"/>
+      </p:ext>
+    </p:extLst>
+  </p:cSld>
+  <p:clrMapOvr>
+    <a:masterClrMapping/>
+  </p:clrMapOvr>
+</p:sld>
+</file>
+
+<file path=ppt/slides/slide6.xml><?xml version="1.0" encoding="utf-8"?>
 <p:sld xmlns:a="http://schemas.openxmlformats.org/drawingml/2006/main" xmlns:r="http://schemas.openxmlformats.org/officeDocument/2006/relationships" xmlns:p="http://schemas.openxmlformats.org/presentationml/2006/main">
   <p:cSld>
     <p:bg>
@@ -13445,7 +15155,7 @@
 </p:sld>
 </file>
 
-<file path=ppt/slides/slide6.xml><?xml version="1.0" encoding="utf-8"?>
+<file path=ppt/slides/slide7.xml><?xml version="1.0" encoding="utf-8"?>
 <p:sld xmlns:a="http://schemas.openxmlformats.org/drawingml/2006/main" xmlns:r="http://schemas.openxmlformats.org/officeDocument/2006/relationships" xmlns:p="http://schemas.openxmlformats.org/presentationml/2006/main">
   <p:cSld>
     <p:bg>
@@ -14312,7 +16022,7 @@
 </p:sld>
 </file>
 
-<file path=ppt/slides/slide7.xml><?xml version="1.0" encoding="utf-8"?>
+<file path=ppt/slides/slide8.xml><?xml version="1.0" encoding="utf-8"?>
 <p:sld xmlns:a="http://schemas.openxmlformats.org/drawingml/2006/main" xmlns:r="http://schemas.openxmlformats.org/officeDocument/2006/relationships" xmlns:p="http://schemas.openxmlformats.org/presentationml/2006/main">
   <p:cSld>
     <p:bg>
@@ -15014,7 +16724,7 @@
 </p:sld>
 </file>
 
-<file path=ppt/slides/slide8.xml><?xml version="1.0" encoding="utf-8"?>
+<file path=ppt/slides/slide9.xml><?xml version="1.0" encoding="utf-8"?>
 <p:sld xmlns:a="http://schemas.openxmlformats.org/drawingml/2006/main" xmlns:r="http://schemas.openxmlformats.org/officeDocument/2006/relationships" xmlns:p="http://schemas.openxmlformats.org/presentationml/2006/main">
   <p:cSld>
     <p:bg>
@@ -15712,911 +17422,6 @@
     <p:extLst>
       <p:ext uri="{BB962C8B-B14F-4D97-AF65-F5344CB8AC3E}">
         <p14:creationId xmlns:p14="http://schemas.microsoft.com/office/powerpoint/2010/main" val="2066853906"/>
-      </p:ext>
-    </p:extLst>
-  </p:cSld>
-  <p:clrMapOvr>
-    <a:masterClrMapping/>
-  </p:clrMapOvr>
-</p:sld>
-</file>
-
-<file path=ppt/slides/slide9.xml><?xml version="1.0" encoding="utf-8"?>
-<p:sld xmlns:a="http://schemas.openxmlformats.org/drawingml/2006/main" xmlns:r="http://schemas.openxmlformats.org/officeDocument/2006/relationships" xmlns:p="http://schemas.openxmlformats.org/presentationml/2006/main">
-  <p:cSld>
-    <p:bg>
-      <p:bgPr>
-        <a:solidFill>
-          <a:schemeClr val="bg1"/>
-        </a:solidFill>
-        <a:effectLst/>
-      </p:bgPr>
-    </p:bg>
-    <p:spTree>
-      <p:nvGrpSpPr>
-        <p:cNvPr id="1" name=""/>
-        <p:cNvGrpSpPr/>
-        <p:nvPr/>
-      </p:nvGrpSpPr>
-      <p:grpSpPr>
-        <a:xfrm>
-          <a:off x="0" y="0"/>
-          <a:ext cx="0" cy="0"/>
-          <a:chOff x="0" y="0"/>
-          <a:chExt cx="0" cy="0"/>
-        </a:xfrm>
-      </p:grpSpPr>
-      <p:sp useBgFill="1">
-        <p:nvSpPr>
-          <p:cNvPr id="52" name="Rectangle 42">
-            <a:extLst>
-              <a:ext uri="{FF2B5EF4-FFF2-40B4-BE49-F238E27FC236}">
-                <a16:creationId xmlns:a16="http://schemas.microsoft.com/office/drawing/2014/main" id="{201CC55D-ED54-4C5C-95E6-10947BD1103B}"/>
-              </a:ext>
-              <a:ext uri="{C183D7F6-B498-43B3-948B-1728B52AA6E4}">
-                <adec:decorative xmlns:adec="http://schemas.microsoft.com/office/drawing/2017/decorative" val="1"/>
-              </a:ext>
-            </a:extLst>
-          </p:cNvPr>
-          <p:cNvSpPr>
-            <a:spLocks noGrp="1" noRot="1" noChangeAspect="1" noMove="1" noResize="1" noEditPoints="1" noAdjustHandles="1" noChangeArrowheads="1" noChangeShapeType="1" noTextEdit="1"/>
-          </p:cNvSpPr>
-          <p:nvPr>
-            <p:extLst>
-              <p:ext uri="{386F3935-93C4-4BCD-93E2-E3B085C9AB24}">
-                <p16:designElem xmlns:p16="http://schemas.microsoft.com/office/powerpoint/2015/main" val="1"/>
-              </p:ext>
-            </p:extLst>
-          </p:nvPr>
-        </p:nvSpPr>
-        <p:spPr>
-          <a:xfrm>
-            <a:off x="0" y="0"/>
-            <a:ext cx="12191999" cy="6857365"/>
-          </a:xfrm>
-          <a:prstGeom prst="rect">
-            <a:avLst/>
-          </a:prstGeom>
-          <a:ln>
-            <a:noFill/>
-          </a:ln>
-        </p:spPr>
-        <p:style>
-          <a:lnRef idx="2">
-            <a:schemeClr val="accent1">
-              <a:shade val="50000"/>
-            </a:schemeClr>
-          </a:lnRef>
-          <a:fillRef idx="1">
-            <a:schemeClr val="accent1"/>
-          </a:fillRef>
-          <a:effectRef idx="0">
-            <a:schemeClr val="accent1"/>
-          </a:effectRef>
-          <a:fontRef idx="minor">
-            <a:schemeClr val="lt1"/>
-          </a:fontRef>
-        </p:style>
-        <p:txBody>
-          <a:bodyPr rtlCol="0" anchor="ctr"/>
-          <a:lstStyle/>
-          <a:p>
-            <a:pPr algn="ctr"/>
-            <a:endParaRPr lang="en-US"/>
-          </a:p>
-        </p:txBody>
-      </p:sp>
-      <p:sp>
-        <p:nvSpPr>
-          <p:cNvPr id="19" name="Rectangle 18">
-            <a:extLst>
-              <a:ext uri="{FF2B5EF4-FFF2-40B4-BE49-F238E27FC236}">
-                <a16:creationId xmlns:a16="http://schemas.microsoft.com/office/drawing/2014/main" id="{839D4B9E-CCF5-4693-A7D2-3F65D29B2909}"/>
-              </a:ext>
-            </a:extLst>
-          </p:cNvPr>
-          <p:cNvSpPr/>
-          <p:nvPr/>
-        </p:nvSpPr>
-        <p:spPr>
-          <a:xfrm>
-            <a:off x="355197" y="640080"/>
-            <a:ext cx="5330612" cy="1316736"/>
-          </a:xfrm>
-          <a:prstGeom prst="rect">
-            <a:avLst/>
-          </a:prstGeom>
-          <a:solidFill>
-            <a:srgbClr val="023047"/>
-          </a:solidFill>
-          <a:ln>
-            <a:noFill/>
-          </a:ln>
-        </p:spPr>
-        <p:style>
-          <a:lnRef idx="2">
-            <a:schemeClr val="accent1">
-              <a:shade val="50000"/>
-            </a:schemeClr>
-          </a:lnRef>
-          <a:fillRef idx="1">
-            <a:schemeClr val="accent1"/>
-          </a:fillRef>
-          <a:effectRef idx="0">
-            <a:schemeClr val="accent1"/>
-          </a:effectRef>
-          <a:fontRef idx="minor">
-            <a:schemeClr val="lt1"/>
-          </a:fontRef>
-        </p:style>
-        <p:txBody>
-          <a:bodyPr rtlCol="0" anchor="ctr"/>
-          <a:lstStyle/>
-          <a:p>
-            <a:pPr algn="ctr"/>
-            <a:endParaRPr lang="en-GB"/>
-          </a:p>
-        </p:txBody>
-      </p:sp>
-      <p:sp>
-        <p:nvSpPr>
-          <p:cNvPr id="2" name="Title 1">
-            <a:extLst>
-              <a:ext uri="{FF2B5EF4-FFF2-40B4-BE49-F238E27FC236}">
-                <a16:creationId xmlns:a16="http://schemas.microsoft.com/office/drawing/2014/main" id="{F703FF40-49BD-4711-8571-801EBE0CF90B}"/>
-              </a:ext>
-            </a:extLst>
-          </p:cNvPr>
-          <p:cNvSpPr>
-            <a:spLocks noGrp="1"/>
-          </p:cNvSpPr>
-          <p:nvPr>
-            <p:ph type="title"/>
-          </p:nvPr>
-        </p:nvSpPr>
-        <p:spPr>
-          <a:xfrm>
-            <a:off x="589560" y="694944"/>
-            <a:ext cx="4672496" cy="1289304"/>
-          </a:xfrm>
-        </p:spPr>
-        <p:txBody>
-          <a:bodyPr vert="horz" lIns="91440" tIns="45720" rIns="91440" bIns="45720" rtlCol="0" anchor="ctr">
-            <a:normAutofit/>
-          </a:bodyPr>
-          <a:lstStyle/>
-          <a:p>
-            <a:r>
-              <a:rPr lang="en-US" sz="5400" dirty="0">
-                <a:solidFill>
-                  <a:srgbClr val="FFC000"/>
-                </a:solidFill>
-              </a:rPr>
-              <a:t>Interactions</a:t>
-            </a:r>
-            <a:endParaRPr lang="en-US" sz="4400" dirty="0">
-              <a:solidFill>
-                <a:srgbClr val="FFC000"/>
-              </a:solidFill>
-            </a:endParaRPr>
-          </a:p>
-        </p:txBody>
-      </p:sp>
-      <p:grpSp>
-        <p:nvGrpSpPr>
-          <p:cNvPr id="54" name="Group 44">
-            <a:extLst>
-              <a:ext uri="{FF2B5EF4-FFF2-40B4-BE49-F238E27FC236}">
-                <a16:creationId xmlns:a16="http://schemas.microsoft.com/office/drawing/2014/main" id="{1DE889C7-FAD6-4397-98E2-05D503484459}"/>
-              </a:ext>
-              <a:ext uri="{C183D7F6-B498-43B3-948B-1728B52AA6E4}">
-                <adec:decorative xmlns:adec="http://schemas.microsoft.com/office/drawing/2017/decorative" val="1"/>
-              </a:ext>
-            </a:extLst>
-          </p:cNvPr>
-          <p:cNvGrpSpPr>
-            <a:grpSpLocks noGrp="1" noUngrp="1" noRot="1" noChangeAspect="1" noMove="1" noResize="1"/>
-          </p:cNvGrpSpPr>
-          <p:nvPr>
-            <p:extLst>
-              <p:ext uri="{386F3935-93C4-4BCD-93E2-E3B085C9AB24}">
-                <p16:designElem xmlns:p16="http://schemas.microsoft.com/office/powerpoint/2015/main" val="1"/>
-              </p:ext>
-            </p:extLst>
-          </p:nvPr>
-        </p:nvGrpSpPr>
-        <p:grpSpPr>
-          <a:xfrm>
-            <a:off x="0" y="1083484"/>
-            <a:ext cx="355196" cy="673460"/>
-            <a:chOff x="0" y="823811"/>
-            <a:chExt cx="355196" cy="673460"/>
-          </a:xfrm>
-        </p:grpSpPr>
-        <p:sp>
-          <p:nvSpPr>
-            <p:cNvPr id="46" name="Rectangle 45">
-              <a:extLst>
-                <a:ext uri="{FF2B5EF4-FFF2-40B4-BE49-F238E27FC236}">
-                  <a16:creationId xmlns:a16="http://schemas.microsoft.com/office/drawing/2014/main" id="{F399A70F-F8CD-4992-9EF5-6CF15472E73F}"/>
-                </a:ext>
-                <a:ext uri="{C183D7F6-B498-43B3-948B-1728B52AA6E4}">
-                  <adec:decorative xmlns:adec="http://schemas.microsoft.com/office/drawing/2017/decorative" val="1"/>
-                </a:ext>
-              </a:extLst>
-            </p:cNvPr>
-            <p:cNvSpPr/>
-            <p:nvPr>
-              <p:extLst>
-                <p:ext uri="{386F3935-93C4-4BCD-93E2-E3B085C9AB24}">
-                  <p16:designElem xmlns:p16="http://schemas.microsoft.com/office/powerpoint/2015/main" val="1"/>
-                </p:ext>
-              </p:extLst>
-            </p:nvPr>
-          </p:nvSpPr>
-          <p:spPr>
-            <a:xfrm>
-              <a:off x="0" y="823811"/>
-              <a:ext cx="87363" cy="673460"/>
-            </a:xfrm>
-            <a:prstGeom prst="rect">
-              <a:avLst/>
-            </a:prstGeom>
-            <a:solidFill>
-              <a:schemeClr val="accent4"/>
-            </a:solidFill>
-            <a:ln>
-              <a:noFill/>
-            </a:ln>
-          </p:spPr>
-          <p:style>
-            <a:lnRef idx="2">
-              <a:schemeClr val="accent1">
-                <a:shade val="50000"/>
-              </a:schemeClr>
-            </a:lnRef>
-            <a:fillRef idx="1">
-              <a:schemeClr val="accent1"/>
-            </a:fillRef>
-            <a:effectRef idx="0">
-              <a:schemeClr val="accent1"/>
-            </a:effectRef>
-            <a:fontRef idx="minor">
-              <a:schemeClr val="lt1"/>
-            </a:fontRef>
-          </p:style>
-          <p:txBody>
-            <a:bodyPr rtlCol="0" anchor="ctr"/>
-            <a:lstStyle/>
-            <a:p>
-              <a:pPr algn="ctr"/>
-              <a:endParaRPr lang="en-US"/>
-            </a:p>
-          </p:txBody>
-        </p:sp>
-        <p:sp>
-          <p:nvSpPr>
-            <p:cNvPr id="55" name="Rectangle 46">
-              <a:extLst>
-                <a:ext uri="{FF2B5EF4-FFF2-40B4-BE49-F238E27FC236}">
-                  <a16:creationId xmlns:a16="http://schemas.microsoft.com/office/drawing/2014/main" id="{48F4FEDC-6D80-458C-A665-075D9B9500FD}"/>
-                </a:ext>
-                <a:ext uri="{C183D7F6-B498-43B3-948B-1728B52AA6E4}">
-                  <adec:decorative xmlns:adec="http://schemas.microsoft.com/office/drawing/2017/decorative" val="1"/>
-                </a:ext>
-              </a:extLst>
-            </p:cNvPr>
-            <p:cNvSpPr/>
-            <p:nvPr>
-              <p:extLst>
-                <p:ext uri="{386F3935-93C4-4BCD-93E2-E3B085C9AB24}">
-                  <p16:designElem xmlns:p16="http://schemas.microsoft.com/office/powerpoint/2015/main" val="1"/>
-                </p:ext>
-              </p:extLst>
-            </p:nvPr>
-          </p:nvSpPr>
-          <p:spPr>
-            <a:xfrm>
-              <a:off x="159341" y="823811"/>
-              <a:ext cx="195855" cy="673460"/>
-            </a:xfrm>
-            <a:prstGeom prst="rect">
-              <a:avLst/>
-            </a:prstGeom>
-            <a:solidFill>
-              <a:schemeClr val="accent4"/>
-            </a:solidFill>
-            <a:ln>
-              <a:noFill/>
-            </a:ln>
-          </p:spPr>
-          <p:style>
-            <a:lnRef idx="2">
-              <a:schemeClr val="accent1">
-                <a:shade val="50000"/>
-              </a:schemeClr>
-            </a:lnRef>
-            <a:fillRef idx="1">
-              <a:schemeClr val="accent1"/>
-            </a:fillRef>
-            <a:effectRef idx="0">
-              <a:schemeClr val="accent1"/>
-            </a:effectRef>
-            <a:fontRef idx="minor">
-              <a:schemeClr val="lt1"/>
-            </a:fontRef>
-          </p:style>
-          <p:txBody>
-            <a:bodyPr rtlCol="0" anchor="ctr"/>
-            <a:lstStyle/>
-            <a:p>
-              <a:pPr algn="ctr"/>
-              <a:endParaRPr lang="en-US"/>
-            </a:p>
-          </p:txBody>
-        </p:sp>
-      </p:grpSp>
-      <p:sp>
-        <p:nvSpPr>
-          <p:cNvPr id="56" name="Rectangle 48">
-            <a:extLst>
-              <a:ext uri="{FF2B5EF4-FFF2-40B4-BE49-F238E27FC236}">
-                <a16:creationId xmlns:a16="http://schemas.microsoft.com/office/drawing/2014/main" id="{3873B707-463F-40B0-8227-E8CC6C67EB25}"/>
-              </a:ext>
-              <a:ext uri="{C183D7F6-B498-43B3-948B-1728B52AA6E4}">
-                <adec:decorative xmlns:adec="http://schemas.microsoft.com/office/drawing/2017/decorative" val="1"/>
-              </a:ext>
-            </a:extLst>
-          </p:cNvPr>
-          <p:cNvSpPr>
-            <a:spLocks noGrp="1" noRot="1" noChangeAspect="1" noMove="1" noResize="1" noEditPoints="1" noAdjustHandles="1" noChangeArrowheads="1" noChangeShapeType="1" noTextEdit="1"/>
-          </p:cNvSpPr>
-          <p:nvPr>
-            <p:extLst>
-              <p:ext uri="{386F3935-93C4-4BCD-93E2-E3B085C9AB24}">
-                <p16:designElem xmlns:p16="http://schemas.microsoft.com/office/powerpoint/2015/main" val="1"/>
-              </p:ext>
-            </p:extLst>
-          </p:nvPr>
-        </p:nvSpPr>
-        <p:spPr>
-          <a:xfrm flipH="1">
-            <a:off x="665085" y="2090569"/>
-            <a:ext cx="4297680" cy="27432"/>
-          </a:xfrm>
-          <a:prstGeom prst="rect">
-            <a:avLst/>
-          </a:prstGeom>
-          <a:solidFill>
-            <a:schemeClr val="accent4"/>
-          </a:solidFill>
-          <a:ln>
-            <a:noFill/>
-          </a:ln>
-        </p:spPr>
-        <p:style>
-          <a:lnRef idx="2">
-            <a:schemeClr val="accent1">
-              <a:shade val="50000"/>
-            </a:schemeClr>
-          </a:lnRef>
-          <a:fillRef idx="1">
-            <a:schemeClr val="accent1"/>
-          </a:fillRef>
-          <a:effectRef idx="0">
-            <a:schemeClr val="accent1"/>
-          </a:effectRef>
-          <a:fontRef idx="minor">
-            <a:schemeClr val="lt1"/>
-          </a:fontRef>
-        </p:style>
-        <p:txBody>
-          <a:bodyPr rtlCol="0" anchor="ctr"/>
-          <a:lstStyle/>
-          <a:p>
-            <a:pPr algn="ctr"/>
-            <a:endParaRPr lang="en-US"/>
-          </a:p>
-        </p:txBody>
-      </p:sp>
-      <p:sp>
-        <p:nvSpPr>
-          <p:cNvPr id="51" name="Rectangle 50">
-            <a:extLst>
-              <a:ext uri="{FF2B5EF4-FFF2-40B4-BE49-F238E27FC236}">
-                <a16:creationId xmlns:a16="http://schemas.microsoft.com/office/drawing/2014/main" id="{C13237C8-E62C-4F0D-A318-BD6FB6C2D138}"/>
-              </a:ext>
-              <a:ext uri="{C183D7F6-B498-43B3-948B-1728B52AA6E4}">
-                <adec:decorative xmlns:adec="http://schemas.microsoft.com/office/drawing/2017/decorative" val="1"/>
-              </a:ext>
-            </a:extLst>
-          </p:cNvPr>
-          <p:cNvSpPr>
-            <a:spLocks noGrp="1" noRot="1" noChangeAspect="1" noMove="1" noResize="1" noEditPoints="1" noAdjustHandles="1" noChangeArrowheads="1" noChangeShapeType="1" noTextEdit="1"/>
-          </p:cNvSpPr>
-          <p:nvPr>
-            <p:extLst>
-              <p:ext uri="{386F3935-93C4-4BCD-93E2-E3B085C9AB24}">
-                <p16:designElem xmlns:p16="http://schemas.microsoft.com/office/powerpoint/2015/main" val="1"/>
-              </p:ext>
-            </p:extLst>
-          </p:nvPr>
-        </p:nvSpPr>
-        <p:spPr>
-          <a:xfrm flipH="1">
-            <a:off x="10697670" y="0"/>
-            <a:ext cx="1494330" cy="6858000"/>
-          </a:xfrm>
-          <a:prstGeom prst="rect">
-            <a:avLst/>
-          </a:prstGeom>
-          <a:solidFill>
-            <a:schemeClr val="accent4"/>
-          </a:solidFill>
-          <a:ln>
-            <a:noFill/>
-          </a:ln>
-        </p:spPr>
-        <p:style>
-          <a:lnRef idx="2">
-            <a:schemeClr val="accent1">
-              <a:shade val="50000"/>
-            </a:schemeClr>
-          </a:lnRef>
-          <a:fillRef idx="1">
-            <a:schemeClr val="accent1"/>
-          </a:fillRef>
-          <a:effectRef idx="0">
-            <a:schemeClr val="accent1"/>
-          </a:effectRef>
-          <a:fontRef idx="minor">
-            <a:schemeClr val="lt1"/>
-          </a:fontRef>
-        </p:style>
-        <p:txBody>
-          <a:bodyPr rtlCol="0" anchor="ctr"/>
-          <a:lstStyle/>
-          <a:p>
-            <a:pPr algn="ctr"/>
-            <a:endParaRPr lang="en-US"/>
-          </a:p>
-        </p:txBody>
-      </p:sp>
-      <p:sp>
-        <p:nvSpPr>
-          <p:cNvPr id="53" name="Rectangle 52">
-            <a:extLst>
-              <a:ext uri="{FF2B5EF4-FFF2-40B4-BE49-F238E27FC236}">
-                <a16:creationId xmlns:a16="http://schemas.microsoft.com/office/drawing/2014/main" id="{19C9EAEA-39D0-4B0E-A0EB-51E7B26740B1}"/>
-              </a:ext>
-              <a:ext uri="{C183D7F6-B498-43B3-948B-1728B52AA6E4}">
-                <adec:decorative xmlns:adec="http://schemas.microsoft.com/office/drawing/2017/decorative" val="1"/>
-              </a:ext>
-            </a:extLst>
-          </p:cNvPr>
-          <p:cNvSpPr>
-            <a:spLocks noGrp="1" noRot="1" noChangeAspect="1" noMove="1" noResize="1" noEditPoints="1" noAdjustHandles="1" noChangeArrowheads="1" noChangeShapeType="1" noTextEdit="1"/>
-          </p:cNvSpPr>
-          <p:nvPr>
-            <p:extLst>
-              <p:ext uri="{386F3935-93C4-4BCD-93E2-E3B085C9AB24}">
-                <p16:designElem xmlns:p16="http://schemas.microsoft.com/office/powerpoint/2015/main" val="1"/>
-              </p:ext>
-            </p:extLst>
-          </p:nvPr>
-        </p:nvSpPr>
-        <p:spPr>
-          <a:xfrm>
-            <a:off x="5685810" y="513853"/>
-            <a:ext cx="6009366" cy="5834577"/>
-          </a:xfrm>
-          <a:prstGeom prst="rect">
-            <a:avLst/>
-          </a:prstGeom>
-          <a:solidFill>
-            <a:schemeClr val="bg1"/>
-          </a:solidFill>
-          <a:ln>
-            <a:noFill/>
-          </a:ln>
-          <a:effectLst>
-            <a:outerShdw blurRad="139700" dist="127000" dir="5400000" algn="t" rotWithShape="0">
-              <a:prstClr val="black">
-                <a:alpha val="15000"/>
-              </a:prstClr>
-            </a:outerShdw>
-          </a:effectLst>
-        </p:spPr>
-        <p:style>
-          <a:lnRef idx="2">
-            <a:schemeClr val="accent1">
-              <a:shade val="50000"/>
-            </a:schemeClr>
-          </a:lnRef>
-          <a:fillRef idx="1">
-            <a:schemeClr val="accent1"/>
-          </a:fillRef>
-          <a:effectRef idx="0">
-            <a:schemeClr val="accent1"/>
-          </a:effectRef>
-          <a:fontRef idx="minor">
-            <a:schemeClr val="lt1"/>
-          </a:fontRef>
-        </p:style>
-        <p:txBody>
-          <a:bodyPr rtlCol="0" anchor="ctr"/>
-          <a:lstStyle/>
-          <a:p>
-            <a:pPr algn="ctr"/>
-            <a:endParaRPr lang="en-US"/>
-          </a:p>
-        </p:txBody>
-      </p:sp>
-      <p:pic>
-        <p:nvPicPr>
-          <p:cNvPr id="7" name="Picture 6" descr="Diagram&#10;&#10;Description automatically generated">
-            <a:extLst>
-              <a:ext uri="{FF2B5EF4-FFF2-40B4-BE49-F238E27FC236}">
-                <a16:creationId xmlns:a16="http://schemas.microsoft.com/office/drawing/2014/main" id="{F3B590EA-F3AF-4AD2-9E17-FAC5AC6B146A}"/>
-              </a:ext>
-            </a:extLst>
-          </p:cNvPr>
-          <p:cNvPicPr>
-            <a:picLocks noChangeAspect="1"/>
-          </p:cNvPicPr>
-          <p:nvPr/>
-        </p:nvPicPr>
-        <p:blipFill>
-          <a:blip r:embed="rId2">
-            <a:extLst>
-              <a:ext uri="{28A0092B-C50C-407E-A947-70E740481C1C}">
-                <a14:useLocalDpi xmlns:a14="http://schemas.microsoft.com/office/drawing/2010/main" val="0"/>
-              </a:ext>
-            </a:extLst>
-          </a:blip>
-          <a:stretch>
-            <a:fillRect/>
-          </a:stretch>
-        </p:blipFill>
-        <p:spPr>
-          <a:xfrm>
-            <a:off x="5677092" y="958406"/>
-            <a:ext cx="6018084" cy="4941187"/>
-          </a:xfrm>
-          <a:prstGeom prst="rect">
-            <a:avLst/>
-          </a:prstGeom>
-        </p:spPr>
-      </p:pic>
-      <p:sp>
-        <p:nvSpPr>
-          <p:cNvPr id="12" name="Text Placeholder 7">
-            <a:extLst>
-              <a:ext uri="{FF2B5EF4-FFF2-40B4-BE49-F238E27FC236}">
-                <a16:creationId xmlns:a16="http://schemas.microsoft.com/office/drawing/2014/main" id="{9970DFBC-207A-4131-B1B8-457C605725B3}"/>
-              </a:ext>
-            </a:extLst>
-          </p:cNvPr>
-          <p:cNvSpPr>
-            <a:spLocks noGrp="1"/>
-          </p:cNvSpPr>
-          <p:nvPr>
-            <p:ph type="body" sz="half" idx="2"/>
-          </p:nvPr>
-        </p:nvSpPr>
-        <p:spPr>
-          <a:xfrm>
-            <a:off x="590719" y="2330505"/>
-            <a:ext cx="4559425" cy="3979585"/>
-          </a:xfrm>
-        </p:spPr>
-        <p:txBody>
-          <a:bodyPr vert="horz" lIns="91440" tIns="45720" rIns="91440" bIns="45720" rtlCol="0" anchor="ctr">
-            <a:normAutofit/>
-          </a:bodyPr>
-          <a:lstStyle/>
-          <a:p>
-            <a:pPr marL="285750" indent="-285750">
-              <a:buFont typeface="Arial" panose="020B0604020202020204" pitchFamily="34" charset="0"/>
-              <a:buChar char="•"/>
-            </a:pPr>
-            <a:r>
-              <a:rPr lang="en-US" sz="1800" dirty="0">
-                <a:solidFill>
-                  <a:srgbClr val="023047"/>
-                </a:solidFill>
-                <a:cs typeface="Arial" panose="020B0604020202020204" pitchFamily="34" charset="0"/>
-              </a:rPr>
-              <a:t>Once a face is detected, it attempts to recognize the person</a:t>
-            </a:r>
-          </a:p>
-          <a:p>
-            <a:pPr marL="285750" indent="-285750">
-              <a:buFont typeface="Arial" panose="020B0604020202020204" pitchFamily="34" charset="0"/>
-              <a:buChar char="•"/>
-            </a:pPr>
-            <a:r>
-              <a:rPr lang="en-US" sz="1800" dirty="0">
-                <a:solidFill>
-                  <a:srgbClr val="023047"/>
-                </a:solidFill>
-                <a:cs typeface="Arial" panose="020B0604020202020204" pitchFamily="34" charset="0"/>
-              </a:rPr>
-              <a:t>Recognition is performed though image processing</a:t>
-            </a:r>
-          </a:p>
-          <a:p>
-            <a:pPr marL="285750" indent="-285750">
-              <a:buFont typeface="Arial" panose="020B0604020202020204" pitchFamily="34" charset="0"/>
-              <a:buChar char="•"/>
-            </a:pPr>
-            <a:r>
-              <a:rPr lang="en-US" sz="1800" dirty="0">
-                <a:solidFill>
-                  <a:srgbClr val="023047"/>
-                </a:solidFill>
-                <a:cs typeface="Arial" panose="020B0604020202020204" pitchFamily="34" charset="0"/>
-              </a:rPr>
-              <a:t>Recognition Steps:</a:t>
-            </a:r>
-          </a:p>
-          <a:p>
-            <a:pPr marL="742950" lvl="1" indent="-285750">
-              <a:buFont typeface="Arial" panose="020B0604020202020204" pitchFamily="34" charset="0"/>
-              <a:buChar char="•"/>
-            </a:pPr>
-            <a:r>
-              <a:rPr lang="en-US" sz="1600" dirty="0">
-                <a:solidFill>
-                  <a:srgbClr val="023047"/>
-                </a:solidFill>
-                <a:cs typeface="Arial" panose="020B0604020202020204" pitchFamily="34" charset="0"/>
-              </a:rPr>
-              <a:t>Generate face encodings for each face</a:t>
-            </a:r>
-          </a:p>
-          <a:p>
-            <a:pPr marL="742950" lvl="1" indent="-285750">
-              <a:buFont typeface="Arial" panose="020B0604020202020204" pitchFamily="34" charset="0"/>
-              <a:buChar char="•"/>
-            </a:pPr>
-            <a:r>
-              <a:rPr lang="en-US" sz="1600" dirty="0">
-                <a:solidFill>
-                  <a:srgbClr val="023047"/>
-                </a:solidFill>
-                <a:cs typeface="Arial" panose="020B0604020202020204" pitchFamily="34" charset="0"/>
-              </a:rPr>
-              <a:t>Compare each encoding to the ones locally saved for each member until there is a match</a:t>
-            </a:r>
-          </a:p>
-          <a:p>
-            <a:pPr marL="742950" lvl="1" indent="-285750">
-              <a:buFont typeface="Arial" panose="020B0604020202020204" pitchFamily="34" charset="0"/>
-              <a:buChar char="•"/>
-            </a:pPr>
-            <a:r>
-              <a:rPr lang="en-US" sz="1600" dirty="0">
-                <a:solidFill>
-                  <a:srgbClr val="023047"/>
-                </a:solidFill>
-                <a:cs typeface="Arial" panose="020B0604020202020204" pitchFamily="34" charset="0"/>
-              </a:rPr>
-              <a:t>If no match is found it asks the person to identify themselves by providing their name</a:t>
-            </a:r>
-          </a:p>
-        </p:txBody>
-      </p:sp>
-      <p:sp>
-        <p:nvSpPr>
-          <p:cNvPr id="14" name="Text Placeholder 7">
-            <a:extLst>
-              <a:ext uri="{FF2B5EF4-FFF2-40B4-BE49-F238E27FC236}">
-                <a16:creationId xmlns:a16="http://schemas.microsoft.com/office/drawing/2014/main" id="{6C0D6760-BDBD-4F94-93CE-5D892D1A2BB8}"/>
-              </a:ext>
-            </a:extLst>
-          </p:cNvPr>
-          <p:cNvSpPr txBox="1">
-            <a:spLocks/>
-          </p:cNvSpPr>
-          <p:nvPr/>
-        </p:nvSpPr>
-        <p:spPr>
-          <a:xfrm>
-            <a:off x="5815229" y="2144426"/>
-            <a:ext cx="4559425" cy="3979585"/>
-          </a:xfrm>
-          <a:prstGeom prst="rect">
-            <a:avLst/>
-          </a:prstGeom>
-        </p:spPr>
-        <p:txBody>
-          <a:bodyPr vert="horz" lIns="91440" tIns="45720" rIns="91440" bIns="45720" rtlCol="0" anchor="ctr">
-            <a:normAutofit/>
-          </a:bodyPr>
-          <a:lstStyle>
-            <a:lvl1pPr marL="0" indent="0" algn="l" defTabSz="914400" rtl="0" eaLnBrk="1" latinLnBrk="0" hangingPunct="1">
-              <a:lnSpc>
-                <a:spcPct val="90000"/>
-              </a:lnSpc>
-              <a:spcBef>
-                <a:spcPts val="1000"/>
-              </a:spcBef>
-              <a:buFont typeface="Arial" panose="020B0604020202020204" pitchFamily="34" charset="0"/>
-              <a:buNone/>
-              <a:defRPr sz="1600" kern="1200">
-                <a:solidFill>
-                  <a:schemeClr val="tx1"/>
-                </a:solidFill>
-                <a:latin typeface="+mn-lt"/>
-                <a:ea typeface="+mn-ea"/>
-                <a:cs typeface="+mn-cs"/>
-              </a:defRPr>
-            </a:lvl1pPr>
-            <a:lvl2pPr marL="457200" indent="0" algn="l" defTabSz="914400" rtl="0" eaLnBrk="1" latinLnBrk="0" hangingPunct="1">
-              <a:lnSpc>
-                <a:spcPct val="90000"/>
-              </a:lnSpc>
-              <a:spcBef>
-                <a:spcPts val="500"/>
-              </a:spcBef>
-              <a:buFont typeface="Arial" panose="020B0604020202020204" pitchFamily="34" charset="0"/>
-              <a:buNone/>
-              <a:defRPr sz="1400" kern="1200">
-                <a:solidFill>
-                  <a:schemeClr val="tx1"/>
-                </a:solidFill>
-                <a:latin typeface="+mn-lt"/>
-                <a:ea typeface="+mn-ea"/>
-                <a:cs typeface="+mn-cs"/>
-              </a:defRPr>
-            </a:lvl2pPr>
-            <a:lvl3pPr marL="914400" indent="0" algn="l" defTabSz="914400" rtl="0" eaLnBrk="1" latinLnBrk="0" hangingPunct="1">
-              <a:lnSpc>
-                <a:spcPct val="90000"/>
-              </a:lnSpc>
-              <a:spcBef>
-                <a:spcPts val="500"/>
-              </a:spcBef>
-              <a:buFont typeface="Arial" panose="020B0604020202020204" pitchFamily="34" charset="0"/>
-              <a:buNone/>
-              <a:defRPr sz="1200" kern="1200">
-                <a:solidFill>
-                  <a:schemeClr val="tx1"/>
-                </a:solidFill>
-                <a:latin typeface="+mn-lt"/>
-                <a:ea typeface="+mn-ea"/>
-                <a:cs typeface="+mn-cs"/>
-              </a:defRPr>
-            </a:lvl3pPr>
-            <a:lvl4pPr marL="1371600" indent="0" algn="l" defTabSz="914400" rtl="0" eaLnBrk="1" latinLnBrk="0" hangingPunct="1">
-              <a:lnSpc>
-                <a:spcPct val="90000"/>
-              </a:lnSpc>
-              <a:spcBef>
-                <a:spcPts val="500"/>
-              </a:spcBef>
-              <a:buFont typeface="Arial" panose="020B0604020202020204" pitchFamily="34" charset="0"/>
-              <a:buNone/>
-              <a:defRPr sz="1000" kern="1200">
-                <a:solidFill>
-                  <a:schemeClr val="tx1"/>
-                </a:solidFill>
-                <a:latin typeface="+mn-lt"/>
-                <a:ea typeface="+mn-ea"/>
-                <a:cs typeface="+mn-cs"/>
-              </a:defRPr>
-            </a:lvl4pPr>
-            <a:lvl5pPr marL="1828800" indent="0" algn="l" defTabSz="914400" rtl="0" eaLnBrk="1" latinLnBrk="0" hangingPunct="1">
-              <a:lnSpc>
-                <a:spcPct val="90000"/>
-              </a:lnSpc>
-              <a:spcBef>
-                <a:spcPts val="500"/>
-              </a:spcBef>
-              <a:buFont typeface="Arial" panose="020B0604020202020204" pitchFamily="34" charset="0"/>
-              <a:buNone/>
-              <a:defRPr sz="1000" kern="1200">
-                <a:solidFill>
-                  <a:schemeClr val="tx1"/>
-                </a:solidFill>
-                <a:latin typeface="+mn-lt"/>
-                <a:ea typeface="+mn-ea"/>
-                <a:cs typeface="+mn-cs"/>
-              </a:defRPr>
-            </a:lvl5pPr>
-            <a:lvl6pPr marL="2286000" indent="0" algn="l" defTabSz="914400" rtl="0" eaLnBrk="1" latinLnBrk="0" hangingPunct="1">
-              <a:lnSpc>
-                <a:spcPct val="90000"/>
-              </a:lnSpc>
-              <a:spcBef>
-                <a:spcPts val="500"/>
-              </a:spcBef>
-              <a:buFont typeface="Arial" panose="020B0604020202020204" pitchFamily="34" charset="0"/>
-              <a:buNone/>
-              <a:defRPr sz="1000" kern="1200">
-                <a:solidFill>
-                  <a:schemeClr val="tx1"/>
-                </a:solidFill>
-                <a:latin typeface="+mn-lt"/>
-                <a:ea typeface="+mn-ea"/>
-                <a:cs typeface="+mn-cs"/>
-              </a:defRPr>
-            </a:lvl6pPr>
-            <a:lvl7pPr marL="2743200" indent="0" algn="l" defTabSz="914400" rtl="0" eaLnBrk="1" latinLnBrk="0" hangingPunct="1">
-              <a:lnSpc>
-                <a:spcPct val="90000"/>
-              </a:lnSpc>
-              <a:spcBef>
-                <a:spcPts val="500"/>
-              </a:spcBef>
-              <a:buFont typeface="Arial" panose="020B0604020202020204" pitchFamily="34" charset="0"/>
-              <a:buNone/>
-              <a:defRPr sz="1000" kern="1200">
-                <a:solidFill>
-                  <a:schemeClr val="tx1"/>
-                </a:solidFill>
-                <a:latin typeface="+mn-lt"/>
-                <a:ea typeface="+mn-ea"/>
-                <a:cs typeface="+mn-cs"/>
-              </a:defRPr>
-            </a:lvl7pPr>
-            <a:lvl8pPr marL="3200400" indent="0" algn="l" defTabSz="914400" rtl="0" eaLnBrk="1" latinLnBrk="0" hangingPunct="1">
-              <a:lnSpc>
-                <a:spcPct val="90000"/>
-              </a:lnSpc>
-              <a:spcBef>
-                <a:spcPts val="500"/>
-              </a:spcBef>
-              <a:buFont typeface="Arial" panose="020B0604020202020204" pitchFamily="34" charset="0"/>
-              <a:buNone/>
-              <a:defRPr sz="1000" kern="1200">
-                <a:solidFill>
-                  <a:schemeClr val="tx1"/>
-                </a:solidFill>
-                <a:latin typeface="+mn-lt"/>
-                <a:ea typeface="+mn-ea"/>
-                <a:cs typeface="+mn-cs"/>
-              </a:defRPr>
-            </a:lvl8pPr>
-            <a:lvl9pPr marL="3657600" indent="0" algn="l" defTabSz="914400" rtl="0" eaLnBrk="1" latinLnBrk="0" hangingPunct="1">
-              <a:lnSpc>
-                <a:spcPct val="90000"/>
-              </a:lnSpc>
-              <a:spcBef>
-                <a:spcPts val="500"/>
-              </a:spcBef>
-              <a:buFont typeface="Arial" panose="020B0604020202020204" pitchFamily="34" charset="0"/>
-              <a:buNone/>
-              <a:defRPr sz="1000" kern="1200">
-                <a:solidFill>
-                  <a:schemeClr val="tx1"/>
-                </a:solidFill>
-                <a:latin typeface="+mn-lt"/>
-                <a:ea typeface="+mn-ea"/>
-                <a:cs typeface="+mn-cs"/>
-              </a:defRPr>
-            </a:lvl9pPr>
-          </a:lstStyle>
-          <a:p>
-            <a:pPr marL="285750" indent="-285750">
-              <a:buFont typeface="Arial" panose="020B0604020202020204" pitchFamily="34" charset="0"/>
-              <a:buChar char="•"/>
-            </a:pPr>
-            <a:endParaRPr lang="en-US" sz="1600" dirty="0">
-              <a:solidFill>
-                <a:srgbClr val="023047"/>
-              </a:solidFill>
-              <a:latin typeface="Arial" panose="020B0604020202020204" pitchFamily="34" charset="0"/>
-              <a:cs typeface="Arial" panose="020B0604020202020204" pitchFamily="34" charset="0"/>
-            </a:endParaRPr>
-          </a:p>
-        </p:txBody>
-      </p:sp>
-    </p:spTree>
-    <p:extLst>
-      <p:ext uri="{BB962C8B-B14F-4D97-AF65-F5344CB8AC3E}">
-        <p14:creationId xmlns:p14="http://schemas.microsoft.com/office/powerpoint/2010/main" val="3194240597"/>
       </p:ext>
     </p:extLst>
   </p:cSld>
